--- a/櫻畑/資料/03.プレゼン.pptx
+++ b/櫻畑/資料/03.プレゼン.pptx
@@ -7,6 +7,11 @@
   <p:sldIdLst>
     <p:sldId id="256" r:id="rId2"/>
     <p:sldId id="257" r:id="rId3"/>
+    <p:sldId id="258" r:id="rId4"/>
+    <p:sldId id="259" r:id="rId5"/>
+    <p:sldId id="260" r:id="rId6"/>
+    <p:sldId id="261" r:id="rId7"/>
+    <p:sldId id="262" r:id="rId8"/>
   </p:sldIdLst>
   <p:sldSz cx="12192000" cy="6858000"/>
   <p:notesSz cx="6858000" cy="9144000"/>
@@ -4389,7 +4394,7 @@
           <a:p>
             <a:fld id="{48A87A34-81AB-432B-8DAE-1953F412C126}" type="datetimeFigureOut">
               <a:rPr lang="en-US" dirty="0"/>
-              <a:t>10/30/2015</a:t>
+              <a:t>11/5/2015</a:t>
             </a:fld>
             <a:endParaRPr lang="en-US" dirty="0"/>
           </a:p>
@@ -4651,7 +4656,7 @@
           <a:p>
             <a:fld id="{48A87A34-81AB-432B-8DAE-1953F412C126}" type="datetimeFigureOut">
               <a:rPr lang="en-US" dirty="0"/>
-              <a:t>10/30/2015</a:t>
+              <a:t>11/5/2015</a:t>
             </a:fld>
             <a:endParaRPr lang="en-US" dirty="0"/>
           </a:p>
@@ -4842,7 +4847,7 @@
           <a:p>
             <a:fld id="{48A87A34-81AB-432B-8DAE-1953F412C126}" type="datetimeFigureOut">
               <a:rPr lang="en-US" dirty="0"/>
-              <a:t>10/30/2015</a:t>
+              <a:t>11/5/2015</a:t>
             </a:fld>
             <a:endParaRPr lang="en-US" dirty="0"/>
           </a:p>
@@ -5100,7 +5105,7 @@
           <a:p>
             <a:fld id="{48A87A34-81AB-432B-8DAE-1953F412C126}" type="datetimeFigureOut">
               <a:rPr lang="en-US" dirty="0"/>
-              <a:t>10/30/2015</a:t>
+              <a:t>11/5/2015</a:t>
             </a:fld>
             <a:endParaRPr lang="en-US" dirty="0"/>
           </a:p>
@@ -5529,7 +5534,7 @@
           <a:p>
             <a:fld id="{48A87A34-81AB-432B-8DAE-1953F412C126}" type="datetimeFigureOut">
               <a:rPr lang="en-US" dirty="0"/>
-              <a:t>10/30/2015</a:t>
+              <a:t>11/5/2015</a:t>
             </a:fld>
             <a:endParaRPr lang="en-US" dirty="0"/>
           </a:p>
@@ -6070,7 +6075,7 @@
           <a:p>
             <a:fld id="{48A87A34-81AB-432B-8DAE-1953F412C126}" type="datetimeFigureOut">
               <a:rPr lang="en-US" dirty="0"/>
-              <a:t>10/30/2015</a:t>
+              <a:t>11/5/2015</a:t>
             </a:fld>
             <a:endParaRPr lang="en-US" dirty="0"/>
           </a:p>
@@ -6785,7 +6790,7 @@
           <a:p>
             <a:fld id="{48A87A34-81AB-432B-8DAE-1953F412C126}" type="datetimeFigureOut">
               <a:rPr lang="en-US" dirty="0"/>
-              <a:t>10/30/2015</a:t>
+              <a:t>11/5/2015</a:t>
             </a:fld>
             <a:endParaRPr lang="en-US" dirty="0"/>
           </a:p>
@@ -6982,7 +6987,7 @@
           <a:p>
             <a:fld id="{48A87A34-81AB-432B-8DAE-1953F412C126}" type="datetimeFigureOut">
               <a:rPr lang="en-US" dirty="0"/>
-              <a:t>10/30/2015</a:t>
+              <a:t>11/5/2015</a:t>
             </a:fld>
             <a:endParaRPr lang="en-US" dirty="0"/>
           </a:p>
@@ -7189,7 +7194,7 @@
           <a:p>
             <a:fld id="{48A87A34-81AB-432B-8DAE-1953F412C126}" type="datetimeFigureOut">
               <a:rPr lang="en-US" dirty="0"/>
-              <a:t>10/30/2015</a:t>
+              <a:t>11/5/2015</a:t>
             </a:fld>
             <a:endParaRPr lang="en-US" dirty="0"/>
           </a:p>
@@ -7386,7 +7391,7 @@
           <a:p>
             <a:fld id="{48A87A34-81AB-432B-8DAE-1953F412C126}" type="datetimeFigureOut">
               <a:rPr lang="en-US" dirty="0"/>
-              <a:t>10/30/2015</a:t>
+              <a:t>11/5/2015</a:t>
             </a:fld>
             <a:endParaRPr lang="en-US" dirty="0"/>
           </a:p>
@@ -7631,7 +7636,7 @@
           <a:p>
             <a:fld id="{48A87A34-81AB-432B-8DAE-1953F412C126}" type="datetimeFigureOut">
               <a:rPr lang="en-US" dirty="0"/>
-              <a:t>10/30/2015</a:t>
+              <a:t>11/5/2015</a:t>
             </a:fld>
             <a:endParaRPr lang="en-US" dirty="0"/>
           </a:p>
@@ -7922,7 +7927,7 @@
           <a:p>
             <a:fld id="{48A87A34-81AB-432B-8DAE-1953F412C126}" type="datetimeFigureOut">
               <a:rPr lang="en-US" dirty="0"/>
-              <a:t>10/30/2015</a:t>
+              <a:t>11/5/2015</a:t>
             </a:fld>
             <a:endParaRPr lang="en-US" dirty="0"/>
           </a:p>
@@ -8362,7 +8367,7 @@
           <a:p>
             <a:fld id="{48A87A34-81AB-432B-8DAE-1953F412C126}" type="datetimeFigureOut">
               <a:rPr lang="en-US" dirty="0"/>
-              <a:t>10/30/2015</a:t>
+              <a:t>11/5/2015</a:t>
             </a:fld>
             <a:endParaRPr lang="en-US" dirty="0"/>
           </a:p>
@@ -8475,7 +8480,7 @@
           <a:p>
             <a:fld id="{48A87A34-81AB-432B-8DAE-1953F412C126}" type="datetimeFigureOut">
               <a:rPr lang="en-US" dirty="0"/>
-              <a:t>10/30/2015</a:t>
+              <a:t>11/5/2015</a:t>
             </a:fld>
             <a:endParaRPr lang="en-US" dirty="0"/>
           </a:p>
@@ -8565,7 +8570,7 @@
           <a:p>
             <a:fld id="{48A87A34-81AB-432B-8DAE-1953F412C126}" type="datetimeFigureOut">
               <a:rPr lang="en-US" dirty="0"/>
-              <a:t>10/30/2015</a:t>
+              <a:t>11/5/2015</a:t>
             </a:fld>
             <a:endParaRPr lang="en-US" dirty="0"/>
           </a:p>
@@ -8841,7 +8846,7 @@
           <a:p>
             <a:fld id="{48A87A34-81AB-432B-8DAE-1953F412C126}" type="datetimeFigureOut">
               <a:rPr lang="en-US" dirty="0"/>
-              <a:t>10/30/2015</a:t>
+              <a:t>11/5/2015</a:t>
             </a:fld>
             <a:endParaRPr lang="en-US" dirty="0"/>
           </a:p>
@@ -9116,7 +9121,7 @@
           <a:p>
             <a:fld id="{48A87A34-81AB-432B-8DAE-1953F412C126}" type="datetimeFigureOut">
               <a:rPr lang="en-US" dirty="0"/>
-              <a:t>10/30/2015</a:t>
+              <a:t>11/5/2015</a:t>
             </a:fld>
             <a:endParaRPr lang="en-US" dirty="0"/>
           </a:p>
@@ -12221,7 +12226,7 @@
             <a:fld id="{48A87A34-81AB-432B-8DAE-1953F412C126}" type="datetimeFigureOut">
               <a:rPr lang="en-US" dirty="0"/>
               <a:pPr/>
-              <a:t>10/30/2015</a:t>
+              <a:t>11/5/2015</a:t>
             </a:fld>
             <a:endParaRPr lang="en-US" dirty="0"/>
           </a:p>
@@ -12693,14 +12698,14 @@
       </p:sp>
       <p:sp>
         <p:nvSpPr>
-          <p:cNvPr id="7" name="テキスト ボックス 6"/>
+          <p:cNvPr id="2" name="テキスト ボックス 1"/>
           <p:cNvSpPr txBox="1"/>
           <p:nvPr/>
         </p:nvSpPr>
         <p:spPr>
           <a:xfrm>
-            <a:off x="7833023" y="5124061"/>
-            <a:ext cx="3196837" cy="707886"/>
+            <a:off x="5859558" y="5066675"/>
+            <a:ext cx="5849678" cy="830997"/>
           </a:xfrm>
           <a:prstGeom prst="rect">
             <a:avLst/>
@@ -12710,31 +12715,123 @@
         <p:txBody>
           <a:bodyPr wrap="none" rtlCol="0">
             <a:spAutoFit/>
-            <a:scene3d>
-              <a:camera prst="orthographicFront"/>
-              <a:lightRig rig="threePt" dir="t"/>
-            </a:scene3d>
-            <a:sp3d extrusionH="57150">
-              <a:bevelT w="50800" h="38100" prst="riblet"/>
-            </a:sp3d>
           </a:bodyPr>
           <a:lstStyle/>
           <a:p>
-            <a:pPr defTabSz="914400"/>
-            <a:r>
-              <a:rPr kumimoji="1" lang="en-US" altLang="ja-JP" sz="4000" b="1" dirty="0" smtClean="0">
+            <a:r>
+              <a:rPr kumimoji="1" lang="en-US" altLang="ja-JP" sz="2400" b="1" dirty="0" smtClean="0">
+                <a:solidFill>
+                  <a:schemeClr val="tx2">
+                    <a:lumMod val="40000"/>
+                    <a:lumOff val="60000"/>
+                  </a:schemeClr>
+                </a:solidFill>
+              </a:rPr>
+              <a:t>July</a:t>
+            </a:r>
+            <a:r>
+              <a:rPr kumimoji="1" lang="ja-JP" altLang="en-US" sz="2400" b="1" dirty="0" smtClean="0">
+                <a:solidFill>
+                  <a:schemeClr val="tx2">
+                    <a:lumMod val="40000"/>
+                    <a:lumOff val="60000"/>
+                  </a:schemeClr>
+                </a:solidFill>
+              </a:rPr>
+              <a:t> 飯田橋校　スマホアプリ・ゲーム開発科</a:t>
+            </a:r>
+            <a:r>
+              <a:rPr kumimoji="1" lang="en-US" altLang="ja-JP" sz="2400" b="1" dirty="0" smtClean="0">
+                <a:solidFill>
+                  <a:schemeClr val="tx2">
+                    <a:lumMod val="40000"/>
+                    <a:lumOff val="60000"/>
+                  </a:schemeClr>
+                </a:solidFill>
+              </a:rPr>
+              <a:t/>
+            </a:r>
+            <a:br>
+              <a:rPr kumimoji="1" lang="en-US" altLang="ja-JP" sz="2400" b="1" dirty="0" smtClean="0">
+                <a:solidFill>
+                  <a:schemeClr val="tx2">
+                    <a:lumMod val="40000"/>
+                    <a:lumOff val="60000"/>
+                  </a:schemeClr>
+                </a:solidFill>
+              </a:rPr>
+            </a:br>
+            <a:r>
+              <a:rPr kumimoji="1" lang="ja-JP" altLang="en-US" sz="2400" b="1" dirty="0" smtClean="0">
+                <a:solidFill>
+                  <a:schemeClr val="tx2">
+                    <a:lumMod val="40000"/>
+                    <a:lumOff val="60000"/>
+                  </a:schemeClr>
+                </a:solidFill>
+              </a:rPr>
+              <a:t>平成</a:t>
+            </a:r>
+            <a:r>
+              <a:rPr kumimoji="1" lang="en-US" altLang="ja-JP" sz="2400" b="1" dirty="0" smtClean="0">
+                <a:solidFill>
+                  <a:schemeClr val="tx2">
+                    <a:lumMod val="40000"/>
+                    <a:lumOff val="60000"/>
+                  </a:schemeClr>
+                </a:solidFill>
+              </a:rPr>
+              <a:t>27</a:t>
+            </a:r>
+            <a:r>
+              <a:rPr kumimoji="1" lang="ja-JP" altLang="en-US" sz="2400" b="1" dirty="0" smtClean="0">
+                <a:solidFill>
+                  <a:schemeClr val="tx2">
+                    <a:lumMod val="40000"/>
+                    <a:lumOff val="60000"/>
+                  </a:schemeClr>
+                </a:solidFill>
+              </a:rPr>
+              <a:t>年</a:t>
+            </a:r>
+            <a:r>
+              <a:rPr kumimoji="1" lang="en-US" altLang="ja-JP" sz="2400" b="1" dirty="0" smtClean="0">
+                <a:solidFill>
+                  <a:schemeClr val="tx2">
+                    <a:lumMod val="40000"/>
+                    <a:lumOff val="60000"/>
+                  </a:schemeClr>
+                </a:solidFill>
+              </a:rPr>
+              <a:t>5</a:t>
+            </a:r>
+            <a:r>
+              <a:rPr kumimoji="1" lang="ja-JP" altLang="en-US" sz="2400" b="1" dirty="0" smtClean="0">
+                <a:solidFill>
+                  <a:schemeClr val="tx2">
+                    <a:lumMod val="40000"/>
+                    <a:lumOff val="60000"/>
+                  </a:schemeClr>
+                </a:solidFill>
+              </a:rPr>
+              <a:t>月訓練生</a:t>
+            </a:r>
+            <a:r>
+              <a:rPr kumimoji="1" lang="ja-JP" altLang="en-US" sz="2400" b="1" dirty="0" smtClean="0"/>
+              <a:t>　</a:t>
+            </a:r>
+            <a:r>
+              <a:rPr kumimoji="1" lang="en-US" altLang="ja-JP" sz="2400" b="1" dirty="0" smtClean="0">
                 <a:solidFill>
                   <a:srgbClr val="FF66FF"/>
                 </a:solidFill>
-                <a:latin typeface="Calibri" panose="020F0502020204030204"/>
               </a:rPr>
               <a:t>team-SAKURA</a:t>
             </a:r>
-            <a:endParaRPr kumimoji="1" lang="ja-JP" altLang="en-US" sz="4000" b="1" dirty="0">
+            <a:endParaRPr kumimoji="1" lang="ja-JP" altLang="en-US" sz="2400" b="1" dirty="0">
               <a:solidFill>
                 <a:srgbClr val="FF66FF"/>
               </a:solidFill>
-              <a:latin typeface="Calibri" panose="020F0502020204030204"/>
             </a:endParaRPr>
           </a:p>
         </p:txBody>
@@ -12749,6 +12846,13 @@
   <p:clrMapOvr>
     <a:masterClrMapping/>
   </p:clrMapOvr>
+  <p:timing>
+    <p:tnLst>
+      <p:par>
+        <p:cTn id="1" dur="indefinite" restart="never" nodeType="tmRoot"/>
+      </p:par>
+    </p:tnLst>
+  </p:timing>
 </p:sld>
 </file>
 
@@ -12769,10 +12873,3638 @@
           <a:chExt cx="0" cy="0"/>
         </a:xfrm>
       </p:grpSpPr>
+      <p:sp>
+        <p:nvSpPr>
+          <p:cNvPr id="2" name="テキスト ボックス 1"/>
+          <p:cNvSpPr txBox="1"/>
+          <p:nvPr/>
+        </p:nvSpPr>
+        <p:spPr>
+          <a:xfrm>
+            <a:off x="4617070" y="258793"/>
+            <a:ext cx="2957861" cy="646331"/>
+          </a:xfrm>
+          <a:prstGeom prst="rect">
+            <a:avLst/>
+          </a:prstGeom>
+          <a:noFill/>
+        </p:spPr>
+        <p:txBody>
+          <a:bodyPr wrap="none" rtlCol="0">
+            <a:spAutoFit/>
+          </a:bodyPr>
+          <a:lstStyle/>
+          <a:p>
+            <a:r>
+              <a:rPr kumimoji="1" lang="ja-JP" altLang="en-US" sz="3600" dirty="0" smtClean="0"/>
+              <a:t>タイトルとは？</a:t>
+            </a:r>
+            <a:endParaRPr kumimoji="1" lang="ja-JP" altLang="en-US" sz="3600" dirty="0"/>
+          </a:p>
+        </p:txBody>
+      </p:sp>
     </p:spTree>
     <p:extLst>
       <p:ext uri="{BB962C8B-B14F-4D97-AF65-F5344CB8AC3E}">
         <p14:creationId xmlns:p14="http://schemas.microsoft.com/office/powerpoint/2010/main" val="1879822293"/>
+      </p:ext>
+    </p:extLst>
+  </p:cSld>
+  <p:clrMapOvr>
+    <a:masterClrMapping/>
+  </p:clrMapOvr>
+  <p:timing>
+    <p:tnLst>
+      <p:par>
+        <p:cTn id="1" dur="indefinite" restart="never" nodeType="tmRoot"/>
+      </p:par>
+    </p:tnLst>
+  </p:timing>
+</p:sld>
+</file>
+
+<file path=ppt/slides/slide3.xml><?xml version="1.0" encoding="utf-8"?>
+<p:sld xmlns:a="http://schemas.openxmlformats.org/drawingml/2006/main" xmlns:r="http://schemas.openxmlformats.org/officeDocument/2006/relationships" xmlns:p="http://schemas.openxmlformats.org/presentationml/2006/main">
+  <p:cSld>
+    <p:spTree>
+      <p:nvGrpSpPr>
+        <p:cNvPr id="1" name=""/>
+        <p:cNvGrpSpPr/>
+        <p:nvPr/>
+      </p:nvGrpSpPr>
+      <p:grpSpPr>
+        <a:xfrm>
+          <a:off x="0" y="0"/>
+          <a:ext cx="0" cy="0"/>
+          <a:chOff x="0" y="0"/>
+          <a:chExt cx="0" cy="0"/>
+        </a:xfrm>
+      </p:grpSpPr>
+      <p:sp>
+        <p:nvSpPr>
+          <p:cNvPr id="2" name="テキスト ボックス 1"/>
+          <p:cNvSpPr txBox="1"/>
+          <p:nvPr/>
+        </p:nvSpPr>
+        <p:spPr>
+          <a:xfrm>
+            <a:off x="5094765" y="293298"/>
+            <a:ext cx="2002471" cy="707886"/>
+          </a:xfrm>
+          <a:prstGeom prst="rect">
+            <a:avLst/>
+          </a:prstGeom>
+          <a:noFill/>
+        </p:spPr>
+        <p:txBody>
+          <a:bodyPr wrap="none" rtlCol="0">
+            <a:spAutoFit/>
+          </a:bodyPr>
+          <a:lstStyle/>
+          <a:p>
+            <a:r>
+              <a:rPr kumimoji="1" lang="ja-JP" altLang="en-US" sz="4000" dirty="0" smtClean="0"/>
+              <a:t>メンバー</a:t>
+            </a:r>
+            <a:endParaRPr kumimoji="1" lang="ja-JP" altLang="en-US" sz="4000" dirty="0"/>
+          </a:p>
+        </p:txBody>
+      </p:sp>
+      <p:grpSp>
+        <p:nvGrpSpPr>
+          <p:cNvPr id="3" name="グループ化 2"/>
+          <p:cNvGrpSpPr/>
+          <p:nvPr/>
+        </p:nvGrpSpPr>
+        <p:grpSpPr>
+          <a:xfrm>
+            <a:off x="1126018" y="1466493"/>
+            <a:ext cx="388809" cy="400072"/>
+            <a:chOff x="4463716" y="2702349"/>
+            <a:chExt cx="421105" cy="425862"/>
+          </a:xfrm>
+        </p:grpSpPr>
+        <p:grpSp>
+          <p:nvGrpSpPr>
+            <p:cNvPr id="4" name="グループ化 3"/>
+            <p:cNvGrpSpPr/>
+            <p:nvPr/>
+          </p:nvGrpSpPr>
+          <p:grpSpPr>
+            <a:xfrm>
+              <a:off x="4463716" y="2702349"/>
+              <a:ext cx="421105" cy="425862"/>
+              <a:chOff x="4463716" y="2702349"/>
+              <a:chExt cx="421105" cy="425862"/>
+            </a:xfrm>
+          </p:grpSpPr>
+          <p:sp>
+            <p:nvSpPr>
+              <p:cNvPr id="7" name="正方形/長方形 6"/>
+              <p:cNvSpPr/>
+              <p:nvPr/>
+            </p:nvSpPr>
+            <p:spPr>
+              <a:xfrm>
+                <a:off x="4463716" y="2851484"/>
+                <a:ext cx="421105" cy="276727"/>
+              </a:xfrm>
+              <a:prstGeom prst="rect">
+                <a:avLst/>
+              </a:prstGeom>
+              <a:solidFill>
+                <a:srgbClr val="FFC000"/>
+              </a:solidFill>
+              <a:ln w="6350" cap="flat" cmpd="sng" algn="ctr">
+                <a:solidFill>
+                  <a:sysClr val="windowText" lastClr="000000"/>
+                </a:solidFill>
+                <a:prstDash val="solid"/>
+                <a:miter lim="800000"/>
+              </a:ln>
+              <a:effectLst/>
+            </p:spPr>
+            <p:txBody>
+              <a:bodyPr rtlCol="0" anchor="ctr"/>
+              <a:lstStyle/>
+              <a:p>
+                <a:pPr marL="0" marR="0" lvl="0" indent="0" algn="ctr" defTabSz="914400" eaLnBrk="1" fontAlgn="auto" latinLnBrk="0" hangingPunct="1">
+                  <a:lnSpc>
+                    <a:spcPct val="100000"/>
+                  </a:lnSpc>
+                  <a:spcBef>
+                    <a:spcPts val="0"/>
+                  </a:spcBef>
+                  <a:spcAft>
+                    <a:spcPts val="0"/>
+                  </a:spcAft>
+                  <a:buClrTx/>
+                  <a:buSzTx/>
+                  <a:buFontTx/>
+                  <a:buNone/>
+                  <a:tabLst/>
+                  <a:defRPr/>
+                </a:pPr>
+                <a:endParaRPr kumimoji="1" lang="ja-JP" altLang="en-US" sz="1800" b="0" i="0" u="none" strike="noStrike" kern="0" cap="none" spc="0" normalizeH="0" baseline="0" noProof="0" smtClean="0">
+                  <a:ln>
+                    <a:noFill/>
+                  </a:ln>
+                  <a:solidFill>
+                    <a:prstClr val="white"/>
+                  </a:solidFill>
+                  <a:effectLst/>
+                  <a:uLnTx/>
+                  <a:uFillTx/>
+                  <a:latin typeface="Calibri" panose="020F0502020204030204"/>
+                  <a:ea typeface="ＭＳ Ｐゴシック" panose="020B0600070205080204" pitchFamily="50" charset="-128"/>
+                  <a:cs typeface="+mn-cs"/>
+                </a:endParaRPr>
+              </a:p>
+            </p:txBody>
+          </p:sp>
+          <p:sp>
+            <p:nvSpPr>
+              <p:cNvPr id="8" name="円/楕円 7"/>
+              <p:cNvSpPr/>
+              <p:nvPr/>
+            </p:nvSpPr>
+            <p:spPr>
+              <a:xfrm>
+                <a:off x="4553576" y="2939841"/>
+                <a:ext cx="61287" cy="67034"/>
+              </a:xfrm>
+              <a:prstGeom prst="ellipse">
+                <a:avLst/>
+              </a:prstGeom>
+              <a:solidFill>
+                <a:sysClr val="windowText" lastClr="000000"/>
+              </a:solidFill>
+              <a:ln w="12700" cap="flat" cmpd="sng" algn="ctr">
+                <a:solidFill>
+                  <a:sysClr val="windowText" lastClr="000000">
+                    <a:shade val="50000"/>
+                  </a:sysClr>
+                </a:solidFill>
+                <a:prstDash val="solid"/>
+                <a:miter lim="800000"/>
+              </a:ln>
+              <a:effectLst/>
+            </p:spPr>
+            <p:txBody>
+              <a:bodyPr rtlCol="0" anchor="ctr"/>
+              <a:lstStyle/>
+              <a:p>
+                <a:pPr marL="0" marR="0" lvl="0" indent="0" algn="ctr" defTabSz="914400" eaLnBrk="1" fontAlgn="auto" latinLnBrk="0" hangingPunct="1">
+                  <a:lnSpc>
+                    <a:spcPct val="100000"/>
+                  </a:lnSpc>
+                  <a:spcBef>
+                    <a:spcPts val="0"/>
+                  </a:spcBef>
+                  <a:spcAft>
+                    <a:spcPts val="0"/>
+                  </a:spcAft>
+                  <a:buClrTx/>
+                  <a:buSzTx/>
+                  <a:buFontTx/>
+                  <a:buNone/>
+                  <a:tabLst/>
+                  <a:defRPr/>
+                </a:pPr>
+                <a:endParaRPr kumimoji="1" lang="ja-JP" altLang="en-US" sz="1800" b="0" i="0" u="none" strike="noStrike" kern="0" cap="none" spc="0" normalizeH="0" baseline="0" noProof="0" smtClean="0">
+                  <a:ln>
+                    <a:noFill/>
+                  </a:ln>
+                  <a:solidFill>
+                    <a:prstClr val="white"/>
+                  </a:solidFill>
+                  <a:effectLst/>
+                  <a:uLnTx/>
+                  <a:uFillTx/>
+                  <a:latin typeface="Calibri" panose="020F0502020204030204"/>
+                  <a:ea typeface="ＭＳ Ｐゴシック" panose="020B0600070205080204" pitchFamily="50" charset="-128"/>
+                  <a:cs typeface="+mn-cs"/>
+                </a:endParaRPr>
+              </a:p>
+            </p:txBody>
+          </p:sp>
+          <p:sp>
+            <p:nvSpPr>
+              <p:cNvPr id="9" name="円/楕円 8"/>
+              <p:cNvSpPr/>
+              <p:nvPr/>
+            </p:nvSpPr>
+            <p:spPr>
+              <a:xfrm>
+                <a:off x="4731280" y="2939841"/>
+                <a:ext cx="63143" cy="67034"/>
+              </a:xfrm>
+              <a:prstGeom prst="ellipse">
+                <a:avLst/>
+              </a:prstGeom>
+              <a:solidFill>
+                <a:sysClr val="windowText" lastClr="000000"/>
+              </a:solidFill>
+              <a:ln w="12700" cap="flat" cmpd="sng" algn="ctr">
+                <a:solidFill>
+                  <a:sysClr val="windowText" lastClr="000000">
+                    <a:shade val="50000"/>
+                  </a:sysClr>
+                </a:solidFill>
+                <a:prstDash val="solid"/>
+                <a:miter lim="800000"/>
+              </a:ln>
+              <a:effectLst/>
+            </p:spPr>
+            <p:txBody>
+              <a:bodyPr rtlCol="0" anchor="ctr"/>
+              <a:lstStyle/>
+              <a:p>
+                <a:pPr marL="0" marR="0" lvl="0" indent="0" algn="ctr" defTabSz="914400" eaLnBrk="1" fontAlgn="auto" latinLnBrk="0" hangingPunct="1">
+                  <a:lnSpc>
+                    <a:spcPct val="100000"/>
+                  </a:lnSpc>
+                  <a:spcBef>
+                    <a:spcPts val="0"/>
+                  </a:spcBef>
+                  <a:spcAft>
+                    <a:spcPts val="0"/>
+                  </a:spcAft>
+                  <a:buClrTx/>
+                  <a:buSzTx/>
+                  <a:buFontTx/>
+                  <a:buNone/>
+                  <a:tabLst/>
+                  <a:defRPr/>
+                </a:pPr>
+                <a:endParaRPr kumimoji="1" lang="ja-JP" altLang="en-US" sz="1800" b="0" i="0" u="none" strike="noStrike" kern="0" cap="none" spc="0" normalizeH="0" baseline="0" noProof="0" smtClean="0">
+                  <a:ln>
+                    <a:noFill/>
+                  </a:ln>
+                  <a:solidFill>
+                    <a:prstClr val="white"/>
+                  </a:solidFill>
+                  <a:effectLst/>
+                  <a:uLnTx/>
+                  <a:uFillTx/>
+                  <a:latin typeface="Calibri" panose="020F0502020204030204"/>
+                  <a:ea typeface="ＭＳ Ｐゴシック" panose="020B0600070205080204" pitchFamily="50" charset="-128"/>
+                  <a:cs typeface="+mn-cs"/>
+                </a:endParaRPr>
+              </a:p>
+            </p:txBody>
+          </p:sp>
+          <p:sp>
+            <p:nvSpPr>
+              <p:cNvPr id="10" name="円/楕円 9"/>
+              <p:cNvSpPr/>
+              <p:nvPr/>
+            </p:nvSpPr>
+            <p:spPr>
+              <a:xfrm>
+                <a:off x="4772973" y="2702349"/>
+                <a:ext cx="45719" cy="45719"/>
+              </a:xfrm>
+              <a:prstGeom prst="ellipse">
+                <a:avLst/>
+              </a:prstGeom>
+              <a:solidFill>
+                <a:sysClr val="windowText" lastClr="000000"/>
+              </a:solidFill>
+              <a:ln w="12700" cap="flat" cmpd="sng" algn="ctr">
+                <a:noFill/>
+                <a:prstDash val="solid"/>
+                <a:miter lim="800000"/>
+              </a:ln>
+              <a:effectLst/>
+            </p:spPr>
+            <p:txBody>
+              <a:bodyPr rtlCol="0" anchor="ctr"/>
+              <a:lstStyle/>
+              <a:p>
+                <a:pPr marL="0" marR="0" lvl="0" indent="0" algn="ctr" defTabSz="914400" eaLnBrk="1" fontAlgn="auto" latinLnBrk="0" hangingPunct="1">
+                  <a:lnSpc>
+                    <a:spcPct val="100000"/>
+                  </a:lnSpc>
+                  <a:spcBef>
+                    <a:spcPts val="0"/>
+                  </a:spcBef>
+                  <a:spcAft>
+                    <a:spcPts val="0"/>
+                  </a:spcAft>
+                  <a:buClrTx/>
+                  <a:buSzTx/>
+                  <a:buFontTx/>
+                  <a:buNone/>
+                  <a:tabLst/>
+                  <a:defRPr/>
+                </a:pPr>
+                <a:endParaRPr kumimoji="1" lang="ja-JP" altLang="en-US" sz="1800" b="0" i="0" u="none" strike="noStrike" kern="0" cap="none" spc="0" normalizeH="0" baseline="0" noProof="0" smtClean="0">
+                  <a:ln>
+                    <a:noFill/>
+                  </a:ln>
+                  <a:solidFill>
+                    <a:prstClr val="white"/>
+                  </a:solidFill>
+                  <a:effectLst/>
+                  <a:uLnTx/>
+                  <a:uFillTx/>
+                  <a:latin typeface="Calibri" panose="020F0502020204030204"/>
+                  <a:ea typeface="ＭＳ Ｐゴシック" panose="020B0600070205080204" pitchFamily="50" charset="-128"/>
+                  <a:cs typeface="+mn-cs"/>
+                </a:endParaRPr>
+              </a:p>
+            </p:txBody>
+          </p:sp>
+          <p:sp>
+            <p:nvSpPr>
+              <p:cNvPr id="11" name="円/楕円 10"/>
+              <p:cNvSpPr/>
+              <p:nvPr/>
+            </p:nvSpPr>
+            <p:spPr>
+              <a:xfrm>
+                <a:off x="4530575" y="2702349"/>
+                <a:ext cx="45719" cy="45719"/>
+              </a:xfrm>
+              <a:prstGeom prst="ellipse">
+                <a:avLst/>
+              </a:prstGeom>
+              <a:solidFill>
+                <a:sysClr val="windowText" lastClr="000000"/>
+              </a:solidFill>
+              <a:ln w="12700" cap="flat" cmpd="sng" algn="ctr">
+                <a:noFill/>
+                <a:prstDash val="solid"/>
+                <a:miter lim="800000"/>
+              </a:ln>
+              <a:effectLst/>
+            </p:spPr>
+            <p:txBody>
+              <a:bodyPr rtlCol="0" anchor="ctr"/>
+              <a:lstStyle/>
+              <a:p>
+                <a:pPr marL="0" marR="0" lvl="0" indent="0" algn="ctr" defTabSz="914400" eaLnBrk="1" fontAlgn="auto" latinLnBrk="0" hangingPunct="1">
+                  <a:lnSpc>
+                    <a:spcPct val="100000"/>
+                  </a:lnSpc>
+                  <a:spcBef>
+                    <a:spcPts val="0"/>
+                  </a:spcBef>
+                  <a:spcAft>
+                    <a:spcPts val="0"/>
+                  </a:spcAft>
+                  <a:buClrTx/>
+                  <a:buSzTx/>
+                  <a:buFontTx/>
+                  <a:buNone/>
+                  <a:tabLst/>
+                  <a:defRPr/>
+                </a:pPr>
+                <a:endParaRPr kumimoji="1" lang="ja-JP" altLang="en-US" sz="1800" b="0" i="0" u="none" strike="noStrike" kern="0" cap="none" spc="0" normalizeH="0" baseline="0" noProof="0" smtClean="0">
+                  <a:ln>
+                    <a:noFill/>
+                  </a:ln>
+                  <a:solidFill>
+                    <a:prstClr val="white"/>
+                  </a:solidFill>
+                  <a:effectLst/>
+                  <a:uLnTx/>
+                  <a:uFillTx/>
+                  <a:latin typeface="Calibri" panose="020F0502020204030204"/>
+                  <a:ea typeface="ＭＳ Ｐゴシック" panose="020B0600070205080204" pitchFamily="50" charset="-128"/>
+                  <a:cs typeface="+mn-cs"/>
+                </a:endParaRPr>
+              </a:p>
+            </p:txBody>
+          </p:sp>
+        </p:grpSp>
+        <p:cxnSp>
+          <p:nvCxnSpPr>
+            <p:cNvPr id="5" name="直線コネクタ 4"/>
+            <p:cNvCxnSpPr>
+              <a:stCxn id="10" idx="4"/>
+            </p:cNvCxnSpPr>
+            <p:nvPr/>
+          </p:nvCxnSpPr>
+          <p:spPr>
+            <a:xfrm flipH="1">
+              <a:off x="4794423" y="2748068"/>
+              <a:ext cx="1410" cy="104578"/>
+            </a:xfrm>
+            <a:prstGeom prst="line">
+              <a:avLst/>
+            </a:prstGeom>
+            <a:noFill/>
+            <a:ln w="6350" cap="flat" cmpd="sng" algn="ctr">
+              <a:solidFill>
+                <a:sysClr val="windowText" lastClr="000000"/>
+              </a:solidFill>
+              <a:prstDash val="solid"/>
+              <a:miter lim="800000"/>
+            </a:ln>
+            <a:effectLst/>
+          </p:spPr>
+        </p:cxnSp>
+        <p:cxnSp>
+          <p:nvCxnSpPr>
+            <p:cNvPr id="6" name="直線コネクタ 5"/>
+            <p:cNvCxnSpPr>
+              <a:stCxn id="11" idx="4"/>
+            </p:cNvCxnSpPr>
+            <p:nvPr/>
+          </p:nvCxnSpPr>
+          <p:spPr>
+            <a:xfrm flipH="1">
+              <a:off x="4553434" y="2748068"/>
+              <a:ext cx="1" cy="103416"/>
+            </a:xfrm>
+            <a:prstGeom prst="line">
+              <a:avLst/>
+            </a:prstGeom>
+            <a:noFill/>
+            <a:ln w="6350" cap="flat" cmpd="sng" algn="ctr">
+              <a:solidFill>
+                <a:sysClr val="windowText" lastClr="000000"/>
+              </a:solidFill>
+              <a:prstDash val="solid"/>
+              <a:miter lim="800000"/>
+            </a:ln>
+            <a:effectLst/>
+          </p:spPr>
+        </p:cxnSp>
+      </p:grpSp>
+      <p:sp>
+        <p:nvSpPr>
+          <p:cNvPr id="21" name="テキスト ボックス 20"/>
+          <p:cNvSpPr txBox="1"/>
+          <p:nvPr/>
+        </p:nvSpPr>
+        <p:spPr>
+          <a:xfrm>
+            <a:off x="1187749" y="1963718"/>
+            <a:ext cx="1713931" cy="584775"/>
+          </a:xfrm>
+          <a:prstGeom prst="rect">
+            <a:avLst/>
+          </a:prstGeom>
+          <a:noFill/>
+        </p:spPr>
+        <p:txBody>
+          <a:bodyPr wrap="none" rtlCol="0">
+            <a:spAutoFit/>
+          </a:bodyPr>
+          <a:lstStyle/>
+          <a:p>
+            <a:r>
+              <a:rPr kumimoji="1" lang="ja-JP" altLang="en-US" sz="3200" dirty="0" smtClean="0"/>
+              <a:t>野地さん</a:t>
+            </a:r>
+            <a:endParaRPr kumimoji="1" lang="ja-JP" altLang="en-US" sz="3200" dirty="0"/>
+          </a:p>
+        </p:txBody>
+      </p:sp>
+      <p:sp>
+        <p:nvSpPr>
+          <p:cNvPr id="22" name="テキスト ボックス 21"/>
+          <p:cNvSpPr txBox="1"/>
+          <p:nvPr/>
+        </p:nvSpPr>
+        <p:spPr>
+          <a:xfrm>
+            <a:off x="1229962" y="4460094"/>
+            <a:ext cx="1641796" cy="584775"/>
+          </a:xfrm>
+          <a:prstGeom prst="rect">
+            <a:avLst/>
+          </a:prstGeom>
+          <a:noFill/>
+        </p:spPr>
+        <p:txBody>
+          <a:bodyPr wrap="none" rtlCol="0">
+            <a:spAutoFit/>
+          </a:bodyPr>
+          <a:lstStyle/>
+          <a:p>
+            <a:r>
+              <a:rPr kumimoji="1" lang="ja-JP" altLang="en-US" sz="3200" dirty="0" smtClean="0"/>
+              <a:t>小島くん</a:t>
+            </a:r>
+            <a:endParaRPr kumimoji="1" lang="ja-JP" altLang="en-US" sz="3200" dirty="0"/>
+          </a:p>
+        </p:txBody>
+      </p:sp>
+      <p:grpSp>
+        <p:nvGrpSpPr>
+          <p:cNvPr id="23" name="グループ化 22"/>
+          <p:cNvGrpSpPr/>
+          <p:nvPr/>
+        </p:nvGrpSpPr>
+        <p:grpSpPr>
+          <a:xfrm>
+            <a:off x="1126018" y="3962869"/>
+            <a:ext cx="388809" cy="400072"/>
+            <a:chOff x="4463716" y="2702349"/>
+            <a:chExt cx="421105" cy="425862"/>
+          </a:xfrm>
+        </p:grpSpPr>
+        <p:grpSp>
+          <p:nvGrpSpPr>
+            <p:cNvPr id="24" name="グループ化 23"/>
+            <p:cNvGrpSpPr/>
+            <p:nvPr/>
+          </p:nvGrpSpPr>
+          <p:grpSpPr>
+            <a:xfrm>
+              <a:off x="4463716" y="2702349"/>
+              <a:ext cx="421105" cy="425862"/>
+              <a:chOff x="4463716" y="2702349"/>
+              <a:chExt cx="421105" cy="425862"/>
+            </a:xfrm>
+          </p:grpSpPr>
+          <p:sp>
+            <p:nvSpPr>
+              <p:cNvPr id="27" name="正方形/長方形 26"/>
+              <p:cNvSpPr/>
+              <p:nvPr/>
+            </p:nvSpPr>
+            <p:spPr>
+              <a:xfrm>
+                <a:off x="4463716" y="2851484"/>
+                <a:ext cx="421105" cy="276727"/>
+              </a:xfrm>
+              <a:prstGeom prst="rect">
+                <a:avLst/>
+              </a:prstGeom>
+              <a:solidFill>
+                <a:srgbClr val="00B050"/>
+              </a:solidFill>
+              <a:ln w="6350" cap="flat" cmpd="sng" algn="ctr">
+                <a:solidFill>
+                  <a:sysClr val="windowText" lastClr="000000"/>
+                </a:solidFill>
+                <a:prstDash val="solid"/>
+                <a:miter lim="800000"/>
+              </a:ln>
+              <a:effectLst/>
+            </p:spPr>
+            <p:txBody>
+              <a:bodyPr rtlCol="0" anchor="ctr"/>
+              <a:lstStyle/>
+              <a:p>
+                <a:pPr marL="0" marR="0" lvl="0" indent="0" algn="ctr" defTabSz="914400" eaLnBrk="1" fontAlgn="auto" latinLnBrk="0" hangingPunct="1">
+                  <a:lnSpc>
+                    <a:spcPct val="100000"/>
+                  </a:lnSpc>
+                  <a:spcBef>
+                    <a:spcPts val="0"/>
+                  </a:spcBef>
+                  <a:spcAft>
+                    <a:spcPts val="0"/>
+                  </a:spcAft>
+                  <a:buClrTx/>
+                  <a:buSzTx/>
+                  <a:buFontTx/>
+                  <a:buNone/>
+                  <a:tabLst/>
+                  <a:defRPr/>
+                </a:pPr>
+                <a:endParaRPr kumimoji="1" lang="ja-JP" altLang="en-US" sz="1800" b="0" i="0" u="none" strike="noStrike" kern="0" cap="none" spc="0" normalizeH="0" baseline="0" noProof="0" smtClean="0">
+                  <a:ln>
+                    <a:noFill/>
+                  </a:ln>
+                  <a:solidFill>
+                    <a:prstClr val="white"/>
+                  </a:solidFill>
+                  <a:effectLst/>
+                  <a:uLnTx/>
+                  <a:uFillTx/>
+                  <a:latin typeface="Calibri" panose="020F0502020204030204"/>
+                  <a:ea typeface="ＭＳ Ｐゴシック" panose="020B0600070205080204" pitchFamily="50" charset="-128"/>
+                  <a:cs typeface="+mn-cs"/>
+                </a:endParaRPr>
+              </a:p>
+            </p:txBody>
+          </p:sp>
+          <p:sp>
+            <p:nvSpPr>
+              <p:cNvPr id="28" name="円/楕円 27"/>
+              <p:cNvSpPr/>
+              <p:nvPr/>
+            </p:nvSpPr>
+            <p:spPr>
+              <a:xfrm>
+                <a:off x="4553576" y="2939841"/>
+                <a:ext cx="61287" cy="67034"/>
+              </a:xfrm>
+              <a:prstGeom prst="ellipse">
+                <a:avLst/>
+              </a:prstGeom>
+              <a:solidFill>
+                <a:sysClr val="windowText" lastClr="000000"/>
+              </a:solidFill>
+              <a:ln w="12700" cap="flat" cmpd="sng" algn="ctr">
+                <a:solidFill>
+                  <a:sysClr val="windowText" lastClr="000000">
+                    <a:shade val="50000"/>
+                  </a:sysClr>
+                </a:solidFill>
+                <a:prstDash val="solid"/>
+                <a:miter lim="800000"/>
+              </a:ln>
+              <a:effectLst/>
+            </p:spPr>
+            <p:txBody>
+              <a:bodyPr rtlCol="0" anchor="ctr"/>
+              <a:lstStyle/>
+              <a:p>
+                <a:pPr marL="0" marR="0" lvl="0" indent="0" algn="ctr" defTabSz="914400" eaLnBrk="1" fontAlgn="auto" latinLnBrk="0" hangingPunct="1">
+                  <a:lnSpc>
+                    <a:spcPct val="100000"/>
+                  </a:lnSpc>
+                  <a:spcBef>
+                    <a:spcPts val="0"/>
+                  </a:spcBef>
+                  <a:spcAft>
+                    <a:spcPts val="0"/>
+                  </a:spcAft>
+                  <a:buClrTx/>
+                  <a:buSzTx/>
+                  <a:buFontTx/>
+                  <a:buNone/>
+                  <a:tabLst/>
+                  <a:defRPr/>
+                </a:pPr>
+                <a:endParaRPr kumimoji="1" lang="ja-JP" altLang="en-US" sz="1800" b="0" i="0" u="none" strike="noStrike" kern="0" cap="none" spc="0" normalizeH="0" baseline="0" noProof="0" smtClean="0">
+                  <a:ln>
+                    <a:noFill/>
+                  </a:ln>
+                  <a:solidFill>
+                    <a:prstClr val="white"/>
+                  </a:solidFill>
+                  <a:effectLst/>
+                  <a:uLnTx/>
+                  <a:uFillTx/>
+                  <a:latin typeface="Calibri" panose="020F0502020204030204"/>
+                  <a:ea typeface="ＭＳ Ｐゴシック" panose="020B0600070205080204" pitchFamily="50" charset="-128"/>
+                  <a:cs typeface="+mn-cs"/>
+                </a:endParaRPr>
+              </a:p>
+            </p:txBody>
+          </p:sp>
+          <p:sp>
+            <p:nvSpPr>
+              <p:cNvPr id="29" name="円/楕円 28"/>
+              <p:cNvSpPr/>
+              <p:nvPr/>
+            </p:nvSpPr>
+            <p:spPr>
+              <a:xfrm>
+                <a:off x="4731280" y="2939841"/>
+                <a:ext cx="63143" cy="67034"/>
+              </a:xfrm>
+              <a:prstGeom prst="ellipse">
+                <a:avLst/>
+              </a:prstGeom>
+              <a:solidFill>
+                <a:sysClr val="windowText" lastClr="000000"/>
+              </a:solidFill>
+              <a:ln w="12700" cap="flat" cmpd="sng" algn="ctr">
+                <a:solidFill>
+                  <a:sysClr val="windowText" lastClr="000000">
+                    <a:shade val="50000"/>
+                  </a:sysClr>
+                </a:solidFill>
+                <a:prstDash val="solid"/>
+                <a:miter lim="800000"/>
+              </a:ln>
+              <a:effectLst/>
+            </p:spPr>
+            <p:txBody>
+              <a:bodyPr rtlCol="0" anchor="ctr"/>
+              <a:lstStyle/>
+              <a:p>
+                <a:pPr marL="0" marR="0" lvl="0" indent="0" algn="ctr" defTabSz="914400" eaLnBrk="1" fontAlgn="auto" latinLnBrk="0" hangingPunct="1">
+                  <a:lnSpc>
+                    <a:spcPct val="100000"/>
+                  </a:lnSpc>
+                  <a:spcBef>
+                    <a:spcPts val="0"/>
+                  </a:spcBef>
+                  <a:spcAft>
+                    <a:spcPts val="0"/>
+                  </a:spcAft>
+                  <a:buClrTx/>
+                  <a:buSzTx/>
+                  <a:buFontTx/>
+                  <a:buNone/>
+                  <a:tabLst/>
+                  <a:defRPr/>
+                </a:pPr>
+                <a:endParaRPr kumimoji="1" lang="ja-JP" altLang="en-US" sz="1800" b="0" i="0" u="none" strike="noStrike" kern="0" cap="none" spc="0" normalizeH="0" baseline="0" noProof="0" smtClean="0">
+                  <a:ln>
+                    <a:noFill/>
+                  </a:ln>
+                  <a:solidFill>
+                    <a:prstClr val="white"/>
+                  </a:solidFill>
+                  <a:effectLst/>
+                  <a:uLnTx/>
+                  <a:uFillTx/>
+                  <a:latin typeface="Calibri" panose="020F0502020204030204"/>
+                  <a:ea typeface="ＭＳ Ｐゴシック" panose="020B0600070205080204" pitchFamily="50" charset="-128"/>
+                  <a:cs typeface="+mn-cs"/>
+                </a:endParaRPr>
+              </a:p>
+            </p:txBody>
+          </p:sp>
+          <p:sp>
+            <p:nvSpPr>
+              <p:cNvPr id="30" name="円/楕円 29"/>
+              <p:cNvSpPr/>
+              <p:nvPr/>
+            </p:nvSpPr>
+            <p:spPr>
+              <a:xfrm>
+                <a:off x="4772973" y="2702349"/>
+                <a:ext cx="45719" cy="45719"/>
+              </a:xfrm>
+              <a:prstGeom prst="ellipse">
+                <a:avLst/>
+              </a:prstGeom>
+              <a:solidFill>
+                <a:sysClr val="windowText" lastClr="000000"/>
+              </a:solidFill>
+              <a:ln w="12700" cap="flat" cmpd="sng" algn="ctr">
+                <a:noFill/>
+                <a:prstDash val="solid"/>
+                <a:miter lim="800000"/>
+              </a:ln>
+              <a:effectLst/>
+            </p:spPr>
+            <p:txBody>
+              <a:bodyPr rtlCol="0" anchor="ctr"/>
+              <a:lstStyle/>
+              <a:p>
+                <a:pPr marL="0" marR="0" lvl="0" indent="0" algn="ctr" defTabSz="914400" eaLnBrk="1" fontAlgn="auto" latinLnBrk="0" hangingPunct="1">
+                  <a:lnSpc>
+                    <a:spcPct val="100000"/>
+                  </a:lnSpc>
+                  <a:spcBef>
+                    <a:spcPts val="0"/>
+                  </a:spcBef>
+                  <a:spcAft>
+                    <a:spcPts val="0"/>
+                  </a:spcAft>
+                  <a:buClrTx/>
+                  <a:buSzTx/>
+                  <a:buFontTx/>
+                  <a:buNone/>
+                  <a:tabLst/>
+                  <a:defRPr/>
+                </a:pPr>
+                <a:endParaRPr kumimoji="1" lang="ja-JP" altLang="en-US" sz="1800" b="0" i="0" u="none" strike="noStrike" kern="0" cap="none" spc="0" normalizeH="0" baseline="0" noProof="0" smtClean="0">
+                  <a:ln>
+                    <a:noFill/>
+                  </a:ln>
+                  <a:solidFill>
+                    <a:prstClr val="white"/>
+                  </a:solidFill>
+                  <a:effectLst/>
+                  <a:uLnTx/>
+                  <a:uFillTx/>
+                  <a:latin typeface="Calibri" panose="020F0502020204030204"/>
+                  <a:ea typeface="ＭＳ Ｐゴシック" panose="020B0600070205080204" pitchFamily="50" charset="-128"/>
+                  <a:cs typeface="+mn-cs"/>
+                </a:endParaRPr>
+              </a:p>
+            </p:txBody>
+          </p:sp>
+          <p:sp>
+            <p:nvSpPr>
+              <p:cNvPr id="31" name="円/楕円 30"/>
+              <p:cNvSpPr/>
+              <p:nvPr/>
+            </p:nvSpPr>
+            <p:spPr>
+              <a:xfrm>
+                <a:off x="4530575" y="2702349"/>
+                <a:ext cx="45719" cy="45719"/>
+              </a:xfrm>
+              <a:prstGeom prst="ellipse">
+                <a:avLst/>
+              </a:prstGeom>
+              <a:solidFill>
+                <a:sysClr val="windowText" lastClr="000000"/>
+              </a:solidFill>
+              <a:ln w="12700" cap="flat" cmpd="sng" algn="ctr">
+                <a:noFill/>
+                <a:prstDash val="solid"/>
+                <a:miter lim="800000"/>
+              </a:ln>
+              <a:effectLst/>
+            </p:spPr>
+            <p:txBody>
+              <a:bodyPr rtlCol="0" anchor="ctr"/>
+              <a:lstStyle/>
+              <a:p>
+                <a:pPr marL="0" marR="0" lvl="0" indent="0" algn="ctr" defTabSz="914400" eaLnBrk="1" fontAlgn="auto" latinLnBrk="0" hangingPunct="1">
+                  <a:lnSpc>
+                    <a:spcPct val="100000"/>
+                  </a:lnSpc>
+                  <a:spcBef>
+                    <a:spcPts val="0"/>
+                  </a:spcBef>
+                  <a:spcAft>
+                    <a:spcPts val="0"/>
+                  </a:spcAft>
+                  <a:buClrTx/>
+                  <a:buSzTx/>
+                  <a:buFontTx/>
+                  <a:buNone/>
+                  <a:tabLst/>
+                  <a:defRPr/>
+                </a:pPr>
+                <a:endParaRPr kumimoji="1" lang="ja-JP" altLang="en-US" sz="1800" b="0" i="0" u="none" strike="noStrike" kern="0" cap="none" spc="0" normalizeH="0" baseline="0" noProof="0" smtClean="0">
+                  <a:ln>
+                    <a:noFill/>
+                  </a:ln>
+                  <a:solidFill>
+                    <a:prstClr val="white"/>
+                  </a:solidFill>
+                  <a:effectLst/>
+                  <a:uLnTx/>
+                  <a:uFillTx/>
+                  <a:latin typeface="Calibri" panose="020F0502020204030204"/>
+                  <a:ea typeface="ＭＳ Ｐゴシック" panose="020B0600070205080204" pitchFamily="50" charset="-128"/>
+                  <a:cs typeface="+mn-cs"/>
+                </a:endParaRPr>
+              </a:p>
+            </p:txBody>
+          </p:sp>
+        </p:grpSp>
+        <p:cxnSp>
+          <p:nvCxnSpPr>
+            <p:cNvPr id="25" name="直線コネクタ 24"/>
+            <p:cNvCxnSpPr>
+              <a:stCxn id="30" idx="4"/>
+            </p:cNvCxnSpPr>
+            <p:nvPr/>
+          </p:nvCxnSpPr>
+          <p:spPr>
+            <a:xfrm flipH="1">
+              <a:off x="4794423" y="2748068"/>
+              <a:ext cx="1410" cy="104578"/>
+            </a:xfrm>
+            <a:prstGeom prst="line">
+              <a:avLst/>
+            </a:prstGeom>
+            <a:noFill/>
+            <a:ln w="6350" cap="flat" cmpd="sng" algn="ctr">
+              <a:solidFill>
+                <a:sysClr val="windowText" lastClr="000000"/>
+              </a:solidFill>
+              <a:prstDash val="solid"/>
+              <a:miter lim="800000"/>
+            </a:ln>
+            <a:effectLst/>
+          </p:spPr>
+        </p:cxnSp>
+        <p:cxnSp>
+          <p:nvCxnSpPr>
+            <p:cNvPr id="26" name="直線コネクタ 25"/>
+            <p:cNvCxnSpPr>
+              <a:stCxn id="31" idx="4"/>
+            </p:cNvCxnSpPr>
+            <p:nvPr/>
+          </p:nvCxnSpPr>
+          <p:spPr>
+            <a:xfrm flipH="1">
+              <a:off x="4553434" y="2748068"/>
+              <a:ext cx="1" cy="103416"/>
+            </a:xfrm>
+            <a:prstGeom prst="line">
+              <a:avLst/>
+            </a:prstGeom>
+            <a:noFill/>
+            <a:ln w="6350" cap="flat" cmpd="sng" algn="ctr">
+              <a:solidFill>
+                <a:sysClr val="windowText" lastClr="000000"/>
+              </a:solidFill>
+              <a:prstDash val="solid"/>
+              <a:miter lim="800000"/>
+            </a:ln>
+            <a:effectLst/>
+          </p:spPr>
+        </p:cxnSp>
+      </p:grpSp>
+      <p:sp>
+        <p:nvSpPr>
+          <p:cNvPr id="32" name="テキスト ボックス 31"/>
+          <p:cNvSpPr txBox="1"/>
+          <p:nvPr/>
+        </p:nvSpPr>
+        <p:spPr>
+          <a:xfrm>
+            <a:off x="1736706" y="1536525"/>
+            <a:ext cx="4196983" cy="400110"/>
+          </a:xfrm>
+          <a:prstGeom prst="rect">
+            <a:avLst/>
+          </a:prstGeom>
+          <a:noFill/>
+        </p:spPr>
+        <p:txBody>
+          <a:bodyPr wrap="none" rtlCol="0">
+            <a:spAutoFit/>
+          </a:bodyPr>
+          <a:lstStyle/>
+          <a:p>
+            <a:r>
+              <a:rPr kumimoji="1" lang="ja-JP" altLang="en-US" sz="2000" b="1" dirty="0"/>
+              <a:t>メインプログラマー・</a:t>
+            </a:r>
+            <a:r>
+              <a:rPr kumimoji="1" lang="ja-JP" altLang="en-US" sz="2000" b="1" dirty="0" smtClean="0"/>
+              <a:t>ステージデザイン</a:t>
+            </a:r>
+            <a:endParaRPr kumimoji="1" lang="ja-JP" altLang="en-US" sz="2000" b="1" dirty="0"/>
+          </a:p>
+        </p:txBody>
+      </p:sp>
+      <p:sp>
+        <p:nvSpPr>
+          <p:cNvPr id="33" name="テキスト ボックス 32"/>
+          <p:cNvSpPr txBox="1"/>
+          <p:nvPr/>
+        </p:nvSpPr>
+        <p:spPr>
+          <a:xfrm>
+            <a:off x="1736706" y="4032901"/>
+            <a:ext cx="3150221" cy="400110"/>
+          </a:xfrm>
+          <a:prstGeom prst="rect">
+            <a:avLst/>
+          </a:prstGeom>
+          <a:noFill/>
+        </p:spPr>
+        <p:txBody>
+          <a:bodyPr wrap="none" rtlCol="0">
+            <a:spAutoFit/>
+          </a:bodyPr>
+          <a:lstStyle/>
+          <a:p>
+            <a:r>
+              <a:rPr kumimoji="1" lang="ja-JP" altLang="en-US" sz="2000" b="1" dirty="0" smtClean="0"/>
+              <a:t>プログラマー・</a:t>
+            </a:r>
+            <a:r>
+              <a:rPr kumimoji="1" lang="ja-JP" altLang="en-US" sz="2000" b="1" dirty="0" smtClean="0"/>
+              <a:t>ステージ作成</a:t>
+            </a:r>
+            <a:endParaRPr kumimoji="1" lang="ja-JP" altLang="en-US" sz="2000" b="1" dirty="0"/>
+          </a:p>
+        </p:txBody>
+      </p:sp>
+    </p:spTree>
+    <p:extLst>
+      <p:ext uri="{BB962C8B-B14F-4D97-AF65-F5344CB8AC3E}">
+        <p14:creationId xmlns:p14="http://schemas.microsoft.com/office/powerpoint/2010/main" val="389105858"/>
+      </p:ext>
+    </p:extLst>
+  </p:cSld>
+  <p:clrMapOvr>
+    <a:masterClrMapping/>
+  </p:clrMapOvr>
+  <p:timing>
+    <p:tnLst>
+      <p:par>
+        <p:cTn id="1" dur="indefinite" restart="never" nodeType="tmRoot"/>
+      </p:par>
+    </p:tnLst>
+  </p:timing>
+</p:sld>
+</file>
+
+<file path=ppt/slides/slide4.xml><?xml version="1.0" encoding="utf-8"?>
+<p:sld xmlns:a="http://schemas.openxmlformats.org/drawingml/2006/main" xmlns:r="http://schemas.openxmlformats.org/officeDocument/2006/relationships" xmlns:p="http://schemas.openxmlformats.org/presentationml/2006/main">
+  <p:cSld>
+    <p:spTree>
+      <p:nvGrpSpPr>
+        <p:cNvPr id="1" name=""/>
+        <p:cNvGrpSpPr/>
+        <p:nvPr/>
+      </p:nvGrpSpPr>
+      <p:grpSpPr>
+        <a:xfrm>
+          <a:off x="0" y="0"/>
+          <a:ext cx="0" cy="0"/>
+          <a:chOff x="0" y="0"/>
+          <a:chExt cx="0" cy="0"/>
+        </a:xfrm>
+      </p:grpSpPr>
+      <p:sp>
+        <p:nvSpPr>
+          <p:cNvPr id="2" name="テキスト ボックス 1"/>
+          <p:cNvSpPr txBox="1"/>
+          <p:nvPr/>
+        </p:nvSpPr>
+        <p:spPr>
+          <a:xfrm>
+            <a:off x="5094765" y="293298"/>
+            <a:ext cx="2002471" cy="707886"/>
+          </a:xfrm>
+          <a:prstGeom prst="rect">
+            <a:avLst/>
+          </a:prstGeom>
+          <a:noFill/>
+        </p:spPr>
+        <p:txBody>
+          <a:bodyPr wrap="none" rtlCol="0">
+            <a:spAutoFit/>
+          </a:bodyPr>
+          <a:lstStyle/>
+          <a:p>
+            <a:r>
+              <a:rPr kumimoji="1" lang="ja-JP" altLang="en-US" sz="4000" dirty="0" smtClean="0"/>
+              <a:t>メンバー</a:t>
+            </a:r>
+            <a:endParaRPr kumimoji="1" lang="ja-JP" altLang="en-US" sz="4000" dirty="0"/>
+          </a:p>
+        </p:txBody>
+      </p:sp>
+      <p:grpSp>
+        <p:nvGrpSpPr>
+          <p:cNvPr id="3" name="グループ化 2"/>
+          <p:cNvGrpSpPr/>
+          <p:nvPr/>
+        </p:nvGrpSpPr>
+        <p:grpSpPr>
+          <a:xfrm>
+            <a:off x="1126018" y="1466493"/>
+            <a:ext cx="388809" cy="400072"/>
+            <a:chOff x="4463716" y="2702349"/>
+            <a:chExt cx="421105" cy="425862"/>
+          </a:xfrm>
+        </p:grpSpPr>
+        <p:grpSp>
+          <p:nvGrpSpPr>
+            <p:cNvPr id="4" name="グループ化 3"/>
+            <p:cNvGrpSpPr/>
+            <p:nvPr/>
+          </p:nvGrpSpPr>
+          <p:grpSpPr>
+            <a:xfrm>
+              <a:off x="4463716" y="2702349"/>
+              <a:ext cx="421105" cy="425862"/>
+              <a:chOff x="4463716" y="2702349"/>
+              <a:chExt cx="421105" cy="425862"/>
+            </a:xfrm>
+          </p:grpSpPr>
+          <p:sp>
+            <p:nvSpPr>
+              <p:cNvPr id="7" name="正方形/長方形 6"/>
+              <p:cNvSpPr/>
+              <p:nvPr/>
+            </p:nvSpPr>
+            <p:spPr>
+              <a:xfrm>
+                <a:off x="4463716" y="2851484"/>
+                <a:ext cx="421105" cy="276727"/>
+              </a:xfrm>
+              <a:prstGeom prst="rect">
+                <a:avLst/>
+              </a:prstGeom>
+              <a:solidFill>
+                <a:srgbClr val="0070C0"/>
+              </a:solidFill>
+              <a:ln w="6350" cap="flat" cmpd="sng" algn="ctr">
+                <a:solidFill>
+                  <a:sysClr val="windowText" lastClr="000000"/>
+                </a:solidFill>
+                <a:prstDash val="solid"/>
+                <a:miter lim="800000"/>
+              </a:ln>
+              <a:effectLst/>
+            </p:spPr>
+            <p:txBody>
+              <a:bodyPr rtlCol="0" anchor="ctr"/>
+              <a:lstStyle/>
+              <a:p>
+                <a:pPr marL="0" marR="0" lvl="0" indent="0" algn="ctr" defTabSz="914400" eaLnBrk="1" fontAlgn="auto" latinLnBrk="0" hangingPunct="1">
+                  <a:lnSpc>
+                    <a:spcPct val="100000"/>
+                  </a:lnSpc>
+                  <a:spcBef>
+                    <a:spcPts val="0"/>
+                  </a:spcBef>
+                  <a:spcAft>
+                    <a:spcPts val="0"/>
+                  </a:spcAft>
+                  <a:buClrTx/>
+                  <a:buSzTx/>
+                  <a:buFontTx/>
+                  <a:buNone/>
+                  <a:tabLst/>
+                  <a:defRPr/>
+                </a:pPr>
+                <a:endParaRPr kumimoji="1" lang="ja-JP" altLang="en-US" sz="1800" b="0" i="0" u="none" strike="noStrike" kern="0" cap="none" spc="0" normalizeH="0" baseline="0" noProof="0" smtClean="0">
+                  <a:ln>
+                    <a:noFill/>
+                  </a:ln>
+                  <a:solidFill>
+                    <a:prstClr val="white"/>
+                  </a:solidFill>
+                  <a:effectLst/>
+                  <a:uLnTx/>
+                  <a:uFillTx/>
+                  <a:latin typeface="Calibri" panose="020F0502020204030204"/>
+                  <a:ea typeface="ＭＳ Ｐゴシック" panose="020B0600070205080204" pitchFamily="50" charset="-128"/>
+                  <a:cs typeface="+mn-cs"/>
+                </a:endParaRPr>
+              </a:p>
+            </p:txBody>
+          </p:sp>
+          <p:sp>
+            <p:nvSpPr>
+              <p:cNvPr id="8" name="円/楕円 7"/>
+              <p:cNvSpPr/>
+              <p:nvPr/>
+            </p:nvSpPr>
+            <p:spPr>
+              <a:xfrm>
+                <a:off x="4553576" y="2939841"/>
+                <a:ext cx="61287" cy="67034"/>
+              </a:xfrm>
+              <a:prstGeom prst="ellipse">
+                <a:avLst/>
+              </a:prstGeom>
+              <a:solidFill>
+                <a:sysClr val="windowText" lastClr="000000"/>
+              </a:solidFill>
+              <a:ln w="12700" cap="flat" cmpd="sng" algn="ctr">
+                <a:solidFill>
+                  <a:sysClr val="windowText" lastClr="000000">
+                    <a:shade val="50000"/>
+                  </a:sysClr>
+                </a:solidFill>
+                <a:prstDash val="solid"/>
+                <a:miter lim="800000"/>
+              </a:ln>
+              <a:effectLst/>
+            </p:spPr>
+            <p:txBody>
+              <a:bodyPr rtlCol="0" anchor="ctr"/>
+              <a:lstStyle/>
+              <a:p>
+                <a:pPr marL="0" marR="0" lvl="0" indent="0" algn="ctr" defTabSz="914400" eaLnBrk="1" fontAlgn="auto" latinLnBrk="0" hangingPunct="1">
+                  <a:lnSpc>
+                    <a:spcPct val="100000"/>
+                  </a:lnSpc>
+                  <a:spcBef>
+                    <a:spcPts val="0"/>
+                  </a:spcBef>
+                  <a:spcAft>
+                    <a:spcPts val="0"/>
+                  </a:spcAft>
+                  <a:buClrTx/>
+                  <a:buSzTx/>
+                  <a:buFontTx/>
+                  <a:buNone/>
+                  <a:tabLst/>
+                  <a:defRPr/>
+                </a:pPr>
+                <a:endParaRPr kumimoji="1" lang="ja-JP" altLang="en-US" sz="1800" b="0" i="0" u="none" strike="noStrike" kern="0" cap="none" spc="0" normalizeH="0" baseline="0" noProof="0" smtClean="0">
+                  <a:ln>
+                    <a:noFill/>
+                  </a:ln>
+                  <a:solidFill>
+                    <a:prstClr val="white"/>
+                  </a:solidFill>
+                  <a:effectLst/>
+                  <a:uLnTx/>
+                  <a:uFillTx/>
+                  <a:latin typeface="Calibri" panose="020F0502020204030204"/>
+                  <a:ea typeface="ＭＳ Ｐゴシック" panose="020B0600070205080204" pitchFamily="50" charset="-128"/>
+                  <a:cs typeface="+mn-cs"/>
+                </a:endParaRPr>
+              </a:p>
+            </p:txBody>
+          </p:sp>
+          <p:sp>
+            <p:nvSpPr>
+              <p:cNvPr id="9" name="円/楕円 8"/>
+              <p:cNvSpPr/>
+              <p:nvPr/>
+            </p:nvSpPr>
+            <p:spPr>
+              <a:xfrm>
+                <a:off x="4731280" y="2939841"/>
+                <a:ext cx="63143" cy="67034"/>
+              </a:xfrm>
+              <a:prstGeom prst="ellipse">
+                <a:avLst/>
+              </a:prstGeom>
+              <a:solidFill>
+                <a:sysClr val="windowText" lastClr="000000"/>
+              </a:solidFill>
+              <a:ln w="12700" cap="flat" cmpd="sng" algn="ctr">
+                <a:solidFill>
+                  <a:sysClr val="windowText" lastClr="000000">
+                    <a:shade val="50000"/>
+                  </a:sysClr>
+                </a:solidFill>
+                <a:prstDash val="solid"/>
+                <a:miter lim="800000"/>
+              </a:ln>
+              <a:effectLst/>
+            </p:spPr>
+            <p:txBody>
+              <a:bodyPr rtlCol="0" anchor="ctr"/>
+              <a:lstStyle/>
+              <a:p>
+                <a:pPr marL="0" marR="0" lvl="0" indent="0" algn="ctr" defTabSz="914400" eaLnBrk="1" fontAlgn="auto" latinLnBrk="0" hangingPunct="1">
+                  <a:lnSpc>
+                    <a:spcPct val="100000"/>
+                  </a:lnSpc>
+                  <a:spcBef>
+                    <a:spcPts val="0"/>
+                  </a:spcBef>
+                  <a:spcAft>
+                    <a:spcPts val="0"/>
+                  </a:spcAft>
+                  <a:buClrTx/>
+                  <a:buSzTx/>
+                  <a:buFontTx/>
+                  <a:buNone/>
+                  <a:tabLst/>
+                  <a:defRPr/>
+                </a:pPr>
+                <a:endParaRPr kumimoji="1" lang="ja-JP" altLang="en-US" sz="1800" b="0" i="0" u="none" strike="noStrike" kern="0" cap="none" spc="0" normalizeH="0" baseline="0" noProof="0" smtClean="0">
+                  <a:ln>
+                    <a:noFill/>
+                  </a:ln>
+                  <a:solidFill>
+                    <a:prstClr val="white"/>
+                  </a:solidFill>
+                  <a:effectLst/>
+                  <a:uLnTx/>
+                  <a:uFillTx/>
+                  <a:latin typeface="Calibri" panose="020F0502020204030204"/>
+                  <a:ea typeface="ＭＳ Ｐゴシック" panose="020B0600070205080204" pitchFamily="50" charset="-128"/>
+                  <a:cs typeface="+mn-cs"/>
+                </a:endParaRPr>
+              </a:p>
+            </p:txBody>
+          </p:sp>
+          <p:sp>
+            <p:nvSpPr>
+              <p:cNvPr id="10" name="円/楕円 9"/>
+              <p:cNvSpPr/>
+              <p:nvPr/>
+            </p:nvSpPr>
+            <p:spPr>
+              <a:xfrm>
+                <a:off x="4772973" y="2702349"/>
+                <a:ext cx="45719" cy="45719"/>
+              </a:xfrm>
+              <a:prstGeom prst="ellipse">
+                <a:avLst/>
+              </a:prstGeom>
+              <a:solidFill>
+                <a:sysClr val="windowText" lastClr="000000"/>
+              </a:solidFill>
+              <a:ln w="12700" cap="flat" cmpd="sng" algn="ctr">
+                <a:noFill/>
+                <a:prstDash val="solid"/>
+                <a:miter lim="800000"/>
+              </a:ln>
+              <a:effectLst/>
+            </p:spPr>
+            <p:txBody>
+              <a:bodyPr rtlCol="0" anchor="ctr"/>
+              <a:lstStyle/>
+              <a:p>
+                <a:pPr marL="0" marR="0" lvl="0" indent="0" algn="ctr" defTabSz="914400" eaLnBrk="1" fontAlgn="auto" latinLnBrk="0" hangingPunct="1">
+                  <a:lnSpc>
+                    <a:spcPct val="100000"/>
+                  </a:lnSpc>
+                  <a:spcBef>
+                    <a:spcPts val="0"/>
+                  </a:spcBef>
+                  <a:spcAft>
+                    <a:spcPts val="0"/>
+                  </a:spcAft>
+                  <a:buClrTx/>
+                  <a:buSzTx/>
+                  <a:buFontTx/>
+                  <a:buNone/>
+                  <a:tabLst/>
+                  <a:defRPr/>
+                </a:pPr>
+                <a:endParaRPr kumimoji="1" lang="ja-JP" altLang="en-US" sz="1800" b="0" i="0" u="none" strike="noStrike" kern="0" cap="none" spc="0" normalizeH="0" baseline="0" noProof="0" smtClean="0">
+                  <a:ln>
+                    <a:noFill/>
+                  </a:ln>
+                  <a:solidFill>
+                    <a:prstClr val="white"/>
+                  </a:solidFill>
+                  <a:effectLst/>
+                  <a:uLnTx/>
+                  <a:uFillTx/>
+                  <a:latin typeface="Calibri" panose="020F0502020204030204"/>
+                  <a:ea typeface="ＭＳ Ｐゴシック" panose="020B0600070205080204" pitchFamily="50" charset="-128"/>
+                  <a:cs typeface="+mn-cs"/>
+                </a:endParaRPr>
+              </a:p>
+            </p:txBody>
+          </p:sp>
+          <p:sp>
+            <p:nvSpPr>
+              <p:cNvPr id="11" name="円/楕円 10"/>
+              <p:cNvSpPr/>
+              <p:nvPr/>
+            </p:nvSpPr>
+            <p:spPr>
+              <a:xfrm>
+                <a:off x="4530575" y="2702349"/>
+                <a:ext cx="45719" cy="45719"/>
+              </a:xfrm>
+              <a:prstGeom prst="ellipse">
+                <a:avLst/>
+              </a:prstGeom>
+              <a:solidFill>
+                <a:sysClr val="windowText" lastClr="000000"/>
+              </a:solidFill>
+              <a:ln w="12700" cap="flat" cmpd="sng" algn="ctr">
+                <a:noFill/>
+                <a:prstDash val="solid"/>
+                <a:miter lim="800000"/>
+              </a:ln>
+              <a:effectLst/>
+            </p:spPr>
+            <p:txBody>
+              <a:bodyPr rtlCol="0" anchor="ctr"/>
+              <a:lstStyle/>
+              <a:p>
+                <a:pPr marL="0" marR="0" lvl="0" indent="0" algn="ctr" defTabSz="914400" eaLnBrk="1" fontAlgn="auto" latinLnBrk="0" hangingPunct="1">
+                  <a:lnSpc>
+                    <a:spcPct val="100000"/>
+                  </a:lnSpc>
+                  <a:spcBef>
+                    <a:spcPts val="0"/>
+                  </a:spcBef>
+                  <a:spcAft>
+                    <a:spcPts val="0"/>
+                  </a:spcAft>
+                  <a:buClrTx/>
+                  <a:buSzTx/>
+                  <a:buFontTx/>
+                  <a:buNone/>
+                  <a:tabLst/>
+                  <a:defRPr/>
+                </a:pPr>
+                <a:endParaRPr kumimoji="1" lang="ja-JP" altLang="en-US" sz="1800" b="0" i="0" u="none" strike="noStrike" kern="0" cap="none" spc="0" normalizeH="0" baseline="0" noProof="0" smtClean="0">
+                  <a:ln>
+                    <a:noFill/>
+                  </a:ln>
+                  <a:solidFill>
+                    <a:prstClr val="white"/>
+                  </a:solidFill>
+                  <a:effectLst/>
+                  <a:uLnTx/>
+                  <a:uFillTx/>
+                  <a:latin typeface="Calibri" panose="020F0502020204030204"/>
+                  <a:ea typeface="ＭＳ Ｐゴシック" panose="020B0600070205080204" pitchFamily="50" charset="-128"/>
+                  <a:cs typeface="+mn-cs"/>
+                </a:endParaRPr>
+              </a:p>
+            </p:txBody>
+          </p:sp>
+        </p:grpSp>
+        <p:cxnSp>
+          <p:nvCxnSpPr>
+            <p:cNvPr id="5" name="直線コネクタ 4"/>
+            <p:cNvCxnSpPr>
+              <a:stCxn id="10" idx="4"/>
+            </p:cNvCxnSpPr>
+            <p:nvPr/>
+          </p:nvCxnSpPr>
+          <p:spPr>
+            <a:xfrm flipH="1">
+              <a:off x="4794423" y="2748068"/>
+              <a:ext cx="1410" cy="104578"/>
+            </a:xfrm>
+            <a:prstGeom prst="line">
+              <a:avLst/>
+            </a:prstGeom>
+            <a:noFill/>
+            <a:ln w="6350" cap="flat" cmpd="sng" algn="ctr">
+              <a:solidFill>
+                <a:sysClr val="windowText" lastClr="000000"/>
+              </a:solidFill>
+              <a:prstDash val="solid"/>
+              <a:miter lim="800000"/>
+            </a:ln>
+            <a:effectLst/>
+          </p:spPr>
+        </p:cxnSp>
+        <p:cxnSp>
+          <p:nvCxnSpPr>
+            <p:cNvPr id="6" name="直線コネクタ 5"/>
+            <p:cNvCxnSpPr>
+              <a:stCxn id="11" idx="4"/>
+            </p:cNvCxnSpPr>
+            <p:nvPr/>
+          </p:nvCxnSpPr>
+          <p:spPr>
+            <a:xfrm flipH="1">
+              <a:off x="4553434" y="2748068"/>
+              <a:ext cx="1" cy="103416"/>
+            </a:xfrm>
+            <a:prstGeom prst="line">
+              <a:avLst/>
+            </a:prstGeom>
+            <a:noFill/>
+            <a:ln w="6350" cap="flat" cmpd="sng" algn="ctr">
+              <a:solidFill>
+                <a:sysClr val="windowText" lastClr="000000"/>
+              </a:solidFill>
+              <a:prstDash val="solid"/>
+              <a:miter lim="800000"/>
+            </a:ln>
+            <a:effectLst/>
+          </p:spPr>
+        </p:cxnSp>
+      </p:grpSp>
+      <p:sp>
+        <p:nvSpPr>
+          <p:cNvPr id="21" name="テキスト ボックス 20"/>
+          <p:cNvSpPr txBox="1"/>
+          <p:nvPr/>
+        </p:nvSpPr>
+        <p:spPr>
+          <a:xfrm>
+            <a:off x="1187749" y="1963718"/>
+            <a:ext cx="1713931" cy="584775"/>
+          </a:xfrm>
+          <a:prstGeom prst="rect">
+            <a:avLst/>
+          </a:prstGeom>
+          <a:noFill/>
+        </p:spPr>
+        <p:txBody>
+          <a:bodyPr wrap="none" rtlCol="0">
+            <a:spAutoFit/>
+          </a:bodyPr>
+          <a:lstStyle/>
+          <a:p>
+            <a:r>
+              <a:rPr kumimoji="1" lang="ja-JP" altLang="en-US" sz="3200" dirty="0" smtClean="0"/>
+              <a:t>宮崎さん</a:t>
+            </a:r>
+            <a:endParaRPr kumimoji="1" lang="ja-JP" altLang="en-US" sz="3200" dirty="0"/>
+          </a:p>
+        </p:txBody>
+      </p:sp>
+      <p:sp>
+        <p:nvSpPr>
+          <p:cNvPr id="22" name="テキスト ボックス 21"/>
+          <p:cNvSpPr txBox="1"/>
+          <p:nvPr/>
+        </p:nvSpPr>
+        <p:spPr>
+          <a:xfrm>
+            <a:off x="1229962" y="4460094"/>
+            <a:ext cx="1713931" cy="584775"/>
+          </a:xfrm>
+          <a:prstGeom prst="rect">
+            <a:avLst/>
+          </a:prstGeom>
+          <a:noFill/>
+        </p:spPr>
+        <p:txBody>
+          <a:bodyPr wrap="none" rtlCol="0">
+            <a:spAutoFit/>
+          </a:bodyPr>
+          <a:lstStyle/>
+          <a:p>
+            <a:r>
+              <a:rPr kumimoji="1" lang="ja-JP" altLang="en-US" sz="3200" dirty="0" smtClean="0"/>
+              <a:t>渡辺さん</a:t>
+            </a:r>
+            <a:endParaRPr kumimoji="1" lang="ja-JP" altLang="en-US" sz="3200" dirty="0"/>
+          </a:p>
+        </p:txBody>
+      </p:sp>
+      <p:grpSp>
+        <p:nvGrpSpPr>
+          <p:cNvPr id="23" name="グループ化 22"/>
+          <p:cNvGrpSpPr/>
+          <p:nvPr/>
+        </p:nvGrpSpPr>
+        <p:grpSpPr>
+          <a:xfrm>
+            <a:off x="1126018" y="3962869"/>
+            <a:ext cx="388809" cy="400072"/>
+            <a:chOff x="4463716" y="2702349"/>
+            <a:chExt cx="421105" cy="425862"/>
+          </a:xfrm>
+        </p:grpSpPr>
+        <p:grpSp>
+          <p:nvGrpSpPr>
+            <p:cNvPr id="24" name="グループ化 23"/>
+            <p:cNvGrpSpPr/>
+            <p:nvPr/>
+          </p:nvGrpSpPr>
+          <p:grpSpPr>
+            <a:xfrm>
+              <a:off x="4463716" y="2702349"/>
+              <a:ext cx="421105" cy="425862"/>
+              <a:chOff x="4463716" y="2702349"/>
+              <a:chExt cx="421105" cy="425862"/>
+            </a:xfrm>
+          </p:grpSpPr>
+          <p:sp>
+            <p:nvSpPr>
+              <p:cNvPr id="27" name="正方形/長方形 26"/>
+              <p:cNvSpPr/>
+              <p:nvPr/>
+            </p:nvSpPr>
+            <p:spPr>
+              <a:xfrm>
+                <a:off x="4463716" y="2851484"/>
+                <a:ext cx="421105" cy="276727"/>
+              </a:xfrm>
+              <a:prstGeom prst="rect">
+                <a:avLst/>
+              </a:prstGeom>
+              <a:solidFill>
+                <a:srgbClr val="FFFF00"/>
+              </a:solidFill>
+              <a:ln w="6350" cap="flat" cmpd="sng" algn="ctr">
+                <a:solidFill>
+                  <a:sysClr val="windowText" lastClr="000000"/>
+                </a:solidFill>
+                <a:prstDash val="solid"/>
+                <a:miter lim="800000"/>
+              </a:ln>
+              <a:effectLst/>
+            </p:spPr>
+            <p:txBody>
+              <a:bodyPr rtlCol="0" anchor="ctr"/>
+              <a:lstStyle/>
+              <a:p>
+                <a:pPr marL="0" marR="0" lvl="0" indent="0" algn="ctr" defTabSz="914400" eaLnBrk="1" fontAlgn="auto" latinLnBrk="0" hangingPunct="1">
+                  <a:lnSpc>
+                    <a:spcPct val="100000"/>
+                  </a:lnSpc>
+                  <a:spcBef>
+                    <a:spcPts val="0"/>
+                  </a:spcBef>
+                  <a:spcAft>
+                    <a:spcPts val="0"/>
+                  </a:spcAft>
+                  <a:buClrTx/>
+                  <a:buSzTx/>
+                  <a:buFontTx/>
+                  <a:buNone/>
+                  <a:tabLst/>
+                  <a:defRPr/>
+                </a:pPr>
+                <a:endParaRPr kumimoji="1" lang="ja-JP" altLang="en-US" sz="1800" b="0" i="0" u="none" strike="noStrike" kern="0" cap="none" spc="0" normalizeH="0" baseline="0" noProof="0" smtClean="0">
+                  <a:ln>
+                    <a:noFill/>
+                  </a:ln>
+                  <a:solidFill>
+                    <a:prstClr val="white"/>
+                  </a:solidFill>
+                  <a:effectLst/>
+                  <a:uLnTx/>
+                  <a:uFillTx/>
+                  <a:latin typeface="Calibri" panose="020F0502020204030204"/>
+                  <a:ea typeface="ＭＳ Ｐゴシック" panose="020B0600070205080204" pitchFamily="50" charset="-128"/>
+                  <a:cs typeface="+mn-cs"/>
+                </a:endParaRPr>
+              </a:p>
+            </p:txBody>
+          </p:sp>
+          <p:sp>
+            <p:nvSpPr>
+              <p:cNvPr id="28" name="円/楕円 27"/>
+              <p:cNvSpPr/>
+              <p:nvPr/>
+            </p:nvSpPr>
+            <p:spPr>
+              <a:xfrm>
+                <a:off x="4553576" y="2939841"/>
+                <a:ext cx="61287" cy="67034"/>
+              </a:xfrm>
+              <a:prstGeom prst="ellipse">
+                <a:avLst/>
+              </a:prstGeom>
+              <a:solidFill>
+                <a:sysClr val="windowText" lastClr="000000"/>
+              </a:solidFill>
+              <a:ln w="12700" cap="flat" cmpd="sng" algn="ctr">
+                <a:solidFill>
+                  <a:sysClr val="windowText" lastClr="000000">
+                    <a:shade val="50000"/>
+                  </a:sysClr>
+                </a:solidFill>
+                <a:prstDash val="solid"/>
+                <a:miter lim="800000"/>
+              </a:ln>
+              <a:effectLst/>
+            </p:spPr>
+            <p:txBody>
+              <a:bodyPr rtlCol="0" anchor="ctr"/>
+              <a:lstStyle/>
+              <a:p>
+                <a:pPr marL="0" marR="0" lvl="0" indent="0" algn="ctr" defTabSz="914400" eaLnBrk="1" fontAlgn="auto" latinLnBrk="0" hangingPunct="1">
+                  <a:lnSpc>
+                    <a:spcPct val="100000"/>
+                  </a:lnSpc>
+                  <a:spcBef>
+                    <a:spcPts val="0"/>
+                  </a:spcBef>
+                  <a:spcAft>
+                    <a:spcPts val="0"/>
+                  </a:spcAft>
+                  <a:buClrTx/>
+                  <a:buSzTx/>
+                  <a:buFontTx/>
+                  <a:buNone/>
+                  <a:tabLst/>
+                  <a:defRPr/>
+                </a:pPr>
+                <a:endParaRPr kumimoji="1" lang="ja-JP" altLang="en-US" sz="1800" b="0" i="0" u="none" strike="noStrike" kern="0" cap="none" spc="0" normalizeH="0" baseline="0" noProof="0" smtClean="0">
+                  <a:ln>
+                    <a:noFill/>
+                  </a:ln>
+                  <a:solidFill>
+                    <a:prstClr val="white"/>
+                  </a:solidFill>
+                  <a:effectLst/>
+                  <a:uLnTx/>
+                  <a:uFillTx/>
+                  <a:latin typeface="Calibri" panose="020F0502020204030204"/>
+                  <a:ea typeface="ＭＳ Ｐゴシック" panose="020B0600070205080204" pitchFamily="50" charset="-128"/>
+                  <a:cs typeface="+mn-cs"/>
+                </a:endParaRPr>
+              </a:p>
+            </p:txBody>
+          </p:sp>
+          <p:sp>
+            <p:nvSpPr>
+              <p:cNvPr id="29" name="円/楕円 28"/>
+              <p:cNvSpPr/>
+              <p:nvPr/>
+            </p:nvSpPr>
+            <p:spPr>
+              <a:xfrm>
+                <a:off x="4731280" y="2939841"/>
+                <a:ext cx="63143" cy="67034"/>
+              </a:xfrm>
+              <a:prstGeom prst="ellipse">
+                <a:avLst/>
+              </a:prstGeom>
+              <a:solidFill>
+                <a:sysClr val="windowText" lastClr="000000"/>
+              </a:solidFill>
+              <a:ln w="12700" cap="flat" cmpd="sng" algn="ctr">
+                <a:solidFill>
+                  <a:sysClr val="windowText" lastClr="000000">
+                    <a:shade val="50000"/>
+                  </a:sysClr>
+                </a:solidFill>
+                <a:prstDash val="solid"/>
+                <a:miter lim="800000"/>
+              </a:ln>
+              <a:effectLst/>
+            </p:spPr>
+            <p:txBody>
+              <a:bodyPr rtlCol="0" anchor="ctr"/>
+              <a:lstStyle/>
+              <a:p>
+                <a:pPr marL="0" marR="0" lvl="0" indent="0" algn="ctr" defTabSz="914400" eaLnBrk="1" fontAlgn="auto" latinLnBrk="0" hangingPunct="1">
+                  <a:lnSpc>
+                    <a:spcPct val="100000"/>
+                  </a:lnSpc>
+                  <a:spcBef>
+                    <a:spcPts val="0"/>
+                  </a:spcBef>
+                  <a:spcAft>
+                    <a:spcPts val="0"/>
+                  </a:spcAft>
+                  <a:buClrTx/>
+                  <a:buSzTx/>
+                  <a:buFontTx/>
+                  <a:buNone/>
+                  <a:tabLst/>
+                  <a:defRPr/>
+                </a:pPr>
+                <a:endParaRPr kumimoji="1" lang="ja-JP" altLang="en-US" sz="1800" b="0" i="0" u="none" strike="noStrike" kern="0" cap="none" spc="0" normalizeH="0" baseline="0" noProof="0" smtClean="0">
+                  <a:ln>
+                    <a:noFill/>
+                  </a:ln>
+                  <a:solidFill>
+                    <a:prstClr val="white"/>
+                  </a:solidFill>
+                  <a:effectLst/>
+                  <a:uLnTx/>
+                  <a:uFillTx/>
+                  <a:latin typeface="Calibri" panose="020F0502020204030204"/>
+                  <a:ea typeface="ＭＳ Ｐゴシック" panose="020B0600070205080204" pitchFamily="50" charset="-128"/>
+                  <a:cs typeface="+mn-cs"/>
+                </a:endParaRPr>
+              </a:p>
+            </p:txBody>
+          </p:sp>
+          <p:sp>
+            <p:nvSpPr>
+              <p:cNvPr id="30" name="円/楕円 29"/>
+              <p:cNvSpPr/>
+              <p:nvPr/>
+            </p:nvSpPr>
+            <p:spPr>
+              <a:xfrm>
+                <a:off x="4772973" y="2702349"/>
+                <a:ext cx="45719" cy="45719"/>
+              </a:xfrm>
+              <a:prstGeom prst="ellipse">
+                <a:avLst/>
+              </a:prstGeom>
+              <a:solidFill>
+                <a:sysClr val="windowText" lastClr="000000"/>
+              </a:solidFill>
+              <a:ln w="12700" cap="flat" cmpd="sng" algn="ctr">
+                <a:noFill/>
+                <a:prstDash val="solid"/>
+                <a:miter lim="800000"/>
+              </a:ln>
+              <a:effectLst/>
+            </p:spPr>
+            <p:txBody>
+              <a:bodyPr rtlCol="0" anchor="ctr"/>
+              <a:lstStyle/>
+              <a:p>
+                <a:pPr marL="0" marR="0" lvl="0" indent="0" algn="ctr" defTabSz="914400" eaLnBrk="1" fontAlgn="auto" latinLnBrk="0" hangingPunct="1">
+                  <a:lnSpc>
+                    <a:spcPct val="100000"/>
+                  </a:lnSpc>
+                  <a:spcBef>
+                    <a:spcPts val="0"/>
+                  </a:spcBef>
+                  <a:spcAft>
+                    <a:spcPts val="0"/>
+                  </a:spcAft>
+                  <a:buClrTx/>
+                  <a:buSzTx/>
+                  <a:buFontTx/>
+                  <a:buNone/>
+                  <a:tabLst/>
+                  <a:defRPr/>
+                </a:pPr>
+                <a:endParaRPr kumimoji="1" lang="ja-JP" altLang="en-US" sz="1800" b="0" i="0" u="none" strike="noStrike" kern="0" cap="none" spc="0" normalizeH="0" baseline="0" noProof="0" smtClean="0">
+                  <a:ln>
+                    <a:noFill/>
+                  </a:ln>
+                  <a:solidFill>
+                    <a:prstClr val="white"/>
+                  </a:solidFill>
+                  <a:effectLst/>
+                  <a:uLnTx/>
+                  <a:uFillTx/>
+                  <a:latin typeface="Calibri" panose="020F0502020204030204"/>
+                  <a:ea typeface="ＭＳ Ｐゴシック" panose="020B0600070205080204" pitchFamily="50" charset="-128"/>
+                  <a:cs typeface="+mn-cs"/>
+                </a:endParaRPr>
+              </a:p>
+            </p:txBody>
+          </p:sp>
+          <p:sp>
+            <p:nvSpPr>
+              <p:cNvPr id="31" name="円/楕円 30"/>
+              <p:cNvSpPr/>
+              <p:nvPr/>
+            </p:nvSpPr>
+            <p:spPr>
+              <a:xfrm>
+                <a:off x="4530575" y="2702349"/>
+                <a:ext cx="45719" cy="45719"/>
+              </a:xfrm>
+              <a:prstGeom prst="ellipse">
+                <a:avLst/>
+              </a:prstGeom>
+              <a:solidFill>
+                <a:sysClr val="windowText" lastClr="000000"/>
+              </a:solidFill>
+              <a:ln w="12700" cap="flat" cmpd="sng" algn="ctr">
+                <a:noFill/>
+                <a:prstDash val="solid"/>
+                <a:miter lim="800000"/>
+              </a:ln>
+              <a:effectLst/>
+            </p:spPr>
+            <p:txBody>
+              <a:bodyPr rtlCol="0" anchor="ctr"/>
+              <a:lstStyle/>
+              <a:p>
+                <a:pPr marL="0" marR="0" lvl="0" indent="0" algn="ctr" defTabSz="914400" eaLnBrk="1" fontAlgn="auto" latinLnBrk="0" hangingPunct="1">
+                  <a:lnSpc>
+                    <a:spcPct val="100000"/>
+                  </a:lnSpc>
+                  <a:spcBef>
+                    <a:spcPts val="0"/>
+                  </a:spcBef>
+                  <a:spcAft>
+                    <a:spcPts val="0"/>
+                  </a:spcAft>
+                  <a:buClrTx/>
+                  <a:buSzTx/>
+                  <a:buFontTx/>
+                  <a:buNone/>
+                  <a:tabLst/>
+                  <a:defRPr/>
+                </a:pPr>
+                <a:endParaRPr kumimoji="1" lang="ja-JP" altLang="en-US" sz="1800" b="0" i="0" u="none" strike="noStrike" kern="0" cap="none" spc="0" normalizeH="0" baseline="0" noProof="0" smtClean="0">
+                  <a:ln>
+                    <a:noFill/>
+                  </a:ln>
+                  <a:solidFill>
+                    <a:prstClr val="white"/>
+                  </a:solidFill>
+                  <a:effectLst/>
+                  <a:uLnTx/>
+                  <a:uFillTx/>
+                  <a:latin typeface="Calibri" panose="020F0502020204030204"/>
+                  <a:ea typeface="ＭＳ Ｐゴシック" panose="020B0600070205080204" pitchFamily="50" charset="-128"/>
+                  <a:cs typeface="+mn-cs"/>
+                </a:endParaRPr>
+              </a:p>
+            </p:txBody>
+          </p:sp>
+        </p:grpSp>
+        <p:cxnSp>
+          <p:nvCxnSpPr>
+            <p:cNvPr id="25" name="直線コネクタ 24"/>
+            <p:cNvCxnSpPr>
+              <a:stCxn id="30" idx="4"/>
+            </p:cNvCxnSpPr>
+            <p:nvPr/>
+          </p:nvCxnSpPr>
+          <p:spPr>
+            <a:xfrm flipH="1">
+              <a:off x="4794423" y="2748068"/>
+              <a:ext cx="1410" cy="104578"/>
+            </a:xfrm>
+            <a:prstGeom prst="line">
+              <a:avLst/>
+            </a:prstGeom>
+            <a:noFill/>
+            <a:ln w="6350" cap="flat" cmpd="sng" algn="ctr">
+              <a:solidFill>
+                <a:sysClr val="windowText" lastClr="000000"/>
+              </a:solidFill>
+              <a:prstDash val="solid"/>
+              <a:miter lim="800000"/>
+            </a:ln>
+            <a:effectLst/>
+          </p:spPr>
+        </p:cxnSp>
+        <p:cxnSp>
+          <p:nvCxnSpPr>
+            <p:cNvPr id="26" name="直線コネクタ 25"/>
+            <p:cNvCxnSpPr>
+              <a:stCxn id="31" idx="4"/>
+            </p:cNvCxnSpPr>
+            <p:nvPr/>
+          </p:nvCxnSpPr>
+          <p:spPr>
+            <a:xfrm flipH="1">
+              <a:off x="4553434" y="2748068"/>
+              <a:ext cx="1" cy="103416"/>
+            </a:xfrm>
+            <a:prstGeom prst="line">
+              <a:avLst/>
+            </a:prstGeom>
+            <a:noFill/>
+            <a:ln w="6350" cap="flat" cmpd="sng" algn="ctr">
+              <a:solidFill>
+                <a:sysClr val="windowText" lastClr="000000"/>
+              </a:solidFill>
+              <a:prstDash val="solid"/>
+              <a:miter lim="800000"/>
+            </a:ln>
+            <a:effectLst/>
+          </p:spPr>
+        </p:cxnSp>
+      </p:grpSp>
+      <p:sp>
+        <p:nvSpPr>
+          <p:cNvPr id="32" name="テキスト ボックス 31"/>
+          <p:cNvSpPr txBox="1"/>
+          <p:nvPr/>
+        </p:nvSpPr>
+        <p:spPr>
+          <a:xfrm>
+            <a:off x="1736706" y="1536525"/>
+            <a:ext cx="4868640" cy="400110"/>
+          </a:xfrm>
+          <a:prstGeom prst="rect">
+            <a:avLst/>
+          </a:prstGeom>
+          <a:noFill/>
+        </p:spPr>
+        <p:txBody>
+          <a:bodyPr wrap="none" rtlCol="0">
+            <a:spAutoFit/>
+          </a:bodyPr>
+          <a:lstStyle/>
+          <a:p>
+            <a:r>
+              <a:rPr kumimoji="1" lang="ja-JP" altLang="en-US" sz="2000" b="1" dirty="0" smtClean="0"/>
+              <a:t>プログラマー</a:t>
+            </a:r>
+            <a:r>
+              <a:rPr kumimoji="1" lang="en-US" altLang="ja-JP" sz="2000" b="1" dirty="0" smtClean="0"/>
+              <a:t>(</a:t>
+            </a:r>
+            <a:r>
+              <a:rPr kumimoji="1" lang="ja-JP" altLang="en-US" sz="2000" b="1" dirty="0" smtClean="0"/>
+              <a:t>就職成功のため、途中離脱</a:t>
+            </a:r>
+            <a:r>
+              <a:rPr kumimoji="1" lang="en-US" altLang="ja-JP" sz="2000" b="1" dirty="0" smtClean="0"/>
+              <a:t>)</a:t>
+            </a:r>
+            <a:endParaRPr kumimoji="1" lang="ja-JP" altLang="en-US" sz="2000" b="1" dirty="0"/>
+          </a:p>
+        </p:txBody>
+      </p:sp>
+      <p:sp>
+        <p:nvSpPr>
+          <p:cNvPr id="33" name="テキスト ボックス 32"/>
+          <p:cNvSpPr txBox="1"/>
+          <p:nvPr/>
+        </p:nvSpPr>
+        <p:spPr>
+          <a:xfrm>
+            <a:off x="1736706" y="4032901"/>
+            <a:ext cx="4181914" cy="400110"/>
+          </a:xfrm>
+          <a:prstGeom prst="rect">
+            <a:avLst/>
+          </a:prstGeom>
+          <a:noFill/>
+        </p:spPr>
+        <p:txBody>
+          <a:bodyPr wrap="none" rtlCol="0">
+            <a:spAutoFit/>
+          </a:bodyPr>
+          <a:lstStyle/>
+          <a:p>
+            <a:r>
+              <a:rPr kumimoji="1" lang="ja-JP" altLang="en-US" sz="2000" b="1" dirty="0" smtClean="0"/>
+              <a:t>メインデザイナー・</a:t>
+            </a:r>
+            <a:r>
+              <a:rPr kumimoji="1" lang="en-US" altLang="ja-JP" sz="2000" b="1" dirty="0" smtClean="0"/>
+              <a:t>OP,ED,</a:t>
+            </a:r>
+            <a:r>
+              <a:rPr kumimoji="1" lang="ja-JP" altLang="en-US" sz="2000" b="1" dirty="0" smtClean="0"/>
+              <a:t>ロボット作成</a:t>
+            </a:r>
+            <a:endParaRPr kumimoji="1" lang="ja-JP" altLang="en-US" sz="2000" b="1" dirty="0"/>
+          </a:p>
+        </p:txBody>
+      </p:sp>
+    </p:spTree>
+    <p:extLst>
+      <p:ext uri="{BB962C8B-B14F-4D97-AF65-F5344CB8AC3E}">
+        <p14:creationId xmlns:p14="http://schemas.microsoft.com/office/powerpoint/2010/main" val="981159185"/>
+      </p:ext>
+    </p:extLst>
+  </p:cSld>
+  <p:clrMapOvr>
+    <a:masterClrMapping/>
+  </p:clrMapOvr>
+  <p:timing>
+    <p:tnLst>
+      <p:par>
+        <p:cTn id="1" dur="indefinite" restart="never" nodeType="tmRoot"/>
+      </p:par>
+    </p:tnLst>
+  </p:timing>
+</p:sld>
+</file>
+
+<file path=ppt/slides/slide5.xml><?xml version="1.0" encoding="utf-8"?>
+<p:sld xmlns:a="http://schemas.openxmlformats.org/drawingml/2006/main" xmlns:r="http://schemas.openxmlformats.org/officeDocument/2006/relationships" xmlns:p="http://schemas.openxmlformats.org/presentationml/2006/main">
+  <p:cSld>
+    <p:spTree>
+      <p:nvGrpSpPr>
+        <p:cNvPr id="1" name=""/>
+        <p:cNvGrpSpPr/>
+        <p:nvPr/>
+      </p:nvGrpSpPr>
+      <p:grpSpPr>
+        <a:xfrm>
+          <a:off x="0" y="0"/>
+          <a:ext cx="0" cy="0"/>
+          <a:chOff x="0" y="0"/>
+          <a:chExt cx="0" cy="0"/>
+        </a:xfrm>
+      </p:grpSpPr>
+      <p:sp>
+        <p:nvSpPr>
+          <p:cNvPr id="2" name="テキスト ボックス 1"/>
+          <p:cNvSpPr txBox="1"/>
+          <p:nvPr/>
+        </p:nvSpPr>
+        <p:spPr>
+          <a:xfrm>
+            <a:off x="5094765" y="293298"/>
+            <a:ext cx="2002471" cy="707886"/>
+          </a:xfrm>
+          <a:prstGeom prst="rect">
+            <a:avLst/>
+          </a:prstGeom>
+          <a:noFill/>
+        </p:spPr>
+        <p:txBody>
+          <a:bodyPr wrap="none" rtlCol="0">
+            <a:spAutoFit/>
+          </a:bodyPr>
+          <a:lstStyle/>
+          <a:p>
+            <a:r>
+              <a:rPr kumimoji="1" lang="ja-JP" altLang="en-US" sz="4000" dirty="0" smtClean="0"/>
+              <a:t>メンバー</a:t>
+            </a:r>
+            <a:endParaRPr kumimoji="1" lang="ja-JP" altLang="en-US" sz="4000" dirty="0"/>
+          </a:p>
+        </p:txBody>
+      </p:sp>
+      <p:grpSp>
+        <p:nvGrpSpPr>
+          <p:cNvPr id="3" name="グループ化 2"/>
+          <p:cNvGrpSpPr/>
+          <p:nvPr/>
+        </p:nvGrpSpPr>
+        <p:grpSpPr>
+          <a:xfrm>
+            <a:off x="1126018" y="1466493"/>
+            <a:ext cx="388809" cy="400072"/>
+            <a:chOff x="4463716" y="2702349"/>
+            <a:chExt cx="421105" cy="425862"/>
+          </a:xfrm>
+        </p:grpSpPr>
+        <p:grpSp>
+          <p:nvGrpSpPr>
+            <p:cNvPr id="4" name="グループ化 3"/>
+            <p:cNvGrpSpPr/>
+            <p:nvPr/>
+          </p:nvGrpSpPr>
+          <p:grpSpPr>
+            <a:xfrm>
+              <a:off x="4463716" y="2702349"/>
+              <a:ext cx="421105" cy="425862"/>
+              <a:chOff x="4463716" y="2702349"/>
+              <a:chExt cx="421105" cy="425862"/>
+            </a:xfrm>
+          </p:grpSpPr>
+          <p:sp>
+            <p:nvSpPr>
+              <p:cNvPr id="7" name="正方形/長方形 6"/>
+              <p:cNvSpPr/>
+              <p:nvPr/>
+            </p:nvSpPr>
+            <p:spPr>
+              <a:xfrm>
+                <a:off x="4463716" y="2851484"/>
+                <a:ext cx="421105" cy="276727"/>
+              </a:xfrm>
+              <a:prstGeom prst="rect">
+                <a:avLst/>
+              </a:prstGeom>
+              <a:solidFill>
+                <a:schemeClr val="accent4">
+                  <a:lumMod val="60000"/>
+                  <a:lumOff val="40000"/>
+                </a:schemeClr>
+              </a:solidFill>
+              <a:ln w="6350" cap="flat" cmpd="sng" algn="ctr">
+                <a:solidFill>
+                  <a:sysClr val="windowText" lastClr="000000"/>
+                </a:solidFill>
+                <a:prstDash val="solid"/>
+                <a:miter lim="800000"/>
+              </a:ln>
+              <a:effectLst/>
+            </p:spPr>
+            <p:txBody>
+              <a:bodyPr rtlCol="0" anchor="ctr"/>
+              <a:lstStyle/>
+              <a:p>
+                <a:pPr marL="0" marR="0" lvl="0" indent="0" algn="ctr" defTabSz="914400" eaLnBrk="1" fontAlgn="auto" latinLnBrk="0" hangingPunct="1">
+                  <a:lnSpc>
+                    <a:spcPct val="100000"/>
+                  </a:lnSpc>
+                  <a:spcBef>
+                    <a:spcPts val="0"/>
+                  </a:spcBef>
+                  <a:spcAft>
+                    <a:spcPts val="0"/>
+                  </a:spcAft>
+                  <a:buClrTx/>
+                  <a:buSzTx/>
+                  <a:buFontTx/>
+                  <a:buNone/>
+                  <a:tabLst/>
+                  <a:defRPr/>
+                </a:pPr>
+                <a:endParaRPr kumimoji="1" lang="ja-JP" altLang="en-US" sz="1800" b="0" i="0" u="none" strike="noStrike" kern="0" cap="none" spc="0" normalizeH="0" baseline="0" noProof="0" smtClean="0">
+                  <a:ln>
+                    <a:noFill/>
+                  </a:ln>
+                  <a:solidFill>
+                    <a:prstClr val="white"/>
+                  </a:solidFill>
+                  <a:effectLst/>
+                  <a:uLnTx/>
+                  <a:uFillTx/>
+                  <a:latin typeface="Calibri" panose="020F0502020204030204"/>
+                  <a:ea typeface="ＭＳ Ｐゴシック" panose="020B0600070205080204" pitchFamily="50" charset="-128"/>
+                  <a:cs typeface="+mn-cs"/>
+                </a:endParaRPr>
+              </a:p>
+            </p:txBody>
+          </p:sp>
+          <p:sp>
+            <p:nvSpPr>
+              <p:cNvPr id="8" name="円/楕円 7"/>
+              <p:cNvSpPr/>
+              <p:nvPr/>
+            </p:nvSpPr>
+            <p:spPr>
+              <a:xfrm>
+                <a:off x="4553576" y="2939841"/>
+                <a:ext cx="61287" cy="67034"/>
+              </a:xfrm>
+              <a:prstGeom prst="ellipse">
+                <a:avLst/>
+              </a:prstGeom>
+              <a:solidFill>
+                <a:sysClr val="windowText" lastClr="000000"/>
+              </a:solidFill>
+              <a:ln w="12700" cap="flat" cmpd="sng" algn="ctr">
+                <a:solidFill>
+                  <a:sysClr val="windowText" lastClr="000000">
+                    <a:shade val="50000"/>
+                  </a:sysClr>
+                </a:solidFill>
+                <a:prstDash val="solid"/>
+                <a:miter lim="800000"/>
+              </a:ln>
+              <a:effectLst/>
+            </p:spPr>
+            <p:txBody>
+              <a:bodyPr rtlCol="0" anchor="ctr"/>
+              <a:lstStyle/>
+              <a:p>
+                <a:pPr marL="0" marR="0" lvl="0" indent="0" algn="ctr" defTabSz="914400" eaLnBrk="1" fontAlgn="auto" latinLnBrk="0" hangingPunct="1">
+                  <a:lnSpc>
+                    <a:spcPct val="100000"/>
+                  </a:lnSpc>
+                  <a:spcBef>
+                    <a:spcPts val="0"/>
+                  </a:spcBef>
+                  <a:spcAft>
+                    <a:spcPts val="0"/>
+                  </a:spcAft>
+                  <a:buClrTx/>
+                  <a:buSzTx/>
+                  <a:buFontTx/>
+                  <a:buNone/>
+                  <a:tabLst/>
+                  <a:defRPr/>
+                </a:pPr>
+                <a:endParaRPr kumimoji="1" lang="ja-JP" altLang="en-US" sz="1800" b="0" i="0" u="none" strike="noStrike" kern="0" cap="none" spc="0" normalizeH="0" baseline="0" noProof="0" smtClean="0">
+                  <a:ln>
+                    <a:noFill/>
+                  </a:ln>
+                  <a:solidFill>
+                    <a:prstClr val="white"/>
+                  </a:solidFill>
+                  <a:effectLst/>
+                  <a:uLnTx/>
+                  <a:uFillTx/>
+                  <a:latin typeface="Calibri" panose="020F0502020204030204"/>
+                  <a:ea typeface="ＭＳ Ｐゴシック" panose="020B0600070205080204" pitchFamily="50" charset="-128"/>
+                  <a:cs typeface="+mn-cs"/>
+                </a:endParaRPr>
+              </a:p>
+            </p:txBody>
+          </p:sp>
+          <p:sp>
+            <p:nvSpPr>
+              <p:cNvPr id="9" name="円/楕円 8"/>
+              <p:cNvSpPr/>
+              <p:nvPr/>
+            </p:nvSpPr>
+            <p:spPr>
+              <a:xfrm>
+                <a:off x="4731280" y="2939841"/>
+                <a:ext cx="63143" cy="67034"/>
+              </a:xfrm>
+              <a:prstGeom prst="ellipse">
+                <a:avLst/>
+              </a:prstGeom>
+              <a:solidFill>
+                <a:sysClr val="windowText" lastClr="000000"/>
+              </a:solidFill>
+              <a:ln w="12700" cap="flat" cmpd="sng" algn="ctr">
+                <a:solidFill>
+                  <a:sysClr val="windowText" lastClr="000000">
+                    <a:shade val="50000"/>
+                  </a:sysClr>
+                </a:solidFill>
+                <a:prstDash val="solid"/>
+                <a:miter lim="800000"/>
+              </a:ln>
+              <a:effectLst/>
+            </p:spPr>
+            <p:txBody>
+              <a:bodyPr rtlCol="0" anchor="ctr"/>
+              <a:lstStyle/>
+              <a:p>
+                <a:pPr marL="0" marR="0" lvl="0" indent="0" algn="ctr" defTabSz="914400" eaLnBrk="1" fontAlgn="auto" latinLnBrk="0" hangingPunct="1">
+                  <a:lnSpc>
+                    <a:spcPct val="100000"/>
+                  </a:lnSpc>
+                  <a:spcBef>
+                    <a:spcPts val="0"/>
+                  </a:spcBef>
+                  <a:spcAft>
+                    <a:spcPts val="0"/>
+                  </a:spcAft>
+                  <a:buClrTx/>
+                  <a:buSzTx/>
+                  <a:buFontTx/>
+                  <a:buNone/>
+                  <a:tabLst/>
+                  <a:defRPr/>
+                </a:pPr>
+                <a:endParaRPr kumimoji="1" lang="ja-JP" altLang="en-US" sz="1800" b="0" i="0" u="none" strike="noStrike" kern="0" cap="none" spc="0" normalizeH="0" baseline="0" noProof="0" smtClean="0">
+                  <a:ln>
+                    <a:noFill/>
+                  </a:ln>
+                  <a:solidFill>
+                    <a:prstClr val="white"/>
+                  </a:solidFill>
+                  <a:effectLst/>
+                  <a:uLnTx/>
+                  <a:uFillTx/>
+                  <a:latin typeface="Calibri" panose="020F0502020204030204"/>
+                  <a:ea typeface="ＭＳ Ｐゴシック" panose="020B0600070205080204" pitchFamily="50" charset="-128"/>
+                  <a:cs typeface="+mn-cs"/>
+                </a:endParaRPr>
+              </a:p>
+            </p:txBody>
+          </p:sp>
+          <p:sp>
+            <p:nvSpPr>
+              <p:cNvPr id="10" name="円/楕円 9"/>
+              <p:cNvSpPr/>
+              <p:nvPr/>
+            </p:nvSpPr>
+            <p:spPr>
+              <a:xfrm>
+                <a:off x="4772973" y="2702349"/>
+                <a:ext cx="45719" cy="45719"/>
+              </a:xfrm>
+              <a:prstGeom prst="ellipse">
+                <a:avLst/>
+              </a:prstGeom>
+              <a:solidFill>
+                <a:sysClr val="windowText" lastClr="000000"/>
+              </a:solidFill>
+              <a:ln w="12700" cap="flat" cmpd="sng" algn="ctr">
+                <a:noFill/>
+                <a:prstDash val="solid"/>
+                <a:miter lim="800000"/>
+              </a:ln>
+              <a:effectLst/>
+            </p:spPr>
+            <p:txBody>
+              <a:bodyPr rtlCol="0" anchor="ctr"/>
+              <a:lstStyle/>
+              <a:p>
+                <a:pPr marL="0" marR="0" lvl="0" indent="0" algn="ctr" defTabSz="914400" eaLnBrk="1" fontAlgn="auto" latinLnBrk="0" hangingPunct="1">
+                  <a:lnSpc>
+                    <a:spcPct val="100000"/>
+                  </a:lnSpc>
+                  <a:spcBef>
+                    <a:spcPts val="0"/>
+                  </a:spcBef>
+                  <a:spcAft>
+                    <a:spcPts val="0"/>
+                  </a:spcAft>
+                  <a:buClrTx/>
+                  <a:buSzTx/>
+                  <a:buFontTx/>
+                  <a:buNone/>
+                  <a:tabLst/>
+                  <a:defRPr/>
+                </a:pPr>
+                <a:endParaRPr kumimoji="1" lang="ja-JP" altLang="en-US" sz="1800" b="0" i="0" u="none" strike="noStrike" kern="0" cap="none" spc="0" normalizeH="0" baseline="0" noProof="0" smtClean="0">
+                  <a:ln>
+                    <a:noFill/>
+                  </a:ln>
+                  <a:solidFill>
+                    <a:prstClr val="white"/>
+                  </a:solidFill>
+                  <a:effectLst/>
+                  <a:uLnTx/>
+                  <a:uFillTx/>
+                  <a:latin typeface="Calibri" panose="020F0502020204030204"/>
+                  <a:ea typeface="ＭＳ Ｐゴシック" panose="020B0600070205080204" pitchFamily="50" charset="-128"/>
+                  <a:cs typeface="+mn-cs"/>
+                </a:endParaRPr>
+              </a:p>
+            </p:txBody>
+          </p:sp>
+          <p:sp>
+            <p:nvSpPr>
+              <p:cNvPr id="11" name="円/楕円 10"/>
+              <p:cNvSpPr/>
+              <p:nvPr/>
+            </p:nvSpPr>
+            <p:spPr>
+              <a:xfrm>
+                <a:off x="4530575" y="2702349"/>
+                <a:ext cx="45719" cy="45719"/>
+              </a:xfrm>
+              <a:prstGeom prst="ellipse">
+                <a:avLst/>
+              </a:prstGeom>
+              <a:solidFill>
+                <a:sysClr val="windowText" lastClr="000000"/>
+              </a:solidFill>
+              <a:ln w="12700" cap="flat" cmpd="sng" algn="ctr">
+                <a:noFill/>
+                <a:prstDash val="solid"/>
+                <a:miter lim="800000"/>
+              </a:ln>
+              <a:effectLst/>
+            </p:spPr>
+            <p:txBody>
+              <a:bodyPr rtlCol="0" anchor="ctr"/>
+              <a:lstStyle/>
+              <a:p>
+                <a:pPr marL="0" marR="0" lvl="0" indent="0" algn="ctr" defTabSz="914400" eaLnBrk="1" fontAlgn="auto" latinLnBrk="0" hangingPunct="1">
+                  <a:lnSpc>
+                    <a:spcPct val="100000"/>
+                  </a:lnSpc>
+                  <a:spcBef>
+                    <a:spcPts val="0"/>
+                  </a:spcBef>
+                  <a:spcAft>
+                    <a:spcPts val="0"/>
+                  </a:spcAft>
+                  <a:buClrTx/>
+                  <a:buSzTx/>
+                  <a:buFontTx/>
+                  <a:buNone/>
+                  <a:tabLst/>
+                  <a:defRPr/>
+                </a:pPr>
+                <a:endParaRPr kumimoji="1" lang="ja-JP" altLang="en-US" sz="1800" b="0" i="0" u="none" strike="noStrike" kern="0" cap="none" spc="0" normalizeH="0" baseline="0" noProof="0" smtClean="0">
+                  <a:ln>
+                    <a:noFill/>
+                  </a:ln>
+                  <a:solidFill>
+                    <a:prstClr val="white"/>
+                  </a:solidFill>
+                  <a:effectLst/>
+                  <a:uLnTx/>
+                  <a:uFillTx/>
+                  <a:latin typeface="Calibri" panose="020F0502020204030204"/>
+                  <a:ea typeface="ＭＳ Ｐゴシック" panose="020B0600070205080204" pitchFamily="50" charset="-128"/>
+                  <a:cs typeface="+mn-cs"/>
+                </a:endParaRPr>
+              </a:p>
+            </p:txBody>
+          </p:sp>
+        </p:grpSp>
+        <p:cxnSp>
+          <p:nvCxnSpPr>
+            <p:cNvPr id="5" name="直線コネクタ 4"/>
+            <p:cNvCxnSpPr>
+              <a:stCxn id="10" idx="4"/>
+            </p:cNvCxnSpPr>
+            <p:nvPr/>
+          </p:nvCxnSpPr>
+          <p:spPr>
+            <a:xfrm flipH="1">
+              <a:off x="4794423" y="2748068"/>
+              <a:ext cx="1410" cy="104578"/>
+            </a:xfrm>
+            <a:prstGeom prst="line">
+              <a:avLst/>
+            </a:prstGeom>
+            <a:noFill/>
+            <a:ln w="6350" cap="flat" cmpd="sng" algn="ctr">
+              <a:solidFill>
+                <a:sysClr val="windowText" lastClr="000000"/>
+              </a:solidFill>
+              <a:prstDash val="solid"/>
+              <a:miter lim="800000"/>
+            </a:ln>
+            <a:effectLst/>
+          </p:spPr>
+        </p:cxnSp>
+        <p:cxnSp>
+          <p:nvCxnSpPr>
+            <p:cNvPr id="6" name="直線コネクタ 5"/>
+            <p:cNvCxnSpPr>
+              <a:stCxn id="11" idx="4"/>
+            </p:cNvCxnSpPr>
+            <p:nvPr/>
+          </p:nvCxnSpPr>
+          <p:spPr>
+            <a:xfrm flipH="1">
+              <a:off x="4553434" y="2748068"/>
+              <a:ext cx="1" cy="103416"/>
+            </a:xfrm>
+            <a:prstGeom prst="line">
+              <a:avLst/>
+            </a:prstGeom>
+            <a:noFill/>
+            <a:ln w="6350" cap="flat" cmpd="sng" algn="ctr">
+              <a:solidFill>
+                <a:sysClr val="windowText" lastClr="000000"/>
+              </a:solidFill>
+              <a:prstDash val="solid"/>
+              <a:miter lim="800000"/>
+            </a:ln>
+            <a:effectLst/>
+          </p:spPr>
+        </p:cxnSp>
+      </p:grpSp>
+      <p:sp>
+        <p:nvSpPr>
+          <p:cNvPr id="21" name="テキスト ボックス 20"/>
+          <p:cNvSpPr txBox="1"/>
+          <p:nvPr/>
+        </p:nvSpPr>
+        <p:spPr>
+          <a:xfrm>
+            <a:off x="1187749" y="1963718"/>
+            <a:ext cx="1713931" cy="584775"/>
+          </a:xfrm>
+          <a:prstGeom prst="rect">
+            <a:avLst/>
+          </a:prstGeom>
+          <a:noFill/>
+        </p:spPr>
+        <p:txBody>
+          <a:bodyPr wrap="none" rtlCol="0">
+            <a:spAutoFit/>
+          </a:bodyPr>
+          <a:lstStyle/>
+          <a:p>
+            <a:r>
+              <a:rPr kumimoji="1" lang="ja-JP" altLang="en-US" sz="3200" dirty="0" smtClean="0"/>
+              <a:t>高居さん</a:t>
+            </a:r>
+            <a:endParaRPr kumimoji="1" lang="ja-JP" altLang="en-US" sz="3200" dirty="0"/>
+          </a:p>
+        </p:txBody>
+      </p:sp>
+      <p:sp>
+        <p:nvSpPr>
+          <p:cNvPr id="22" name="テキスト ボックス 21"/>
+          <p:cNvSpPr txBox="1"/>
+          <p:nvPr/>
+        </p:nvSpPr>
+        <p:spPr>
+          <a:xfrm>
+            <a:off x="1229962" y="4460094"/>
+            <a:ext cx="1005403" cy="584775"/>
+          </a:xfrm>
+          <a:prstGeom prst="rect">
+            <a:avLst/>
+          </a:prstGeom>
+          <a:noFill/>
+        </p:spPr>
+        <p:txBody>
+          <a:bodyPr wrap="none" rtlCol="0">
+            <a:spAutoFit/>
+          </a:bodyPr>
+          <a:lstStyle/>
+          <a:p>
+            <a:r>
+              <a:rPr kumimoji="1" lang="ja-JP" altLang="en-US" sz="3200" dirty="0"/>
+              <a:t>櫻畑</a:t>
+            </a:r>
+          </a:p>
+        </p:txBody>
+      </p:sp>
+      <p:grpSp>
+        <p:nvGrpSpPr>
+          <p:cNvPr id="23" name="グループ化 22"/>
+          <p:cNvGrpSpPr/>
+          <p:nvPr/>
+        </p:nvGrpSpPr>
+        <p:grpSpPr>
+          <a:xfrm>
+            <a:off x="1126018" y="3962869"/>
+            <a:ext cx="388809" cy="400072"/>
+            <a:chOff x="4463716" y="2702349"/>
+            <a:chExt cx="421105" cy="425862"/>
+          </a:xfrm>
+        </p:grpSpPr>
+        <p:grpSp>
+          <p:nvGrpSpPr>
+            <p:cNvPr id="24" name="グループ化 23"/>
+            <p:cNvGrpSpPr/>
+            <p:nvPr/>
+          </p:nvGrpSpPr>
+          <p:grpSpPr>
+            <a:xfrm>
+              <a:off x="4463716" y="2702349"/>
+              <a:ext cx="421105" cy="425862"/>
+              <a:chOff x="4463716" y="2702349"/>
+              <a:chExt cx="421105" cy="425862"/>
+            </a:xfrm>
+          </p:grpSpPr>
+          <p:sp>
+            <p:nvSpPr>
+              <p:cNvPr id="27" name="正方形/長方形 26"/>
+              <p:cNvSpPr/>
+              <p:nvPr/>
+            </p:nvSpPr>
+            <p:spPr>
+              <a:xfrm>
+                <a:off x="4463716" y="2851484"/>
+                <a:ext cx="421105" cy="276727"/>
+              </a:xfrm>
+              <a:prstGeom prst="rect">
+                <a:avLst/>
+              </a:prstGeom>
+              <a:solidFill>
+                <a:srgbClr val="FF0000"/>
+              </a:solidFill>
+              <a:ln w="6350" cap="flat" cmpd="sng" algn="ctr">
+                <a:solidFill>
+                  <a:sysClr val="windowText" lastClr="000000"/>
+                </a:solidFill>
+                <a:prstDash val="solid"/>
+                <a:miter lim="800000"/>
+              </a:ln>
+              <a:effectLst/>
+            </p:spPr>
+            <p:txBody>
+              <a:bodyPr rtlCol="0" anchor="ctr"/>
+              <a:lstStyle/>
+              <a:p>
+                <a:pPr marL="0" marR="0" lvl="0" indent="0" algn="ctr" defTabSz="914400" eaLnBrk="1" fontAlgn="auto" latinLnBrk="0" hangingPunct="1">
+                  <a:lnSpc>
+                    <a:spcPct val="100000"/>
+                  </a:lnSpc>
+                  <a:spcBef>
+                    <a:spcPts val="0"/>
+                  </a:spcBef>
+                  <a:spcAft>
+                    <a:spcPts val="0"/>
+                  </a:spcAft>
+                  <a:buClrTx/>
+                  <a:buSzTx/>
+                  <a:buFontTx/>
+                  <a:buNone/>
+                  <a:tabLst/>
+                  <a:defRPr/>
+                </a:pPr>
+                <a:endParaRPr kumimoji="1" lang="ja-JP" altLang="en-US" sz="1800" b="0" i="0" u="none" strike="noStrike" kern="0" cap="none" spc="0" normalizeH="0" baseline="0" noProof="0" smtClean="0">
+                  <a:ln>
+                    <a:noFill/>
+                  </a:ln>
+                  <a:solidFill>
+                    <a:prstClr val="white"/>
+                  </a:solidFill>
+                  <a:effectLst/>
+                  <a:uLnTx/>
+                  <a:uFillTx/>
+                  <a:latin typeface="Calibri" panose="020F0502020204030204"/>
+                  <a:ea typeface="ＭＳ Ｐゴシック" panose="020B0600070205080204" pitchFamily="50" charset="-128"/>
+                  <a:cs typeface="+mn-cs"/>
+                </a:endParaRPr>
+              </a:p>
+            </p:txBody>
+          </p:sp>
+          <p:sp>
+            <p:nvSpPr>
+              <p:cNvPr id="28" name="円/楕円 27"/>
+              <p:cNvSpPr/>
+              <p:nvPr/>
+            </p:nvSpPr>
+            <p:spPr>
+              <a:xfrm>
+                <a:off x="4553576" y="2939841"/>
+                <a:ext cx="61287" cy="67034"/>
+              </a:xfrm>
+              <a:prstGeom prst="ellipse">
+                <a:avLst/>
+              </a:prstGeom>
+              <a:solidFill>
+                <a:sysClr val="windowText" lastClr="000000"/>
+              </a:solidFill>
+              <a:ln w="12700" cap="flat" cmpd="sng" algn="ctr">
+                <a:solidFill>
+                  <a:sysClr val="windowText" lastClr="000000">
+                    <a:shade val="50000"/>
+                  </a:sysClr>
+                </a:solidFill>
+                <a:prstDash val="solid"/>
+                <a:miter lim="800000"/>
+              </a:ln>
+              <a:effectLst/>
+            </p:spPr>
+            <p:txBody>
+              <a:bodyPr rtlCol="0" anchor="ctr"/>
+              <a:lstStyle/>
+              <a:p>
+                <a:pPr marL="0" marR="0" lvl="0" indent="0" algn="ctr" defTabSz="914400" eaLnBrk="1" fontAlgn="auto" latinLnBrk="0" hangingPunct="1">
+                  <a:lnSpc>
+                    <a:spcPct val="100000"/>
+                  </a:lnSpc>
+                  <a:spcBef>
+                    <a:spcPts val="0"/>
+                  </a:spcBef>
+                  <a:spcAft>
+                    <a:spcPts val="0"/>
+                  </a:spcAft>
+                  <a:buClrTx/>
+                  <a:buSzTx/>
+                  <a:buFontTx/>
+                  <a:buNone/>
+                  <a:tabLst/>
+                  <a:defRPr/>
+                </a:pPr>
+                <a:endParaRPr kumimoji="1" lang="ja-JP" altLang="en-US" sz="1800" b="0" i="0" u="none" strike="noStrike" kern="0" cap="none" spc="0" normalizeH="0" baseline="0" noProof="0" smtClean="0">
+                  <a:ln>
+                    <a:noFill/>
+                  </a:ln>
+                  <a:solidFill>
+                    <a:prstClr val="white"/>
+                  </a:solidFill>
+                  <a:effectLst/>
+                  <a:uLnTx/>
+                  <a:uFillTx/>
+                  <a:latin typeface="Calibri" panose="020F0502020204030204"/>
+                  <a:ea typeface="ＭＳ Ｐゴシック" panose="020B0600070205080204" pitchFamily="50" charset="-128"/>
+                  <a:cs typeface="+mn-cs"/>
+                </a:endParaRPr>
+              </a:p>
+            </p:txBody>
+          </p:sp>
+          <p:sp>
+            <p:nvSpPr>
+              <p:cNvPr id="29" name="円/楕円 28"/>
+              <p:cNvSpPr/>
+              <p:nvPr/>
+            </p:nvSpPr>
+            <p:spPr>
+              <a:xfrm>
+                <a:off x="4731280" y="2939841"/>
+                <a:ext cx="63143" cy="67034"/>
+              </a:xfrm>
+              <a:prstGeom prst="ellipse">
+                <a:avLst/>
+              </a:prstGeom>
+              <a:solidFill>
+                <a:sysClr val="windowText" lastClr="000000"/>
+              </a:solidFill>
+              <a:ln w="12700" cap="flat" cmpd="sng" algn="ctr">
+                <a:solidFill>
+                  <a:sysClr val="windowText" lastClr="000000">
+                    <a:shade val="50000"/>
+                  </a:sysClr>
+                </a:solidFill>
+                <a:prstDash val="solid"/>
+                <a:miter lim="800000"/>
+              </a:ln>
+              <a:effectLst/>
+            </p:spPr>
+            <p:txBody>
+              <a:bodyPr rtlCol="0" anchor="ctr"/>
+              <a:lstStyle/>
+              <a:p>
+                <a:pPr marL="0" marR="0" lvl="0" indent="0" algn="ctr" defTabSz="914400" eaLnBrk="1" fontAlgn="auto" latinLnBrk="0" hangingPunct="1">
+                  <a:lnSpc>
+                    <a:spcPct val="100000"/>
+                  </a:lnSpc>
+                  <a:spcBef>
+                    <a:spcPts val="0"/>
+                  </a:spcBef>
+                  <a:spcAft>
+                    <a:spcPts val="0"/>
+                  </a:spcAft>
+                  <a:buClrTx/>
+                  <a:buSzTx/>
+                  <a:buFontTx/>
+                  <a:buNone/>
+                  <a:tabLst/>
+                  <a:defRPr/>
+                </a:pPr>
+                <a:endParaRPr kumimoji="1" lang="ja-JP" altLang="en-US" sz="1800" b="0" i="0" u="none" strike="noStrike" kern="0" cap="none" spc="0" normalizeH="0" baseline="0" noProof="0" smtClean="0">
+                  <a:ln>
+                    <a:noFill/>
+                  </a:ln>
+                  <a:solidFill>
+                    <a:prstClr val="white"/>
+                  </a:solidFill>
+                  <a:effectLst/>
+                  <a:uLnTx/>
+                  <a:uFillTx/>
+                  <a:latin typeface="Calibri" panose="020F0502020204030204"/>
+                  <a:ea typeface="ＭＳ Ｐゴシック" panose="020B0600070205080204" pitchFamily="50" charset="-128"/>
+                  <a:cs typeface="+mn-cs"/>
+                </a:endParaRPr>
+              </a:p>
+            </p:txBody>
+          </p:sp>
+          <p:sp>
+            <p:nvSpPr>
+              <p:cNvPr id="30" name="円/楕円 29"/>
+              <p:cNvSpPr/>
+              <p:nvPr/>
+            </p:nvSpPr>
+            <p:spPr>
+              <a:xfrm>
+                <a:off x="4772973" y="2702349"/>
+                <a:ext cx="45719" cy="45719"/>
+              </a:xfrm>
+              <a:prstGeom prst="ellipse">
+                <a:avLst/>
+              </a:prstGeom>
+              <a:solidFill>
+                <a:sysClr val="windowText" lastClr="000000"/>
+              </a:solidFill>
+              <a:ln w="12700" cap="flat" cmpd="sng" algn="ctr">
+                <a:noFill/>
+                <a:prstDash val="solid"/>
+                <a:miter lim="800000"/>
+              </a:ln>
+              <a:effectLst/>
+            </p:spPr>
+            <p:txBody>
+              <a:bodyPr rtlCol="0" anchor="ctr"/>
+              <a:lstStyle/>
+              <a:p>
+                <a:pPr marL="0" marR="0" lvl="0" indent="0" algn="ctr" defTabSz="914400" eaLnBrk="1" fontAlgn="auto" latinLnBrk="0" hangingPunct="1">
+                  <a:lnSpc>
+                    <a:spcPct val="100000"/>
+                  </a:lnSpc>
+                  <a:spcBef>
+                    <a:spcPts val="0"/>
+                  </a:spcBef>
+                  <a:spcAft>
+                    <a:spcPts val="0"/>
+                  </a:spcAft>
+                  <a:buClrTx/>
+                  <a:buSzTx/>
+                  <a:buFontTx/>
+                  <a:buNone/>
+                  <a:tabLst/>
+                  <a:defRPr/>
+                </a:pPr>
+                <a:endParaRPr kumimoji="1" lang="ja-JP" altLang="en-US" sz="1800" b="0" i="0" u="none" strike="noStrike" kern="0" cap="none" spc="0" normalizeH="0" baseline="0" noProof="0" smtClean="0">
+                  <a:ln>
+                    <a:noFill/>
+                  </a:ln>
+                  <a:solidFill>
+                    <a:prstClr val="white"/>
+                  </a:solidFill>
+                  <a:effectLst/>
+                  <a:uLnTx/>
+                  <a:uFillTx/>
+                  <a:latin typeface="Calibri" panose="020F0502020204030204"/>
+                  <a:ea typeface="ＭＳ Ｐゴシック" panose="020B0600070205080204" pitchFamily="50" charset="-128"/>
+                  <a:cs typeface="+mn-cs"/>
+                </a:endParaRPr>
+              </a:p>
+            </p:txBody>
+          </p:sp>
+          <p:sp>
+            <p:nvSpPr>
+              <p:cNvPr id="31" name="円/楕円 30"/>
+              <p:cNvSpPr/>
+              <p:nvPr/>
+            </p:nvSpPr>
+            <p:spPr>
+              <a:xfrm>
+                <a:off x="4530575" y="2702349"/>
+                <a:ext cx="45719" cy="45719"/>
+              </a:xfrm>
+              <a:prstGeom prst="ellipse">
+                <a:avLst/>
+              </a:prstGeom>
+              <a:solidFill>
+                <a:sysClr val="windowText" lastClr="000000"/>
+              </a:solidFill>
+              <a:ln w="12700" cap="flat" cmpd="sng" algn="ctr">
+                <a:noFill/>
+                <a:prstDash val="solid"/>
+                <a:miter lim="800000"/>
+              </a:ln>
+              <a:effectLst/>
+            </p:spPr>
+            <p:txBody>
+              <a:bodyPr rtlCol="0" anchor="ctr"/>
+              <a:lstStyle/>
+              <a:p>
+                <a:pPr marL="0" marR="0" lvl="0" indent="0" algn="ctr" defTabSz="914400" eaLnBrk="1" fontAlgn="auto" latinLnBrk="0" hangingPunct="1">
+                  <a:lnSpc>
+                    <a:spcPct val="100000"/>
+                  </a:lnSpc>
+                  <a:spcBef>
+                    <a:spcPts val="0"/>
+                  </a:spcBef>
+                  <a:spcAft>
+                    <a:spcPts val="0"/>
+                  </a:spcAft>
+                  <a:buClrTx/>
+                  <a:buSzTx/>
+                  <a:buFontTx/>
+                  <a:buNone/>
+                  <a:tabLst/>
+                  <a:defRPr/>
+                </a:pPr>
+                <a:endParaRPr kumimoji="1" lang="ja-JP" altLang="en-US" sz="1800" b="0" i="0" u="none" strike="noStrike" kern="0" cap="none" spc="0" normalizeH="0" baseline="0" noProof="0" smtClean="0">
+                  <a:ln>
+                    <a:noFill/>
+                  </a:ln>
+                  <a:solidFill>
+                    <a:prstClr val="white"/>
+                  </a:solidFill>
+                  <a:effectLst/>
+                  <a:uLnTx/>
+                  <a:uFillTx/>
+                  <a:latin typeface="Calibri" panose="020F0502020204030204"/>
+                  <a:ea typeface="ＭＳ Ｐゴシック" panose="020B0600070205080204" pitchFamily="50" charset="-128"/>
+                  <a:cs typeface="+mn-cs"/>
+                </a:endParaRPr>
+              </a:p>
+            </p:txBody>
+          </p:sp>
+        </p:grpSp>
+        <p:cxnSp>
+          <p:nvCxnSpPr>
+            <p:cNvPr id="25" name="直線コネクタ 24"/>
+            <p:cNvCxnSpPr>
+              <a:stCxn id="30" idx="4"/>
+            </p:cNvCxnSpPr>
+            <p:nvPr/>
+          </p:nvCxnSpPr>
+          <p:spPr>
+            <a:xfrm flipH="1">
+              <a:off x="4794423" y="2748068"/>
+              <a:ext cx="1410" cy="104578"/>
+            </a:xfrm>
+            <a:prstGeom prst="line">
+              <a:avLst/>
+            </a:prstGeom>
+            <a:noFill/>
+            <a:ln w="6350" cap="flat" cmpd="sng" algn="ctr">
+              <a:solidFill>
+                <a:sysClr val="windowText" lastClr="000000"/>
+              </a:solidFill>
+              <a:prstDash val="solid"/>
+              <a:miter lim="800000"/>
+            </a:ln>
+            <a:effectLst/>
+          </p:spPr>
+        </p:cxnSp>
+        <p:cxnSp>
+          <p:nvCxnSpPr>
+            <p:cNvPr id="26" name="直線コネクタ 25"/>
+            <p:cNvCxnSpPr>
+              <a:stCxn id="31" idx="4"/>
+            </p:cNvCxnSpPr>
+            <p:nvPr/>
+          </p:nvCxnSpPr>
+          <p:spPr>
+            <a:xfrm flipH="1">
+              <a:off x="4553434" y="2748068"/>
+              <a:ext cx="1" cy="103416"/>
+            </a:xfrm>
+            <a:prstGeom prst="line">
+              <a:avLst/>
+            </a:prstGeom>
+            <a:noFill/>
+            <a:ln w="6350" cap="flat" cmpd="sng" algn="ctr">
+              <a:solidFill>
+                <a:sysClr val="windowText" lastClr="000000"/>
+              </a:solidFill>
+              <a:prstDash val="solid"/>
+              <a:miter lim="800000"/>
+            </a:ln>
+            <a:effectLst/>
+          </p:spPr>
+        </p:cxnSp>
+      </p:grpSp>
+      <p:sp>
+        <p:nvSpPr>
+          <p:cNvPr id="32" name="テキスト ボックス 31"/>
+          <p:cNvSpPr txBox="1"/>
+          <p:nvPr/>
+        </p:nvSpPr>
+        <p:spPr>
+          <a:xfrm>
+            <a:off x="1736706" y="1536525"/>
+            <a:ext cx="4695516" cy="400110"/>
+          </a:xfrm>
+          <a:prstGeom prst="rect">
+            <a:avLst/>
+          </a:prstGeom>
+          <a:noFill/>
+        </p:spPr>
+        <p:txBody>
+          <a:bodyPr wrap="none" rtlCol="0">
+            <a:spAutoFit/>
+          </a:bodyPr>
+          <a:lstStyle/>
+          <a:p>
+            <a:r>
+              <a:rPr kumimoji="1" lang="ja-JP" altLang="en-US" sz="2000" b="1" dirty="0" smtClean="0"/>
+              <a:t>デザイナー</a:t>
+            </a:r>
+            <a:r>
+              <a:rPr kumimoji="1" lang="en-US" altLang="ja-JP" sz="2000" b="1" dirty="0" smtClean="0"/>
+              <a:t>(</a:t>
+            </a:r>
+            <a:r>
+              <a:rPr kumimoji="1" lang="ja-JP" altLang="en-US" sz="2000" b="1" dirty="0" smtClean="0"/>
+              <a:t>就職成功のため、途中離脱</a:t>
+            </a:r>
+            <a:r>
+              <a:rPr kumimoji="1" lang="en-US" altLang="ja-JP" sz="2000" b="1" dirty="0" smtClean="0"/>
+              <a:t>)</a:t>
+            </a:r>
+            <a:endParaRPr kumimoji="1" lang="ja-JP" altLang="en-US" sz="2000" b="1" dirty="0"/>
+          </a:p>
+        </p:txBody>
+      </p:sp>
+      <p:sp>
+        <p:nvSpPr>
+          <p:cNvPr id="33" name="テキスト ボックス 32"/>
+          <p:cNvSpPr txBox="1"/>
+          <p:nvPr/>
+        </p:nvSpPr>
+        <p:spPr>
+          <a:xfrm>
+            <a:off x="1736706" y="4032901"/>
+            <a:ext cx="5062604" cy="400110"/>
+          </a:xfrm>
+          <a:prstGeom prst="rect">
+            <a:avLst/>
+          </a:prstGeom>
+          <a:noFill/>
+        </p:spPr>
+        <p:txBody>
+          <a:bodyPr wrap="none" rtlCol="0">
+            <a:spAutoFit/>
+          </a:bodyPr>
+          <a:lstStyle/>
+          <a:p>
+            <a:r>
+              <a:rPr kumimoji="1" lang="ja-JP" altLang="en-US" sz="2000" b="1" dirty="0" smtClean="0"/>
+              <a:t>プロダクトオーナー・発表資料作成・音源調達</a:t>
+            </a:r>
+            <a:endParaRPr kumimoji="1" lang="ja-JP" altLang="en-US" sz="2000" b="1" dirty="0"/>
+          </a:p>
+        </p:txBody>
+      </p:sp>
+    </p:spTree>
+    <p:extLst>
+      <p:ext uri="{BB962C8B-B14F-4D97-AF65-F5344CB8AC3E}">
+        <p14:creationId xmlns:p14="http://schemas.microsoft.com/office/powerpoint/2010/main" val="2839487765"/>
+      </p:ext>
+    </p:extLst>
+  </p:cSld>
+  <p:clrMapOvr>
+    <a:masterClrMapping/>
+  </p:clrMapOvr>
+  <p:timing>
+    <p:tnLst>
+      <p:par>
+        <p:cTn id="1" dur="indefinite" restart="never" nodeType="tmRoot"/>
+      </p:par>
+    </p:tnLst>
+  </p:timing>
+</p:sld>
+</file>
+
+<file path=ppt/slides/slide6.xml><?xml version="1.0" encoding="utf-8"?>
+<p:sld xmlns:a="http://schemas.openxmlformats.org/drawingml/2006/main" xmlns:r="http://schemas.openxmlformats.org/officeDocument/2006/relationships" xmlns:p="http://schemas.openxmlformats.org/presentationml/2006/main">
+  <p:cSld>
+    <p:spTree>
+      <p:nvGrpSpPr>
+        <p:cNvPr id="1" name=""/>
+        <p:cNvGrpSpPr/>
+        <p:nvPr/>
+      </p:nvGrpSpPr>
+      <p:grpSpPr>
+        <a:xfrm>
+          <a:off x="0" y="0"/>
+          <a:ext cx="0" cy="0"/>
+          <a:chOff x="0" y="0"/>
+          <a:chExt cx="0" cy="0"/>
+        </a:xfrm>
+      </p:grpSpPr>
+      <p:sp>
+        <p:nvSpPr>
+          <p:cNvPr id="2" name="テキスト ボックス 1"/>
+          <p:cNvSpPr txBox="1"/>
+          <p:nvPr/>
+        </p:nvSpPr>
+        <p:spPr>
+          <a:xfrm>
+            <a:off x="5094765" y="293298"/>
+            <a:ext cx="2002471" cy="707886"/>
+          </a:xfrm>
+          <a:prstGeom prst="rect">
+            <a:avLst/>
+          </a:prstGeom>
+          <a:noFill/>
+        </p:spPr>
+        <p:txBody>
+          <a:bodyPr wrap="none" rtlCol="0">
+            <a:spAutoFit/>
+          </a:bodyPr>
+          <a:lstStyle/>
+          <a:p>
+            <a:r>
+              <a:rPr kumimoji="1" lang="ja-JP" altLang="en-US" sz="4000" dirty="0" smtClean="0"/>
+              <a:t>メンバー</a:t>
+            </a:r>
+            <a:endParaRPr kumimoji="1" lang="ja-JP" altLang="en-US" sz="4000" dirty="0"/>
+          </a:p>
+        </p:txBody>
+      </p:sp>
+      <p:grpSp>
+        <p:nvGrpSpPr>
+          <p:cNvPr id="3" name="グループ化 2"/>
+          <p:cNvGrpSpPr/>
+          <p:nvPr/>
+        </p:nvGrpSpPr>
+        <p:grpSpPr>
+          <a:xfrm>
+            <a:off x="2475133" y="1737282"/>
+            <a:ext cx="732762" cy="753989"/>
+            <a:chOff x="4463716" y="2702349"/>
+            <a:chExt cx="421105" cy="425862"/>
+          </a:xfrm>
+        </p:grpSpPr>
+        <p:grpSp>
+          <p:nvGrpSpPr>
+            <p:cNvPr id="4" name="グループ化 3"/>
+            <p:cNvGrpSpPr/>
+            <p:nvPr/>
+          </p:nvGrpSpPr>
+          <p:grpSpPr>
+            <a:xfrm>
+              <a:off x="4463716" y="2702349"/>
+              <a:ext cx="421105" cy="425862"/>
+              <a:chOff x="4463716" y="2702349"/>
+              <a:chExt cx="421105" cy="425862"/>
+            </a:xfrm>
+          </p:grpSpPr>
+          <p:sp>
+            <p:nvSpPr>
+              <p:cNvPr id="7" name="正方形/長方形 6"/>
+              <p:cNvSpPr/>
+              <p:nvPr/>
+            </p:nvSpPr>
+            <p:spPr>
+              <a:xfrm>
+                <a:off x="4463716" y="2851484"/>
+                <a:ext cx="421105" cy="276727"/>
+              </a:xfrm>
+              <a:prstGeom prst="rect">
+                <a:avLst/>
+              </a:prstGeom>
+              <a:solidFill>
+                <a:schemeClr val="accent4">
+                  <a:lumMod val="60000"/>
+                  <a:lumOff val="40000"/>
+                </a:schemeClr>
+              </a:solidFill>
+              <a:ln w="6350" cap="flat" cmpd="sng" algn="ctr">
+                <a:solidFill>
+                  <a:sysClr val="windowText" lastClr="000000"/>
+                </a:solidFill>
+                <a:prstDash val="solid"/>
+                <a:miter lim="800000"/>
+              </a:ln>
+              <a:effectLst/>
+            </p:spPr>
+            <p:txBody>
+              <a:bodyPr rtlCol="0" anchor="ctr"/>
+              <a:lstStyle/>
+              <a:p>
+                <a:pPr marL="0" marR="0" lvl="0" indent="0" algn="ctr" defTabSz="914400" eaLnBrk="1" fontAlgn="auto" latinLnBrk="0" hangingPunct="1">
+                  <a:lnSpc>
+                    <a:spcPct val="100000"/>
+                  </a:lnSpc>
+                  <a:spcBef>
+                    <a:spcPts val="0"/>
+                  </a:spcBef>
+                  <a:spcAft>
+                    <a:spcPts val="0"/>
+                  </a:spcAft>
+                  <a:buClrTx/>
+                  <a:buSzTx/>
+                  <a:buFontTx/>
+                  <a:buNone/>
+                  <a:tabLst/>
+                  <a:defRPr/>
+                </a:pPr>
+                <a:endParaRPr kumimoji="1" lang="ja-JP" altLang="en-US" sz="1800" b="0" i="0" u="none" strike="noStrike" kern="0" cap="none" spc="0" normalizeH="0" baseline="0" noProof="0" smtClean="0">
+                  <a:ln>
+                    <a:noFill/>
+                  </a:ln>
+                  <a:solidFill>
+                    <a:prstClr val="white"/>
+                  </a:solidFill>
+                  <a:effectLst/>
+                  <a:uLnTx/>
+                  <a:uFillTx/>
+                  <a:latin typeface="Calibri" panose="020F0502020204030204"/>
+                  <a:ea typeface="ＭＳ Ｐゴシック" panose="020B0600070205080204" pitchFamily="50" charset="-128"/>
+                  <a:cs typeface="+mn-cs"/>
+                </a:endParaRPr>
+              </a:p>
+            </p:txBody>
+          </p:sp>
+          <p:sp>
+            <p:nvSpPr>
+              <p:cNvPr id="8" name="円/楕円 7"/>
+              <p:cNvSpPr/>
+              <p:nvPr/>
+            </p:nvSpPr>
+            <p:spPr>
+              <a:xfrm>
+                <a:off x="4553576" y="2939841"/>
+                <a:ext cx="61287" cy="67034"/>
+              </a:xfrm>
+              <a:prstGeom prst="ellipse">
+                <a:avLst/>
+              </a:prstGeom>
+              <a:solidFill>
+                <a:sysClr val="windowText" lastClr="000000"/>
+              </a:solidFill>
+              <a:ln w="12700" cap="flat" cmpd="sng" algn="ctr">
+                <a:solidFill>
+                  <a:sysClr val="windowText" lastClr="000000">
+                    <a:shade val="50000"/>
+                  </a:sysClr>
+                </a:solidFill>
+                <a:prstDash val="solid"/>
+                <a:miter lim="800000"/>
+              </a:ln>
+              <a:effectLst/>
+            </p:spPr>
+            <p:txBody>
+              <a:bodyPr rtlCol="0" anchor="ctr"/>
+              <a:lstStyle/>
+              <a:p>
+                <a:pPr marL="0" marR="0" lvl="0" indent="0" algn="ctr" defTabSz="914400" eaLnBrk="1" fontAlgn="auto" latinLnBrk="0" hangingPunct="1">
+                  <a:lnSpc>
+                    <a:spcPct val="100000"/>
+                  </a:lnSpc>
+                  <a:spcBef>
+                    <a:spcPts val="0"/>
+                  </a:spcBef>
+                  <a:spcAft>
+                    <a:spcPts val="0"/>
+                  </a:spcAft>
+                  <a:buClrTx/>
+                  <a:buSzTx/>
+                  <a:buFontTx/>
+                  <a:buNone/>
+                  <a:tabLst/>
+                  <a:defRPr/>
+                </a:pPr>
+                <a:endParaRPr kumimoji="1" lang="ja-JP" altLang="en-US" sz="1800" b="0" i="0" u="none" strike="noStrike" kern="0" cap="none" spc="0" normalizeH="0" baseline="0" noProof="0" smtClean="0">
+                  <a:ln>
+                    <a:noFill/>
+                  </a:ln>
+                  <a:solidFill>
+                    <a:prstClr val="white"/>
+                  </a:solidFill>
+                  <a:effectLst/>
+                  <a:uLnTx/>
+                  <a:uFillTx/>
+                  <a:latin typeface="Calibri" panose="020F0502020204030204"/>
+                  <a:ea typeface="ＭＳ Ｐゴシック" panose="020B0600070205080204" pitchFamily="50" charset="-128"/>
+                  <a:cs typeface="+mn-cs"/>
+                </a:endParaRPr>
+              </a:p>
+            </p:txBody>
+          </p:sp>
+          <p:sp>
+            <p:nvSpPr>
+              <p:cNvPr id="9" name="円/楕円 8"/>
+              <p:cNvSpPr/>
+              <p:nvPr/>
+            </p:nvSpPr>
+            <p:spPr>
+              <a:xfrm>
+                <a:off x="4731280" y="2939841"/>
+                <a:ext cx="63143" cy="67034"/>
+              </a:xfrm>
+              <a:prstGeom prst="ellipse">
+                <a:avLst/>
+              </a:prstGeom>
+              <a:solidFill>
+                <a:sysClr val="windowText" lastClr="000000"/>
+              </a:solidFill>
+              <a:ln w="12700" cap="flat" cmpd="sng" algn="ctr">
+                <a:solidFill>
+                  <a:sysClr val="windowText" lastClr="000000">
+                    <a:shade val="50000"/>
+                  </a:sysClr>
+                </a:solidFill>
+                <a:prstDash val="solid"/>
+                <a:miter lim="800000"/>
+              </a:ln>
+              <a:effectLst/>
+            </p:spPr>
+            <p:txBody>
+              <a:bodyPr rtlCol="0" anchor="ctr"/>
+              <a:lstStyle/>
+              <a:p>
+                <a:pPr marL="0" marR="0" lvl="0" indent="0" algn="ctr" defTabSz="914400" eaLnBrk="1" fontAlgn="auto" latinLnBrk="0" hangingPunct="1">
+                  <a:lnSpc>
+                    <a:spcPct val="100000"/>
+                  </a:lnSpc>
+                  <a:spcBef>
+                    <a:spcPts val="0"/>
+                  </a:spcBef>
+                  <a:spcAft>
+                    <a:spcPts val="0"/>
+                  </a:spcAft>
+                  <a:buClrTx/>
+                  <a:buSzTx/>
+                  <a:buFontTx/>
+                  <a:buNone/>
+                  <a:tabLst/>
+                  <a:defRPr/>
+                </a:pPr>
+                <a:endParaRPr kumimoji="1" lang="ja-JP" altLang="en-US" sz="1800" b="0" i="0" u="none" strike="noStrike" kern="0" cap="none" spc="0" normalizeH="0" baseline="0" noProof="0" smtClean="0">
+                  <a:ln>
+                    <a:noFill/>
+                  </a:ln>
+                  <a:solidFill>
+                    <a:prstClr val="white"/>
+                  </a:solidFill>
+                  <a:effectLst/>
+                  <a:uLnTx/>
+                  <a:uFillTx/>
+                  <a:latin typeface="Calibri" panose="020F0502020204030204"/>
+                  <a:ea typeface="ＭＳ Ｐゴシック" panose="020B0600070205080204" pitchFamily="50" charset="-128"/>
+                  <a:cs typeface="+mn-cs"/>
+                </a:endParaRPr>
+              </a:p>
+            </p:txBody>
+          </p:sp>
+          <p:sp>
+            <p:nvSpPr>
+              <p:cNvPr id="10" name="円/楕円 9"/>
+              <p:cNvSpPr/>
+              <p:nvPr/>
+            </p:nvSpPr>
+            <p:spPr>
+              <a:xfrm>
+                <a:off x="4772973" y="2702349"/>
+                <a:ext cx="45719" cy="45719"/>
+              </a:xfrm>
+              <a:prstGeom prst="ellipse">
+                <a:avLst/>
+              </a:prstGeom>
+              <a:solidFill>
+                <a:sysClr val="windowText" lastClr="000000"/>
+              </a:solidFill>
+              <a:ln w="12700" cap="flat" cmpd="sng" algn="ctr">
+                <a:noFill/>
+                <a:prstDash val="solid"/>
+                <a:miter lim="800000"/>
+              </a:ln>
+              <a:effectLst/>
+            </p:spPr>
+            <p:txBody>
+              <a:bodyPr rtlCol="0" anchor="ctr"/>
+              <a:lstStyle/>
+              <a:p>
+                <a:pPr marL="0" marR="0" lvl="0" indent="0" algn="ctr" defTabSz="914400" eaLnBrk="1" fontAlgn="auto" latinLnBrk="0" hangingPunct="1">
+                  <a:lnSpc>
+                    <a:spcPct val="100000"/>
+                  </a:lnSpc>
+                  <a:spcBef>
+                    <a:spcPts val="0"/>
+                  </a:spcBef>
+                  <a:spcAft>
+                    <a:spcPts val="0"/>
+                  </a:spcAft>
+                  <a:buClrTx/>
+                  <a:buSzTx/>
+                  <a:buFontTx/>
+                  <a:buNone/>
+                  <a:tabLst/>
+                  <a:defRPr/>
+                </a:pPr>
+                <a:endParaRPr kumimoji="1" lang="ja-JP" altLang="en-US" sz="1800" b="0" i="0" u="none" strike="noStrike" kern="0" cap="none" spc="0" normalizeH="0" baseline="0" noProof="0" smtClean="0">
+                  <a:ln>
+                    <a:noFill/>
+                  </a:ln>
+                  <a:solidFill>
+                    <a:prstClr val="white"/>
+                  </a:solidFill>
+                  <a:effectLst/>
+                  <a:uLnTx/>
+                  <a:uFillTx/>
+                  <a:latin typeface="Calibri" panose="020F0502020204030204"/>
+                  <a:ea typeface="ＭＳ Ｐゴシック" panose="020B0600070205080204" pitchFamily="50" charset="-128"/>
+                  <a:cs typeface="+mn-cs"/>
+                </a:endParaRPr>
+              </a:p>
+            </p:txBody>
+          </p:sp>
+          <p:sp>
+            <p:nvSpPr>
+              <p:cNvPr id="11" name="円/楕円 10"/>
+              <p:cNvSpPr/>
+              <p:nvPr/>
+            </p:nvSpPr>
+            <p:spPr>
+              <a:xfrm>
+                <a:off x="4530575" y="2702349"/>
+                <a:ext cx="45719" cy="45719"/>
+              </a:xfrm>
+              <a:prstGeom prst="ellipse">
+                <a:avLst/>
+              </a:prstGeom>
+              <a:solidFill>
+                <a:sysClr val="windowText" lastClr="000000"/>
+              </a:solidFill>
+              <a:ln w="12700" cap="flat" cmpd="sng" algn="ctr">
+                <a:noFill/>
+                <a:prstDash val="solid"/>
+                <a:miter lim="800000"/>
+              </a:ln>
+              <a:effectLst/>
+            </p:spPr>
+            <p:txBody>
+              <a:bodyPr rtlCol="0" anchor="ctr"/>
+              <a:lstStyle/>
+              <a:p>
+                <a:pPr marL="0" marR="0" lvl="0" indent="0" algn="ctr" defTabSz="914400" eaLnBrk="1" fontAlgn="auto" latinLnBrk="0" hangingPunct="1">
+                  <a:lnSpc>
+                    <a:spcPct val="100000"/>
+                  </a:lnSpc>
+                  <a:spcBef>
+                    <a:spcPts val="0"/>
+                  </a:spcBef>
+                  <a:spcAft>
+                    <a:spcPts val="0"/>
+                  </a:spcAft>
+                  <a:buClrTx/>
+                  <a:buSzTx/>
+                  <a:buFontTx/>
+                  <a:buNone/>
+                  <a:tabLst/>
+                  <a:defRPr/>
+                </a:pPr>
+                <a:endParaRPr kumimoji="1" lang="ja-JP" altLang="en-US" sz="1800" b="0" i="0" u="none" strike="noStrike" kern="0" cap="none" spc="0" normalizeH="0" baseline="0" noProof="0" smtClean="0">
+                  <a:ln>
+                    <a:noFill/>
+                  </a:ln>
+                  <a:solidFill>
+                    <a:prstClr val="white"/>
+                  </a:solidFill>
+                  <a:effectLst/>
+                  <a:uLnTx/>
+                  <a:uFillTx/>
+                  <a:latin typeface="Calibri" panose="020F0502020204030204"/>
+                  <a:ea typeface="ＭＳ Ｐゴシック" panose="020B0600070205080204" pitchFamily="50" charset="-128"/>
+                  <a:cs typeface="+mn-cs"/>
+                </a:endParaRPr>
+              </a:p>
+            </p:txBody>
+          </p:sp>
+        </p:grpSp>
+        <p:cxnSp>
+          <p:nvCxnSpPr>
+            <p:cNvPr id="5" name="直線コネクタ 4"/>
+            <p:cNvCxnSpPr>
+              <a:stCxn id="10" idx="4"/>
+            </p:cNvCxnSpPr>
+            <p:nvPr/>
+          </p:nvCxnSpPr>
+          <p:spPr>
+            <a:xfrm flipH="1">
+              <a:off x="4794423" y="2748068"/>
+              <a:ext cx="1410" cy="104578"/>
+            </a:xfrm>
+            <a:prstGeom prst="line">
+              <a:avLst/>
+            </a:prstGeom>
+            <a:noFill/>
+            <a:ln w="6350" cap="flat" cmpd="sng" algn="ctr">
+              <a:solidFill>
+                <a:sysClr val="windowText" lastClr="000000"/>
+              </a:solidFill>
+              <a:prstDash val="solid"/>
+              <a:miter lim="800000"/>
+            </a:ln>
+            <a:effectLst/>
+          </p:spPr>
+        </p:cxnSp>
+        <p:cxnSp>
+          <p:nvCxnSpPr>
+            <p:cNvPr id="6" name="直線コネクタ 5"/>
+            <p:cNvCxnSpPr>
+              <a:stCxn id="11" idx="4"/>
+            </p:cNvCxnSpPr>
+            <p:nvPr/>
+          </p:nvCxnSpPr>
+          <p:spPr>
+            <a:xfrm flipH="1">
+              <a:off x="4553434" y="2748068"/>
+              <a:ext cx="1" cy="103416"/>
+            </a:xfrm>
+            <a:prstGeom prst="line">
+              <a:avLst/>
+            </a:prstGeom>
+            <a:noFill/>
+            <a:ln w="6350" cap="flat" cmpd="sng" algn="ctr">
+              <a:solidFill>
+                <a:sysClr val="windowText" lastClr="000000"/>
+              </a:solidFill>
+              <a:prstDash val="solid"/>
+              <a:miter lim="800000"/>
+            </a:ln>
+            <a:effectLst/>
+          </p:spPr>
+        </p:cxnSp>
+      </p:grpSp>
+      <p:sp>
+        <p:nvSpPr>
+          <p:cNvPr id="21" name="テキスト ボックス 20"/>
+          <p:cNvSpPr txBox="1"/>
+          <p:nvPr/>
+        </p:nvSpPr>
+        <p:spPr>
+          <a:xfrm>
+            <a:off x="2841514" y="2674369"/>
+            <a:ext cx="2441694" cy="769441"/>
+          </a:xfrm>
+          <a:prstGeom prst="rect">
+            <a:avLst/>
+          </a:prstGeom>
+          <a:noFill/>
+        </p:spPr>
+        <p:txBody>
+          <a:bodyPr wrap="none" rtlCol="0">
+            <a:spAutoFit/>
+          </a:bodyPr>
+          <a:lstStyle/>
+          <a:p>
+            <a:r>
+              <a:rPr kumimoji="1" lang="ja-JP" altLang="en-US" sz="4400" dirty="0" smtClean="0"/>
+              <a:t>溝江先生</a:t>
+            </a:r>
+            <a:endParaRPr kumimoji="1" lang="ja-JP" altLang="en-US" sz="4400" dirty="0"/>
+          </a:p>
+        </p:txBody>
+      </p:sp>
+      <p:sp>
+        <p:nvSpPr>
+          <p:cNvPr id="32" name="テキスト ボックス 31"/>
+          <p:cNvSpPr txBox="1"/>
+          <p:nvPr/>
+        </p:nvSpPr>
+        <p:spPr>
+          <a:xfrm>
+            <a:off x="3469935" y="1955494"/>
+            <a:ext cx="2717411" cy="523220"/>
+          </a:xfrm>
+          <a:prstGeom prst="rect">
+            <a:avLst/>
+          </a:prstGeom>
+          <a:noFill/>
+        </p:spPr>
+        <p:txBody>
+          <a:bodyPr wrap="none" rtlCol="0">
+            <a:spAutoFit/>
+          </a:bodyPr>
+          <a:lstStyle/>
+          <a:p>
+            <a:r>
+              <a:rPr kumimoji="1" lang="ja-JP" altLang="en-US" sz="2800" b="1" dirty="0" smtClean="0"/>
+              <a:t>スクラムマスター</a:t>
+            </a:r>
+            <a:endParaRPr kumimoji="1" lang="ja-JP" altLang="en-US" sz="2800" b="1" dirty="0"/>
+          </a:p>
+        </p:txBody>
+      </p:sp>
+    </p:spTree>
+    <p:extLst>
+      <p:ext uri="{BB962C8B-B14F-4D97-AF65-F5344CB8AC3E}">
+        <p14:creationId xmlns:p14="http://schemas.microsoft.com/office/powerpoint/2010/main" val="3590319511"/>
+      </p:ext>
+    </p:extLst>
+  </p:cSld>
+  <p:clrMapOvr>
+    <a:masterClrMapping/>
+  </p:clrMapOvr>
+  <p:timing>
+    <p:tnLst>
+      <p:par>
+        <p:cTn id="1" dur="indefinite" restart="never" nodeType="tmRoot"/>
+      </p:par>
+    </p:tnLst>
+  </p:timing>
+</p:sld>
+</file>
+
+<file path=ppt/slides/slide7.xml><?xml version="1.0" encoding="utf-8"?>
+<p:sld xmlns:a="http://schemas.openxmlformats.org/drawingml/2006/main" xmlns:r="http://schemas.openxmlformats.org/officeDocument/2006/relationships" xmlns:p="http://schemas.openxmlformats.org/presentationml/2006/main">
+  <p:cSld>
+    <p:spTree>
+      <p:nvGrpSpPr>
+        <p:cNvPr id="1" name=""/>
+        <p:cNvGrpSpPr/>
+        <p:nvPr/>
+      </p:nvGrpSpPr>
+      <p:grpSpPr>
+        <a:xfrm>
+          <a:off x="0" y="0"/>
+          <a:ext cx="0" cy="0"/>
+          <a:chOff x="0" y="0"/>
+          <a:chExt cx="0" cy="0"/>
+        </a:xfrm>
+      </p:grpSpPr>
+    </p:spTree>
+    <p:extLst>
+      <p:ext uri="{BB962C8B-B14F-4D97-AF65-F5344CB8AC3E}">
+        <p14:creationId xmlns:p14="http://schemas.microsoft.com/office/powerpoint/2010/main" val="2968225839"/>
       </p:ext>
     </p:extLst>
   </p:cSld>

--- a/櫻畑/資料/03.プレゼン.pptx
+++ b/櫻畑/資料/03.プレゼン.pptx
@@ -168,7 +168,7 @@
           <a:noFill/>
           <a:extLst>
             <a:ext uri="{909E8E84-426E-40dd-AFC4-6F175D3DCCD1}">
-              <a14:hiddenFill xmlns="" xmlns:a14="http://schemas.microsoft.com/office/drawing/2010/main">
+              <a14:hiddenFill xmlns:a14="http://schemas.microsoft.com/office/drawing/2010/main" xmlns="">
                 <a:solidFill>
                   <a:srgbClr val="FFFFFF"/>
                 </a:solidFill>
@@ -228,7 +228,7 @@
             </a:ln>
             <a:extLst>
               <a:ext uri="{91240B29-F687-4f45-9708-019B960494DF}">
-                <a14:hiddenLine xmlns="" xmlns:a14="http://schemas.microsoft.com/office/drawing/2010/main" w="9525">
+                <a14:hiddenLine xmlns:a14="http://schemas.microsoft.com/office/drawing/2010/main" xmlns="" w="9525">
                   <a:solidFill>
                     <a:srgbClr val="000000"/>
                   </a:solidFill>
@@ -318,7 +318,7 @@
             </a:ln>
             <a:extLst>
               <a:ext uri="{91240B29-F687-4f45-9708-019B960494DF}">
-                <a14:hiddenLine xmlns="" xmlns:a14="http://schemas.microsoft.com/office/drawing/2010/main" w="9525">
+                <a14:hiddenLine xmlns:a14="http://schemas.microsoft.com/office/drawing/2010/main" xmlns="" w="9525">
                   <a:solidFill>
                     <a:srgbClr val="000000"/>
                   </a:solidFill>
@@ -408,7 +408,7 @@
             </a:ln>
             <a:extLst>
               <a:ext uri="{91240B29-F687-4f45-9708-019B960494DF}">
-                <a14:hiddenLine xmlns="" xmlns:a14="http://schemas.microsoft.com/office/drawing/2010/main" w="9525">
+                <a14:hiddenLine xmlns:a14="http://schemas.microsoft.com/office/drawing/2010/main" xmlns="" w="9525">
                   <a:solidFill>
                     <a:srgbClr val="000000"/>
                   </a:solidFill>
@@ -442,7 +442,7 @@
             </a:ln>
             <a:extLst>
               <a:ext uri="{91240B29-F687-4f45-9708-019B960494DF}">
-                <a14:hiddenLine xmlns="" xmlns:a14="http://schemas.microsoft.com/office/drawing/2010/main" w="9525">
+                <a14:hiddenLine xmlns:a14="http://schemas.microsoft.com/office/drawing/2010/main" xmlns="" w="9525">
                   <a:solidFill>
                     <a:srgbClr val="000000"/>
                   </a:solidFill>
@@ -532,7 +532,7 @@
             </a:ln>
             <a:extLst>
               <a:ext uri="{91240B29-F687-4f45-9708-019B960494DF}">
-                <a14:hiddenLine xmlns="" xmlns:a14="http://schemas.microsoft.com/office/drawing/2010/main" w="9525">
+                <a14:hiddenLine xmlns:a14="http://schemas.microsoft.com/office/drawing/2010/main" xmlns="" w="9525">
                   <a:solidFill>
                     <a:srgbClr val="000000"/>
                   </a:solidFill>
@@ -594,7 +594,7 @@
             </a:ln>
             <a:extLst>
               <a:ext uri="{91240B29-F687-4f45-9708-019B960494DF}">
-                <a14:hiddenLine xmlns="" xmlns:a14="http://schemas.microsoft.com/office/drawing/2010/main" w="9525">
+                <a14:hiddenLine xmlns:a14="http://schemas.microsoft.com/office/drawing/2010/main" xmlns="" w="9525">
                   <a:solidFill>
                     <a:srgbClr val="000000"/>
                   </a:solidFill>
@@ -656,7 +656,7 @@
             </a:ln>
             <a:extLst>
               <a:ext uri="{91240B29-F687-4f45-9708-019B960494DF}">
-                <a14:hiddenLine xmlns="" xmlns:a14="http://schemas.microsoft.com/office/drawing/2010/main" w="9525">
+                <a14:hiddenLine xmlns:a14="http://schemas.microsoft.com/office/drawing/2010/main" xmlns="" w="9525">
                   <a:solidFill>
                     <a:srgbClr val="000000"/>
                   </a:solidFill>
@@ -746,7 +746,7 @@
             </a:ln>
             <a:extLst>
               <a:ext uri="{91240B29-F687-4f45-9708-019B960494DF}">
-                <a14:hiddenLine xmlns="" xmlns:a14="http://schemas.microsoft.com/office/drawing/2010/main" w="9525">
+                <a14:hiddenLine xmlns:a14="http://schemas.microsoft.com/office/drawing/2010/main" xmlns="" w="9525">
                   <a:solidFill>
                     <a:srgbClr val="000000"/>
                   </a:solidFill>
@@ -808,7 +808,7 @@
             </a:ln>
             <a:extLst>
               <a:ext uri="{91240B29-F687-4f45-9708-019B960494DF}">
-                <a14:hiddenLine xmlns="" xmlns:a14="http://schemas.microsoft.com/office/drawing/2010/main" w="9525">
+                <a14:hiddenLine xmlns:a14="http://schemas.microsoft.com/office/drawing/2010/main" xmlns="" w="9525">
                   <a:solidFill>
                     <a:srgbClr val="000000"/>
                   </a:solidFill>
@@ -870,7 +870,7 @@
             </a:ln>
             <a:extLst>
               <a:ext uri="{91240B29-F687-4f45-9708-019B960494DF}">
-                <a14:hiddenLine xmlns="" xmlns:a14="http://schemas.microsoft.com/office/drawing/2010/main" w="9525">
+                <a14:hiddenLine xmlns:a14="http://schemas.microsoft.com/office/drawing/2010/main" xmlns="" w="9525">
                   <a:solidFill>
                     <a:srgbClr val="000000"/>
                   </a:solidFill>
@@ -960,7 +960,7 @@
             </a:ln>
             <a:extLst>
               <a:ext uri="{91240B29-F687-4f45-9708-019B960494DF}">
-                <a14:hiddenLine xmlns="" xmlns:a14="http://schemas.microsoft.com/office/drawing/2010/main" w="9525">
+                <a14:hiddenLine xmlns:a14="http://schemas.microsoft.com/office/drawing/2010/main" xmlns="" w="9525">
                   <a:solidFill>
                     <a:srgbClr val="000000"/>
                   </a:solidFill>
@@ -1050,7 +1050,7 @@
             </a:ln>
             <a:extLst>
               <a:ext uri="{91240B29-F687-4f45-9708-019B960494DF}">
-                <a14:hiddenLine xmlns="" xmlns:a14="http://schemas.microsoft.com/office/drawing/2010/main" w="9525">
+                <a14:hiddenLine xmlns:a14="http://schemas.microsoft.com/office/drawing/2010/main" xmlns="" w="9525">
                   <a:solidFill>
                     <a:srgbClr val="000000"/>
                   </a:solidFill>
@@ -1112,7 +1112,7 @@
             </a:ln>
             <a:extLst>
               <a:ext uri="{91240B29-F687-4f45-9708-019B960494DF}">
-                <a14:hiddenLine xmlns="" xmlns:a14="http://schemas.microsoft.com/office/drawing/2010/main" w="9525">
+                <a14:hiddenLine xmlns:a14="http://schemas.microsoft.com/office/drawing/2010/main" xmlns="" w="9525">
                   <a:solidFill>
                     <a:srgbClr val="000000"/>
                   </a:solidFill>
@@ -1222,7 +1222,7 @@
             </a:ln>
             <a:extLst>
               <a:ext uri="{91240B29-F687-4f45-9708-019B960494DF}">
-                <a14:hiddenLine xmlns="" xmlns:a14="http://schemas.microsoft.com/office/drawing/2010/main" w="9525">
+                <a14:hiddenLine xmlns:a14="http://schemas.microsoft.com/office/drawing/2010/main" xmlns="" w="9525">
                   <a:solidFill>
                     <a:srgbClr val="000000"/>
                   </a:solidFill>
@@ -1284,7 +1284,7 @@
             </a:ln>
             <a:extLst>
               <a:ext uri="{91240B29-F687-4f45-9708-019B960494DF}">
-                <a14:hiddenLine xmlns="" xmlns:a14="http://schemas.microsoft.com/office/drawing/2010/main" w="9525">
+                <a14:hiddenLine xmlns:a14="http://schemas.microsoft.com/office/drawing/2010/main" xmlns="" w="9525">
                   <a:solidFill>
                     <a:srgbClr val="000000"/>
                   </a:solidFill>
@@ -1374,7 +1374,7 @@
             </a:ln>
             <a:extLst>
               <a:ext uri="{91240B29-F687-4f45-9708-019B960494DF}">
-                <a14:hiddenLine xmlns="" xmlns:a14="http://schemas.microsoft.com/office/drawing/2010/main" w="9525">
+                <a14:hiddenLine xmlns:a14="http://schemas.microsoft.com/office/drawing/2010/main" xmlns="" w="9525">
                   <a:solidFill>
                     <a:srgbClr val="000000"/>
                   </a:solidFill>
@@ -1464,7 +1464,7 @@
             </a:ln>
             <a:extLst>
               <a:ext uri="{91240B29-F687-4f45-9708-019B960494DF}">
-                <a14:hiddenLine xmlns="" xmlns:a14="http://schemas.microsoft.com/office/drawing/2010/main" w="9525">
+                <a14:hiddenLine xmlns:a14="http://schemas.microsoft.com/office/drawing/2010/main" xmlns="" w="9525">
                   <a:solidFill>
                     <a:srgbClr val="000000"/>
                   </a:solidFill>
@@ -1526,7 +1526,7 @@
             </a:ln>
             <a:extLst>
               <a:ext uri="{91240B29-F687-4f45-9708-019B960494DF}">
-                <a14:hiddenLine xmlns="" xmlns:a14="http://schemas.microsoft.com/office/drawing/2010/main" w="9525">
+                <a14:hiddenLine xmlns:a14="http://schemas.microsoft.com/office/drawing/2010/main" xmlns="" w="9525">
                   <a:solidFill>
                     <a:srgbClr val="000000"/>
                   </a:solidFill>
@@ -1616,7 +1616,7 @@
             </a:ln>
             <a:extLst>
               <a:ext uri="{91240B29-F687-4f45-9708-019B960494DF}">
-                <a14:hiddenLine xmlns="" xmlns:a14="http://schemas.microsoft.com/office/drawing/2010/main" w="9525">
+                <a14:hiddenLine xmlns:a14="http://schemas.microsoft.com/office/drawing/2010/main" xmlns="" w="9525">
                   <a:solidFill>
                     <a:srgbClr val="000000"/>
                   </a:solidFill>
@@ -1706,7 +1706,7 @@
             </a:ln>
             <a:extLst>
               <a:ext uri="{91240B29-F687-4f45-9708-019B960494DF}">
-                <a14:hiddenLine xmlns="" xmlns:a14="http://schemas.microsoft.com/office/drawing/2010/main" w="9525">
+                <a14:hiddenLine xmlns:a14="http://schemas.microsoft.com/office/drawing/2010/main" xmlns="" w="9525">
                   <a:solidFill>
                     <a:srgbClr val="000000"/>
                   </a:solidFill>
@@ -1762,7 +1762,7 @@
             </a:ln>
             <a:extLst>
               <a:ext uri="{91240B29-F687-4f45-9708-019B960494DF}">
-                <a14:hiddenLine xmlns="" xmlns:a14="http://schemas.microsoft.com/office/drawing/2010/main" w="9525">
+                <a14:hiddenLine xmlns:a14="http://schemas.microsoft.com/office/drawing/2010/main" xmlns="" w="9525">
                   <a:solidFill>
                     <a:srgbClr val="000000"/>
                   </a:solidFill>
@@ -1852,7 +1852,7 @@
             </a:ln>
             <a:extLst>
               <a:ext uri="{91240B29-F687-4f45-9708-019B960494DF}">
-                <a14:hiddenLine xmlns="" xmlns:a14="http://schemas.microsoft.com/office/drawing/2010/main" w="9525">
+                <a14:hiddenLine xmlns:a14="http://schemas.microsoft.com/office/drawing/2010/main" xmlns="" w="9525">
                   <a:solidFill>
                     <a:srgbClr val="000000"/>
                   </a:solidFill>
@@ -1908,7 +1908,7 @@
             </a:ln>
             <a:extLst>
               <a:ext uri="{91240B29-F687-4f45-9708-019B960494DF}">
-                <a14:hiddenLine xmlns="" xmlns:a14="http://schemas.microsoft.com/office/drawing/2010/main" w="9525">
+                <a14:hiddenLine xmlns:a14="http://schemas.microsoft.com/office/drawing/2010/main" xmlns="" w="9525">
                   <a:solidFill>
                     <a:srgbClr val="000000"/>
                   </a:solidFill>
@@ -1998,7 +1998,7 @@
             </a:ln>
             <a:extLst>
               <a:ext uri="{91240B29-F687-4f45-9708-019B960494DF}">
-                <a14:hiddenLine xmlns="" xmlns:a14="http://schemas.microsoft.com/office/drawing/2010/main" w="9525">
+                <a14:hiddenLine xmlns:a14="http://schemas.microsoft.com/office/drawing/2010/main" xmlns="" w="9525">
                   <a:solidFill>
                     <a:srgbClr val="000000"/>
                   </a:solidFill>
@@ -2066,7 +2066,7 @@
             </a:ln>
             <a:extLst>
               <a:ext uri="{91240B29-F687-4f45-9708-019B960494DF}">
-                <a14:hiddenLine xmlns="" xmlns:a14="http://schemas.microsoft.com/office/drawing/2010/main" w="9525">
+                <a14:hiddenLine xmlns:a14="http://schemas.microsoft.com/office/drawing/2010/main" xmlns="" w="9525">
                   <a:solidFill>
                     <a:srgbClr val="000000"/>
                   </a:solidFill>
@@ -2156,7 +2156,7 @@
             </a:ln>
             <a:extLst>
               <a:ext uri="{91240B29-F687-4f45-9708-019B960494DF}">
-                <a14:hiddenLine xmlns="" xmlns:a14="http://schemas.microsoft.com/office/drawing/2010/main" w="9525">
+                <a14:hiddenLine xmlns:a14="http://schemas.microsoft.com/office/drawing/2010/main" xmlns="" w="9525">
                   <a:solidFill>
                     <a:srgbClr val="000000"/>
                   </a:solidFill>
@@ -2224,7 +2224,7 @@
             </a:ln>
             <a:extLst>
               <a:ext uri="{91240B29-F687-4f45-9708-019B960494DF}">
-                <a14:hiddenLine xmlns="" xmlns:a14="http://schemas.microsoft.com/office/drawing/2010/main" w="9525">
+                <a14:hiddenLine xmlns:a14="http://schemas.microsoft.com/office/drawing/2010/main" xmlns="" w="9525">
                   <a:solidFill>
                     <a:srgbClr val="000000"/>
                   </a:solidFill>
@@ -2314,7 +2314,7 @@
             </a:ln>
             <a:extLst>
               <a:ext uri="{91240B29-F687-4f45-9708-019B960494DF}">
-                <a14:hiddenLine xmlns="" xmlns:a14="http://schemas.microsoft.com/office/drawing/2010/main" w="9525">
+                <a14:hiddenLine xmlns:a14="http://schemas.microsoft.com/office/drawing/2010/main" xmlns="" w="9525">
                   <a:solidFill>
                     <a:srgbClr val="000000"/>
                   </a:solidFill>
@@ -2348,7 +2348,7 @@
             </a:ln>
             <a:extLst>
               <a:ext uri="{91240B29-F687-4f45-9708-019B960494DF}">
-                <a14:hiddenLine xmlns="" xmlns:a14="http://schemas.microsoft.com/office/drawing/2010/main" w="9525">
+                <a14:hiddenLine xmlns:a14="http://schemas.microsoft.com/office/drawing/2010/main" xmlns="" w="9525">
                   <a:solidFill>
                     <a:srgbClr val="000000"/>
                   </a:solidFill>
@@ -2438,7 +2438,7 @@
             </a:ln>
             <a:extLst>
               <a:ext uri="{91240B29-F687-4f45-9708-019B960494DF}">
-                <a14:hiddenLine xmlns="" xmlns:a14="http://schemas.microsoft.com/office/drawing/2010/main" w="9525">
+                <a14:hiddenLine xmlns:a14="http://schemas.microsoft.com/office/drawing/2010/main" xmlns="" w="9525">
                   <a:solidFill>
                     <a:srgbClr val="000000"/>
                   </a:solidFill>
@@ -2500,7 +2500,7 @@
             </a:ln>
             <a:extLst>
               <a:ext uri="{91240B29-F687-4f45-9708-019B960494DF}">
-                <a14:hiddenLine xmlns="" xmlns:a14="http://schemas.microsoft.com/office/drawing/2010/main" w="9525">
+                <a14:hiddenLine xmlns:a14="http://schemas.microsoft.com/office/drawing/2010/main" xmlns="" w="9525">
                   <a:solidFill>
                     <a:srgbClr val="000000"/>
                   </a:solidFill>
@@ -2562,7 +2562,7 @@
             </a:ln>
             <a:extLst>
               <a:ext uri="{91240B29-F687-4f45-9708-019B960494DF}">
-                <a14:hiddenLine xmlns="" xmlns:a14="http://schemas.microsoft.com/office/drawing/2010/main" w="9525">
+                <a14:hiddenLine xmlns:a14="http://schemas.microsoft.com/office/drawing/2010/main" xmlns="" w="9525">
                   <a:solidFill>
                     <a:srgbClr val="000000"/>
                   </a:solidFill>
@@ -2652,7 +2652,7 @@
             </a:ln>
             <a:extLst>
               <a:ext uri="{91240B29-F687-4f45-9708-019B960494DF}">
-                <a14:hiddenLine xmlns="" xmlns:a14="http://schemas.microsoft.com/office/drawing/2010/main" w="9525">
+                <a14:hiddenLine xmlns:a14="http://schemas.microsoft.com/office/drawing/2010/main" xmlns="" w="9525">
                   <a:solidFill>
                     <a:srgbClr val="000000"/>
                   </a:solidFill>
@@ -2720,7 +2720,7 @@
             </a:ln>
             <a:extLst>
               <a:ext uri="{91240B29-F687-4f45-9708-019B960494DF}">
-                <a14:hiddenLine xmlns="" xmlns:a14="http://schemas.microsoft.com/office/drawing/2010/main" w="9525">
+                <a14:hiddenLine xmlns:a14="http://schemas.microsoft.com/office/drawing/2010/main" xmlns="" w="9525">
                   <a:solidFill>
                     <a:srgbClr val="000000"/>
                   </a:solidFill>
@@ -2782,7 +2782,7 @@
             </a:ln>
             <a:extLst>
               <a:ext uri="{91240B29-F687-4f45-9708-019B960494DF}">
-                <a14:hiddenLine xmlns="" xmlns:a14="http://schemas.microsoft.com/office/drawing/2010/main" w="9525">
+                <a14:hiddenLine xmlns:a14="http://schemas.microsoft.com/office/drawing/2010/main" xmlns="" w="9525">
                   <a:solidFill>
                     <a:srgbClr val="000000"/>
                   </a:solidFill>
@@ -2872,7 +2872,7 @@
             </a:ln>
             <a:extLst>
               <a:ext uri="{91240B29-F687-4f45-9708-019B960494DF}">
-                <a14:hiddenLine xmlns="" xmlns:a14="http://schemas.microsoft.com/office/drawing/2010/main" w="9525">
+                <a14:hiddenLine xmlns:a14="http://schemas.microsoft.com/office/drawing/2010/main" xmlns="" w="9525">
                   <a:solidFill>
                     <a:srgbClr val="000000"/>
                   </a:solidFill>
@@ -2934,7 +2934,7 @@
             </a:ln>
             <a:extLst>
               <a:ext uri="{91240B29-F687-4f45-9708-019B960494DF}">
-                <a14:hiddenLine xmlns="" xmlns:a14="http://schemas.microsoft.com/office/drawing/2010/main" w="9525">
+                <a14:hiddenLine xmlns:a14="http://schemas.microsoft.com/office/drawing/2010/main" xmlns="" w="9525">
                   <a:solidFill>
                     <a:srgbClr val="000000"/>
                   </a:solidFill>
@@ -3024,7 +3024,7 @@
             </a:ln>
             <a:extLst>
               <a:ext uri="{91240B29-F687-4f45-9708-019B960494DF}">
-                <a14:hiddenLine xmlns="" xmlns:a14="http://schemas.microsoft.com/office/drawing/2010/main" w="9525">
+                <a14:hiddenLine xmlns:a14="http://schemas.microsoft.com/office/drawing/2010/main" xmlns="" w="9525">
                   <a:solidFill>
                     <a:srgbClr val="000000"/>
                   </a:solidFill>
@@ -3086,7 +3086,7 @@
             </a:ln>
             <a:extLst>
               <a:ext uri="{91240B29-F687-4f45-9708-019B960494DF}">
-                <a14:hiddenLine xmlns="" xmlns:a14="http://schemas.microsoft.com/office/drawing/2010/main" w="9525">
+                <a14:hiddenLine xmlns:a14="http://schemas.microsoft.com/office/drawing/2010/main" xmlns="" w="9525">
                   <a:solidFill>
                     <a:srgbClr val="000000"/>
                   </a:solidFill>
@@ -3176,7 +3176,7 @@
             </a:ln>
             <a:extLst>
               <a:ext uri="{91240B29-F687-4f45-9708-019B960494DF}">
-                <a14:hiddenLine xmlns="" xmlns:a14="http://schemas.microsoft.com/office/drawing/2010/main" w="9525">
+                <a14:hiddenLine xmlns:a14="http://schemas.microsoft.com/office/drawing/2010/main" xmlns="" w="9525">
                   <a:solidFill>
                     <a:srgbClr val="000000"/>
                   </a:solidFill>
@@ -3210,7 +3210,7 @@
             </a:ln>
             <a:extLst>
               <a:ext uri="{91240B29-F687-4f45-9708-019B960494DF}">
-                <a14:hiddenLine xmlns="" xmlns:a14="http://schemas.microsoft.com/office/drawing/2010/main" w="9525">
+                <a14:hiddenLine xmlns:a14="http://schemas.microsoft.com/office/drawing/2010/main" xmlns="" w="9525">
                   <a:solidFill>
                     <a:srgbClr val="000000"/>
                   </a:solidFill>
@@ -3275,7 +3275,7 @@
             </a:ln>
             <a:extLst>
               <a:ext uri="{91240B29-F687-4f45-9708-019B960494DF}">
-                <a14:hiddenLine xmlns="" xmlns:a14="http://schemas.microsoft.com/office/drawing/2010/main" w="9525">
+                <a14:hiddenLine xmlns:a14="http://schemas.microsoft.com/office/drawing/2010/main" xmlns="" w="9525">
                   <a:solidFill>
                     <a:srgbClr val="000000"/>
                   </a:solidFill>
@@ -3365,7 +3365,7 @@
             </a:ln>
             <a:extLst>
               <a:ext uri="{91240B29-F687-4f45-9708-019B960494DF}">
-                <a14:hiddenLine xmlns="" xmlns:a14="http://schemas.microsoft.com/office/drawing/2010/main" w="9525">
+                <a14:hiddenLine xmlns:a14="http://schemas.microsoft.com/office/drawing/2010/main" xmlns="" w="9525">
                   <a:solidFill>
                     <a:srgbClr val="000000"/>
                   </a:solidFill>
@@ -3427,7 +3427,7 @@
             </a:ln>
             <a:extLst>
               <a:ext uri="{91240B29-F687-4f45-9708-019B960494DF}">
-                <a14:hiddenLine xmlns="" xmlns:a14="http://schemas.microsoft.com/office/drawing/2010/main" w="9525">
+                <a14:hiddenLine xmlns:a14="http://schemas.microsoft.com/office/drawing/2010/main" xmlns="" w="9525">
                   <a:solidFill>
                     <a:srgbClr val="000000"/>
                   </a:solidFill>
@@ -3517,7 +3517,7 @@
             </a:ln>
             <a:extLst>
               <a:ext uri="{91240B29-F687-4f45-9708-019B960494DF}">
-                <a14:hiddenLine xmlns="" xmlns:a14="http://schemas.microsoft.com/office/drawing/2010/main" w="9525">
+                <a14:hiddenLine xmlns:a14="http://schemas.microsoft.com/office/drawing/2010/main" xmlns="" w="9525">
                   <a:solidFill>
                     <a:srgbClr val="000000"/>
                   </a:solidFill>
@@ -3607,7 +3607,7 @@
             </a:ln>
             <a:extLst>
               <a:ext uri="{91240B29-F687-4f45-9708-019B960494DF}">
-                <a14:hiddenLine xmlns="" xmlns:a14="http://schemas.microsoft.com/office/drawing/2010/main" w="9525">
+                <a14:hiddenLine xmlns:a14="http://schemas.microsoft.com/office/drawing/2010/main" xmlns="" w="9525">
                   <a:solidFill>
                     <a:srgbClr val="000000"/>
                   </a:solidFill>
@@ -3672,7 +3672,7 @@
             </a:ln>
             <a:extLst>
               <a:ext uri="{91240B29-F687-4f45-9708-019B960494DF}">
-                <a14:hiddenLine xmlns="" xmlns:a14="http://schemas.microsoft.com/office/drawing/2010/main" w="9525">
+                <a14:hiddenLine xmlns:a14="http://schemas.microsoft.com/office/drawing/2010/main" xmlns="" w="9525">
                   <a:solidFill>
                     <a:srgbClr val="000000"/>
                   </a:solidFill>
@@ -3734,7 +3734,7 @@
             </a:ln>
             <a:extLst>
               <a:ext uri="{91240B29-F687-4f45-9708-019B960494DF}">
-                <a14:hiddenLine xmlns="" xmlns:a14="http://schemas.microsoft.com/office/drawing/2010/main" w="9525">
+                <a14:hiddenLine xmlns:a14="http://schemas.microsoft.com/office/drawing/2010/main" xmlns="" w="9525">
                   <a:solidFill>
                     <a:srgbClr val="000000"/>
                   </a:solidFill>
@@ -3824,7 +3824,7 @@
             </a:ln>
             <a:extLst>
               <a:ext uri="{91240B29-F687-4f45-9708-019B960494DF}">
-                <a14:hiddenLine xmlns="" xmlns:a14="http://schemas.microsoft.com/office/drawing/2010/main" w="9525">
+                <a14:hiddenLine xmlns:a14="http://schemas.microsoft.com/office/drawing/2010/main" xmlns="" w="9525">
                   <a:solidFill>
                     <a:srgbClr val="000000"/>
                   </a:solidFill>
@@ -3914,7 +3914,7 @@
             </a:ln>
             <a:extLst>
               <a:ext uri="{91240B29-F687-4f45-9708-019B960494DF}">
-                <a14:hiddenLine xmlns="" xmlns:a14="http://schemas.microsoft.com/office/drawing/2010/main" w="9525">
+                <a14:hiddenLine xmlns:a14="http://schemas.microsoft.com/office/drawing/2010/main" xmlns="" w="9525">
                   <a:solidFill>
                     <a:srgbClr val="000000"/>
                   </a:solidFill>
@@ -3976,7 +3976,7 @@
             </a:ln>
             <a:extLst>
               <a:ext uri="{91240B29-F687-4f45-9708-019B960494DF}">
-                <a14:hiddenLine xmlns="" xmlns:a14="http://schemas.microsoft.com/office/drawing/2010/main" w="9525">
+                <a14:hiddenLine xmlns:a14="http://schemas.microsoft.com/office/drawing/2010/main" xmlns="" w="9525">
                   <a:solidFill>
                     <a:srgbClr val="000000"/>
                   </a:solidFill>
@@ -4096,7 +4096,7 @@
             </a:ln>
             <a:extLst>
               <a:ext uri="{91240B29-F687-4f45-9708-019B960494DF}">
-                <a14:hiddenLine xmlns="" xmlns:a14="http://schemas.microsoft.com/office/drawing/2010/main" w="9525">
+                <a14:hiddenLine xmlns:a14="http://schemas.microsoft.com/office/drawing/2010/main" xmlns="" w="9525">
                   <a:solidFill>
                     <a:srgbClr val="000000"/>
                   </a:solidFill>
@@ -4164,7 +4164,7 @@
             </a:ln>
             <a:extLst>
               <a:ext uri="{91240B29-F687-4f45-9708-019B960494DF}">
-                <a14:hiddenLine xmlns="" xmlns:a14="http://schemas.microsoft.com/office/drawing/2010/main" w="9525">
+                <a14:hiddenLine xmlns:a14="http://schemas.microsoft.com/office/drawing/2010/main" xmlns="" w="9525">
                   <a:solidFill>
                     <a:srgbClr val="000000"/>
                   </a:solidFill>
@@ -4254,7 +4254,7 @@
             </a:ln>
             <a:extLst>
               <a:ext uri="{91240B29-F687-4f45-9708-019B960494DF}">
-                <a14:hiddenLine xmlns="" xmlns:a14="http://schemas.microsoft.com/office/drawing/2010/main" w="9525">
+                <a14:hiddenLine xmlns:a14="http://schemas.microsoft.com/office/drawing/2010/main" xmlns="" w="9525">
                   <a:solidFill>
                     <a:srgbClr val="000000"/>
                   </a:solidFill>
@@ -9232,7 +9232,7 @@
           <a:noFill/>
           <a:extLst>
             <a:ext uri="{909E8E84-426E-40dd-AFC4-6F175D3DCCD1}">
-              <a14:hiddenFill xmlns="" xmlns:a14="http://schemas.microsoft.com/office/drawing/2010/main">
+              <a14:hiddenFill xmlns:a14="http://schemas.microsoft.com/office/drawing/2010/main" xmlns="">
                 <a:solidFill>
                   <a:srgbClr val="FFFFFF"/>
                 </a:solidFill>
@@ -9306,7 +9306,7 @@
               </a:ln>
               <a:extLst>
                 <a:ext uri="{91240B29-F687-4f45-9708-019B960494DF}">
-                  <a14:hiddenLine xmlns="" xmlns:a14="http://schemas.microsoft.com/office/drawing/2010/main" w="9525">
+                  <a14:hiddenLine xmlns:a14="http://schemas.microsoft.com/office/drawing/2010/main" xmlns="" w="9525">
                     <a:solidFill>
                       <a:srgbClr val="000000"/>
                     </a:solidFill>
@@ -9396,7 +9396,7 @@
               </a:ln>
               <a:extLst>
                 <a:ext uri="{91240B29-F687-4f45-9708-019B960494DF}">
-                  <a14:hiddenLine xmlns="" xmlns:a14="http://schemas.microsoft.com/office/drawing/2010/main" w="9525">
+                  <a14:hiddenLine xmlns:a14="http://schemas.microsoft.com/office/drawing/2010/main" xmlns="" w="9525">
                     <a:solidFill>
                       <a:srgbClr val="000000"/>
                     </a:solidFill>
@@ -9486,7 +9486,7 @@
               </a:ln>
               <a:extLst>
                 <a:ext uri="{91240B29-F687-4f45-9708-019B960494DF}">
-                  <a14:hiddenLine xmlns="" xmlns:a14="http://schemas.microsoft.com/office/drawing/2010/main" w="9525">
+                  <a14:hiddenLine xmlns:a14="http://schemas.microsoft.com/office/drawing/2010/main" xmlns="" w="9525">
                     <a:solidFill>
                       <a:srgbClr val="000000"/>
                     </a:solidFill>
@@ -9548,7 +9548,7 @@
               </a:ln>
               <a:extLst>
                 <a:ext uri="{91240B29-F687-4f45-9708-019B960494DF}">
-                  <a14:hiddenLine xmlns="" xmlns:a14="http://schemas.microsoft.com/office/drawing/2010/main" w="9525">
+                  <a14:hiddenLine xmlns:a14="http://schemas.microsoft.com/office/drawing/2010/main" xmlns="" w="9525">
                     <a:solidFill>
                       <a:srgbClr val="000000"/>
                     </a:solidFill>
@@ -9638,7 +9638,7 @@
               </a:ln>
               <a:extLst>
                 <a:ext uri="{91240B29-F687-4f45-9708-019B960494DF}">
-                  <a14:hiddenLine xmlns="" xmlns:a14="http://schemas.microsoft.com/office/drawing/2010/main" w="9525">
+                  <a14:hiddenLine xmlns:a14="http://schemas.microsoft.com/office/drawing/2010/main" xmlns="" w="9525">
                     <a:solidFill>
                       <a:srgbClr val="000000"/>
                     </a:solidFill>
@@ -9700,7 +9700,7 @@
               </a:ln>
               <a:extLst>
                 <a:ext uri="{91240B29-F687-4f45-9708-019B960494DF}">
-                  <a14:hiddenLine xmlns="" xmlns:a14="http://schemas.microsoft.com/office/drawing/2010/main" w="9525">
+                  <a14:hiddenLine xmlns:a14="http://schemas.microsoft.com/office/drawing/2010/main" xmlns="" w="9525">
                     <a:solidFill>
                       <a:srgbClr val="000000"/>
                     </a:solidFill>
@@ -9762,7 +9762,7 @@
               </a:ln>
               <a:extLst>
                 <a:ext uri="{91240B29-F687-4f45-9708-019B960494DF}">
-                  <a14:hiddenLine xmlns="" xmlns:a14="http://schemas.microsoft.com/office/drawing/2010/main" w="9525">
+                  <a14:hiddenLine xmlns:a14="http://schemas.microsoft.com/office/drawing/2010/main" xmlns="" w="9525">
                     <a:solidFill>
                       <a:srgbClr val="000000"/>
                     </a:solidFill>
@@ -9852,7 +9852,7 @@
               </a:ln>
               <a:extLst>
                 <a:ext uri="{91240B29-F687-4f45-9708-019B960494DF}">
-                  <a14:hiddenLine xmlns="" xmlns:a14="http://schemas.microsoft.com/office/drawing/2010/main" w="9525">
+                  <a14:hiddenLine xmlns:a14="http://schemas.microsoft.com/office/drawing/2010/main" xmlns="" w="9525">
                     <a:solidFill>
                       <a:srgbClr val="000000"/>
                     </a:solidFill>
@@ -9942,7 +9942,7 @@
               </a:ln>
               <a:extLst>
                 <a:ext uri="{91240B29-F687-4f45-9708-019B960494DF}">
-                  <a14:hiddenLine xmlns="" xmlns:a14="http://schemas.microsoft.com/office/drawing/2010/main" w="9525">
+                  <a14:hiddenLine xmlns:a14="http://schemas.microsoft.com/office/drawing/2010/main" xmlns="" w="9525">
                     <a:solidFill>
                       <a:srgbClr val="000000"/>
                     </a:solidFill>
@@ -10004,7 +10004,7 @@
               </a:ln>
               <a:extLst>
                 <a:ext uri="{91240B29-F687-4f45-9708-019B960494DF}">
-                  <a14:hiddenLine xmlns="" xmlns:a14="http://schemas.microsoft.com/office/drawing/2010/main" w="9525">
+                  <a14:hiddenLine xmlns:a14="http://schemas.microsoft.com/office/drawing/2010/main" xmlns="" w="9525">
                     <a:solidFill>
                       <a:srgbClr val="000000"/>
                     </a:solidFill>
@@ -10114,7 +10114,7 @@
               </a:ln>
               <a:extLst>
                 <a:ext uri="{91240B29-F687-4f45-9708-019B960494DF}">
-                  <a14:hiddenLine xmlns="" xmlns:a14="http://schemas.microsoft.com/office/drawing/2010/main" w="9525">
+                  <a14:hiddenLine xmlns:a14="http://schemas.microsoft.com/office/drawing/2010/main" xmlns="" w="9525">
                     <a:solidFill>
                       <a:srgbClr val="000000"/>
                     </a:solidFill>
@@ -10198,7 +10198,7 @@
               </a:ln>
               <a:extLst>
                 <a:ext uri="{91240B29-F687-4f45-9708-019B960494DF}">
-                  <a14:hiddenLine xmlns="" xmlns:a14="http://schemas.microsoft.com/office/drawing/2010/main" w="9525">
+                  <a14:hiddenLine xmlns:a14="http://schemas.microsoft.com/office/drawing/2010/main" xmlns="" w="9525">
                     <a:solidFill>
                       <a:srgbClr val="000000"/>
                     </a:solidFill>
@@ -10260,7 +10260,7 @@
               </a:ln>
               <a:extLst>
                 <a:ext uri="{91240B29-F687-4f45-9708-019B960494DF}">
-                  <a14:hiddenLine xmlns="" xmlns:a14="http://schemas.microsoft.com/office/drawing/2010/main" w="9525">
+                  <a14:hiddenLine xmlns:a14="http://schemas.microsoft.com/office/drawing/2010/main" xmlns="" w="9525">
                     <a:solidFill>
                       <a:srgbClr val="000000"/>
                     </a:solidFill>
@@ -10322,7 +10322,7 @@
               </a:ln>
               <a:extLst>
                 <a:ext uri="{91240B29-F687-4f45-9708-019B960494DF}">
-                  <a14:hiddenLine xmlns="" xmlns:a14="http://schemas.microsoft.com/office/drawing/2010/main" w="9525">
+                  <a14:hiddenLine xmlns:a14="http://schemas.microsoft.com/office/drawing/2010/main" xmlns="" w="9525">
                     <a:solidFill>
                       <a:srgbClr val="000000"/>
                     </a:solidFill>
@@ -10412,7 +10412,7 @@
               </a:ln>
               <a:extLst>
                 <a:ext uri="{91240B29-F687-4f45-9708-019B960494DF}">
-                  <a14:hiddenLine xmlns="" xmlns:a14="http://schemas.microsoft.com/office/drawing/2010/main" w="9525">
+                  <a14:hiddenLine xmlns:a14="http://schemas.microsoft.com/office/drawing/2010/main" xmlns="" w="9525">
                     <a:solidFill>
                       <a:srgbClr val="000000"/>
                     </a:solidFill>
@@ -10446,7 +10446,7 @@
               </a:ln>
               <a:extLst>
                 <a:ext uri="{91240B29-F687-4f45-9708-019B960494DF}">
-                  <a14:hiddenLine xmlns="" xmlns:a14="http://schemas.microsoft.com/office/drawing/2010/main" w="9525">
+                  <a14:hiddenLine xmlns:a14="http://schemas.microsoft.com/office/drawing/2010/main" xmlns="" w="9525">
                     <a:solidFill>
                       <a:srgbClr val="000000"/>
                     </a:solidFill>
@@ -10511,7 +10511,7 @@
               </a:ln>
               <a:extLst>
                 <a:ext uri="{91240B29-F687-4f45-9708-019B960494DF}">
-                  <a14:hiddenLine xmlns="" xmlns:a14="http://schemas.microsoft.com/office/drawing/2010/main" w="9525">
+                  <a14:hiddenLine xmlns:a14="http://schemas.microsoft.com/office/drawing/2010/main" xmlns="" w="9525">
                     <a:solidFill>
                       <a:srgbClr val="000000"/>
                     </a:solidFill>
@@ -10601,7 +10601,7 @@
               </a:ln>
               <a:extLst>
                 <a:ext uri="{91240B29-F687-4f45-9708-019B960494DF}">
-                  <a14:hiddenLine xmlns="" xmlns:a14="http://schemas.microsoft.com/office/drawing/2010/main" w="9525">
+                  <a14:hiddenLine xmlns:a14="http://schemas.microsoft.com/office/drawing/2010/main" xmlns="" w="9525">
                     <a:solidFill>
                       <a:srgbClr val="000000"/>
                     </a:solidFill>
@@ -10663,7 +10663,7 @@
               </a:ln>
               <a:extLst>
                 <a:ext uri="{91240B29-F687-4f45-9708-019B960494DF}">
-                  <a14:hiddenLine xmlns="" xmlns:a14="http://schemas.microsoft.com/office/drawing/2010/main" w="9525">
+                  <a14:hiddenLine xmlns:a14="http://schemas.microsoft.com/office/drawing/2010/main" xmlns="" w="9525">
                     <a:solidFill>
                       <a:srgbClr val="000000"/>
                     </a:solidFill>
@@ -10753,7 +10753,7 @@
               </a:ln>
               <a:extLst>
                 <a:ext uri="{91240B29-F687-4f45-9708-019B960494DF}">
-                  <a14:hiddenLine xmlns="" xmlns:a14="http://schemas.microsoft.com/office/drawing/2010/main" w="9525">
+                  <a14:hiddenLine xmlns:a14="http://schemas.microsoft.com/office/drawing/2010/main" xmlns="" w="9525">
                     <a:solidFill>
                       <a:srgbClr val="000000"/>
                     </a:solidFill>
@@ -10818,7 +10818,7 @@
               </a:ln>
               <a:extLst>
                 <a:ext uri="{91240B29-F687-4f45-9708-019B960494DF}">
-                  <a14:hiddenLine xmlns="" xmlns:a14="http://schemas.microsoft.com/office/drawing/2010/main" w="9525">
+                  <a14:hiddenLine xmlns:a14="http://schemas.microsoft.com/office/drawing/2010/main" xmlns="" w="9525">
                     <a:solidFill>
                       <a:srgbClr val="000000"/>
                     </a:solidFill>
@@ -10880,7 +10880,7 @@
               </a:ln>
               <a:extLst>
                 <a:ext uri="{91240B29-F687-4f45-9708-019B960494DF}">
-                  <a14:hiddenLine xmlns="" xmlns:a14="http://schemas.microsoft.com/office/drawing/2010/main" w="9525">
+                  <a14:hiddenLine xmlns:a14="http://schemas.microsoft.com/office/drawing/2010/main" xmlns="" w="9525">
                     <a:solidFill>
                       <a:srgbClr val="000000"/>
                     </a:solidFill>
@@ -10970,7 +10970,7 @@
               </a:ln>
               <a:extLst>
                 <a:ext uri="{91240B29-F687-4f45-9708-019B960494DF}">
-                  <a14:hiddenLine xmlns="" xmlns:a14="http://schemas.microsoft.com/office/drawing/2010/main" w="9525">
+                  <a14:hiddenLine xmlns:a14="http://schemas.microsoft.com/office/drawing/2010/main" xmlns="" w="9525">
                     <a:solidFill>
                       <a:srgbClr val="000000"/>
                     </a:solidFill>
@@ -11060,7 +11060,7 @@
               </a:ln>
               <a:extLst>
                 <a:ext uri="{91240B29-F687-4f45-9708-019B960494DF}">
-                  <a14:hiddenLine xmlns="" xmlns:a14="http://schemas.microsoft.com/office/drawing/2010/main" w="9525">
+                  <a14:hiddenLine xmlns:a14="http://schemas.microsoft.com/office/drawing/2010/main" xmlns="" w="9525">
                     <a:solidFill>
                       <a:srgbClr val="000000"/>
                     </a:solidFill>
@@ -11125,7 +11125,7 @@
               </a:ln>
               <a:extLst>
                 <a:ext uri="{91240B29-F687-4f45-9708-019B960494DF}">
-                  <a14:hiddenLine xmlns="" xmlns:a14="http://schemas.microsoft.com/office/drawing/2010/main" w="9525">
+                  <a14:hiddenLine xmlns:a14="http://schemas.microsoft.com/office/drawing/2010/main" xmlns="" w="9525">
                     <a:solidFill>
                       <a:srgbClr val="000000"/>
                     </a:solidFill>
@@ -11245,7 +11245,7 @@
               </a:ln>
               <a:extLst>
                 <a:ext uri="{91240B29-F687-4f45-9708-019B960494DF}">
-                  <a14:hiddenLine xmlns="" xmlns:a14="http://schemas.microsoft.com/office/drawing/2010/main" w="9525">
+                  <a14:hiddenLine xmlns:a14="http://schemas.microsoft.com/office/drawing/2010/main" xmlns="" w="9525">
                     <a:solidFill>
                       <a:srgbClr val="000000"/>
                     </a:solidFill>
@@ -11343,7 +11343,7 @@
               </a:ln>
               <a:extLst>
                 <a:ext uri="{91240B29-F687-4f45-9708-019B960494DF}">
-                  <a14:hiddenLine xmlns="" xmlns:a14="http://schemas.microsoft.com/office/drawing/2010/main" w="9525">
+                  <a14:hiddenLine xmlns:a14="http://schemas.microsoft.com/office/drawing/2010/main" xmlns="" w="9525">
                     <a:solidFill>
                       <a:srgbClr val="000000"/>
                     </a:solidFill>
@@ -11458,7 +11458,7 @@
               </a:ln>
               <a:extLst>
                 <a:ext uri="{91240B29-F687-4f45-9708-019B960494DF}">
-                  <a14:hiddenLine xmlns="" xmlns:a14="http://schemas.microsoft.com/office/drawing/2010/main" w="9525">
+                  <a14:hiddenLine xmlns:a14="http://schemas.microsoft.com/office/drawing/2010/main" xmlns="" w="9525">
                     <a:solidFill>
                       <a:srgbClr val="000000"/>
                     </a:solidFill>
@@ -11548,7 +11548,7 @@
               </a:ln>
               <a:extLst>
                 <a:ext uri="{91240B29-F687-4f45-9708-019B960494DF}">
-                  <a14:hiddenLine xmlns="" xmlns:a14="http://schemas.microsoft.com/office/drawing/2010/main" w="9525">
+                  <a14:hiddenLine xmlns:a14="http://schemas.microsoft.com/office/drawing/2010/main" xmlns="" w="9525">
                     <a:solidFill>
                       <a:srgbClr val="000000"/>
                     </a:solidFill>
@@ -11613,7 +11613,7 @@
               </a:ln>
               <a:extLst>
                 <a:ext uri="{91240B29-F687-4f45-9708-019B960494DF}">
-                  <a14:hiddenLine xmlns="" xmlns:a14="http://schemas.microsoft.com/office/drawing/2010/main" w="9525">
+                  <a14:hiddenLine xmlns:a14="http://schemas.microsoft.com/office/drawing/2010/main" xmlns="" w="9525">
                     <a:solidFill>
                       <a:srgbClr val="000000"/>
                     </a:solidFill>
@@ -11703,7 +11703,7 @@
               </a:ln>
               <a:extLst>
                 <a:ext uri="{91240B29-F687-4f45-9708-019B960494DF}">
-                  <a14:hiddenLine xmlns="" xmlns:a14="http://schemas.microsoft.com/office/drawing/2010/main" w="9525">
+                  <a14:hiddenLine xmlns:a14="http://schemas.microsoft.com/office/drawing/2010/main" xmlns="" w="9525">
                     <a:solidFill>
                       <a:srgbClr val="000000"/>
                     </a:solidFill>
@@ -11771,7 +11771,7 @@
               </a:ln>
               <a:extLst>
                 <a:ext uri="{91240B29-F687-4f45-9708-019B960494DF}">
-                  <a14:hiddenLine xmlns="" xmlns:a14="http://schemas.microsoft.com/office/drawing/2010/main" w="9525">
+                  <a14:hiddenLine xmlns:a14="http://schemas.microsoft.com/office/drawing/2010/main" xmlns="" w="9525">
                     <a:solidFill>
                       <a:srgbClr val="000000"/>
                     </a:solidFill>
@@ -11861,7 +11861,7 @@
               </a:ln>
               <a:extLst>
                 <a:ext uri="{91240B29-F687-4f45-9708-019B960494DF}">
-                  <a14:hiddenLine xmlns="" xmlns:a14="http://schemas.microsoft.com/office/drawing/2010/main" w="9525">
+                  <a14:hiddenLine xmlns:a14="http://schemas.microsoft.com/office/drawing/2010/main" xmlns="" w="9525">
                     <a:solidFill>
                       <a:srgbClr val="000000"/>
                     </a:solidFill>
@@ -11929,7 +11929,7 @@
               </a:ln>
               <a:extLst>
                 <a:ext uri="{91240B29-F687-4f45-9708-019B960494DF}">
-                  <a14:hiddenLine xmlns="" xmlns:a14="http://schemas.microsoft.com/office/drawing/2010/main" w="9525">
+                  <a14:hiddenLine xmlns:a14="http://schemas.microsoft.com/office/drawing/2010/main" xmlns="" w="9525">
                     <a:solidFill>
                       <a:srgbClr val="000000"/>
                     </a:solidFill>
@@ -12019,7 +12019,7 @@
               </a:ln>
               <a:extLst>
                 <a:ext uri="{91240B29-F687-4f45-9708-019B960494DF}">
-                  <a14:hiddenLine xmlns="" xmlns:a14="http://schemas.microsoft.com/office/drawing/2010/main" w="9525">
+                  <a14:hiddenLine xmlns:a14="http://schemas.microsoft.com/office/drawing/2010/main" xmlns="" w="9525">
                     <a:solidFill>
                       <a:srgbClr val="000000"/>
                     </a:solidFill>
@@ -12053,7 +12053,7 @@
               </a:ln>
               <a:extLst>
                 <a:ext uri="{91240B29-F687-4f45-9708-019B960494DF}">
-                  <a14:hiddenLine xmlns="" xmlns:a14="http://schemas.microsoft.com/office/drawing/2010/main" w="9525">
+                  <a14:hiddenLine xmlns:a14="http://schemas.microsoft.com/office/drawing/2010/main" xmlns="" w="9525">
                     <a:solidFill>
                       <a:srgbClr val="000000"/>
                     </a:solidFill>
@@ -13896,11 +13896,7 @@
           <a:p>
             <a:r>
               <a:rPr kumimoji="1" lang="ja-JP" altLang="en-US" sz="2000" b="1" dirty="0" smtClean="0"/>
-              <a:t>プログラマー・</a:t>
-            </a:r>
-            <a:r>
-              <a:rPr kumimoji="1" lang="ja-JP" altLang="en-US" sz="2000" b="1" dirty="0" smtClean="0"/>
-              <a:t>ステージ作成</a:t>
+              <a:t>プログラマー・ステージ作成</a:t>
             </a:r>
             <a:endParaRPr kumimoji="1" lang="ja-JP" altLang="en-US" sz="2000" b="1" dirty="0"/>
           </a:p>
@@ -16040,10 +16036,7 @@
                 <a:avLst/>
               </a:prstGeom>
               <a:solidFill>
-                <a:schemeClr val="accent4">
-                  <a:lumMod val="60000"/>
-                  <a:lumOff val="40000"/>
-                </a:schemeClr>
+                <a:srgbClr val="CCC7B4"/>
               </a:solidFill>
               <a:ln w="6350" cap="flat" cmpd="sng" algn="ctr">
                 <a:solidFill>
@@ -16477,9 +16470,310 @@
   <p:timing>
     <p:tnLst>
       <p:par>
-        <p:cTn id="1" dur="indefinite" restart="never" nodeType="tmRoot"/>
+        <p:cTn id="1" dur="indefinite" restart="never" nodeType="tmRoot">
+          <p:childTnLst>
+            <p:seq concurrent="1" nextAc="seek">
+              <p:cTn id="2" dur="indefinite" nodeType="mainSeq">
+                <p:childTnLst>
+                  <p:par>
+                    <p:cTn id="3" fill="hold">
+                      <p:stCondLst>
+                        <p:cond delay="indefinite"/>
+                      </p:stCondLst>
+                      <p:childTnLst>
+                        <p:par>
+                          <p:cTn id="4" fill="hold">
+                            <p:stCondLst>
+                              <p:cond delay="0"/>
+                            </p:stCondLst>
+                            <p:childTnLst>
+                              <p:par>
+                                <p:cTn id="5" presetID="31" presetClass="entr" presetSubtype="0" fill="hold" nodeType="clickEffect">
+                                  <p:stCondLst>
+                                    <p:cond delay="0"/>
+                                  </p:stCondLst>
+                                  <p:childTnLst>
+                                    <p:set>
+                                      <p:cBhvr>
+                                        <p:cTn id="6" dur="1" fill="hold">
+                                          <p:stCondLst>
+                                            <p:cond delay="0"/>
+                                          </p:stCondLst>
+                                        </p:cTn>
+                                        <p:tgtEl>
+                                          <p:spTgt spid="3"/>
+                                        </p:tgtEl>
+                                        <p:attrNameLst>
+                                          <p:attrName>style.visibility</p:attrName>
+                                        </p:attrNameLst>
+                                      </p:cBhvr>
+                                      <p:to>
+                                        <p:strVal val="visible"/>
+                                      </p:to>
+                                    </p:set>
+                                    <p:anim calcmode="lin" valueType="num">
+                                      <p:cBhvr>
+                                        <p:cTn id="7" dur="1000" fill="hold"/>
+                                        <p:tgtEl>
+                                          <p:spTgt spid="3"/>
+                                        </p:tgtEl>
+                                        <p:attrNameLst>
+                                          <p:attrName>ppt_w</p:attrName>
+                                        </p:attrNameLst>
+                                      </p:cBhvr>
+                                      <p:tavLst>
+                                        <p:tav tm="0">
+                                          <p:val>
+                                            <p:fltVal val="0"/>
+                                          </p:val>
+                                        </p:tav>
+                                        <p:tav tm="100000">
+                                          <p:val>
+                                            <p:strVal val="#ppt_w"/>
+                                          </p:val>
+                                        </p:tav>
+                                      </p:tavLst>
+                                    </p:anim>
+                                    <p:anim calcmode="lin" valueType="num">
+                                      <p:cBhvr>
+                                        <p:cTn id="8" dur="1000" fill="hold"/>
+                                        <p:tgtEl>
+                                          <p:spTgt spid="3"/>
+                                        </p:tgtEl>
+                                        <p:attrNameLst>
+                                          <p:attrName>ppt_h</p:attrName>
+                                        </p:attrNameLst>
+                                      </p:cBhvr>
+                                      <p:tavLst>
+                                        <p:tav tm="0">
+                                          <p:val>
+                                            <p:fltVal val="0"/>
+                                          </p:val>
+                                        </p:tav>
+                                        <p:tav tm="100000">
+                                          <p:val>
+                                            <p:strVal val="#ppt_h"/>
+                                          </p:val>
+                                        </p:tav>
+                                      </p:tavLst>
+                                    </p:anim>
+                                    <p:anim calcmode="lin" valueType="num">
+                                      <p:cBhvr>
+                                        <p:cTn id="9" dur="1000" fill="hold"/>
+                                        <p:tgtEl>
+                                          <p:spTgt spid="3"/>
+                                        </p:tgtEl>
+                                        <p:attrNameLst>
+                                          <p:attrName>style.rotation</p:attrName>
+                                        </p:attrNameLst>
+                                      </p:cBhvr>
+                                      <p:tavLst>
+                                        <p:tav tm="0">
+                                          <p:val>
+                                            <p:fltVal val="90"/>
+                                          </p:val>
+                                        </p:tav>
+                                        <p:tav tm="100000">
+                                          <p:val>
+                                            <p:fltVal val="0"/>
+                                          </p:val>
+                                        </p:tav>
+                                      </p:tavLst>
+                                    </p:anim>
+                                    <p:animEffect transition="in" filter="fade">
+                                      <p:cBhvr>
+                                        <p:cTn id="10" dur="1000"/>
+                                        <p:tgtEl>
+                                          <p:spTgt spid="3"/>
+                                        </p:tgtEl>
+                                      </p:cBhvr>
+                                    </p:animEffect>
+                                  </p:childTnLst>
+                                </p:cTn>
+                              </p:par>
+                            </p:childTnLst>
+                          </p:cTn>
+                        </p:par>
+                      </p:childTnLst>
+                    </p:cTn>
+                  </p:par>
+                  <p:par>
+                    <p:cTn id="11" fill="hold">
+                      <p:stCondLst>
+                        <p:cond delay="indefinite"/>
+                      </p:stCondLst>
+                      <p:childTnLst>
+                        <p:par>
+                          <p:cTn id="12" fill="hold">
+                            <p:stCondLst>
+                              <p:cond delay="0"/>
+                            </p:stCondLst>
+                            <p:childTnLst>
+                              <p:par>
+                                <p:cTn id="13" presetID="16" presetClass="entr" presetSubtype="21" fill="hold" grpId="0" nodeType="clickEffect">
+                                  <p:stCondLst>
+                                    <p:cond delay="0"/>
+                                  </p:stCondLst>
+                                  <p:childTnLst>
+                                    <p:set>
+                                      <p:cBhvr>
+                                        <p:cTn id="14" dur="1" fill="hold">
+                                          <p:stCondLst>
+                                            <p:cond delay="0"/>
+                                          </p:stCondLst>
+                                        </p:cTn>
+                                        <p:tgtEl>
+                                          <p:spTgt spid="32"/>
+                                        </p:tgtEl>
+                                        <p:attrNameLst>
+                                          <p:attrName>style.visibility</p:attrName>
+                                        </p:attrNameLst>
+                                      </p:cBhvr>
+                                      <p:to>
+                                        <p:strVal val="visible"/>
+                                      </p:to>
+                                    </p:set>
+                                    <p:animEffect transition="in" filter="barn(inVertical)">
+                                      <p:cBhvr>
+                                        <p:cTn id="15" dur="500"/>
+                                        <p:tgtEl>
+                                          <p:spTgt spid="32"/>
+                                        </p:tgtEl>
+                                      </p:cBhvr>
+                                    </p:animEffect>
+                                  </p:childTnLst>
+                                </p:cTn>
+                              </p:par>
+                            </p:childTnLst>
+                          </p:cTn>
+                        </p:par>
+                      </p:childTnLst>
+                    </p:cTn>
+                  </p:par>
+                  <p:par>
+                    <p:cTn id="16" fill="hold">
+                      <p:stCondLst>
+                        <p:cond delay="indefinite"/>
+                      </p:stCondLst>
+                      <p:childTnLst>
+                        <p:par>
+                          <p:cTn id="17" fill="hold">
+                            <p:stCondLst>
+                              <p:cond delay="0"/>
+                            </p:stCondLst>
+                            <p:childTnLst>
+                              <p:par>
+                                <p:cTn id="18" presetID="53" presetClass="entr" presetSubtype="16" fill="hold" grpId="0" nodeType="clickEffect">
+                                  <p:stCondLst>
+                                    <p:cond delay="0"/>
+                                  </p:stCondLst>
+                                  <p:childTnLst>
+                                    <p:set>
+                                      <p:cBhvr>
+                                        <p:cTn id="19" dur="1" fill="hold">
+                                          <p:stCondLst>
+                                            <p:cond delay="0"/>
+                                          </p:stCondLst>
+                                        </p:cTn>
+                                        <p:tgtEl>
+                                          <p:spTgt spid="21"/>
+                                        </p:tgtEl>
+                                        <p:attrNameLst>
+                                          <p:attrName>style.visibility</p:attrName>
+                                        </p:attrNameLst>
+                                      </p:cBhvr>
+                                      <p:to>
+                                        <p:strVal val="visible"/>
+                                      </p:to>
+                                    </p:set>
+                                    <p:anim calcmode="lin" valueType="num">
+                                      <p:cBhvr>
+                                        <p:cTn id="20" dur="500" fill="hold"/>
+                                        <p:tgtEl>
+                                          <p:spTgt spid="21"/>
+                                        </p:tgtEl>
+                                        <p:attrNameLst>
+                                          <p:attrName>ppt_w</p:attrName>
+                                        </p:attrNameLst>
+                                      </p:cBhvr>
+                                      <p:tavLst>
+                                        <p:tav tm="0">
+                                          <p:val>
+                                            <p:fltVal val="0"/>
+                                          </p:val>
+                                        </p:tav>
+                                        <p:tav tm="100000">
+                                          <p:val>
+                                            <p:strVal val="#ppt_w"/>
+                                          </p:val>
+                                        </p:tav>
+                                      </p:tavLst>
+                                    </p:anim>
+                                    <p:anim calcmode="lin" valueType="num">
+                                      <p:cBhvr>
+                                        <p:cTn id="21" dur="500" fill="hold"/>
+                                        <p:tgtEl>
+                                          <p:spTgt spid="21"/>
+                                        </p:tgtEl>
+                                        <p:attrNameLst>
+                                          <p:attrName>ppt_h</p:attrName>
+                                        </p:attrNameLst>
+                                      </p:cBhvr>
+                                      <p:tavLst>
+                                        <p:tav tm="0">
+                                          <p:val>
+                                            <p:fltVal val="0"/>
+                                          </p:val>
+                                        </p:tav>
+                                        <p:tav tm="100000">
+                                          <p:val>
+                                            <p:strVal val="#ppt_h"/>
+                                          </p:val>
+                                        </p:tav>
+                                      </p:tavLst>
+                                    </p:anim>
+                                    <p:animEffect transition="in" filter="fade">
+                                      <p:cBhvr>
+                                        <p:cTn id="22" dur="500"/>
+                                        <p:tgtEl>
+                                          <p:spTgt spid="21"/>
+                                        </p:tgtEl>
+                                      </p:cBhvr>
+                                    </p:animEffect>
+                                  </p:childTnLst>
+                                </p:cTn>
+                              </p:par>
+                            </p:childTnLst>
+                          </p:cTn>
+                        </p:par>
+                      </p:childTnLst>
+                    </p:cTn>
+                  </p:par>
+                </p:childTnLst>
+              </p:cTn>
+              <p:prevCondLst>
+                <p:cond evt="onPrev" delay="0">
+                  <p:tgtEl>
+                    <p:sldTgt/>
+                  </p:tgtEl>
+                </p:cond>
+              </p:prevCondLst>
+              <p:nextCondLst>
+                <p:cond evt="onNext" delay="0">
+                  <p:tgtEl>
+                    <p:sldTgt/>
+                  </p:tgtEl>
+                </p:cond>
+              </p:nextCondLst>
+            </p:seq>
+          </p:childTnLst>
+        </p:cTn>
       </p:par>
     </p:tnLst>
+    <p:bldLst>
+      <p:bldP spid="21" grpId="0"/>
+      <p:bldP spid="32" grpId="0"/>
+    </p:bldLst>
   </p:timing>
 </p:sld>
 </file>
@@ -16501,6 +16795,204 @@
           <a:chExt cx="0" cy="0"/>
         </a:xfrm>
       </p:grpSpPr>
+      <p:sp>
+        <p:nvSpPr>
+          <p:cNvPr id="2" name="テキスト ボックス 1"/>
+          <p:cNvSpPr txBox="1"/>
+          <p:nvPr/>
+        </p:nvSpPr>
+        <p:spPr>
+          <a:xfrm>
+            <a:off x="2497900" y="204452"/>
+            <a:ext cx="7196201" cy="584775"/>
+          </a:xfrm>
+          <a:prstGeom prst="rect">
+            <a:avLst/>
+          </a:prstGeom>
+          <a:noFill/>
+        </p:spPr>
+        <p:txBody>
+          <a:bodyPr wrap="none" rtlCol="0">
+            <a:spAutoFit/>
+          </a:bodyPr>
+          <a:lstStyle/>
+          <a:p>
+            <a:r>
+              <a:rPr kumimoji="1" lang="ja-JP" altLang="en-US" sz="3200" dirty="0" smtClean="0"/>
+              <a:t>実際</a:t>
+            </a:r>
+            <a:r>
+              <a:rPr kumimoji="1" lang="ja-JP" altLang="en-US" sz="2800" dirty="0" smtClean="0"/>
+              <a:t>に操作しながら説明させていただきます。</a:t>
+            </a:r>
+            <a:endParaRPr kumimoji="1" lang="ja-JP" altLang="en-US" sz="2800" dirty="0"/>
+          </a:p>
+        </p:txBody>
+      </p:sp>
+      <p:sp>
+        <p:nvSpPr>
+          <p:cNvPr id="3" name="テキスト ボックス 2"/>
+          <p:cNvSpPr txBox="1"/>
+          <p:nvPr/>
+        </p:nvSpPr>
+        <p:spPr>
+          <a:xfrm>
+            <a:off x="5441535" y="4247922"/>
+            <a:ext cx="6628738" cy="2308324"/>
+          </a:xfrm>
+          <a:prstGeom prst="rect">
+            <a:avLst/>
+          </a:prstGeom>
+          <a:noFill/>
+        </p:spPr>
+        <p:txBody>
+          <a:bodyPr wrap="none" rtlCol="0">
+            <a:spAutoFit/>
+          </a:bodyPr>
+          <a:lstStyle/>
+          <a:p>
+            <a:r>
+              <a:rPr kumimoji="1" lang="ja-JP" altLang="en-US" sz="2400" b="1" dirty="0" smtClean="0"/>
+              <a:t>ルール</a:t>
+            </a:r>
+            <a:endParaRPr kumimoji="1" lang="en-US" altLang="ja-JP" sz="2000" b="1" dirty="0" smtClean="0"/>
+          </a:p>
+          <a:p>
+            <a:r>
+              <a:rPr kumimoji="1" lang="ja-JP" altLang="en-US" sz="2000" b="1" dirty="0" smtClean="0"/>
+              <a:t>・ロボットを誘導して</a:t>
+            </a:r>
+            <a:r>
+              <a:rPr kumimoji="1" lang="en-US" altLang="ja-JP" sz="2000" b="1" dirty="0" smtClean="0"/>
+              <a:t>Riddle(</a:t>
+            </a:r>
+            <a:r>
+              <a:rPr kumimoji="1" lang="ja-JP" altLang="en-US" sz="2000" b="1" dirty="0" smtClean="0"/>
+              <a:t>謎</a:t>
+            </a:r>
+            <a:r>
+              <a:rPr kumimoji="1" lang="en-US" altLang="ja-JP" sz="2000" b="1" dirty="0" smtClean="0"/>
+              <a:t>)</a:t>
+            </a:r>
+            <a:r>
+              <a:rPr kumimoji="1" lang="ja-JP" altLang="en-US" sz="2000" b="1" dirty="0" smtClean="0"/>
+              <a:t>に必要なアイテムを集めよう。</a:t>
+            </a:r>
+            <a:endParaRPr kumimoji="1" lang="en-US" altLang="ja-JP" sz="2000" b="1" dirty="0" smtClean="0"/>
+          </a:p>
+          <a:p>
+            <a:r>
+              <a:rPr kumimoji="1" lang="ja-JP" altLang="en-US" sz="2000" b="1" dirty="0" smtClean="0"/>
+              <a:t>・ロボットは直接操作はできない。</a:t>
+            </a:r>
+            <a:endParaRPr kumimoji="1" lang="en-US" altLang="ja-JP" sz="2000" b="1" dirty="0" smtClean="0"/>
+          </a:p>
+          <a:p>
+            <a:r>
+              <a:rPr kumimoji="1" lang="ja-JP" altLang="en-US" sz="2000" b="1" dirty="0" smtClean="0"/>
+              <a:t>・ロボットは自分の行きたいほうに進んでしまう。</a:t>
+            </a:r>
+            <a:endParaRPr kumimoji="1" lang="en-US" altLang="ja-JP" sz="2000" b="1" dirty="0" smtClean="0"/>
+          </a:p>
+          <a:p>
+            <a:r>
+              <a:rPr kumimoji="1" lang="ja-JP" altLang="en-US" sz="2000" b="1" dirty="0" smtClean="0"/>
+              <a:t>・誘導する物を落としてロボットに気づいてもらおう。</a:t>
+            </a:r>
+            <a:endParaRPr kumimoji="1" lang="en-US" altLang="ja-JP" sz="2000" b="1" dirty="0" smtClean="0"/>
+          </a:p>
+          <a:p>
+            <a:r>
+              <a:rPr kumimoji="1" lang="ja-JP" altLang="en-US" sz="2000" b="1" dirty="0" smtClean="0"/>
+              <a:t>・すべてのアイテムを拾い、出口まで行くと</a:t>
+            </a:r>
+            <a:r>
+              <a:rPr kumimoji="1" lang="en-US" altLang="ja-JP" sz="2000" b="1" dirty="0" smtClean="0"/>
+              <a:t>Riddle</a:t>
+            </a:r>
+            <a:r>
+              <a:rPr kumimoji="1" lang="ja-JP" altLang="en-US" sz="2000" b="1" dirty="0" smtClean="0"/>
+              <a:t>に進める。</a:t>
+            </a:r>
+            <a:endParaRPr kumimoji="1" lang="en-US" altLang="ja-JP" sz="2000" b="1" dirty="0" smtClean="0"/>
+          </a:p>
+          <a:p>
+            <a:r>
+              <a:rPr kumimoji="1" lang="ja-JP" altLang="en-US" sz="2000" b="1" dirty="0" smtClean="0"/>
+              <a:t>・アイテムを使って</a:t>
+            </a:r>
+            <a:r>
+              <a:rPr kumimoji="1" lang="en-US" altLang="ja-JP" sz="2000" b="1" dirty="0" smtClean="0"/>
+              <a:t>Riddle</a:t>
+            </a:r>
+            <a:r>
+              <a:rPr kumimoji="1" lang="ja-JP" altLang="en-US" sz="2000" b="1" dirty="0" smtClean="0"/>
+              <a:t>を解こう。</a:t>
+            </a:r>
+            <a:endParaRPr kumimoji="1" lang="ja-JP" altLang="en-US" sz="2000" b="1" dirty="0"/>
+          </a:p>
+        </p:txBody>
+      </p:sp>
+      <p:pic>
+        <p:nvPicPr>
+          <p:cNvPr id="5" name="図 4"/>
+          <p:cNvPicPr>
+            <a:picLocks noChangeAspect="1"/>
+          </p:cNvPicPr>
+          <p:nvPr/>
+        </p:nvPicPr>
+        <p:blipFill>
+          <a:blip r:embed="rId2">
+            <a:extLst>
+              <a:ext uri="{28A0092B-C50C-407E-A947-70E740481C1C}">
+                <a14:useLocalDpi xmlns:a14="http://schemas.microsoft.com/office/drawing/2010/main" val="0"/>
+              </a:ext>
+            </a:extLst>
+          </a:blip>
+          <a:stretch>
+            <a:fillRect/>
+          </a:stretch>
+        </p:blipFill>
+        <p:spPr>
+          <a:xfrm>
+            <a:off x="5375009" y="789227"/>
+            <a:ext cx="3192642" cy="3458695"/>
+          </a:xfrm>
+          <a:prstGeom prst="rect">
+            <a:avLst/>
+          </a:prstGeom>
+        </p:spPr>
+      </p:pic>
+      <p:pic>
+        <p:nvPicPr>
+          <p:cNvPr id="6" name="図 5"/>
+          <p:cNvPicPr>
+            <a:picLocks noChangeAspect="1"/>
+          </p:cNvPicPr>
+          <p:nvPr/>
+        </p:nvPicPr>
+        <p:blipFill>
+          <a:blip r:embed="rId3">
+            <a:extLst>
+              <a:ext uri="{28A0092B-C50C-407E-A947-70E740481C1C}">
+                <a14:useLocalDpi xmlns:a14="http://schemas.microsoft.com/office/drawing/2010/main" val="0"/>
+              </a:ext>
+            </a:extLst>
+          </a:blip>
+          <a:stretch>
+            <a:fillRect/>
+          </a:stretch>
+        </p:blipFill>
+        <p:spPr>
+          <a:xfrm>
+            <a:off x="8755904" y="922032"/>
+            <a:ext cx="3013200" cy="3325890"/>
+          </a:xfrm>
+          <a:prstGeom prst="rect">
+            <a:avLst/>
+          </a:prstGeom>
+        </p:spPr>
+      </p:pic>
     </p:spTree>
     <p:extLst>
       <p:ext uri="{BB962C8B-B14F-4D97-AF65-F5344CB8AC3E}">
@@ -16511,6 +17003,13 @@
   <p:clrMapOvr>
     <a:masterClrMapping/>
   </p:clrMapOvr>
+  <p:timing>
+    <p:tnLst>
+      <p:par>
+        <p:cTn id="1" dur="indefinite" restart="never" nodeType="tmRoot"/>
+      </p:par>
+    </p:tnLst>
+  </p:timing>
 </p:sld>
 </file>
 

--- a/櫻畑/資料/03.プレゼン.pptx
+++ b/櫻畑/資料/03.プレゼン.pptx
@@ -7,11 +7,16 @@
   <p:sldIdLst>
     <p:sldId id="256" r:id="rId2"/>
     <p:sldId id="257" r:id="rId3"/>
-    <p:sldId id="258" r:id="rId4"/>
-    <p:sldId id="259" r:id="rId5"/>
-    <p:sldId id="260" r:id="rId6"/>
-    <p:sldId id="261" r:id="rId7"/>
-    <p:sldId id="262" r:id="rId8"/>
+    <p:sldId id="265" r:id="rId4"/>
+    <p:sldId id="258" r:id="rId5"/>
+    <p:sldId id="259" r:id="rId6"/>
+    <p:sldId id="260" r:id="rId7"/>
+    <p:sldId id="261" r:id="rId8"/>
+    <p:sldId id="264" r:id="rId9"/>
+    <p:sldId id="262" r:id="rId10"/>
+    <p:sldId id="266" r:id="rId11"/>
+    <p:sldId id="268" r:id="rId12"/>
+    <p:sldId id="267" r:id="rId13"/>
   </p:sldIdLst>
   <p:sldSz cx="12192000" cy="6858000"/>
   <p:notesSz cx="6858000" cy="9144000"/>
@@ -168,7 +173,7 @@
           <a:noFill/>
           <a:extLst>
             <a:ext uri="{909E8E84-426E-40dd-AFC4-6F175D3DCCD1}">
-              <a14:hiddenFill xmlns:a14="http://schemas.microsoft.com/office/drawing/2010/main" xmlns="">
+              <a14:hiddenFill xmlns="" xmlns:a14="http://schemas.microsoft.com/office/drawing/2010/main">
                 <a:solidFill>
                   <a:srgbClr val="FFFFFF"/>
                 </a:solidFill>
@@ -228,7 +233,7 @@
             </a:ln>
             <a:extLst>
               <a:ext uri="{91240B29-F687-4f45-9708-019B960494DF}">
-                <a14:hiddenLine xmlns:a14="http://schemas.microsoft.com/office/drawing/2010/main" xmlns="" w="9525">
+                <a14:hiddenLine xmlns="" xmlns:a14="http://schemas.microsoft.com/office/drawing/2010/main" w="9525">
                   <a:solidFill>
                     <a:srgbClr val="000000"/>
                   </a:solidFill>
@@ -318,7 +323,7 @@
             </a:ln>
             <a:extLst>
               <a:ext uri="{91240B29-F687-4f45-9708-019B960494DF}">
-                <a14:hiddenLine xmlns:a14="http://schemas.microsoft.com/office/drawing/2010/main" xmlns="" w="9525">
+                <a14:hiddenLine xmlns="" xmlns:a14="http://schemas.microsoft.com/office/drawing/2010/main" w="9525">
                   <a:solidFill>
                     <a:srgbClr val="000000"/>
                   </a:solidFill>
@@ -408,7 +413,7 @@
             </a:ln>
             <a:extLst>
               <a:ext uri="{91240B29-F687-4f45-9708-019B960494DF}">
-                <a14:hiddenLine xmlns:a14="http://schemas.microsoft.com/office/drawing/2010/main" xmlns="" w="9525">
+                <a14:hiddenLine xmlns="" xmlns:a14="http://schemas.microsoft.com/office/drawing/2010/main" w="9525">
                   <a:solidFill>
                     <a:srgbClr val="000000"/>
                   </a:solidFill>
@@ -442,7 +447,7 @@
             </a:ln>
             <a:extLst>
               <a:ext uri="{91240B29-F687-4f45-9708-019B960494DF}">
-                <a14:hiddenLine xmlns:a14="http://schemas.microsoft.com/office/drawing/2010/main" xmlns="" w="9525">
+                <a14:hiddenLine xmlns="" xmlns:a14="http://schemas.microsoft.com/office/drawing/2010/main" w="9525">
                   <a:solidFill>
                     <a:srgbClr val="000000"/>
                   </a:solidFill>
@@ -532,7 +537,7 @@
             </a:ln>
             <a:extLst>
               <a:ext uri="{91240B29-F687-4f45-9708-019B960494DF}">
-                <a14:hiddenLine xmlns:a14="http://schemas.microsoft.com/office/drawing/2010/main" xmlns="" w="9525">
+                <a14:hiddenLine xmlns="" xmlns:a14="http://schemas.microsoft.com/office/drawing/2010/main" w="9525">
                   <a:solidFill>
                     <a:srgbClr val="000000"/>
                   </a:solidFill>
@@ -594,7 +599,7 @@
             </a:ln>
             <a:extLst>
               <a:ext uri="{91240B29-F687-4f45-9708-019B960494DF}">
-                <a14:hiddenLine xmlns:a14="http://schemas.microsoft.com/office/drawing/2010/main" xmlns="" w="9525">
+                <a14:hiddenLine xmlns="" xmlns:a14="http://schemas.microsoft.com/office/drawing/2010/main" w="9525">
                   <a:solidFill>
                     <a:srgbClr val="000000"/>
                   </a:solidFill>
@@ -656,7 +661,7 @@
             </a:ln>
             <a:extLst>
               <a:ext uri="{91240B29-F687-4f45-9708-019B960494DF}">
-                <a14:hiddenLine xmlns:a14="http://schemas.microsoft.com/office/drawing/2010/main" xmlns="" w="9525">
+                <a14:hiddenLine xmlns="" xmlns:a14="http://schemas.microsoft.com/office/drawing/2010/main" w="9525">
                   <a:solidFill>
                     <a:srgbClr val="000000"/>
                   </a:solidFill>
@@ -746,7 +751,7 @@
             </a:ln>
             <a:extLst>
               <a:ext uri="{91240B29-F687-4f45-9708-019B960494DF}">
-                <a14:hiddenLine xmlns:a14="http://schemas.microsoft.com/office/drawing/2010/main" xmlns="" w="9525">
+                <a14:hiddenLine xmlns="" xmlns:a14="http://schemas.microsoft.com/office/drawing/2010/main" w="9525">
                   <a:solidFill>
                     <a:srgbClr val="000000"/>
                   </a:solidFill>
@@ -808,7 +813,7 @@
             </a:ln>
             <a:extLst>
               <a:ext uri="{91240B29-F687-4f45-9708-019B960494DF}">
-                <a14:hiddenLine xmlns:a14="http://schemas.microsoft.com/office/drawing/2010/main" xmlns="" w="9525">
+                <a14:hiddenLine xmlns="" xmlns:a14="http://schemas.microsoft.com/office/drawing/2010/main" w="9525">
                   <a:solidFill>
                     <a:srgbClr val="000000"/>
                   </a:solidFill>
@@ -870,7 +875,7 @@
             </a:ln>
             <a:extLst>
               <a:ext uri="{91240B29-F687-4f45-9708-019B960494DF}">
-                <a14:hiddenLine xmlns:a14="http://schemas.microsoft.com/office/drawing/2010/main" xmlns="" w="9525">
+                <a14:hiddenLine xmlns="" xmlns:a14="http://schemas.microsoft.com/office/drawing/2010/main" w="9525">
                   <a:solidFill>
                     <a:srgbClr val="000000"/>
                   </a:solidFill>
@@ -960,7 +965,7 @@
             </a:ln>
             <a:extLst>
               <a:ext uri="{91240B29-F687-4f45-9708-019B960494DF}">
-                <a14:hiddenLine xmlns:a14="http://schemas.microsoft.com/office/drawing/2010/main" xmlns="" w="9525">
+                <a14:hiddenLine xmlns="" xmlns:a14="http://schemas.microsoft.com/office/drawing/2010/main" w="9525">
                   <a:solidFill>
                     <a:srgbClr val="000000"/>
                   </a:solidFill>
@@ -1050,7 +1055,7 @@
             </a:ln>
             <a:extLst>
               <a:ext uri="{91240B29-F687-4f45-9708-019B960494DF}">
-                <a14:hiddenLine xmlns:a14="http://schemas.microsoft.com/office/drawing/2010/main" xmlns="" w="9525">
+                <a14:hiddenLine xmlns="" xmlns:a14="http://schemas.microsoft.com/office/drawing/2010/main" w="9525">
                   <a:solidFill>
                     <a:srgbClr val="000000"/>
                   </a:solidFill>
@@ -1112,7 +1117,7 @@
             </a:ln>
             <a:extLst>
               <a:ext uri="{91240B29-F687-4f45-9708-019B960494DF}">
-                <a14:hiddenLine xmlns:a14="http://schemas.microsoft.com/office/drawing/2010/main" xmlns="" w="9525">
+                <a14:hiddenLine xmlns="" xmlns:a14="http://schemas.microsoft.com/office/drawing/2010/main" w="9525">
                   <a:solidFill>
                     <a:srgbClr val="000000"/>
                   </a:solidFill>
@@ -1222,7 +1227,7 @@
             </a:ln>
             <a:extLst>
               <a:ext uri="{91240B29-F687-4f45-9708-019B960494DF}">
-                <a14:hiddenLine xmlns:a14="http://schemas.microsoft.com/office/drawing/2010/main" xmlns="" w="9525">
+                <a14:hiddenLine xmlns="" xmlns:a14="http://schemas.microsoft.com/office/drawing/2010/main" w="9525">
                   <a:solidFill>
                     <a:srgbClr val="000000"/>
                   </a:solidFill>
@@ -1284,7 +1289,7 @@
             </a:ln>
             <a:extLst>
               <a:ext uri="{91240B29-F687-4f45-9708-019B960494DF}">
-                <a14:hiddenLine xmlns:a14="http://schemas.microsoft.com/office/drawing/2010/main" xmlns="" w="9525">
+                <a14:hiddenLine xmlns="" xmlns:a14="http://schemas.microsoft.com/office/drawing/2010/main" w="9525">
                   <a:solidFill>
                     <a:srgbClr val="000000"/>
                   </a:solidFill>
@@ -1374,7 +1379,7 @@
             </a:ln>
             <a:extLst>
               <a:ext uri="{91240B29-F687-4f45-9708-019B960494DF}">
-                <a14:hiddenLine xmlns:a14="http://schemas.microsoft.com/office/drawing/2010/main" xmlns="" w="9525">
+                <a14:hiddenLine xmlns="" xmlns:a14="http://schemas.microsoft.com/office/drawing/2010/main" w="9525">
                   <a:solidFill>
                     <a:srgbClr val="000000"/>
                   </a:solidFill>
@@ -1464,7 +1469,7 @@
             </a:ln>
             <a:extLst>
               <a:ext uri="{91240B29-F687-4f45-9708-019B960494DF}">
-                <a14:hiddenLine xmlns:a14="http://schemas.microsoft.com/office/drawing/2010/main" xmlns="" w="9525">
+                <a14:hiddenLine xmlns="" xmlns:a14="http://schemas.microsoft.com/office/drawing/2010/main" w="9525">
                   <a:solidFill>
                     <a:srgbClr val="000000"/>
                   </a:solidFill>
@@ -1526,7 +1531,7 @@
             </a:ln>
             <a:extLst>
               <a:ext uri="{91240B29-F687-4f45-9708-019B960494DF}">
-                <a14:hiddenLine xmlns:a14="http://schemas.microsoft.com/office/drawing/2010/main" xmlns="" w="9525">
+                <a14:hiddenLine xmlns="" xmlns:a14="http://schemas.microsoft.com/office/drawing/2010/main" w="9525">
                   <a:solidFill>
                     <a:srgbClr val="000000"/>
                   </a:solidFill>
@@ -1616,7 +1621,7 @@
             </a:ln>
             <a:extLst>
               <a:ext uri="{91240B29-F687-4f45-9708-019B960494DF}">
-                <a14:hiddenLine xmlns:a14="http://schemas.microsoft.com/office/drawing/2010/main" xmlns="" w="9525">
+                <a14:hiddenLine xmlns="" xmlns:a14="http://schemas.microsoft.com/office/drawing/2010/main" w="9525">
                   <a:solidFill>
                     <a:srgbClr val="000000"/>
                   </a:solidFill>
@@ -1706,7 +1711,7 @@
             </a:ln>
             <a:extLst>
               <a:ext uri="{91240B29-F687-4f45-9708-019B960494DF}">
-                <a14:hiddenLine xmlns:a14="http://schemas.microsoft.com/office/drawing/2010/main" xmlns="" w="9525">
+                <a14:hiddenLine xmlns="" xmlns:a14="http://schemas.microsoft.com/office/drawing/2010/main" w="9525">
                   <a:solidFill>
                     <a:srgbClr val="000000"/>
                   </a:solidFill>
@@ -1762,7 +1767,7 @@
             </a:ln>
             <a:extLst>
               <a:ext uri="{91240B29-F687-4f45-9708-019B960494DF}">
-                <a14:hiddenLine xmlns:a14="http://schemas.microsoft.com/office/drawing/2010/main" xmlns="" w="9525">
+                <a14:hiddenLine xmlns="" xmlns:a14="http://schemas.microsoft.com/office/drawing/2010/main" w="9525">
                   <a:solidFill>
                     <a:srgbClr val="000000"/>
                   </a:solidFill>
@@ -1852,7 +1857,7 @@
             </a:ln>
             <a:extLst>
               <a:ext uri="{91240B29-F687-4f45-9708-019B960494DF}">
-                <a14:hiddenLine xmlns:a14="http://schemas.microsoft.com/office/drawing/2010/main" xmlns="" w="9525">
+                <a14:hiddenLine xmlns="" xmlns:a14="http://schemas.microsoft.com/office/drawing/2010/main" w="9525">
                   <a:solidFill>
                     <a:srgbClr val="000000"/>
                   </a:solidFill>
@@ -1908,7 +1913,7 @@
             </a:ln>
             <a:extLst>
               <a:ext uri="{91240B29-F687-4f45-9708-019B960494DF}">
-                <a14:hiddenLine xmlns:a14="http://schemas.microsoft.com/office/drawing/2010/main" xmlns="" w="9525">
+                <a14:hiddenLine xmlns="" xmlns:a14="http://schemas.microsoft.com/office/drawing/2010/main" w="9525">
                   <a:solidFill>
                     <a:srgbClr val="000000"/>
                   </a:solidFill>
@@ -1998,7 +2003,7 @@
             </a:ln>
             <a:extLst>
               <a:ext uri="{91240B29-F687-4f45-9708-019B960494DF}">
-                <a14:hiddenLine xmlns:a14="http://schemas.microsoft.com/office/drawing/2010/main" xmlns="" w="9525">
+                <a14:hiddenLine xmlns="" xmlns:a14="http://schemas.microsoft.com/office/drawing/2010/main" w="9525">
                   <a:solidFill>
                     <a:srgbClr val="000000"/>
                   </a:solidFill>
@@ -2066,7 +2071,7 @@
             </a:ln>
             <a:extLst>
               <a:ext uri="{91240B29-F687-4f45-9708-019B960494DF}">
-                <a14:hiddenLine xmlns:a14="http://schemas.microsoft.com/office/drawing/2010/main" xmlns="" w="9525">
+                <a14:hiddenLine xmlns="" xmlns:a14="http://schemas.microsoft.com/office/drawing/2010/main" w="9525">
                   <a:solidFill>
                     <a:srgbClr val="000000"/>
                   </a:solidFill>
@@ -2156,7 +2161,7 @@
             </a:ln>
             <a:extLst>
               <a:ext uri="{91240B29-F687-4f45-9708-019B960494DF}">
-                <a14:hiddenLine xmlns:a14="http://schemas.microsoft.com/office/drawing/2010/main" xmlns="" w="9525">
+                <a14:hiddenLine xmlns="" xmlns:a14="http://schemas.microsoft.com/office/drawing/2010/main" w="9525">
                   <a:solidFill>
                     <a:srgbClr val="000000"/>
                   </a:solidFill>
@@ -2224,7 +2229,7 @@
             </a:ln>
             <a:extLst>
               <a:ext uri="{91240B29-F687-4f45-9708-019B960494DF}">
-                <a14:hiddenLine xmlns:a14="http://schemas.microsoft.com/office/drawing/2010/main" xmlns="" w="9525">
+                <a14:hiddenLine xmlns="" xmlns:a14="http://schemas.microsoft.com/office/drawing/2010/main" w="9525">
                   <a:solidFill>
                     <a:srgbClr val="000000"/>
                   </a:solidFill>
@@ -2314,7 +2319,7 @@
             </a:ln>
             <a:extLst>
               <a:ext uri="{91240B29-F687-4f45-9708-019B960494DF}">
-                <a14:hiddenLine xmlns:a14="http://schemas.microsoft.com/office/drawing/2010/main" xmlns="" w="9525">
+                <a14:hiddenLine xmlns="" xmlns:a14="http://schemas.microsoft.com/office/drawing/2010/main" w="9525">
                   <a:solidFill>
                     <a:srgbClr val="000000"/>
                   </a:solidFill>
@@ -2348,7 +2353,7 @@
             </a:ln>
             <a:extLst>
               <a:ext uri="{91240B29-F687-4f45-9708-019B960494DF}">
-                <a14:hiddenLine xmlns:a14="http://schemas.microsoft.com/office/drawing/2010/main" xmlns="" w="9525">
+                <a14:hiddenLine xmlns="" xmlns:a14="http://schemas.microsoft.com/office/drawing/2010/main" w="9525">
                   <a:solidFill>
                     <a:srgbClr val="000000"/>
                   </a:solidFill>
@@ -2438,7 +2443,7 @@
             </a:ln>
             <a:extLst>
               <a:ext uri="{91240B29-F687-4f45-9708-019B960494DF}">
-                <a14:hiddenLine xmlns:a14="http://schemas.microsoft.com/office/drawing/2010/main" xmlns="" w="9525">
+                <a14:hiddenLine xmlns="" xmlns:a14="http://schemas.microsoft.com/office/drawing/2010/main" w="9525">
                   <a:solidFill>
                     <a:srgbClr val="000000"/>
                   </a:solidFill>
@@ -2500,7 +2505,7 @@
             </a:ln>
             <a:extLst>
               <a:ext uri="{91240B29-F687-4f45-9708-019B960494DF}">
-                <a14:hiddenLine xmlns:a14="http://schemas.microsoft.com/office/drawing/2010/main" xmlns="" w="9525">
+                <a14:hiddenLine xmlns="" xmlns:a14="http://schemas.microsoft.com/office/drawing/2010/main" w="9525">
                   <a:solidFill>
                     <a:srgbClr val="000000"/>
                   </a:solidFill>
@@ -2562,7 +2567,7 @@
             </a:ln>
             <a:extLst>
               <a:ext uri="{91240B29-F687-4f45-9708-019B960494DF}">
-                <a14:hiddenLine xmlns:a14="http://schemas.microsoft.com/office/drawing/2010/main" xmlns="" w="9525">
+                <a14:hiddenLine xmlns="" xmlns:a14="http://schemas.microsoft.com/office/drawing/2010/main" w="9525">
                   <a:solidFill>
                     <a:srgbClr val="000000"/>
                   </a:solidFill>
@@ -2652,7 +2657,7 @@
             </a:ln>
             <a:extLst>
               <a:ext uri="{91240B29-F687-4f45-9708-019B960494DF}">
-                <a14:hiddenLine xmlns:a14="http://schemas.microsoft.com/office/drawing/2010/main" xmlns="" w="9525">
+                <a14:hiddenLine xmlns="" xmlns:a14="http://schemas.microsoft.com/office/drawing/2010/main" w="9525">
                   <a:solidFill>
                     <a:srgbClr val="000000"/>
                   </a:solidFill>
@@ -2720,7 +2725,7 @@
             </a:ln>
             <a:extLst>
               <a:ext uri="{91240B29-F687-4f45-9708-019B960494DF}">
-                <a14:hiddenLine xmlns:a14="http://schemas.microsoft.com/office/drawing/2010/main" xmlns="" w="9525">
+                <a14:hiddenLine xmlns="" xmlns:a14="http://schemas.microsoft.com/office/drawing/2010/main" w="9525">
                   <a:solidFill>
                     <a:srgbClr val="000000"/>
                   </a:solidFill>
@@ -2782,7 +2787,7 @@
             </a:ln>
             <a:extLst>
               <a:ext uri="{91240B29-F687-4f45-9708-019B960494DF}">
-                <a14:hiddenLine xmlns:a14="http://schemas.microsoft.com/office/drawing/2010/main" xmlns="" w="9525">
+                <a14:hiddenLine xmlns="" xmlns:a14="http://schemas.microsoft.com/office/drawing/2010/main" w="9525">
                   <a:solidFill>
                     <a:srgbClr val="000000"/>
                   </a:solidFill>
@@ -2872,7 +2877,7 @@
             </a:ln>
             <a:extLst>
               <a:ext uri="{91240B29-F687-4f45-9708-019B960494DF}">
-                <a14:hiddenLine xmlns:a14="http://schemas.microsoft.com/office/drawing/2010/main" xmlns="" w="9525">
+                <a14:hiddenLine xmlns="" xmlns:a14="http://schemas.microsoft.com/office/drawing/2010/main" w="9525">
                   <a:solidFill>
                     <a:srgbClr val="000000"/>
                   </a:solidFill>
@@ -2934,7 +2939,7 @@
             </a:ln>
             <a:extLst>
               <a:ext uri="{91240B29-F687-4f45-9708-019B960494DF}">
-                <a14:hiddenLine xmlns:a14="http://schemas.microsoft.com/office/drawing/2010/main" xmlns="" w="9525">
+                <a14:hiddenLine xmlns="" xmlns:a14="http://schemas.microsoft.com/office/drawing/2010/main" w="9525">
                   <a:solidFill>
                     <a:srgbClr val="000000"/>
                   </a:solidFill>
@@ -3024,7 +3029,7 @@
             </a:ln>
             <a:extLst>
               <a:ext uri="{91240B29-F687-4f45-9708-019B960494DF}">
-                <a14:hiddenLine xmlns:a14="http://schemas.microsoft.com/office/drawing/2010/main" xmlns="" w="9525">
+                <a14:hiddenLine xmlns="" xmlns:a14="http://schemas.microsoft.com/office/drawing/2010/main" w="9525">
                   <a:solidFill>
                     <a:srgbClr val="000000"/>
                   </a:solidFill>
@@ -3086,7 +3091,7 @@
             </a:ln>
             <a:extLst>
               <a:ext uri="{91240B29-F687-4f45-9708-019B960494DF}">
-                <a14:hiddenLine xmlns:a14="http://schemas.microsoft.com/office/drawing/2010/main" xmlns="" w="9525">
+                <a14:hiddenLine xmlns="" xmlns:a14="http://schemas.microsoft.com/office/drawing/2010/main" w="9525">
                   <a:solidFill>
                     <a:srgbClr val="000000"/>
                   </a:solidFill>
@@ -3176,7 +3181,7 @@
             </a:ln>
             <a:extLst>
               <a:ext uri="{91240B29-F687-4f45-9708-019B960494DF}">
-                <a14:hiddenLine xmlns:a14="http://schemas.microsoft.com/office/drawing/2010/main" xmlns="" w="9525">
+                <a14:hiddenLine xmlns="" xmlns:a14="http://schemas.microsoft.com/office/drawing/2010/main" w="9525">
                   <a:solidFill>
                     <a:srgbClr val="000000"/>
                   </a:solidFill>
@@ -3210,7 +3215,7 @@
             </a:ln>
             <a:extLst>
               <a:ext uri="{91240B29-F687-4f45-9708-019B960494DF}">
-                <a14:hiddenLine xmlns:a14="http://schemas.microsoft.com/office/drawing/2010/main" xmlns="" w="9525">
+                <a14:hiddenLine xmlns="" xmlns:a14="http://schemas.microsoft.com/office/drawing/2010/main" w="9525">
                   <a:solidFill>
                     <a:srgbClr val="000000"/>
                   </a:solidFill>
@@ -3275,7 +3280,7 @@
             </a:ln>
             <a:extLst>
               <a:ext uri="{91240B29-F687-4f45-9708-019B960494DF}">
-                <a14:hiddenLine xmlns:a14="http://schemas.microsoft.com/office/drawing/2010/main" xmlns="" w="9525">
+                <a14:hiddenLine xmlns="" xmlns:a14="http://schemas.microsoft.com/office/drawing/2010/main" w="9525">
                   <a:solidFill>
                     <a:srgbClr val="000000"/>
                   </a:solidFill>
@@ -3365,7 +3370,7 @@
             </a:ln>
             <a:extLst>
               <a:ext uri="{91240B29-F687-4f45-9708-019B960494DF}">
-                <a14:hiddenLine xmlns:a14="http://schemas.microsoft.com/office/drawing/2010/main" xmlns="" w="9525">
+                <a14:hiddenLine xmlns="" xmlns:a14="http://schemas.microsoft.com/office/drawing/2010/main" w="9525">
                   <a:solidFill>
                     <a:srgbClr val="000000"/>
                   </a:solidFill>
@@ -3427,7 +3432,7 @@
             </a:ln>
             <a:extLst>
               <a:ext uri="{91240B29-F687-4f45-9708-019B960494DF}">
-                <a14:hiddenLine xmlns:a14="http://schemas.microsoft.com/office/drawing/2010/main" xmlns="" w="9525">
+                <a14:hiddenLine xmlns="" xmlns:a14="http://schemas.microsoft.com/office/drawing/2010/main" w="9525">
                   <a:solidFill>
                     <a:srgbClr val="000000"/>
                   </a:solidFill>
@@ -3517,7 +3522,7 @@
             </a:ln>
             <a:extLst>
               <a:ext uri="{91240B29-F687-4f45-9708-019B960494DF}">
-                <a14:hiddenLine xmlns:a14="http://schemas.microsoft.com/office/drawing/2010/main" xmlns="" w="9525">
+                <a14:hiddenLine xmlns="" xmlns:a14="http://schemas.microsoft.com/office/drawing/2010/main" w="9525">
                   <a:solidFill>
                     <a:srgbClr val="000000"/>
                   </a:solidFill>
@@ -3607,7 +3612,7 @@
             </a:ln>
             <a:extLst>
               <a:ext uri="{91240B29-F687-4f45-9708-019B960494DF}">
-                <a14:hiddenLine xmlns:a14="http://schemas.microsoft.com/office/drawing/2010/main" xmlns="" w="9525">
+                <a14:hiddenLine xmlns="" xmlns:a14="http://schemas.microsoft.com/office/drawing/2010/main" w="9525">
                   <a:solidFill>
                     <a:srgbClr val="000000"/>
                   </a:solidFill>
@@ -3672,7 +3677,7 @@
             </a:ln>
             <a:extLst>
               <a:ext uri="{91240B29-F687-4f45-9708-019B960494DF}">
-                <a14:hiddenLine xmlns:a14="http://schemas.microsoft.com/office/drawing/2010/main" xmlns="" w="9525">
+                <a14:hiddenLine xmlns="" xmlns:a14="http://schemas.microsoft.com/office/drawing/2010/main" w="9525">
                   <a:solidFill>
                     <a:srgbClr val="000000"/>
                   </a:solidFill>
@@ -3734,7 +3739,7 @@
             </a:ln>
             <a:extLst>
               <a:ext uri="{91240B29-F687-4f45-9708-019B960494DF}">
-                <a14:hiddenLine xmlns:a14="http://schemas.microsoft.com/office/drawing/2010/main" xmlns="" w="9525">
+                <a14:hiddenLine xmlns="" xmlns:a14="http://schemas.microsoft.com/office/drawing/2010/main" w="9525">
                   <a:solidFill>
                     <a:srgbClr val="000000"/>
                   </a:solidFill>
@@ -3824,7 +3829,7 @@
             </a:ln>
             <a:extLst>
               <a:ext uri="{91240B29-F687-4f45-9708-019B960494DF}">
-                <a14:hiddenLine xmlns:a14="http://schemas.microsoft.com/office/drawing/2010/main" xmlns="" w="9525">
+                <a14:hiddenLine xmlns="" xmlns:a14="http://schemas.microsoft.com/office/drawing/2010/main" w="9525">
                   <a:solidFill>
                     <a:srgbClr val="000000"/>
                   </a:solidFill>
@@ -3914,7 +3919,7 @@
             </a:ln>
             <a:extLst>
               <a:ext uri="{91240B29-F687-4f45-9708-019B960494DF}">
-                <a14:hiddenLine xmlns:a14="http://schemas.microsoft.com/office/drawing/2010/main" xmlns="" w="9525">
+                <a14:hiddenLine xmlns="" xmlns:a14="http://schemas.microsoft.com/office/drawing/2010/main" w="9525">
                   <a:solidFill>
                     <a:srgbClr val="000000"/>
                   </a:solidFill>
@@ -3976,7 +3981,7 @@
             </a:ln>
             <a:extLst>
               <a:ext uri="{91240B29-F687-4f45-9708-019B960494DF}">
-                <a14:hiddenLine xmlns:a14="http://schemas.microsoft.com/office/drawing/2010/main" xmlns="" w="9525">
+                <a14:hiddenLine xmlns="" xmlns:a14="http://schemas.microsoft.com/office/drawing/2010/main" w="9525">
                   <a:solidFill>
                     <a:srgbClr val="000000"/>
                   </a:solidFill>
@@ -4096,7 +4101,7 @@
             </a:ln>
             <a:extLst>
               <a:ext uri="{91240B29-F687-4f45-9708-019B960494DF}">
-                <a14:hiddenLine xmlns:a14="http://schemas.microsoft.com/office/drawing/2010/main" xmlns="" w="9525">
+                <a14:hiddenLine xmlns="" xmlns:a14="http://schemas.microsoft.com/office/drawing/2010/main" w="9525">
                   <a:solidFill>
                     <a:srgbClr val="000000"/>
                   </a:solidFill>
@@ -4164,7 +4169,7 @@
             </a:ln>
             <a:extLst>
               <a:ext uri="{91240B29-F687-4f45-9708-019B960494DF}">
-                <a14:hiddenLine xmlns:a14="http://schemas.microsoft.com/office/drawing/2010/main" xmlns="" w="9525">
+                <a14:hiddenLine xmlns="" xmlns:a14="http://schemas.microsoft.com/office/drawing/2010/main" w="9525">
                   <a:solidFill>
                     <a:srgbClr val="000000"/>
                   </a:solidFill>
@@ -4254,7 +4259,7 @@
             </a:ln>
             <a:extLst>
               <a:ext uri="{91240B29-F687-4f45-9708-019B960494DF}">
-                <a14:hiddenLine xmlns:a14="http://schemas.microsoft.com/office/drawing/2010/main" xmlns="" w="9525">
+                <a14:hiddenLine xmlns="" xmlns:a14="http://schemas.microsoft.com/office/drawing/2010/main" w="9525">
                   <a:solidFill>
                     <a:srgbClr val="000000"/>
                   </a:solidFill>
@@ -4394,7 +4399,7 @@
           <a:p>
             <a:fld id="{48A87A34-81AB-432B-8DAE-1953F412C126}" type="datetimeFigureOut">
               <a:rPr lang="en-US" dirty="0"/>
-              <a:t>11/5/2015</a:t>
+              <a:t>11/11/2015</a:t>
             </a:fld>
             <a:endParaRPr lang="en-US" dirty="0"/>
           </a:p>
@@ -4656,7 +4661,7 @@
           <a:p>
             <a:fld id="{48A87A34-81AB-432B-8DAE-1953F412C126}" type="datetimeFigureOut">
               <a:rPr lang="en-US" dirty="0"/>
-              <a:t>11/5/2015</a:t>
+              <a:t>11/11/2015</a:t>
             </a:fld>
             <a:endParaRPr lang="en-US" dirty="0"/>
           </a:p>
@@ -4847,7 +4852,7 @@
           <a:p>
             <a:fld id="{48A87A34-81AB-432B-8DAE-1953F412C126}" type="datetimeFigureOut">
               <a:rPr lang="en-US" dirty="0"/>
-              <a:t>11/5/2015</a:t>
+              <a:t>11/11/2015</a:t>
             </a:fld>
             <a:endParaRPr lang="en-US" dirty="0"/>
           </a:p>
@@ -5105,7 +5110,7 @@
           <a:p>
             <a:fld id="{48A87A34-81AB-432B-8DAE-1953F412C126}" type="datetimeFigureOut">
               <a:rPr lang="en-US" dirty="0"/>
-              <a:t>11/5/2015</a:t>
+              <a:t>11/11/2015</a:t>
             </a:fld>
             <a:endParaRPr lang="en-US" dirty="0"/>
           </a:p>
@@ -5534,7 +5539,7 @@
           <a:p>
             <a:fld id="{48A87A34-81AB-432B-8DAE-1953F412C126}" type="datetimeFigureOut">
               <a:rPr lang="en-US" dirty="0"/>
-              <a:t>11/5/2015</a:t>
+              <a:t>11/11/2015</a:t>
             </a:fld>
             <a:endParaRPr lang="en-US" dirty="0"/>
           </a:p>
@@ -6075,7 +6080,7 @@
           <a:p>
             <a:fld id="{48A87A34-81AB-432B-8DAE-1953F412C126}" type="datetimeFigureOut">
               <a:rPr lang="en-US" dirty="0"/>
-              <a:t>11/5/2015</a:t>
+              <a:t>11/11/2015</a:t>
             </a:fld>
             <a:endParaRPr lang="en-US" dirty="0"/>
           </a:p>
@@ -6790,7 +6795,7 @@
           <a:p>
             <a:fld id="{48A87A34-81AB-432B-8DAE-1953F412C126}" type="datetimeFigureOut">
               <a:rPr lang="en-US" dirty="0"/>
-              <a:t>11/5/2015</a:t>
+              <a:t>11/11/2015</a:t>
             </a:fld>
             <a:endParaRPr lang="en-US" dirty="0"/>
           </a:p>
@@ -6987,7 +6992,7 @@
           <a:p>
             <a:fld id="{48A87A34-81AB-432B-8DAE-1953F412C126}" type="datetimeFigureOut">
               <a:rPr lang="en-US" dirty="0"/>
-              <a:t>11/5/2015</a:t>
+              <a:t>11/11/2015</a:t>
             </a:fld>
             <a:endParaRPr lang="en-US" dirty="0"/>
           </a:p>
@@ -7194,7 +7199,7 @@
           <a:p>
             <a:fld id="{48A87A34-81AB-432B-8DAE-1953F412C126}" type="datetimeFigureOut">
               <a:rPr lang="en-US" dirty="0"/>
-              <a:t>11/5/2015</a:t>
+              <a:t>11/11/2015</a:t>
             </a:fld>
             <a:endParaRPr lang="en-US" dirty="0"/>
           </a:p>
@@ -7391,7 +7396,7 @@
           <a:p>
             <a:fld id="{48A87A34-81AB-432B-8DAE-1953F412C126}" type="datetimeFigureOut">
               <a:rPr lang="en-US" dirty="0"/>
-              <a:t>11/5/2015</a:t>
+              <a:t>11/11/2015</a:t>
             </a:fld>
             <a:endParaRPr lang="en-US" dirty="0"/>
           </a:p>
@@ -7636,7 +7641,7 @@
           <a:p>
             <a:fld id="{48A87A34-81AB-432B-8DAE-1953F412C126}" type="datetimeFigureOut">
               <a:rPr lang="en-US" dirty="0"/>
-              <a:t>11/5/2015</a:t>
+              <a:t>11/11/2015</a:t>
             </a:fld>
             <a:endParaRPr lang="en-US" dirty="0"/>
           </a:p>
@@ -7927,7 +7932,7 @@
           <a:p>
             <a:fld id="{48A87A34-81AB-432B-8DAE-1953F412C126}" type="datetimeFigureOut">
               <a:rPr lang="en-US" dirty="0"/>
-              <a:t>11/5/2015</a:t>
+              <a:t>11/11/2015</a:t>
             </a:fld>
             <a:endParaRPr lang="en-US" dirty="0"/>
           </a:p>
@@ -8367,7 +8372,7 @@
           <a:p>
             <a:fld id="{48A87A34-81AB-432B-8DAE-1953F412C126}" type="datetimeFigureOut">
               <a:rPr lang="en-US" dirty="0"/>
-              <a:t>11/5/2015</a:t>
+              <a:t>11/11/2015</a:t>
             </a:fld>
             <a:endParaRPr lang="en-US" dirty="0"/>
           </a:p>
@@ -8480,7 +8485,7 @@
           <a:p>
             <a:fld id="{48A87A34-81AB-432B-8DAE-1953F412C126}" type="datetimeFigureOut">
               <a:rPr lang="en-US" dirty="0"/>
-              <a:t>11/5/2015</a:t>
+              <a:t>11/11/2015</a:t>
             </a:fld>
             <a:endParaRPr lang="en-US" dirty="0"/>
           </a:p>
@@ -8570,7 +8575,7 @@
           <a:p>
             <a:fld id="{48A87A34-81AB-432B-8DAE-1953F412C126}" type="datetimeFigureOut">
               <a:rPr lang="en-US" dirty="0"/>
-              <a:t>11/5/2015</a:t>
+              <a:t>11/11/2015</a:t>
             </a:fld>
             <a:endParaRPr lang="en-US" dirty="0"/>
           </a:p>
@@ -8846,7 +8851,7 @@
           <a:p>
             <a:fld id="{48A87A34-81AB-432B-8DAE-1953F412C126}" type="datetimeFigureOut">
               <a:rPr lang="en-US" dirty="0"/>
-              <a:t>11/5/2015</a:t>
+              <a:t>11/11/2015</a:t>
             </a:fld>
             <a:endParaRPr lang="en-US" dirty="0"/>
           </a:p>
@@ -9121,7 +9126,7 @@
           <a:p>
             <a:fld id="{48A87A34-81AB-432B-8DAE-1953F412C126}" type="datetimeFigureOut">
               <a:rPr lang="en-US" dirty="0"/>
-              <a:t>11/5/2015</a:t>
+              <a:t>11/11/2015</a:t>
             </a:fld>
             <a:endParaRPr lang="en-US" dirty="0"/>
           </a:p>
@@ -9232,7 +9237,7 @@
           <a:noFill/>
           <a:extLst>
             <a:ext uri="{909E8E84-426E-40dd-AFC4-6F175D3DCCD1}">
-              <a14:hiddenFill xmlns:a14="http://schemas.microsoft.com/office/drawing/2010/main" xmlns="">
+              <a14:hiddenFill xmlns="" xmlns:a14="http://schemas.microsoft.com/office/drawing/2010/main">
                 <a:solidFill>
                   <a:srgbClr val="FFFFFF"/>
                 </a:solidFill>
@@ -9306,7 +9311,7 @@
               </a:ln>
               <a:extLst>
                 <a:ext uri="{91240B29-F687-4f45-9708-019B960494DF}">
-                  <a14:hiddenLine xmlns:a14="http://schemas.microsoft.com/office/drawing/2010/main" xmlns="" w="9525">
+                  <a14:hiddenLine xmlns="" xmlns:a14="http://schemas.microsoft.com/office/drawing/2010/main" w="9525">
                     <a:solidFill>
                       <a:srgbClr val="000000"/>
                     </a:solidFill>
@@ -9396,7 +9401,7 @@
               </a:ln>
               <a:extLst>
                 <a:ext uri="{91240B29-F687-4f45-9708-019B960494DF}">
-                  <a14:hiddenLine xmlns:a14="http://schemas.microsoft.com/office/drawing/2010/main" xmlns="" w="9525">
+                  <a14:hiddenLine xmlns="" xmlns:a14="http://schemas.microsoft.com/office/drawing/2010/main" w="9525">
                     <a:solidFill>
                       <a:srgbClr val="000000"/>
                     </a:solidFill>
@@ -9486,7 +9491,7 @@
               </a:ln>
               <a:extLst>
                 <a:ext uri="{91240B29-F687-4f45-9708-019B960494DF}">
-                  <a14:hiddenLine xmlns:a14="http://schemas.microsoft.com/office/drawing/2010/main" xmlns="" w="9525">
+                  <a14:hiddenLine xmlns="" xmlns:a14="http://schemas.microsoft.com/office/drawing/2010/main" w="9525">
                     <a:solidFill>
                       <a:srgbClr val="000000"/>
                     </a:solidFill>
@@ -9548,7 +9553,7 @@
               </a:ln>
               <a:extLst>
                 <a:ext uri="{91240B29-F687-4f45-9708-019B960494DF}">
-                  <a14:hiddenLine xmlns:a14="http://schemas.microsoft.com/office/drawing/2010/main" xmlns="" w="9525">
+                  <a14:hiddenLine xmlns="" xmlns:a14="http://schemas.microsoft.com/office/drawing/2010/main" w="9525">
                     <a:solidFill>
                       <a:srgbClr val="000000"/>
                     </a:solidFill>
@@ -9638,7 +9643,7 @@
               </a:ln>
               <a:extLst>
                 <a:ext uri="{91240B29-F687-4f45-9708-019B960494DF}">
-                  <a14:hiddenLine xmlns:a14="http://schemas.microsoft.com/office/drawing/2010/main" xmlns="" w="9525">
+                  <a14:hiddenLine xmlns="" xmlns:a14="http://schemas.microsoft.com/office/drawing/2010/main" w="9525">
                     <a:solidFill>
                       <a:srgbClr val="000000"/>
                     </a:solidFill>
@@ -9700,7 +9705,7 @@
               </a:ln>
               <a:extLst>
                 <a:ext uri="{91240B29-F687-4f45-9708-019B960494DF}">
-                  <a14:hiddenLine xmlns:a14="http://schemas.microsoft.com/office/drawing/2010/main" xmlns="" w="9525">
+                  <a14:hiddenLine xmlns="" xmlns:a14="http://schemas.microsoft.com/office/drawing/2010/main" w="9525">
                     <a:solidFill>
                       <a:srgbClr val="000000"/>
                     </a:solidFill>
@@ -9762,7 +9767,7 @@
               </a:ln>
               <a:extLst>
                 <a:ext uri="{91240B29-F687-4f45-9708-019B960494DF}">
-                  <a14:hiddenLine xmlns:a14="http://schemas.microsoft.com/office/drawing/2010/main" xmlns="" w="9525">
+                  <a14:hiddenLine xmlns="" xmlns:a14="http://schemas.microsoft.com/office/drawing/2010/main" w="9525">
                     <a:solidFill>
                       <a:srgbClr val="000000"/>
                     </a:solidFill>
@@ -9852,7 +9857,7 @@
               </a:ln>
               <a:extLst>
                 <a:ext uri="{91240B29-F687-4f45-9708-019B960494DF}">
-                  <a14:hiddenLine xmlns:a14="http://schemas.microsoft.com/office/drawing/2010/main" xmlns="" w="9525">
+                  <a14:hiddenLine xmlns="" xmlns:a14="http://schemas.microsoft.com/office/drawing/2010/main" w="9525">
                     <a:solidFill>
                       <a:srgbClr val="000000"/>
                     </a:solidFill>
@@ -9942,7 +9947,7 @@
               </a:ln>
               <a:extLst>
                 <a:ext uri="{91240B29-F687-4f45-9708-019B960494DF}">
-                  <a14:hiddenLine xmlns:a14="http://schemas.microsoft.com/office/drawing/2010/main" xmlns="" w="9525">
+                  <a14:hiddenLine xmlns="" xmlns:a14="http://schemas.microsoft.com/office/drawing/2010/main" w="9525">
                     <a:solidFill>
                       <a:srgbClr val="000000"/>
                     </a:solidFill>
@@ -10004,7 +10009,7 @@
               </a:ln>
               <a:extLst>
                 <a:ext uri="{91240B29-F687-4f45-9708-019B960494DF}">
-                  <a14:hiddenLine xmlns:a14="http://schemas.microsoft.com/office/drawing/2010/main" xmlns="" w="9525">
+                  <a14:hiddenLine xmlns="" xmlns:a14="http://schemas.microsoft.com/office/drawing/2010/main" w="9525">
                     <a:solidFill>
                       <a:srgbClr val="000000"/>
                     </a:solidFill>
@@ -10114,7 +10119,7 @@
               </a:ln>
               <a:extLst>
                 <a:ext uri="{91240B29-F687-4f45-9708-019B960494DF}">
-                  <a14:hiddenLine xmlns:a14="http://schemas.microsoft.com/office/drawing/2010/main" xmlns="" w="9525">
+                  <a14:hiddenLine xmlns="" xmlns:a14="http://schemas.microsoft.com/office/drawing/2010/main" w="9525">
                     <a:solidFill>
                       <a:srgbClr val="000000"/>
                     </a:solidFill>
@@ -10198,7 +10203,7 @@
               </a:ln>
               <a:extLst>
                 <a:ext uri="{91240B29-F687-4f45-9708-019B960494DF}">
-                  <a14:hiddenLine xmlns:a14="http://schemas.microsoft.com/office/drawing/2010/main" xmlns="" w="9525">
+                  <a14:hiddenLine xmlns="" xmlns:a14="http://schemas.microsoft.com/office/drawing/2010/main" w="9525">
                     <a:solidFill>
                       <a:srgbClr val="000000"/>
                     </a:solidFill>
@@ -10260,7 +10265,7 @@
               </a:ln>
               <a:extLst>
                 <a:ext uri="{91240B29-F687-4f45-9708-019B960494DF}">
-                  <a14:hiddenLine xmlns:a14="http://schemas.microsoft.com/office/drawing/2010/main" xmlns="" w="9525">
+                  <a14:hiddenLine xmlns="" xmlns:a14="http://schemas.microsoft.com/office/drawing/2010/main" w="9525">
                     <a:solidFill>
                       <a:srgbClr val="000000"/>
                     </a:solidFill>
@@ -10322,7 +10327,7 @@
               </a:ln>
               <a:extLst>
                 <a:ext uri="{91240B29-F687-4f45-9708-019B960494DF}">
-                  <a14:hiddenLine xmlns:a14="http://schemas.microsoft.com/office/drawing/2010/main" xmlns="" w="9525">
+                  <a14:hiddenLine xmlns="" xmlns:a14="http://schemas.microsoft.com/office/drawing/2010/main" w="9525">
                     <a:solidFill>
                       <a:srgbClr val="000000"/>
                     </a:solidFill>
@@ -10412,7 +10417,7 @@
               </a:ln>
               <a:extLst>
                 <a:ext uri="{91240B29-F687-4f45-9708-019B960494DF}">
-                  <a14:hiddenLine xmlns:a14="http://schemas.microsoft.com/office/drawing/2010/main" xmlns="" w="9525">
+                  <a14:hiddenLine xmlns="" xmlns:a14="http://schemas.microsoft.com/office/drawing/2010/main" w="9525">
                     <a:solidFill>
                       <a:srgbClr val="000000"/>
                     </a:solidFill>
@@ -10446,7 +10451,7 @@
               </a:ln>
               <a:extLst>
                 <a:ext uri="{91240B29-F687-4f45-9708-019B960494DF}">
-                  <a14:hiddenLine xmlns:a14="http://schemas.microsoft.com/office/drawing/2010/main" xmlns="" w="9525">
+                  <a14:hiddenLine xmlns="" xmlns:a14="http://schemas.microsoft.com/office/drawing/2010/main" w="9525">
                     <a:solidFill>
                       <a:srgbClr val="000000"/>
                     </a:solidFill>
@@ -10511,7 +10516,7 @@
               </a:ln>
               <a:extLst>
                 <a:ext uri="{91240B29-F687-4f45-9708-019B960494DF}">
-                  <a14:hiddenLine xmlns:a14="http://schemas.microsoft.com/office/drawing/2010/main" xmlns="" w="9525">
+                  <a14:hiddenLine xmlns="" xmlns:a14="http://schemas.microsoft.com/office/drawing/2010/main" w="9525">
                     <a:solidFill>
                       <a:srgbClr val="000000"/>
                     </a:solidFill>
@@ -10601,7 +10606,7 @@
               </a:ln>
               <a:extLst>
                 <a:ext uri="{91240B29-F687-4f45-9708-019B960494DF}">
-                  <a14:hiddenLine xmlns:a14="http://schemas.microsoft.com/office/drawing/2010/main" xmlns="" w="9525">
+                  <a14:hiddenLine xmlns="" xmlns:a14="http://schemas.microsoft.com/office/drawing/2010/main" w="9525">
                     <a:solidFill>
                       <a:srgbClr val="000000"/>
                     </a:solidFill>
@@ -10663,7 +10668,7 @@
               </a:ln>
               <a:extLst>
                 <a:ext uri="{91240B29-F687-4f45-9708-019B960494DF}">
-                  <a14:hiddenLine xmlns:a14="http://schemas.microsoft.com/office/drawing/2010/main" xmlns="" w="9525">
+                  <a14:hiddenLine xmlns="" xmlns:a14="http://schemas.microsoft.com/office/drawing/2010/main" w="9525">
                     <a:solidFill>
                       <a:srgbClr val="000000"/>
                     </a:solidFill>
@@ -10753,7 +10758,7 @@
               </a:ln>
               <a:extLst>
                 <a:ext uri="{91240B29-F687-4f45-9708-019B960494DF}">
-                  <a14:hiddenLine xmlns:a14="http://schemas.microsoft.com/office/drawing/2010/main" xmlns="" w="9525">
+                  <a14:hiddenLine xmlns="" xmlns:a14="http://schemas.microsoft.com/office/drawing/2010/main" w="9525">
                     <a:solidFill>
                       <a:srgbClr val="000000"/>
                     </a:solidFill>
@@ -10818,7 +10823,7 @@
               </a:ln>
               <a:extLst>
                 <a:ext uri="{91240B29-F687-4f45-9708-019B960494DF}">
-                  <a14:hiddenLine xmlns:a14="http://schemas.microsoft.com/office/drawing/2010/main" xmlns="" w="9525">
+                  <a14:hiddenLine xmlns="" xmlns:a14="http://schemas.microsoft.com/office/drawing/2010/main" w="9525">
                     <a:solidFill>
                       <a:srgbClr val="000000"/>
                     </a:solidFill>
@@ -10880,7 +10885,7 @@
               </a:ln>
               <a:extLst>
                 <a:ext uri="{91240B29-F687-4f45-9708-019B960494DF}">
-                  <a14:hiddenLine xmlns:a14="http://schemas.microsoft.com/office/drawing/2010/main" xmlns="" w="9525">
+                  <a14:hiddenLine xmlns="" xmlns:a14="http://schemas.microsoft.com/office/drawing/2010/main" w="9525">
                     <a:solidFill>
                       <a:srgbClr val="000000"/>
                     </a:solidFill>
@@ -10970,7 +10975,7 @@
               </a:ln>
               <a:extLst>
                 <a:ext uri="{91240B29-F687-4f45-9708-019B960494DF}">
-                  <a14:hiddenLine xmlns:a14="http://schemas.microsoft.com/office/drawing/2010/main" xmlns="" w="9525">
+                  <a14:hiddenLine xmlns="" xmlns:a14="http://schemas.microsoft.com/office/drawing/2010/main" w="9525">
                     <a:solidFill>
                       <a:srgbClr val="000000"/>
                     </a:solidFill>
@@ -11060,7 +11065,7 @@
               </a:ln>
               <a:extLst>
                 <a:ext uri="{91240B29-F687-4f45-9708-019B960494DF}">
-                  <a14:hiddenLine xmlns:a14="http://schemas.microsoft.com/office/drawing/2010/main" xmlns="" w="9525">
+                  <a14:hiddenLine xmlns="" xmlns:a14="http://schemas.microsoft.com/office/drawing/2010/main" w="9525">
                     <a:solidFill>
                       <a:srgbClr val="000000"/>
                     </a:solidFill>
@@ -11125,7 +11130,7 @@
               </a:ln>
               <a:extLst>
                 <a:ext uri="{91240B29-F687-4f45-9708-019B960494DF}">
-                  <a14:hiddenLine xmlns:a14="http://schemas.microsoft.com/office/drawing/2010/main" xmlns="" w="9525">
+                  <a14:hiddenLine xmlns="" xmlns:a14="http://schemas.microsoft.com/office/drawing/2010/main" w="9525">
                     <a:solidFill>
                       <a:srgbClr val="000000"/>
                     </a:solidFill>
@@ -11245,7 +11250,7 @@
               </a:ln>
               <a:extLst>
                 <a:ext uri="{91240B29-F687-4f45-9708-019B960494DF}">
-                  <a14:hiddenLine xmlns:a14="http://schemas.microsoft.com/office/drawing/2010/main" xmlns="" w="9525">
+                  <a14:hiddenLine xmlns="" xmlns:a14="http://schemas.microsoft.com/office/drawing/2010/main" w="9525">
                     <a:solidFill>
                       <a:srgbClr val="000000"/>
                     </a:solidFill>
@@ -11343,7 +11348,7 @@
               </a:ln>
               <a:extLst>
                 <a:ext uri="{91240B29-F687-4f45-9708-019B960494DF}">
-                  <a14:hiddenLine xmlns:a14="http://schemas.microsoft.com/office/drawing/2010/main" xmlns="" w="9525">
+                  <a14:hiddenLine xmlns="" xmlns:a14="http://schemas.microsoft.com/office/drawing/2010/main" w="9525">
                     <a:solidFill>
                       <a:srgbClr val="000000"/>
                     </a:solidFill>
@@ -11458,7 +11463,7 @@
               </a:ln>
               <a:extLst>
                 <a:ext uri="{91240B29-F687-4f45-9708-019B960494DF}">
-                  <a14:hiddenLine xmlns:a14="http://schemas.microsoft.com/office/drawing/2010/main" xmlns="" w="9525">
+                  <a14:hiddenLine xmlns="" xmlns:a14="http://schemas.microsoft.com/office/drawing/2010/main" w="9525">
                     <a:solidFill>
                       <a:srgbClr val="000000"/>
                     </a:solidFill>
@@ -11548,7 +11553,7 @@
               </a:ln>
               <a:extLst>
                 <a:ext uri="{91240B29-F687-4f45-9708-019B960494DF}">
-                  <a14:hiddenLine xmlns:a14="http://schemas.microsoft.com/office/drawing/2010/main" xmlns="" w="9525">
+                  <a14:hiddenLine xmlns="" xmlns:a14="http://schemas.microsoft.com/office/drawing/2010/main" w="9525">
                     <a:solidFill>
                       <a:srgbClr val="000000"/>
                     </a:solidFill>
@@ -11613,7 +11618,7 @@
               </a:ln>
               <a:extLst>
                 <a:ext uri="{91240B29-F687-4f45-9708-019B960494DF}">
-                  <a14:hiddenLine xmlns:a14="http://schemas.microsoft.com/office/drawing/2010/main" xmlns="" w="9525">
+                  <a14:hiddenLine xmlns="" xmlns:a14="http://schemas.microsoft.com/office/drawing/2010/main" w="9525">
                     <a:solidFill>
                       <a:srgbClr val="000000"/>
                     </a:solidFill>
@@ -11703,7 +11708,7 @@
               </a:ln>
               <a:extLst>
                 <a:ext uri="{91240B29-F687-4f45-9708-019B960494DF}">
-                  <a14:hiddenLine xmlns:a14="http://schemas.microsoft.com/office/drawing/2010/main" xmlns="" w="9525">
+                  <a14:hiddenLine xmlns="" xmlns:a14="http://schemas.microsoft.com/office/drawing/2010/main" w="9525">
                     <a:solidFill>
                       <a:srgbClr val="000000"/>
                     </a:solidFill>
@@ -11771,7 +11776,7 @@
               </a:ln>
               <a:extLst>
                 <a:ext uri="{91240B29-F687-4f45-9708-019B960494DF}">
-                  <a14:hiddenLine xmlns:a14="http://schemas.microsoft.com/office/drawing/2010/main" xmlns="" w="9525">
+                  <a14:hiddenLine xmlns="" xmlns:a14="http://schemas.microsoft.com/office/drawing/2010/main" w="9525">
                     <a:solidFill>
                       <a:srgbClr val="000000"/>
                     </a:solidFill>
@@ -11861,7 +11866,7 @@
               </a:ln>
               <a:extLst>
                 <a:ext uri="{91240B29-F687-4f45-9708-019B960494DF}">
-                  <a14:hiddenLine xmlns:a14="http://schemas.microsoft.com/office/drawing/2010/main" xmlns="" w="9525">
+                  <a14:hiddenLine xmlns="" xmlns:a14="http://schemas.microsoft.com/office/drawing/2010/main" w="9525">
                     <a:solidFill>
                       <a:srgbClr val="000000"/>
                     </a:solidFill>
@@ -11929,7 +11934,7 @@
               </a:ln>
               <a:extLst>
                 <a:ext uri="{91240B29-F687-4f45-9708-019B960494DF}">
-                  <a14:hiddenLine xmlns:a14="http://schemas.microsoft.com/office/drawing/2010/main" xmlns="" w="9525">
+                  <a14:hiddenLine xmlns="" xmlns:a14="http://schemas.microsoft.com/office/drawing/2010/main" w="9525">
                     <a:solidFill>
                       <a:srgbClr val="000000"/>
                     </a:solidFill>
@@ -12019,7 +12024,7 @@
               </a:ln>
               <a:extLst>
                 <a:ext uri="{91240B29-F687-4f45-9708-019B960494DF}">
-                  <a14:hiddenLine xmlns:a14="http://schemas.microsoft.com/office/drawing/2010/main" xmlns="" w="9525">
+                  <a14:hiddenLine xmlns="" xmlns:a14="http://schemas.microsoft.com/office/drawing/2010/main" w="9525">
                     <a:solidFill>
                       <a:srgbClr val="000000"/>
                     </a:solidFill>
@@ -12053,7 +12058,7 @@
               </a:ln>
               <a:extLst>
                 <a:ext uri="{91240B29-F687-4f45-9708-019B960494DF}">
-                  <a14:hiddenLine xmlns:a14="http://schemas.microsoft.com/office/drawing/2010/main" xmlns="" w="9525">
+                  <a14:hiddenLine xmlns="" xmlns:a14="http://schemas.microsoft.com/office/drawing/2010/main" w="9525">
                     <a:solidFill>
                       <a:srgbClr val="000000"/>
                     </a:solidFill>
@@ -12226,7 +12231,7 @@
             <a:fld id="{48A87A34-81AB-432B-8DAE-1953F412C126}" type="datetimeFigureOut">
               <a:rPr lang="en-US" dirty="0"/>
               <a:pPr/>
-              <a:t>11/5/2015</a:t>
+              <a:t>11/11/2015</a:t>
             </a:fld>
             <a:endParaRPr lang="en-US" dirty="0"/>
           </a:p>
@@ -12650,8 +12655,8 @@
         </p:nvSpPr>
         <p:spPr>
           <a:xfrm>
-            <a:off x="3407604" y="1589650"/>
-            <a:ext cx="5376793" cy="1107996"/>
+            <a:off x="4706838" y="1589650"/>
+            <a:ext cx="2778325" cy="1107996"/>
           </a:xfrm>
           <a:prstGeom prst="rect">
             <a:avLst/>
@@ -12665,7 +12670,7 @@
           <a:lstStyle/>
           <a:p>
             <a:r>
-              <a:rPr kumimoji="1" lang="ja-JP" altLang="en-US" sz="6600" b="1" dirty="0" smtClean="0">
+              <a:rPr kumimoji="1" lang="en-US" altLang="ja-JP" sz="6600" b="1" dirty="0" smtClean="0">
                 <a:blipFill>
                   <a:blip r:embed="rId2"/>
                   <a:tile tx="0" ty="0" sx="100000" sy="100000" flip="none" algn="tl"/>
@@ -12677,8 +12682,28 @@
                     </a:srgbClr>
                   </a:outerShdw>
                 </a:effectLst>
+                <a:latin typeface="GungsuhChe" panose="02030609000101010101" pitchFamily="49" charset="-127"/>
+                <a:ea typeface="GungsuhChe" panose="02030609000101010101" pitchFamily="49" charset="-127"/>
               </a:rPr>
-              <a:t>ゲームタイトル</a:t>
+              <a:t>Riddl</a:t>
+            </a:r>
+            <a:r>
+              <a:rPr kumimoji="1" lang="en-US" altLang="ja-JP" sz="6600" b="1" dirty="0">
+                <a:blipFill>
+                  <a:blip r:embed="rId2"/>
+                  <a:tile tx="0" ty="0" sx="100000" sy="100000" flip="none" algn="tl"/>
+                </a:blipFill>
+                <a:effectLst>
+                  <a:outerShdw blurRad="38100" dist="38100" dir="2700000" algn="tl">
+                    <a:srgbClr val="000000">
+                      <a:alpha val="43137"/>
+                    </a:srgbClr>
+                  </a:outerShdw>
+                </a:effectLst>
+                <a:latin typeface="GungsuhChe" panose="02030609000101010101" pitchFamily="49" charset="-127"/>
+                <a:ea typeface="GungsuhChe" panose="02030609000101010101" pitchFamily="49" charset="-127"/>
+              </a:rPr>
+              <a:t>e</a:t>
             </a:r>
             <a:endParaRPr kumimoji="1" lang="ja-JP" altLang="en-US" sz="6600" b="1" dirty="0">
               <a:blipFill>
@@ -12692,6 +12717,8 @@
                   </a:srgbClr>
                 </a:outerShdw>
               </a:effectLst>
+              <a:latin typeface="GungsuhChe" panose="02030609000101010101" pitchFamily="49" charset="-127"/>
+              <a:ea typeface="GungsuhChe" panose="02030609000101010101" pitchFamily="49" charset="-127"/>
             </a:endParaRPr>
           </a:p>
         </p:txBody>
@@ -12823,14 +12850,20 @@
             <a:r>
               <a:rPr kumimoji="1" lang="en-US" altLang="ja-JP" sz="2400" b="1" dirty="0" smtClean="0">
                 <a:solidFill>
-                  <a:srgbClr val="FF66FF"/>
+                  <a:schemeClr val="tx2">
+                    <a:lumMod val="40000"/>
+                    <a:lumOff val="60000"/>
+                  </a:schemeClr>
                 </a:solidFill>
               </a:rPr>
-              <a:t>team-SAKURA</a:t>
+              <a:t>Team-SAKURA</a:t>
             </a:r>
             <a:endParaRPr kumimoji="1" lang="ja-JP" altLang="en-US" sz="2400" b="1" dirty="0">
               <a:solidFill>
-                <a:srgbClr val="FF66FF"/>
+                <a:schemeClr val="tx2">
+                  <a:lumMod val="40000"/>
+                  <a:lumOff val="60000"/>
+                </a:schemeClr>
               </a:solidFill>
             </a:endParaRPr>
           </a:p>
@@ -12840,6 +12873,1815 @@
     <p:extLst>
       <p:ext uri="{BB962C8B-B14F-4D97-AF65-F5344CB8AC3E}">
         <p14:creationId xmlns:p14="http://schemas.microsoft.com/office/powerpoint/2010/main" val="267002740"/>
+      </p:ext>
+    </p:extLst>
+  </p:cSld>
+  <p:clrMapOvr>
+    <a:masterClrMapping/>
+  </p:clrMapOvr>
+  <p:timing>
+    <p:tnLst>
+      <p:par>
+        <p:cTn id="1" dur="indefinite" restart="never" nodeType="tmRoot"/>
+      </p:par>
+    </p:tnLst>
+  </p:timing>
+</p:sld>
+</file>
+
+<file path=ppt/slides/slide10.xml><?xml version="1.0" encoding="utf-8"?>
+<p:sld xmlns:a="http://schemas.openxmlformats.org/drawingml/2006/main" xmlns:r="http://schemas.openxmlformats.org/officeDocument/2006/relationships" xmlns:p="http://schemas.openxmlformats.org/presentationml/2006/main">
+  <p:cSld>
+    <p:spTree>
+      <p:nvGrpSpPr>
+        <p:cNvPr id="1" name=""/>
+        <p:cNvGrpSpPr/>
+        <p:nvPr/>
+      </p:nvGrpSpPr>
+      <p:grpSpPr>
+        <a:xfrm>
+          <a:off x="0" y="0"/>
+          <a:ext cx="0" cy="0"/>
+          <a:chOff x="0" y="0"/>
+          <a:chExt cx="0" cy="0"/>
+        </a:xfrm>
+      </p:grpSpPr>
+      <p:sp>
+        <p:nvSpPr>
+          <p:cNvPr id="3" name="テキスト ボックス 2"/>
+          <p:cNvSpPr txBox="1"/>
+          <p:nvPr/>
+        </p:nvSpPr>
+        <p:spPr>
+          <a:xfrm>
+            <a:off x="4974539" y="224287"/>
+            <a:ext cx="2242922" cy="707886"/>
+          </a:xfrm>
+          <a:prstGeom prst="rect">
+            <a:avLst/>
+          </a:prstGeom>
+          <a:noFill/>
+        </p:spPr>
+        <p:txBody>
+          <a:bodyPr wrap="none" rtlCol="0">
+            <a:spAutoFit/>
+          </a:bodyPr>
+          <a:lstStyle/>
+          <a:p>
+            <a:r>
+              <a:rPr kumimoji="1" lang="ja-JP" altLang="en-US" sz="4000" b="1" dirty="0" smtClean="0"/>
+              <a:t>開発手法</a:t>
+            </a:r>
+            <a:endParaRPr kumimoji="1" lang="ja-JP" altLang="en-US" sz="4000" b="1" dirty="0"/>
+          </a:p>
+        </p:txBody>
+      </p:sp>
+      <p:sp>
+        <p:nvSpPr>
+          <p:cNvPr id="4" name="テキスト ボックス 3"/>
+          <p:cNvSpPr txBox="1"/>
+          <p:nvPr/>
+        </p:nvSpPr>
+        <p:spPr>
+          <a:xfrm>
+            <a:off x="1006416" y="1512000"/>
+            <a:ext cx="10179169" cy="3135080"/>
+          </a:xfrm>
+          <a:prstGeom prst="rect">
+            <a:avLst/>
+          </a:prstGeom>
+          <a:noFill/>
+        </p:spPr>
+        <p:txBody>
+          <a:bodyPr wrap="square" tIns="46800" rtlCol="0">
+            <a:spAutoFit/>
+          </a:bodyPr>
+          <a:lstStyle/>
+          <a:p>
+            <a:r>
+              <a:rPr kumimoji="1" lang="ja-JP" altLang="en-US" sz="2800" dirty="0" smtClean="0"/>
+              <a:t>アジャイルな開発手法の一つ、スクラムを使用。</a:t>
+            </a:r>
+            <a:endParaRPr kumimoji="1" lang="en-US" altLang="ja-JP" sz="2800" dirty="0" smtClean="0"/>
+          </a:p>
+          <a:p>
+            <a:r>
+              <a:rPr kumimoji="1" lang="en-US" altLang="ja-JP" sz="2800" dirty="0" smtClean="0"/>
+              <a:t>6</a:t>
+            </a:r>
+            <a:r>
+              <a:rPr kumimoji="1" lang="ja-JP" altLang="en-US" sz="2800" dirty="0" smtClean="0"/>
+              <a:t>人</a:t>
+            </a:r>
+            <a:r>
+              <a:rPr kumimoji="1" lang="en-US" altLang="ja-JP" sz="2800" dirty="0" smtClean="0"/>
+              <a:t>(</a:t>
+            </a:r>
+            <a:r>
+              <a:rPr kumimoji="1" lang="ja-JP" altLang="en-US" sz="2800" dirty="0" smtClean="0"/>
+              <a:t>現在</a:t>
+            </a:r>
+            <a:r>
+              <a:rPr kumimoji="1" lang="en-US" altLang="ja-JP" sz="2800" dirty="0" smtClean="0"/>
+              <a:t>4</a:t>
+            </a:r>
+            <a:r>
+              <a:rPr kumimoji="1" lang="ja-JP" altLang="en-US" sz="2800" dirty="0" smtClean="0"/>
+              <a:t>人</a:t>
+            </a:r>
+            <a:r>
+              <a:rPr kumimoji="1" lang="en-US" altLang="ja-JP" sz="2800" dirty="0" smtClean="0"/>
+              <a:t>)</a:t>
+            </a:r>
+            <a:r>
+              <a:rPr kumimoji="1" lang="ja-JP" altLang="en-US" sz="2800" dirty="0" smtClean="0"/>
+              <a:t>でスクラムを組み開発を開始しました。</a:t>
+            </a:r>
+            <a:endParaRPr kumimoji="1" lang="en-US" altLang="ja-JP" sz="2800" dirty="0" smtClean="0"/>
+          </a:p>
+          <a:p>
+            <a:r>
+              <a:rPr kumimoji="1" lang="ja-JP" altLang="en-US" sz="2800" dirty="0" smtClean="0"/>
+              <a:t>デイリースクラムで報告しあいスプリントで週の作成成果を発表し、現状を確認。またスプリントに向けてタスク管理をする。</a:t>
+            </a:r>
+            <a:endParaRPr kumimoji="1" lang="en-US" altLang="ja-JP" sz="2800" dirty="0" smtClean="0"/>
+          </a:p>
+          <a:p>
+            <a:r>
+              <a:rPr kumimoji="1" lang="ja-JP" altLang="en-US" sz="2800" dirty="0" smtClean="0"/>
+              <a:t>それらを繰り返すことでゲームを作成。</a:t>
+            </a:r>
+            <a:endParaRPr kumimoji="1" lang="en-US" altLang="ja-JP" sz="2800" dirty="0" smtClean="0"/>
+          </a:p>
+          <a:p>
+            <a:r>
+              <a:rPr kumimoji="1" lang="ja-JP" altLang="en-US" sz="2800" dirty="0"/>
+              <a:t>時</a:t>
+            </a:r>
+            <a:r>
+              <a:rPr kumimoji="1" lang="ja-JP" altLang="en-US" sz="2800" dirty="0" smtClean="0"/>
+              <a:t>にパワープレイで調節する。</a:t>
+            </a:r>
+            <a:endParaRPr kumimoji="1" lang="en-US" altLang="ja-JP" sz="2800" dirty="0" smtClean="0"/>
+          </a:p>
+          <a:p>
+            <a:r>
+              <a:rPr kumimoji="1" lang="ja-JP" altLang="en-US" sz="2800" dirty="0"/>
+              <a:t>気づかぬうちに</a:t>
+            </a:r>
+            <a:r>
+              <a:rPr kumimoji="1" lang="ja-JP" altLang="en-US" sz="2800" dirty="0" smtClean="0"/>
+              <a:t>パワープレイもどきになっていたり・・・。</a:t>
+            </a:r>
+            <a:endParaRPr kumimoji="1" lang="ja-JP" altLang="en-US" sz="2800" dirty="0"/>
+          </a:p>
+        </p:txBody>
+      </p:sp>
+    </p:spTree>
+    <p:extLst>
+      <p:ext uri="{BB962C8B-B14F-4D97-AF65-F5344CB8AC3E}">
+        <p14:creationId xmlns:p14="http://schemas.microsoft.com/office/powerpoint/2010/main" val="825245070"/>
+      </p:ext>
+    </p:extLst>
+  </p:cSld>
+  <p:clrMapOvr>
+    <a:masterClrMapping/>
+  </p:clrMapOvr>
+  <p:timing>
+    <p:tnLst>
+      <p:par>
+        <p:cTn id="1" dur="indefinite" restart="never" nodeType="tmRoot"/>
+      </p:par>
+    </p:tnLst>
+  </p:timing>
+</p:sld>
+</file>
+
+<file path=ppt/slides/slide11.xml><?xml version="1.0" encoding="utf-8"?>
+<p:sld xmlns:a="http://schemas.openxmlformats.org/drawingml/2006/main" xmlns:r="http://schemas.openxmlformats.org/officeDocument/2006/relationships" xmlns:p="http://schemas.openxmlformats.org/presentationml/2006/main">
+  <p:cSld>
+    <p:spTree>
+      <p:nvGrpSpPr>
+        <p:cNvPr id="1" name=""/>
+        <p:cNvGrpSpPr/>
+        <p:nvPr/>
+      </p:nvGrpSpPr>
+      <p:grpSpPr>
+        <a:xfrm>
+          <a:off x="0" y="0"/>
+          <a:ext cx="0" cy="0"/>
+          <a:chOff x="0" y="0"/>
+          <a:chExt cx="0" cy="0"/>
+        </a:xfrm>
+      </p:grpSpPr>
+      <p:sp>
+        <p:nvSpPr>
+          <p:cNvPr id="3" name="テキスト ボックス 2"/>
+          <p:cNvSpPr txBox="1"/>
+          <p:nvPr/>
+        </p:nvSpPr>
+        <p:spPr>
+          <a:xfrm>
+            <a:off x="4286049" y="224287"/>
+            <a:ext cx="3619902" cy="707886"/>
+          </a:xfrm>
+          <a:prstGeom prst="rect">
+            <a:avLst/>
+          </a:prstGeom>
+          <a:noFill/>
+        </p:spPr>
+        <p:txBody>
+          <a:bodyPr wrap="none" rtlCol="0">
+            <a:spAutoFit/>
+          </a:bodyPr>
+          <a:lstStyle/>
+          <a:p>
+            <a:r>
+              <a:rPr kumimoji="1" lang="ja-JP" altLang="en-US" sz="4000" b="1" dirty="0" smtClean="0"/>
+              <a:t>開発するため</a:t>
+            </a:r>
+            <a:r>
+              <a:rPr kumimoji="1" lang="ja-JP" altLang="en-US" sz="4000" b="1" dirty="0"/>
+              <a:t>に</a:t>
+            </a:r>
+          </a:p>
+        </p:txBody>
+      </p:sp>
+      <p:grpSp>
+        <p:nvGrpSpPr>
+          <p:cNvPr id="16" name="グループ化 15"/>
+          <p:cNvGrpSpPr/>
+          <p:nvPr/>
+        </p:nvGrpSpPr>
+        <p:grpSpPr>
+          <a:xfrm>
+            <a:off x="1621246" y="1500995"/>
+            <a:ext cx="7751419" cy="646331"/>
+            <a:chOff x="1621246" y="1500995"/>
+            <a:chExt cx="7751419" cy="646331"/>
+          </a:xfrm>
+        </p:grpSpPr>
+        <p:sp>
+          <p:nvSpPr>
+            <p:cNvPr id="2" name="テキスト ボックス 1"/>
+            <p:cNvSpPr txBox="1"/>
+            <p:nvPr/>
+          </p:nvSpPr>
+          <p:spPr>
+            <a:xfrm>
+              <a:off x="5494680" y="1500995"/>
+              <a:ext cx="3877985" cy="646331"/>
+            </a:xfrm>
+            <a:prstGeom prst="rect">
+              <a:avLst/>
+            </a:prstGeom>
+            <a:noFill/>
+          </p:spPr>
+          <p:txBody>
+            <a:bodyPr wrap="none" rtlCol="0">
+              <a:spAutoFit/>
+            </a:bodyPr>
+            <a:lstStyle/>
+            <a:p>
+              <a:r>
+                <a:rPr kumimoji="1" lang="en-US" altLang="ja-JP" sz="3200" dirty="0" smtClean="0"/>
+                <a:t>Unity3D</a:t>
+              </a:r>
+              <a:r>
+                <a:rPr kumimoji="1" lang="ja-JP" altLang="en-US" sz="3200" dirty="0"/>
+                <a:t>　</a:t>
+              </a:r>
+              <a:r>
+                <a:rPr kumimoji="1" lang="ja-JP" altLang="en-US" sz="2800" dirty="0"/>
+                <a:t>開発言語 </a:t>
+              </a:r>
+              <a:r>
+                <a:rPr kumimoji="1" lang="en-US" altLang="ja-JP" sz="3600" dirty="0"/>
+                <a:t>C</a:t>
+              </a:r>
+              <a:r>
+                <a:rPr kumimoji="1" lang="en-US" altLang="ja-JP" sz="3600" dirty="0" smtClean="0"/>
+                <a:t>#</a:t>
+              </a:r>
+              <a:endParaRPr kumimoji="1" lang="ja-JP" altLang="en-US" sz="3600" dirty="0"/>
+            </a:p>
+          </p:txBody>
+        </p:sp>
+        <p:grpSp>
+          <p:nvGrpSpPr>
+            <p:cNvPr id="6" name="グループ化 5"/>
+            <p:cNvGrpSpPr/>
+            <p:nvPr/>
+          </p:nvGrpSpPr>
+          <p:grpSpPr>
+            <a:xfrm>
+              <a:off x="1621246" y="1624123"/>
+              <a:ext cx="388809" cy="400072"/>
+              <a:chOff x="4463716" y="2702349"/>
+              <a:chExt cx="421105" cy="425862"/>
+            </a:xfrm>
+          </p:grpSpPr>
+          <p:grpSp>
+            <p:nvGrpSpPr>
+              <p:cNvPr id="7" name="グループ化 6"/>
+              <p:cNvGrpSpPr/>
+              <p:nvPr/>
+            </p:nvGrpSpPr>
+            <p:grpSpPr>
+              <a:xfrm>
+                <a:off x="4463716" y="2702349"/>
+                <a:ext cx="421105" cy="425862"/>
+                <a:chOff x="4463716" y="2702349"/>
+                <a:chExt cx="421105" cy="425862"/>
+              </a:xfrm>
+            </p:grpSpPr>
+            <p:sp>
+              <p:nvSpPr>
+                <p:cNvPr id="10" name="正方形/長方形 9"/>
+                <p:cNvSpPr/>
+                <p:nvPr/>
+              </p:nvSpPr>
+              <p:spPr>
+                <a:xfrm>
+                  <a:off x="4463716" y="2851484"/>
+                  <a:ext cx="421105" cy="276727"/>
+                </a:xfrm>
+                <a:prstGeom prst="rect">
+                  <a:avLst/>
+                </a:prstGeom>
+                <a:blipFill>
+                  <a:blip r:embed="rId2"/>
+                  <a:tile tx="0" ty="0" sx="100000" sy="100000" flip="none" algn="tl"/>
+                </a:blipFill>
+                <a:ln w="6350" cap="flat" cmpd="sng" algn="ctr">
+                  <a:solidFill>
+                    <a:sysClr val="windowText" lastClr="000000"/>
+                  </a:solidFill>
+                  <a:prstDash val="solid"/>
+                  <a:miter lim="800000"/>
+                </a:ln>
+                <a:effectLst/>
+              </p:spPr>
+              <p:txBody>
+                <a:bodyPr rtlCol="0" anchor="ctr"/>
+                <a:lstStyle/>
+                <a:p>
+                  <a:pPr marL="0" marR="0" lvl="0" indent="0" algn="ctr" defTabSz="914400" eaLnBrk="1" fontAlgn="auto" latinLnBrk="0" hangingPunct="1">
+                    <a:lnSpc>
+                      <a:spcPct val="100000"/>
+                    </a:lnSpc>
+                    <a:spcBef>
+                      <a:spcPts val="0"/>
+                    </a:spcBef>
+                    <a:spcAft>
+                      <a:spcPts val="0"/>
+                    </a:spcAft>
+                    <a:buClrTx/>
+                    <a:buSzTx/>
+                    <a:buFontTx/>
+                    <a:buNone/>
+                    <a:tabLst/>
+                    <a:defRPr/>
+                  </a:pPr>
+                  <a:endParaRPr kumimoji="1" lang="ja-JP" altLang="en-US" sz="1800" b="0" i="0" u="none" strike="noStrike" kern="0" cap="none" spc="0" normalizeH="0" baseline="0" noProof="0" smtClean="0">
+                    <a:ln>
+                      <a:noFill/>
+                    </a:ln>
+                    <a:solidFill>
+                      <a:prstClr val="white"/>
+                    </a:solidFill>
+                    <a:effectLst/>
+                    <a:uLnTx/>
+                    <a:uFillTx/>
+                    <a:latin typeface="Calibri" panose="020F0502020204030204"/>
+                    <a:ea typeface="ＭＳ Ｐゴシック" panose="020B0600070205080204" pitchFamily="50" charset="-128"/>
+                    <a:cs typeface="+mn-cs"/>
+                  </a:endParaRPr>
+                </a:p>
+              </p:txBody>
+            </p:sp>
+            <p:sp>
+              <p:nvSpPr>
+                <p:cNvPr id="11" name="円/楕円 10"/>
+                <p:cNvSpPr/>
+                <p:nvPr/>
+              </p:nvSpPr>
+              <p:spPr>
+                <a:xfrm>
+                  <a:off x="4553576" y="2939841"/>
+                  <a:ext cx="61287" cy="67034"/>
+                </a:xfrm>
+                <a:prstGeom prst="ellipse">
+                  <a:avLst/>
+                </a:prstGeom>
+                <a:solidFill>
+                  <a:sysClr val="windowText" lastClr="000000"/>
+                </a:solidFill>
+                <a:ln w="12700" cap="flat" cmpd="sng" algn="ctr">
+                  <a:solidFill>
+                    <a:sysClr val="windowText" lastClr="000000">
+                      <a:shade val="50000"/>
+                    </a:sysClr>
+                  </a:solidFill>
+                  <a:prstDash val="solid"/>
+                  <a:miter lim="800000"/>
+                </a:ln>
+                <a:effectLst/>
+              </p:spPr>
+              <p:txBody>
+                <a:bodyPr rtlCol="0" anchor="ctr"/>
+                <a:lstStyle/>
+                <a:p>
+                  <a:pPr marL="0" marR="0" lvl="0" indent="0" algn="ctr" defTabSz="914400" eaLnBrk="1" fontAlgn="auto" latinLnBrk="0" hangingPunct="1">
+                    <a:lnSpc>
+                      <a:spcPct val="100000"/>
+                    </a:lnSpc>
+                    <a:spcBef>
+                      <a:spcPts val="0"/>
+                    </a:spcBef>
+                    <a:spcAft>
+                      <a:spcPts val="0"/>
+                    </a:spcAft>
+                    <a:buClrTx/>
+                    <a:buSzTx/>
+                    <a:buFontTx/>
+                    <a:buNone/>
+                    <a:tabLst/>
+                    <a:defRPr/>
+                  </a:pPr>
+                  <a:endParaRPr kumimoji="1" lang="ja-JP" altLang="en-US" sz="1800" b="0" i="0" u="none" strike="noStrike" kern="0" cap="none" spc="0" normalizeH="0" baseline="0" noProof="0" smtClean="0">
+                    <a:ln>
+                      <a:noFill/>
+                    </a:ln>
+                    <a:solidFill>
+                      <a:prstClr val="white"/>
+                    </a:solidFill>
+                    <a:effectLst/>
+                    <a:uLnTx/>
+                    <a:uFillTx/>
+                    <a:latin typeface="Calibri" panose="020F0502020204030204"/>
+                    <a:ea typeface="ＭＳ Ｐゴシック" panose="020B0600070205080204" pitchFamily="50" charset="-128"/>
+                    <a:cs typeface="+mn-cs"/>
+                  </a:endParaRPr>
+                </a:p>
+              </p:txBody>
+            </p:sp>
+            <p:sp>
+              <p:nvSpPr>
+                <p:cNvPr id="12" name="円/楕円 11"/>
+                <p:cNvSpPr/>
+                <p:nvPr/>
+              </p:nvSpPr>
+              <p:spPr>
+                <a:xfrm>
+                  <a:off x="4731280" y="2939841"/>
+                  <a:ext cx="63143" cy="67034"/>
+                </a:xfrm>
+                <a:prstGeom prst="ellipse">
+                  <a:avLst/>
+                </a:prstGeom>
+                <a:solidFill>
+                  <a:sysClr val="windowText" lastClr="000000"/>
+                </a:solidFill>
+                <a:ln w="12700" cap="flat" cmpd="sng" algn="ctr">
+                  <a:solidFill>
+                    <a:sysClr val="windowText" lastClr="000000">
+                      <a:shade val="50000"/>
+                    </a:sysClr>
+                  </a:solidFill>
+                  <a:prstDash val="solid"/>
+                  <a:miter lim="800000"/>
+                </a:ln>
+                <a:effectLst/>
+              </p:spPr>
+              <p:txBody>
+                <a:bodyPr rtlCol="0" anchor="ctr"/>
+                <a:lstStyle/>
+                <a:p>
+                  <a:pPr marL="0" marR="0" lvl="0" indent="0" algn="ctr" defTabSz="914400" eaLnBrk="1" fontAlgn="auto" latinLnBrk="0" hangingPunct="1">
+                    <a:lnSpc>
+                      <a:spcPct val="100000"/>
+                    </a:lnSpc>
+                    <a:spcBef>
+                      <a:spcPts val="0"/>
+                    </a:spcBef>
+                    <a:spcAft>
+                      <a:spcPts val="0"/>
+                    </a:spcAft>
+                    <a:buClrTx/>
+                    <a:buSzTx/>
+                    <a:buFontTx/>
+                    <a:buNone/>
+                    <a:tabLst/>
+                    <a:defRPr/>
+                  </a:pPr>
+                  <a:endParaRPr kumimoji="1" lang="ja-JP" altLang="en-US" sz="1800" b="0" i="0" u="none" strike="noStrike" kern="0" cap="none" spc="0" normalizeH="0" baseline="0" noProof="0" smtClean="0">
+                    <a:ln>
+                      <a:noFill/>
+                    </a:ln>
+                    <a:solidFill>
+                      <a:prstClr val="white"/>
+                    </a:solidFill>
+                    <a:effectLst/>
+                    <a:uLnTx/>
+                    <a:uFillTx/>
+                    <a:latin typeface="Calibri" panose="020F0502020204030204"/>
+                    <a:ea typeface="ＭＳ Ｐゴシック" panose="020B0600070205080204" pitchFamily="50" charset="-128"/>
+                    <a:cs typeface="+mn-cs"/>
+                  </a:endParaRPr>
+                </a:p>
+              </p:txBody>
+            </p:sp>
+            <p:sp>
+              <p:nvSpPr>
+                <p:cNvPr id="13" name="円/楕円 12"/>
+                <p:cNvSpPr/>
+                <p:nvPr/>
+              </p:nvSpPr>
+              <p:spPr>
+                <a:xfrm>
+                  <a:off x="4772973" y="2702349"/>
+                  <a:ext cx="45719" cy="45719"/>
+                </a:xfrm>
+                <a:prstGeom prst="ellipse">
+                  <a:avLst/>
+                </a:prstGeom>
+                <a:solidFill>
+                  <a:sysClr val="windowText" lastClr="000000"/>
+                </a:solidFill>
+                <a:ln w="12700" cap="flat" cmpd="sng" algn="ctr">
+                  <a:noFill/>
+                  <a:prstDash val="solid"/>
+                  <a:miter lim="800000"/>
+                </a:ln>
+                <a:effectLst/>
+              </p:spPr>
+              <p:txBody>
+                <a:bodyPr rtlCol="0" anchor="ctr"/>
+                <a:lstStyle/>
+                <a:p>
+                  <a:pPr marL="0" marR="0" lvl="0" indent="0" algn="ctr" defTabSz="914400" eaLnBrk="1" fontAlgn="auto" latinLnBrk="0" hangingPunct="1">
+                    <a:lnSpc>
+                      <a:spcPct val="100000"/>
+                    </a:lnSpc>
+                    <a:spcBef>
+                      <a:spcPts val="0"/>
+                    </a:spcBef>
+                    <a:spcAft>
+                      <a:spcPts val="0"/>
+                    </a:spcAft>
+                    <a:buClrTx/>
+                    <a:buSzTx/>
+                    <a:buFontTx/>
+                    <a:buNone/>
+                    <a:tabLst/>
+                    <a:defRPr/>
+                  </a:pPr>
+                  <a:endParaRPr kumimoji="1" lang="ja-JP" altLang="en-US" sz="1800" b="0" i="0" u="none" strike="noStrike" kern="0" cap="none" spc="0" normalizeH="0" baseline="0" noProof="0" smtClean="0">
+                    <a:ln>
+                      <a:noFill/>
+                    </a:ln>
+                    <a:solidFill>
+                      <a:prstClr val="white"/>
+                    </a:solidFill>
+                    <a:effectLst/>
+                    <a:uLnTx/>
+                    <a:uFillTx/>
+                    <a:latin typeface="Calibri" panose="020F0502020204030204"/>
+                    <a:ea typeface="ＭＳ Ｐゴシック" panose="020B0600070205080204" pitchFamily="50" charset="-128"/>
+                    <a:cs typeface="+mn-cs"/>
+                  </a:endParaRPr>
+                </a:p>
+              </p:txBody>
+            </p:sp>
+            <p:sp>
+              <p:nvSpPr>
+                <p:cNvPr id="14" name="円/楕円 13"/>
+                <p:cNvSpPr/>
+                <p:nvPr/>
+              </p:nvSpPr>
+              <p:spPr>
+                <a:xfrm>
+                  <a:off x="4530575" y="2702349"/>
+                  <a:ext cx="45719" cy="45719"/>
+                </a:xfrm>
+                <a:prstGeom prst="ellipse">
+                  <a:avLst/>
+                </a:prstGeom>
+                <a:solidFill>
+                  <a:sysClr val="windowText" lastClr="000000"/>
+                </a:solidFill>
+                <a:ln w="12700" cap="flat" cmpd="sng" algn="ctr">
+                  <a:noFill/>
+                  <a:prstDash val="solid"/>
+                  <a:miter lim="800000"/>
+                </a:ln>
+                <a:effectLst/>
+              </p:spPr>
+              <p:txBody>
+                <a:bodyPr rtlCol="0" anchor="ctr"/>
+                <a:lstStyle/>
+                <a:p>
+                  <a:pPr marL="0" marR="0" lvl="0" indent="0" algn="ctr" defTabSz="914400" eaLnBrk="1" fontAlgn="auto" latinLnBrk="0" hangingPunct="1">
+                    <a:lnSpc>
+                      <a:spcPct val="100000"/>
+                    </a:lnSpc>
+                    <a:spcBef>
+                      <a:spcPts val="0"/>
+                    </a:spcBef>
+                    <a:spcAft>
+                      <a:spcPts val="0"/>
+                    </a:spcAft>
+                    <a:buClrTx/>
+                    <a:buSzTx/>
+                    <a:buFontTx/>
+                    <a:buNone/>
+                    <a:tabLst/>
+                    <a:defRPr/>
+                  </a:pPr>
+                  <a:endParaRPr kumimoji="1" lang="ja-JP" altLang="en-US" sz="1800" b="0" i="0" u="none" strike="noStrike" kern="0" cap="none" spc="0" normalizeH="0" baseline="0" noProof="0" smtClean="0">
+                    <a:ln>
+                      <a:noFill/>
+                    </a:ln>
+                    <a:solidFill>
+                      <a:prstClr val="white"/>
+                    </a:solidFill>
+                    <a:effectLst/>
+                    <a:uLnTx/>
+                    <a:uFillTx/>
+                    <a:latin typeface="Calibri" panose="020F0502020204030204"/>
+                    <a:ea typeface="ＭＳ Ｐゴシック" panose="020B0600070205080204" pitchFamily="50" charset="-128"/>
+                    <a:cs typeface="+mn-cs"/>
+                  </a:endParaRPr>
+                </a:p>
+              </p:txBody>
+            </p:sp>
+          </p:grpSp>
+          <p:cxnSp>
+            <p:nvCxnSpPr>
+              <p:cNvPr id="8" name="直線コネクタ 7"/>
+              <p:cNvCxnSpPr>
+                <a:stCxn id="13" idx="4"/>
+              </p:cNvCxnSpPr>
+              <p:nvPr/>
+            </p:nvCxnSpPr>
+            <p:spPr>
+              <a:xfrm flipH="1">
+                <a:off x="4794423" y="2748068"/>
+                <a:ext cx="1410" cy="104578"/>
+              </a:xfrm>
+              <a:prstGeom prst="line">
+                <a:avLst/>
+              </a:prstGeom>
+              <a:noFill/>
+              <a:ln w="6350" cap="flat" cmpd="sng" algn="ctr">
+                <a:solidFill>
+                  <a:sysClr val="windowText" lastClr="000000"/>
+                </a:solidFill>
+                <a:prstDash val="solid"/>
+                <a:miter lim="800000"/>
+              </a:ln>
+              <a:effectLst/>
+            </p:spPr>
+          </p:cxnSp>
+          <p:cxnSp>
+            <p:nvCxnSpPr>
+              <p:cNvPr id="9" name="直線コネクタ 8"/>
+              <p:cNvCxnSpPr>
+                <a:stCxn id="14" idx="4"/>
+              </p:cNvCxnSpPr>
+              <p:nvPr/>
+            </p:nvCxnSpPr>
+            <p:spPr>
+              <a:xfrm flipH="1">
+                <a:off x="4553434" y="2748068"/>
+                <a:ext cx="1" cy="103416"/>
+              </a:xfrm>
+              <a:prstGeom prst="line">
+                <a:avLst/>
+              </a:prstGeom>
+              <a:noFill/>
+              <a:ln w="6350" cap="flat" cmpd="sng" algn="ctr">
+                <a:solidFill>
+                  <a:sysClr val="windowText" lastClr="000000"/>
+                </a:solidFill>
+                <a:prstDash val="solid"/>
+                <a:miter lim="800000"/>
+              </a:ln>
+              <a:effectLst/>
+            </p:spPr>
+          </p:cxnSp>
+        </p:grpSp>
+        <p:sp>
+          <p:nvSpPr>
+            <p:cNvPr id="15" name="テキスト ボックス 14"/>
+            <p:cNvSpPr txBox="1"/>
+            <p:nvPr/>
+          </p:nvSpPr>
+          <p:spPr>
+            <a:xfrm>
+              <a:off x="2440704" y="1531772"/>
+              <a:ext cx="2194832" cy="584775"/>
+            </a:xfrm>
+            <a:prstGeom prst="rect">
+              <a:avLst/>
+            </a:prstGeom>
+            <a:noFill/>
+          </p:spPr>
+          <p:txBody>
+            <a:bodyPr wrap="none" rtlCol="0">
+              <a:spAutoFit/>
+            </a:bodyPr>
+            <a:lstStyle/>
+            <a:p>
+              <a:r>
+                <a:rPr kumimoji="1" lang="ja-JP" altLang="en-US" sz="3200" dirty="0" smtClean="0"/>
+                <a:t>ゲーム開発</a:t>
+              </a:r>
+              <a:endParaRPr kumimoji="1" lang="ja-JP" altLang="en-US" sz="3200" dirty="0"/>
+            </a:p>
+          </p:txBody>
+        </p:sp>
+      </p:grpSp>
+      <p:grpSp>
+        <p:nvGrpSpPr>
+          <p:cNvPr id="17" name="グループ化 16"/>
+          <p:cNvGrpSpPr/>
+          <p:nvPr/>
+        </p:nvGrpSpPr>
+        <p:grpSpPr>
+          <a:xfrm>
+            <a:off x="1621246" y="3252088"/>
+            <a:ext cx="5462331" cy="646331"/>
+            <a:chOff x="1621246" y="1500995"/>
+            <a:chExt cx="5462331" cy="646331"/>
+          </a:xfrm>
+        </p:grpSpPr>
+        <p:sp>
+          <p:nvSpPr>
+            <p:cNvPr id="18" name="テキスト ボックス 17"/>
+            <p:cNvSpPr txBox="1"/>
+            <p:nvPr/>
+          </p:nvSpPr>
+          <p:spPr>
+            <a:xfrm>
+              <a:off x="5494680" y="1500995"/>
+              <a:ext cx="1588897" cy="646331"/>
+            </a:xfrm>
+            <a:prstGeom prst="rect">
+              <a:avLst/>
+            </a:prstGeom>
+            <a:noFill/>
+          </p:spPr>
+          <p:txBody>
+            <a:bodyPr wrap="none" rtlCol="0">
+              <a:spAutoFit/>
+            </a:bodyPr>
+            <a:lstStyle/>
+            <a:p>
+              <a:r>
+                <a:rPr kumimoji="1" lang="en-US" altLang="ja-JP" sz="3600" dirty="0" smtClean="0"/>
+                <a:t>Blender</a:t>
+              </a:r>
+              <a:endParaRPr kumimoji="1" lang="ja-JP" altLang="en-US" sz="3600" dirty="0"/>
+            </a:p>
+          </p:txBody>
+        </p:sp>
+        <p:grpSp>
+          <p:nvGrpSpPr>
+            <p:cNvPr id="19" name="グループ化 18"/>
+            <p:cNvGrpSpPr/>
+            <p:nvPr/>
+          </p:nvGrpSpPr>
+          <p:grpSpPr>
+            <a:xfrm>
+              <a:off x="1621246" y="1624123"/>
+              <a:ext cx="388809" cy="400072"/>
+              <a:chOff x="4463716" y="2702349"/>
+              <a:chExt cx="421105" cy="425862"/>
+            </a:xfrm>
+          </p:grpSpPr>
+          <p:grpSp>
+            <p:nvGrpSpPr>
+              <p:cNvPr id="21" name="グループ化 20"/>
+              <p:cNvGrpSpPr/>
+              <p:nvPr/>
+            </p:nvGrpSpPr>
+            <p:grpSpPr>
+              <a:xfrm>
+                <a:off x="4463716" y="2702349"/>
+                <a:ext cx="421105" cy="425862"/>
+                <a:chOff x="4463716" y="2702349"/>
+                <a:chExt cx="421105" cy="425862"/>
+              </a:xfrm>
+            </p:grpSpPr>
+            <p:sp>
+              <p:nvSpPr>
+                <p:cNvPr id="24" name="正方形/長方形 23"/>
+                <p:cNvSpPr/>
+                <p:nvPr/>
+              </p:nvSpPr>
+              <p:spPr>
+                <a:xfrm>
+                  <a:off x="4463716" y="2851484"/>
+                  <a:ext cx="421105" cy="276727"/>
+                </a:xfrm>
+                <a:prstGeom prst="rect">
+                  <a:avLst/>
+                </a:prstGeom>
+                <a:blipFill>
+                  <a:blip r:embed="rId2"/>
+                  <a:tile tx="0" ty="0" sx="100000" sy="100000" flip="none" algn="tl"/>
+                </a:blipFill>
+                <a:ln w="6350" cap="flat" cmpd="sng" algn="ctr">
+                  <a:solidFill>
+                    <a:sysClr val="windowText" lastClr="000000"/>
+                  </a:solidFill>
+                  <a:prstDash val="solid"/>
+                  <a:miter lim="800000"/>
+                </a:ln>
+                <a:effectLst/>
+              </p:spPr>
+              <p:txBody>
+                <a:bodyPr rtlCol="0" anchor="ctr"/>
+                <a:lstStyle/>
+                <a:p>
+                  <a:pPr marL="0" marR="0" lvl="0" indent="0" algn="ctr" defTabSz="914400" eaLnBrk="1" fontAlgn="auto" latinLnBrk="0" hangingPunct="1">
+                    <a:lnSpc>
+                      <a:spcPct val="100000"/>
+                    </a:lnSpc>
+                    <a:spcBef>
+                      <a:spcPts val="0"/>
+                    </a:spcBef>
+                    <a:spcAft>
+                      <a:spcPts val="0"/>
+                    </a:spcAft>
+                    <a:buClrTx/>
+                    <a:buSzTx/>
+                    <a:buFontTx/>
+                    <a:buNone/>
+                    <a:tabLst/>
+                    <a:defRPr/>
+                  </a:pPr>
+                  <a:endParaRPr kumimoji="1" lang="ja-JP" altLang="en-US" sz="1800" b="0" i="0" u="none" strike="noStrike" kern="0" cap="none" spc="0" normalizeH="0" baseline="0" noProof="0" smtClean="0">
+                    <a:ln>
+                      <a:noFill/>
+                    </a:ln>
+                    <a:solidFill>
+                      <a:prstClr val="white"/>
+                    </a:solidFill>
+                    <a:effectLst/>
+                    <a:uLnTx/>
+                    <a:uFillTx/>
+                    <a:latin typeface="Calibri" panose="020F0502020204030204"/>
+                    <a:ea typeface="ＭＳ Ｐゴシック" panose="020B0600070205080204" pitchFamily="50" charset="-128"/>
+                    <a:cs typeface="+mn-cs"/>
+                  </a:endParaRPr>
+                </a:p>
+              </p:txBody>
+            </p:sp>
+            <p:sp>
+              <p:nvSpPr>
+                <p:cNvPr id="25" name="円/楕円 24"/>
+                <p:cNvSpPr/>
+                <p:nvPr/>
+              </p:nvSpPr>
+              <p:spPr>
+                <a:xfrm>
+                  <a:off x="4553576" y="2939841"/>
+                  <a:ext cx="61287" cy="67034"/>
+                </a:xfrm>
+                <a:prstGeom prst="ellipse">
+                  <a:avLst/>
+                </a:prstGeom>
+                <a:solidFill>
+                  <a:sysClr val="windowText" lastClr="000000"/>
+                </a:solidFill>
+                <a:ln w="12700" cap="flat" cmpd="sng" algn="ctr">
+                  <a:solidFill>
+                    <a:sysClr val="windowText" lastClr="000000">
+                      <a:shade val="50000"/>
+                    </a:sysClr>
+                  </a:solidFill>
+                  <a:prstDash val="solid"/>
+                  <a:miter lim="800000"/>
+                </a:ln>
+                <a:effectLst/>
+              </p:spPr>
+              <p:txBody>
+                <a:bodyPr rtlCol="0" anchor="ctr"/>
+                <a:lstStyle/>
+                <a:p>
+                  <a:pPr marL="0" marR="0" lvl="0" indent="0" algn="ctr" defTabSz="914400" eaLnBrk="1" fontAlgn="auto" latinLnBrk="0" hangingPunct="1">
+                    <a:lnSpc>
+                      <a:spcPct val="100000"/>
+                    </a:lnSpc>
+                    <a:spcBef>
+                      <a:spcPts val="0"/>
+                    </a:spcBef>
+                    <a:spcAft>
+                      <a:spcPts val="0"/>
+                    </a:spcAft>
+                    <a:buClrTx/>
+                    <a:buSzTx/>
+                    <a:buFontTx/>
+                    <a:buNone/>
+                    <a:tabLst/>
+                    <a:defRPr/>
+                  </a:pPr>
+                  <a:endParaRPr kumimoji="1" lang="ja-JP" altLang="en-US" sz="1800" b="0" i="0" u="none" strike="noStrike" kern="0" cap="none" spc="0" normalizeH="0" baseline="0" noProof="0" smtClean="0">
+                    <a:ln>
+                      <a:noFill/>
+                    </a:ln>
+                    <a:solidFill>
+                      <a:prstClr val="white"/>
+                    </a:solidFill>
+                    <a:effectLst/>
+                    <a:uLnTx/>
+                    <a:uFillTx/>
+                    <a:latin typeface="Calibri" panose="020F0502020204030204"/>
+                    <a:ea typeface="ＭＳ Ｐゴシック" panose="020B0600070205080204" pitchFamily="50" charset="-128"/>
+                    <a:cs typeface="+mn-cs"/>
+                  </a:endParaRPr>
+                </a:p>
+              </p:txBody>
+            </p:sp>
+            <p:sp>
+              <p:nvSpPr>
+                <p:cNvPr id="26" name="円/楕円 25"/>
+                <p:cNvSpPr/>
+                <p:nvPr/>
+              </p:nvSpPr>
+              <p:spPr>
+                <a:xfrm>
+                  <a:off x="4731280" y="2939841"/>
+                  <a:ext cx="63143" cy="67034"/>
+                </a:xfrm>
+                <a:prstGeom prst="ellipse">
+                  <a:avLst/>
+                </a:prstGeom>
+                <a:solidFill>
+                  <a:sysClr val="windowText" lastClr="000000"/>
+                </a:solidFill>
+                <a:ln w="12700" cap="flat" cmpd="sng" algn="ctr">
+                  <a:solidFill>
+                    <a:sysClr val="windowText" lastClr="000000">
+                      <a:shade val="50000"/>
+                    </a:sysClr>
+                  </a:solidFill>
+                  <a:prstDash val="solid"/>
+                  <a:miter lim="800000"/>
+                </a:ln>
+                <a:effectLst/>
+              </p:spPr>
+              <p:txBody>
+                <a:bodyPr rtlCol="0" anchor="ctr"/>
+                <a:lstStyle/>
+                <a:p>
+                  <a:pPr marL="0" marR="0" lvl="0" indent="0" algn="ctr" defTabSz="914400" eaLnBrk="1" fontAlgn="auto" latinLnBrk="0" hangingPunct="1">
+                    <a:lnSpc>
+                      <a:spcPct val="100000"/>
+                    </a:lnSpc>
+                    <a:spcBef>
+                      <a:spcPts val="0"/>
+                    </a:spcBef>
+                    <a:spcAft>
+                      <a:spcPts val="0"/>
+                    </a:spcAft>
+                    <a:buClrTx/>
+                    <a:buSzTx/>
+                    <a:buFontTx/>
+                    <a:buNone/>
+                    <a:tabLst/>
+                    <a:defRPr/>
+                  </a:pPr>
+                  <a:endParaRPr kumimoji="1" lang="ja-JP" altLang="en-US" sz="1800" b="0" i="0" u="none" strike="noStrike" kern="0" cap="none" spc="0" normalizeH="0" baseline="0" noProof="0" smtClean="0">
+                    <a:ln>
+                      <a:noFill/>
+                    </a:ln>
+                    <a:solidFill>
+                      <a:prstClr val="white"/>
+                    </a:solidFill>
+                    <a:effectLst/>
+                    <a:uLnTx/>
+                    <a:uFillTx/>
+                    <a:latin typeface="Calibri" panose="020F0502020204030204"/>
+                    <a:ea typeface="ＭＳ Ｐゴシック" panose="020B0600070205080204" pitchFamily="50" charset="-128"/>
+                    <a:cs typeface="+mn-cs"/>
+                  </a:endParaRPr>
+                </a:p>
+              </p:txBody>
+            </p:sp>
+            <p:sp>
+              <p:nvSpPr>
+                <p:cNvPr id="27" name="円/楕円 26"/>
+                <p:cNvSpPr/>
+                <p:nvPr/>
+              </p:nvSpPr>
+              <p:spPr>
+                <a:xfrm>
+                  <a:off x="4772973" y="2702349"/>
+                  <a:ext cx="45719" cy="45719"/>
+                </a:xfrm>
+                <a:prstGeom prst="ellipse">
+                  <a:avLst/>
+                </a:prstGeom>
+                <a:solidFill>
+                  <a:sysClr val="windowText" lastClr="000000"/>
+                </a:solidFill>
+                <a:ln w="12700" cap="flat" cmpd="sng" algn="ctr">
+                  <a:noFill/>
+                  <a:prstDash val="solid"/>
+                  <a:miter lim="800000"/>
+                </a:ln>
+                <a:effectLst/>
+              </p:spPr>
+              <p:txBody>
+                <a:bodyPr rtlCol="0" anchor="ctr"/>
+                <a:lstStyle/>
+                <a:p>
+                  <a:pPr marL="0" marR="0" lvl="0" indent="0" algn="ctr" defTabSz="914400" eaLnBrk="1" fontAlgn="auto" latinLnBrk="0" hangingPunct="1">
+                    <a:lnSpc>
+                      <a:spcPct val="100000"/>
+                    </a:lnSpc>
+                    <a:spcBef>
+                      <a:spcPts val="0"/>
+                    </a:spcBef>
+                    <a:spcAft>
+                      <a:spcPts val="0"/>
+                    </a:spcAft>
+                    <a:buClrTx/>
+                    <a:buSzTx/>
+                    <a:buFontTx/>
+                    <a:buNone/>
+                    <a:tabLst/>
+                    <a:defRPr/>
+                  </a:pPr>
+                  <a:endParaRPr kumimoji="1" lang="ja-JP" altLang="en-US" sz="1800" b="0" i="0" u="none" strike="noStrike" kern="0" cap="none" spc="0" normalizeH="0" baseline="0" noProof="0" smtClean="0">
+                    <a:ln>
+                      <a:noFill/>
+                    </a:ln>
+                    <a:solidFill>
+                      <a:prstClr val="white"/>
+                    </a:solidFill>
+                    <a:effectLst/>
+                    <a:uLnTx/>
+                    <a:uFillTx/>
+                    <a:latin typeface="Calibri" panose="020F0502020204030204"/>
+                    <a:ea typeface="ＭＳ Ｐゴシック" panose="020B0600070205080204" pitchFamily="50" charset="-128"/>
+                    <a:cs typeface="+mn-cs"/>
+                  </a:endParaRPr>
+                </a:p>
+              </p:txBody>
+            </p:sp>
+            <p:sp>
+              <p:nvSpPr>
+                <p:cNvPr id="28" name="円/楕円 27"/>
+                <p:cNvSpPr/>
+                <p:nvPr/>
+              </p:nvSpPr>
+              <p:spPr>
+                <a:xfrm>
+                  <a:off x="4530575" y="2702349"/>
+                  <a:ext cx="45719" cy="45719"/>
+                </a:xfrm>
+                <a:prstGeom prst="ellipse">
+                  <a:avLst/>
+                </a:prstGeom>
+                <a:solidFill>
+                  <a:sysClr val="windowText" lastClr="000000"/>
+                </a:solidFill>
+                <a:ln w="12700" cap="flat" cmpd="sng" algn="ctr">
+                  <a:noFill/>
+                  <a:prstDash val="solid"/>
+                  <a:miter lim="800000"/>
+                </a:ln>
+                <a:effectLst/>
+              </p:spPr>
+              <p:txBody>
+                <a:bodyPr rtlCol="0" anchor="ctr"/>
+                <a:lstStyle/>
+                <a:p>
+                  <a:pPr marL="0" marR="0" lvl="0" indent="0" algn="ctr" defTabSz="914400" eaLnBrk="1" fontAlgn="auto" latinLnBrk="0" hangingPunct="1">
+                    <a:lnSpc>
+                      <a:spcPct val="100000"/>
+                    </a:lnSpc>
+                    <a:spcBef>
+                      <a:spcPts val="0"/>
+                    </a:spcBef>
+                    <a:spcAft>
+                      <a:spcPts val="0"/>
+                    </a:spcAft>
+                    <a:buClrTx/>
+                    <a:buSzTx/>
+                    <a:buFontTx/>
+                    <a:buNone/>
+                    <a:tabLst/>
+                    <a:defRPr/>
+                  </a:pPr>
+                  <a:endParaRPr kumimoji="1" lang="ja-JP" altLang="en-US" sz="1800" b="0" i="0" u="none" strike="noStrike" kern="0" cap="none" spc="0" normalizeH="0" baseline="0" noProof="0" smtClean="0">
+                    <a:ln>
+                      <a:noFill/>
+                    </a:ln>
+                    <a:solidFill>
+                      <a:prstClr val="white"/>
+                    </a:solidFill>
+                    <a:effectLst/>
+                    <a:uLnTx/>
+                    <a:uFillTx/>
+                    <a:latin typeface="Calibri" panose="020F0502020204030204"/>
+                    <a:ea typeface="ＭＳ Ｐゴシック" panose="020B0600070205080204" pitchFamily="50" charset="-128"/>
+                    <a:cs typeface="+mn-cs"/>
+                  </a:endParaRPr>
+                </a:p>
+              </p:txBody>
+            </p:sp>
+          </p:grpSp>
+          <p:cxnSp>
+            <p:nvCxnSpPr>
+              <p:cNvPr id="22" name="直線コネクタ 21"/>
+              <p:cNvCxnSpPr>
+                <a:stCxn id="27" idx="4"/>
+              </p:cNvCxnSpPr>
+              <p:nvPr/>
+            </p:nvCxnSpPr>
+            <p:spPr>
+              <a:xfrm flipH="1">
+                <a:off x="4794423" y="2748068"/>
+                <a:ext cx="1410" cy="104578"/>
+              </a:xfrm>
+              <a:prstGeom prst="line">
+                <a:avLst/>
+              </a:prstGeom>
+              <a:noFill/>
+              <a:ln w="6350" cap="flat" cmpd="sng" algn="ctr">
+                <a:solidFill>
+                  <a:sysClr val="windowText" lastClr="000000"/>
+                </a:solidFill>
+                <a:prstDash val="solid"/>
+                <a:miter lim="800000"/>
+              </a:ln>
+              <a:effectLst/>
+            </p:spPr>
+          </p:cxnSp>
+          <p:cxnSp>
+            <p:nvCxnSpPr>
+              <p:cNvPr id="23" name="直線コネクタ 22"/>
+              <p:cNvCxnSpPr>
+                <a:stCxn id="28" idx="4"/>
+              </p:cNvCxnSpPr>
+              <p:nvPr/>
+            </p:nvCxnSpPr>
+            <p:spPr>
+              <a:xfrm flipH="1">
+                <a:off x="4553434" y="2748068"/>
+                <a:ext cx="1" cy="103416"/>
+              </a:xfrm>
+              <a:prstGeom prst="line">
+                <a:avLst/>
+              </a:prstGeom>
+              <a:noFill/>
+              <a:ln w="6350" cap="flat" cmpd="sng" algn="ctr">
+                <a:solidFill>
+                  <a:sysClr val="windowText" lastClr="000000"/>
+                </a:solidFill>
+                <a:prstDash val="solid"/>
+                <a:miter lim="800000"/>
+              </a:ln>
+              <a:effectLst/>
+            </p:spPr>
+          </p:cxnSp>
+        </p:grpSp>
+        <p:sp>
+          <p:nvSpPr>
+            <p:cNvPr id="20" name="テキスト ボックス 19"/>
+            <p:cNvSpPr txBox="1"/>
+            <p:nvPr/>
+          </p:nvSpPr>
+          <p:spPr>
+            <a:xfrm>
+              <a:off x="2440704" y="1531772"/>
+              <a:ext cx="2318263" cy="584775"/>
+            </a:xfrm>
+            <a:prstGeom prst="rect">
+              <a:avLst/>
+            </a:prstGeom>
+            <a:noFill/>
+          </p:spPr>
+          <p:txBody>
+            <a:bodyPr wrap="none" rtlCol="0">
+              <a:spAutoFit/>
+            </a:bodyPr>
+            <a:lstStyle/>
+            <a:p>
+              <a:r>
+                <a:rPr kumimoji="1" lang="ja-JP" altLang="en-US" sz="3200" dirty="0" smtClean="0"/>
+                <a:t>ロボット作成</a:t>
+              </a:r>
+              <a:endParaRPr kumimoji="1" lang="ja-JP" altLang="en-US" sz="3200" dirty="0"/>
+            </a:p>
+          </p:txBody>
+        </p:sp>
+      </p:grpSp>
+      <p:grpSp>
+        <p:nvGrpSpPr>
+          <p:cNvPr id="30" name="グループ化 29"/>
+          <p:cNvGrpSpPr/>
+          <p:nvPr/>
+        </p:nvGrpSpPr>
+        <p:grpSpPr>
+          <a:xfrm>
+            <a:off x="1621246" y="5371182"/>
+            <a:ext cx="7470894" cy="615552"/>
+            <a:chOff x="1621246" y="1500995"/>
+            <a:chExt cx="7470894" cy="615552"/>
+          </a:xfrm>
+        </p:grpSpPr>
+        <p:sp>
+          <p:nvSpPr>
+            <p:cNvPr id="31" name="テキスト ボックス 30"/>
+            <p:cNvSpPr txBox="1"/>
+            <p:nvPr/>
+          </p:nvSpPr>
+          <p:spPr>
+            <a:xfrm>
+              <a:off x="5494680" y="1500995"/>
+              <a:ext cx="3597460" cy="584775"/>
+            </a:xfrm>
+            <a:prstGeom prst="rect">
+              <a:avLst/>
+            </a:prstGeom>
+            <a:noFill/>
+          </p:spPr>
+          <p:txBody>
+            <a:bodyPr wrap="none" rtlCol="0">
+              <a:spAutoFit/>
+            </a:bodyPr>
+            <a:lstStyle/>
+            <a:p>
+              <a:r>
+                <a:rPr kumimoji="1" lang="ja-JP" altLang="en-US" sz="3200" dirty="0" smtClean="0"/>
+                <a:t>フリー素材フル活用</a:t>
+              </a:r>
+              <a:endParaRPr kumimoji="1" lang="ja-JP" altLang="en-US" sz="3200" dirty="0"/>
+            </a:p>
+          </p:txBody>
+        </p:sp>
+        <p:grpSp>
+          <p:nvGrpSpPr>
+            <p:cNvPr id="32" name="グループ化 31"/>
+            <p:cNvGrpSpPr/>
+            <p:nvPr/>
+          </p:nvGrpSpPr>
+          <p:grpSpPr>
+            <a:xfrm>
+              <a:off x="1621246" y="1624123"/>
+              <a:ext cx="388809" cy="400072"/>
+              <a:chOff x="4463716" y="2702349"/>
+              <a:chExt cx="421105" cy="425862"/>
+            </a:xfrm>
+          </p:grpSpPr>
+          <p:grpSp>
+            <p:nvGrpSpPr>
+              <p:cNvPr id="34" name="グループ化 33"/>
+              <p:cNvGrpSpPr/>
+              <p:nvPr/>
+            </p:nvGrpSpPr>
+            <p:grpSpPr>
+              <a:xfrm>
+                <a:off x="4463716" y="2702349"/>
+                <a:ext cx="421105" cy="425862"/>
+                <a:chOff x="4463716" y="2702349"/>
+                <a:chExt cx="421105" cy="425862"/>
+              </a:xfrm>
+            </p:grpSpPr>
+            <p:sp>
+              <p:nvSpPr>
+                <p:cNvPr id="37" name="正方形/長方形 36"/>
+                <p:cNvSpPr/>
+                <p:nvPr/>
+              </p:nvSpPr>
+              <p:spPr>
+                <a:xfrm>
+                  <a:off x="4463716" y="2851484"/>
+                  <a:ext cx="421105" cy="276727"/>
+                </a:xfrm>
+                <a:prstGeom prst="rect">
+                  <a:avLst/>
+                </a:prstGeom>
+                <a:blipFill>
+                  <a:blip r:embed="rId2"/>
+                  <a:tile tx="0" ty="0" sx="100000" sy="100000" flip="none" algn="tl"/>
+                </a:blipFill>
+                <a:ln w="6350" cap="flat" cmpd="sng" algn="ctr">
+                  <a:solidFill>
+                    <a:sysClr val="windowText" lastClr="000000"/>
+                  </a:solidFill>
+                  <a:prstDash val="solid"/>
+                  <a:miter lim="800000"/>
+                </a:ln>
+                <a:effectLst/>
+              </p:spPr>
+              <p:txBody>
+                <a:bodyPr rtlCol="0" anchor="ctr"/>
+                <a:lstStyle/>
+                <a:p>
+                  <a:pPr marL="0" marR="0" lvl="0" indent="0" algn="ctr" defTabSz="914400" eaLnBrk="1" fontAlgn="auto" latinLnBrk="0" hangingPunct="1">
+                    <a:lnSpc>
+                      <a:spcPct val="100000"/>
+                    </a:lnSpc>
+                    <a:spcBef>
+                      <a:spcPts val="0"/>
+                    </a:spcBef>
+                    <a:spcAft>
+                      <a:spcPts val="0"/>
+                    </a:spcAft>
+                    <a:buClrTx/>
+                    <a:buSzTx/>
+                    <a:buFontTx/>
+                    <a:buNone/>
+                    <a:tabLst/>
+                    <a:defRPr/>
+                  </a:pPr>
+                  <a:endParaRPr kumimoji="1" lang="ja-JP" altLang="en-US" sz="1800" b="0" i="0" u="none" strike="noStrike" kern="0" cap="none" spc="0" normalizeH="0" baseline="0" noProof="0" smtClean="0">
+                    <a:ln>
+                      <a:noFill/>
+                    </a:ln>
+                    <a:solidFill>
+                      <a:prstClr val="white"/>
+                    </a:solidFill>
+                    <a:effectLst/>
+                    <a:uLnTx/>
+                    <a:uFillTx/>
+                    <a:latin typeface="Calibri" panose="020F0502020204030204"/>
+                    <a:ea typeface="ＭＳ Ｐゴシック" panose="020B0600070205080204" pitchFamily="50" charset="-128"/>
+                    <a:cs typeface="+mn-cs"/>
+                  </a:endParaRPr>
+                </a:p>
+              </p:txBody>
+            </p:sp>
+            <p:sp>
+              <p:nvSpPr>
+                <p:cNvPr id="38" name="円/楕円 37"/>
+                <p:cNvSpPr/>
+                <p:nvPr/>
+              </p:nvSpPr>
+              <p:spPr>
+                <a:xfrm>
+                  <a:off x="4553576" y="2939841"/>
+                  <a:ext cx="61287" cy="67034"/>
+                </a:xfrm>
+                <a:prstGeom prst="ellipse">
+                  <a:avLst/>
+                </a:prstGeom>
+                <a:solidFill>
+                  <a:sysClr val="windowText" lastClr="000000"/>
+                </a:solidFill>
+                <a:ln w="12700" cap="flat" cmpd="sng" algn="ctr">
+                  <a:solidFill>
+                    <a:sysClr val="windowText" lastClr="000000">
+                      <a:shade val="50000"/>
+                    </a:sysClr>
+                  </a:solidFill>
+                  <a:prstDash val="solid"/>
+                  <a:miter lim="800000"/>
+                </a:ln>
+                <a:effectLst/>
+              </p:spPr>
+              <p:txBody>
+                <a:bodyPr rtlCol="0" anchor="ctr"/>
+                <a:lstStyle/>
+                <a:p>
+                  <a:pPr marL="0" marR="0" lvl="0" indent="0" algn="ctr" defTabSz="914400" eaLnBrk="1" fontAlgn="auto" latinLnBrk="0" hangingPunct="1">
+                    <a:lnSpc>
+                      <a:spcPct val="100000"/>
+                    </a:lnSpc>
+                    <a:spcBef>
+                      <a:spcPts val="0"/>
+                    </a:spcBef>
+                    <a:spcAft>
+                      <a:spcPts val="0"/>
+                    </a:spcAft>
+                    <a:buClrTx/>
+                    <a:buSzTx/>
+                    <a:buFontTx/>
+                    <a:buNone/>
+                    <a:tabLst/>
+                    <a:defRPr/>
+                  </a:pPr>
+                  <a:endParaRPr kumimoji="1" lang="ja-JP" altLang="en-US" sz="1800" b="0" i="0" u="none" strike="noStrike" kern="0" cap="none" spc="0" normalizeH="0" baseline="0" noProof="0" smtClean="0">
+                    <a:ln>
+                      <a:noFill/>
+                    </a:ln>
+                    <a:solidFill>
+                      <a:prstClr val="white"/>
+                    </a:solidFill>
+                    <a:effectLst/>
+                    <a:uLnTx/>
+                    <a:uFillTx/>
+                    <a:latin typeface="Calibri" panose="020F0502020204030204"/>
+                    <a:ea typeface="ＭＳ Ｐゴシック" panose="020B0600070205080204" pitchFamily="50" charset="-128"/>
+                    <a:cs typeface="+mn-cs"/>
+                  </a:endParaRPr>
+                </a:p>
+              </p:txBody>
+            </p:sp>
+            <p:sp>
+              <p:nvSpPr>
+                <p:cNvPr id="39" name="円/楕円 38"/>
+                <p:cNvSpPr/>
+                <p:nvPr/>
+              </p:nvSpPr>
+              <p:spPr>
+                <a:xfrm>
+                  <a:off x="4731280" y="2939841"/>
+                  <a:ext cx="63143" cy="67034"/>
+                </a:xfrm>
+                <a:prstGeom prst="ellipse">
+                  <a:avLst/>
+                </a:prstGeom>
+                <a:solidFill>
+                  <a:sysClr val="windowText" lastClr="000000"/>
+                </a:solidFill>
+                <a:ln w="12700" cap="flat" cmpd="sng" algn="ctr">
+                  <a:solidFill>
+                    <a:sysClr val="windowText" lastClr="000000">
+                      <a:shade val="50000"/>
+                    </a:sysClr>
+                  </a:solidFill>
+                  <a:prstDash val="solid"/>
+                  <a:miter lim="800000"/>
+                </a:ln>
+                <a:effectLst/>
+              </p:spPr>
+              <p:txBody>
+                <a:bodyPr rtlCol="0" anchor="ctr"/>
+                <a:lstStyle/>
+                <a:p>
+                  <a:pPr marL="0" marR="0" lvl="0" indent="0" algn="ctr" defTabSz="914400" eaLnBrk="1" fontAlgn="auto" latinLnBrk="0" hangingPunct="1">
+                    <a:lnSpc>
+                      <a:spcPct val="100000"/>
+                    </a:lnSpc>
+                    <a:spcBef>
+                      <a:spcPts val="0"/>
+                    </a:spcBef>
+                    <a:spcAft>
+                      <a:spcPts val="0"/>
+                    </a:spcAft>
+                    <a:buClrTx/>
+                    <a:buSzTx/>
+                    <a:buFontTx/>
+                    <a:buNone/>
+                    <a:tabLst/>
+                    <a:defRPr/>
+                  </a:pPr>
+                  <a:endParaRPr kumimoji="1" lang="ja-JP" altLang="en-US" sz="1800" b="0" i="0" u="none" strike="noStrike" kern="0" cap="none" spc="0" normalizeH="0" baseline="0" noProof="0" smtClean="0">
+                    <a:ln>
+                      <a:noFill/>
+                    </a:ln>
+                    <a:solidFill>
+                      <a:prstClr val="white"/>
+                    </a:solidFill>
+                    <a:effectLst/>
+                    <a:uLnTx/>
+                    <a:uFillTx/>
+                    <a:latin typeface="Calibri" panose="020F0502020204030204"/>
+                    <a:ea typeface="ＭＳ Ｐゴシック" panose="020B0600070205080204" pitchFamily="50" charset="-128"/>
+                    <a:cs typeface="+mn-cs"/>
+                  </a:endParaRPr>
+                </a:p>
+              </p:txBody>
+            </p:sp>
+            <p:sp>
+              <p:nvSpPr>
+                <p:cNvPr id="40" name="円/楕円 39"/>
+                <p:cNvSpPr/>
+                <p:nvPr/>
+              </p:nvSpPr>
+              <p:spPr>
+                <a:xfrm>
+                  <a:off x="4772973" y="2702349"/>
+                  <a:ext cx="45719" cy="45719"/>
+                </a:xfrm>
+                <a:prstGeom prst="ellipse">
+                  <a:avLst/>
+                </a:prstGeom>
+                <a:solidFill>
+                  <a:sysClr val="windowText" lastClr="000000"/>
+                </a:solidFill>
+                <a:ln w="12700" cap="flat" cmpd="sng" algn="ctr">
+                  <a:noFill/>
+                  <a:prstDash val="solid"/>
+                  <a:miter lim="800000"/>
+                </a:ln>
+                <a:effectLst/>
+              </p:spPr>
+              <p:txBody>
+                <a:bodyPr rtlCol="0" anchor="ctr"/>
+                <a:lstStyle/>
+                <a:p>
+                  <a:pPr marL="0" marR="0" lvl="0" indent="0" algn="ctr" defTabSz="914400" eaLnBrk="1" fontAlgn="auto" latinLnBrk="0" hangingPunct="1">
+                    <a:lnSpc>
+                      <a:spcPct val="100000"/>
+                    </a:lnSpc>
+                    <a:spcBef>
+                      <a:spcPts val="0"/>
+                    </a:spcBef>
+                    <a:spcAft>
+                      <a:spcPts val="0"/>
+                    </a:spcAft>
+                    <a:buClrTx/>
+                    <a:buSzTx/>
+                    <a:buFontTx/>
+                    <a:buNone/>
+                    <a:tabLst/>
+                    <a:defRPr/>
+                  </a:pPr>
+                  <a:endParaRPr kumimoji="1" lang="ja-JP" altLang="en-US" sz="1800" b="0" i="0" u="none" strike="noStrike" kern="0" cap="none" spc="0" normalizeH="0" baseline="0" noProof="0" smtClean="0">
+                    <a:ln>
+                      <a:noFill/>
+                    </a:ln>
+                    <a:solidFill>
+                      <a:prstClr val="white"/>
+                    </a:solidFill>
+                    <a:effectLst/>
+                    <a:uLnTx/>
+                    <a:uFillTx/>
+                    <a:latin typeface="Calibri" panose="020F0502020204030204"/>
+                    <a:ea typeface="ＭＳ Ｐゴシック" panose="020B0600070205080204" pitchFamily="50" charset="-128"/>
+                    <a:cs typeface="+mn-cs"/>
+                  </a:endParaRPr>
+                </a:p>
+              </p:txBody>
+            </p:sp>
+            <p:sp>
+              <p:nvSpPr>
+                <p:cNvPr id="41" name="円/楕円 40"/>
+                <p:cNvSpPr/>
+                <p:nvPr/>
+              </p:nvSpPr>
+              <p:spPr>
+                <a:xfrm>
+                  <a:off x="4530575" y="2702349"/>
+                  <a:ext cx="45719" cy="45719"/>
+                </a:xfrm>
+                <a:prstGeom prst="ellipse">
+                  <a:avLst/>
+                </a:prstGeom>
+                <a:solidFill>
+                  <a:sysClr val="windowText" lastClr="000000"/>
+                </a:solidFill>
+                <a:ln w="12700" cap="flat" cmpd="sng" algn="ctr">
+                  <a:noFill/>
+                  <a:prstDash val="solid"/>
+                  <a:miter lim="800000"/>
+                </a:ln>
+                <a:effectLst/>
+              </p:spPr>
+              <p:txBody>
+                <a:bodyPr rtlCol="0" anchor="ctr"/>
+                <a:lstStyle/>
+                <a:p>
+                  <a:pPr marL="0" marR="0" lvl="0" indent="0" algn="ctr" defTabSz="914400" eaLnBrk="1" fontAlgn="auto" latinLnBrk="0" hangingPunct="1">
+                    <a:lnSpc>
+                      <a:spcPct val="100000"/>
+                    </a:lnSpc>
+                    <a:spcBef>
+                      <a:spcPts val="0"/>
+                    </a:spcBef>
+                    <a:spcAft>
+                      <a:spcPts val="0"/>
+                    </a:spcAft>
+                    <a:buClrTx/>
+                    <a:buSzTx/>
+                    <a:buFontTx/>
+                    <a:buNone/>
+                    <a:tabLst/>
+                    <a:defRPr/>
+                  </a:pPr>
+                  <a:endParaRPr kumimoji="1" lang="ja-JP" altLang="en-US" sz="1800" b="0" i="0" u="none" strike="noStrike" kern="0" cap="none" spc="0" normalizeH="0" baseline="0" noProof="0" smtClean="0">
+                    <a:ln>
+                      <a:noFill/>
+                    </a:ln>
+                    <a:solidFill>
+                      <a:prstClr val="white"/>
+                    </a:solidFill>
+                    <a:effectLst/>
+                    <a:uLnTx/>
+                    <a:uFillTx/>
+                    <a:latin typeface="Calibri" panose="020F0502020204030204"/>
+                    <a:ea typeface="ＭＳ Ｐゴシック" panose="020B0600070205080204" pitchFamily="50" charset="-128"/>
+                    <a:cs typeface="+mn-cs"/>
+                  </a:endParaRPr>
+                </a:p>
+              </p:txBody>
+            </p:sp>
+          </p:grpSp>
+          <p:cxnSp>
+            <p:nvCxnSpPr>
+              <p:cNvPr id="35" name="直線コネクタ 34"/>
+              <p:cNvCxnSpPr>
+                <a:stCxn id="40" idx="4"/>
+              </p:cNvCxnSpPr>
+              <p:nvPr/>
+            </p:nvCxnSpPr>
+            <p:spPr>
+              <a:xfrm flipH="1">
+                <a:off x="4794423" y="2748068"/>
+                <a:ext cx="1410" cy="104578"/>
+              </a:xfrm>
+              <a:prstGeom prst="line">
+                <a:avLst/>
+              </a:prstGeom>
+              <a:noFill/>
+              <a:ln w="6350" cap="flat" cmpd="sng" algn="ctr">
+                <a:solidFill>
+                  <a:sysClr val="windowText" lastClr="000000"/>
+                </a:solidFill>
+                <a:prstDash val="solid"/>
+                <a:miter lim="800000"/>
+              </a:ln>
+              <a:effectLst/>
+            </p:spPr>
+          </p:cxnSp>
+          <p:cxnSp>
+            <p:nvCxnSpPr>
+              <p:cNvPr id="36" name="直線コネクタ 35"/>
+              <p:cNvCxnSpPr>
+                <a:stCxn id="41" idx="4"/>
+              </p:cNvCxnSpPr>
+              <p:nvPr/>
+            </p:nvCxnSpPr>
+            <p:spPr>
+              <a:xfrm flipH="1">
+                <a:off x="4553434" y="2748068"/>
+                <a:ext cx="1" cy="103416"/>
+              </a:xfrm>
+              <a:prstGeom prst="line">
+                <a:avLst/>
+              </a:prstGeom>
+              <a:noFill/>
+              <a:ln w="6350" cap="flat" cmpd="sng" algn="ctr">
+                <a:solidFill>
+                  <a:sysClr val="windowText" lastClr="000000"/>
+                </a:solidFill>
+                <a:prstDash val="solid"/>
+                <a:miter lim="800000"/>
+              </a:ln>
+              <a:effectLst/>
+            </p:spPr>
+          </p:cxnSp>
+        </p:grpSp>
+        <p:sp>
+          <p:nvSpPr>
+            <p:cNvPr id="33" name="テキスト ボックス 32"/>
+            <p:cNvSpPr txBox="1"/>
+            <p:nvPr/>
+          </p:nvSpPr>
+          <p:spPr>
+            <a:xfrm>
+              <a:off x="2440704" y="1531772"/>
+              <a:ext cx="1005403" cy="584775"/>
+            </a:xfrm>
+            <a:prstGeom prst="rect">
+              <a:avLst/>
+            </a:prstGeom>
+            <a:noFill/>
+          </p:spPr>
+          <p:txBody>
+            <a:bodyPr wrap="none" rtlCol="0">
+              <a:spAutoFit/>
+            </a:bodyPr>
+            <a:lstStyle/>
+            <a:p>
+              <a:r>
+                <a:rPr kumimoji="1" lang="ja-JP" altLang="en-US" sz="3200" dirty="0"/>
+                <a:t>音源</a:t>
+              </a:r>
+            </a:p>
+          </p:txBody>
+        </p:sp>
+      </p:grpSp>
+      <p:sp>
+        <p:nvSpPr>
+          <p:cNvPr id="43" name="テキスト ボックス 42"/>
+          <p:cNvSpPr txBox="1"/>
+          <p:nvPr/>
+        </p:nvSpPr>
+        <p:spPr>
+          <a:xfrm>
+            <a:off x="2010055" y="2451552"/>
+            <a:ext cx="6277681" cy="461665"/>
+          </a:xfrm>
+          <a:prstGeom prst="rect">
+            <a:avLst/>
+          </a:prstGeom>
+          <a:noFill/>
+        </p:spPr>
+        <p:txBody>
+          <a:bodyPr wrap="none" rtlCol="0">
+            <a:spAutoFit/>
+          </a:bodyPr>
+          <a:lstStyle/>
+          <a:p>
+            <a:r>
+              <a:rPr kumimoji="1" lang="ja-JP" altLang="en-US" sz="2400" dirty="0" smtClean="0"/>
+              <a:t>当講習のメインカリキュラムである</a:t>
+            </a:r>
+            <a:r>
+              <a:rPr kumimoji="1" lang="en-US" altLang="ja-JP" sz="2400" dirty="0" smtClean="0"/>
+              <a:t>Unity</a:t>
+            </a:r>
+            <a:r>
+              <a:rPr kumimoji="1" lang="ja-JP" altLang="en-US" sz="2400" dirty="0" smtClean="0"/>
+              <a:t>を使用。</a:t>
+            </a:r>
+            <a:endParaRPr kumimoji="1" lang="ja-JP" altLang="en-US" sz="2400" dirty="0"/>
+          </a:p>
+        </p:txBody>
+      </p:sp>
+      <p:sp>
+        <p:nvSpPr>
+          <p:cNvPr id="44" name="テキスト ボックス 43"/>
+          <p:cNvSpPr txBox="1"/>
+          <p:nvPr/>
+        </p:nvSpPr>
+        <p:spPr>
+          <a:xfrm>
+            <a:off x="2010056" y="4142357"/>
+            <a:ext cx="8238126" cy="830997"/>
+          </a:xfrm>
+          <a:prstGeom prst="rect">
+            <a:avLst/>
+          </a:prstGeom>
+          <a:noFill/>
+        </p:spPr>
+        <p:txBody>
+          <a:bodyPr wrap="square" rtlCol="0">
+            <a:spAutoFit/>
+          </a:bodyPr>
+          <a:lstStyle/>
+          <a:p>
+            <a:r>
+              <a:rPr kumimoji="1" lang="ja-JP" altLang="en-US" sz="2400" dirty="0" smtClean="0"/>
+              <a:t>今回のロボット作成のためだけに、渡辺さんが最初から勉強</a:t>
+            </a:r>
+            <a:r>
+              <a:rPr kumimoji="1" lang="ja-JP" altLang="en-US" sz="2400" dirty="0" smtClean="0"/>
+              <a:t>し</a:t>
+            </a:r>
+            <a:endParaRPr kumimoji="1" lang="en-US" altLang="ja-JP" sz="2400" dirty="0" smtClean="0"/>
+          </a:p>
+          <a:p>
+            <a:r>
+              <a:rPr kumimoji="1" lang="ja-JP" altLang="en-US" sz="2400" dirty="0" smtClean="0"/>
+              <a:t>作成・骨入れをしてくれました。</a:t>
+            </a:r>
+            <a:endParaRPr kumimoji="1" lang="ja-JP" altLang="en-US" sz="2400" dirty="0"/>
+          </a:p>
+        </p:txBody>
+      </p:sp>
+    </p:spTree>
+    <p:extLst>
+      <p:ext uri="{BB962C8B-B14F-4D97-AF65-F5344CB8AC3E}">
+        <p14:creationId xmlns:p14="http://schemas.microsoft.com/office/powerpoint/2010/main" val="3800054977"/>
+      </p:ext>
+    </p:extLst>
+  </p:cSld>
+  <p:clrMapOvr>
+    <a:masterClrMapping/>
+  </p:clrMapOvr>
+  <p:timing>
+    <p:tnLst>
+      <p:par>
+        <p:cTn id="1" dur="indefinite" restart="never" nodeType="tmRoot"/>
+      </p:par>
+    </p:tnLst>
+  </p:timing>
+</p:sld>
+</file>
+
+<file path=ppt/slides/slide12.xml><?xml version="1.0" encoding="utf-8"?>
+<p:sld xmlns:a="http://schemas.openxmlformats.org/drawingml/2006/main" xmlns:r="http://schemas.openxmlformats.org/officeDocument/2006/relationships" xmlns:p="http://schemas.openxmlformats.org/presentationml/2006/main">
+  <p:cSld>
+    <p:spTree>
+      <p:nvGrpSpPr>
+        <p:cNvPr id="1" name=""/>
+        <p:cNvGrpSpPr/>
+        <p:nvPr/>
+      </p:nvGrpSpPr>
+      <p:grpSpPr>
+        <a:xfrm>
+          <a:off x="0" y="0"/>
+          <a:ext cx="0" cy="0"/>
+          <a:chOff x="0" y="0"/>
+          <a:chExt cx="0" cy="0"/>
+        </a:xfrm>
+      </p:grpSpPr>
+    </p:spTree>
+    <p:extLst>
+      <p:ext uri="{BB962C8B-B14F-4D97-AF65-F5344CB8AC3E}">
+        <p14:creationId xmlns:p14="http://schemas.microsoft.com/office/powerpoint/2010/main" val="3912240623"/>
       </p:ext>
     </p:extLst>
   </p:cSld>
@@ -12881,8 +14723,8 @@
         </p:nvSpPr>
         <p:spPr>
           <a:xfrm>
-            <a:off x="4617070" y="258793"/>
-            <a:ext cx="2957861" cy="646331"/>
+            <a:off x="4376619" y="258793"/>
+            <a:ext cx="3438762" cy="769441"/>
           </a:xfrm>
           <a:prstGeom prst="rect">
             <a:avLst/>
@@ -12896,10 +14738,448 @@
           <a:lstStyle/>
           <a:p>
             <a:r>
-              <a:rPr kumimoji="1" lang="ja-JP" altLang="en-US" sz="3600" dirty="0" smtClean="0"/>
-              <a:t>タイトルとは？</a:t>
-            </a:r>
-            <a:endParaRPr kumimoji="1" lang="ja-JP" altLang="en-US" sz="3600" dirty="0"/>
+              <a:rPr kumimoji="1" lang="en-US" altLang="ja-JP" sz="4400" b="1" dirty="0">
+                <a:blipFill>
+                  <a:blip r:embed="rId2"/>
+                  <a:tile tx="0" ty="0" sx="100000" sy="100000" flip="none" algn="tl"/>
+                </a:blipFill>
+                <a:effectLst>
+                  <a:outerShdw blurRad="38100" dist="38100" dir="2700000" algn="tl">
+                    <a:srgbClr val="000000">
+                      <a:alpha val="43137"/>
+                    </a:srgbClr>
+                  </a:outerShdw>
+                </a:effectLst>
+                <a:latin typeface="GungsuhChe" panose="02030609000101010101" pitchFamily="49" charset="-127"/>
+                <a:ea typeface="GungsuhChe" panose="02030609000101010101" pitchFamily="49" charset="-127"/>
+              </a:rPr>
+              <a:t>Riddle</a:t>
+            </a:r>
+            <a:r>
+              <a:rPr kumimoji="1" lang="ja-JP" altLang="en-US" sz="4400" dirty="0" smtClean="0"/>
+              <a:t>とは？</a:t>
+            </a:r>
+            <a:endParaRPr kumimoji="1" lang="ja-JP" altLang="en-US" sz="4400" dirty="0"/>
+          </a:p>
+        </p:txBody>
+      </p:sp>
+      <p:sp>
+        <p:nvSpPr>
+          <p:cNvPr id="3" name="テキスト ボックス 2"/>
+          <p:cNvSpPr txBox="1"/>
+          <p:nvPr/>
+        </p:nvSpPr>
+        <p:spPr>
+          <a:xfrm>
+            <a:off x="811541" y="1228333"/>
+            <a:ext cx="10568919" cy="4585871"/>
+          </a:xfrm>
+          <a:prstGeom prst="rect">
+            <a:avLst/>
+          </a:prstGeom>
+          <a:noFill/>
+        </p:spPr>
+        <p:txBody>
+          <a:bodyPr wrap="none" rtlCol="0">
+            <a:spAutoFit/>
+          </a:bodyPr>
+          <a:lstStyle/>
+          <a:p>
+            <a:r>
+              <a:rPr kumimoji="1" lang="ja-JP" altLang="en-US" sz="2400" b="1" dirty="0" smtClean="0"/>
+              <a:t>音節 </a:t>
+            </a:r>
+            <a:r>
+              <a:rPr kumimoji="1" lang="en-US" altLang="ja-JP" sz="2400" dirty="0" smtClean="0"/>
+              <a:t>rid</a:t>
+            </a:r>
+            <a:r>
+              <a:rPr kumimoji="1" lang="ja-JP" altLang="en-US" sz="2400" dirty="0" smtClean="0"/>
+              <a:t>・</a:t>
+            </a:r>
+            <a:r>
+              <a:rPr kumimoji="1" lang="en-US" altLang="ja-JP" sz="2400" dirty="0" err="1" smtClean="0"/>
+              <a:t>dle</a:t>
+            </a:r>
+            <a:r>
+              <a:rPr kumimoji="1" lang="ja-JP" altLang="en-US" sz="2400" b="1" dirty="0" smtClean="0"/>
+              <a:t>　</a:t>
+            </a:r>
+            <a:r>
+              <a:rPr lang="en-US" altLang="ja-JP" sz="2400" b="1" dirty="0"/>
+              <a:t> </a:t>
+            </a:r>
+            <a:r>
+              <a:rPr lang="ja-JP" altLang="en-US" sz="2400" b="1" dirty="0" smtClean="0"/>
+              <a:t>発音記号 </a:t>
+            </a:r>
+            <a:r>
+              <a:rPr lang="en-US" altLang="ja-JP" sz="2400" dirty="0" err="1" smtClean="0"/>
+              <a:t>rídl</a:t>
+            </a:r>
+            <a:endParaRPr lang="en-US" altLang="ja-JP" sz="2400" dirty="0" smtClean="0"/>
+          </a:p>
+          <a:p>
+            <a:endParaRPr kumimoji="1" lang="en-US" altLang="ja-JP" sz="2400" b="1" dirty="0" smtClean="0"/>
+          </a:p>
+          <a:p>
+            <a:r>
+              <a:rPr kumimoji="1" lang="en-US" altLang="ja-JP" sz="2800" dirty="0" smtClean="0"/>
+              <a:t>【</a:t>
+            </a:r>
+            <a:r>
+              <a:rPr kumimoji="1" lang="ja-JP" altLang="en-US" sz="2800" dirty="0" smtClean="0"/>
+              <a:t>名詞</a:t>
+            </a:r>
+            <a:r>
+              <a:rPr kumimoji="1" lang="en-US" altLang="ja-JP" sz="2800" dirty="0"/>
+              <a:t>】【</a:t>
+            </a:r>
+            <a:r>
+              <a:rPr kumimoji="1" lang="ja-JP" altLang="en-US" sz="2800" dirty="0"/>
+              <a:t>可算名詞</a:t>
+            </a:r>
+            <a:r>
+              <a:rPr kumimoji="1" lang="en-US" altLang="ja-JP" sz="2800" dirty="0"/>
+              <a:t>】</a:t>
+            </a:r>
+          </a:p>
+          <a:p>
+            <a:r>
+              <a:rPr kumimoji="1" lang="en-US" altLang="ja-JP" sz="2400" b="1" dirty="0" smtClean="0"/>
+              <a:t>1.</a:t>
+            </a:r>
+            <a:r>
+              <a:rPr kumimoji="1" lang="ja-JP" altLang="en-US" sz="2400" b="1" dirty="0"/>
+              <a:t> </a:t>
+            </a:r>
+            <a:r>
+              <a:rPr kumimoji="1" lang="en-US" altLang="ja-JP" sz="2400" b="1" dirty="0" smtClean="0"/>
+              <a:t>(</a:t>
+            </a:r>
+            <a:r>
+              <a:rPr kumimoji="1" lang="ja-JP" altLang="en-US" sz="2400" b="1" dirty="0"/>
+              <a:t>当てものなどの</a:t>
+            </a:r>
+            <a:r>
+              <a:rPr kumimoji="1" lang="en-US" altLang="ja-JP" sz="2400" b="1" dirty="0"/>
+              <a:t>)</a:t>
+            </a:r>
+            <a:r>
+              <a:rPr kumimoji="1" lang="ja-JP" altLang="en-US" sz="2400" b="1" dirty="0"/>
+              <a:t>なぞ，なぞなぞ，判じ物 </a:t>
+            </a:r>
+            <a:r>
+              <a:rPr kumimoji="1" lang="en-US" altLang="ja-JP" sz="2400" b="1" dirty="0"/>
+              <a:t>《★</a:t>
+            </a:r>
+            <a:r>
+              <a:rPr kumimoji="1" lang="ja-JP" altLang="en-US" sz="2400" b="1" dirty="0"/>
+              <a:t>例</a:t>
+            </a:r>
+            <a:r>
+              <a:rPr kumimoji="1" lang="en-US" altLang="ja-JP" sz="2400" b="1" dirty="0"/>
+              <a:t>: </a:t>
+            </a:r>
+            <a:r>
+              <a:rPr kumimoji="1" lang="en-US" altLang="ja-JP" sz="2400" b="1" i="1" dirty="0"/>
+              <a:t>What gets wet when drying? </a:t>
+            </a:r>
+            <a:endParaRPr kumimoji="1" lang="en-US" altLang="ja-JP" sz="2400" b="1" i="1" dirty="0" smtClean="0"/>
+          </a:p>
+          <a:p>
+            <a:r>
+              <a:rPr kumimoji="1" lang="ja-JP" altLang="en-US" sz="2400" b="1" dirty="0" smtClean="0"/>
+              <a:t>　　</a:t>
+            </a:r>
+            <a:r>
+              <a:rPr kumimoji="1" lang="en-US" altLang="ja-JP" sz="2400" b="1" dirty="0" smtClean="0"/>
+              <a:t>(</a:t>
+            </a:r>
+            <a:r>
+              <a:rPr kumimoji="1" lang="ja-JP" altLang="en-US" sz="2400" b="1" dirty="0"/>
+              <a:t>乾かす時</a:t>
+            </a:r>
+            <a:r>
+              <a:rPr kumimoji="1" lang="ja-JP" altLang="en-US" sz="2400" b="1" dirty="0" smtClean="0"/>
+              <a:t>に濡れる</a:t>
+            </a:r>
+            <a:r>
+              <a:rPr kumimoji="1" lang="ja-JP" altLang="en-US" sz="2400" b="1" dirty="0" err="1"/>
+              <a:t>ものなあに</a:t>
+            </a:r>
+            <a:r>
+              <a:rPr kumimoji="1" lang="en-US" altLang="ja-JP" sz="2400" b="1" dirty="0"/>
+              <a:t>) </a:t>
+            </a:r>
+            <a:r>
+              <a:rPr kumimoji="1" lang="ja-JP" altLang="en-US" sz="2400" b="1" dirty="0" smtClean="0"/>
+              <a:t>答え</a:t>
+            </a:r>
+            <a:r>
+              <a:rPr kumimoji="1" lang="ja-JP" altLang="en-US" sz="2400" b="1" dirty="0"/>
+              <a:t>は </a:t>
+            </a:r>
+            <a:r>
+              <a:rPr kumimoji="1" lang="en-US" altLang="ja-JP" sz="2400" dirty="0"/>
+              <a:t>A towel</a:t>
+            </a:r>
+            <a:r>
+              <a:rPr kumimoji="1" lang="en-US" altLang="ja-JP" sz="2400" b="1" dirty="0" smtClean="0"/>
+              <a:t>.》.</a:t>
+            </a:r>
+          </a:p>
+          <a:p>
+            <a:r>
+              <a:rPr kumimoji="1" lang="en-US" altLang="ja-JP" sz="2400" b="1" dirty="0" smtClean="0"/>
+              <a:t>			</a:t>
+            </a:r>
+            <a:r>
+              <a:rPr kumimoji="1" lang="ja-JP" altLang="en-US" sz="2400" b="1" dirty="0" smtClean="0"/>
+              <a:t>用例　</a:t>
+            </a:r>
+            <a:r>
+              <a:rPr kumimoji="1" lang="en-US" altLang="ja-JP" sz="2400" dirty="0"/>
+              <a:t>solve</a:t>
+            </a:r>
+            <a:r>
+              <a:rPr kumimoji="1" lang="en-US" altLang="ja-JP" sz="2400" b="1" dirty="0"/>
+              <a:t> [</a:t>
+            </a:r>
+            <a:r>
+              <a:rPr kumimoji="1" lang="en-US" altLang="ja-JP" sz="2400" dirty="0"/>
+              <a:t>find out, guess</a:t>
+            </a:r>
+            <a:r>
+              <a:rPr kumimoji="1" lang="en-US" altLang="ja-JP" sz="2400" b="1" dirty="0"/>
+              <a:t>] </a:t>
+            </a:r>
+            <a:r>
+              <a:rPr kumimoji="1" lang="en-US" altLang="ja-JP" sz="2400" dirty="0"/>
+              <a:t>a riddle </a:t>
+            </a:r>
+            <a:r>
+              <a:rPr kumimoji="1" lang="ja-JP" altLang="en-US" sz="2400" b="1" dirty="0"/>
+              <a:t>なぞを解く</a:t>
+            </a:r>
+            <a:r>
+              <a:rPr kumimoji="1" lang="en-US" altLang="ja-JP" sz="2400" b="1" dirty="0"/>
+              <a:t>.</a:t>
+            </a:r>
+          </a:p>
+          <a:p>
+            <a:endParaRPr kumimoji="1" lang="en-US" altLang="ja-JP" sz="2400" b="1" dirty="0" smtClean="0"/>
+          </a:p>
+          <a:p>
+            <a:r>
+              <a:rPr kumimoji="1" lang="en-US" altLang="ja-JP" sz="2400" b="1" dirty="0" smtClean="0"/>
+              <a:t>2.</a:t>
+            </a:r>
+            <a:r>
+              <a:rPr kumimoji="1" lang="ja-JP" altLang="en-US" sz="2400" b="1" dirty="0" smtClean="0"/>
+              <a:t> 不可解</a:t>
+            </a:r>
+            <a:r>
+              <a:rPr kumimoji="1" lang="ja-JP" altLang="en-US" sz="2400" b="1" dirty="0"/>
+              <a:t>なもの</a:t>
+            </a:r>
+            <a:r>
+              <a:rPr kumimoji="1" lang="en-US" altLang="ja-JP" sz="2400" b="1" dirty="0"/>
+              <a:t>[</a:t>
+            </a:r>
+            <a:r>
+              <a:rPr kumimoji="1" lang="ja-JP" altLang="en-US" sz="2400" b="1" dirty="0"/>
+              <a:t>人</a:t>
+            </a:r>
+            <a:r>
+              <a:rPr kumimoji="1" lang="en-US" altLang="ja-JP" sz="2400" b="1" dirty="0" smtClean="0"/>
+              <a:t>].</a:t>
+            </a:r>
+          </a:p>
+          <a:p>
+            <a:r>
+              <a:rPr kumimoji="1" lang="en-US" altLang="ja-JP" sz="2400" b="1" dirty="0"/>
+              <a:t>	</a:t>
+            </a:r>
+            <a:r>
+              <a:rPr kumimoji="1" lang="en-US" altLang="ja-JP" sz="2400" b="1" dirty="0" smtClean="0"/>
+              <a:t>		</a:t>
+            </a:r>
+            <a:r>
+              <a:rPr kumimoji="1" lang="ja-JP" altLang="en-US" sz="2400" b="1" dirty="0"/>
+              <a:t>用例　</a:t>
+            </a:r>
+            <a:r>
+              <a:rPr kumimoji="1" lang="en-US" altLang="ja-JP" sz="2400" dirty="0"/>
+              <a:t>He's a riddle to me</a:t>
+            </a:r>
+            <a:r>
+              <a:rPr kumimoji="1" lang="en-US" altLang="ja-JP" sz="2400" b="1" dirty="0"/>
+              <a:t>. </a:t>
+            </a:r>
+            <a:r>
+              <a:rPr kumimoji="1" lang="ja-JP" altLang="en-US" sz="2400" b="1" dirty="0"/>
+              <a:t>私には彼という人物はわからない</a:t>
+            </a:r>
+            <a:r>
+              <a:rPr kumimoji="1" lang="en-US" altLang="ja-JP" sz="2400" b="1" dirty="0" smtClean="0"/>
+              <a:t>.</a:t>
+            </a:r>
+          </a:p>
+          <a:p>
+            <a:endParaRPr kumimoji="1" lang="en-US" altLang="ja-JP" sz="2400" b="1" dirty="0"/>
+          </a:p>
+          <a:p>
+            <a:pPr algn="r"/>
+            <a:r>
+              <a:rPr kumimoji="1" lang="ja-JP" altLang="en-US" sz="2400" b="1" dirty="0" smtClean="0"/>
+              <a:t>参考　　　</a:t>
+            </a:r>
+            <a:r>
+              <a:rPr kumimoji="1" lang="en-US" altLang="ja-JP" sz="2400" dirty="0" err="1" smtClean="0"/>
+              <a:t>Weblio</a:t>
+            </a:r>
+            <a:r>
+              <a:rPr kumimoji="1" lang="ja-JP" altLang="en-US" sz="2400" b="1" dirty="0" smtClean="0"/>
+              <a:t>英和和英</a:t>
+            </a:r>
+            <a:r>
+              <a:rPr kumimoji="1" lang="ja-JP" altLang="en-US" sz="2400" b="1" dirty="0"/>
+              <a:t>　</a:t>
+            </a:r>
+            <a:r>
+              <a:rPr kumimoji="1" lang="ja-JP" altLang="en-US" sz="2400" b="1" dirty="0" smtClean="0"/>
+              <a:t>　　　</a:t>
+            </a:r>
+            <a:endParaRPr kumimoji="1" lang="en-US" altLang="ja-JP" sz="2400" b="1" dirty="0" smtClean="0"/>
+          </a:p>
+          <a:p>
+            <a:pPr algn="r"/>
+            <a:r>
+              <a:rPr kumimoji="1" lang="zh-CN" altLang="en-US" sz="2400" b="1" dirty="0"/>
+              <a:t>研究社 新英和中辞典</a:t>
+            </a:r>
+            <a:endParaRPr kumimoji="1" lang="ja-JP" altLang="en-US" sz="2400" b="1" dirty="0"/>
+          </a:p>
+        </p:txBody>
+      </p:sp>
+      <p:sp>
+        <p:nvSpPr>
+          <p:cNvPr id="4" name="テキスト ボックス 3"/>
+          <p:cNvSpPr txBox="1"/>
+          <p:nvPr/>
+        </p:nvSpPr>
+        <p:spPr>
+          <a:xfrm>
+            <a:off x="4747714" y="5814204"/>
+            <a:ext cx="1927131" cy="707886"/>
+          </a:xfrm>
+          <a:prstGeom prst="rect">
+            <a:avLst/>
+          </a:prstGeom>
+          <a:noFill/>
+        </p:spPr>
+        <p:txBody>
+          <a:bodyPr wrap="none" rtlCol="0">
+            <a:spAutoFit/>
+          </a:bodyPr>
+          <a:lstStyle/>
+          <a:p>
+            <a:r>
+              <a:rPr kumimoji="1" lang="ja-JP" altLang="en-US" sz="4000" dirty="0" smtClean="0"/>
+              <a:t>ではなく</a:t>
+            </a:r>
+            <a:endParaRPr kumimoji="1" lang="ja-JP" altLang="en-US" sz="4000" dirty="0"/>
+          </a:p>
+        </p:txBody>
+      </p:sp>
+      <p:sp>
+        <p:nvSpPr>
+          <p:cNvPr id="5" name="テキスト ボックス 4"/>
+          <p:cNvSpPr txBox="1"/>
+          <p:nvPr/>
+        </p:nvSpPr>
+        <p:spPr>
+          <a:xfrm>
+            <a:off x="7036717" y="5814204"/>
+            <a:ext cx="441146" cy="707886"/>
+          </a:xfrm>
+          <a:prstGeom prst="rect">
+            <a:avLst/>
+          </a:prstGeom>
+          <a:noFill/>
+        </p:spPr>
+        <p:txBody>
+          <a:bodyPr wrap="none" rtlCol="0">
+            <a:spAutoFit/>
+          </a:bodyPr>
+          <a:lstStyle/>
+          <a:p>
+            <a:r>
+              <a:rPr kumimoji="1" lang="ja-JP" altLang="en-US" sz="4000" dirty="0" smtClean="0"/>
+              <a:t>・</a:t>
+            </a:r>
+            <a:endParaRPr kumimoji="1" lang="ja-JP" altLang="en-US" sz="4000" dirty="0"/>
+          </a:p>
+        </p:txBody>
+      </p:sp>
+      <p:sp>
+        <p:nvSpPr>
+          <p:cNvPr id="6" name="テキスト ボックス 5"/>
+          <p:cNvSpPr txBox="1"/>
+          <p:nvPr/>
+        </p:nvSpPr>
+        <p:spPr>
+          <a:xfrm>
+            <a:off x="7398589" y="5814204"/>
+            <a:ext cx="441146" cy="707886"/>
+          </a:xfrm>
+          <a:prstGeom prst="rect">
+            <a:avLst/>
+          </a:prstGeom>
+          <a:noFill/>
+        </p:spPr>
+        <p:txBody>
+          <a:bodyPr wrap="none" rtlCol="0">
+            <a:spAutoFit/>
+          </a:bodyPr>
+          <a:lstStyle/>
+          <a:p>
+            <a:r>
+              <a:rPr kumimoji="1" lang="ja-JP" altLang="en-US" sz="4000" dirty="0" smtClean="0"/>
+              <a:t>・</a:t>
+            </a:r>
+            <a:endParaRPr kumimoji="1" lang="ja-JP" altLang="en-US" sz="4000" dirty="0"/>
+          </a:p>
+        </p:txBody>
+      </p:sp>
+      <p:sp>
+        <p:nvSpPr>
+          <p:cNvPr id="7" name="テキスト ボックス 6"/>
+          <p:cNvSpPr txBox="1"/>
+          <p:nvPr/>
+        </p:nvSpPr>
+        <p:spPr>
+          <a:xfrm>
+            <a:off x="6674845" y="5814204"/>
+            <a:ext cx="441146" cy="707886"/>
+          </a:xfrm>
+          <a:prstGeom prst="rect">
+            <a:avLst/>
+          </a:prstGeom>
+          <a:noFill/>
+        </p:spPr>
+        <p:txBody>
+          <a:bodyPr wrap="none" rtlCol="0">
+            <a:spAutoFit/>
+          </a:bodyPr>
+          <a:lstStyle/>
+          <a:p>
+            <a:r>
+              <a:rPr kumimoji="1" lang="ja-JP" altLang="en-US" sz="4000" dirty="0" smtClean="0"/>
+              <a:t>・</a:t>
+            </a:r>
+            <a:endParaRPr kumimoji="1" lang="ja-JP" altLang="en-US" sz="4000" dirty="0"/>
           </a:p>
         </p:txBody>
       </p:sp>
@@ -12907,6 +15187,396 @@
     <p:extLst>
       <p:ext uri="{BB962C8B-B14F-4D97-AF65-F5344CB8AC3E}">
         <p14:creationId xmlns:p14="http://schemas.microsoft.com/office/powerpoint/2010/main" val="1879822293"/>
+      </p:ext>
+    </p:extLst>
+  </p:cSld>
+  <p:clrMapOvr>
+    <a:masterClrMapping/>
+  </p:clrMapOvr>
+  <p:timing>
+    <p:tnLst>
+      <p:par>
+        <p:cTn id="1" dur="indefinite" restart="never" nodeType="tmRoot">
+          <p:childTnLst>
+            <p:seq concurrent="1" nextAc="seek">
+              <p:cTn id="2" dur="indefinite" nodeType="mainSeq">
+                <p:childTnLst>
+                  <p:par>
+                    <p:cTn id="3" fill="hold">
+                      <p:stCondLst>
+                        <p:cond delay="indefinite"/>
+                      </p:stCondLst>
+                      <p:childTnLst>
+                        <p:par>
+                          <p:cTn id="4" fill="hold">
+                            <p:stCondLst>
+                              <p:cond delay="0"/>
+                            </p:stCondLst>
+                            <p:childTnLst>
+                              <p:par>
+                                <p:cTn id="5" presetID="10" presetClass="entr" presetSubtype="0" fill="hold" grpId="0" nodeType="clickEffect">
+                                  <p:stCondLst>
+                                    <p:cond delay="0"/>
+                                  </p:stCondLst>
+                                  <p:childTnLst>
+                                    <p:set>
+                                      <p:cBhvr>
+                                        <p:cTn id="6" dur="1" fill="hold">
+                                          <p:stCondLst>
+                                            <p:cond delay="0"/>
+                                          </p:stCondLst>
+                                        </p:cTn>
+                                        <p:tgtEl>
+                                          <p:spTgt spid="3"/>
+                                        </p:tgtEl>
+                                        <p:attrNameLst>
+                                          <p:attrName>style.visibility</p:attrName>
+                                        </p:attrNameLst>
+                                      </p:cBhvr>
+                                      <p:to>
+                                        <p:strVal val="visible"/>
+                                      </p:to>
+                                    </p:set>
+                                    <p:animEffect transition="in" filter="fade">
+                                      <p:cBhvr>
+                                        <p:cTn id="7" dur="500"/>
+                                        <p:tgtEl>
+                                          <p:spTgt spid="3"/>
+                                        </p:tgtEl>
+                                      </p:cBhvr>
+                                    </p:animEffect>
+                                  </p:childTnLst>
+                                </p:cTn>
+                              </p:par>
+                            </p:childTnLst>
+                          </p:cTn>
+                        </p:par>
+                      </p:childTnLst>
+                    </p:cTn>
+                  </p:par>
+                  <p:par>
+                    <p:cTn id="8" fill="hold">
+                      <p:stCondLst>
+                        <p:cond delay="indefinite"/>
+                      </p:stCondLst>
+                      <p:childTnLst>
+                        <p:par>
+                          <p:cTn id="9" fill="hold">
+                            <p:stCondLst>
+                              <p:cond delay="0"/>
+                            </p:stCondLst>
+                            <p:childTnLst>
+                              <p:par>
+                                <p:cTn id="10" presetID="10" presetClass="entr" presetSubtype="0" fill="hold" grpId="0" nodeType="clickEffect">
+                                  <p:stCondLst>
+                                    <p:cond delay="0"/>
+                                  </p:stCondLst>
+                                  <p:childTnLst>
+                                    <p:set>
+                                      <p:cBhvr>
+                                        <p:cTn id="11" dur="1" fill="hold">
+                                          <p:stCondLst>
+                                            <p:cond delay="0"/>
+                                          </p:stCondLst>
+                                        </p:cTn>
+                                        <p:tgtEl>
+                                          <p:spTgt spid="4"/>
+                                        </p:tgtEl>
+                                        <p:attrNameLst>
+                                          <p:attrName>style.visibility</p:attrName>
+                                        </p:attrNameLst>
+                                      </p:cBhvr>
+                                      <p:to>
+                                        <p:strVal val="visible"/>
+                                      </p:to>
+                                    </p:set>
+                                    <p:animEffect transition="in" filter="fade">
+                                      <p:cBhvr>
+                                        <p:cTn id="12" dur="500"/>
+                                        <p:tgtEl>
+                                          <p:spTgt spid="4"/>
+                                        </p:tgtEl>
+                                      </p:cBhvr>
+                                    </p:animEffect>
+                                  </p:childTnLst>
+                                </p:cTn>
+                              </p:par>
+                            </p:childTnLst>
+                          </p:cTn>
+                        </p:par>
+                        <p:par>
+                          <p:cTn id="13" fill="hold">
+                            <p:stCondLst>
+                              <p:cond delay="500"/>
+                            </p:stCondLst>
+                            <p:childTnLst>
+                              <p:par>
+                                <p:cTn id="14" presetID="10" presetClass="entr" presetSubtype="0" fill="hold" grpId="0" nodeType="afterEffect">
+                                  <p:stCondLst>
+                                    <p:cond delay="0"/>
+                                  </p:stCondLst>
+                                  <p:childTnLst>
+                                    <p:set>
+                                      <p:cBhvr>
+                                        <p:cTn id="15" dur="1" fill="hold">
+                                          <p:stCondLst>
+                                            <p:cond delay="0"/>
+                                          </p:stCondLst>
+                                        </p:cTn>
+                                        <p:tgtEl>
+                                          <p:spTgt spid="7"/>
+                                        </p:tgtEl>
+                                        <p:attrNameLst>
+                                          <p:attrName>style.visibility</p:attrName>
+                                        </p:attrNameLst>
+                                      </p:cBhvr>
+                                      <p:to>
+                                        <p:strVal val="visible"/>
+                                      </p:to>
+                                    </p:set>
+                                    <p:animEffect transition="in" filter="fade">
+                                      <p:cBhvr>
+                                        <p:cTn id="16" dur="500"/>
+                                        <p:tgtEl>
+                                          <p:spTgt spid="7"/>
+                                        </p:tgtEl>
+                                      </p:cBhvr>
+                                    </p:animEffect>
+                                  </p:childTnLst>
+                                </p:cTn>
+                              </p:par>
+                            </p:childTnLst>
+                          </p:cTn>
+                        </p:par>
+                        <p:par>
+                          <p:cTn id="17" fill="hold">
+                            <p:stCondLst>
+                              <p:cond delay="1000"/>
+                            </p:stCondLst>
+                            <p:childTnLst>
+                              <p:par>
+                                <p:cTn id="18" presetID="10" presetClass="entr" presetSubtype="0" fill="hold" grpId="0" nodeType="afterEffect">
+                                  <p:stCondLst>
+                                    <p:cond delay="0"/>
+                                  </p:stCondLst>
+                                  <p:childTnLst>
+                                    <p:set>
+                                      <p:cBhvr>
+                                        <p:cTn id="19" dur="1" fill="hold">
+                                          <p:stCondLst>
+                                            <p:cond delay="0"/>
+                                          </p:stCondLst>
+                                        </p:cTn>
+                                        <p:tgtEl>
+                                          <p:spTgt spid="5"/>
+                                        </p:tgtEl>
+                                        <p:attrNameLst>
+                                          <p:attrName>style.visibility</p:attrName>
+                                        </p:attrNameLst>
+                                      </p:cBhvr>
+                                      <p:to>
+                                        <p:strVal val="visible"/>
+                                      </p:to>
+                                    </p:set>
+                                    <p:animEffect transition="in" filter="fade">
+                                      <p:cBhvr>
+                                        <p:cTn id="20" dur="500"/>
+                                        <p:tgtEl>
+                                          <p:spTgt spid="5"/>
+                                        </p:tgtEl>
+                                      </p:cBhvr>
+                                    </p:animEffect>
+                                  </p:childTnLst>
+                                </p:cTn>
+                              </p:par>
+                            </p:childTnLst>
+                          </p:cTn>
+                        </p:par>
+                        <p:par>
+                          <p:cTn id="21" fill="hold">
+                            <p:stCondLst>
+                              <p:cond delay="1500"/>
+                            </p:stCondLst>
+                            <p:childTnLst>
+                              <p:par>
+                                <p:cTn id="22" presetID="10" presetClass="entr" presetSubtype="0" fill="hold" grpId="0" nodeType="afterEffect">
+                                  <p:stCondLst>
+                                    <p:cond delay="0"/>
+                                  </p:stCondLst>
+                                  <p:childTnLst>
+                                    <p:set>
+                                      <p:cBhvr>
+                                        <p:cTn id="23" dur="1" fill="hold">
+                                          <p:stCondLst>
+                                            <p:cond delay="0"/>
+                                          </p:stCondLst>
+                                        </p:cTn>
+                                        <p:tgtEl>
+                                          <p:spTgt spid="6"/>
+                                        </p:tgtEl>
+                                        <p:attrNameLst>
+                                          <p:attrName>style.visibility</p:attrName>
+                                        </p:attrNameLst>
+                                      </p:cBhvr>
+                                      <p:to>
+                                        <p:strVal val="visible"/>
+                                      </p:to>
+                                    </p:set>
+                                    <p:animEffect transition="in" filter="fade">
+                                      <p:cBhvr>
+                                        <p:cTn id="24" dur="500"/>
+                                        <p:tgtEl>
+                                          <p:spTgt spid="6"/>
+                                        </p:tgtEl>
+                                      </p:cBhvr>
+                                    </p:animEffect>
+                                  </p:childTnLst>
+                                </p:cTn>
+                              </p:par>
+                            </p:childTnLst>
+                          </p:cTn>
+                        </p:par>
+                      </p:childTnLst>
+                    </p:cTn>
+                  </p:par>
+                </p:childTnLst>
+              </p:cTn>
+              <p:prevCondLst>
+                <p:cond evt="onPrev" delay="0">
+                  <p:tgtEl>
+                    <p:sldTgt/>
+                  </p:tgtEl>
+                </p:cond>
+              </p:prevCondLst>
+              <p:nextCondLst>
+                <p:cond evt="onNext" delay="0">
+                  <p:tgtEl>
+                    <p:sldTgt/>
+                  </p:tgtEl>
+                </p:cond>
+              </p:nextCondLst>
+            </p:seq>
+          </p:childTnLst>
+        </p:cTn>
+      </p:par>
+    </p:tnLst>
+    <p:bldLst>
+      <p:bldP spid="3" grpId="0"/>
+      <p:bldP spid="4" grpId="0"/>
+      <p:bldP spid="5" grpId="0"/>
+      <p:bldP spid="6" grpId="0"/>
+      <p:bldP spid="7" grpId="0"/>
+    </p:bldLst>
+  </p:timing>
+</p:sld>
+</file>
+
+<file path=ppt/slides/slide3.xml><?xml version="1.0" encoding="utf-8"?>
+<p:sld xmlns:a="http://schemas.openxmlformats.org/drawingml/2006/main" xmlns:r="http://schemas.openxmlformats.org/officeDocument/2006/relationships" xmlns:p="http://schemas.openxmlformats.org/presentationml/2006/main">
+  <p:cSld>
+    <p:spTree>
+      <p:nvGrpSpPr>
+        <p:cNvPr id="1" name=""/>
+        <p:cNvGrpSpPr/>
+        <p:nvPr/>
+      </p:nvGrpSpPr>
+      <p:grpSpPr>
+        <a:xfrm>
+          <a:off x="0" y="0"/>
+          <a:ext cx="0" cy="0"/>
+          <a:chOff x="0" y="0"/>
+          <a:chExt cx="0" cy="0"/>
+        </a:xfrm>
+      </p:grpSpPr>
+      <p:sp>
+        <p:nvSpPr>
+          <p:cNvPr id="2" name="テキスト ボックス 1"/>
+          <p:cNvSpPr txBox="1"/>
+          <p:nvPr/>
+        </p:nvSpPr>
+        <p:spPr>
+          <a:xfrm>
+            <a:off x="4376619" y="258793"/>
+            <a:ext cx="3438762" cy="769441"/>
+          </a:xfrm>
+          <a:prstGeom prst="rect">
+            <a:avLst/>
+          </a:prstGeom>
+          <a:noFill/>
+        </p:spPr>
+        <p:txBody>
+          <a:bodyPr wrap="none" rtlCol="0">
+            <a:spAutoFit/>
+          </a:bodyPr>
+          <a:lstStyle/>
+          <a:p>
+            <a:r>
+              <a:rPr kumimoji="1" lang="en-US" altLang="ja-JP" sz="4400" b="1" dirty="0">
+                <a:blipFill>
+                  <a:blip r:embed="rId2"/>
+                  <a:tile tx="0" ty="0" sx="100000" sy="100000" flip="none" algn="tl"/>
+                </a:blipFill>
+                <a:effectLst>
+                  <a:outerShdw blurRad="38100" dist="38100" dir="2700000" algn="tl">
+                    <a:srgbClr val="000000">
+                      <a:alpha val="43137"/>
+                    </a:srgbClr>
+                  </a:outerShdw>
+                </a:effectLst>
+                <a:latin typeface="GungsuhChe" panose="02030609000101010101" pitchFamily="49" charset="-127"/>
+                <a:ea typeface="GungsuhChe" panose="02030609000101010101" pitchFamily="49" charset="-127"/>
+              </a:rPr>
+              <a:t>Riddle</a:t>
+            </a:r>
+            <a:r>
+              <a:rPr kumimoji="1" lang="ja-JP" altLang="en-US" sz="4400" dirty="0" smtClean="0"/>
+              <a:t>とは？</a:t>
+            </a:r>
+            <a:endParaRPr kumimoji="1" lang="ja-JP" altLang="en-US" sz="4400" dirty="0"/>
+          </a:p>
+        </p:txBody>
+      </p:sp>
+      <p:sp>
+        <p:nvSpPr>
+          <p:cNvPr id="3" name="テキスト ボックス 2"/>
+          <p:cNvSpPr txBox="1"/>
+          <p:nvPr/>
+        </p:nvSpPr>
+        <p:spPr>
+          <a:xfrm>
+            <a:off x="914400" y="1500996"/>
+            <a:ext cx="1463862" cy="646331"/>
+          </a:xfrm>
+          <a:prstGeom prst="rect">
+            <a:avLst/>
+          </a:prstGeom>
+          <a:noFill/>
+        </p:spPr>
+        <p:txBody>
+          <a:bodyPr wrap="none" rtlCol="0">
+            <a:spAutoFit/>
+          </a:bodyPr>
+          <a:lstStyle/>
+          <a:p>
+            <a:r>
+              <a:rPr kumimoji="1" lang="en-US" altLang="ja-JP" dirty="0" smtClean="0"/>
+              <a:t>July</a:t>
+            </a:r>
+            <a:r>
+              <a:rPr kumimoji="1" lang="ja-JP" altLang="en-US" dirty="0" smtClean="0"/>
+              <a:t>飯田橋校</a:t>
+            </a:r>
+            <a:endParaRPr kumimoji="1" lang="en-US" altLang="ja-JP" dirty="0"/>
+          </a:p>
+          <a:p>
+            <a:endParaRPr kumimoji="1" lang="ja-JP" altLang="en-US" dirty="0"/>
+          </a:p>
+        </p:txBody>
+      </p:sp>
+    </p:spTree>
+    <p:extLst>
+      <p:ext uri="{BB962C8B-B14F-4D97-AF65-F5344CB8AC3E}">
+        <p14:creationId xmlns:p14="http://schemas.microsoft.com/office/powerpoint/2010/main" val="3485923540"/>
       </p:ext>
     </p:extLst>
   </p:cSld>
@@ -12923,7 +15593,7 @@
 </p:sld>
 </file>
 
-<file path=ppt/slides/slide3.xml><?xml version="1.0" encoding="utf-8"?>
+<file path=ppt/slides/slide4.xml><?xml version="1.0" encoding="utf-8"?>
 <p:sld xmlns:a="http://schemas.openxmlformats.org/drawingml/2006/main" xmlns:r="http://schemas.openxmlformats.org/officeDocument/2006/relationships" xmlns:p="http://schemas.openxmlformats.org/presentationml/2006/main">
   <p:cSld>
     <p:spTree>
@@ -13383,7 +16053,7 @@
         <p:spPr>
           <a:xfrm>
             <a:off x="1187749" y="1963718"/>
-            <a:ext cx="1713931" cy="584775"/>
+            <a:ext cx="1529586" cy="584775"/>
           </a:xfrm>
           <a:prstGeom prst="rect">
             <a:avLst/>
@@ -13398,7 +16068,15 @@
           <a:p>
             <a:r>
               <a:rPr kumimoji="1" lang="ja-JP" altLang="en-US" sz="3200" dirty="0" smtClean="0"/>
-              <a:t>野地さん</a:t>
+              <a:t>野地</a:t>
+            </a:r>
+            <a:r>
+              <a:rPr kumimoji="1" lang="ja-JP" altLang="en-US" sz="3200" dirty="0"/>
+              <a:t> </a:t>
+            </a:r>
+            <a:r>
+              <a:rPr kumimoji="1" lang="ja-JP" altLang="en-US" sz="3200" dirty="0" smtClean="0"/>
+              <a:t>亮</a:t>
             </a:r>
             <a:endParaRPr kumimoji="1" lang="ja-JP" altLang="en-US" sz="3200" dirty="0"/>
           </a:p>
@@ -13413,7 +16091,7 @@
         <p:spPr>
           <a:xfrm>
             <a:off x="1229962" y="4460094"/>
-            <a:ext cx="1641796" cy="584775"/>
+            <a:ext cx="1939955" cy="584775"/>
           </a:xfrm>
           <a:prstGeom prst="rect">
             <a:avLst/>
@@ -13428,7 +16106,15 @@
           <a:p>
             <a:r>
               <a:rPr kumimoji="1" lang="ja-JP" altLang="en-US" sz="3200" dirty="0" smtClean="0"/>
-              <a:t>小島くん</a:t>
+              <a:t>小島</a:t>
+            </a:r>
+            <a:r>
+              <a:rPr kumimoji="1" lang="ja-JP" altLang="en-US" sz="3200" dirty="0"/>
+              <a:t> </a:t>
+            </a:r>
+            <a:r>
+              <a:rPr kumimoji="1" lang="ja-JP" altLang="en-US" sz="3200" dirty="0" smtClean="0"/>
+              <a:t>政洋</a:t>
             </a:r>
             <a:endParaRPr kumimoji="1" lang="ja-JP" altLang="en-US" sz="3200" dirty="0"/>
           </a:p>
@@ -13847,7 +16533,7 @@
         <p:spPr>
           <a:xfrm>
             <a:off x="1736706" y="1536525"/>
-            <a:ext cx="4196983" cy="400110"/>
+            <a:ext cx="1564852" cy="400110"/>
           </a:xfrm>
           <a:prstGeom prst="rect">
             <a:avLst/>
@@ -13861,12 +16547,8 @@
           <a:lstStyle/>
           <a:p>
             <a:r>
-              <a:rPr kumimoji="1" lang="ja-JP" altLang="en-US" sz="2000" b="1" dirty="0"/>
-              <a:t>メインプログラマー・</a:t>
-            </a:r>
-            <a:r>
               <a:rPr kumimoji="1" lang="ja-JP" altLang="en-US" sz="2000" b="1" dirty="0" smtClean="0"/>
-              <a:t>ステージデザイン</a:t>
+              <a:t>プログラマー</a:t>
             </a:r>
             <a:endParaRPr kumimoji="1" lang="ja-JP" altLang="en-US" sz="2000" b="1" dirty="0"/>
           </a:p>
@@ -13881,7 +16563,7 @@
         <p:spPr>
           <a:xfrm>
             <a:off x="1736706" y="4032901"/>
-            <a:ext cx="3150221" cy="400110"/>
+            <a:ext cx="2186817" cy="400110"/>
           </a:xfrm>
           <a:prstGeom prst="rect">
             <a:avLst/>
@@ -13895,10 +16577,97 @@
           <a:lstStyle/>
           <a:p>
             <a:r>
-              <a:rPr kumimoji="1" lang="ja-JP" altLang="en-US" sz="2000" b="1" dirty="0" smtClean="0"/>
-              <a:t>プログラマー・ステージ作成</a:t>
-            </a:r>
-            <a:endParaRPr kumimoji="1" lang="ja-JP" altLang="en-US" sz="2000" b="1" dirty="0"/>
+              <a:rPr kumimoji="1" lang="ja-JP" altLang="en-US" sz="2000" b="1" dirty="0"/>
+              <a:t>メインプログラマー</a:t>
+            </a:r>
+          </a:p>
+        </p:txBody>
+      </p:sp>
+      <p:sp>
+        <p:nvSpPr>
+          <p:cNvPr id="13" name="テキスト ボックス 12"/>
+          <p:cNvSpPr txBox="1"/>
+          <p:nvPr/>
+        </p:nvSpPr>
+        <p:spPr>
+          <a:xfrm>
+            <a:off x="1736706" y="2551602"/>
+            <a:ext cx="2056973" cy="1015663"/>
+          </a:xfrm>
+          <a:prstGeom prst="rect">
+            <a:avLst/>
+          </a:prstGeom>
+          <a:noFill/>
+        </p:spPr>
+        <p:txBody>
+          <a:bodyPr wrap="none" rtlCol="0">
+            <a:spAutoFit/>
+          </a:bodyPr>
+          <a:lstStyle/>
+          <a:p>
+            <a:r>
+              <a:rPr kumimoji="1" lang="ja-JP" altLang="en-US" sz="2000" dirty="0" smtClean="0"/>
+              <a:t>ステージデザイン</a:t>
+            </a:r>
+            <a:endParaRPr kumimoji="1" lang="en-US" altLang="ja-JP" sz="2000" dirty="0" smtClean="0"/>
+          </a:p>
+          <a:p>
+            <a:r>
+              <a:rPr kumimoji="1" lang="ja-JP" altLang="en-US" sz="2000" dirty="0" smtClean="0"/>
+              <a:t>オブジェクト作成</a:t>
+            </a:r>
+            <a:endParaRPr kumimoji="1" lang="ja-JP" altLang="en-US" sz="2000" dirty="0"/>
+          </a:p>
+          <a:p>
+            <a:r>
+              <a:rPr kumimoji="1" lang="ja-JP" altLang="en-US" sz="2000" dirty="0" smtClean="0"/>
+              <a:t>パズル作成</a:t>
+            </a:r>
+            <a:endParaRPr kumimoji="1" lang="ja-JP" altLang="en-US" sz="2000" dirty="0"/>
+          </a:p>
+        </p:txBody>
+      </p:sp>
+      <p:sp>
+        <p:nvSpPr>
+          <p:cNvPr id="34" name="テキスト ボックス 33"/>
+          <p:cNvSpPr txBox="1"/>
+          <p:nvPr/>
+        </p:nvSpPr>
+        <p:spPr>
+          <a:xfrm>
+            <a:off x="1736706" y="5044869"/>
+            <a:ext cx="1718740" cy="1015663"/>
+          </a:xfrm>
+          <a:prstGeom prst="rect">
+            <a:avLst/>
+          </a:prstGeom>
+          <a:noFill/>
+        </p:spPr>
+        <p:txBody>
+          <a:bodyPr wrap="none" rtlCol="0">
+            <a:spAutoFit/>
+          </a:bodyPr>
+          <a:lstStyle/>
+          <a:p>
+            <a:r>
+              <a:rPr kumimoji="1" lang="ja-JP" altLang="en-US" sz="2000" dirty="0" smtClean="0"/>
+              <a:t>ステージ作成</a:t>
+            </a:r>
+            <a:endParaRPr kumimoji="1" lang="en-US" altLang="ja-JP" sz="2000" dirty="0" smtClean="0"/>
+          </a:p>
+          <a:p>
+            <a:r>
+              <a:rPr kumimoji="1" lang="ja-JP" altLang="en-US" sz="2000" dirty="0" smtClean="0"/>
+              <a:t>スクリプト調整</a:t>
+            </a:r>
+            <a:endParaRPr kumimoji="1" lang="en-US" altLang="ja-JP" sz="2000" dirty="0" smtClean="0"/>
+          </a:p>
+          <a:p>
+            <a:r>
+              <a:rPr kumimoji="1" lang="ja-JP" altLang="en-US" sz="2000" dirty="0" smtClean="0"/>
+              <a:t>シーン切替</a:t>
+            </a:r>
+            <a:endParaRPr kumimoji="1" lang="ja-JP" altLang="en-US" sz="2000" dirty="0"/>
           </a:p>
         </p:txBody>
       </p:sp>
@@ -13922,7 +16691,7 @@
 </p:sld>
 </file>
 
-<file path=ppt/slides/slide4.xml><?xml version="1.0" encoding="utf-8"?>
+<file path=ppt/slides/slide5.xml><?xml version="1.0" encoding="utf-8"?>
 <p:sld xmlns:a="http://schemas.openxmlformats.org/drawingml/2006/main" xmlns:r="http://schemas.openxmlformats.org/officeDocument/2006/relationships" xmlns:p="http://schemas.openxmlformats.org/presentationml/2006/main">
   <p:cSld>
     <p:spTree>
@@ -14382,7 +17151,7 @@
         <p:spPr>
           <a:xfrm>
             <a:off x="1187749" y="1963718"/>
-            <a:ext cx="1713931" cy="584775"/>
+            <a:ext cx="1939955" cy="584775"/>
           </a:xfrm>
           <a:prstGeom prst="rect">
             <a:avLst/>
@@ -14397,7 +17166,15 @@
           <a:p>
             <a:r>
               <a:rPr kumimoji="1" lang="ja-JP" altLang="en-US" sz="3200" dirty="0" smtClean="0"/>
-              <a:t>宮崎さん</a:t>
+              <a:t>宮崎</a:t>
+            </a:r>
+            <a:r>
+              <a:rPr kumimoji="1" lang="ja-JP" altLang="en-US" sz="3200" dirty="0"/>
+              <a:t> </a:t>
+            </a:r>
+            <a:r>
+              <a:rPr kumimoji="1" lang="ja-JP" altLang="en-US" sz="3200" dirty="0" smtClean="0"/>
+              <a:t>民易</a:t>
             </a:r>
             <a:endParaRPr kumimoji="1" lang="ja-JP" altLang="en-US" sz="3200" dirty="0"/>
           </a:p>
@@ -14412,7 +17189,7 @@
         <p:spPr>
           <a:xfrm>
             <a:off x="1229962" y="4460094"/>
-            <a:ext cx="1713931" cy="584775"/>
+            <a:ext cx="1939955" cy="584775"/>
           </a:xfrm>
           <a:prstGeom prst="rect">
             <a:avLst/>
@@ -14427,7 +17204,15 @@
           <a:p>
             <a:r>
               <a:rPr kumimoji="1" lang="ja-JP" altLang="en-US" sz="3200" dirty="0" smtClean="0"/>
-              <a:t>渡辺さん</a:t>
+              <a:t>渡辺</a:t>
+            </a:r>
+            <a:r>
+              <a:rPr kumimoji="1" lang="ja-JP" altLang="en-US" sz="3200" dirty="0"/>
+              <a:t> </a:t>
+            </a:r>
+            <a:r>
+              <a:rPr kumimoji="1" lang="ja-JP" altLang="en-US" sz="3200" dirty="0" smtClean="0"/>
+              <a:t>一行</a:t>
             </a:r>
             <a:endParaRPr kumimoji="1" lang="ja-JP" altLang="en-US" sz="3200" dirty="0"/>
           </a:p>
@@ -14888,7 +17673,7 @@
         <p:spPr>
           <a:xfrm>
             <a:off x="1736706" y="4032901"/>
-            <a:ext cx="4181914" cy="400110"/>
+            <a:ext cx="2013693" cy="400110"/>
           </a:xfrm>
           <a:prstGeom prst="rect">
             <a:avLst/>
@@ -14903,17 +17688,88 @@
           <a:p>
             <a:r>
               <a:rPr kumimoji="1" lang="ja-JP" altLang="en-US" sz="2000" b="1" dirty="0" smtClean="0"/>
-              <a:t>メインデザイナー・</a:t>
-            </a:r>
-            <a:r>
-              <a:rPr kumimoji="1" lang="en-US" altLang="ja-JP" sz="2000" b="1" dirty="0" smtClean="0"/>
-              <a:t>OP,ED,</a:t>
-            </a:r>
-            <a:r>
-              <a:rPr kumimoji="1" lang="ja-JP" altLang="en-US" sz="2000" b="1" dirty="0" smtClean="0"/>
+              <a:t>メインデザイナー</a:t>
+            </a:r>
+            <a:endParaRPr kumimoji="1" lang="ja-JP" altLang="en-US" sz="2000" b="1" dirty="0"/>
+          </a:p>
+        </p:txBody>
+      </p:sp>
+      <p:sp>
+        <p:nvSpPr>
+          <p:cNvPr id="34" name="テキスト ボックス 33"/>
+          <p:cNvSpPr txBox="1"/>
+          <p:nvPr/>
+        </p:nvSpPr>
+        <p:spPr>
+          <a:xfrm>
+            <a:off x="1736706" y="2551602"/>
+            <a:ext cx="2097049" cy="400110"/>
+          </a:xfrm>
+          <a:prstGeom prst="rect">
+            <a:avLst/>
+          </a:prstGeom>
+          <a:noFill/>
+        </p:spPr>
+        <p:txBody>
+          <a:bodyPr wrap="none" rtlCol="0">
+            <a:spAutoFit/>
+          </a:bodyPr>
+          <a:lstStyle/>
+          <a:p>
+            <a:r>
+              <a:rPr kumimoji="1" lang="ja-JP" altLang="en-US" sz="2000" dirty="0" smtClean="0"/>
+              <a:t>エネミー動作作成</a:t>
+            </a:r>
+            <a:endParaRPr kumimoji="1" lang="ja-JP" altLang="en-US" sz="2000" dirty="0"/>
+          </a:p>
+        </p:txBody>
+      </p:sp>
+      <p:sp>
+        <p:nvSpPr>
+          <p:cNvPr id="35" name="テキスト ボックス 34"/>
+          <p:cNvSpPr txBox="1"/>
+          <p:nvPr/>
+        </p:nvSpPr>
+        <p:spPr>
+          <a:xfrm>
+            <a:off x="1736706" y="5044869"/>
+            <a:ext cx="2929007" cy="707886"/>
+          </a:xfrm>
+          <a:prstGeom prst="rect">
+            <a:avLst/>
+          </a:prstGeom>
+          <a:noFill/>
+        </p:spPr>
+        <p:txBody>
+          <a:bodyPr wrap="none" rtlCol="0">
+            <a:spAutoFit/>
+          </a:bodyPr>
+          <a:lstStyle/>
+          <a:p>
+            <a:r>
+              <a:rPr kumimoji="1" lang="en-US" altLang="ja-JP" sz="2000" dirty="0" smtClean="0"/>
+              <a:t>OP</a:t>
+            </a:r>
+            <a:r>
+              <a:rPr kumimoji="1" lang="ja-JP" altLang="en-US" sz="2000" dirty="0" smtClean="0"/>
+              <a:t>・</a:t>
+            </a:r>
+            <a:r>
+              <a:rPr kumimoji="1" lang="en-US" altLang="ja-JP" sz="2000" dirty="0" smtClean="0"/>
+              <a:t>ED</a:t>
+            </a:r>
+            <a:r>
+              <a:rPr kumimoji="1" lang="ja-JP" altLang="en-US" sz="2000" dirty="0" smtClean="0"/>
+              <a:t>アニメーション作成</a:t>
+            </a:r>
+            <a:endParaRPr kumimoji="1" lang="en-US" altLang="ja-JP" sz="2000" dirty="0" smtClean="0"/>
+          </a:p>
+          <a:p>
+            <a:r>
+              <a:rPr kumimoji="1" lang="ja-JP" altLang="en-US" sz="2000" dirty="0" smtClean="0"/>
               <a:t>ロボット作成</a:t>
             </a:r>
-            <a:endParaRPr kumimoji="1" lang="ja-JP" altLang="en-US" sz="2000" b="1" dirty="0"/>
+            <a:endParaRPr kumimoji="1" lang="ja-JP" altLang="en-US" sz="2000" dirty="0"/>
           </a:p>
         </p:txBody>
       </p:sp>
@@ -14937,7 +17793,7 @@
 </p:sld>
 </file>
 
-<file path=ppt/slides/slide5.xml><?xml version="1.0" encoding="utf-8"?>
+<file path=ppt/slides/slide6.xml><?xml version="1.0" encoding="utf-8"?>
 <p:sld xmlns:a="http://schemas.openxmlformats.org/drawingml/2006/main" xmlns:r="http://schemas.openxmlformats.org/officeDocument/2006/relationships" xmlns:p="http://schemas.openxmlformats.org/presentationml/2006/main">
   <p:cSld>
     <p:spTree>
@@ -15400,7 +18256,7 @@
         <p:spPr>
           <a:xfrm>
             <a:off x="1187749" y="1963718"/>
-            <a:ext cx="1713931" cy="584775"/>
+            <a:ext cx="1939955" cy="584775"/>
           </a:xfrm>
           <a:prstGeom prst="rect">
             <a:avLst/>
@@ -15415,7 +18271,15 @@
           <a:p>
             <a:r>
               <a:rPr kumimoji="1" lang="ja-JP" altLang="en-US" sz="3200" dirty="0" smtClean="0"/>
-              <a:t>高居さん</a:t>
+              <a:t>高居</a:t>
+            </a:r>
+            <a:r>
+              <a:rPr kumimoji="1" lang="ja-JP" altLang="en-US" sz="3200" dirty="0"/>
+              <a:t> </a:t>
+            </a:r>
+            <a:r>
+              <a:rPr kumimoji="1" lang="ja-JP" altLang="en-US" sz="3200" dirty="0" smtClean="0"/>
+              <a:t>奈穂</a:t>
             </a:r>
             <a:endParaRPr kumimoji="1" lang="ja-JP" altLang="en-US" sz="3200" dirty="0"/>
           </a:p>
@@ -15430,7 +18294,7 @@
         <p:spPr>
           <a:xfrm>
             <a:off x="1229962" y="4460094"/>
-            <a:ext cx="1005403" cy="584775"/>
+            <a:ext cx="1939955" cy="584775"/>
           </a:xfrm>
           <a:prstGeom prst="rect">
             <a:avLst/>
@@ -15445,8 +18309,13 @@
           <a:p>
             <a:r>
               <a:rPr kumimoji="1" lang="ja-JP" altLang="en-US" sz="3200" dirty="0"/>
-              <a:t>櫻畑</a:t>
-            </a:r>
+              <a:t>櫻</a:t>
+            </a:r>
+            <a:r>
+              <a:rPr kumimoji="1" lang="ja-JP" altLang="en-US" sz="3200" dirty="0" smtClean="0"/>
+              <a:t>畑 友里</a:t>
+            </a:r>
+            <a:endParaRPr kumimoji="1" lang="ja-JP" altLang="en-US" sz="3200" dirty="0"/>
           </a:p>
         </p:txBody>
       </p:sp>
@@ -15905,7 +18774,7 @@
         <p:spPr>
           <a:xfrm>
             <a:off x="1736706" y="4032901"/>
-            <a:ext cx="5062604" cy="400110"/>
+            <a:ext cx="2222083" cy="400110"/>
           </a:xfrm>
           <a:prstGeom prst="rect">
             <a:avLst/>
@@ -15920,9 +18789,83 @@
           <a:p>
             <a:r>
               <a:rPr kumimoji="1" lang="ja-JP" altLang="en-US" sz="2000" b="1" dirty="0" smtClean="0"/>
-              <a:t>プロダクトオーナー・発表資料作成・音源調達</a:t>
+              <a:t>プロダクトオーナー</a:t>
             </a:r>
             <a:endParaRPr kumimoji="1" lang="ja-JP" altLang="en-US" sz="2000" b="1" dirty="0"/>
+          </a:p>
+        </p:txBody>
+      </p:sp>
+      <p:sp>
+        <p:nvSpPr>
+          <p:cNvPr id="35" name="テキスト ボックス 34"/>
+          <p:cNvSpPr txBox="1"/>
+          <p:nvPr/>
+        </p:nvSpPr>
+        <p:spPr>
+          <a:xfrm>
+            <a:off x="1736706" y="5044869"/>
+            <a:ext cx="1768433" cy="707886"/>
+          </a:xfrm>
+          <a:prstGeom prst="rect">
+            <a:avLst/>
+          </a:prstGeom>
+          <a:noFill/>
+        </p:spPr>
+        <p:txBody>
+          <a:bodyPr wrap="none" rtlCol="0">
+            <a:spAutoFit/>
+          </a:bodyPr>
+          <a:lstStyle/>
+          <a:p>
+            <a:r>
+              <a:rPr kumimoji="1" lang="ja-JP" altLang="en-US" sz="2000" dirty="0" smtClean="0"/>
+              <a:t>発表資料作成</a:t>
+            </a:r>
+            <a:endParaRPr kumimoji="1" lang="en-US" altLang="ja-JP" sz="2000" dirty="0" smtClean="0"/>
+          </a:p>
+          <a:p>
+            <a:r>
+              <a:rPr kumimoji="1" lang="ja-JP" altLang="en-US" sz="2000" dirty="0" smtClean="0"/>
+              <a:t>音源調達</a:t>
+            </a:r>
+            <a:endParaRPr kumimoji="1" lang="en-US" altLang="ja-JP" sz="2000" dirty="0" smtClean="0"/>
+          </a:p>
+        </p:txBody>
+      </p:sp>
+      <p:sp>
+        <p:nvSpPr>
+          <p:cNvPr id="36" name="テキスト ボックス 35"/>
+          <p:cNvSpPr txBox="1"/>
+          <p:nvPr/>
+        </p:nvSpPr>
+        <p:spPr>
+          <a:xfrm>
+            <a:off x="1732663" y="2521410"/>
+            <a:ext cx="2231701" cy="707886"/>
+          </a:xfrm>
+          <a:prstGeom prst="rect">
+            <a:avLst/>
+          </a:prstGeom>
+          <a:noFill/>
+        </p:spPr>
+        <p:txBody>
+          <a:bodyPr wrap="none" rtlCol="0">
+            <a:spAutoFit/>
+          </a:bodyPr>
+          <a:lstStyle/>
+          <a:p>
+            <a:r>
+              <a:rPr kumimoji="1" lang="ja-JP" altLang="en-US" sz="2000" dirty="0" smtClean="0"/>
+              <a:t>オブジェクト作成</a:t>
+            </a:r>
+            <a:endParaRPr kumimoji="1" lang="en-US" altLang="ja-JP" sz="2000" dirty="0" smtClean="0"/>
+          </a:p>
+          <a:p>
+            <a:r>
+              <a:rPr kumimoji="1" lang="ja-JP" altLang="en-US" sz="2000" dirty="0" smtClean="0"/>
+              <a:t>スクリプト資料検索</a:t>
+            </a:r>
+            <a:endParaRPr kumimoji="1" lang="en-US" altLang="ja-JP" sz="2000" dirty="0" smtClean="0"/>
           </a:p>
         </p:txBody>
       </p:sp>
@@ -15946,7 +18889,7 @@
 </p:sld>
 </file>
 
-<file path=ppt/slides/slide6.xml><?xml version="1.0" encoding="utf-8"?>
+<file path=ppt/slides/slide7.xml><?xml version="1.0" encoding="utf-8"?>
 <p:sld xmlns:a="http://schemas.openxmlformats.org/drawingml/2006/main" xmlns:r="http://schemas.openxmlformats.org/officeDocument/2006/relationships" xmlns:p="http://schemas.openxmlformats.org/presentationml/2006/main">
   <p:cSld>
     <p:spTree>
@@ -16778,7 +19721,1964 @@
 </p:sld>
 </file>
 
-<file path=ppt/slides/slide7.xml><?xml version="1.0" encoding="utf-8"?>
+<file path=ppt/slides/slide8.xml><?xml version="1.0" encoding="utf-8"?>
+<p:sld xmlns:a="http://schemas.openxmlformats.org/drawingml/2006/main" xmlns:r="http://schemas.openxmlformats.org/officeDocument/2006/relationships" xmlns:p="http://schemas.openxmlformats.org/presentationml/2006/main">
+  <p:cSld>
+    <p:spTree>
+      <p:nvGrpSpPr>
+        <p:cNvPr id="1" name=""/>
+        <p:cNvGrpSpPr/>
+        <p:nvPr/>
+      </p:nvGrpSpPr>
+      <p:grpSpPr>
+        <a:xfrm>
+          <a:off x="0" y="0"/>
+          <a:ext cx="0" cy="0"/>
+          <a:chOff x="0" y="0"/>
+          <a:chExt cx="0" cy="0"/>
+        </a:xfrm>
+      </p:grpSpPr>
+      <p:sp>
+        <p:nvSpPr>
+          <p:cNvPr id="2" name="テキスト ボックス 1"/>
+          <p:cNvSpPr txBox="1"/>
+          <p:nvPr/>
+        </p:nvSpPr>
+        <p:spPr>
+          <a:xfrm>
+            <a:off x="4386237" y="258793"/>
+            <a:ext cx="3419526" cy="646331"/>
+          </a:xfrm>
+          <a:prstGeom prst="rect">
+            <a:avLst/>
+          </a:prstGeom>
+          <a:noFill/>
+        </p:spPr>
+        <p:txBody>
+          <a:bodyPr wrap="none" rtlCol="0">
+            <a:spAutoFit/>
+          </a:bodyPr>
+          <a:lstStyle/>
+          <a:p>
+            <a:r>
+              <a:rPr kumimoji="1" lang="ja-JP" altLang="en-US" sz="3600" dirty="0" smtClean="0"/>
+              <a:t>ゲームコンセプト</a:t>
+            </a:r>
+            <a:endParaRPr kumimoji="1" lang="ja-JP" altLang="en-US" sz="3600" dirty="0"/>
+          </a:p>
+        </p:txBody>
+      </p:sp>
+      <p:grpSp>
+        <p:nvGrpSpPr>
+          <p:cNvPr id="24" name="グループ化 23"/>
+          <p:cNvGrpSpPr/>
+          <p:nvPr/>
+        </p:nvGrpSpPr>
+        <p:grpSpPr>
+          <a:xfrm>
+            <a:off x="1246787" y="1264413"/>
+            <a:ext cx="7133988" cy="954107"/>
+            <a:chOff x="1246787" y="1540459"/>
+            <a:chExt cx="7133988" cy="954107"/>
+          </a:xfrm>
+        </p:grpSpPr>
+        <p:grpSp>
+          <p:nvGrpSpPr>
+            <p:cNvPr id="3" name="グループ化 2"/>
+            <p:cNvGrpSpPr/>
+            <p:nvPr/>
+          </p:nvGrpSpPr>
+          <p:grpSpPr>
+            <a:xfrm>
+              <a:off x="1246787" y="1547472"/>
+              <a:ext cx="388809" cy="400072"/>
+              <a:chOff x="4463716" y="2702349"/>
+              <a:chExt cx="421105" cy="425862"/>
+            </a:xfrm>
+          </p:grpSpPr>
+          <p:grpSp>
+            <p:nvGrpSpPr>
+              <p:cNvPr id="4" name="グループ化 3"/>
+              <p:cNvGrpSpPr/>
+              <p:nvPr/>
+            </p:nvGrpSpPr>
+            <p:grpSpPr>
+              <a:xfrm>
+                <a:off x="4463716" y="2702349"/>
+                <a:ext cx="421105" cy="425862"/>
+                <a:chOff x="4463716" y="2702349"/>
+                <a:chExt cx="421105" cy="425862"/>
+              </a:xfrm>
+            </p:grpSpPr>
+            <p:sp>
+              <p:nvSpPr>
+                <p:cNvPr id="7" name="正方形/長方形 6"/>
+                <p:cNvSpPr/>
+                <p:nvPr/>
+              </p:nvSpPr>
+              <p:spPr>
+                <a:xfrm>
+                  <a:off x="4463716" y="2851484"/>
+                  <a:ext cx="421105" cy="276727"/>
+                </a:xfrm>
+                <a:prstGeom prst="rect">
+                  <a:avLst/>
+                </a:prstGeom>
+                <a:blipFill>
+                  <a:blip r:embed="rId2"/>
+                  <a:tile tx="0" ty="0" sx="100000" sy="100000" flip="none" algn="tl"/>
+                </a:blipFill>
+                <a:ln w="6350" cap="flat" cmpd="sng" algn="ctr">
+                  <a:solidFill>
+                    <a:sysClr val="windowText" lastClr="000000"/>
+                  </a:solidFill>
+                  <a:prstDash val="solid"/>
+                  <a:miter lim="800000"/>
+                </a:ln>
+                <a:effectLst/>
+              </p:spPr>
+              <p:txBody>
+                <a:bodyPr rtlCol="0" anchor="ctr"/>
+                <a:lstStyle/>
+                <a:p>
+                  <a:pPr marL="0" marR="0" lvl="0" indent="0" algn="ctr" defTabSz="914400" eaLnBrk="1" fontAlgn="auto" latinLnBrk="0" hangingPunct="1">
+                    <a:lnSpc>
+                      <a:spcPct val="100000"/>
+                    </a:lnSpc>
+                    <a:spcBef>
+                      <a:spcPts val="0"/>
+                    </a:spcBef>
+                    <a:spcAft>
+                      <a:spcPts val="0"/>
+                    </a:spcAft>
+                    <a:buClrTx/>
+                    <a:buSzTx/>
+                    <a:buFontTx/>
+                    <a:buNone/>
+                    <a:tabLst/>
+                    <a:defRPr/>
+                  </a:pPr>
+                  <a:endParaRPr kumimoji="1" lang="ja-JP" altLang="en-US" sz="1800" b="0" i="0" u="none" strike="noStrike" kern="0" cap="none" spc="0" normalizeH="0" baseline="0" noProof="0" smtClean="0">
+                    <a:ln>
+                      <a:noFill/>
+                    </a:ln>
+                    <a:solidFill>
+                      <a:prstClr val="white"/>
+                    </a:solidFill>
+                    <a:effectLst/>
+                    <a:uLnTx/>
+                    <a:uFillTx/>
+                    <a:latin typeface="Calibri" panose="020F0502020204030204"/>
+                    <a:ea typeface="ＭＳ Ｐゴシック" panose="020B0600070205080204" pitchFamily="50" charset="-128"/>
+                    <a:cs typeface="+mn-cs"/>
+                  </a:endParaRPr>
+                </a:p>
+              </p:txBody>
+            </p:sp>
+            <p:sp>
+              <p:nvSpPr>
+                <p:cNvPr id="8" name="円/楕円 7"/>
+                <p:cNvSpPr/>
+                <p:nvPr/>
+              </p:nvSpPr>
+              <p:spPr>
+                <a:xfrm>
+                  <a:off x="4553576" y="2939841"/>
+                  <a:ext cx="61287" cy="67034"/>
+                </a:xfrm>
+                <a:prstGeom prst="ellipse">
+                  <a:avLst/>
+                </a:prstGeom>
+                <a:solidFill>
+                  <a:sysClr val="windowText" lastClr="000000"/>
+                </a:solidFill>
+                <a:ln w="12700" cap="flat" cmpd="sng" algn="ctr">
+                  <a:solidFill>
+                    <a:sysClr val="windowText" lastClr="000000">
+                      <a:shade val="50000"/>
+                    </a:sysClr>
+                  </a:solidFill>
+                  <a:prstDash val="solid"/>
+                  <a:miter lim="800000"/>
+                </a:ln>
+                <a:effectLst/>
+              </p:spPr>
+              <p:txBody>
+                <a:bodyPr rtlCol="0" anchor="ctr"/>
+                <a:lstStyle/>
+                <a:p>
+                  <a:pPr marL="0" marR="0" lvl="0" indent="0" algn="ctr" defTabSz="914400" eaLnBrk="1" fontAlgn="auto" latinLnBrk="0" hangingPunct="1">
+                    <a:lnSpc>
+                      <a:spcPct val="100000"/>
+                    </a:lnSpc>
+                    <a:spcBef>
+                      <a:spcPts val="0"/>
+                    </a:spcBef>
+                    <a:spcAft>
+                      <a:spcPts val="0"/>
+                    </a:spcAft>
+                    <a:buClrTx/>
+                    <a:buSzTx/>
+                    <a:buFontTx/>
+                    <a:buNone/>
+                    <a:tabLst/>
+                    <a:defRPr/>
+                  </a:pPr>
+                  <a:endParaRPr kumimoji="1" lang="ja-JP" altLang="en-US" sz="1800" b="0" i="0" u="none" strike="noStrike" kern="0" cap="none" spc="0" normalizeH="0" baseline="0" noProof="0" smtClean="0">
+                    <a:ln>
+                      <a:noFill/>
+                    </a:ln>
+                    <a:solidFill>
+                      <a:prstClr val="white"/>
+                    </a:solidFill>
+                    <a:effectLst/>
+                    <a:uLnTx/>
+                    <a:uFillTx/>
+                    <a:latin typeface="Calibri" panose="020F0502020204030204"/>
+                    <a:ea typeface="ＭＳ Ｐゴシック" panose="020B0600070205080204" pitchFamily="50" charset="-128"/>
+                    <a:cs typeface="+mn-cs"/>
+                  </a:endParaRPr>
+                </a:p>
+              </p:txBody>
+            </p:sp>
+            <p:sp>
+              <p:nvSpPr>
+                <p:cNvPr id="9" name="円/楕円 8"/>
+                <p:cNvSpPr/>
+                <p:nvPr/>
+              </p:nvSpPr>
+              <p:spPr>
+                <a:xfrm>
+                  <a:off x="4731280" y="2939841"/>
+                  <a:ext cx="63143" cy="67034"/>
+                </a:xfrm>
+                <a:prstGeom prst="ellipse">
+                  <a:avLst/>
+                </a:prstGeom>
+                <a:solidFill>
+                  <a:sysClr val="windowText" lastClr="000000"/>
+                </a:solidFill>
+                <a:ln w="12700" cap="flat" cmpd="sng" algn="ctr">
+                  <a:solidFill>
+                    <a:sysClr val="windowText" lastClr="000000">
+                      <a:shade val="50000"/>
+                    </a:sysClr>
+                  </a:solidFill>
+                  <a:prstDash val="solid"/>
+                  <a:miter lim="800000"/>
+                </a:ln>
+                <a:effectLst/>
+              </p:spPr>
+              <p:txBody>
+                <a:bodyPr rtlCol="0" anchor="ctr"/>
+                <a:lstStyle/>
+                <a:p>
+                  <a:pPr marL="0" marR="0" lvl="0" indent="0" algn="ctr" defTabSz="914400" eaLnBrk="1" fontAlgn="auto" latinLnBrk="0" hangingPunct="1">
+                    <a:lnSpc>
+                      <a:spcPct val="100000"/>
+                    </a:lnSpc>
+                    <a:spcBef>
+                      <a:spcPts val="0"/>
+                    </a:spcBef>
+                    <a:spcAft>
+                      <a:spcPts val="0"/>
+                    </a:spcAft>
+                    <a:buClrTx/>
+                    <a:buSzTx/>
+                    <a:buFontTx/>
+                    <a:buNone/>
+                    <a:tabLst/>
+                    <a:defRPr/>
+                  </a:pPr>
+                  <a:endParaRPr kumimoji="1" lang="ja-JP" altLang="en-US" sz="1800" b="0" i="0" u="none" strike="noStrike" kern="0" cap="none" spc="0" normalizeH="0" baseline="0" noProof="0" smtClean="0">
+                    <a:ln>
+                      <a:noFill/>
+                    </a:ln>
+                    <a:solidFill>
+                      <a:prstClr val="white"/>
+                    </a:solidFill>
+                    <a:effectLst/>
+                    <a:uLnTx/>
+                    <a:uFillTx/>
+                    <a:latin typeface="Calibri" panose="020F0502020204030204"/>
+                    <a:ea typeface="ＭＳ Ｐゴシック" panose="020B0600070205080204" pitchFamily="50" charset="-128"/>
+                    <a:cs typeface="+mn-cs"/>
+                  </a:endParaRPr>
+                </a:p>
+              </p:txBody>
+            </p:sp>
+            <p:sp>
+              <p:nvSpPr>
+                <p:cNvPr id="10" name="円/楕円 9"/>
+                <p:cNvSpPr/>
+                <p:nvPr/>
+              </p:nvSpPr>
+              <p:spPr>
+                <a:xfrm>
+                  <a:off x="4772973" y="2702349"/>
+                  <a:ext cx="45719" cy="45719"/>
+                </a:xfrm>
+                <a:prstGeom prst="ellipse">
+                  <a:avLst/>
+                </a:prstGeom>
+                <a:solidFill>
+                  <a:sysClr val="windowText" lastClr="000000"/>
+                </a:solidFill>
+                <a:ln w="12700" cap="flat" cmpd="sng" algn="ctr">
+                  <a:noFill/>
+                  <a:prstDash val="solid"/>
+                  <a:miter lim="800000"/>
+                </a:ln>
+                <a:effectLst/>
+              </p:spPr>
+              <p:txBody>
+                <a:bodyPr rtlCol="0" anchor="ctr"/>
+                <a:lstStyle/>
+                <a:p>
+                  <a:pPr marL="0" marR="0" lvl="0" indent="0" algn="ctr" defTabSz="914400" eaLnBrk="1" fontAlgn="auto" latinLnBrk="0" hangingPunct="1">
+                    <a:lnSpc>
+                      <a:spcPct val="100000"/>
+                    </a:lnSpc>
+                    <a:spcBef>
+                      <a:spcPts val="0"/>
+                    </a:spcBef>
+                    <a:spcAft>
+                      <a:spcPts val="0"/>
+                    </a:spcAft>
+                    <a:buClrTx/>
+                    <a:buSzTx/>
+                    <a:buFontTx/>
+                    <a:buNone/>
+                    <a:tabLst/>
+                    <a:defRPr/>
+                  </a:pPr>
+                  <a:endParaRPr kumimoji="1" lang="ja-JP" altLang="en-US" sz="1800" b="0" i="0" u="none" strike="noStrike" kern="0" cap="none" spc="0" normalizeH="0" baseline="0" noProof="0" smtClean="0">
+                    <a:ln>
+                      <a:noFill/>
+                    </a:ln>
+                    <a:solidFill>
+                      <a:prstClr val="white"/>
+                    </a:solidFill>
+                    <a:effectLst/>
+                    <a:uLnTx/>
+                    <a:uFillTx/>
+                    <a:latin typeface="Calibri" panose="020F0502020204030204"/>
+                    <a:ea typeface="ＭＳ Ｐゴシック" panose="020B0600070205080204" pitchFamily="50" charset="-128"/>
+                    <a:cs typeface="+mn-cs"/>
+                  </a:endParaRPr>
+                </a:p>
+              </p:txBody>
+            </p:sp>
+            <p:sp>
+              <p:nvSpPr>
+                <p:cNvPr id="11" name="円/楕円 10"/>
+                <p:cNvSpPr/>
+                <p:nvPr/>
+              </p:nvSpPr>
+              <p:spPr>
+                <a:xfrm>
+                  <a:off x="4530575" y="2702349"/>
+                  <a:ext cx="45719" cy="45719"/>
+                </a:xfrm>
+                <a:prstGeom prst="ellipse">
+                  <a:avLst/>
+                </a:prstGeom>
+                <a:solidFill>
+                  <a:sysClr val="windowText" lastClr="000000"/>
+                </a:solidFill>
+                <a:ln w="12700" cap="flat" cmpd="sng" algn="ctr">
+                  <a:noFill/>
+                  <a:prstDash val="solid"/>
+                  <a:miter lim="800000"/>
+                </a:ln>
+                <a:effectLst/>
+              </p:spPr>
+              <p:txBody>
+                <a:bodyPr rtlCol="0" anchor="ctr"/>
+                <a:lstStyle/>
+                <a:p>
+                  <a:pPr marL="0" marR="0" lvl="0" indent="0" algn="ctr" defTabSz="914400" eaLnBrk="1" fontAlgn="auto" latinLnBrk="0" hangingPunct="1">
+                    <a:lnSpc>
+                      <a:spcPct val="100000"/>
+                    </a:lnSpc>
+                    <a:spcBef>
+                      <a:spcPts val="0"/>
+                    </a:spcBef>
+                    <a:spcAft>
+                      <a:spcPts val="0"/>
+                    </a:spcAft>
+                    <a:buClrTx/>
+                    <a:buSzTx/>
+                    <a:buFontTx/>
+                    <a:buNone/>
+                    <a:tabLst/>
+                    <a:defRPr/>
+                  </a:pPr>
+                  <a:endParaRPr kumimoji="1" lang="ja-JP" altLang="en-US" sz="1800" b="0" i="0" u="none" strike="noStrike" kern="0" cap="none" spc="0" normalizeH="0" baseline="0" noProof="0" smtClean="0">
+                    <a:ln>
+                      <a:noFill/>
+                    </a:ln>
+                    <a:solidFill>
+                      <a:prstClr val="white"/>
+                    </a:solidFill>
+                    <a:effectLst/>
+                    <a:uLnTx/>
+                    <a:uFillTx/>
+                    <a:latin typeface="Calibri" panose="020F0502020204030204"/>
+                    <a:ea typeface="ＭＳ Ｐゴシック" panose="020B0600070205080204" pitchFamily="50" charset="-128"/>
+                    <a:cs typeface="+mn-cs"/>
+                  </a:endParaRPr>
+                </a:p>
+              </p:txBody>
+            </p:sp>
+          </p:grpSp>
+          <p:cxnSp>
+            <p:nvCxnSpPr>
+              <p:cNvPr id="5" name="直線コネクタ 4"/>
+              <p:cNvCxnSpPr>
+                <a:stCxn id="10" idx="4"/>
+              </p:cNvCxnSpPr>
+              <p:nvPr/>
+            </p:nvCxnSpPr>
+            <p:spPr>
+              <a:xfrm flipH="1">
+                <a:off x="4794423" y="2748068"/>
+                <a:ext cx="1410" cy="104578"/>
+              </a:xfrm>
+              <a:prstGeom prst="line">
+                <a:avLst/>
+              </a:prstGeom>
+              <a:noFill/>
+              <a:ln w="6350" cap="flat" cmpd="sng" algn="ctr">
+                <a:solidFill>
+                  <a:sysClr val="windowText" lastClr="000000"/>
+                </a:solidFill>
+                <a:prstDash val="solid"/>
+                <a:miter lim="800000"/>
+              </a:ln>
+              <a:effectLst/>
+            </p:spPr>
+          </p:cxnSp>
+          <p:cxnSp>
+            <p:nvCxnSpPr>
+              <p:cNvPr id="6" name="直線コネクタ 5"/>
+              <p:cNvCxnSpPr>
+                <a:stCxn id="11" idx="4"/>
+              </p:cNvCxnSpPr>
+              <p:nvPr/>
+            </p:nvCxnSpPr>
+            <p:spPr>
+              <a:xfrm flipH="1">
+                <a:off x="4553434" y="2748068"/>
+                <a:ext cx="1" cy="103416"/>
+              </a:xfrm>
+              <a:prstGeom prst="line">
+                <a:avLst/>
+              </a:prstGeom>
+              <a:noFill/>
+              <a:ln w="6350" cap="flat" cmpd="sng" algn="ctr">
+                <a:solidFill>
+                  <a:sysClr val="windowText" lastClr="000000"/>
+                </a:solidFill>
+                <a:prstDash val="solid"/>
+                <a:miter lim="800000"/>
+              </a:ln>
+              <a:effectLst/>
+            </p:spPr>
+          </p:cxnSp>
+        </p:grpSp>
+        <p:sp>
+          <p:nvSpPr>
+            <p:cNvPr id="12" name="テキスト ボックス 11"/>
+            <p:cNvSpPr txBox="1"/>
+            <p:nvPr/>
+          </p:nvSpPr>
+          <p:spPr>
+            <a:xfrm>
+              <a:off x="1836996" y="1540459"/>
+              <a:ext cx="6543779" cy="954107"/>
+            </a:xfrm>
+            <a:prstGeom prst="rect">
+              <a:avLst/>
+            </a:prstGeom>
+            <a:noFill/>
+          </p:spPr>
+          <p:txBody>
+            <a:bodyPr wrap="none" rtlCol="0">
+              <a:spAutoFit/>
+            </a:bodyPr>
+            <a:lstStyle/>
+            <a:p>
+              <a:r>
+                <a:rPr kumimoji="1" lang="ja-JP" altLang="en-US" sz="2800" dirty="0" smtClean="0"/>
+                <a:t>ジャンル</a:t>
+              </a:r>
+              <a:endParaRPr kumimoji="1" lang="en-US" altLang="ja-JP" sz="2800" dirty="0" smtClean="0"/>
+            </a:p>
+            <a:p>
+              <a:r>
+                <a:rPr kumimoji="1" lang="ja-JP" altLang="en-US" sz="2800" dirty="0"/>
+                <a:t>　</a:t>
+              </a:r>
+              <a:r>
+                <a:rPr kumimoji="1" lang="ja-JP" altLang="en-US" sz="2800" dirty="0" smtClean="0"/>
+                <a:t>　</a:t>
+              </a:r>
+              <a:r>
+                <a:rPr kumimoji="1" lang="ja-JP" altLang="en-US" sz="2400" b="1" dirty="0" smtClean="0"/>
+                <a:t>脱出ゲーム</a:t>
+              </a:r>
+              <a:r>
+                <a:rPr kumimoji="1" lang="en-US" altLang="ja-JP" sz="2400" b="1" dirty="0" smtClean="0"/>
+                <a:t>(</a:t>
+              </a:r>
+              <a:r>
+                <a:rPr kumimoji="1" lang="ja-JP" altLang="en-US" sz="2800" b="1" dirty="0" smtClean="0"/>
+                <a:t>ロボットを脱出させるゲーム</a:t>
+              </a:r>
+              <a:r>
+                <a:rPr kumimoji="1" lang="en-US" altLang="ja-JP" sz="2400" b="1" dirty="0" smtClean="0"/>
+                <a:t>)</a:t>
+              </a:r>
+              <a:endParaRPr kumimoji="1" lang="ja-JP" altLang="en-US" sz="2400" b="1" dirty="0"/>
+            </a:p>
+          </p:txBody>
+        </p:sp>
+      </p:grpSp>
+      <p:grpSp>
+        <p:nvGrpSpPr>
+          <p:cNvPr id="23" name="グループ化 22"/>
+          <p:cNvGrpSpPr/>
+          <p:nvPr/>
+        </p:nvGrpSpPr>
+        <p:grpSpPr>
+          <a:xfrm>
+            <a:off x="1246787" y="2577809"/>
+            <a:ext cx="3153731" cy="954107"/>
+            <a:chOff x="1399187" y="1692859"/>
+            <a:chExt cx="3153731" cy="954107"/>
+          </a:xfrm>
+        </p:grpSpPr>
+        <p:grpSp>
+          <p:nvGrpSpPr>
+            <p:cNvPr id="13" name="グループ化 12"/>
+            <p:cNvGrpSpPr/>
+            <p:nvPr/>
+          </p:nvGrpSpPr>
+          <p:grpSpPr>
+            <a:xfrm>
+              <a:off x="1399187" y="1699872"/>
+              <a:ext cx="388809" cy="400072"/>
+              <a:chOff x="4463716" y="2702349"/>
+              <a:chExt cx="421105" cy="425862"/>
+            </a:xfrm>
+          </p:grpSpPr>
+          <p:grpSp>
+            <p:nvGrpSpPr>
+              <p:cNvPr id="14" name="グループ化 13"/>
+              <p:cNvGrpSpPr/>
+              <p:nvPr/>
+            </p:nvGrpSpPr>
+            <p:grpSpPr>
+              <a:xfrm>
+                <a:off x="4463716" y="2702349"/>
+                <a:ext cx="421105" cy="425862"/>
+                <a:chOff x="4463716" y="2702349"/>
+                <a:chExt cx="421105" cy="425862"/>
+              </a:xfrm>
+            </p:grpSpPr>
+            <p:sp>
+              <p:nvSpPr>
+                <p:cNvPr id="17" name="正方形/長方形 16"/>
+                <p:cNvSpPr/>
+                <p:nvPr/>
+              </p:nvSpPr>
+              <p:spPr>
+                <a:xfrm>
+                  <a:off x="4463716" y="2851484"/>
+                  <a:ext cx="421105" cy="276727"/>
+                </a:xfrm>
+                <a:prstGeom prst="rect">
+                  <a:avLst/>
+                </a:prstGeom>
+                <a:blipFill>
+                  <a:blip r:embed="rId2"/>
+                  <a:tile tx="0" ty="0" sx="100000" sy="100000" flip="none" algn="tl"/>
+                </a:blipFill>
+                <a:ln w="6350" cap="flat" cmpd="sng" algn="ctr">
+                  <a:solidFill>
+                    <a:sysClr val="windowText" lastClr="000000"/>
+                  </a:solidFill>
+                  <a:prstDash val="solid"/>
+                  <a:miter lim="800000"/>
+                </a:ln>
+                <a:effectLst/>
+              </p:spPr>
+              <p:txBody>
+                <a:bodyPr rtlCol="0" anchor="ctr"/>
+                <a:lstStyle/>
+                <a:p>
+                  <a:pPr marL="0" marR="0" lvl="0" indent="0" algn="ctr" defTabSz="914400" eaLnBrk="1" fontAlgn="auto" latinLnBrk="0" hangingPunct="1">
+                    <a:lnSpc>
+                      <a:spcPct val="100000"/>
+                    </a:lnSpc>
+                    <a:spcBef>
+                      <a:spcPts val="0"/>
+                    </a:spcBef>
+                    <a:spcAft>
+                      <a:spcPts val="0"/>
+                    </a:spcAft>
+                    <a:buClrTx/>
+                    <a:buSzTx/>
+                    <a:buFontTx/>
+                    <a:buNone/>
+                    <a:tabLst/>
+                    <a:defRPr/>
+                  </a:pPr>
+                  <a:endParaRPr kumimoji="1" lang="ja-JP" altLang="en-US" sz="1800" b="0" i="0" u="none" strike="noStrike" kern="0" cap="none" spc="0" normalizeH="0" baseline="0" noProof="0" smtClean="0">
+                    <a:ln>
+                      <a:noFill/>
+                    </a:ln>
+                    <a:solidFill>
+                      <a:prstClr val="white"/>
+                    </a:solidFill>
+                    <a:effectLst/>
+                    <a:uLnTx/>
+                    <a:uFillTx/>
+                    <a:latin typeface="Calibri" panose="020F0502020204030204"/>
+                    <a:ea typeface="ＭＳ Ｐゴシック" panose="020B0600070205080204" pitchFamily="50" charset="-128"/>
+                    <a:cs typeface="+mn-cs"/>
+                  </a:endParaRPr>
+                </a:p>
+              </p:txBody>
+            </p:sp>
+            <p:sp>
+              <p:nvSpPr>
+                <p:cNvPr id="18" name="円/楕円 17"/>
+                <p:cNvSpPr/>
+                <p:nvPr/>
+              </p:nvSpPr>
+              <p:spPr>
+                <a:xfrm>
+                  <a:off x="4553576" y="2939841"/>
+                  <a:ext cx="61287" cy="67034"/>
+                </a:xfrm>
+                <a:prstGeom prst="ellipse">
+                  <a:avLst/>
+                </a:prstGeom>
+                <a:solidFill>
+                  <a:sysClr val="windowText" lastClr="000000"/>
+                </a:solidFill>
+                <a:ln w="12700" cap="flat" cmpd="sng" algn="ctr">
+                  <a:solidFill>
+                    <a:sysClr val="windowText" lastClr="000000">
+                      <a:shade val="50000"/>
+                    </a:sysClr>
+                  </a:solidFill>
+                  <a:prstDash val="solid"/>
+                  <a:miter lim="800000"/>
+                </a:ln>
+                <a:effectLst/>
+              </p:spPr>
+              <p:txBody>
+                <a:bodyPr rtlCol="0" anchor="ctr"/>
+                <a:lstStyle/>
+                <a:p>
+                  <a:pPr marL="0" marR="0" lvl="0" indent="0" algn="ctr" defTabSz="914400" eaLnBrk="1" fontAlgn="auto" latinLnBrk="0" hangingPunct="1">
+                    <a:lnSpc>
+                      <a:spcPct val="100000"/>
+                    </a:lnSpc>
+                    <a:spcBef>
+                      <a:spcPts val="0"/>
+                    </a:spcBef>
+                    <a:spcAft>
+                      <a:spcPts val="0"/>
+                    </a:spcAft>
+                    <a:buClrTx/>
+                    <a:buSzTx/>
+                    <a:buFontTx/>
+                    <a:buNone/>
+                    <a:tabLst/>
+                    <a:defRPr/>
+                  </a:pPr>
+                  <a:endParaRPr kumimoji="1" lang="ja-JP" altLang="en-US" sz="1800" b="0" i="0" u="none" strike="noStrike" kern="0" cap="none" spc="0" normalizeH="0" baseline="0" noProof="0" smtClean="0">
+                    <a:ln>
+                      <a:noFill/>
+                    </a:ln>
+                    <a:solidFill>
+                      <a:prstClr val="white"/>
+                    </a:solidFill>
+                    <a:effectLst/>
+                    <a:uLnTx/>
+                    <a:uFillTx/>
+                    <a:latin typeface="Calibri" panose="020F0502020204030204"/>
+                    <a:ea typeface="ＭＳ Ｐゴシック" panose="020B0600070205080204" pitchFamily="50" charset="-128"/>
+                    <a:cs typeface="+mn-cs"/>
+                  </a:endParaRPr>
+                </a:p>
+              </p:txBody>
+            </p:sp>
+            <p:sp>
+              <p:nvSpPr>
+                <p:cNvPr id="19" name="円/楕円 18"/>
+                <p:cNvSpPr/>
+                <p:nvPr/>
+              </p:nvSpPr>
+              <p:spPr>
+                <a:xfrm>
+                  <a:off x="4731280" y="2939841"/>
+                  <a:ext cx="63143" cy="67034"/>
+                </a:xfrm>
+                <a:prstGeom prst="ellipse">
+                  <a:avLst/>
+                </a:prstGeom>
+                <a:solidFill>
+                  <a:sysClr val="windowText" lastClr="000000"/>
+                </a:solidFill>
+                <a:ln w="12700" cap="flat" cmpd="sng" algn="ctr">
+                  <a:solidFill>
+                    <a:sysClr val="windowText" lastClr="000000">
+                      <a:shade val="50000"/>
+                    </a:sysClr>
+                  </a:solidFill>
+                  <a:prstDash val="solid"/>
+                  <a:miter lim="800000"/>
+                </a:ln>
+                <a:effectLst/>
+              </p:spPr>
+              <p:txBody>
+                <a:bodyPr rtlCol="0" anchor="ctr"/>
+                <a:lstStyle/>
+                <a:p>
+                  <a:pPr marL="0" marR="0" lvl="0" indent="0" algn="ctr" defTabSz="914400" eaLnBrk="1" fontAlgn="auto" latinLnBrk="0" hangingPunct="1">
+                    <a:lnSpc>
+                      <a:spcPct val="100000"/>
+                    </a:lnSpc>
+                    <a:spcBef>
+                      <a:spcPts val="0"/>
+                    </a:spcBef>
+                    <a:spcAft>
+                      <a:spcPts val="0"/>
+                    </a:spcAft>
+                    <a:buClrTx/>
+                    <a:buSzTx/>
+                    <a:buFontTx/>
+                    <a:buNone/>
+                    <a:tabLst/>
+                    <a:defRPr/>
+                  </a:pPr>
+                  <a:endParaRPr kumimoji="1" lang="ja-JP" altLang="en-US" sz="1800" b="0" i="0" u="none" strike="noStrike" kern="0" cap="none" spc="0" normalizeH="0" baseline="0" noProof="0" smtClean="0">
+                    <a:ln>
+                      <a:noFill/>
+                    </a:ln>
+                    <a:solidFill>
+                      <a:prstClr val="white"/>
+                    </a:solidFill>
+                    <a:effectLst/>
+                    <a:uLnTx/>
+                    <a:uFillTx/>
+                    <a:latin typeface="Calibri" panose="020F0502020204030204"/>
+                    <a:ea typeface="ＭＳ Ｐゴシック" panose="020B0600070205080204" pitchFamily="50" charset="-128"/>
+                    <a:cs typeface="+mn-cs"/>
+                  </a:endParaRPr>
+                </a:p>
+              </p:txBody>
+            </p:sp>
+            <p:sp>
+              <p:nvSpPr>
+                <p:cNvPr id="20" name="円/楕円 19"/>
+                <p:cNvSpPr/>
+                <p:nvPr/>
+              </p:nvSpPr>
+              <p:spPr>
+                <a:xfrm>
+                  <a:off x="4772973" y="2702349"/>
+                  <a:ext cx="45719" cy="45719"/>
+                </a:xfrm>
+                <a:prstGeom prst="ellipse">
+                  <a:avLst/>
+                </a:prstGeom>
+                <a:solidFill>
+                  <a:sysClr val="windowText" lastClr="000000"/>
+                </a:solidFill>
+                <a:ln w="12700" cap="flat" cmpd="sng" algn="ctr">
+                  <a:noFill/>
+                  <a:prstDash val="solid"/>
+                  <a:miter lim="800000"/>
+                </a:ln>
+                <a:effectLst/>
+              </p:spPr>
+              <p:txBody>
+                <a:bodyPr rtlCol="0" anchor="ctr"/>
+                <a:lstStyle/>
+                <a:p>
+                  <a:pPr marL="0" marR="0" lvl="0" indent="0" algn="ctr" defTabSz="914400" eaLnBrk="1" fontAlgn="auto" latinLnBrk="0" hangingPunct="1">
+                    <a:lnSpc>
+                      <a:spcPct val="100000"/>
+                    </a:lnSpc>
+                    <a:spcBef>
+                      <a:spcPts val="0"/>
+                    </a:spcBef>
+                    <a:spcAft>
+                      <a:spcPts val="0"/>
+                    </a:spcAft>
+                    <a:buClrTx/>
+                    <a:buSzTx/>
+                    <a:buFontTx/>
+                    <a:buNone/>
+                    <a:tabLst/>
+                    <a:defRPr/>
+                  </a:pPr>
+                  <a:endParaRPr kumimoji="1" lang="ja-JP" altLang="en-US" sz="1800" b="0" i="0" u="none" strike="noStrike" kern="0" cap="none" spc="0" normalizeH="0" baseline="0" noProof="0" smtClean="0">
+                    <a:ln>
+                      <a:noFill/>
+                    </a:ln>
+                    <a:solidFill>
+                      <a:prstClr val="white"/>
+                    </a:solidFill>
+                    <a:effectLst/>
+                    <a:uLnTx/>
+                    <a:uFillTx/>
+                    <a:latin typeface="Calibri" panose="020F0502020204030204"/>
+                    <a:ea typeface="ＭＳ Ｐゴシック" panose="020B0600070205080204" pitchFamily="50" charset="-128"/>
+                    <a:cs typeface="+mn-cs"/>
+                  </a:endParaRPr>
+                </a:p>
+              </p:txBody>
+            </p:sp>
+            <p:sp>
+              <p:nvSpPr>
+                <p:cNvPr id="21" name="円/楕円 20"/>
+                <p:cNvSpPr/>
+                <p:nvPr/>
+              </p:nvSpPr>
+              <p:spPr>
+                <a:xfrm>
+                  <a:off x="4530575" y="2702349"/>
+                  <a:ext cx="45719" cy="45719"/>
+                </a:xfrm>
+                <a:prstGeom prst="ellipse">
+                  <a:avLst/>
+                </a:prstGeom>
+                <a:solidFill>
+                  <a:sysClr val="windowText" lastClr="000000"/>
+                </a:solidFill>
+                <a:ln w="12700" cap="flat" cmpd="sng" algn="ctr">
+                  <a:noFill/>
+                  <a:prstDash val="solid"/>
+                  <a:miter lim="800000"/>
+                </a:ln>
+                <a:effectLst/>
+              </p:spPr>
+              <p:txBody>
+                <a:bodyPr rtlCol="0" anchor="ctr"/>
+                <a:lstStyle/>
+                <a:p>
+                  <a:pPr marL="0" marR="0" lvl="0" indent="0" algn="ctr" defTabSz="914400" eaLnBrk="1" fontAlgn="auto" latinLnBrk="0" hangingPunct="1">
+                    <a:lnSpc>
+                      <a:spcPct val="100000"/>
+                    </a:lnSpc>
+                    <a:spcBef>
+                      <a:spcPts val="0"/>
+                    </a:spcBef>
+                    <a:spcAft>
+                      <a:spcPts val="0"/>
+                    </a:spcAft>
+                    <a:buClrTx/>
+                    <a:buSzTx/>
+                    <a:buFontTx/>
+                    <a:buNone/>
+                    <a:tabLst/>
+                    <a:defRPr/>
+                  </a:pPr>
+                  <a:endParaRPr kumimoji="1" lang="ja-JP" altLang="en-US" sz="1800" b="0" i="0" u="none" strike="noStrike" kern="0" cap="none" spc="0" normalizeH="0" baseline="0" noProof="0" smtClean="0">
+                    <a:ln>
+                      <a:noFill/>
+                    </a:ln>
+                    <a:solidFill>
+                      <a:prstClr val="white"/>
+                    </a:solidFill>
+                    <a:effectLst/>
+                    <a:uLnTx/>
+                    <a:uFillTx/>
+                    <a:latin typeface="Calibri" panose="020F0502020204030204"/>
+                    <a:ea typeface="ＭＳ Ｐゴシック" panose="020B0600070205080204" pitchFamily="50" charset="-128"/>
+                    <a:cs typeface="+mn-cs"/>
+                  </a:endParaRPr>
+                </a:p>
+              </p:txBody>
+            </p:sp>
+          </p:grpSp>
+          <p:cxnSp>
+            <p:nvCxnSpPr>
+              <p:cNvPr id="15" name="直線コネクタ 14"/>
+              <p:cNvCxnSpPr>
+                <a:stCxn id="20" idx="4"/>
+              </p:cNvCxnSpPr>
+              <p:nvPr/>
+            </p:nvCxnSpPr>
+            <p:spPr>
+              <a:xfrm flipH="1">
+                <a:off x="4794423" y="2748068"/>
+                <a:ext cx="1410" cy="104578"/>
+              </a:xfrm>
+              <a:prstGeom prst="line">
+                <a:avLst/>
+              </a:prstGeom>
+              <a:noFill/>
+              <a:ln w="6350" cap="flat" cmpd="sng" algn="ctr">
+                <a:solidFill>
+                  <a:sysClr val="windowText" lastClr="000000"/>
+                </a:solidFill>
+                <a:prstDash val="solid"/>
+                <a:miter lim="800000"/>
+              </a:ln>
+              <a:effectLst/>
+            </p:spPr>
+          </p:cxnSp>
+          <p:cxnSp>
+            <p:nvCxnSpPr>
+              <p:cNvPr id="16" name="直線コネクタ 15"/>
+              <p:cNvCxnSpPr>
+                <a:stCxn id="21" idx="4"/>
+              </p:cNvCxnSpPr>
+              <p:nvPr/>
+            </p:nvCxnSpPr>
+            <p:spPr>
+              <a:xfrm flipH="1">
+                <a:off x="4553434" y="2748068"/>
+                <a:ext cx="1" cy="103416"/>
+              </a:xfrm>
+              <a:prstGeom prst="line">
+                <a:avLst/>
+              </a:prstGeom>
+              <a:noFill/>
+              <a:ln w="6350" cap="flat" cmpd="sng" algn="ctr">
+                <a:solidFill>
+                  <a:sysClr val="windowText" lastClr="000000"/>
+                </a:solidFill>
+                <a:prstDash val="solid"/>
+                <a:miter lim="800000"/>
+              </a:ln>
+              <a:effectLst/>
+            </p:spPr>
+          </p:cxnSp>
+        </p:grpSp>
+        <p:sp>
+          <p:nvSpPr>
+            <p:cNvPr id="22" name="テキスト ボックス 21"/>
+            <p:cNvSpPr txBox="1"/>
+            <p:nvPr/>
+          </p:nvSpPr>
+          <p:spPr>
+            <a:xfrm>
+              <a:off x="1989396" y="1692859"/>
+              <a:ext cx="2563522" cy="954107"/>
+            </a:xfrm>
+            <a:prstGeom prst="rect">
+              <a:avLst/>
+            </a:prstGeom>
+            <a:noFill/>
+          </p:spPr>
+          <p:txBody>
+            <a:bodyPr wrap="none" rtlCol="0">
+              <a:spAutoFit/>
+            </a:bodyPr>
+            <a:lstStyle/>
+            <a:p>
+              <a:r>
+                <a:rPr kumimoji="1" lang="ja-JP" altLang="en-US" sz="2800" dirty="0" smtClean="0"/>
+                <a:t>プラット</a:t>
+              </a:r>
+              <a:r>
+                <a:rPr kumimoji="1" lang="ja-JP" altLang="en-US" sz="2800" dirty="0"/>
+                <a:t>フォーム</a:t>
+              </a:r>
+              <a:endParaRPr kumimoji="1" lang="en-US" altLang="ja-JP" sz="2800" dirty="0" smtClean="0"/>
+            </a:p>
+            <a:p>
+              <a:r>
+                <a:rPr kumimoji="1" lang="ja-JP" altLang="en-US" sz="2800" dirty="0"/>
+                <a:t>　</a:t>
+              </a:r>
+              <a:r>
+                <a:rPr kumimoji="1" lang="ja-JP" altLang="en-US" sz="2800" dirty="0" smtClean="0"/>
+                <a:t>　</a:t>
+              </a:r>
+              <a:r>
+                <a:rPr kumimoji="1" lang="en-US" altLang="ja-JP" sz="2800" dirty="0" smtClean="0"/>
+                <a:t>PC</a:t>
+              </a:r>
+              <a:r>
+                <a:rPr kumimoji="1" lang="ja-JP" altLang="en-US" sz="2800" dirty="0" smtClean="0"/>
+                <a:t>・</a:t>
+              </a:r>
+              <a:r>
+                <a:rPr kumimoji="1" lang="en-US" altLang="ja-JP" sz="2800" dirty="0" smtClean="0"/>
+                <a:t>Android</a:t>
+              </a:r>
+              <a:endParaRPr kumimoji="1" lang="ja-JP" altLang="en-US" sz="2400" dirty="0"/>
+            </a:p>
+          </p:txBody>
+        </p:sp>
+      </p:grpSp>
+      <p:grpSp>
+        <p:nvGrpSpPr>
+          <p:cNvPr id="25" name="グループ化 24"/>
+          <p:cNvGrpSpPr/>
+          <p:nvPr/>
+        </p:nvGrpSpPr>
+        <p:grpSpPr>
+          <a:xfrm>
+            <a:off x="1246787" y="3893089"/>
+            <a:ext cx="388809" cy="400072"/>
+            <a:chOff x="4463716" y="2702349"/>
+            <a:chExt cx="421105" cy="425862"/>
+          </a:xfrm>
+        </p:grpSpPr>
+        <p:grpSp>
+          <p:nvGrpSpPr>
+            <p:cNvPr id="26" name="グループ化 25"/>
+            <p:cNvGrpSpPr/>
+            <p:nvPr/>
+          </p:nvGrpSpPr>
+          <p:grpSpPr>
+            <a:xfrm>
+              <a:off x="4463716" y="2702349"/>
+              <a:ext cx="421105" cy="425862"/>
+              <a:chOff x="4463716" y="2702349"/>
+              <a:chExt cx="421105" cy="425862"/>
+            </a:xfrm>
+          </p:grpSpPr>
+          <p:sp>
+            <p:nvSpPr>
+              <p:cNvPr id="29" name="正方形/長方形 28"/>
+              <p:cNvSpPr/>
+              <p:nvPr/>
+            </p:nvSpPr>
+            <p:spPr>
+              <a:xfrm>
+                <a:off x="4463716" y="2851484"/>
+                <a:ext cx="421105" cy="276727"/>
+              </a:xfrm>
+              <a:prstGeom prst="rect">
+                <a:avLst/>
+              </a:prstGeom>
+              <a:blipFill>
+                <a:blip r:embed="rId2"/>
+                <a:tile tx="0" ty="0" sx="100000" sy="100000" flip="none" algn="tl"/>
+              </a:blipFill>
+              <a:ln w="6350" cap="flat" cmpd="sng" algn="ctr">
+                <a:solidFill>
+                  <a:sysClr val="windowText" lastClr="000000"/>
+                </a:solidFill>
+                <a:prstDash val="solid"/>
+                <a:miter lim="800000"/>
+              </a:ln>
+              <a:effectLst/>
+            </p:spPr>
+            <p:txBody>
+              <a:bodyPr rtlCol="0" anchor="ctr"/>
+              <a:lstStyle/>
+              <a:p>
+                <a:pPr marL="0" marR="0" lvl="0" indent="0" algn="ctr" defTabSz="914400" eaLnBrk="1" fontAlgn="auto" latinLnBrk="0" hangingPunct="1">
+                  <a:lnSpc>
+                    <a:spcPct val="100000"/>
+                  </a:lnSpc>
+                  <a:spcBef>
+                    <a:spcPts val="0"/>
+                  </a:spcBef>
+                  <a:spcAft>
+                    <a:spcPts val="0"/>
+                  </a:spcAft>
+                  <a:buClrTx/>
+                  <a:buSzTx/>
+                  <a:buFontTx/>
+                  <a:buNone/>
+                  <a:tabLst/>
+                  <a:defRPr/>
+                </a:pPr>
+                <a:endParaRPr kumimoji="1" lang="ja-JP" altLang="en-US" sz="1800" b="0" i="0" u="none" strike="noStrike" kern="0" cap="none" spc="0" normalizeH="0" baseline="0" noProof="0" smtClean="0">
+                  <a:ln>
+                    <a:noFill/>
+                  </a:ln>
+                  <a:solidFill>
+                    <a:prstClr val="white"/>
+                  </a:solidFill>
+                  <a:effectLst/>
+                  <a:uLnTx/>
+                  <a:uFillTx/>
+                  <a:latin typeface="Calibri" panose="020F0502020204030204"/>
+                  <a:ea typeface="ＭＳ Ｐゴシック" panose="020B0600070205080204" pitchFamily="50" charset="-128"/>
+                  <a:cs typeface="+mn-cs"/>
+                </a:endParaRPr>
+              </a:p>
+            </p:txBody>
+          </p:sp>
+          <p:sp>
+            <p:nvSpPr>
+              <p:cNvPr id="30" name="円/楕円 29"/>
+              <p:cNvSpPr/>
+              <p:nvPr/>
+            </p:nvSpPr>
+            <p:spPr>
+              <a:xfrm>
+                <a:off x="4553576" y="2939841"/>
+                <a:ext cx="61287" cy="67034"/>
+              </a:xfrm>
+              <a:prstGeom prst="ellipse">
+                <a:avLst/>
+              </a:prstGeom>
+              <a:solidFill>
+                <a:sysClr val="windowText" lastClr="000000"/>
+              </a:solidFill>
+              <a:ln w="12700" cap="flat" cmpd="sng" algn="ctr">
+                <a:solidFill>
+                  <a:sysClr val="windowText" lastClr="000000">
+                    <a:shade val="50000"/>
+                  </a:sysClr>
+                </a:solidFill>
+                <a:prstDash val="solid"/>
+                <a:miter lim="800000"/>
+              </a:ln>
+              <a:effectLst/>
+            </p:spPr>
+            <p:txBody>
+              <a:bodyPr rtlCol="0" anchor="ctr"/>
+              <a:lstStyle/>
+              <a:p>
+                <a:pPr marL="0" marR="0" lvl="0" indent="0" algn="ctr" defTabSz="914400" eaLnBrk="1" fontAlgn="auto" latinLnBrk="0" hangingPunct="1">
+                  <a:lnSpc>
+                    <a:spcPct val="100000"/>
+                  </a:lnSpc>
+                  <a:spcBef>
+                    <a:spcPts val="0"/>
+                  </a:spcBef>
+                  <a:spcAft>
+                    <a:spcPts val="0"/>
+                  </a:spcAft>
+                  <a:buClrTx/>
+                  <a:buSzTx/>
+                  <a:buFontTx/>
+                  <a:buNone/>
+                  <a:tabLst/>
+                  <a:defRPr/>
+                </a:pPr>
+                <a:endParaRPr kumimoji="1" lang="ja-JP" altLang="en-US" sz="1800" b="0" i="0" u="none" strike="noStrike" kern="0" cap="none" spc="0" normalizeH="0" baseline="0" noProof="0" smtClean="0">
+                  <a:ln>
+                    <a:noFill/>
+                  </a:ln>
+                  <a:solidFill>
+                    <a:prstClr val="white"/>
+                  </a:solidFill>
+                  <a:effectLst/>
+                  <a:uLnTx/>
+                  <a:uFillTx/>
+                  <a:latin typeface="Calibri" panose="020F0502020204030204"/>
+                  <a:ea typeface="ＭＳ Ｐゴシック" panose="020B0600070205080204" pitchFamily="50" charset="-128"/>
+                  <a:cs typeface="+mn-cs"/>
+                </a:endParaRPr>
+              </a:p>
+            </p:txBody>
+          </p:sp>
+          <p:sp>
+            <p:nvSpPr>
+              <p:cNvPr id="31" name="円/楕円 30"/>
+              <p:cNvSpPr/>
+              <p:nvPr/>
+            </p:nvSpPr>
+            <p:spPr>
+              <a:xfrm>
+                <a:off x="4731280" y="2939841"/>
+                <a:ext cx="63143" cy="67034"/>
+              </a:xfrm>
+              <a:prstGeom prst="ellipse">
+                <a:avLst/>
+              </a:prstGeom>
+              <a:solidFill>
+                <a:sysClr val="windowText" lastClr="000000"/>
+              </a:solidFill>
+              <a:ln w="12700" cap="flat" cmpd="sng" algn="ctr">
+                <a:solidFill>
+                  <a:sysClr val="windowText" lastClr="000000">
+                    <a:shade val="50000"/>
+                  </a:sysClr>
+                </a:solidFill>
+                <a:prstDash val="solid"/>
+                <a:miter lim="800000"/>
+              </a:ln>
+              <a:effectLst/>
+            </p:spPr>
+            <p:txBody>
+              <a:bodyPr rtlCol="0" anchor="ctr"/>
+              <a:lstStyle/>
+              <a:p>
+                <a:pPr marL="0" marR="0" lvl="0" indent="0" algn="ctr" defTabSz="914400" eaLnBrk="1" fontAlgn="auto" latinLnBrk="0" hangingPunct="1">
+                  <a:lnSpc>
+                    <a:spcPct val="100000"/>
+                  </a:lnSpc>
+                  <a:spcBef>
+                    <a:spcPts val="0"/>
+                  </a:spcBef>
+                  <a:spcAft>
+                    <a:spcPts val="0"/>
+                  </a:spcAft>
+                  <a:buClrTx/>
+                  <a:buSzTx/>
+                  <a:buFontTx/>
+                  <a:buNone/>
+                  <a:tabLst/>
+                  <a:defRPr/>
+                </a:pPr>
+                <a:endParaRPr kumimoji="1" lang="ja-JP" altLang="en-US" sz="1800" b="0" i="0" u="none" strike="noStrike" kern="0" cap="none" spc="0" normalizeH="0" baseline="0" noProof="0" smtClean="0">
+                  <a:ln>
+                    <a:noFill/>
+                  </a:ln>
+                  <a:solidFill>
+                    <a:prstClr val="white"/>
+                  </a:solidFill>
+                  <a:effectLst/>
+                  <a:uLnTx/>
+                  <a:uFillTx/>
+                  <a:latin typeface="Calibri" panose="020F0502020204030204"/>
+                  <a:ea typeface="ＭＳ Ｐゴシック" panose="020B0600070205080204" pitchFamily="50" charset="-128"/>
+                  <a:cs typeface="+mn-cs"/>
+                </a:endParaRPr>
+              </a:p>
+            </p:txBody>
+          </p:sp>
+          <p:sp>
+            <p:nvSpPr>
+              <p:cNvPr id="32" name="円/楕円 31"/>
+              <p:cNvSpPr/>
+              <p:nvPr/>
+            </p:nvSpPr>
+            <p:spPr>
+              <a:xfrm>
+                <a:off x="4772973" y="2702349"/>
+                <a:ext cx="45719" cy="45719"/>
+              </a:xfrm>
+              <a:prstGeom prst="ellipse">
+                <a:avLst/>
+              </a:prstGeom>
+              <a:solidFill>
+                <a:sysClr val="windowText" lastClr="000000"/>
+              </a:solidFill>
+              <a:ln w="12700" cap="flat" cmpd="sng" algn="ctr">
+                <a:noFill/>
+                <a:prstDash val="solid"/>
+                <a:miter lim="800000"/>
+              </a:ln>
+              <a:effectLst/>
+            </p:spPr>
+            <p:txBody>
+              <a:bodyPr rtlCol="0" anchor="ctr"/>
+              <a:lstStyle/>
+              <a:p>
+                <a:pPr marL="0" marR="0" lvl="0" indent="0" algn="ctr" defTabSz="914400" eaLnBrk="1" fontAlgn="auto" latinLnBrk="0" hangingPunct="1">
+                  <a:lnSpc>
+                    <a:spcPct val="100000"/>
+                  </a:lnSpc>
+                  <a:spcBef>
+                    <a:spcPts val="0"/>
+                  </a:spcBef>
+                  <a:spcAft>
+                    <a:spcPts val="0"/>
+                  </a:spcAft>
+                  <a:buClrTx/>
+                  <a:buSzTx/>
+                  <a:buFontTx/>
+                  <a:buNone/>
+                  <a:tabLst/>
+                  <a:defRPr/>
+                </a:pPr>
+                <a:endParaRPr kumimoji="1" lang="ja-JP" altLang="en-US" sz="1800" b="0" i="0" u="none" strike="noStrike" kern="0" cap="none" spc="0" normalizeH="0" baseline="0" noProof="0" smtClean="0">
+                  <a:ln>
+                    <a:noFill/>
+                  </a:ln>
+                  <a:solidFill>
+                    <a:prstClr val="white"/>
+                  </a:solidFill>
+                  <a:effectLst/>
+                  <a:uLnTx/>
+                  <a:uFillTx/>
+                  <a:latin typeface="Calibri" panose="020F0502020204030204"/>
+                  <a:ea typeface="ＭＳ Ｐゴシック" panose="020B0600070205080204" pitchFamily="50" charset="-128"/>
+                  <a:cs typeface="+mn-cs"/>
+                </a:endParaRPr>
+              </a:p>
+            </p:txBody>
+          </p:sp>
+          <p:sp>
+            <p:nvSpPr>
+              <p:cNvPr id="33" name="円/楕円 32"/>
+              <p:cNvSpPr/>
+              <p:nvPr/>
+            </p:nvSpPr>
+            <p:spPr>
+              <a:xfrm>
+                <a:off x="4530575" y="2702349"/>
+                <a:ext cx="45719" cy="45719"/>
+              </a:xfrm>
+              <a:prstGeom prst="ellipse">
+                <a:avLst/>
+              </a:prstGeom>
+              <a:solidFill>
+                <a:sysClr val="windowText" lastClr="000000"/>
+              </a:solidFill>
+              <a:ln w="12700" cap="flat" cmpd="sng" algn="ctr">
+                <a:noFill/>
+                <a:prstDash val="solid"/>
+                <a:miter lim="800000"/>
+              </a:ln>
+              <a:effectLst/>
+            </p:spPr>
+            <p:txBody>
+              <a:bodyPr rtlCol="0" anchor="ctr"/>
+              <a:lstStyle/>
+              <a:p>
+                <a:pPr marL="0" marR="0" lvl="0" indent="0" algn="ctr" defTabSz="914400" eaLnBrk="1" fontAlgn="auto" latinLnBrk="0" hangingPunct="1">
+                  <a:lnSpc>
+                    <a:spcPct val="100000"/>
+                  </a:lnSpc>
+                  <a:spcBef>
+                    <a:spcPts val="0"/>
+                  </a:spcBef>
+                  <a:spcAft>
+                    <a:spcPts val="0"/>
+                  </a:spcAft>
+                  <a:buClrTx/>
+                  <a:buSzTx/>
+                  <a:buFontTx/>
+                  <a:buNone/>
+                  <a:tabLst/>
+                  <a:defRPr/>
+                </a:pPr>
+                <a:endParaRPr kumimoji="1" lang="ja-JP" altLang="en-US" sz="1800" b="0" i="0" u="none" strike="noStrike" kern="0" cap="none" spc="0" normalizeH="0" baseline="0" noProof="0" smtClean="0">
+                  <a:ln>
+                    <a:noFill/>
+                  </a:ln>
+                  <a:solidFill>
+                    <a:prstClr val="white"/>
+                  </a:solidFill>
+                  <a:effectLst/>
+                  <a:uLnTx/>
+                  <a:uFillTx/>
+                  <a:latin typeface="Calibri" panose="020F0502020204030204"/>
+                  <a:ea typeface="ＭＳ Ｐゴシック" panose="020B0600070205080204" pitchFamily="50" charset="-128"/>
+                  <a:cs typeface="+mn-cs"/>
+                </a:endParaRPr>
+              </a:p>
+            </p:txBody>
+          </p:sp>
+        </p:grpSp>
+        <p:cxnSp>
+          <p:nvCxnSpPr>
+            <p:cNvPr id="27" name="直線コネクタ 26"/>
+            <p:cNvCxnSpPr>
+              <a:stCxn id="32" idx="4"/>
+            </p:cNvCxnSpPr>
+            <p:nvPr/>
+          </p:nvCxnSpPr>
+          <p:spPr>
+            <a:xfrm flipH="1">
+              <a:off x="4794423" y="2748068"/>
+              <a:ext cx="1410" cy="104578"/>
+            </a:xfrm>
+            <a:prstGeom prst="line">
+              <a:avLst/>
+            </a:prstGeom>
+            <a:noFill/>
+            <a:ln w="6350" cap="flat" cmpd="sng" algn="ctr">
+              <a:solidFill>
+                <a:sysClr val="windowText" lastClr="000000"/>
+              </a:solidFill>
+              <a:prstDash val="solid"/>
+              <a:miter lim="800000"/>
+            </a:ln>
+            <a:effectLst/>
+          </p:spPr>
+        </p:cxnSp>
+        <p:cxnSp>
+          <p:nvCxnSpPr>
+            <p:cNvPr id="28" name="直線コネクタ 27"/>
+            <p:cNvCxnSpPr>
+              <a:stCxn id="33" idx="4"/>
+            </p:cNvCxnSpPr>
+            <p:nvPr/>
+          </p:nvCxnSpPr>
+          <p:spPr>
+            <a:xfrm flipH="1">
+              <a:off x="4553434" y="2748068"/>
+              <a:ext cx="1" cy="103416"/>
+            </a:xfrm>
+            <a:prstGeom prst="line">
+              <a:avLst/>
+            </a:prstGeom>
+            <a:noFill/>
+            <a:ln w="6350" cap="flat" cmpd="sng" algn="ctr">
+              <a:solidFill>
+                <a:sysClr val="windowText" lastClr="000000"/>
+              </a:solidFill>
+              <a:prstDash val="solid"/>
+              <a:miter lim="800000"/>
+            </a:ln>
+            <a:effectLst/>
+          </p:spPr>
+        </p:cxnSp>
+      </p:grpSp>
+      <p:sp>
+        <p:nvSpPr>
+          <p:cNvPr id="34" name="テキスト ボックス 33"/>
+          <p:cNvSpPr txBox="1"/>
+          <p:nvPr/>
+        </p:nvSpPr>
+        <p:spPr>
+          <a:xfrm>
+            <a:off x="1836996" y="3886076"/>
+            <a:ext cx="2541080" cy="954107"/>
+          </a:xfrm>
+          <a:prstGeom prst="rect">
+            <a:avLst/>
+          </a:prstGeom>
+          <a:noFill/>
+        </p:spPr>
+        <p:txBody>
+          <a:bodyPr wrap="none" rtlCol="0">
+            <a:spAutoFit/>
+          </a:bodyPr>
+          <a:lstStyle/>
+          <a:p>
+            <a:r>
+              <a:rPr kumimoji="1" lang="ja-JP" altLang="en-US" sz="2800" dirty="0"/>
+              <a:t>ターゲット</a:t>
+            </a:r>
+            <a:endParaRPr kumimoji="1" lang="en-US" altLang="ja-JP" sz="2800" dirty="0" smtClean="0"/>
+          </a:p>
+          <a:p>
+            <a:r>
+              <a:rPr kumimoji="1" lang="ja-JP" altLang="en-US" sz="2800" dirty="0"/>
+              <a:t>　</a:t>
+            </a:r>
+            <a:r>
+              <a:rPr kumimoji="1" lang="ja-JP" altLang="en-US" sz="2800" dirty="0" smtClean="0"/>
+              <a:t>　</a:t>
+            </a:r>
+            <a:r>
+              <a:rPr kumimoji="1" lang="en-US" altLang="ja-JP" sz="2400" b="1" dirty="0"/>
+              <a:t>20</a:t>
+            </a:r>
+            <a:r>
+              <a:rPr kumimoji="1" lang="ja-JP" altLang="en-US" sz="2400" b="1" dirty="0"/>
+              <a:t>代前半女性</a:t>
+            </a:r>
+          </a:p>
+        </p:txBody>
+      </p:sp>
+      <p:grpSp>
+        <p:nvGrpSpPr>
+          <p:cNvPr id="35" name="グループ化 34"/>
+          <p:cNvGrpSpPr/>
+          <p:nvPr/>
+        </p:nvGrpSpPr>
+        <p:grpSpPr>
+          <a:xfrm>
+            <a:off x="1246787" y="5201356"/>
+            <a:ext cx="388809" cy="400072"/>
+            <a:chOff x="4463716" y="2702349"/>
+            <a:chExt cx="421105" cy="425862"/>
+          </a:xfrm>
+        </p:grpSpPr>
+        <p:grpSp>
+          <p:nvGrpSpPr>
+            <p:cNvPr id="36" name="グループ化 35"/>
+            <p:cNvGrpSpPr/>
+            <p:nvPr/>
+          </p:nvGrpSpPr>
+          <p:grpSpPr>
+            <a:xfrm>
+              <a:off x="4463716" y="2702349"/>
+              <a:ext cx="421105" cy="425862"/>
+              <a:chOff x="4463716" y="2702349"/>
+              <a:chExt cx="421105" cy="425862"/>
+            </a:xfrm>
+          </p:grpSpPr>
+          <p:sp>
+            <p:nvSpPr>
+              <p:cNvPr id="39" name="正方形/長方形 38"/>
+              <p:cNvSpPr/>
+              <p:nvPr/>
+            </p:nvSpPr>
+            <p:spPr>
+              <a:xfrm>
+                <a:off x="4463716" y="2851484"/>
+                <a:ext cx="421105" cy="276727"/>
+              </a:xfrm>
+              <a:prstGeom prst="rect">
+                <a:avLst/>
+              </a:prstGeom>
+              <a:blipFill>
+                <a:blip r:embed="rId2"/>
+                <a:tile tx="0" ty="0" sx="100000" sy="100000" flip="none" algn="tl"/>
+              </a:blipFill>
+              <a:ln w="6350" cap="flat" cmpd="sng" algn="ctr">
+                <a:solidFill>
+                  <a:sysClr val="windowText" lastClr="000000"/>
+                </a:solidFill>
+                <a:prstDash val="solid"/>
+                <a:miter lim="800000"/>
+              </a:ln>
+              <a:effectLst/>
+            </p:spPr>
+            <p:txBody>
+              <a:bodyPr rtlCol="0" anchor="ctr"/>
+              <a:lstStyle/>
+              <a:p>
+                <a:pPr marL="0" marR="0" lvl="0" indent="0" algn="ctr" defTabSz="914400" eaLnBrk="1" fontAlgn="auto" latinLnBrk="0" hangingPunct="1">
+                  <a:lnSpc>
+                    <a:spcPct val="100000"/>
+                  </a:lnSpc>
+                  <a:spcBef>
+                    <a:spcPts val="0"/>
+                  </a:spcBef>
+                  <a:spcAft>
+                    <a:spcPts val="0"/>
+                  </a:spcAft>
+                  <a:buClrTx/>
+                  <a:buSzTx/>
+                  <a:buFontTx/>
+                  <a:buNone/>
+                  <a:tabLst/>
+                  <a:defRPr/>
+                </a:pPr>
+                <a:endParaRPr kumimoji="1" lang="ja-JP" altLang="en-US" sz="1800" b="0" i="0" u="none" strike="noStrike" kern="0" cap="none" spc="0" normalizeH="0" baseline="0" noProof="0" smtClean="0">
+                  <a:ln>
+                    <a:noFill/>
+                  </a:ln>
+                  <a:solidFill>
+                    <a:prstClr val="white"/>
+                  </a:solidFill>
+                  <a:effectLst/>
+                  <a:uLnTx/>
+                  <a:uFillTx/>
+                  <a:latin typeface="Calibri" panose="020F0502020204030204"/>
+                  <a:ea typeface="ＭＳ Ｐゴシック" panose="020B0600070205080204" pitchFamily="50" charset="-128"/>
+                  <a:cs typeface="+mn-cs"/>
+                </a:endParaRPr>
+              </a:p>
+            </p:txBody>
+          </p:sp>
+          <p:sp>
+            <p:nvSpPr>
+              <p:cNvPr id="40" name="円/楕円 39"/>
+              <p:cNvSpPr/>
+              <p:nvPr/>
+            </p:nvSpPr>
+            <p:spPr>
+              <a:xfrm>
+                <a:off x="4553576" y="2939841"/>
+                <a:ext cx="61287" cy="67034"/>
+              </a:xfrm>
+              <a:prstGeom prst="ellipse">
+                <a:avLst/>
+              </a:prstGeom>
+              <a:solidFill>
+                <a:sysClr val="windowText" lastClr="000000"/>
+              </a:solidFill>
+              <a:ln w="12700" cap="flat" cmpd="sng" algn="ctr">
+                <a:solidFill>
+                  <a:sysClr val="windowText" lastClr="000000">
+                    <a:shade val="50000"/>
+                  </a:sysClr>
+                </a:solidFill>
+                <a:prstDash val="solid"/>
+                <a:miter lim="800000"/>
+              </a:ln>
+              <a:effectLst/>
+            </p:spPr>
+            <p:txBody>
+              <a:bodyPr rtlCol="0" anchor="ctr"/>
+              <a:lstStyle/>
+              <a:p>
+                <a:pPr marL="0" marR="0" lvl="0" indent="0" algn="ctr" defTabSz="914400" eaLnBrk="1" fontAlgn="auto" latinLnBrk="0" hangingPunct="1">
+                  <a:lnSpc>
+                    <a:spcPct val="100000"/>
+                  </a:lnSpc>
+                  <a:spcBef>
+                    <a:spcPts val="0"/>
+                  </a:spcBef>
+                  <a:spcAft>
+                    <a:spcPts val="0"/>
+                  </a:spcAft>
+                  <a:buClrTx/>
+                  <a:buSzTx/>
+                  <a:buFontTx/>
+                  <a:buNone/>
+                  <a:tabLst/>
+                  <a:defRPr/>
+                </a:pPr>
+                <a:endParaRPr kumimoji="1" lang="ja-JP" altLang="en-US" sz="1800" b="0" i="0" u="none" strike="noStrike" kern="0" cap="none" spc="0" normalizeH="0" baseline="0" noProof="0" smtClean="0">
+                  <a:ln>
+                    <a:noFill/>
+                  </a:ln>
+                  <a:solidFill>
+                    <a:prstClr val="white"/>
+                  </a:solidFill>
+                  <a:effectLst/>
+                  <a:uLnTx/>
+                  <a:uFillTx/>
+                  <a:latin typeface="Calibri" panose="020F0502020204030204"/>
+                  <a:ea typeface="ＭＳ Ｐゴシック" panose="020B0600070205080204" pitchFamily="50" charset="-128"/>
+                  <a:cs typeface="+mn-cs"/>
+                </a:endParaRPr>
+              </a:p>
+            </p:txBody>
+          </p:sp>
+          <p:sp>
+            <p:nvSpPr>
+              <p:cNvPr id="41" name="円/楕円 40"/>
+              <p:cNvSpPr/>
+              <p:nvPr/>
+            </p:nvSpPr>
+            <p:spPr>
+              <a:xfrm>
+                <a:off x="4731280" y="2939841"/>
+                <a:ext cx="63143" cy="67034"/>
+              </a:xfrm>
+              <a:prstGeom prst="ellipse">
+                <a:avLst/>
+              </a:prstGeom>
+              <a:solidFill>
+                <a:sysClr val="windowText" lastClr="000000"/>
+              </a:solidFill>
+              <a:ln w="12700" cap="flat" cmpd="sng" algn="ctr">
+                <a:solidFill>
+                  <a:sysClr val="windowText" lastClr="000000">
+                    <a:shade val="50000"/>
+                  </a:sysClr>
+                </a:solidFill>
+                <a:prstDash val="solid"/>
+                <a:miter lim="800000"/>
+              </a:ln>
+              <a:effectLst/>
+            </p:spPr>
+            <p:txBody>
+              <a:bodyPr rtlCol="0" anchor="ctr"/>
+              <a:lstStyle/>
+              <a:p>
+                <a:pPr marL="0" marR="0" lvl="0" indent="0" algn="ctr" defTabSz="914400" eaLnBrk="1" fontAlgn="auto" latinLnBrk="0" hangingPunct="1">
+                  <a:lnSpc>
+                    <a:spcPct val="100000"/>
+                  </a:lnSpc>
+                  <a:spcBef>
+                    <a:spcPts val="0"/>
+                  </a:spcBef>
+                  <a:spcAft>
+                    <a:spcPts val="0"/>
+                  </a:spcAft>
+                  <a:buClrTx/>
+                  <a:buSzTx/>
+                  <a:buFontTx/>
+                  <a:buNone/>
+                  <a:tabLst/>
+                  <a:defRPr/>
+                </a:pPr>
+                <a:endParaRPr kumimoji="1" lang="ja-JP" altLang="en-US" sz="1800" b="0" i="0" u="none" strike="noStrike" kern="0" cap="none" spc="0" normalizeH="0" baseline="0" noProof="0" smtClean="0">
+                  <a:ln>
+                    <a:noFill/>
+                  </a:ln>
+                  <a:solidFill>
+                    <a:prstClr val="white"/>
+                  </a:solidFill>
+                  <a:effectLst/>
+                  <a:uLnTx/>
+                  <a:uFillTx/>
+                  <a:latin typeface="Calibri" panose="020F0502020204030204"/>
+                  <a:ea typeface="ＭＳ Ｐゴシック" panose="020B0600070205080204" pitchFamily="50" charset="-128"/>
+                  <a:cs typeface="+mn-cs"/>
+                </a:endParaRPr>
+              </a:p>
+            </p:txBody>
+          </p:sp>
+          <p:sp>
+            <p:nvSpPr>
+              <p:cNvPr id="42" name="円/楕円 41"/>
+              <p:cNvSpPr/>
+              <p:nvPr/>
+            </p:nvSpPr>
+            <p:spPr>
+              <a:xfrm>
+                <a:off x="4772973" y="2702349"/>
+                <a:ext cx="45719" cy="45719"/>
+              </a:xfrm>
+              <a:prstGeom prst="ellipse">
+                <a:avLst/>
+              </a:prstGeom>
+              <a:solidFill>
+                <a:sysClr val="windowText" lastClr="000000"/>
+              </a:solidFill>
+              <a:ln w="12700" cap="flat" cmpd="sng" algn="ctr">
+                <a:noFill/>
+                <a:prstDash val="solid"/>
+                <a:miter lim="800000"/>
+              </a:ln>
+              <a:effectLst/>
+            </p:spPr>
+            <p:txBody>
+              <a:bodyPr rtlCol="0" anchor="ctr"/>
+              <a:lstStyle/>
+              <a:p>
+                <a:pPr marL="0" marR="0" lvl="0" indent="0" algn="ctr" defTabSz="914400" eaLnBrk="1" fontAlgn="auto" latinLnBrk="0" hangingPunct="1">
+                  <a:lnSpc>
+                    <a:spcPct val="100000"/>
+                  </a:lnSpc>
+                  <a:spcBef>
+                    <a:spcPts val="0"/>
+                  </a:spcBef>
+                  <a:spcAft>
+                    <a:spcPts val="0"/>
+                  </a:spcAft>
+                  <a:buClrTx/>
+                  <a:buSzTx/>
+                  <a:buFontTx/>
+                  <a:buNone/>
+                  <a:tabLst/>
+                  <a:defRPr/>
+                </a:pPr>
+                <a:endParaRPr kumimoji="1" lang="ja-JP" altLang="en-US" sz="1800" b="0" i="0" u="none" strike="noStrike" kern="0" cap="none" spc="0" normalizeH="0" baseline="0" noProof="0" smtClean="0">
+                  <a:ln>
+                    <a:noFill/>
+                  </a:ln>
+                  <a:solidFill>
+                    <a:prstClr val="white"/>
+                  </a:solidFill>
+                  <a:effectLst/>
+                  <a:uLnTx/>
+                  <a:uFillTx/>
+                  <a:latin typeface="Calibri" panose="020F0502020204030204"/>
+                  <a:ea typeface="ＭＳ Ｐゴシック" panose="020B0600070205080204" pitchFamily="50" charset="-128"/>
+                  <a:cs typeface="+mn-cs"/>
+                </a:endParaRPr>
+              </a:p>
+            </p:txBody>
+          </p:sp>
+          <p:sp>
+            <p:nvSpPr>
+              <p:cNvPr id="43" name="円/楕円 42"/>
+              <p:cNvSpPr/>
+              <p:nvPr/>
+            </p:nvSpPr>
+            <p:spPr>
+              <a:xfrm>
+                <a:off x="4530575" y="2702349"/>
+                <a:ext cx="45719" cy="45719"/>
+              </a:xfrm>
+              <a:prstGeom prst="ellipse">
+                <a:avLst/>
+              </a:prstGeom>
+              <a:solidFill>
+                <a:sysClr val="windowText" lastClr="000000"/>
+              </a:solidFill>
+              <a:ln w="12700" cap="flat" cmpd="sng" algn="ctr">
+                <a:noFill/>
+                <a:prstDash val="solid"/>
+                <a:miter lim="800000"/>
+              </a:ln>
+              <a:effectLst/>
+            </p:spPr>
+            <p:txBody>
+              <a:bodyPr rtlCol="0" anchor="ctr"/>
+              <a:lstStyle/>
+              <a:p>
+                <a:pPr marL="0" marR="0" lvl="0" indent="0" algn="ctr" defTabSz="914400" eaLnBrk="1" fontAlgn="auto" latinLnBrk="0" hangingPunct="1">
+                  <a:lnSpc>
+                    <a:spcPct val="100000"/>
+                  </a:lnSpc>
+                  <a:spcBef>
+                    <a:spcPts val="0"/>
+                  </a:spcBef>
+                  <a:spcAft>
+                    <a:spcPts val="0"/>
+                  </a:spcAft>
+                  <a:buClrTx/>
+                  <a:buSzTx/>
+                  <a:buFontTx/>
+                  <a:buNone/>
+                  <a:tabLst/>
+                  <a:defRPr/>
+                </a:pPr>
+                <a:endParaRPr kumimoji="1" lang="ja-JP" altLang="en-US" sz="1800" b="0" i="0" u="none" strike="noStrike" kern="0" cap="none" spc="0" normalizeH="0" baseline="0" noProof="0" smtClean="0">
+                  <a:ln>
+                    <a:noFill/>
+                  </a:ln>
+                  <a:solidFill>
+                    <a:prstClr val="white"/>
+                  </a:solidFill>
+                  <a:effectLst/>
+                  <a:uLnTx/>
+                  <a:uFillTx/>
+                  <a:latin typeface="Calibri" panose="020F0502020204030204"/>
+                  <a:ea typeface="ＭＳ Ｐゴシック" panose="020B0600070205080204" pitchFamily="50" charset="-128"/>
+                  <a:cs typeface="+mn-cs"/>
+                </a:endParaRPr>
+              </a:p>
+            </p:txBody>
+          </p:sp>
+        </p:grpSp>
+        <p:cxnSp>
+          <p:nvCxnSpPr>
+            <p:cNvPr id="37" name="直線コネクタ 36"/>
+            <p:cNvCxnSpPr>
+              <a:stCxn id="42" idx="4"/>
+            </p:cNvCxnSpPr>
+            <p:nvPr/>
+          </p:nvCxnSpPr>
+          <p:spPr>
+            <a:xfrm flipH="1">
+              <a:off x="4794423" y="2748068"/>
+              <a:ext cx="1410" cy="104578"/>
+            </a:xfrm>
+            <a:prstGeom prst="line">
+              <a:avLst/>
+            </a:prstGeom>
+            <a:noFill/>
+            <a:ln w="6350" cap="flat" cmpd="sng" algn="ctr">
+              <a:solidFill>
+                <a:sysClr val="windowText" lastClr="000000"/>
+              </a:solidFill>
+              <a:prstDash val="solid"/>
+              <a:miter lim="800000"/>
+            </a:ln>
+            <a:effectLst/>
+          </p:spPr>
+        </p:cxnSp>
+        <p:cxnSp>
+          <p:nvCxnSpPr>
+            <p:cNvPr id="38" name="直線コネクタ 37"/>
+            <p:cNvCxnSpPr>
+              <a:stCxn id="43" idx="4"/>
+            </p:cNvCxnSpPr>
+            <p:nvPr/>
+          </p:nvCxnSpPr>
+          <p:spPr>
+            <a:xfrm flipH="1">
+              <a:off x="4553434" y="2748068"/>
+              <a:ext cx="1" cy="103416"/>
+            </a:xfrm>
+            <a:prstGeom prst="line">
+              <a:avLst/>
+            </a:prstGeom>
+            <a:noFill/>
+            <a:ln w="6350" cap="flat" cmpd="sng" algn="ctr">
+              <a:solidFill>
+                <a:sysClr val="windowText" lastClr="000000"/>
+              </a:solidFill>
+              <a:prstDash val="solid"/>
+              <a:miter lim="800000"/>
+            </a:ln>
+            <a:effectLst/>
+          </p:spPr>
+        </p:cxnSp>
+      </p:grpSp>
+      <p:sp>
+        <p:nvSpPr>
+          <p:cNvPr id="44" name="テキスト ボックス 43"/>
+          <p:cNvSpPr txBox="1"/>
+          <p:nvPr/>
+        </p:nvSpPr>
+        <p:spPr>
+          <a:xfrm>
+            <a:off x="1836996" y="5194343"/>
+            <a:ext cx="3615092" cy="954107"/>
+          </a:xfrm>
+          <a:prstGeom prst="rect">
+            <a:avLst/>
+          </a:prstGeom>
+          <a:noFill/>
+        </p:spPr>
+        <p:txBody>
+          <a:bodyPr wrap="none" rtlCol="0">
+            <a:spAutoFit/>
+          </a:bodyPr>
+          <a:lstStyle/>
+          <a:p>
+            <a:r>
+              <a:rPr kumimoji="1" lang="ja-JP" altLang="en-US" sz="2800" dirty="0"/>
+              <a:t>マネタイズ</a:t>
+            </a:r>
+            <a:endParaRPr kumimoji="1" lang="en-US" altLang="ja-JP" sz="2800" dirty="0" smtClean="0"/>
+          </a:p>
+          <a:p>
+            <a:r>
+              <a:rPr kumimoji="1" lang="ja-JP" altLang="en-US" sz="2800" dirty="0"/>
+              <a:t>　</a:t>
+            </a:r>
+            <a:r>
+              <a:rPr kumimoji="1" lang="ja-JP" altLang="en-US" sz="2800" dirty="0" smtClean="0"/>
+              <a:t>　</a:t>
+            </a:r>
+            <a:r>
+              <a:rPr kumimoji="1" lang="ja-JP" altLang="en-US" sz="2400" b="1" dirty="0"/>
+              <a:t>完全</a:t>
+            </a:r>
+            <a:r>
+              <a:rPr kumimoji="1" lang="ja-JP" altLang="en-US" sz="2400" b="1" dirty="0" smtClean="0"/>
+              <a:t>無料・クリック広告</a:t>
+            </a:r>
+            <a:endParaRPr kumimoji="1" lang="ja-JP" altLang="en-US" sz="2400" b="1" dirty="0"/>
+          </a:p>
+        </p:txBody>
+      </p:sp>
+      <p:pic>
+        <p:nvPicPr>
+          <p:cNvPr id="46" name="図 45"/>
+          <p:cNvPicPr>
+            <a:picLocks noChangeAspect="1"/>
+          </p:cNvPicPr>
+          <p:nvPr/>
+        </p:nvPicPr>
+        <p:blipFill rotWithShape="1">
+          <a:blip r:embed="rId3">
+            <a:extLst>
+              <a:ext uri="{28A0092B-C50C-407E-A947-70E740481C1C}">
+                <a14:useLocalDpi xmlns:a14="http://schemas.microsoft.com/office/drawing/2010/main" val="0"/>
+              </a:ext>
+            </a:extLst>
+          </a:blip>
+          <a:srcRect l="15125" t="9105" r="21717" b="9950"/>
+          <a:stretch/>
+        </p:blipFill>
+        <p:spPr>
+          <a:xfrm>
+            <a:off x="7805763" y="2840539"/>
+            <a:ext cx="3536831" cy="3743864"/>
+          </a:xfrm>
+          <a:prstGeom prst="rect">
+            <a:avLst/>
+          </a:prstGeom>
+        </p:spPr>
+      </p:pic>
+    </p:spTree>
+    <p:extLst>
+      <p:ext uri="{BB962C8B-B14F-4D97-AF65-F5344CB8AC3E}">
+        <p14:creationId xmlns:p14="http://schemas.microsoft.com/office/powerpoint/2010/main" val="1234413312"/>
+      </p:ext>
+    </p:extLst>
+  </p:cSld>
+  <p:clrMapOvr>
+    <a:masterClrMapping/>
+  </p:clrMapOvr>
+  <p:timing>
+    <p:tnLst>
+      <p:par>
+        <p:cTn id="1" dur="indefinite" restart="never" nodeType="tmRoot"/>
+      </p:par>
+    </p:tnLst>
+  </p:timing>
+</p:sld>
+</file>
+
+<file path=ppt/slides/slide9.xml><?xml version="1.0" encoding="utf-8"?>
 <p:sld xmlns:a="http://schemas.openxmlformats.org/drawingml/2006/main" xmlns:r="http://schemas.openxmlformats.org/officeDocument/2006/relationships" xmlns:p="http://schemas.openxmlformats.org/presentationml/2006/main">
   <p:cSld>
     <p:spTree>
@@ -16837,7 +21737,7 @@
         </p:nvSpPr>
         <p:spPr>
           <a:xfrm>
-            <a:off x="5441535" y="4247922"/>
+            <a:off x="5563262" y="4247922"/>
             <a:ext cx="6628738" cy="2308324"/>
           </a:xfrm>
           <a:prstGeom prst="rect">
@@ -16955,7 +21855,7 @@
         </p:blipFill>
         <p:spPr>
           <a:xfrm>
-            <a:off x="5375009" y="789227"/>
+            <a:off x="5887662" y="789227"/>
             <a:ext cx="3192642" cy="3458695"/>
           </a:xfrm>
           <a:prstGeom prst="rect">
@@ -16985,7 +21885,7 @@
         </p:blipFill>
         <p:spPr>
           <a:xfrm>
-            <a:off x="8755904" y="922032"/>
+            <a:off x="8945685" y="922032"/>
             <a:ext cx="3013200" cy="3325890"/>
           </a:xfrm>
           <a:prstGeom prst="rect">
@@ -17254,7 +22154,21 @@
       </a:bgFillStyleLst>
     </a:fmtScheme>
   </a:themeElements>
-  <a:objectDefaults/>
+  <a:objectDefaults>
+    <a:txDef>
+      <a:spPr>
+        <a:noFill/>
+      </a:spPr>
+      <a:bodyPr wrap="square" tIns="46800" rtlCol="0">
+        <a:spAutoFit/>
+      </a:bodyPr>
+      <a:lstStyle>
+        <a:defPPr>
+          <a:defRPr kumimoji="1" sz="2800" dirty="0" smtClean="0"/>
+        </a:defPPr>
+      </a:lstStyle>
+    </a:txDef>
+  </a:objectDefaults>
   <a:extraClrSchemeLst/>
   <a:extLst>
     <a:ext uri="{05A4C25C-085E-4340-85A3-A5531E510DB2}">

--- a/櫻畑/資料/03.プレゼン.pptx
+++ b/櫻畑/資料/03.プレゼン.pptx
@@ -16,7 +16,8 @@
     <p:sldId id="262" r:id="rId10"/>
     <p:sldId id="266" r:id="rId11"/>
     <p:sldId id="268" r:id="rId12"/>
-    <p:sldId id="267" r:id="rId13"/>
+    <p:sldId id="269" r:id="rId13"/>
+    <p:sldId id="270" r:id="rId14"/>
   </p:sldIdLst>
   <p:sldSz cx="12192000" cy="6858000"/>
   <p:notesSz cx="6858000" cy="9144000"/>
@@ -173,7 +174,7 @@
           <a:noFill/>
           <a:extLst>
             <a:ext uri="{909E8E84-426E-40dd-AFC4-6F175D3DCCD1}">
-              <a14:hiddenFill xmlns="" xmlns:a14="http://schemas.microsoft.com/office/drawing/2010/main">
+              <a14:hiddenFill xmlns:a14="http://schemas.microsoft.com/office/drawing/2010/main" xmlns="">
                 <a:solidFill>
                   <a:srgbClr val="FFFFFF"/>
                 </a:solidFill>
@@ -233,7 +234,7 @@
             </a:ln>
             <a:extLst>
               <a:ext uri="{91240B29-F687-4f45-9708-019B960494DF}">
-                <a14:hiddenLine xmlns="" xmlns:a14="http://schemas.microsoft.com/office/drawing/2010/main" w="9525">
+                <a14:hiddenLine xmlns:a14="http://schemas.microsoft.com/office/drawing/2010/main" xmlns="" w="9525">
                   <a:solidFill>
                     <a:srgbClr val="000000"/>
                   </a:solidFill>
@@ -323,7 +324,7 @@
             </a:ln>
             <a:extLst>
               <a:ext uri="{91240B29-F687-4f45-9708-019B960494DF}">
-                <a14:hiddenLine xmlns="" xmlns:a14="http://schemas.microsoft.com/office/drawing/2010/main" w="9525">
+                <a14:hiddenLine xmlns:a14="http://schemas.microsoft.com/office/drawing/2010/main" xmlns="" w="9525">
                   <a:solidFill>
                     <a:srgbClr val="000000"/>
                   </a:solidFill>
@@ -413,7 +414,7 @@
             </a:ln>
             <a:extLst>
               <a:ext uri="{91240B29-F687-4f45-9708-019B960494DF}">
-                <a14:hiddenLine xmlns="" xmlns:a14="http://schemas.microsoft.com/office/drawing/2010/main" w="9525">
+                <a14:hiddenLine xmlns:a14="http://schemas.microsoft.com/office/drawing/2010/main" xmlns="" w="9525">
                   <a:solidFill>
                     <a:srgbClr val="000000"/>
                   </a:solidFill>
@@ -447,7 +448,7 @@
             </a:ln>
             <a:extLst>
               <a:ext uri="{91240B29-F687-4f45-9708-019B960494DF}">
-                <a14:hiddenLine xmlns="" xmlns:a14="http://schemas.microsoft.com/office/drawing/2010/main" w="9525">
+                <a14:hiddenLine xmlns:a14="http://schemas.microsoft.com/office/drawing/2010/main" xmlns="" w="9525">
                   <a:solidFill>
                     <a:srgbClr val="000000"/>
                   </a:solidFill>
@@ -537,7 +538,7 @@
             </a:ln>
             <a:extLst>
               <a:ext uri="{91240B29-F687-4f45-9708-019B960494DF}">
-                <a14:hiddenLine xmlns="" xmlns:a14="http://schemas.microsoft.com/office/drawing/2010/main" w="9525">
+                <a14:hiddenLine xmlns:a14="http://schemas.microsoft.com/office/drawing/2010/main" xmlns="" w="9525">
                   <a:solidFill>
                     <a:srgbClr val="000000"/>
                   </a:solidFill>
@@ -599,7 +600,7 @@
             </a:ln>
             <a:extLst>
               <a:ext uri="{91240B29-F687-4f45-9708-019B960494DF}">
-                <a14:hiddenLine xmlns="" xmlns:a14="http://schemas.microsoft.com/office/drawing/2010/main" w="9525">
+                <a14:hiddenLine xmlns:a14="http://schemas.microsoft.com/office/drawing/2010/main" xmlns="" w="9525">
                   <a:solidFill>
                     <a:srgbClr val="000000"/>
                   </a:solidFill>
@@ -661,7 +662,7 @@
             </a:ln>
             <a:extLst>
               <a:ext uri="{91240B29-F687-4f45-9708-019B960494DF}">
-                <a14:hiddenLine xmlns="" xmlns:a14="http://schemas.microsoft.com/office/drawing/2010/main" w="9525">
+                <a14:hiddenLine xmlns:a14="http://schemas.microsoft.com/office/drawing/2010/main" xmlns="" w="9525">
                   <a:solidFill>
                     <a:srgbClr val="000000"/>
                   </a:solidFill>
@@ -751,7 +752,7 @@
             </a:ln>
             <a:extLst>
               <a:ext uri="{91240B29-F687-4f45-9708-019B960494DF}">
-                <a14:hiddenLine xmlns="" xmlns:a14="http://schemas.microsoft.com/office/drawing/2010/main" w="9525">
+                <a14:hiddenLine xmlns:a14="http://schemas.microsoft.com/office/drawing/2010/main" xmlns="" w="9525">
                   <a:solidFill>
                     <a:srgbClr val="000000"/>
                   </a:solidFill>
@@ -813,7 +814,7 @@
             </a:ln>
             <a:extLst>
               <a:ext uri="{91240B29-F687-4f45-9708-019B960494DF}">
-                <a14:hiddenLine xmlns="" xmlns:a14="http://schemas.microsoft.com/office/drawing/2010/main" w="9525">
+                <a14:hiddenLine xmlns:a14="http://schemas.microsoft.com/office/drawing/2010/main" xmlns="" w="9525">
                   <a:solidFill>
                     <a:srgbClr val="000000"/>
                   </a:solidFill>
@@ -875,7 +876,7 @@
             </a:ln>
             <a:extLst>
               <a:ext uri="{91240B29-F687-4f45-9708-019B960494DF}">
-                <a14:hiddenLine xmlns="" xmlns:a14="http://schemas.microsoft.com/office/drawing/2010/main" w="9525">
+                <a14:hiddenLine xmlns:a14="http://schemas.microsoft.com/office/drawing/2010/main" xmlns="" w="9525">
                   <a:solidFill>
                     <a:srgbClr val="000000"/>
                   </a:solidFill>
@@ -965,7 +966,7 @@
             </a:ln>
             <a:extLst>
               <a:ext uri="{91240B29-F687-4f45-9708-019B960494DF}">
-                <a14:hiddenLine xmlns="" xmlns:a14="http://schemas.microsoft.com/office/drawing/2010/main" w="9525">
+                <a14:hiddenLine xmlns:a14="http://schemas.microsoft.com/office/drawing/2010/main" xmlns="" w="9525">
                   <a:solidFill>
                     <a:srgbClr val="000000"/>
                   </a:solidFill>
@@ -1055,7 +1056,7 @@
             </a:ln>
             <a:extLst>
               <a:ext uri="{91240B29-F687-4f45-9708-019B960494DF}">
-                <a14:hiddenLine xmlns="" xmlns:a14="http://schemas.microsoft.com/office/drawing/2010/main" w="9525">
+                <a14:hiddenLine xmlns:a14="http://schemas.microsoft.com/office/drawing/2010/main" xmlns="" w="9525">
                   <a:solidFill>
                     <a:srgbClr val="000000"/>
                   </a:solidFill>
@@ -1117,7 +1118,7 @@
             </a:ln>
             <a:extLst>
               <a:ext uri="{91240B29-F687-4f45-9708-019B960494DF}">
-                <a14:hiddenLine xmlns="" xmlns:a14="http://schemas.microsoft.com/office/drawing/2010/main" w="9525">
+                <a14:hiddenLine xmlns:a14="http://schemas.microsoft.com/office/drawing/2010/main" xmlns="" w="9525">
                   <a:solidFill>
                     <a:srgbClr val="000000"/>
                   </a:solidFill>
@@ -1227,7 +1228,7 @@
             </a:ln>
             <a:extLst>
               <a:ext uri="{91240B29-F687-4f45-9708-019B960494DF}">
-                <a14:hiddenLine xmlns="" xmlns:a14="http://schemas.microsoft.com/office/drawing/2010/main" w="9525">
+                <a14:hiddenLine xmlns:a14="http://schemas.microsoft.com/office/drawing/2010/main" xmlns="" w="9525">
                   <a:solidFill>
                     <a:srgbClr val="000000"/>
                   </a:solidFill>
@@ -1289,7 +1290,7 @@
             </a:ln>
             <a:extLst>
               <a:ext uri="{91240B29-F687-4f45-9708-019B960494DF}">
-                <a14:hiddenLine xmlns="" xmlns:a14="http://schemas.microsoft.com/office/drawing/2010/main" w="9525">
+                <a14:hiddenLine xmlns:a14="http://schemas.microsoft.com/office/drawing/2010/main" xmlns="" w="9525">
                   <a:solidFill>
                     <a:srgbClr val="000000"/>
                   </a:solidFill>
@@ -1379,7 +1380,7 @@
             </a:ln>
             <a:extLst>
               <a:ext uri="{91240B29-F687-4f45-9708-019B960494DF}">
-                <a14:hiddenLine xmlns="" xmlns:a14="http://schemas.microsoft.com/office/drawing/2010/main" w="9525">
+                <a14:hiddenLine xmlns:a14="http://schemas.microsoft.com/office/drawing/2010/main" xmlns="" w="9525">
                   <a:solidFill>
                     <a:srgbClr val="000000"/>
                   </a:solidFill>
@@ -1469,7 +1470,7 @@
             </a:ln>
             <a:extLst>
               <a:ext uri="{91240B29-F687-4f45-9708-019B960494DF}">
-                <a14:hiddenLine xmlns="" xmlns:a14="http://schemas.microsoft.com/office/drawing/2010/main" w="9525">
+                <a14:hiddenLine xmlns:a14="http://schemas.microsoft.com/office/drawing/2010/main" xmlns="" w="9525">
                   <a:solidFill>
                     <a:srgbClr val="000000"/>
                   </a:solidFill>
@@ -1531,7 +1532,7 @@
             </a:ln>
             <a:extLst>
               <a:ext uri="{91240B29-F687-4f45-9708-019B960494DF}">
-                <a14:hiddenLine xmlns="" xmlns:a14="http://schemas.microsoft.com/office/drawing/2010/main" w="9525">
+                <a14:hiddenLine xmlns:a14="http://schemas.microsoft.com/office/drawing/2010/main" xmlns="" w="9525">
                   <a:solidFill>
                     <a:srgbClr val="000000"/>
                   </a:solidFill>
@@ -1621,7 +1622,7 @@
             </a:ln>
             <a:extLst>
               <a:ext uri="{91240B29-F687-4f45-9708-019B960494DF}">
-                <a14:hiddenLine xmlns="" xmlns:a14="http://schemas.microsoft.com/office/drawing/2010/main" w="9525">
+                <a14:hiddenLine xmlns:a14="http://schemas.microsoft.com/office/drawing/2010/main" xmlns="" w="9525">
                   <a:solidFill>
                     <a:srgbClr val="000000"/>
                   </a:solidFill>
@@ -1711,7 +1712,7 @@
             </a:ln>
             <a:extLst>
               <a:ext uri="{91240B29-F687-4f45-9708-019B960494DF}">
-                <a14:hiddenLine xmlns="" xmlns:a14="http://schemas.microsoft.com/office/drawing/2010/main" w="9525">
+                <a14:hiddenLine xmlns:a14="http://schemas.microsoft.com/office/drawing/2010/main" xmlns="" w="9525">
                   <a:solidFill>
                     <a:srgbClr val="000000"/>
                   </a:solidFill>
@@ -1767,7 +1768,7 @@
             </a:ln>
             <a:extLst>
               <a:ext uri="{91240B29-F687-4f45-9708-019B960494DF}">
-                <a14:hiddenLine xmlns="" xmlns:a14="http://schemas.microsoft.com/office/drawing/2010/main" w="9525">
+                <a14:hiddenLine xmlns:a14="http://schemas.microsoft.com/office/drawing/2010/main" xmlns="" w="9525">
                   <a:solidFill>
                     <a:srgbClr val="000000"/>
                   </a:solidFill>
@@ -1857,7 +1858,7 @@
             </a:ln>
             <a:extLst>
               <a:ext uri="{91240B29-F687-4f45-9708-019B960494DF}">
-                <a14:hiddenLine xmlns="" xmlns:a14="http://schemas.microsoft.com/office/drawing/2010/main" w="9525">
+                <a14:hiddenLine xmlns:a14="http://schemas.microsoft.com/office/drawing/2010/main" xmlns="" w="9525">
                   <a:solidFill>
                     <a:srgbClr val="000000"/>
                   </a:solidFill>
@@ -1913,7 +1914,7 @@
             </a:ln>
             <a:extLst>
               <a:ext uri="{91240B29-F687-4f45-9708-019B960494DF}">
-                <a14:hiddenLine xmlns="" xmlns:a14="http://schemas.microsoft.com/office/drawing/2010/main" w="9525">
+                <a14:hiddenLine xmlns:a14="http://schemas.microsoft.com/office/drawing/2010/main" xmlns="" w="9525">
                   <a:solidFill>
                     <a:srgbClr val="000000"/>
                   </a:solidFill>
@@ -2003,7 +2004,7 @@
             </a:ln>
             <a:extLst>
               <a:ext uri="{91240B29-F687-4f45-9708-019B960494DF}">
-                <a14:hiddenLine xmlns="" xmlns:a14="http://schemas.microsoft.com/office/drawing/2010/main" w="9525">
+                <a14:hiddenLine xmlns:a14="http://schemas.microsoft.com/office/drawing/2010/main" xmlns="" w="9525">
                   <a:solidFill>
                     <a:srgbClr val="000000"/>
                   </a:solidFill>
@@ -2071,7 +2072,7 @@
             </a:ln>
             <a:extLst>
               <a:ext uri="{91240B29-F687-4f45-9708-019B960494DF}">
-                <a14:hiddenLine xmlns="" xmlns:a14="http://schemas.microsoft.com/office/drawing/2010/main" w="9525">
+                <a14:hiddenLine xmlns:a14="http://schemas.microsoft.com/office/drawing/2010/main" xmlns="" w="9525">
                   <a:solidFill>
                     <a:srgbClr val="000000"/>
                   </a:solidFill>
@@ -2161,7 +2162,7 @@
             </a:ln>
             <a:extLst>
               <a:ext uri="{91240B29-F687-4f45-9708-019B960494DF}">
-                <a14:hiddenLine xmlns="" xmlns:a14="http://schemas.microsoft.com/office/drawing/2010/main" w="9525">
+                <a14:hiddenLine xmlns:a14="http://schemas.microsoft.com/office/drawing/2010/main" xmlns="" w="9525">
                   <a:solidFill>
                     <a:srgbClr val="000000"/>
                   </a:solidFill>
@@ -2229,7 +2230,7 @@
             </a:ln>
             <a:extLst>
               <a:ext uri="{91240B29-F687-4f45-9708-019B960494DF}">
-                <a14:hiddenLine xmlns="" xmlns:a14="http://schemas.microsoft.com/office/drawing/2010/main" w="9525">
+                <a14:hiddenLine xmlns:a14="http://schemas.microsoft.com/office/drawing/2010/main" xmlns="" w="9525">
                   <a:solidFill>
                     <a:srgbClr val="000000"/>
                   </a:solidFill>
@@ -2319,7 +2320,7 @@
             </a:ln>
             <a:extLst>
               <a:ext uri="{91240B29-F687-4f45-9708-019B960494DF}">
-                <a14:hiddenLine xmlns="" xmlns:a14="http://schemas.microsoft.com/office/drawing/2010/main" w="9525">
+                <a14:hiddenLine xmlns:a14="http://schemas.microsoft.com/office/drawing/2010/main" xmlns="" w="9525">
                   <a:solidFill>
                     <a:srgbClr val="000000"/>
                   </a:solidFill>
@@ -2353,7 +2354,7 @@
             </a:ln>
             <a:extLst>
               <a:ext uri="{91240B29-F687-4f45-9708-019B960494DF}">
-                <a14:hiddenLine xmlns="" xmlns:a14="http://schemas.microsoft.com/office/drawing/2010/main" w="9525">
+                <a14:hiddenLine xmlns:a14="http://schemas.microsoft.com/office/drawing/2010/main" xmlns="" w="9525">
                   <a:solidFill>
                     <a:srgbClr val="000000"/>
                   </a:solidFill>
@@ -2443,7 +2444,7 @@
             </a:ln>
             <a:extLst>
               <a:ext uri="{91240B29-F687-4f45-9708-019B960494DF}">
-                <a14:hiddenLine xmlns="" xmlns:a14="http://schemas.microsoft.com/office/drawing/2010/main" w="9525">
+                <a14:hiddenLine xmlns:a14="http://schemas.microsoft.com/office/drawing/2010/main" xmlns="" w="9525">
                   <a:solidFill>
                     <a:srgbClr val="000000"/>
                   </a:solidFill>
@@ -2505,7 +2506,7 @@
             </a:ln>
             <a:extLst>
               <a:ext uri="{91240B29-F687-4f45-9708-019B960494DF}">
-                <a14:hiddenLine xmlns="" xmlns:a14="http://schemas.microsoft.com/office/drawing/2010/main" w="9525">
+                <a14:hiddenLine xmlns:a14="http://schemas.microsoft.com/office/drawing/2010/main" xmlns="" w="9525">
                   <a:solidFill>
                     <a:srgbClr val="000000"/>
                   </a:solidFill>
@@ -2567,7 +2568,7 @@
             </a:ln>
             <a:extLst>
               <a:ext uri="{91240B29-F687-4f45-9708-019B960494DF}">
-                <a14:hiddenLine xmlns="" xmlns:a14="http://schemas.microsoft.com/office/drawing/2010/main" w="9525">
+                <a14:hiddenLine xmlns:a14="http://schemas.microsoft.com/office/drawing/2010/main" xmlns="" w="9525">
                   <a:solidFill>
                     <a:srgbClr val="000000"/>
                   </a:solidFill>
@@ -2657,7 +2658,7 @@
             </a:ln>
             <a:extLst>
               <a:ext uri="{91240B29-F687-4f45-9708-019B960494DF}">
-                <a14:hiddenLine xmlns="" xmlns:a14="http://schemas.microsoft.com/office/drawing/2010/main" w="9525">
+                <a14:hiddenLine xmlns:a14="http://schemas.microsoft.com/office/drawing/2010/main" xmlns="" w="9525">
                   <a:solidFill>
                     <a:srgbClr val="000000"/>
                   </a:solidFill>
@@ -2725,7 +2726,7 @@
             </a:ln>
             <a:extLst>
               <a:ext uri="{91240B29-F687-4f45-9708-019B960494DF}">
-                <a14:hiddenLine xmlns="" xmlns:a14="http://schemas.microsoft.com/office/drawing/2010/main" w="9525">
+                <a14:hiddenLine xmlns:a14="http://schemas.microsoft.com/office/drawing/2010/main" xmlns="" w="9525">
                   <a:solidFill>
                     <a:srgbClr val="000000"/>
                   </a:solidFill>
@@ -2787,7 +2788,7 @@
             </a:ln>
             <a:extLst>
               <a:ext uri="{91240B29-F687-4f45-9708-019B960494DF}">
-                <a14:hiddenLine xmlns="" xmlns:a14="http://schemas.microsoft.com/office/drawing/2010/main" w="9525">
+                <a14:hiddenLine xmlns:a14="http://schemas.microsoft.com/office/drawing/2010/main" xmlns="" w="9525">
                   <a:solidFill>
                     <a:srgbClr val="000000"/>
                   </a:solidFill>
@@ -2877,7 +2878,7 @@
             </a:ln>
             <a:extLst>
               <a:ext uri="{91240B29-F687-4f45-9708-019B960494DF}">
-                <a14:hiddenLine xmlns="" xmlns:a14="http://schemas.microsoft.com/office/drawing/2010/main" w="9525">
+                <a14:hiddenLine xmlns:a14="http://schemas.microsoft.com/office/drawing/2010/main" xmlns="" w="9525">
                   <a:solidFill>
                     <a:srgbClr val="000000"/>
                   </a:solidFill>
@@ -2939,7 +2940,7 @@
             </a:ln>
             <a:extLst>
               <a:ext uri="{91240B29-F687-4f45-9708-019B960494DF}">
-                <a14:hiddenLine xmlns="" xmlns:a14="http://schemas.microsoft.com/office/drawing/2010/main" w="9525">
+                <a14:hiddenLine xmlns:a14="http://schemas.microsoft.com/office/drawing/2010/main" xmlns="" w="9525">
                   <a:solidFill>
                     <a:srgbClr val="000000"/>
                   </a:solidFill>
@@ -3029,7 +3030,7 @@
             </a:ln>
             <a:extLst>
               <a:ext uri="{91240B29-F687-4f45-9708-019B960494DF}">
-                <a14:hiddenLine xmlns="" xmlns:a14="http://schemas.microsoft.com/office/drawing/2010/main" w="9525">
+                <a14:hiddenLine xmlns:a14="http://schemas.microsoft.com/office/drawing/2010/main" xmlns="" w="9525">
                   <a:solidFill>
                     <a:srgbClr val="000000"/>
                   </a:solidFill>
@@ -3091,7 +3092,7 @@
             </a:ln>
             <a:extLst>
               <a:ext uri="{91240B29-F687-4f45-9708-019B960494DF}">
-                <a14:hiddenLine xmlns="" xmlns:a14="http://schemas.microsoft.com/office/drawing/2010/main" w="9525">
+                <a14:hiddenLine xmlns:a14="http://schemas.microsoft.com/office/drawing/2010/main" xmlns="" w="9525">
                   <a:solidFill>
                     <a:srgbClr val="000000"/>
                   </a:solidFill>
@@ -3181,7 +3182,7 @@
             </a:ln>
             <a:extLst>
               <a:ext uri="{91240B29-F687-4f45-9708-019B960494DF}">
-                <a14:hiddenLine xmlns="" xmlns:a14="http://schemas.microsoft.com/office/drawing/2010/main" w="9525">
+                <a14:hiddenLine xmlns:a14="http://schemas.microsoft.com/office/drawing/2010/main" xmlns="" w="9525">
                   <a:solidFill>
                     <a:srgbClr val="000000"/>
                   </a:solidFill>
@@ -3215,7 +3216,7 @@
             </a:ln>
             <a:extLst>
               <a:ext uri="{91240B29-F687-4f45-9708-019B960494DF}">
-                <a14:hiddenLine xmlns="" xmlns:a14="http://schemas.microsoft.com/office/drawing/2010/main" w="9525">
+                <a14:hiddenLine xmlns:a14="http://schemas.microsoft.com/office/drawing/2010/main" xmlns="" w="9525">
                   <a:solidFill>
                     <a:srgbClr val="000000"/>
                   </a:solidFill>
@@ -3280,7 +3281,7 @@
             </a:ln>
             <a:extLst>
               <a:ext uri="{91240B29-F687-4f45-9708-019B960494DF}">
-                <a14:hiddenLine xmlns="" xmlns:a14="http://schemas.microsoft.com/office/drawing/2010/main" w="9525">
+                <a14:hiddenLine xmlns:a14="http://schemas.microsoft.com/office/drawing/2010/main" xmlns="" w="9525">
                   <a:solidFill>
                     <a:srgbClr val="000000"/>
                   </a:solidFill>
@@ -3370,7 +3371,7 @@
             </a:ln>
             <a:extLst>
               <a:ext uri="{91240B29-F687-4f45-9708-019B960494DF}">
-                <a14:hiddenLine xmlns="" xmlns:a14="http://schemas.microsoft.com/office/drawing/2010/main" w="9525">
+                <a14:hiddenLine xmlns:a14="http://schemas.microsoft.com/office/drawing/2010/main" xmlns="" w="9525">
                   <a:solidFill>
                     <a:srgbClr val="000000"/>
                   </a:solidFill>
@@ -3432,7 +3433,7 @@
             </a:ln>
             <a:extLst>
               <a:ext uri="{91240B29-F687-4f45-9708-019B960494DF}">
-                <a14:hiddenLine xmlns="" xmlns:a14="http://schemas.microsoft.com/office/drawing/2010/main" w="9525">
+                <a14:hiddenLine xmlns:a14="http://schemas.microsoft.com/office/drawing/2010/main" xmlns="" w="9525">
                   <a:solidFill>
                     <a:srgbClr val="000000"/>
                   </a:solidFill>
@@ -3522,7 +3523,7 @@
             </a:ln>
             <a:extLst>
               <a:ext uri="{91240B29-F687-4f45-9708-019B960494DF}">
-                <a14:hiddenLine xmlns="" xmlns:a14="http://schemas.microsoft.com/office/drawing/2010/main" w="9525">
+                <a14:hiddenLine xmlns:a14="http://schemas.microsoft.com/office/drawing/2010/main" xmlns="" w="9525">
                   <a:solidFill>
                     <a:srgbClr val="000000"/>
                   </a:solidFill>
@@ -3612,7 +3613,7 @@
             </a:ln>
             <a:extLst>
               <a:ext uri="{91240B29-F687-4f45-9708-019B960494DF}">
-                <a14:hiddenLine xmlns="" xmlns:a14="http://schemas.microsoft.com/office/drawing/2010/main" w="9525">
+                <a14:hiddenLine xmlns:a14="http://schemas.microsoft.com/office/drawing/2010/main" xmlns="" w="9525">
                   <a:solidFill>
                     <a:srgbClr val="000000"/>
                   </a:solidFill>
@@ -3677,7 +3678,7 @@
             </a:ln>
             <a:extLst>
               <a:ext uri="{91240B29-F687-4f45-9708-019B960494DF}">
-                <a14:hiddenLine xmlns="" xmlns:a14="http://schemas.microsoft.com/office/drawing/2010/main" w="9525">
+                <a14:hiddenLine xmlns:a14="http://schemas.microsoft.com/office/drawing/2010/main" xmlns="" w="9525">
                   <a:solidFill>
                     <a:srgbClr val="000000"/>
                   </a:solidFill>
@@ -3739,7 +3740,7 @@
             </a:ln>
             <a:extLst>
               <a:ext uri="{91240B29-F687-4f45-9708-019B960494DF}">
-                <a14:hiddenLine xmlns="" xmlns:a14="http://schemas.microsoft.com/office/drawing/2010/main" w="9525">
+                <a14:hiddenLine xmlns:a14="http://schemas.microsoft.com/office/drawing/2010/main" xmlns="" w="9525">
                   <a:solidFill>
                     <a:srgbClr val="000000"/>
                   </a:solidFill>
@@ -3829,7 +3830,7 @@
             </a:ln>
             <a:extLst>
               <a:ext uri="{91240B29-F687-4f45-9708-019B960494DF}">
-                <a14:hiddenLine xmlns="" xmlns:a14="http://schemas.microsoft.com/office/drawing/2010/main" w="9525">
+                <a14:hiddenLine xmlns:a14="http://schemas.microsoft.com/office/drawing/2010/main" xmlns="" w="9525">
                   <a:solidFill>
                     <a:srgbClr val="000000"/>
                   </a:solidFill>
@@ -3919,7 +3920,7 @@
             </a:ln>
             <a:extLst>
               <a:ext uri="{91240B29-F687-4f45-9708-019B960494DF}">
-                <a14:hiddenLine xmlns="" xmlns:a14="http://schemas.microsoft.com/office/drawing/2010/main" w="9525">
+                <a14:hiddenLine xmlns:a14="http://schemas.microsoft.com/office/drawing/2010/main" xmlns="" w="9525">
                   <a:solidFill>
                     <a:srgbClr val="000000"/>
                   </a:solidFill>
@@ -3981,7 +3982,7 @@
             </a:ln>
             <a:extLst>
               <a:ext uri="{91240B29-F687-4f45-9708-019B960494DF}">
-                <a14:hiddenLine xmlns="" xmlns:a14="http://schemas.microsoft.com/office/drawing/2010/main" w="9525">
+                <a14:hiddenLine xmlns:a14="http://schemas.microsoft.com/office/drawing/2010/main" xmlns="" w="9525">
                   <a:solidFill>
                     <a:srgbClr val="000000"/>
                   </a:solidFill>
@@ -4101,7 +4102,7 @@
             </a:ln>
             <a:extLst>
               <a:ext uri="{91240B29-F687-4f45-9708-019B960494DF}">
-                <a14:hiddenLine xmlns="" xmlns:a14="http://schemas.microsoft.com/office/drawing/2010/main" w="9525">
+                <a14:hiddenLine xmlns:a14="http://schemas.microsoft.com/office/drawing/2010/main" xmlns="" w="9525">
                   <a:solidFill>
                     <a:srgbClr val="000000"/>
                   </a:solidFill>
@@ -4169,7 +4170,7 @@
             </a:ln>
             <a:extLst>
               <a:ext uri="{91240B29-F687-4f45-9708-019B960494DF}">
-                <a14:hiddenLine xmlns="" xmlns:a14="http://schemas.microsoft.com/office/drawing/2010/main" w="9525">
+                <a14:hiddenLine xmlns:a14="http://schemas.microsoft.com/office/drawing/2010/main" xmlns="" w="9525">
                   <a:solidFill>
                     <a:srgbClr val="000000"/>
                   </a:solidFill>
@@ -4259,7 +4260,7 @@
             </a:ln>
             <a:extLst>
               <a:ext uri="{91240B29-F687-4f45-9708-019B960494DF}">
-                <a14:hiddenLine xmlns="" xmlns:a14="http://schemas.microsoft.com/office/drawing/2010/main" w="9525">
+                <a14:hiddenLine xmlns:a14="http://schemas.microsoft.com/office/drawing/2010/main" xmlns="" w="9525">
                   <a:solidFill>
                     <a:srgbClr val="000000"/>
                   </a:solidFill>
@@ -4399,7 +4400,7 @@
           <a:p>
             <a:fld id="{48A87A34-81AB-432B-8DAE-1953F412C126}" type="datetimeFigureOut">
               <a:rPr lang="en-US" dirty="0"/>
-              <a:t>11/11/2015</a:t>
+              <a:t>11/13/2015</a:t>
             </a:fld>
             <a:endParaRPr lang="en-US" dirty="0"/>
           </a:p>
@@ -4661,7 +4662,7 @@
           <a:p>
             <a:fld id="{48A87A34-81AB-432B-8DAE-1953F412C126}" type="datetimeFigureOut">
               <a:rPr lang="en-US" dirty="0"/>
-              <a:t>11/11/2015</a:t>
+              <a:t>11/13/2015</a:t>
             </a:fld>
             <a:endParaRPr lang="en-US" dirty="0"/>
           </a:p>
@@ -4852,7 +4853,7 @@
           <a:p>
             <a:fld id="{48A87A34-81AB-432B-8DAE-1953F412C126}" type="datetimeFigureOut">
               <a:rPr lang="en-US" dirty="0"/>
-              <a:t>11/11/2015</a:t>
+              <a:t>11/13/2015</a:t>
             </a:fld>
             <a:endParaRPr lang="en-US" dirty="0"/>
           </a:p>
@@ -5110,7 +5111,7 @@
           <a:p>
             <a:fld id="{48A87A34-81AB-432B-8DAE-1953F412C126}" type="datetimeFigureOut">
               <a:rPr lang="en-US" dirty="0"/>
-              <a:t>11/11/2015</a:t>
+              <a:t>11/13/2015</a:t>
             </a:fld>
             <a:endParaRPr lang="en-US" dirty="0"/>
           </a:p>
@@ -5539,7 +5540,7 @@
           <a:p>
             <a:fld id="{48A87A34-81AB-432B-8DAE-1953F412C126}" type="datetimeFigureOut">
               <a:rPr lang="en-US" dirty="0"/>
-              <a:t>11/11/2015</a:t>
+              <a:t>11/13/2015</a:t>
             </a:fld>
             <a:endParaRPr lang="en-US" dirty="0"/>
           </a:p>
@@ -6080,7 +6081,7 @@
           <a:p>
             <a:fld id="{48A87A34-81AB-432B-8DAE-1953F412C126}" type="datetimeFigureOut">
               <a:rPr lang="en-US" dirty="0"/>
-              <a:t>11/11/2015</a:t>
+              <a:t>11/13/2015</a:t>
             </a:fld>
             <a:endParaRPr lang="en-US" dirty="0"/>
           </a:p>
@@ -6795,7 +6796,7 @@
           <a:p>
             <a:fld id="{48A87A34-81AB-432B-8DAE-1953F412C126}" type="datetimeFigureOut">
               <a:rPr lang="en-US" dirty="0"/>
-              <a:t>11/11/2015</a:t>
+              <a:t>11/13/2015</a:t>
             </a:fld>
             <a:endParaRPr lang="en-US" dirty="0"/>
           </a:p>
@@ -6992,7 +6993,7 @@
           <a:p>
             <a:fld id="{48A87A34-81AB-432B-8DAE-1953F412C126}" type="datetimeFigureOut">
               <a:rPr lang="en-US" dirty="0"/>
-              <a:t>11/11/2015</a:t>
+              <a:t>11/13/2015</a:t>
             </a:fld>
             <a:endParaRPr lang="en-US" dirty="0"/>
           </a:p>
@@ -7199,7 +7200,7 @@
           <a:p>
             <a:fld id="{48A87A34-81AB-432B-8DAE-1953F412C126}" type="datetimeFigureOut">
               <a:rPr lang="en-US" dirty="0"/>
-              <a:t>11/11/2015</a:t>
+              <a:t>11/13/2015</a:t>
             </a:fld>
             <a:endParaRPr lang="en-US" dirty="0"/>
           </a:p>
@@ -7396,7 +7397,7 @@
           <a:p>
             <a:fld id="{48A87A34-81AB-432B-8DAE-1953F412C126}" type="datetimeFigureOut">
               <a:rPr lang="en-US" dirty="0"/>
-              <a:t>11/11/2015</a:t>
+              <a:t>11/13/2015</a:t>
             </a:fld>
             <a:endParaRPr lang="en-US" dirty="0"/>
           </a:p>
@@ -7641,7 +7642,7 @@
           <a:p>
             <a:fld id="{48A87A34-81AB-432B-8DAE-1953F412C126}" type="datetimeFigureOut">
               <a:rPr lang="en-US" dirty="0"/>
-              <a:t>11/11/2015</a:t>
+              <a:t>11/13/2015</a:t>
             </a:fld>
             <a:endParaRPr lang="en-US" dirty="0"/>
           </a:p>
@@ -7932,7 +7933,7 @@
           <a:p>
             <a:fld id="{48A87A34-81AB-432B-8DAE-1953F412C126}" type="datetimeFigureOut">
               <a:rPr lang="en-US" dirty="0"/>
-              <a:t>11/11/2015</a:t>
+              <a:t>11/13/2015</a:t>
             </a:fld>
             <a:endParaRPr lang="en-US" dirty="0"/>
           </a:p>
@@ -8372,7 +8373,7 @@
           <a:p>
             <a:fld id="{48A87A34-81AB-432B-8DAE-1953F412C126}" type="datetimeFigureOut">
               <a:rPr lang="en-US" dirty="0"/>
-              <a:t>11/11/2015</a:t>
+              <a:t>11/13/2015</a:t>
             </a:fld>
             <a:endParaRPr lang="en-US" dirty="0"/>
           </a:p>
@@ -8485,7 +8486,7 @@
           <a:p>
             <a:fld id="{48A87A34-81AB-432B-8DAE-1953F412C126}" type="datetimeFigureOut">
               <a:rPr lang="en-US" dirty="0"/>
-              <a:t>11/11/2015</a:t>
+              <a:t>11/13/2015</a:t>
             </a:fld>
             <a:endParaRPr lang="en-US" dirty="0"/>
           </a:p>
@@ -8575,7 +8576,7 @@
           <a:p>
             <a:fld id="{48A87A34-81AB-432B-8DAE-1953F412C126}" type="datetimeFigureOut">
               <a:rPr lang="en-US" dirty="0"/>
-              <a:t>11/11/2015</a:t>
+              <a:t>11/13/2015</a:t>
             </a:fld>
             <a:endParaRPr lang="en-US" dirty="0"/>
           </a:p>
@@ -8851,7 +8852,7 @@
           <a:p>
             <a:fld id="{48A87A34-81AB-432B-8DAE-1953F412C126}" type="datetimeFigureOut">
               <a:rPr lang="en-US" dirty="0"/>
-              <a:t>11/11/2015</a:t>
+              <a:t>11/13/2015</a:t>
             </a:fld>
             <a:endParaRPr lang="en-US" dirty="0"/>
           </a:p>
@@ -9126,7 +9127,7 @@
           <a:p>
             <a:fld id="{48A87A34-81AB-432B-8DAE-1953F412C126}" type="datetimeFigureOut">
               <a:rPr lang="en-US" dirty="0"/>
-              <a:t>11/11/2015</a:t>
+              <a:t>11/13/2015</a:t>
             </a:fld>
             <a:endParaRPr lang="en-US" dirty="0"/>
           </a:p>
@@ -9237,7 +9238,7 @@
           <a:noFill/>
           <a:extLst>
             <a:ext uri="{909E8E84-426E-40dd-AFC4-6F175D3DCCD1}">
-              <a14:hiddenFill xmlns="" xmlns:a14="http://schemas.microsoft.com/office/drawing/2010/main">
+              <a14:hiddenFill xmlns:a14="http://schemas.microsoft.com/office/drawing/2010/main" xmlns="">
                 <a:solidFill>
                   <a:srgbClr val="FFFFFF"/>
                 </a:solidFill>
@@ -9311,7 +9312,7 @@
               </a:ln>
               <a:extLst>
                 <a:ext uri="{91240B29-F687-4f45-9708-019B960494DF}">
-                  <a14:hiddenLine xmlns="" xmlns:a14="http://schemas.microsoft.com/office/drawing/2010/main" w="9525">
+                  <a14:hiddenLine xmlns:a14="http://schemas.microsoft.com/office/drawing/2010/main" xmlns="" w="9525">
                     <a:solidFill>
                       <a:srgbClr val="000000"/>
                     </a:solidFill>
@@ -9401,7 +9402,7 @@
               </a:ln>
               <a:extLst>
                 <a:ext uri="{91240B29-F687-4f45-9708-019B960494DF}">
-                  <a14:hiddenLine xmlns="" xmlns:a14="http://schemas.microsoft.com/office/drawing/2010/main" w="9525">
+                  <a14:hiddenLine xmlns:a14="http://schemas.microsoft.com/office/drawing/2010/main" xmlns="" w="9525">
                     <a:solidFill>
                       <a:srgbClr val="000000"/>
                     </a:solidFill>
@@ -9491,7 +9492,7 @@
               </a:ln>
               <a:extLst>
                 <a:ext uri="{91240B29-F687-4f45-9708-019B960494DF}">
-                  <a14:hiddenLine xmlns="" xmlns:a14="http://schemas.microsoft.com/office/drawing/2010/main" w="9525">
+                  <a14:hiddenLine xmlns:a14="http://schemas.microsoft.com/office/drawing/2010/main" xmlns="" w="9525">
                     <a:solidFill>
                       <a:srgbClr val="000000"/>
                     </a:solidFill>
@@ -9553,7 +9554,7 @@
               </a:ln>
               <a:extLst>
                 <a:ext uri="{91240B29-F687-4f45-9708-019B960494DF}">
-                  <a14:hiddenLine xmlns="" xmlns:a14="http://schemas.microsoft.com/office/drawing/2010/main" w="9525">
+                  <a14:hiddenLine xmlns:a14="http://schemas.microsoft.com/office/drawing/2010/main" xmlns="" w="9525">
                     <a:solidFill>
                       <a:srgbClr val="000000"/>
                     </a:solidFill>
@@ -9643,7 +9644,7 @@
               </a:ln>
               <a:extLst>
                 <a:ext uri="{91240B29-F687-4f45-9708-019B960494DF}">
-                  <a14:hiddenLine xmlns="" xmlns:a14="http://schemas.microsoft.com/office/drawing/2010/main" w="9525">
+                  <a14:hiddenLine xmlns:a14="http://schemas.microsoft.com/office/drawing/2010/main" xmlns="" w="9525">
                     <a:solidFill>
                       <a:srgbClr val="000000"/>
                     </a:solidFill>
@@ -9705,7 +9706,7 @@
               </a:ln>
               <a:extLst>
                 <a:ext uri="{91240B29-F687-4f45-9708-019B960494DF}">
-                  <a14:hiddenLine xmlns="" xmlns:a14="http://schemas.microsoft.com/office/drawing/2010/main" w="9525">
+                  <a14:hiddenLine xmlns:a14="http://schemas.microsoft.com/office/drawing/2010/main" xmlns="" w="9525">
                     <a:solidFill>
                       <a:srgbClr val="000000"/>
                     </a:solidFill>
@@ -9767,7 +9768,7 @@
               </a:ln>
               <a:extLst>
                 <a:ext uri="{91240B29-F687-4f45-9708-019B960494DF}">
-                  <a14:hiddenLine xmlns="" xmlns:a14="http://schemas.microsoft.com/office/drawing/2010/main" w="9525">
+                  <a14:hiddenLine xmlns:a14="http://schemas.microsoft.com/office/drawing/2010/main" xmlns="" w="9525">
                     <a:solidFill>
                       <a:srgbClr val="000000"/>
                     </a:solidFill>
@@ -9857,7 +9858,7 @@
               </a:ln>
               <a:extLst>
                 <a:ext uri="{91240B29-F687-4f45-9708-019B960494DF}">
-                  <a14:hiddenLine xmlns="" xmlns:a14="http://schemas.microsoft.com/office/drawing/2010/main" w="9525">
+                  <a14:hiddenLine xmlns:a14="http://schemas.microsoft.com/office/drawing/2010/main" xmlns="" w="9525">
                     <a:solidFill>
                       <a:srgbClr val="000000"/>
                     </a:solidFill>
@@ -9947,7 +9948,7 @@
               </a:ln>
               <a:extLst>
                 <a:ext uri="{91240B29-F687-4f45-9708-019B960494DF}">
-                  <a14:hiddenLine xmlns="" xmlns:a14="http://schemas.microsoft.com/office/drawing/2010/main" w="9525">
+                  <a14:hiddenLine xmlns:a14="http://schemas.microsoft.com/office/drawing/2010/main" xmlns="" w="9525">
                     <a:solidFill>
                       <a:srgbClr val="000000"/>
                     </a:solidFill>
@@ -10009,7 +10010,7 @@
               </a:ln>
               <a:extLst>
                 <a:ext uri="{91240B29-F687-4f45-9708-019B960494DF}">
-                  <a14:hiddenLine xmlns="" xmlns:a14="http://schemas.microsoft.com/office/drawing/2010/main" w="9525">
+                  <a14:hiddenLine xmlns:a14="http://schemas.microsoft.com/office/drawing/2010/main" xmlns="" w="9525">
                     <a:solidFill>
                       <a:srgbClr val="000000"/>
                     </a:solidFill>
@@ -10119,7 +10120,7 @@
               </a:ln>
               <a:extLst>
                 <a:ext uri="{91240B29-F687-4f45-9708-019B960494DF}">
-                  <a14:hiddenLine xmlns="" xmlns:a14="http://schemas.microsoft.com/office/drawing/2010/main" w="9525">
+                  <a14:hiddenLine xmlns:a14="http://schemas.microsoft.com/office/drawing/2010/main" xmlns="" w="9525">
                     <a:solidFill>
                       <a:srgbClr val="000000"/>
                     </a:solidFill>
@@ -10203,7 +10204,7 @@
               </a:ln>
               <a:extLst>
                 <a:ext uri="{91240B29-F687-4f45-9708-019B960494DF}">
-                  <a14:hiddenLine xmlns="" xmlns:a14="http://schemas.microsoft.com/office/drawing/2010/main" w="9525">
+                  <a14:hiddenLine xmlns:a14="http://schemas.microsoft.com/office/drawing/2010/main" xmlns="" w="9525">
                     <a:solidFill>
                       <a:srgbClr val="000000"/>
                     </a:solidFill>
@@ -10265,7 +10266,7 @@
               </a:ln>
               <a:extLst>
                 <a:ext uri="{91240B29-F687-4f45-9708-019B960494DF}">
-                  <a14:hiddenLine xmlns="" xmlns:a14="http://schemas.microsoft.com/office/drawing/2010/main" w="9525">
+                  <a14:hiddenLine xmlns:a14="http://schemas.microsoft.com/office/drawing/2010/main" xmlns="" w="9525">
                     <a:solidFill>
                       <a:srgbClr val="000000"/>
                     </a:solidFill>
@@ -10327,7 +10328,7 @@
               </a:ln>
               <a:extLst>
                 <a:ext uri="{91240B29-F687-4f45-9708-019B960494DF}">
-                  <a14:hiddenLine xmlns="" xmlns:a14="http://schemas.microsoft.com/office/drawing/2010/main" w="9525">
+                  <a14:hiddenLine xmlns:a14="http://schemas.microsoft.com/office/drawing/2010/main" xmlns="" w="9525">
                     <a:solidFill>
                       <a:srgbClr val="000000"/>
                     </a:solidFill>
@@ -10417,7 +10418,7 @@
               </a:ln>
               <a:extLst>
                 <a:ext uri="{91240B29-F687-4f45-9708-019B960494DF}">
-                  <a14:hiddenLine xmlns="" xmlns:a14="http://schemas.microsoft.com/office/drawing/2010/main" w="9525">
+                  <a14:hiddenLine xmlns:a14="http://schemas.microsoft.com/office/drawing/2010/main" xmlns="" w="9525">
                     <a:solidFill>
                       <a:srgbClr val="000000"/>
                     </a:solidFill>
@@ -10451,7 +10452,7 @@
               </a:ln>
               <a:extLst>
                 <a:ext uri="{91240B29-F687-4f45-9708-019B960494DF}">
-                  <a14:hiddenLine xmlns="" xmlns:a14="http://schemas.microsoft.com/office/drawing/2010/main" w="9525">
+                  <a14:hiddenLine xmlns:a14="http://schemas.microsoft.com/office/drawing/2010/main" xmlns="" w="9525">
                     <a:solidFill>
                       <a:srgbClr val="000000"/>
                     </a:solidFill>
@@ -10516,7 +10517,7 @@
               </a:ln>
               <a:extLst>
                 <a:ext uri="{91240B29-F687-4f45-9708-019B960494DF}">
-                  <a14:hiddenLine xmlns="" xmlns:a14="http://schemas.microsoft.com/office/drawing/2010/main" w="9525">
+                  <a14:hiddenLine xmlns:a14="http://schemas.microsoft.com/office/drawing/2010/main" xmlns="" w="9525">
                     <a:solidFill>
                       <a:srgbClr val="000000"/>
                     </a:solidFill>
@@ -10606,7 +10607,7 @@
               </a:ln>
               <a:extLst>
                 <a:ext uri="{91240B29-F687-4f45-9708-019B960494DF}">
-                  <a14:hiddenLine xmlns="" xmlns:a14="http://schemas.microsoft.com/office/drawing/2010/main" w="9525">
+                  <a14:hiddenLine xmlns:a14="http://schemas.microsoft.com/office/drawing/2010/main" xmlns="" w="9525">
                     <a:solidFill>
                       <a:srgbClr val="000000"/>
                     </a:solidFill>
@@ -10668,7 +10669,7 @@
               </a:ln>
               <a:extLst>
                 <a:ext uri="{91240B29-F687-4f45-9708-019B960494DF}">
-                  <a14:hiddenLine xmlns="" xmlns:a14="http://schemas.microsoft.com/office/drawing/2010/main" w="9525">
+                  <a14:hiddenLine xmlns:a14="http://schemas.microsoft.com/office/drawing/2010/main" xmlns="" w="9525">
                     <a:solidFill>
                       <a:srgbClr val="000000"/>
                     </a:solidFill>
@@ -10758,7 +10759,7 @@
               </a:ln>
               <a:extLst>
                 <a:ext uri="{91240B29-F687-4f45-9708-019B960494DF}">
-                  <a14:hiddenLine xmlns="" xmlns:a14="http://schemas.microsoft.com/office/drawing/2010/main" w="9525">
+                  <a14:hiddenLine xmlns:a14="http://schemas.microsoft.com/office/drawing/2010/main" xmlns="" w="9525">
                     <a:solidFill>
                       <a:srgbClr val="000000"/>
                     </a:solidFill>
@@ -10823,7 +10824,7 @@
               </a:ln>
               <a:extLst>
                 <a:ext uri="{91240B29-F687-4f45-9708-019B960494DF}">
-                  <a14:hiddenLine xmlns="" xmlns:a14="http://schemas.microsoft.com/office/drawing/2010/main" w="9525">
+                  <a14:hiddenLine xmlns:a14="http://schemas.microsoft.com/office/drawing/2010/main" xmlns="" w="9525">
                     <a:solidFill>
                       <a:srgbClr val="000000"/>
                     </a:solidFill>
@@ -10885,7 +10886,7 @@
               </a:ln>
               <a:extLst>
                 <a:ext uri="{91240B29-F687-4f45-9708-019B960494DF}">
-                  <a14:hiddenLine xmlns="" xmlns:a14="http://schemas.microsoft.com/office/drawing/2010/main" w="9525">
+                  <a14:hiddenLine xmlns:a14="http://schemas.microsoft.com/office/drawing/2010/main" xmlns="" w="9525">
                     <a:solidFill>
                       <a:srgbClr val="000000"/>
                     </a:solidFill>
@@ -10975,7 +10976,7 @@
               </a:ln>
               <a:extLst>
                 <a:ext uri="{91240B29-F687-4f45-9708-019B960494DF}">
-                  <a14:hiddenLine xmlns="" xmlns:a14="http://schemas.microsoft.com/office/drawing/2010/main" w="9525">
+                  <a14:hiddenLine xmlns:a14="http://schemas.microsoft.com/office/drawing/2010/main" xmlns="" w="9525">
                     <a:solidFill>
                       <a:srgbClr val="000000"/>
                     </a:solidFill>
@@ -11065,7 +11066,7 @@
               </a:ln>
               <a:extLst>
                 <a:ext uri="{91240B29-F687-4f45-9708-019B960494DF}">
-                  <a14:hiddenLine xmlns="" xmlns:a14="http://schemas.microsoft.com/office/drawing/2010/main" w="9525">
+                  <a14:hiddenLine xmlns:a14="http://schemas.microsoft.com/office/drawing/2010/main" xmlns="" w="9525">
                     <a:solidFill>
                       <a:srgbClr val="000000"/>
                     </a:solidFill>
@@ -11130,7 +11131,7 @@
               </a:ln>
               <a:extLst>
                 <a:ext uri="{91240B29-F687-4f45-9708-019B960494DF}">
-                  <a14:hiddenLine xmlns="" xmlns:a14="http://schemas.microsoft.com/office/drawing/2010/main" w="9525">
+                  <a14:hiddenLine xmlns:a14="http://schemas.microsoft.com/office/drawing/2010/main" xmlns="" w="9525">
                     <a:solidFill>
                       <a:srgbClr val="000000"/>
                     </a:solidFill>
@@ -11250,7 +11251,7 @@
               </a:ln>
               <a:extLst>
                 <a:ext uri="{91240B29-F687-4f45-9708-019B960494DF}">
-                  <a14:hiddenLine xmlns="" xmlns:a14="http://schemas.microsoft.com/office/drawing/2010/main" w="9525">
+                  <a14:hiddenLine xmlns:a14="http://schemas.microsoft.com/office/drawing/2010/main" xmlns="" w="9525">
                     <a:solidFill>
                       <a:srgbClr val="000000"/>
                     </a:solidFill>
@@ -11348,7 +11349,7 @@
               </a:ln>
               <a:extLst>
                 <a:ext uri="{91240B29-F687-4f45-9708-019B960494DF}">
-                  <a14:hiddenLine xmlns="" xmlns:a14="http://schemas.microsoft.com/office/drawing/2010/main" w="9525">
+                  <a14:hiddenLine xmlns:a14="http://schemas.microsoft.com/office/drawing/2010/main" xmlns="" w="9525">
                     <a:solidFill>
                       <a:srgbClr val="000000"/>
                     </a:solidFill>
@@ -11463,7 +11464,7 @@
               </a:ln>
               <a:extLst>
                 <a:ext uri="{91240B29-F687-4f45-9708-019B960494DF}">
-                  <a14:hiddenLine xmlns="" xmlns:a14="http://schemas.microsoft.com/office/drawing/2010/main" w="9525">
+                  <a14:hiddenLine xmlns:a14="http://schemas.microsoft.com/office/drawing/2010/main" xmlns="" w="9525">
                     <a:solidFill>
                       <a:srgbClr val="000000"/>
                     </a:solidFill>
@@ -11553,7 +11554,7 @@
               </a:ln>
               <a:extLst>
                 <a:ext uri="{91240B29-F687-4f45-9708-019B960494DF}">
-                  <a14:hiddenLine xmlns="" xmlns:a14="http://schemas.microsoft.com/office/drawing/2010/main" w="9525">
+                  <a14:hiddenLine xmlns:a14="http://schemas.microsoft.com/office/drawing/2010/main" xmlns="" w="9525">
                     <a:solidFill>
                       <a:srgbClr val="000000"/>
                     </a:solidFill>
@@ -11618,7 +11619,7 @@
               </a:ln>
               <a:extLst>
                 <a:ext uri="{91240B29-F687-4f45-9708-019B960494DF}">
-                  <a14:hiddenLine xmlns="" xmlns:a14="http://schemas.microsoft.com/office/drawing/2010/main" w="9525">
+                  <a14:hiddenLine xmlns:a14="http://schemas.microsoft.com/office/drawing/2010/main" xmlns="" w="9525">
                     <a:solidFill>
                       <a:srgbClr val="000000"/>
                     </a:solidFill>
@@ -11708,7 +11709,7 @@
               </a:ln>
               <a:extLst>
                 <a:ext uri="{91240B29-F687-4f45-9708-019B960494DF}">
-                  <a14:hiddenLine xmlns="" xmlns:a14="http://schemas.microsoft.com/office/drawing/2010/main" w="9525">
+                  <a14:hiddenLine xmlns:a14="http://schemas.microsoft.com/office/drawing/2010/main" xmlns="" w="9525">
                     <a:solidFill>
                       <a:srgbClr val="000000"/>
                     </a:solidFill>
@@ -11776,7 +11777,7 @@
               </a:ln>
               <a:extLst>
                 <a:ext uri="{91240B29-F687-4f45-9708-019B960494DF}">
-                  <a14:hiddenLine xmlns="" xmlns:a14="http://schemas.microsoft.com/office/drawing/2010/main" w="9525">
+                  <a14:hiddenLine xmlns:a14="http://schemas.microsoft.com/office/drawing/2010/main" xmlns="" w="9525">
                     <a:solidFill>
                       <a:srgbClr val="000000"/>
                     </a:solidFill>
@@ -11866,7 +11867,7 @@
               </a:ln>
               <a:extLst>
                 <a:ext uri="{91240B29-F687-4f45-9708-019B960494DF}">
-                  <a14:hiddenLine xmlns="" xmlns:a14="http://schemas.microsoft.com/office/drawing/2010/main" w="9525">
+                  <a14:hiddenLine xmlns:a14="http://schemas.microsoft.com/office/drawing/2010/main" xmlns="" w="9525">
                     <a:solidFill>
                       <a:srgbClr val="000000"/>
                     </a:solidFill>
@@ -11934,7 +11935,7 @@
               </a:ln>
               <a:extLst>
                 <a:ext uri="{91240B29-F687-4f45-9708-019B960494DF}">
-                  <a14:hiddenLine xmlns="" xmlns:a14="http://schemas.microsoft.com/office/drawing/2010/main" w="9525">
+                  <a14:hiddenLine xmlns:a14="http://schemas.microsoft.com/office/drawing/2010/main" xmlns="" w="9525">
                     <a:solidFill>
                       <a:srgbClr val="000000"/>
                     </a:solidFill>
@@ -12024,7 +12025,7 @@
               </a:ln>
               <a:extLst>
                 <a:ext uri="{91240B29-F687-4f45-9708-019B960494DF}">
-                  <a14:hiddenLine xmlns="" xmlns:a14="http://schemas.microsoft.com/office/drawing/2010/main" w="9525">
+                  <a14:hiddenLine xmlns:a14="http://schemas.microsoft.com/office/drawing/2010/main" xmlns="" w="9525">
                     <a:solidFill>
                       <a:srgbClr val="000000"/>
                     </a:solidFill>
@@ -12058,7 +12059,7 @@
               </a:ln>
               <a:extLst>
                 <a:ext uri="{91240B29-F687-4f45-9708-019B960494DF}">
-                  <a14:hiddenLine xmlns="" xmlns:a14="http://schemas.microsoft.com/office/drawing/2010/main" w="9525">
+                  <a14:hiddenLine xmlns:a14="http://schemas.microsoft.com/office/drawing/2010/main" xmlns="" w="9525">
                     <a:solidFill>
                       <a:srgbClr val="000000"/>
                     </a:solidFill>
@@ -12231,7 +12232,7 @@
             <a:fld id="{48A87A34-81AB-432B-8DAE-1953F412C126}" type="datetimeFigureOut">
               <a:rPr lang="en-US" dirty="0"/>
               <a:pPr/>
-              <a:t>11/11/2015</a:t>
+              <a:t>11/13/2015</a:t>
             </a:fld>
             <a:endParaRPr lang="en-US" dirty="0"/>
           </a:p>
@@ -13002,7 +13003,15 @@
           <a:p>
             <a:r>
               <a:rPr kumimoji="1" lang="ja-JP" altLang="en-US" sz="2800" dirty="0" smtClean="0"/>
-              <a:t>デイリースクラムで報告しあいスプリントで週の作成成果を発表し、現状を確認。またスプリントに向けてタスク管理をする。</a:t>
+              <a:t>デイリースクラムで報告しあいスプリントで週の作成成果を発表し、現状を確認。またスプリントに向けてかんば</a:t>
+            </a:r>
+            <a:r>
+              <a:rPr kumimoji="1" lang="ja-JP" altLang="en-US" sz="2800" dirty="0"/>
+              <a:t>ん</a:t>
+            </a:r>
+            <a:r>
+              <a:rPr kumimoji="1" lang="ja-JP" altLang="en-US" sz="2800" dirty="0" smtClean="0"/>
+              <a:t>管理をする。</a:t>
             </a:r>
             <a:endParaRPr kumimoji="1" lang="en-US" altLang="ja-JP" sz="2800" dirty="0" smtClean="0"/>
           </a:p>
@@ -13115,7 +13124,7 @@
         </p:nvGrpSpPr>
         <p:grpSpPr>
           <a:xfrm>
-            <a:off x="1621246" y="1500995"/>
+            <a:off x="1618970" y="1100574"/>
             <a:ext cx="7751419" cy="646331"/>
             <a:chOff x="1621246" y="1500995"/>
             <a:chExt cx="7751419" cy="646331"/>
@@ -13611,7 +13620,7 @@
         </p:nvGrpSpPr>
         <p:grpSpPr>
           <a:xfrm>
-            <a:off x="1621246" y="3252088"/>
+            <a:off x="1618970" y="2446146"/>
             <a:ext cx="5462331" cy="646331"/>
             <a:chOff x="1621246" y="1500995"/>
             <a:chExt cx="5462331" cy="646331"/>
@@ -14091,7 +14100,7 @@
         </p:nvGrpSpPr>
         <p:grpSpPr>
           <a:xfrm>
-            <a:off x="1621246" y="5371182"/>
+            <a:off x="1618970" y="4375114"/>
             <a:ext cx="7470894" cy="615552"/>
             <a:chOff x="1621246" y="1500995"/>
             <a:chExt cx="7470894" cy="615552"/>
@@ -14570,7 +14579,7 @@
         </p:nvSpPr>
         <p:spPr>
           <a:xfrm>
-            <a:off x="2010055" y="2451552"/>
+            <a:off x="2007779" y="1868533"/>
             <a:ext cx="6277681" cy="461665"/>
           </a:xfrm>
           <a:prstGeom prst="rect">
@@ -14608,7 +14617,7 @@
         </p:nvSpPr>
         <p:spPr>
           <a:xfrm>
-            <a:off x="2010056" y="4142357"/>
+            <a:off x="2007779" y="3177181"/>
             <a:ext cx="8238126" cy="830997"/>
           </a:xfrm>
           <a:prstGeom prst="rect">
@@ -14624,11 +14633,7 @@
           <a:p>
             <a:r>
               <a:rPr kumimoji="1" lang="ja-JP" altLang="en-US" sz="2400" dirty="0" smtClean="0"/>
-              <a:t>今回のロボット作成のためだけに、渡辺さんが最初から勉強</a:t>
-            </a:r>
-            <a:r>
-              <a:rPr kumimoji="1" lang="ja-JP" altLang="en-US" sz="2400" dirty="0" smtClean="0"/>
-              <a:t>し</a:t>
+              <a:t>今回のロボット作成のためだけに、渡辺さんが最初から勉強し</a:t>
             </a:r>
             <a:endParaRPr kumimoji="1" lang="en-US" altLang="ja-JP" sz="2400" dirty="0" smtClean="0"/>
           </a:p>
@@ -14641,6 +14646,494 @@
           </a:p>
         </p:txBody>
       </p:sp>
+      <p:grpSp>
+        <p:nvGrpSpPr>
+          <p:cNvPr id="42" name="グループ化 41"/>
+          <p:cNvGrpSpPr/>
+          <p:nvPr/>
+        </p:nvGrpSpPr>
+        <p:grpSpPr>
+          <a:xfrm>
+            <a:off x="1618970" y="5457455"/>
+            <a:ext cx="7387538" cy="615552"/>
+            <a:chOff x="1621246" y="1500995"/>
+            <a:chExt cx="7387538" cy="615552"/>
+          </a:xfrm>
+        </p:grpSpPr>
+        <p:sp>
+          <p:nvSpPr>
+            <p:cNvPr id="45" name="テキスト ボックス 44"/>
+            <p:cNvSpPr txBox="1"/>
+            <p:nvPr/>
+          </p:nvSpPr>
+          <p:spPr>
+            <a:xfrm>
+              <a:off x="5494680" y="1500995"/>
+              <a:ext cx="3514104" cy="584775"/>
+            </a:xfrm>
+            <a:prstGeom prst="rect">
+              <a:avLst/>
+            </a:prstGeom>
+            <a:noFill/>
+          </p:spPr>
+          <p:txBody>
+            <a:bodyPr wrap="none" rtlCol="0">
+              <a:spAutoFit/>
+            </a:bodyPr>
+            <a:lstStyle/>
+            <a:p>
+              <a:r>
+                <a:rPr kumimoji="1" lang="en-US" altLang="ja-JP" sz="3200" dirty="0" err="1" smtClean="0"/>
+                <a:t>AssetStore</a:t>
+              </a:r>
+              <a:r>
+                <a:rPr kumimoji="1" lang="ja-JP" altLang="en-US" sz="3200" dirty="0" smtClean="0"/>
+                <a:t>フル活用</a:t>
+              </a:r>
+              <a:endParaRPr kumimoji="1" lang="ja-JP" altLang="en-US" sz="3200" dirty="0"/>
+            </a:p>
+          </p:txBody>
+        </p:sp>
+        <p:grpSp>
+          <p:nvGrpSpPr>
+            <p:cNvPr id="46" name="グループ化 45"/>
+            <p:cNvGrpSpPr/>
+            <p:nvPr/>
+          </p:nvGrpSpPr>
+          <p:grpSpPr>
+            <a:xfrm>
+              <a:off x="1621246" y="1624123"/>
+              <a:ext cx="388809" cy="400072"/>
+              <a:chOff x="4463716" y="2702349"/>
+              <a:chExt cx="421105" cy="425862"/>
+            </a:xfrm>
+          </p:grpSpPr>
+          <p:grpSp>
+            <p:nvGrpSpPr>
+              <p:cNvPr id="48" name="グループ化 47"/>
+              <p:cNvGrpSpPr/>
+              <p:nvPr/>
+            </p:nvGrpSpPr>
+            <p:grpSpPr>
+              <a:xfrm>
+                <a:off x="4463716" y="2702349"/>
+                <a:ext cx="421105" cy="425862"/>
+                <a:chOff x="4463716" y="2702349"/>
+                <a:chExt cx="421105" cy="425862"/>
+              </a:xfrm>
+            </p:grpSpPr>
+            <p:sp>
+              <p:nvSpPr>
+                <p:cNvPr id="51" name="正方形/長方形 50"/>
+                <p:cNvSpPr/>
+                <p:nvPr/>
+              </p:nvSpPr>
+              <p:spPr>
+                <a:xfrm>
+                  <a:off x="4463716" y="2851484"/>
+                  <a:ext cx="421105" cy="276727"/>
+                </a:xfrm>
+                <a:prstGeom prst="rect">
+                  <a:avLst/>
+                </a:prstGeom>
+                <a:blipFill>
+                  <a:blip r:embed="rId2"/>
+                  <a:tile tx="0" ty="0" sx="100000" sy="100000" flip="none" algn="tl"/>
+                </a:blipFill>
+                <a:ln w="6350" cap="flat" cmpd="sng" algn="ctr">
+                  <a:solidFill>
+                    <a:sysClr val="windowText" lastClr="000000"/>
+                  </a:solidFill>
+                  <a:prstDash val="solid"/>
+                  <a:miter lim="800000"/>
+                </a:ln>
+                <a:effectLst/>
+              </p:spPr>
+              <p:txBody>
+                <a:bodyPr rtlCol="0" anchor="ctr"/>
+                <a:lstStyle/>
+                <a:p>
+                  <a:pPr marL="0" marR="0" lvl="0" indent="0" algn="ctr" defTabSz="914400" eaLnBrk="1" fontAlgn="auto" latinLnBrk="0" hangingPunct="1">
+                    <a:lnSpc>
+                      <a:spcPct val="100000"/>
+                    </a:lnSpc>
+                    <a:spcBef>
+                      <a:spcPts val="0"/>
+                    </a:spcBef>
+                    <a:spcAft>
+                      <a:spcPts val="0"/>
+                    </a:spcAft>
+                    <a:buClrTx/>
+                    <a:buSzTx/>
+                    <a:buFontTx/>
+                    <a:buNone/>
+                    <a:tabLst/>
+                    <a:defRPr/>
+                  </a:pPr>
+                  <a:endParaRPr kumimoji="1" lang="ja-JP" altLang="en-US" sz="1800" b="0" i="0" u="none" strike="noStrike" kern="0" cap="none" spc="0" normalizeH="0" baseline="0" noProof="0" smtClean="0">
+                    <a:ln>
+                      <a:noFill/>
+                    </a:ln>
+                    <a:solidFill>
+                      <a:prstClr val="white"/>
+                    </a:solidFill>
+                    <a:effectLst/>
+                    <a:uLnTx/>
+                    <a:uFillTx/>
+                    <a:latin typeface="Calibri" panose="020F0502020204030204"/>
+                    <a:ea typeface="ＭＳ Ｐゴシック" panose="020B0600070205080204" pitchFamily="50" charset="-128"/>
+                    <a:cs typeface="+mn-cs"/>
+                  </a:endParaRPr>
+                </a:p>
+              </p:txBody>
+            </p:sp>
+            <p:sp>
+              <p:nvSpPr>
+                <p:cNvPr id="52" name="円/楕円 51"/>
+                <p:cNvSpPr/>
+                <p:nvPr/>
+              </p:nvSpPr>
+              <p:spPr>
+                <a:xfrm>
+                  <a:off x="4553576" y="2939841"/>
+                  <a:ext cx="61287" cy="67034"/>
+                </a:xfrm>
+                <a:prstGeom prst="ellipse">
+                  <a:avLst/>
+                </a:prstGeom>
+                <a:solidFill>
+                  <a:sysClr val="windowText" lastClr="000000"/>
+                </a:solidFill>
+                <a:ln w="12700" cap="flat" cmpd="sng" algn="ctr">
+                  <a:solidFill>
+                    <a:sysClr val="windowText" lastClr="000000">
+                      <a:shade val="50000"/>
+                    </a:sysClr>
+                  </a:solidFill>
+                  <a:prstDash val="solid"/>
+                  <a:miter lim="800000"/>
+                </a:ln>
+                <a:effectLst/>
+              </p:spPr>
+              <p:txBody>
+                <a:bodyPr rtlCol="0" anchor="ctr"/>
+                <a:lstStyle/>
+                <a:p>
+                  <a:pPr marL="0" marR="0" lvl="0" indent="0" algn="ctr" defTabSz="914400" eaLnBrk="1" fontAlgn="auto" latinLnBrk="0" hangingPunct="1">
+                    <a:lnSpc>
+                      <a:spcPct val="100000"/>
+                    </a:lnSpc>
+                    <a:spcBef>
+                      <a:spcPts val="0"/>
+                    </a:spcBef>
+                    <a:spcAft>
+                      <a:spcPts val="0"/>
+                    </a:spcAft>
+                    <a:buClrTx/>
+                    <a:buSzTx/>
+                    <a:buFontTx/>
+                    <a:buNone/>
+                    <a:tabLst/>
+                    <a:defRPr/>
+                  </a:pPr>
+                  <a:endParaRPr kumimoji="1" lang="ja-JP" altLang="en-US" sz="1800" b="0" i="0" u="none" strike="noStrike" kern="0" cap="none" spc="0" normalizeH="0" baseline="0" noProof="0" smtClean="0">
+                    <a:ln>
+                      <a:noFill/>
+                    </a:ln>
+                    <a:solidFill>
+                      <a:prstClr val="white"/>
+                    </a:solidFill>
+                    <a:effectLst/>
+                    <a:uLnTx/>
+                    <a:uFillTx/>
+                    <a:latin typeface="Calibri" panose="020F0502020204030204"/>
+                    <a:ea typeface="ＭＳ Ｐゴシック" panose="020B0600070205080204" pitchFamily="50" charset="-128"/>
+                    <a:cs typeface="+mn-cs"/>
+                  </a:endParaRPr>
+                </a:p>
+              </p:txBody>
+            </p:sp>
+            <p:sp>
+              <p:nvSpPr>
+                <p:cNvPr id="53" name="円/楕円 52"/>
+                <p:cNvSpPr/>
+                <p:nvPr/>
+              </p:nvSpPr>
+              <p:spPr>
+                <a:xfrm>
+                  <a:off x="4731280" y="2939841"/>
+                  <a:ext cx="63143" cy="67034"/>
+                </a:xfrm>
+                <a:prstGeom prst="ellipse">
+                  <a:avLst/>
+                </a:prstGeom>
+                <a:solidFill>
+                  <a:sysClr val="windowText" lastClr="000000"/>
+                </a:solidFill>
+                <a:ln w="12700" cap="flat" cmpd="sng" algn="ctr">
+                  <a:solidFill>
+                    <a:sysClr val="windowText" lastClr="000000">
+                      <a:shade val="50000"/>
+                    </a:sysClr>
+                  </a:solidFill>
+                  <a:prstDash val="solid"/>
+                  <a:miter lim="800000"/>
+                </a:ln>
+                <a:effectLst/>
+              </p:spPr>
+              <p:txBody>
+                <a:bodyPr rtlCol="0" anchor="ctr"/>
+                <a:lstStyle/>
+                <a:p>
+                  <a:pPr marL="0" marR="0" lvl="0" indent="0" algn="ctr" defTabSz="914400" eaLnBrk="1" fontAlgn="auto" latinLnBrk="0" hangingPunct="1">
+                    <a:lnSpc>
+                      <a:spcPct val="100000"/>
+                    </a:lnSpc>
+                    <a:spcBef>
+                      <a:spcPts val="0"/>
+                    </a:spcBef>
+                    <a:spcAft>
+                      <a:spcPts val="0"/>
+                    </a:spcAft>
+                    <a:buClrTx/>
+                    <a:buSzTx/>
+                    <a:buFontTx/>
+                    <a:buNone/>
+                    <a:tabLst/>
+                    <a:defRPr/>
+                  </a:pPr>
+                  <a:endParaRPr kumimoji="1" lang="ja-JP" altLang="en-US" sz="1800" b="0" i="0" u="none" strike="noStrike" kern="0" cap="none" spc="0" normalizeH="0" baseline="0" noProof="0" smtClean="0">
+                    <a:ln>
+                      <a:noFill/>
+                    </a:ln>
+                    <a:solidFill>
+                      <a:prstClr val="white"/>
+                    </a:solidFill>
+                    <a:effectLst/>
+                    <a:uLnTx/>
+                    <a:uFillTx/>
+                    <a:latin typeface="Calibri" panose="020F0502020204030204"/>
+                    <a:ea typeface="ＭＳ Ｐゴシック" panose="020B0600070205080204" pitchFamily="50" charset="-128"/>
+                    <a:cs typeface="+mn-cs"/>
+                  </a:endParaRPr>
+                </a:p>
+              </p:txBody>
+            </p:sp>
+            <p:sp>
+              <p:nvSpPr>
+                <p:cNvPr id="54" name="円/楕円 53"/>
+                <p:cNvSpPr/>
+                <p:nvPr/>
+              </p:nvSpPr>
+              <p:spPr>
+                <a:xfrm>
+                  <a:off x="4772973" y="2702349"/>
+                  <a:ext cx="45719" cy="45719"/>
+                </a:xfrm>
+                <a:prstGeom prst="ellipse">
+                  <a:avLst/>
+                </a:prstGeom>
+                <a:solidFill>
+                  <a:sysClr val="windowText" lastClr="000000"/>
+                </a:solidFill>
+                <a:ln w="12700" cap="flat" cmpd="sng" algn="ctr">
+                  <a:noFill/>
+                  <a:prstDash val="solid"/>
+                  <a:miter lim="800000"/>
+                </a:ln>
+                <a:effectLst/>
+              </p:spPr>
+              <p:txBody>
+                <a:bodyPr rtlCol="0" anchor="ctr"/>
+                <a:lstStyle/>
+                <a:p>
+                  <a:pPr marL="0" marR="0" lvl="0" indent="0" algn="ctr" defTabSz="914400" eaLnBrk="1" fontAlgn="auto" latinLnBrk="0" hangingPunct="1">
+                    <a:lnSpc>
+                      <a:spcPct val="100000"/>
+                    </a:lnSpc>
+                    <a:spcBef>
+                      <a:spcPts val="0"/>
+                    </a:spcBef>
+                    <a:spcAft>
+                      <a:spcPts val="0"/>
+                    </a:spcAft>
+                    <a:buClrTx/>
+                    <a:buSzTx/>
+                    <a:buFontTx/>
+                    <a:buNone/>
+                    <a:tabLst/>
+                    <a:defRPr/>
+                  </a:pPr>
+                  <a:endParaRPr kumimoji="1" lang="ja-JP" altLang="en-US" sz="1800" b="0" i="0" u="none" strike="noStrike" kern="0" cap="none" spc="0" normalizeH="0" baseline="0" noProof="0" smtClean="0">
+                    <a:ln>
+                      <a:noFill/>
+                    </a:ln>
+                    <a:solidFill>
+                      <a:prstClr val="white"/>
+                    </a:solidFill>
+                    <a:effectLst/>
+                    <a:uLnTx/>
+                    <a:uFillTx/>
+                    <a:latin typeface="Calibri" panose="020F0502020204030204"/>
+                    <a:ea typeface="ＭＳ Ｐゴシック" panose="020B0600070205080204" pitchFamily="50" charset="-128"/>
+                    <a:cs typeface="+mn-cs"/>
+                  </a:endParaRPr>
+                </a:p>
+              </p:txBody>
+            </p:sp>
+            <p:sp>
+              <p:nvSpPr>
+                <p:cNvPr id="55" name="円/楕円 54"/>
+                <p:cNvSpPr/>
+                <p:nvPr/>
+              </p:nvSpPr>
+              <p:spPr>
+                <a:xfrm>
+                  <a:off x="4530575" y="2702349"/>
+                  <a:ext cx="45719" cy="45719"/>
+                </a:xfrm>
+                <a:prstGeom prst="ellipse">
+                  <a:avLst/>
+                </a:prstGeom>
+                <a:solidFill>
+                  <a:sysClr val="windowText" lastClr="000000"/>
+                </a:solidFill>
+                <a:ln w="12700" cap="flat" cmpd="sng" algn="ctr">
+                  <a:noFill/>
+                  <a:prstDash val="solid"/>
+                  <a:miter lim="800000"/>
+                </a:ln>
+                <a:effectLst/>
+              </p:spPr>
+              <p:txBody>
+                <a:bodyPr rtlCol="0" anchor="ctr"/>
+                <a:lstStyle/>
+                <a:p>
+                  <a:pPr marL="0" marR="0" lvl="0" indent="0" algn="ctr" defTabSz="914400" eaLnBrk="1" fontAlgn="auto" latinLnBrk="0" hangingPunct="1">
+                    <a:lnSpc>
+                      <a:spcPct val="100000"/>
+                    </a:lnSpc>
+                    <a:spcBef>
+                      <a:spcPts val="0"/>
+                    </a:spcBef>
+                    <a:spcAft>
+                      <a:spcPts val="0"/>
+                    </a:spcAft>
+                    <a:buClrTx/>
+                    <a:buSzTx/>
+                    <a:buFontTx/>
+                    <a:buNone/>
+                    <a:tabLst/>
+                    <a:defRPr/>
+                  </a:pPr>
+                  <a:endParaRPr kumimoji="1" lang="ja-JP" altLang="en-US" sz="1800" b="0" i="0" u="none" strike="noStrike" kern="0" cap="none" spc="0" normalizeH="0" baseline="0" noProof="0" smtClean="0">
+                    <a:ln>
+                      <a:noFill/>
+                    </a:ln>
+                    <a:solidFill>
+                      <a:prstClr val="white"/>
+                    </a:solidFill>
+                    <a:effectLst/>
+                    <a:uLnTx/>
+                    <a:uFillTx/>
+                    <a:latin typeface="Calibri" panose="020F0502020204030204"/>
+                    <a:ea typeface="ＭＳ Ｐゴシック" panose="020B0600070205080204" pitchFamily="50" charset="-128"/>
+                    <a:cs typeface="+mn-cs"/>
+                  </a:endParaRPr>
+                </a:p>
+              </p:txBody>
+            </p:sp>
+          </p:grpSp>
+          <p:cxnSp>
+            <p:nvCxnSpPr>
+              <p:cNvPr id="49" name="直線コネクタ 48"/>
+              <p:cNvCxnSpPr>
+                <a:stCxn id="54" idx="4"/>
+              </p:cNvCxnSpPr>
+              <p:nvPr/>
+            </p:nvCxnSpPr>
+            <p:spPr>
+              <a:xfrm flipH="1">
+                <a:off x="4794423" y="2748068"/>
+                <a:ext cx="1410" cy="104578"/>
+              </a:xfrm>
+              <a:prstGeom prst="line">
+                <a:avLst/>
+              </a:prstGeom>
+              <a:noFill/>
+              <a:ln w="6350" cap="flat" cmpd="sng" algn="ctr">
+                <a:solidFill>
+                  <a:sysClr val="windowText" lastClr="000000"/>
+                </a:solidFill>
+                <a:prstDash val="solid"/>
+                <a:miter lim="800000"/>
+              </a:ln>
+              <a:effectLst/>
+            </p:spPr>
+          </p:cxnSp>
+          <p:cxnSp>
+            <p:nvCxnSpPr>
+              <p:cNvPr id="50" name="直線コネクタ 49"/>
+              <p:cNvCxnSpPr>
+                <a:stCxn id="55" idx="4"/>
+              </p:cNvCxnSpPr>
+              <p:nvPr/>
+            </p:nvCxnSpPr>
+            <p:spPr>
+              <a:xfrm flipH="1">
+                <a:off x="4553434" y="2748068"/>
+                <a:ext cx="1" cy="103416"/>
+              </a:xfrm>
+              <a:prstGeom prst="line">
+                <a:avLst/>
+              </a:prstGeom>
+              <a:noFill/>
+              <a:ln w="6350" cap="flat" cmpd="sng" algn="ctr">
+                <a:solidFill>
+                  <a:sysClr val="windowText" lastClr="000000"/>
+                </a:solidFill>
+                <a:prstDash val="solid"/>
+                <a:miter lim="800000"/>
+              </a:ln>
+              <a:effectLst/>
+            </p:spPr>
+          </p:cxnSp>
+        </p:grpSp>
+        <p:sp>
+          <p:nvSpPr>
+            <p:cNvPr id="47" name="テキスト ボックス 46"/>
+            <p:cNvSpPr txBox="1"/>
+            <p:nvPr/>
+          </p:nvSpPr>
+          <p:spPr>
+            <a:xfrm>
+              <a:off x="2440704" y="1531772"/>
+              <a:ext cx="2779928" cy="584775"/>
+            </a:xfrm>
+            <a:prstGeom prst="rect">
+              <a:avLst/>
+            </a:prstGeom>
+            <a:noFill/>
+          </p:spPr>
+          <p:txBody>
+            <a:bodyPr wrap="none" rtlCol="0">
+              <a:spAutoFit/>
+            </a:bodyPr>
+            <a:lstStyle/>
+            <a:p>
+              <a:r>
+                <a:rPr kumimoji="1" lang="ja-JP" altLang="en-US" sz="3200" dirty="0" smtClean="0"/>
+                <a:t>ゲーム内</a:t>
+              </a:r>
+              <a:r>
+                <a:rPr kumimoji="1" lang="en-US" altLang="ja-JP" sz="3200" dirty="0" smtClean="0"/>
+                <a:t>object</a:t>
+              </a:r>
+              <a:endParaRPr kumimoji="1" lang="ja-JP" altLang="en-US" sz="3200" dirty="0"/>
+            </a:p>
+          </p:txBody>
+        </p:sp>
+      </p:grpSp>
     </p:spTree>
     <p:extLst>
       <p:ext uri="{BB962C8B-B14F-4D97-AF65-F5344CB8AC3E}">
@@ -14678,10 +15171,1519 @@
           <a:chExt cx="0" cy="0"/>
         </a:xfrm>
       </p:grpSpPr>
+      <p:sp>
+        <p:nvSpPr>
+          <p:cNvPr id="3" name="テキスト ボックス 2"/>
+          <p:cNvSpPr txBox="1"/>
+          <p:nvPr/>
+        </p:nvSpPr>
+        <p:spPr>
+          <a:xfrm>
+            <a:off x="4536118" y="224287"/>
+            <a:ext cx="3119765" cy="707886"/>
+          </a:xfrm>
+          <a:prstGeom prst="rect">
+            <a:avLst/>
+          </a:prstGeom>
+          <a:noFill/>
+        </p:spPr>
+        <p:txBody>
+          <a:bodyPr wrap="none" rtlCol="0">
+            <a:spAutoFit/>
+          </a:bodyPr>
+          <a:lstStyle/>
+          <a:p>
+            <a:r>
+              <a:rPr kumimoji="1" lang="ja-JP" altLang="en-US" sz="4000" b="1" dirty="0" smtClean="0"/>
+              <a:t>その他ツール</a:t>
+            </a:r>
+            <a:endParaRPr kumimoji="1" lang="ja-JP" altLang="en-US" sz="4000" b="1" dirty="0"/>
+          </a:p>
+        </p:txBody>
+      </p:sp>
+      <p:grpSp>
+        <p:nvGrpSpPr>
+          <p:cNvPr id="16" name="グループ化 15"/>
+          <p:cNvGrpSpPr/>
+          <p:nvPr/>
+        </p:nvGrpSpPr>
+        <p:grpSpPr>
+          <a:xfrm>
+            <a:off x="1090730" y="1241886"/>
+            <a:ext cx="2355377" cy="584775"/>
+            <a:chOff x="1621246" y="1531772"/>
+            <a:chExt cx="2174316" cy="584775"/>
+          </a:xfrm>
+        </p:grpSpPr>
+        <p:grpSp>
+          <p:nvGrpSpPr>
+            <p:cNvPr id="6" name="グループ化 5"/>
+            <p:cNvGrpSpPr/>
+            <p:nvPr/>
+          </p:nvGrpSpPr>
+          <p:grpSpPr>
+            <a:xfrm>
+              <a:off x="1621246" y="1624123"/>
+              <a:ext cx="388809" cy="400072"/>
+              <a:chOff x="4463716" y="2702349"/>
+              <a:chExt cx="421105" cy="425862"/>
+            </a:xfrm>
+          </p:grpSpPr>
+          <p:grpSp>
+            <p:nvGrpSpPr>
+              <p:cNvPr id="7" name="グループ化 6"/>
+              <p:cNvGrpSpPr/>
+              <p:nvPr/>
+            </p:nvGrpSpPr>
+            <p:grpSpPr>
+              <a:xfrm>
+                <a:off x="4463716" y="2702349"/>
+                <a:ext cx="421105" cy="425862"/>
+                <a:chOff x="4463716" y="2702349"/>
+                <a:chExt cx="421105" cy="425862"/>
+              </a:xfrm>
+            </p:grpSpPr>
+            <p:sp>
+              <p:nvSpPr>
+                <p:cNvPr id="10" name="正方形/長方形 9"/>
+                <p:cNvSpPr/>
+                <p:nvPr/>
+              </p:nvSpPr>
+              <p:spPr>
+                <a:xfrm>
+                  <a:off x="4463716" y="2851484"/>
+                  <a:ext cx="421105" cy="276727"/>
+                </a:xfrm>
+                <a:prstGeom prst="rect">
+                  <a:avLst/>
+                </a:prstGeom>
+                <a:blipFill>
+                  <a:blip r:embed="rId2"/>
+                  <a:tile tx="0" ty="0" sx="100000" sy="100000" flip="none" algn="tl"/>
+                </a:blipFill>
+                <a:ln w="6350" cap="flat" cmpd="sng" algn="ctr">
+                  <a:solidFill>
+                    <a:sysClr val="windowText" lastClr="000000"/>
+                  </a:solidFill>
+                  <a:prstDash val="solid"/>
+                  <a:miter lim="800000"/>
+                </a:ln>
+                <a:effectLst/>
+              </p:spPr>
+              <p:txBody>
+                <a:bodyPr rtlCol="0" anchor="ctr"/>
+                <a:lstStyle/>
+                <a:p>
+                  <a:pPr marL="0" marR="0" lvl="0" indent="0" algn="ctr" defTabSz="914400" eaLnBrk="1" fontAlgn="auto" latinLnBrk="0" hangingPunct="1">
+                    <a:lnSpc>
+                      <a:spcPct val="100000"/>
+                    </a:lnSpc>
+                    <a:spcBef>
+                      <a:spcPts val="0"/>
+                    </a:spcBef>
+                    <a:spcAft>
+                      <a:spcPts val="0"/>
+                    </a:spcAft>
+                    <a:buClrTx/>
+                    <a:buSzTx/>
+                    <a:buFontTx/>
+                    <a:buNone/>
+                    <a:tabLst/>
+                    <a:defRPr/>
+                  </a:pPr>
+                  <a:endParaRPr kumimoji="1" lang="ja-JP" altLang="en-US" sz="1800" b="0" i="0" u="none" strike="noStrike" kern="0" cap="none" spc="0" normalizeH="0" baseline="0" noProof="0" smtClean="0">
+                    <a:ln>
+                      <a:noFill/>
+                    </a:ln>
+                    <a:solidFill>
+                      <a:prstClr val="white"/>
+                    </a:solidFill>
+                    <a:effectLst/>
+                    <a:uLnTx/>
+                    <a:uFillTx/>
+                    <a:latin typeface="Calibri" panose="020F0502020204030204"/>
+                    <a:ea typeface="ＭＳ Ｐゴシック" panose="020B0600070205080204" pitchFamily="50" charset="-128"/>
+                    <a:cs typeface="+mn-cs"/>
+                  </a:endParaRPr>
+                </a:p>
+              </p:txBody>
+            </p:sp>
+            <p:sp>
+              <p:nvSpPr>
+                <p:cNvPr id="11" name="円/楕円 10"/>
+                <p:cNvSpPr/>
+                <p:nvPr/>
+              </p:nvSpPr>
+              <p:spPr>
+                <a:xfrm>
+                  <a:off x="4553576" y="2939841"/>
+                  <a:ext cx="61287" cy="67034"/>
+                </a:xfrm>
+                <a:prstGeom prst="ellipse">
+                  <a:avLst/>
+                </a:prstGeom>
+                <a:solidFill>
+                  <a:sysClr val="windowText" lastClr="000000"/>
+                </a:solidFill>
+                <a:ln w="12700" cap="flat" cmpd="sng" algn="ctr">
+                  <a:solidFill>
+                    <a:sysClr val="windowText" lastClr="000000">
+                      <a:shade val="50000"/>
+                    </a:sysClr>
+                  </a:solidFill>
+                  <a:prstDash val="solid"/>
+                  <a:miter lim="800000"/>
+                </a:ln>
+                <a:effectLst/>
+              </p:spPr>
+              <p:txBody>
+                <a:bodyPr rtlCol="0" anchor="ctr"/>
+                <a:lstStyle/>
+                <a:p>
+                  <a:pPr marL="0" marR="0" lvl="0" indent="0" algn="ctr" defTabSz="914400" eaLnBrk="1" fontAlgn="auto" latinLnBrk="0" hangingPunct="1">
+                    <a:lnSpc>
+                      <a:spcPct val="100000"/>
+                    </a:lnSpc>
+                    <a:spcBef>
+                      <a:spcPts val="0"/>
+                    </a:spcBef>
+                    <a:spcAft>
+                      <a:spcPts val="0"/>
+                    </a:spcAft>
+                    <a:buClrTx/>
+                    <a:buSzTx/>
+                    <a:buFontTx/>
+                    <a:buNone/>
+                    <a:tabLst/>
+                    <a:defRPr/>
+                  </a:pPr>
+                  <a:endParaRPr kumimoji="1" lang="ja-JP" altLang="en-US" sz="1800" b="0" i="0" u="none" strike="noStrike" kern="0" cap="none" spc="0" normalizeH="0" baseline="0" noProof="0" smtClean="0">
+                    <a:ln>
+                      <a:noFill/>
+                    </a:ln>
+                    <a:solidFill>
+                      <a:prstClr val="white"/>
+                    </a:solidFill>
+                    <a:effectLst/>
+                    <a:uLnTx/>
+                    <a:uFillTx/>
+                    <a:latin typeface="Calibri" panose="020F0502020204030204"/>
+                    <a:ea typeface="ＭＳ Ｐゴシック" panose="020B0600070205080204" pitchFamily="50" charset="-128"/>
+                    <a:cs typeface="+mn-cs"/>
+                  </a:endParaRPr>
+                </a:p>
+              </p:txBody>
+            </p:sp>
+            <p:sp>
+              <p:nvSpPr>
+                <p:cNvPr id="12" name="円/楕円 11"/>
+                <p:cNvSpPr/>
+                <p:nvPr/>
+              </p:nvSpPr>
+              <p:spPr>
+                <a:xfrm>
+                  <a:off x="4731280" y="2939841"/>
+                  <a:ext cx="63143" cy="67034"/>
+                </a:xfrm>
+                <a:prstGeom prst="ellipse">
+                  <a:avLst/>
+                </a:prstGeom>
+                <a:solidFill>
+                  <a:sysClr val="windowText" lastClr="000000"/>
+                </a:solidFill>
+                <a:ln w="12700" cap="flat" cmpd="sng" algn="ctr">
+                  <a:solidFill>
+                    <a:sysClr val="windowText" lastClr="000000">
+                      <a:shade val="50000"/>
+                    </a:sysClr>
+                  </a:solidFill>
+                  <a:prstDash val="solid"/>
+                  <a:miter lim="800000"/>
+                </a:ln>
+                <a:effectLst/>
+              </p:spPr>
+              <p:txBody>
+                <a:bodyPr rtlCol="0" anchor="ctr"/>
+                <a:lstStyle/>
+                <a:p>
+                  <a:pPr marL="0" marR="0" lvl="0" indent="0" algn="ctr" defTabSz="914400" eaLnBrk="1" fontAlgn="auto" latinLnBrk="0" hangingPunct="1">
+                    <a:lnSpc>
+                      <a:spcPct val="100000"/>
+                    </a:lnSpc>
+                    <a:spcBef>
+                      <a:spcPts val="0"/>
+                    </a:spcBef>
+                    <a:spcAft>
+                      <a:spcPts val="0"/>
+                    </a:spcAft>
+                    <a:buClrTx/>
+                    <a:buSzTx/>
+                    <a:buFontTx/>
+                    <a:buNone/>
+                    <a:tabLst/>
+                    <a:defRPr/>
+                  </a:pPr>
+                  <a:endParaRPr kumimoji="1" lang="ja-JP" altLang="en-US" sz="1800" b="0" i="0" u="none" strike="noStrike" kern="0" cap="none" spc="0" normalizeH="0" baseline="0" noProof="0" smtClean="0">
+                    <a:ln>
+                      <a:noFill/>
+                    </a:ln>
+                    <a:solidFill>
+                      <a:prstClr val="white"/>
+                    </a:solidFill>
+                    <a:effectLst/>
+                    <a:uLnTx/>
+                    <a:uFillTx/>
+                    <a:latin typeface="Calibri" panose="020F0502020204030204"/>
+                    <a:ea typeface="ＭＳ Ｐゴシック" panose="020B0600070205080204" pitchFamily="50" charset="-128"/>
+                    <a:cs typeface="+mn-cs"/>
+                  </a:endParaRPr>
+                </a:p>
+              </p:txBody>
+            </p:sp>
+            <p:sp>
+              <p:nvSpPr>
+                <p:cNvPr id="13" name="円/楕円 12"/>
+                <p:cNvSpPr/>
+                <p:nvPr/>
+              </p:nvSpPr>
+              <p:spPr>
+                <a:xfrm>
+                  <a:off x="4772973" y="2702349"/>
+                  <a:ext cx="45719" cy="45719"/>
+                </a:xfrm>
+                <a:prstGeom prst="ellipse">
+                  <a:avLst/>
+                </a:prstGeom>
+                <a:solidFill>
+                  <a:sysClr val="windowText" lastClr="000000"/>
+                </a:solidFill>
+                <a:ln w="12700" cap="flat" cmpd="sng" algn="ctr">
+                  <a:noFill/>
+                  <a:prstDash val="solid"/>
+                  <a:miter lim="800000"/>
+                </a:ln>
+                <a:effectLst/>
+              </p:spPr>
+              <p:txBody>
+                <a:bodyPr rtlCol="0" anchor="ctr"/>
+                <a:lstStyle/>
+                <a:p>
+                  <a:pPr marL="0" marR="0" lvl="0" indent="0" algn="ctr" defTabSz="914400" eaLnBrk="1" fontAlgn="auto" latinLnBrk="0" hangingPunct="1">
+                    <a:lnSpc>
+                      <a:spcPct val="100000"/>
+                    </a:lnSpc>
+                    <a:spcBef>
+                      <a:spcPts val="0"/>
+                    </a:spcBef>
+                    <a:spcAft>
+                      <a:spcPts val="0"/>
+                    </a:spcAft>
+                    <a:buClrTx/>
+                    <a:buSzTx/>
+                    <a:buFontTx/>
+                    <a:buNone/>
+                    <a:tabLst/>
+                    <a:defRPr/>
+                  </a:pPr>
+                  <a:endParaRPr kumimoji="1" lang="ja-JP" altLang="en-US" sz="1800" b="0" i="0" u="none" strike="noStrike" kern="0" cap="none" spc="0" normalizeH="0" baseline="0" noProof="0" smtClean="0">
+                    <a:ln>
+                      <a:noFill/>
+                    </a:ln>
+                    <a:solidFill>
+                      <a:prstClr val="white"/>
+                    </a:solidFill>
+                    <a:effectLst/>
+                    <a:uLnTx/>
+                    <a:uFillTx/>
+                    <a:latin typeface="Calibri" panose="020F0502020204030204"/>
+                    <a:ea typeface="ＭＳ Ｐゴシック" panose="020B0600070205080204" pitchFamily="50" charset="-128"/>
+                    <a:cs typeface="+mn-cs"/>
+                  </a:endParaRPr>
+                </a:p>
+              </p:txBody>
+            </p:sp>
+            <p:sp>
+              <p:nvSpPr>
+                <p:cNvPr id="14" name="円/楕円 13"/>
+                <p:cNvSpPr/>
+                <p:nvPr/>
+              </p:nvSpPr>
+              <p:spPr>
+                <a:xfrm>
+                  <a:off x="4530575" y="2702349"/>
+                  <a:ext cx="45719" cy="45719"/>
+                </a:xfrm>
+                <a:prstGeom prst="ellipse">
+                  <a:avLst/>
+                </a:prstGeom>
+                <a:solidFill>
+                  <a:sysClr val="windowText" lastClr="000000"/>
+                </a:solidFill>
+                <a:ln w="12700" cap="flat" cmpd="sng" algn="ctr">
+                  <a:noFill/>
+                  <a:prstDash val="solid"/>
+                  <a:miter lim="800000"/>
+                </a:ln>
+                <a:effectLst/>
+              </p:spPr>
+              <p:txBody>
+                <a:bodyPr rtlCol="0" anchor="ctr"/>
+                <a:lstStyle/>
+                <a:p>
+                  <a:pPr marL="0" marR="0" lvl="0" indent="0" algn="ctr" defTabSz="914400" eaLnBrk="1" fontAlgn="auto" latinLnBrk="0" hangingPunct="1">
+                    <a:lnSpc>
+                      <a:spcPct val="100000"/>
+                    </a:lnSpc>
+                    <a:spcBef>
+                      <a:spcPts val="0"/>
+                    </a:spcBef>
+                    <a:spcAft>
+                      <a:spcPts val="0"/>
+                    </a:spcAft>
+                    <a:buClrTx/>
+                    <a:buSzTx/>
+                    <a:buFontTx/>
+                    <a:buNone/>
+                    <a:tabLst/>
+                    <a:defRPr/>
+                  </a:pPr>
+                  <a:endParaRPr kumimoji="1" lang="ja-JP" altLang="en-US" sz="1800" b="0" i="0" u="none" strike="noStrike" kern="0" cap="none" spc="0" normalizeH="0" baseline="0" noProof="0" smtClean="0">
+                    <a:ln>
+                      <a:noFill/>
+                    </a:ln>
+                    <a:solidFill>
+                      <a:prstClr val="white"/>
+                    </a:solidFill>
+                    <a:effectLst/>
+                    <a:uLnTx/>
+                    <a:uFillTx/>
+                    <a:latin typeface="Calibri" panose="020F0502020204030204"/>
+                    <a:ea typeface="ＭＳ Ｐゴシック" panose="020B0600070205080204" pitchFamily="50" charset="-128"/>
+                    <a:cs typeface="+mn-cs"/>
+                  </a:endParaRPr>
+                </a:p>
+              </p:txBody>
+            </p:sp>
+          </p:grpSp>
+          <p:cxnSp>
+            <p:nvCxnSpPr>
+              <p:cNvPr id="8" name="直線コネクタ 7"/>
+              <p:cNvCxnSpPr>
+                <a:stCxn id="13" idx="4"/>
+              </p:cNvCxnSpPr>
+              <p:nvPr/>
+            </p:nvCxnSpPr>
+            <p:spPr>
+              <a:xfrm flipH="1">
+                <a:off x="4794423" y="2748068"/>
+                <a:ext cx="1410" cy="104578"/>
+              </a:xfrm>
+              <a:prstGeom prst="line">
+                <a:avLst/>
+              </a:prstGeom>
+              <a:noFill/>
+              <a:ln w="6350" cap="flat" cmpd="sng" algn="ctr">
+                <a:solidFill>
+                  <a:sysClr val="windowText" lastClr="000000"/>
+                </a:solidFill>
+                <a:prstDash val="solid"/>
+                <a:miter lim="800000"/>
+              </a:ln>
+              <a:effectLst/>
+            </p:spPr>
+          </p:cxnSp>
+          <p:cxnSp>
+            <p:nvCxnSpPr>
+              <p:cNvPr id="9" name="直線コネクタ 8"/>
+              <p:cNvCxnSpPr>
+                <a:stCxn id="14" idx="4"/>
+              </p:cNvCxnSpPr>
+              <p:nvPr/>
+            </p:nvCxnSpPr>
+            <p:spPr>
+              <a:xfrm flipH="1">
+                <a:off x="4553434" y="2748068"/>
+                <a:ext cx="1" cy="103416"/>
+              </a:xfrm>
+              <a:prstGeom prst="line">
+                <a:avLst/>
+              </a:prstGeom>
+              <a:noFill/>
+              <a:ln w="6350" cap="flat" cmpd="sng" algn="ctr">
+                <a:solidFill>
+                  <a:sysClr val="windowText" lastClr="000000"/>
+                </a:solidFill>
+                <a:prstDash val="solid"/>
+                <a:miter lim="800000"/>
+              </a:ln>
+              <a:effectLst/>
+            </p:spPr>
+          </p:cxnSp>
+        </p:grpSp>
+        <p:sp>
+          <p:nvSpPr>
+            <p:cNvPr id="15" name="テキスト ボックス 14"/>
+            <p:cNvSpPr txBox="1"/>
+            <p:nvPr/>
+          </p:nvSpPr>
+          <p:spPr>
+            <a:xfrm>
+              <a:off x="2440704" y="1531772"/>
+              <a:ext cx="1354858" cy="584775"/>
+            </a:xfrm>
+            <a:prstGeom prst="rect">
+              <a:avLst/>
+            </a:prstGeom>
+            <a:noFill/>
+          </p:spPr>
+          <p:txBody>
+            <a:bodyPr wrap="none" rtlCol="0">
+              <a:spAutoFit/>
+            </a:bodyPr>
+            <a:lstStyle/>
+            <a:p>
+              <a:r>
+                <a:rPr kumimoji="1" lang="en-US" altLang="ja-JP" sz="3200" dirty="0" smtClean="0"/>
+                <a:t>GitHu</a:t>
+              </a:r>
+              <a:r>
+                <a:rPr kumimoji="1" lang="en-US" altLang="ja-JP" sz="3200" dirty="0"/>
+                <a:t>b</a:t>
+              </a:r>
+              <a:endParaRPr kumimoji="1" lang="ja-JP" altLang="en-US" sz="3200" dirty="0"/>
+            </a:p>
+          </p:txBody>
+        </p:sp>
+      </p:grpSp>
+      <p:sp>
+        <p:nvSpPr>
+          <p:cNvPr id="43" name="テキスト ボックス 42"/>
+          <p:cNvSpPr txBox="1"/>
+          <p:nvPr/>
+        </p:nvSpPr>
+        <p:spPr>
+          <a:xfrm>
+            <a:off x="1301323" y="1976871"/>
+            <a:ext cx="5828840" cy="461665"/>
+          </a:xfrm>
+          <a:prstGeom prst="rect">
+            <a:avLst/>
+          </a:prstGeom>
+          <a:noFill/>
+        </p:spPr>
+        <p:txBody>
+          <a:bodyPr wrap="none" rtlCol="0">
+            <a:spAutoFit/>
+          </a:bodyPr>
+          <a:lstStyle/>
+          <a:p>
+            <a:r>
+              <a:rPr kumimoji="1" lang="en-US" altLang="ja-JP" sz="2400" dirty="0" smtClean="0"/>
+              <a:t>Unity</a:t>
+            </a:r>
+            <a:r>
+              <a:rPr kumimoji="1" lang="ja-JP" altLang="en-US" sz="2400" dirty="0" smtClean="0"/>
+              <a:t>データの保存とアイディア共有に使用。</a:t>
+            </a:r>
+            <a:endParaRPr kumimoji="1" lang="ja-JP" altLang="en-US" sz="2400" dirty="0"/>
+          </a:p>
+        </p:txBody>
+      </p:sp>
+      <p:sp>
+        <p:nvSpPr>
+          <p:cNvPr id="44" name="テキスト ボックス 43"/>
+          <p:cNvSpPr txBox="1"/>
+          <p:nvPr/>
+        </p:nvSpPr>
+        <p:spPr>
+          <a:xfrm>
+            <a:off x="1301323" y="3421916"/>
+            <a:ext cx="8238126" cy="461665"/>
+          </a:xfrm>
+          <a:prstGeom prst="rect">
+            <a:avLst/>
+          </a:prstGeom>
+          <a:noFill/>
+        </p:spPr>
+        <p:txBody>
+          <a:bodyPr wrap="square" rtlCol="0">
+            <a:spAutoFit/>
+          </a:bodyPr>
+          <a:lstStyle/>
+          <a:p>
+            <a:r>
+              <a:rPr kumimoji="1" lang="ja-JP" altLang="en-US" sz="2400" dirty="0" smtClean="0"/>
+              <a:t>かんば</a:t>
+            </a:r>
+            <a:r>
+              <a:rPr kumimoji="1" lang="ja-JP" altLang="en-US" sz="2400" dirty="0"/>
+              <a:t>ん</a:t>
+            </a:r>
+            <a:r>
+              <a:rPr kumimoji="1" lang="ja-JP" altLang="en-US" sz="2400" dirty="0" smtClean="0"/>
+              <a:t>管理をするため、無料タスク管理ツールを使用。</a:t>
+            </a:r>
+            <a:endParaRPr kumimoji="1" lang="ja-JP" altLang="en-US" sz="2400" dirty="0"/>
+          </a:p>
+        </p:txBody>
+      </p:sp>
+      <p:grpSp>
+        <p:nvGrpSpPr>
+          <p:cNvPr id="42" name="グループ化 41"/>
+          <p:cNvGrpSpPr/>
+          <p:nvPr/>
+        </p:nvGrpSpPr>
+        <p:grpSpPr>
+          <a:xfrm>
+            <a:off x="1090731" y="2681098"/>
+            <a:ext cx="1957605" cy="584775"/>
+            <a:chOff x="1621246" y="1531772"/>
+            <a:chExt cx="1807120" cy="584775"/>
+          </a:xfrm>
+        </p:grpSpPr>
+        <p:grpSp>
+          <p:nvGrpSpPr>
+            <p:cNvPr id="45" name="グループ化 44"/>
+            <p:cNvGrpSpPr/>
+            <p:nvPr/>
+          </p:nvGrpSpPr>
+          <p:grpSpPr>
+            <a:xfrm>
+              <a:off x="1621246" y="1624123"/>
+              <a:ext cx="388809" cy="400072"/>
+              <a:chOff x="4463716" y="2702349"/>
+              <a:chExt cx="421105" cy="425862"/>
+            </a:xfrm>
+          </p:grpSpPr>
+          <p:grpSp>
+            <p:nvGrpSpPr>
+              <p:cNvPr id="47" name="グループ化 46"/>
+              <p:cNvGrpSpPr/>
+              <p:nvPr/>
+            </p:nvGrpSpPr>
+            <p:grpSpPr>
+              <a:xfrm>
+                <a:off x="4463716" y="2702349"/>
+                <a:ext cx="421105" cy="425862"/>
+                <a:chOff x="4463716" y="2702349"/>
+                <a:chExt cx="421105" cy="425862"/>
+              </a:xfrm>
+            </p:grpSpPr>
+            <p:sp>
+              <p:nvSpPr>
+                <p:cNvPr id="50" name="正方形/長方形 49"/>
+                <p:cNvSpPr/>
+                <p:nvPr/>
+              </p:nvSpPr>
+              <p:spPr>
+                <a:xfrm>
+                  <a:off x="4463716" y="2851484"/>
+                  <a:ext cx="421105" cy="276727"/>
+                </a:xfrm>
+                <a:prstGeom prst="rect">
+                  <a:avLst/>
+                </a:prstGeom>
+                <a:blipFill>
+                  <a:blip r:embed="rId2"/>
+                  <a:tile tx="0" ty="0" sx="100000" sy="100000" flip="none" algn="tl"/>
+                </a:blipFill>
+                <a:ln w="6350" cap="flat" cmpd="sng" algn="ctr">
+                  <a:solidFill>
+                    <a:sysClr val="windowText" lastClr="000000"/>
+                  </a:solidFill>
+                  <a:prstDash val="solid"/>
+                  <a:miter lim="800000"/>
+                </a:ln>
+                <a:effectLst/>
+              </p:spPr>
+              <p:txBody>
+                <a:bodyPr rtlCol="0" anchor="ctr"/>
+                <a:lstStyle/>
+                <a:p>
+                  <a:pPr marL="0" marR="0" lvl="0" indent="0" algn="ctr" defTabSz="914400" eaLnBrk="1" fontAlgn="auto" latinLnBrk="0" hangingPunct="1">
+                    <a:lnSpc>
+                      <a:spcPct val="100000"/>
+                    </a:lnSpc>
+                    <a:spcBef>
+                      <a:spcPts val="0"/>
+                    </a:spcBef>
+                    <a:spcAft>
+                      <a:spcPts val="0"/>
+                    </a:spcAft>
+                    <a:buClrTx/>
+                    <a:buSzTx/>
+                    <a:buFontTx/>
+                    <a:buNone/>
+                    <a:tabLst/>
+                    <a:defRPr/>
+                  </a:pPr>
+                  <a:endParaRPr kumimoji="1" lang="ja-JP" altLang="en-US" sz="1800" b="0" i="0" u="none" strike="noStrike" kern="0" cap="none" spc="0" normalizeH="0" baseline="0" noProof="0" smtClean="0">
+                    <a:ln>
+                      <a:noFill/>
+                    </a:ln>
+                    <a:solidFill>
+                      <a:prstClr val="white"/>
+                    </a:solidFill>
+                    <a:effectLst/>
+                    <a:uLnTx/>
+                    <a:uFillTx/>
+                    <a:latin typeface="Calibri" panose="020F0502020204030204"/>
+                    <a:ea typeface="ＭＳ Ｐゴシック" panose="020B0600070205080204" pitchFamily="50" charset="-128"/>
+                    <a:cs typeface="+mn-cs"/>
+                  </a:endParaRPr>
+                </a:p>
+              </p:txBody>
+            </p:sp>
+            <p:sp>
+              <p:nvSpPr>
+                <p:cNvPr id="51" name="円/楕円 50"/>
+                <p:cNvSpPr/>
+                <p:nvPr/>
+              </p:nvSpPr>
+              <p:spPr>
+                <a:xfrm>
+                  <a:off x="4553576" y="2939841"/>
+                  <a:ext cx="61287" cy="67034"/>
+                </a:xfrm>
+                <a:prstGeom prst="ellipse">
+                  <a:avLst/>
+                </a:prstGeom>
+                <a:solidFill>
+                  <a:sysClr val="windowText" lastClr="000000"/>
+                </a:solidFill>
+                <a:ln w="12700" cap="flat" cmpd="sng" algn="ctr">
+                  <a:solidFill>
+                    <a:sysClr val="windowText" lastClr="000000">
+                      <a:shade val="50000"/>
+                    </a:sysClr>
+                  </a:solidFill>
+                  <a:prstDash val="solid"/>
+                  <a:miter lim="800000"/>
+                </a:ln>
+                <a:effectLst/>
+              </p:spPr>
+              <p:txBody>
+                <a:bodyPr rtlCol="0" anchor="ctr"/>
+                <a:lstStyle/>
+                <a:p>
+                  <a:pPr marL="0" marR="0" lvl="0" indent="0" algn="ctr" defTabSz="914400" eaLnBrk="1" fontAlgn="auto" latinLnBrk="0" hangingPunct="1">
+                    <a:lnSpc>
+                      <a:spcPct val="100000"/>
+                    </a:lnSpc>
+                    <a:spcBef>
+                      <a:spcPts val="0"/>
+                    </a:spcBef>
+                    <a:spcAft>
+                      <a:spcPts val="0"/>
+                    </a:spcAft>
+                    <a:buClrTx/>
+                    <a:buSzTx/>
+                    <a:buFontTx/>
+                    <a:buNone/>
+                    <a:tabLst/>
+                    <a:defRPr/>
+                  </a:pPr>
+                  <a:endParaRPr kumimoji="1" lang="ja-JP" altLang="en-US" sz="1800" b="0" i="0" u="none" strike="noStrike" kern="0" cap="none" spc="0" normalizeH="0" baseline="0" noProof="0" smtClean="0">
+                    <a:ln>
+                      <a:noFill/>
+                    </a:ln>
+                    <a:solidFill>
+                      <a:prstClr val="white"/>
+                    </a:solidFill>
+                    <a:effectLst/>
+                    <a:uLnTx/>
+                    <a:uFillTx/>
+                    <a:latin typeface="Calibri" panose="020F0502020204030204"/>
+                    <a:ea typeface="ＭＳ Ｐゴシック" panose="020B0600070205080204" pitchFamily="50" charset="-128"/>
+                    <a:cs typeface="+mn-cs"/>
+                  </a:endParaRPr>
+                </a:p>
+              </p:txBody>
+            </p:sp>
+            <p:sp>
+              <p:nvSpPr>
+                <p:cNvPr id="52" name="円/楕円 51"/>
+                <p:cNvSpPr/>
+                <p:nvPr/>
+              </p:nvSpPr>
+              <p:spPr>
+                <a:xfrm>
+                  <a:off x="4731280" y="2939841"/>
+                  <a:ext cx="63143" cy="67034"/>
+                </a:xfrm>
+                <a:prstGeom prst="ellipse">
+                  <a:avLst/>
+                </a:prstGeom>
+                <a:solidFill>
+                  <a:sysClr val="windowText" lastClr="000000"/>
+                </a:solidFill>
+                <a:ln w="12700" cap="flat" cmpd="sng" algn="ctr">
+                  <a:solidFill>
+                    <a:sysClr val="windowText" lastClr="000000">
+                      <a:shade val="50000"/>
+                    </a:sysClr>
+                  </a:solidFill>
+                  <a:prstDash val="solid"/>
+                  <a:miter lim="800000"/>
+                </a:ln>
+                <a:effectLst/>
+              </p:spPr>
+              <p:txBody>
+                <a:bodyPr rtlCol="0" anchor="ctr"/>
+                <a:lstStyle/>
+                <a:p>
+                  <a:pPr marL="0" marR="0" lvl="0" indent="0" algn="ctr" defTabSz="914400" eaLnBrk="1" fontAlgn="auto" latinLnBrk="0" hangingPunct="1">
+                    <a:lnSpc>
+                      <a:spcPct val="100000"/>
+                    </a:lnSpc>
+                    <a:spcBef>
+                      <a:spcPts val="0"/>
+                    </a:spcBef>
+                    <a:spcAft>
+                      <a:spcPts val="0"/>
+                    </a:spcAft>
+                    <a:buClrTx/>
+                    <a:buSzTx/>
+                    <a:buFontTx/>
+                    <a:buNone/>
+                    <a:tabLst/>
+                    <a:defRPr/>
+                  </a:pPr>
+                  <a:endParaRPr kumimoji="1" lang="ja-JP" altLang="en-US" sz="1800" b="0" i="0" u="none" strike="noStrike" kern="0" cap="none" spc="0" normalizeH="0" baseline="0" noProof="0" smtClean="0">
+                    <a:ln>
+                      <a:noFill/>
+                    </a:ln>
+                    <a:solidFill>
+                      <a:prstClr val="white"/>
+                    </a:solidFill>
+                    <a:effectLst/>
+                    <a:uLnTx/>
+                    <a:uFillTx/>
+                    <a:latin typeface="Calibri" panose="020F0502020204030204"/>
+                    <a:ea typeface="ＭＳ Ｐゴシック" panose="020B0600070205080204" pitchFamily="50" charset="-128"/>
+                    <a:cs typeface="+mn-cs"/>
+                  </a:endParaRPr>
+                </a:p>
+              </p:txBody>
+            </p:sp>
+            <p:sp>
+              <p:nvSpPr>
+                <p:cNvPr id="53" name="円/楕円 52"/>
+                <p:cNvSpPr/>
+                <p:nvPr/>
+              </p:nvSpPr>
+              <p:spPr>
+                <a:xfrm>
+                  <a:off x="4772973" y="2702349"/>
+                  <a:ext cx="45719" cy="45719"/>
+                </a:xfrm>
+                <a:prstGeom prst="ellipse">
+                  <a:avLst/>
+                </a:prstGeom>
+                <a:solidFill>
+                  <a:sysClr val="windowText" lastClr="000000"/>
+                </a:solidFill>
+                <a:ln w="12700" cap="flat" cmpd="sng" algn="ctr">
+                  <a:noFill/>
+                  <a:prstDash val="solid"/>
+                  <a:miter lim="800000"/>
+                </a:ln>
+                <a:effectLst/>
+              </p:spPr>
+              <p:txBody>
+                <a:bodyPr rtlCol="0" anchor="ctr"/>
+                <a:lstStyle/>
+                <a:p>
+                  <a:pPr marL="0" marR="0" lvl="0" indent="0" algn="ctr" defTabSz="914400" eaLnBrk="1" fontAlgn="auto" latinLnBrk="0" hangingPunct="1">
+                    <a:lnSpc>
+                      <a:spcPct val="100000"/>
+                    </a:lnSpc>
+                    <a:spcBef>
+                      <a:spcPts val="0"/>
+                    </a:spcBef>
+                    <a:spcAft>
+                      <a:spcPts val="0"/>
+                    </a:spcAft>
+                    <a:buClrTx/>
+                    <a:buSzTx/>
+                    <a:buFontTx/>
+                    <a:buNone/>
+                    <a:tabLst/>
+                    <a:defRPr/>
+                  </a:pPr>
+                  <a:endParaRPr kumimoji="1" lang="ja-JP" altLang="en-US" sz="1800" b="0" i="0" u="none" strike="noStrike" kern="0" cap="none" spc="0" normalizeH="0" baseline="0" noProof="0" smtClean="0">
+                    <a:ln>
+                      <a:noFill/>
+                    </a:ln>
+                    <a:solidFill>
+                      <a:prstClr val="white"/>
+                    </a:solidFill>
+                    <a:effectLst/>
+                    <a:uLnTx/>
+                    <a:uFillTx/>
+                    <a:latin typeface="Calibri" panose="020F0502020204030204"/>
+                    <a:ea typeface="ＭＳ Ｐゴシック" panose="020B0600070205080204" pitchFamily="50" charset="-128"/>
+                    <a:cs typeface="+mn-cs"/>
+                  </a:endParaRPr>
+                </a:p>
+              </p:txBody>
+            </p:sp>
+            <p:sp>
+              <p:nvSpPr>
+                <p:cNvPr id="54" name="円/楕円 53"/>
+                <p:cNvSpPr/>
+                <p:nvPr/>
+              </p:nvSpPr>
+              <p:spPr>
+                <a:xfrm>
+                  <a:off x="4530575" y="2702349"/>
+                  <a:ext cx="45719" cy="45719"/>
+                </a:xfrm>
+                <a:prstGeom prst="ellipse">
+                  <a:avLst/>
+                </a:prstGeom>
+                <a:solidFill>
+                  <a:sysClr val="windowText" lastClr="000000"/>
+                </a:solidFill>
+                <a:ln w="12700" cap="flat" cmpd="sng" algn="ctr">
+                  <a:noFill/>
+                  <a:prstDash val="solid"/>
+                  <a:miter lim="800000"/>
+                </a:ln>
+                <a:effectLst/>
+              </p:spPr>
+              <p:txBody>
+                <a:bodyPr rtlCol="0" anchor="ctr"/>
+                <a:lstStyle/>
+                <a:p>
+                  <a:pPr marL="0" marR="0" lvl="0" indent="0" algn="ctr" defTabSz="914400" eaLnBrk="1" fontAlgn="auto" latinLnBrk="0" hangingPunct="1">
+                    <a:lnSpc>
+                      <a:spcPct val="100000"/>
+                    </a:lnSpc>
+                    <a:spcBef>
+                      <a:spcPts val="0"/>
+                    </a:spcBef>
+                    <a:spcAft>
+                      <a:spcPts val="0"/>
+                    </a:spcAft>
+                    <a:buClrTx/>
+                    <a:buSzTx/>
+                    <a:buFontTx/>
+                    <a:buNone/>
+                    <a:tabLst/>
+                    <a:defRPr/>
+                  </a:pPr>
+                  <a:endParaRPr kumimoji="1" lang="ja-JP" altLang="en-US" sz="1800" b="0" i="0" u="none" strike="noStrike" kern="0" cap="none" spc="0" normalizeH="0" baseline="0" noProof="0" smtClean="0">
+                    <a:ln>
+                      <a:noFill/>
+                    </a:ln>
+                    <a:solidFill>
+                      <a:prstClr val="white"/>
+                    </a:solidFill>
+                    <a:effectLst/>
+                    <a:uLnTx/>
+                    <a:uFillTx/>
+                    <a:latin typeface="Calibri" panose="020F0502020204030204"/>
+                    <a:ea typeface="ＭＳ Ｐゴシック" panose="020B0600070205080204" pitchFamily="50" charset="-128"/>
+                    <a:cs typeface="+mn-cs"/>
+                  </a:endParaRPr>
+                </a:p>
+              </p:txBody>
+            </p:sp>
+          </p:grpSp>
+          <p:cxnSp>
+            <p:nvCxnSpPr>
+              <p:cNvPr id="48" name="直線コネクタ 47"/>
+              <p:cNvCxnSpPr>
+                <a:stCxn id="53" idx="4"/>
+              </p:cNvCxnSpPr>
+              <p:nvPr/>
+            </p:nvCxnSpPr>
+            <p:spPr>
+              <a:xfrm flipH="1">
+                <a:off x="4794423" y="2748068"/>
+                <a:ext cx="1410" cy="104578"/>
+              </a:xfrm>
+              <a:prstGeom prst="line">
+                <a:avLst/>
+              </a:prstGeom>
+              <a:noFill/>
+              <a:ln w="6350" cap="flat" cmpd="sng" algn="ctr">
+                <a:solidFill>
+                  <a:sysClr val="windowText" lastClr="000000"/>
+                </a:solidFill>
+                <a:prstDash val="solid"/>
+                <a:miter lim="800000"/>
+              </a:ln>
+              <a:effectLst/>
+            </p:spPr>
+          </p:cxnSp>
+          <p:cxnSp>
+            <p:nvCxnSpPr>
+              <p:cNvPr id="49" name="直線コネクタ 48"/>
+              <p:cNvCxnSpPr>
+                <a:stCxn id="54" idx="4"/>
+              </p:cNvCxnSpPr>
+              <p:nvPr/>
+            </p:nvCxnSpPr>
+            <p:spPr>
+              <a:xfrm flipH="1">
+                <a:off x="4553434" y="2748068"/>
+                <a:ext cx="1" cy="103416"/>
+              </a:xfrm>
+              <a:prstGeom prst="line">
+                <a:avLst/>
+              </a:prstGeom>
+              <a:noFill/>
+              <a:ln w="6350" cap="flat" cmpd="sng" algn="ctr">
+                <a:solidFill>
+                  <a:sysClr val="windowText" lastClr="000000"/>
+                </a:solidFill>
+                <a:prstDash val="solid"/>
+                <a:miter lim="800000"/>
+              </a:ln>
+              <a:effectLst/>
+            </p:spPr>
+          </p:cxnSp>
+        </p:grpSp>
+        <p:sp>
+          <p:nvSpPr>
+            <p:cNvPr id="46" name="テキスト ボックス 45"/>
+            <p:cNvSpPr txBox="1"/>
+            <p:nvPr/>
+          </p:nvSpPr>
+          <p:spPr>
+            <a:xfrm>
+              <a:off x="2440704" y="1531772"/>
+              <a:ext cx="987662" cy="584775"/>
+            </a:xfrm>
+            <a:prstGeom prst="rect">
+              <a:avLst/>
+            </a:prstGeom>
+            <a:noFill/>
+          </p:spPr>
+          <p:txBody>
+            <a:bodyPr wrap="none" rtlCol="0">
+              <a:spAutoFit/>
+            </a:bodyPr>
+            <a:lstStyle/>
+            <a:p>
+              <a:r>
+                <a:rPr kumimoji="1" lang="en-US" altLang="ja-JP" sz="3200" dirty="0" smtClean="0"/>
+                <a:t>Trell</a:t>
+              </a:r>
+              <a:r>
+                <a:rPr kumimoji="1" lang="en-US" altLang="ja-JP" sz="3200" dirty="0"/>
+                <a:t>o</a:t>
+              </a:r>
+              <a:endParaRPr kumimoji="1" lang="ja-JP" altLang="en-US" sz="3200" dirty="0"/>
+            </a:p>
+          </p:txBody>
+        </p:sp>
+      </p:grpSp>
+      <p:grpSp>
+        <p:nvGrpSpPr>
+          <p:cNvPr id="55" name="グループ化 54"/>
+          <p:cNvGrpSpPr/>
+          <p:nvPr/>
+        </p:nvGrpSpPr>
+        <p:grpSpPr>
+          <a:xfrm>
+            <a:off x="1090732" y="4224052"/>
+            <a:ext cx="1939780" cy="584775"/>
+            <a:chOff x="1621246" y="1531772"/>
+            <a:chExt cx="1790666" cy="584775"/>
+          </a:xfrm>
+        </p:grpSpPr>
+        <p:grpSp>
+          <p:nvGrpSpPr>
+            <p:cNvPr id="56" name="グループ化 55"/>
+            <p:cNvGrpSpPr/>
+            <p:nvPr/>
+          </p:nvGrpSpPr>
+          <p:grpSpPr>
+            <a:xfrm>
+              <a:off x="1621246" y="1624123"/>
+              <a:ext cx="388809" cy="400072"/>
+              <a:chOff x="4463716" y="2702349"/>
+              <a:chExt cx="421105" cy="425862"/>
+            </a:xfrm>
+          </p:grpSpPr>
+          <p:grpSp>
+            <p:nvGrpSpPr>
+              <p:cNvPr id="58" name="グループ化 57"/>
+              <p:cNvGrpSpPr/>
+              <p:nvPr/>
+            </p:nvGrpSpPr>
+            <p:grpSpPr>
+              <a:xfrm>
+                <a:off x="4463716" y="2702349"/>
+                <a:ext cx="421105" cy="425862"/>
+                <a:chOff x="4463716" y="2702349"/>
+                <a:chExt cx="421105" cy="425862"/>
+              </a:xfrm>
+            </p:grpSpPr>
+            <p:sp>
+              <p:nvSpPr>
+                <p:cNvPr id="61" name="正方形/長方形 60"/>
+                <p:cNvSpPr/>
+                <p:nvPr/>
+              </p:nvSpPr>
+              <p:spPr>
+                <a:xfrm>
+                  <a:off x="4463716" y="2851484"/>
+                  <a:ext cx="421105" cy="276727"/>
+                </a:xfrm>
+                <a:prstGeom prst="rect">
+                  <a:avLst/>
+                </a:prstGeom>
+                <a:blipFill>
+                  <a:blip r:embed="rId2"/>
+                  <a:tile tx="0" ty="0" sx="100000" sy="100000" flip="none" algn="tl"/>
+                </a:blipFill>
+                <a:ln w="6350" cap="flat" cmpd="sng" algn="ctr">
+                  <a:solidFill>
+                    <a:sysClr val="windowText" lastClr="000000"/>
+                  </a:solidFill>
+                  <a:prstDash val="solid"/>
+                  <a:miter lim="800000"/>
+                </a:ln>
+                <a:effectLst/>
+              </p:spPr>
+              <p:txBody>
+                <a:bodyPr rtlCol="0" anchor="ctr"/>
+                <a:lstStyle/>
+                <a:p>
+                  <a:pPr marL="0" marR="0" lvl="0" indent="0" algn="ctr" defTabSz="914400" eaLnBrk="1" fontAlgn="auto" latinLnBrk="0" hangingPunct="1">
+                    <a:lnSpc>
+                      <a:spcPct val="100000"/>
+                    </a:lnSpc>
+                    <a:spcBef>
+                      <a:spcPts val="0"/>
+                    </a:spcBef>
+                    <a:spcAft>
+                      <a:spcPts val="0"/>
+                    </a:spcAft>
+                    <a:buClrTx/>
+                    <a:buSzTx/>
+                    <a:buFontTx/>
+                    <a:buNone/>
+                    <a:tabLst/>
+                    <a:defRPr/>
+                  </a:pPr>
+                  <a:endParaRPr kumimoji="1" lang="ja-JP" altLang="en-US" sz="1800" b="0" i="0" u="none" strike="noStrike" kern="0" cap="none" spc="0" normalizeH="0" baseline="0" noProof="0" smtClean="0">
+                    <a:ln>
+                      <a:noFill/>
+                    </a:ln>
+                    <a:solidFill>
+                      <a:prstClr val="white"/>
+                    </a:solidFill>
+                    <a:effectLst/>
+                    <a:uLnTx/>
+                    <a:uFillTx/>
+                    <a:latin typeface="Calibri" panose="020F0502020204030204"/>
+                    <a:ea typeface="ＭＳ Ｐゴシック" panose="020B0600070205080204" pitchFamily="50" charset="-128"/>
+                    <a:cs typeface="+mn-cs"/>
+                  </a:endParaRPr>
+                </a:p>
+              </p:txBody>
+            </p:sp>
+            <p:sp>
+              <p:nvSpPr>
+                <p:cNvPr id="62" name="円/楕円 61"/>
+                <p:cNvSpPr/>
+                <p:nvPr/>
+              </p:nvSpPr>
+              <p:spPr>
+                <a:xfrm>
+                  <a:off x="4553576" y="2939841"/>
+                  <a:ext cx="61287" cy="67034"/>
+                </a:xfrm>
+                <a:prstGeom prst="ellipse">
+                  <a:avLst/>
+                </a:prstGeom>
+                <a:solidFill>
+                  <a:sysClr val="windowText" lastClr="000000"/>
+                </a:solidFill>
+                <a:ln w="12700" cap="flat" cmpd="sng" algn="ctr">
+                  <a:solidFill>
+                    <a:sysClr val="windowText" lastClr="000000">
+                      <a:shade val="50000"/>
+                    </a:sysClr>
+                  </a:solidFill>
+                  <a:prstDash val="solid"/>
+                  <a:miter lim="800000"/>
+                </a:ln>
+                <a:effectLst/>
+              </p:spPr>
+              <p:txBody>
+                <a:bodyPr rtlCol="0" anchor="ctr"/>
+                <a:lstStyle/>
+                <a:p>
+                  <a:pPr marL="0" marR="0" lvl="0" indent="0" algn="ctr" defTabSz="914400" eaLnBrk="1" fontAlgn="auto" latinLnBrk="0" hangingPunct="1">
+                    <a:lnSpc>
+                      <a:spcPct val="100000"/>
+                    </a:lnSpc>
+                    <a:spcBef>
+                      <a:spcPts val="0"/>
+                    </a:spcBef>
+                    <a:spcAft>
+                      <a:spcPts val="0"/>
+                    </a:spcAft>
+                    <a:buClrTx/>
+                    <a:buSzTx/>
+                    <a:buFontTx/>
+                    <a:buNone/>
+                    <a:tabLst/>
+                    <a:defRPr/>
+                  </a:pPr>
+                  <a:endParaRPr kumimoji="1" lang="ja-JP" altLang="en-US" sz="1800" b="0" i="0" u="none" strike="noStrike" kern="0" cap="none" spc="0" normalizeH="0" baseline="0" noProof="0" smtClean="0">
+                    <a:ln>
+                      <a:noFill/>
+                    </a:ln>
+                    <a:solidFill>
+                      <a:prstClr val="white"/>
+                    </a:solidFill>
+                    <a:effectLst/>
+                    <a:uLnTx/>
+                    <a:uFillTx/>
+                    <a:latin typeface="Calibri" panose="020F0502020204030204"/>
+                    <a:ea typeface="ＭＳ Ｐゴシック" panose="020B0600070205080204" pitchFamily="50" charset="-128"/>
+                    <a:cs typeface="+mn-cs"/>
+                  </a:endParaRPr>
+                </a:p>
+              </p:txBody>
+            </p:sp>
+            <p:sp>
+              <p:nvSpPr>
+                <p:cNvPr id="63" name="円/楕円 62"/>
+                <p:cNvSpPr/>
+                <p:nvPr/>
+              </p:nvSpPr>
+              <p:spPr>
+                <a:xfrm>
+                  <a:off x="4731280" y="2939841"/>
+                  <a:ext cx="63143" cy="67034"/>
+                </a:xfrm>
+                <a:prstGeom prst="ellipse">
+                  <a:avLst/>
+                </a:prstGeom>
+                <a:solidFill>
+                  <a:sysClr val="windowText" lastClr="000000"/>
+                </a:solidFill>
+                <a:ln w="12700" cap="flat" cmpd="sng" algn="ctr">
+                  <a:solidFill>
+                    <a:sysClr val="windowText" lastClr="000000">
+                      <a:shade val="50000"/>
+                    </a:sysClr>
+                  </a:solidFill>
+                  <a:prstDash val="solid"/>
+                  <a:miter lim="800000"/>
+                </a:ln>
+                <a:effectLst/>
+              </p:spPr>
+              <p:txBody>
+                <a:bodyPr rtlCol="0" anchor="ctr"/>
+                <a:lstStyle/>
+                <a:p>
+                  <a:pPr marL="0" marR="0" lvl="0" indent="0" algn="ctr" defTabSz="914400" eaLnBrk="1" fontAlgn="auto" latinLnBrk="0" hangingPunct="1">
+                    <a:lnSpc>
+                      <a:spcPct val="100000"/>
+                    </a:lnSpc>
+                    <a:spcBef>
+                      <a:spcPts val="0"/>
+                    </a:spcBef>
+                    <a:spcAft>
+                      <a:spcPts val="0"/>
+                    </a:spcAft>
+                    <a:buClrTx/>
+                    <a:buSzTx/>
+                    <a:buFontTx/>
+                    <a:buNone/>
+                    <a:tabLst/>
+                    <a:defRPr/>
+                  </a:pPr>
+                  <a:endParaRPr kumimoji="1" lang="ja-JP" altLang="en-US" sz="1800" b="0" i="0" u="none" strike="noStrike" kern="0" cap="none" spc="0" normalizeH="0" baseline="0" noProof="0" smtClean="0">
+                    <a:ln>
+                      <a:noFill/>
+                    </a:ln>
+                    <a:solidFill>
+                      <a:prstClr val="white"/>
+                    </a:solidFill>
+                    <a:effectLst/>
+                    <a:uLnTx/>
+                    <a:uFillTx/>
+                    <a:latin typeface="Calibri" panose="020F0502020204030204"/>
+                    <a:ea typeface="ＭＳ Ｐゴシック" panose="020B0600070205080204" pitchFamily="50" charset="-128"/>
+                    <a:cs typeface="+mn-cs"/>
+                  </a:endParaRPr>
+                </a:p>
+              </p:txBody>
+            </p:sp>
+            <p:sp>
+              <p:nvSpPr>
+                <p:cNvPr id="64" name="円/楕円 63"/>
+                <p:cNvSpPr/>
+                <p:nvPr/>
+              </p:nvSpPr>
+              <p:spPr>
+                <a:xfrm>
+                  <a:off x="4772973" y="2702349"/>
+                  <a:ext cx="45719" cy="45719"/>
+                </a:xfrm>
+                <a:prstGeom prst="ellipse">
+                  <a:avLst/>
+                </a:prstGeom>
+                <a:solidFill>
+                  <a:sysClr val="windowText" lastClr="000000"/>
+                </a:solidFill>
+                <a:ln w="12700" cap="flat" cmpd="sng" algn="ctr">
+                  <a:noFill/>
+                  <a:prstDash val="solid"/>
+                  <a:miter lim="800000"/>
+                </a:ln>
+                <a:effectLst/>
+              </p:spPr>
+              <p:txBody>
+                <a:bodyPr rtlCol="0" anchor="ctr"/>
+                <a:lstStyle/>
+                <a:p>
+                  <a:pPr marL="0" marR="0" lvl="0" indent="0" algn="ctr" defTabSz="914400" eaLnBrk="1" fontAlgn="auto" latinLnBrk="0" hangingPunct="1">
+                    <a:lnSpc>
+                      <a:spcPct val="100000"/>
+                    </a:lnSpc>
+                    <a:spcBef>
+                      <a:spcPts val="0"/>
+                    </a:spcBef>
+                    <a:spcAft>
+                      <a:spcPts val="0"/>
+                    </a:spcAft>
+                    <a:buClrTx/>
+                    <a:buSzTx/>
+                    <a:buFontTx/>
+                    <a:buNone/>
+                    <a:tabLst/>
+                    <a:defRPr/>
+                  </a:pPr>
+                  <a:endParaRPr kumimoji="1" lang="ja-JP" altLang="en-US" sz="1800" b="0" i="0" u="none" strike="noStrike" kern="0" cap="none" spc="0" normalizeH="0" baseline="0" noProof="0" smtClean="0">
+                    <a:ln>
+                      <a:noFill/>
+                    </a:ln>
+                    <a:solidFill>
+                      <a:prstClr val="white"/>
+                    </a:solidFill>
+                    <a:effectLst/>
+                    <a:uLnTx/>
+                    <a:uFillTx/>
+                    <a:latin typeface="Calibri" panose="020F0502020204030204"/>
+                    <a:ea typeface="ＭＳ Ｐゴシック" panose="020B0600070205080204" pitchFamily="50" charset="-128"/>
+                    <a:cs typeface="+mn-cs"/>
+                  </a:endParaRPr>
+                </a:p>
+              </p:txBody>
+            </p:sp>
+            <p:sp>
+              <p:nvSpPr>
+                <p:cNvPr id="65" name="円/楕円 64"/>
+                <p:cNvSpPr/>
+                <p:nvPr/>
+              </p:nvSpPr>
+              <p:spPr>
+                <a:xfrm>
+                  <a:off x="4530575" y="2702349"/>
+                  <a:ext cx="45719" cy="45719"/>
+                </a:xfrm>
+                <a:prstGeom prst="ellipse">
+                  <a:avLst/>
+                </a:prstGeom>
+                <a:solidFill>
+                  <a:sysClr val="windowText" lastClr="000000"/>
+                </a:solidFill>
+                <a:ln w="12700" cap="flat" cmpd="sng" algn="ctr">
+                  <a:noFill/>
+                  <a:prstDash val="solid"/>
+                  <a:miter lim="800000"/>
+                </a:ln>
+                <a:effectLst/>
+              </p:spPr>
+              <p:txBody>
+                <a:bodyPr rtlCol="0" anchor="ctr"/>
+                <a:lstStyle/>
+                <a:p>
+                  <a:pPr marL="0" marR="0" lvl="0" indent="0" algn="ctr" defTabSz="914400" eaLnBrk="1" fontAlgn="auto" latinLnBrk="0" hangingPunct="1">
+                    <a:lnSpc>
+                      <a:spcPct val="100000"/>
+                    </a:lnSpc>
+                    <a:spcBef>
+                      <a:spcPts val="0"/>
+                    </a:spcBef>
+                    <a:spcAft>
+                      <a:spcPts val="0"/>
+                    </a:spcAft>
+                    <a:buClrTx/>
+                    <a:buSzTx/>
+                    <a:buFontTx/>
+                    <a:buNone/>
+                    <a:tabLst/>
+                    <a:defRPr/>
+                  </a:pPr>
+                  <a:endParaRPr kumimoji="1" lang="ja-JP" altLang="en-US" sz="1800" b="0" i="0" u="none" strike="noStrike" kern="0" cap="none" spc="0" normalizeH="0" baseline="0" noProof="0" smtClean="0">
+                    <a:ln>
+                      <a:noFill/>
+                    </a:ln>
+                    <a:solidFill>
+                      <a:prstClr val="white"/>
+                    </a:solidFill>
+                    <a:effectLst/>
+                    <a:uLnTx/>
+                    <a:uFillTx/>
+                    <a:latin typeface="Calibri" panose="020F0502020204030204"/>
+                    <a:ea typeface="ＭＳ Ｐゴシック" panose="020B0600070205080204" pitchFamily="50" charset="-128"/>
+                    <a:cs typeface="+mn-cs"/>
+                  </a:endParaRPr>
+                </a:p>
+              </p:txBody>
+            </p:sp>
+          </p:grpSp>
+          <p:cxnSp>
+            <p:nvCxnSpPr>
+              <p:cNvPr id="59" name="直線コネクタ 58"/>
+              <p:cNvCxnSpPr>
+                <a:stCxn id="64" idx="4"/>
+              </p:cNvCxnSpPr>
+              <p:nvPr/>
+            </p:nvCxnSpPr>
+            <p:spPr>
+              <a:xfrm flipH="1">
+                <a:off x="4794423" y="2748068"/>
+                <a:ext cx="1410" cy="104578"/>
+              </a:xfrm>
+              <a:prstGeom prst="line">
+                <a:avLst/>
+              </a:prstGeom>
+              <a:noFill/>
+              <a:ln w="6350" cap="flat" cmpd="sng" algn="ctr">
+                <a:solidFill>
+                  <a:sysClr val="windowText" lastClr="000000"/>
+                </a:solidFill>
+                <a:prstDash val="solid"/>
+                <a:miter lim="800000"/>
+              </a:ln>
+              <a:effectLst/>
+            </p:spPr>
+          </p:cxnSp>
+          <p:cxnSp>
+            <p:nvCxnSpPr>
+              <p:cNvPr id="60" name="直線コネクタ 59"/>
+              <p:cNvCxnSpPr>
+                <a:stCxn id="65" idx="4"/>
+              </p:cNvCxnSpPr>
+              <p:nvPr/>
+            </p:nvCxnSpPr>
+            <p:spPr>
+              <a:xfrm flipH="1">
+                <a:off x="4553434" y="2748068"/>
+                <a:ext cx="1" cy="103416"/>
+              </a:xfrm>
+              <a:prstGeom prst="line">
+                <a:avLst/>
+              </a:prstGeom>
+              <a:noFill/>
+              <a:ln w="6350" cap="flat" cmpd="sng" algn="ctr">
+                <a:solidFill>
+                  <a:sysClr val="windowText" lastClr="000000"/>
+                </a:solidFill>
+                <a:prstDash val="solid"/>
+                <a:miter lim="800000"/>
+              </a:ln>
+              <a:effectLst/>
+            </p:spPr>
+          </p:cxnSp>
+        </p:grpSp>
+        <p:sp>
+          <p:nvSpPr>
+            <p:cNvPr id="57" name="テキスト ボックス 56"/>
+            <p:cNvSpPr txBox="1"/>
+            <p:nvPr/>
+          </p:nvSpPr>
+          <p:spPr>
+            <a:xfrm>
+              <a:off x="2440704" y="1531772"/>
+              <a:ext cx="971208" cy="584775"/>
+            </a:xfrm>
+            <a:prstGeom prst="rect">
+              <a:avLst/>
+            </a:prstGeom>
+            <a:noFill/>
+          </p:spPr>
+          <p:txBody>
+            <a:bodyPr wrap="none" rtlCol="0">
+              <a:spAutoFit/>
+            </a:bodyPr>
+            <a:lstStyle/>
+            <a:p>
+              <a:r>
+                <a:rPr kumimoji="1" lang="en-US" altLang="ja-JP" sz="3200" smtClean="0"/>
+                <a:t>Slac</a:t>
+              </a:r>
+              <a:r>
+                <a:rPr kumimoji="1" lang="en-US" altLang="ja-JP" sz="3200"/>
+                <a:t>k</a:t>
+              </a:r>
+              <a:endParaRPr kumimoji="1" lang="ja-JP" altLang="en-US" sz="3200" dirty="0"/>
+            </a:p>
+          </p:txBody>
+        </p:sp>
+      </p:grpSp>
+      <p:sp>
+        <p:nvSpPr>
+          <p:cNvPr id="77" name="テキスト ボックス 76"/>
+          <p:cNvSpPr txBox="1"/>
+          <p:nvPr/>
+        </p:nvSpPr>
+        <p:spPr>
+          <a:xfrm>
+            <a:off x="1301323" y="5058567"/>
+            <a:ext cx="10347338" cy="830997"/>
+          </a:xfrm>
+          <a:prstGeom prst="rect">
+            <a:avLst/>
+          </a:prstGeom>
+          <a:noFill/>
+        </p:spPr>
+        <p:txBody>
+          <a:bodyPr wrap="square" rtlCol="0">
+            <a:spAutoFit/>
+          </a:bodyPr>
+          <a:lstStyle/>
+          <a:p>
+            <a:r>
+              <a:rPr kumimoji="1" lang="ja-JP" altLang="en-US" sz="2400" dirty="0" smtClean="0"/>
+              <a:t>共通の連絡手段がなかった</a:t>
+            </a:r>
+            <a:r>
+              <a:rPr kumimoji="1" lang="ja-JP" altLang="en-US" sz="2400" dirty="0"/>
+              <a:t>ため、</a:t>
+            </a:r>
+            <a:r>
+              <a:rPr kumimoji="1" lang="ja-JP" altLang="en-US" sz="2400" dirty="0" smtClean="0"/>
+              <a:t>チームコミュニケーションツール</a:t>
+            </a:r>
+            <a:r>
+              <a:rPr kumimoji="1" lang="ja-JP" altLang="en-US" sz="2400" dirty="0" smtClean="0"/>
+              <a:t>を使用。</a:t>
+            </a:r>
+            <a:endParaRPr kumimoji="1" lang="en-US" altLang="ja-JP" sz="2400" dirty="0" smtClean="0"/>
+          </a:p>
+          <a:p>
+            <a:endParaRPr kumimoji="1" lang="ja-JP" altLang="en-US" sz="2400" dirty="0"/>
+          </a:p>
+        </p:txBody>
+      </p:sp>
     </p:spTree>
     <p:extLst>
       <p:ext uri="{BB962C8B-B14F-4D97-AF65-F5344CB8AC3E}">
-        <p14:creationId xmlns:p14="http://schemas.microsoft.com/office/powerpoint/2010/main" val="3912240623"/>
+        <p14:creationId xmlns:p14="http://schemas.microsoft.com/office/powerpoint/2010/main" val="1211498517"/>
       </p:ext>
     </p:extLst>
   </p:cSld>
@@ -14695,6 +16697,36 @@
       </p:par>
     </p:tnLst>
   </p:timing>
+</p:sld>
+</file>
+
+<file path=ppt/slides/slide13.xml><?xml version="1.0" encoding="utf-8"?>
+<p:sld xmlns:a="http://schemas.openxmlformats.org/drawingml/2006/main" xmlns:r="http://schemas.openxmlformats.org/officeDocument/2006/relationships" xmlns:p="http://schemas.openxmlformats.org/presentationml/2006/main">
+  <p:cSld>
+    <p:spTree>
+      <p:nvGrpSpPr>
+        <p:cNvPr id="1" name=""/>
+        <p:cNvGrpSpPr/>
+        <p:nvPr/>
+      </p:nvGrpSpPr>
+      <p:grpSpPr>
+        <a:xfrm>
+          <a:off x="0" y="0"/>
+          <a:ext cx="0" cy="0"/>
+          <a:chOff x="0" y="0"/>
+          <a:chExt cx="0" cy="0"/>
+        </a:xfrm>
+      </p:grpSpPr>
+    </p:spTree>
+    <p:extLst>
+      <p:ext uri="{BB962C8B-B14F-4D97-AF65-F5344CB8AC3E}">
+        <p14:creationId xmlns:p14="http://schemas.microsoft.com/office/powerpoint/2010/main" val="3591474291"/>
+      </p:ext>
+    </p:extLst>
+  </p:cSld>
+  <p:clrMapOvr>
+    <a:masterClrMapping/>
+  </p:clrMapOvr>
 </p:sld>
 </file>
 
@@ -21650,7 +23682,7 @@
         </p:blipFill>
         <p:spPr>
           <a:xfrm>
-            <a:off x="7805763" y="2840539"/>
+            <a:off x="6612359" y="2491197"/>
             <a:ext cx="3536831" cy="3743864"/>
           </a:xfrm>
           <a:prstGeom prst="rect">

--- a/櫻畑/資料/03.プレゼン.pptx
+++ b/櫻畑/資料/03.プレゼン.pptx
@@ -174,7 +174,7 @@
           <a:noFill/>
           <a:extLst>
             <a:ext uri="{909E8E84-426E-40dd-AFC4-6F175D3DCCD1}">
-              <a14:hiddenFill xmlns:a14="http://schemas.microsoft.com/office/drawing/2010/main" xmlns="">
+              <a14:hiddenFill xmlns="" xmlns:a14="http://schemas.microsoft.com/office/drawing/2010/main">
                 <a:solidFill>
                   <a:srgbClr val="FFFFFF"/>
                 </a:solidFill>
@@ -234,7 +234,7 @@
             </a:ln>
             <a:extLst>
               <a:ext uri="{91240B29-F687-4f45-9708-019B960494DF}">
-                <a14:hiddenLine xmlns:a14="http://schemas.microsoft.com/office/drawing/2010/main" xmlns="" w="9525">
+                <a14:hiddenLine xmlns="" xmlns:a14="http://schemas.microsoft.com/office/drawing/2010/main" w="9525">
                   <a:solidFill>
                     <a:srgbClr val="000000"/>
                   </a:solidFill>
@@ -324,7 +324,7 @@
             </a:ln>
             <a:extLst>
               <a:ext uri="{91240B29-F687-4f45-9708-019B960494DF}">
-                <a14:hiddenLine xmlns:a14="http://schemas.microsoft.com/office/drawing/2010/main" xmlns="" w="9525">
+                <a14:hiddenLine xmlns="" xmlns:a14="http://schemas.microsoft.com/office/drawing/2010/main" w="9525">
                   <a:solidFill>
                     <a:srgbClr val="000000"/>
                   </a:solidFill>
@@ -414,7 +414,7 @@
             </a:ln>
             <a:extLst>
               <a:ext uri="{91240B29-F687-4f45-9708-019B960494DF}">
-                <a14:hiddenLine xmlns:a14="http://schemas.microsoft.com/office/drawing/2010/main" xmlns="" w="9525">
+                <a14:hiddenLine xmlns="" xmlns:a14="http://schemas.microsoft.com/office/drawing/2010/main" w="9525">
                   <a:solidFill>
                     <a:srgbClr val="000000"/>
                   </a:solidFill>
@@ -448,7 +448,7 @@
             </a:ln>
             <a:extLst>
               <a:ext uri="{91240B29-F687-4f45-9708-019B960494DF}">
-                <a14:hiddenLine xmlns:a14="http://schemas.microsoft.com/office/drawing/2010/main" xmlns="" w="9525">
+                <a14:hiddenLine xmlns="" xmlns:a14="http://schemas.microsoft.com/office/drawing/2010/main" w="9525">
                   <a:solidFill>
                     <a:srgbClr val="000000"/>
                   </a:solidFill>
@@ -538,7 +538,7 @@
             </a:ln>
             <a:extLst>
               <a:ext uri="{91240B29-F687-4f45-9708-019B960494DF}">
-                <a14:hiddenLine xmlns:a14="http://schemas.microsoft.com/office/drawing/2010/main" xmlns="" w="9525">
+                <a14:hiddenLine xmlns="" xmlns:a14="http://schemas.microsoft.com/office/drawing/2010/main" w="9525">
                   <a:solidFill>
                     <a:srgbClr val="000000"/>
                   </a:solidFill>
@@ -600,7 +600,7 @@
             </a:ln>
             <a:extLst>
               <a:ext uri="{91240B29-F687-4f45-9708-019B960494DF}">
-                <a14:hiddenLine xmlns:a14="http://schemas.microsoft.com/office/drawing/2010/main" xmlns="" w="9525">
+                <a14:hiddenLine xmlns="" xmlns:a14="http://schemas.microsoft.com/office/drawing/2010/main" w="9525">
                   <a:solidFill>
                     <a:srgbClr val="000000"/>
                   </a:solidFill>
@@ -662,7 +662,7 @@
             </a:ln>
             <a:extLst>
               <a:ext uri="{91240B29-F687-4f45-9708-019B960494DF}">
-                <a14:hiddenLine xmlns:a14="http://schemas.microsoft.com/office/drawing/2010/main" xmlns="" w="9525">
+                <a14:hiddenLine xmlns="" xmlns:a14="http://schemas.microsoft.com/office/drawing/2010/main" w="9525">
                   <a:solidFill>
                     <a:srgbClr val="000000"/>
                   </a:solidFill>
@@ -752,7 +752,7 @@
             </a:ln>
             <a:extLst>
               <a:ext uri="{91240B29-F687-4f45-9708-019B960494DF}">
-                <a14:hiddenLine xmlns:a14="http://schemas.microsoft.com/office/drawing/2010/main" xmlns="" w="9525">
+                <a14:hiddenLine xmlns="" xmlns:a14="http://schemas.microsoft.com/office/drawing/2010/main" w="9525">
                   <a:solidFill>
                     <a:srgbClr val="000000"/>
                   </a:solidFill>
@@ -814,7 +814,7 @@
             </a:ln>
             <a:extLst>
               <a:ext uri="{91240B29-F687-4f45-9708-019B960494DF}">
-                <a14:hiddenLine xmlns:a14="http://schemas.microsoft.com/office/drawing/2010/main" xmlns="" w="9525">
+                <a14:hiddenLine xmlns="" xmlns:a14="http://schemas.microsoft.com/office/drawing/2010/main" w="9525">
                   <a:solidFill>
                     <a:srgbClr val="000000"/>
                   </a:solidFill>
@@ -876,7 +876,7 @@
             </a:ln>
             <a:extLst>
               <a:ext uri="{91240B29-F687-4f45-9708-019B960494DF}">
-                <a14:hiddenLine xmlns:a14="http://schemas.microsoft.com/office/drawing/2010/main" xmlns="" w="9525">
+                <a14:hiddenLine xmlns="" xmlns:a14="http://schemas.microsoft.com/office/drawing/2010/main" w="9525">
                   <a:solidFill>
                     <a:srgbClr val="000000"/>
                   </a:solidFill>
@@ -966,7 +966,7 @@
             </a:ln>
             <a:extLst>
               <a:ext uri="{91240B29-F687-4f45-9708-019B960494DF}">
-                <a14:hiddenLine xmlns:a14="http://schemas.microsoft.com/office/drawing/2010/main" xmlns="" w="9525">
+                <a14:hiddenLine xmlns="" xmlns:a14="http://schemas.microsoft.com/office/drawing/2010/main" w="9525">
                   <a:solidFill>
                     <a:srgbClr val="000000"/>
                   </a:solidFill>
@@ -1056,7 +1056,7 @@
             </a:ln>
             <a:extLst>
               <a:ext uri="{91240B29-F687-4f45-9708-019B960494DF}">
-                <a14:hiddenLine xmlns:a14="http://schemas.microsoft.com/office/drawing/2010/main" xmlns="" w="9525">
+                <a14:hiddenLine xmlns="" xmlns:a14="http://schemas.microsoft.com/office/drawing/2010/main" w="9525">
                   <a:solidFill>
                     <a:srgbClr val="000000"/>
                   </a:solidFill>
@@ -1118,7 +1118,7 @@
             </a:ln>
             <a:extLst>
               <a:ext uri="{91240B29-F687-4f45-9708-019B960494DF}">
-                <a14:hiddenLine xmlns:a14="http://schemas.microsoft.com/office/drawing/2010/main" xmlns="" w="9525">
+                <a14:hiddenLine xmlns="" xmlns:a14="http://schemas.microsoft.com/office/drawing/2010/main" w="9525">
                   <a:solidFill>
                     <a:srgbClr val="000000"/>
                   </a:solidFill>
@@ -1228,7 +1228,7 @@
             </a:ln>
             <a:extLst>
               <a:ext uri="{91240B29-F687-4f45-9708-019B960494DF}">
-                <a14:hiddenLine xmlns:a14="http://schemas.microsoft.com/office/drawing/2010/main" xmlns="" w="9525">
+                <a14:hiddenLine xmlns="" xmlns:a14="http://schemas.microsoft.com/office/drawing/2010/main" w="9525">
                   <a:solidFill>
                     <a:srgbClr val="000000"/>
                   </a:solidFill>
@@ -1290,7 +1290,7 @@
             </a:ln>
             <a:extLst>
               <a:ext uri="{91240B29-F687-4f45-9708-019B960494DF}">
-                <a14:hiddenLine xmlns:a14="http://schemas.microsoft.com/office/drawing/2010/main" xmlns="" w="9525">
+                <a14:hiddenLine xmlns="" xmlns:a14="http://schemas.microsoft.com/office/drawing/2010/main" w="9525">
                   <a:solidFill>
                     <a:srgbClr val="000000"/>
                   </a:solidFill>
@@ -1380,7 +1380,7 @@
             </a:ln>
             <a:extLst>
               <a:ext uri="{91240B29-F687-4f45-9708-019B960494DF}">
-                <a14:hiddenLine xmlns:a14="http://schemas.microsoft.com/office/drawing/2010/main" xmlns="" w="9525">
+                <a14:hiddenLine xmlns="" xmlns:a14="http://schemas.microsoft.com/office/drawing/2010/main" w="9525">
                   <a:solidFill>
                     <a:srgbClr val="000000"/>
                   </a:solidFill>
@@ -1470,7 +1470,7 @@
             </a:ln>
             <a:extLst>
               <a:ext uri="{91240B29-F687-4f45-9708-019B960494DF}">
-                <a14:hiddenLine xmlns:a14="http://schemas.microsoft.com/office/drawing/2010/main" xmlns="" w="9525">
+                <a14:hiddenLine xmlns="" xmlns:a14="http://schemas.microsoft.com/office/drawing/2010/main" w="9525">
                   <a:solidFill>
                     <a:srgbClr val="000000"/>
                   </a:solidFill>
@@ -1532,7 +1532,7 @@
             </a:ln>
             <a:extLst>
               <a:ext uri="{91240B29-F687-4f45-9708-019B960494DF}">
-                <a14:hiddenLine xmlns:a14="http://schemas.microsoft.com/office/drawing/2010/main" xmlns="" w="9525">
+                <a14:hiddenLine xmlns="" xmlns:a14="http://schemas.microsoft.com/office/drawing/2010/main" w="9525">
                   <a:solidFill>
                     <a:srgbClr val="000000"/>
                   </a:solidFill>
@@ -1622,7 +1622,7 @@
             </a:ln>
             <a:extLst>
               <a:ext uri="{91240B29-F687-4f45-9708-019B960494DF}">
-                <a14:hiddenLine xmlns:a14="http://schemas.microsoft.com/office/drawing/2010/main" xmlns="" w="9525">
+                <a14:hiddenLine xmlns="" xmlns:a14="http://schemas.microsoft.com/office/drawing/2010/main" w="9525">
                   <a:solidFill>
                     <a:srgbClr val="000000"/>
                   </a:solidFill>
@@ -1712,7 +1712,7 @@
             </a:ln>
             <a:extLst>
               <a:ext uri="{91240B29-F687-4f45-9708-019B960494DF}">
-                <a14:hiddenLine xmlns:a14="http://schemas.microsoft.com/office/drawing/2010/main" xmlns="" w="9525">
+                <a14:hiddenLine xmlns="" xmlns:a14="http://schemas.microsoft.com/office/drawing/2010/main" w="9525">
                   <a:solidFill>
                     <a:srgbClr val="000000"/>
                   </a:solidFill>
@@ -1768,7 +1768,7 @@
             </a:ln>
             <a:extLst>
               <a:ext uri="{91240B29-F687-4f45-9708-019B960494DF}">
-                <a14:hiddenLine xmlns:a14="http://schemas.microsoft.com/office/drawing/2010/main" xmlns="" w="9525">
+                <a14:hiddenLine xmlns="" xmlns:a14="http://schemas.microsoft.com/office/drawing/2010/main" w="9525">
                   <a:solidFill>
                     <a:srgbClr val="000000"/>
                   </a:solidFill>
@@ -1858,7 +1858,7 @@
             </a:ln>
             <a:extLst>
               <a:ext uri="{91240B29-F687-4f45-9708-019B960494DF}">
-                <a14:hiddenLine xmlns:a14="http://schemas.microsoft.com/office/drawing/2010/main" xmlns="" w="9525">
+                <a14:hiddenLine xmlns="" xmlns:a14="http://schemas.microsoft.com/office/drawing/2010/main" w="9525">
                   <a:solidFill>
                     <a:srgbClr val="000000"/>
                   </a:solidFill>
@@ -1914,7 +1914,7 @@
             </a:ln>
             <a:extLst>
               <a:ext uri="{91240B29-F687-4f45-9708-019B960494DF}">
-                <a14:hiddenLine xmlns:a14="http://schemas.microsoft.com/office/drawing/2010/main" xmlns="" w="9525">
+                <a14:hiddenLine xmlns="" xmlns:a14="http://schemas.microsoft.com/office/drawing/2010/main" w="9525">
                   <a:solidFill>
                     <a:srgbClr val="000000"/>
                   </a:solidFill>
@@ -2004,7 +2004,7 @@
             </a:ln>
             <a:extLst>
               <a:ext uri="{91240B29-F687-4f45-9708-019B960494DF}">
-                <a14:hiddenLine xmlns:a14="http://schemas.microsoft.com/office/drawing/2010/main" xmlns="" w="9525">
+                <a14:hiddenLine xmlns="" xmlns:a14="http://schemas.microsoft.com/office/drawing/2010/main" w="9525">
                   <a:solidFill>
                     <a:srgbClr val="000000"/>
                   </a:solidFill>
@@ -2072,7 +2072,7 @@
             </a:ln>
             <a:extLst>
               <a:ext uri="{91240B29-F687-4f45-9708-019B960494DF}">
-                <a14:hiddenLine xmlns:a14="http://schemas.microsoft.com/office/drawing/2010/main" xmlns="" w="9525">
+                <a14:hiddenLine xmlns="" xmlns:a14="http://schemas.microsoft.com/office/drawing/2010/main" w="9525">
                   <a:solidFill>
                     <a:srgbClr val="000000"/>
                   </a:solidFill>
@@ -2162,7 +2162,7 @@
             </a:ln>
             <a:extLst>
               <a:ext uri="{91240B29-F687-4f45-9708-019B960494DF}">
-                <a14:hiddenLine xmlns:a14="http://schemas.microsoft.com/office/drawing/2010/main" xmlns="" w="9525">
+                <a14:hiddenLine xmlns="" xmlns:a14="http://schemas.microsoft.com/office/drawing/2010/main" w="9525">
                   <a:solidFill>
                     <a:srgbClr val="000000"/>
                   </a:solidFill>
@@ -2230,7 +2230,7 @@
             </a:ln>
             <a:extLst>
               <a:ext uri="{91240B29-F687-4f45-9708-019B960494DF}">
-                <a14:hiddenLine xmlns:a14="http://schemas.microsoft.com/office/drawing/2010/main" xmlns="" w="9525">
+                <a14:hiddenLine xmlns="" xmlns:a14="http://schemas.microsoft.com/office/drawing/2010/main" w="9525">
                   <a:solidFill>
                     <a:srgbClr val="000000"/>
                   </a:solidFill>
@@ -2320,7 +2320,7 @@
             </a:ln>
             <a:extLst>
               <a:ext uri="{91240B29-F687-4f45-9708-019B960494DF}">
-                <a14:hiddenLine xmlns:a14="http://schemas.microsoft.com/office/drawing/2010/main" xmlns="" w="9525">
+                <a14:hiddenLine xmlns="" xmlns:a14="http://schemas.microsoft.com/office/drawing/2010/main" w="9525">
                   <a:solidFill>
                     <a:srgbClr val="000000"/>
                   </a:solidFill>
@@ -2354,7 +2354,7 @@
             </a:ln>
             <a:extLst>
               <a:ext uri="{91240B29-F687-4f45-9708-019B960494DF}">
-                <a14:hiddenLine xmlns:a14="http://schemas.microsoft.com/office/drawing/2010/main" xmlns="" w="9525">
+                <a14:hiddenLine xmlns="" xmlns:a14="http://schemas.microsoft.com/office/drawing/2010/main" w="9525">
                   <a:solidFill>
                     <a:srgbClr val="000000"/>
                   </a:solidFill>
@@ -2444,7 +2444,7 @@
             </a:ln>
             <a:extLst>
               <a:ext uri="{91240B29-F687-4f45-9708-019B960494DF}">
-                <a14:hiddenLine xmlns:a14="http://schemas.microsoft.com/office/drawing/2010/main" xmlns="" w="9525">
+                <a14:hiddenLine xmlns="" xmlns:a14="http://schemas.microsoft.com/office/drawing/2010/main" w="9525">
                   <a:solidFill>
                     <a:srgbClr val="000000"/>
                   </a:solidFill>
@@ -2506,7 +2506,7 @@
             </a:ln>
             <a:extLst>
               <a:ext uri="{91240B29-F687-4f45-9708-019B960494DF}">
-                <a14:hiddenLine xmlns:a14="http://schemas.microsoft.com/office/drawing/2010/main" xmlns="" w="9525">
+                <a14:hiddenLine xmlns="" xmlns:a14="http://schemas.microsoft.com/office/drawing/2010/main" w="9525">
                   <a:solidFill>
                     <a:srgbClr val="000000"/>
                   </a:solidFill>
@@ -2568,7 +2568,7 @@
             </a:ln>
             <a:extLst>
               <a:ext uri="{91240B29-F687-4f45-9708-019B960494DF}">
-                <a14:hiddenLine xmlns:a14="http://schemas.microsoft.com/office/drawing/2010/main" xmlns="" w="9525">
+                <a14:hiddenLine xmlns="" xmlns:a14="http://schemas.microsoft.com/office/drawing/2010/main" w="9525">
                   <a:solidFill>
                     <a:srgbClr val="000000"/>
                   </a:solidFill>
@@ -2658,7 +2658,7 @@
             </a:ln>
             <a:extLst>
               <a:ext uri="{91240B29-F687-4f45-9708-019B960494DF}">
-                <a14:hiddenLine xmlns:a14="http://schemas.microsoft.com/office/drawing/2010/main" xmlns="" w="9525">
+                <a14:hiddenLine xmlns="" xmlns:a14="http://schemas.microsoft.com/office/drawing/2010/main" w="9525">
                   <a:solidFill>
                     <a:srgbClr val="000000"/>
                   </a:solidFill>
@@ -2726,7 +2726,7 @@
             </a:ln>
             <a:extLst>
               <a:ext uri="{91240B29-F687-4f45-9708-019B960494DF}">
-                <a14:hiddenLine xmlns:a14="http://schemas.microsoft.com/office/drawing/2010/main" xmlns="" w="9525">
+                <a14:hiddenLine xmlns="" xmlns:a14="http://schemas.microsoft.com/office/drawing/2010/main" w="9525">
                   <a:solidFill>
                     <a:srgbClr val="000000"/>
                   </a:solidFill>
@@ -2788,7 +2788,7 @@
             </a:ln>
             <a:extLst>
               <a:ext uri="{91240B29-F687-4f45-9708-019B960494DF}">
-                <a14:hiddenLine xmlns:a14="http://schemas.microsoft.com/office/drawing/2010/main" xmlns="" w="9525">
+                <a14:hiddenLine xmlns="" xmlns:a14="http://schemas.microsoft.com/office/drawing/2010/main" w="9525">
                   <a:solidFill>
                     <a:srgbClr val="000000"/>
                   </a:solidFill>
@@ -2878,7 +2878,7 @@
             </a:ln>
             <a:extLst>
               <a:ext uri="{91240B29-F687-4f45-9708-019B960494DF}">
-                <a14:hiddenLine xmlns:a14="http://schemas.microsoft.com/office/drawing/2010/main" xmlns="" w="9525">
+                <a14:hiddenLine xmlns="" xmlns:a14="http://schemas.microsoft.com/office/drawing/2010/main" w="9525">
                   <a:solidFill>
                     <a:srgbClr val="000000"/>
                   </a:solidFill>
@@ -2940,7 +2940,7 @@
             </a:ln>
             <a:extLst>
               <a:ext uri="{91240B29-F687-4f45-9708-019B960494DF}">
-                <a14:hiddenLine xmlns:a14="http://schemas.microsoft.com/office/drawing/2010/main" xmlns="" w="9525">
+                <a14:hiddenLine xmlns="" xmlns:a14="http://schemas.microsoft.com/office/drawing/2010/main" w="9525">
                   <a:solidFill>
                     <a:srgbClr val="000000"/>
                   </a:solidFill>
@@ -3030,7 +3030,7 @@
             </a:ln>
             <a:extLst>
               <a:ext uri="{91240B29-F687-4f45-9708-019B960494DF}">
-                <a14:hiddenLine xmlns:a14="http://schemas.microsoft.com/office/drawing/2010/main" xmlns="" w="9525">
+                <a14:hiddenLine xmlns="" xmlns:a14="http://schemas.microsoft.com/office/drawing/2010/main" w="9525">
                   <a:solidFill>
                     <a:srgbClr val="000000"/>
                   </a:solidFill>
@@ -3092,7 +3092,7 @@
             </a:ln>
             <a:extLst>
               <a:ext uri="{91240B29-F687-4f45-9708-019B960494DF}">
-                <a14:hiddenLine xmlns:a14="http://schemas.microsoft.com/office/drawing/2010/main" xmlns="" w="9525">
+                <a14:hiddenLine xmlns="" xmlns:a14="http://schemas.microsoft.com/office/drawing/2010/main" w="9525">
                   <a:solidFill>
                     <a:srgbClr val="000000"/>
                   </a:solidFill>
@@ -3182,7 +3182,7 @@
             </a:ln>
             <a:extLst>
               <a:ext uri="{91240B29-F687-4f45-9708-019B960494DF}">
-                <a14:hiddenLine xmlns:a14="http://schemas.microsoft.com/office/drawing/2010/main" xmlns="" w="9525">
+                <a14:hiddenLine xmlns="" xmlns:a14="http://schemas.microsoft.com/office/drawing/2010/main" w="9525">
                   <a:solidFill>
                     <a:srgbClr val="000000"/>
                   </a:solidFill>
@@ -3216,7 +3216,7 @@
             </a:ln>
             <a:extLst>
               <a:ext uri="{91240B29-F687-4f45-9708-019B960494DF}">
-                <a14:hiddenLine xmlns:a14="http://schemas.microsoft.com/office/drawing/2010/main" xmlns="" w="9525">
+                <a14:hiddenLine xmlns="" xmlns:a14="http://schemas.microsoft.com/office/drawing/2010/main" w="9525">
                   <a:solidFill>
                     <a:srgbClr val="000000"/>
                   </a:solidFill>
@@ -3281,7 +3281,7 @@
             </a:ln>
             <a:extLst>
               <a:ext uri="{91240B29-F687-4f45-9708-019B960494DF}">
-                <a14:hiddenLine xmlns:a14="http://schemas.microsoft.com/office/drawing/2010/main" xmlns="" w="9525">
+                <a14:hiddenLine xmlns="" xmlns:a14="http://schemas.microsoft.com/office/drawing/2010/main" w="9525">
                   <a:solidFill>
                     <a:srgbClr val="000000"/>
                   </a:solidFill>
@@ -3371,7 +3371,7 @@
             </a:ln>
             <a:extLst>
               <a:ext uri="{91240B29-F687-4f45-9708-019B960494DF}">
-                <a14:hiddenLine xmlns:a14="http://schemas.microsoft.com/office/drawing/2010/main" xmlns="" w="9525">
+                <a14:hiddenLine xmlns="" xmlns:a14="http://schemas.microsoft.com/office/drawing/2010/main" w="9525">
                   <a:solidFill>
                     <a:srgbClr val="000000"/>
                   </a:solidFill>
@@ -3433,7 +3433,7 @@
             </a:ln>
             <a:extLst>
               <a:ext uri="{91240B29-F687-4f45-9708-019B960494DF}">
-                <a14:hiddenLine xmlns:a14="http://schemas.microsoft.com/office/drawing/2010/main" xmlns="" w="9525">
+                <a14:hiddenLine xmlns="" xmlns:a14="http://schemas.microsoft.com/office/drawing/2010/main" w="9525">
                   <a:solidFill>
                     <a:srgbClr val="000000"/>
                   </a:solidFill>
@@ -3523,7 +3523,7 @@
             </a:ln>
             <a:extLst>
               <a:ext uri="{91240B29-F687-4f45-9708-019B960494DF}">
-                <a14:hiddenLine xmlns:a14="http://schemas.microsoft.com/office/drawing/2010/main" xmlns="" w="9525">
+                <a14:hiddenLine xmlns="" xmlns:a14="http://schemas.microsoft.com/office/drawing/2010/main" w="9525">
                   <a:solidFill>
                     <a:srgbClr val="000000"/>
                   </a:solidFill>
@@ -3613,7 +3613,7 @@
             </a:ln>
             <a:extLst>
               <a:ext uri="{91240B29-F687-4f45-9708-019B960494DF}">
-                <a14:hiddenLine xmlns:a14="http://schemas.microsoft.com/office/drawing/2010/main" xmlns="" w="9525">
+                <a14:hiddenLine xmlns="" xmlns:a14="http://schemas.microsoft.com/office/drawing/2010/main" w="9525">
                   <a:solidFill>
                     <a:srgbClr val="000000"/>
                   </a:solidFill>
@@ -3678,7 +3678,7 @@
             </a:ln>
             <a:extLst>
               <a:ext uri="{91240B29-F687-4f45-9708-019B960494DF}">
-                <a14:hiddenLine xmlns:a14="http://schemas.microsoft.com/office/drawing/2010/main" xmlns="" w="9525">
+                <a14:hiddenLine xmlns="" xmlns:a14="http://schemas.microsoft.com/office/drawing/2010/main" w="9525">
                   <a:solidFill>
                     <a:srgbClr val="000000"/>
                   </a:solidFill>
@@ -3740,7 +3740,7 @@
             </a:ln>
             <a:extLst>
               <a:ext uri="{91240B29-F687-4f45-9708-019B960494DF}">
-                <a14:hiddenLine xmlns:a14="http://schemas.microsoft.com/office/drawing/2010/main" xmlns="" w="9525">
+                <a14:hiddenLine xmlns="" xmlns:a14="http://schemas.microsoft.com/office/drawing/2010/main" w="9525">
                   <a:solidFill>
                     <a:srgbClr val="000000"/>
                   </a:solidFill>
@@ -3830,7 +3830,7 @@
             </a:ln>
             <a:extLst>
               <a:ext uri="{91240B29-F687-4f45-9708-019B960494DF}">
-                <a14:hiddenLine xmlns:a14="http://schemas.microsoft.com/office/drawing/2010/main" xmlns="" w="9525">
+                <a14:hiddenLine xmlns="" xmlns:a14="http://schemas.microsoft.com/office/drawing/2010/main" w="9525">
                   <a:solidFill>
                     <a:srgbClr val="000000"/>
                   </a:solidFill>
@@ -3920,7 +3920,7 @@
             </a:ln>
             <a:extLst>
               <a:ext uri="{91240B29-F687-4f45-9708-019B960494DF}">
-                <a14:hiddenLine xmlns:a14="http://schemas.microsoft.com/office/drawing/2010/main" xmlns="" w="9525">
+                <a14:hiddenLine xmlns="" xmlns:a14="http://schemas.microsoft.com/office/drawing/2010/main" w="9525">
                   <a:solidFill>
                     <a:srgbClr val="000000"/>
                   </a:solidFill>
@@ -3982,7 +3982,7 @@
             </a:ln>
             <a:extLst>
               <a:ext uri="{91240B29-F687-4f45-9708-019B960494DF}">
-                <a14:hiddenLine xmlns:a14="http://schemas.microsoft.com/office/drawing/2010/main" xmlns="" w="9525">
+                <a14:hiddenLine xmlns="" xmlns:a14="http://schemas.microsoft.com/office/drawing/2010/main" w="9525">
                   <a:solidFill>
                     <a:srgbClr val="000000"/>
                   </a:solidFill>
@@ -4102,7 +4102,7 @@
             </a:ln>
             <a:extLst>
               <a:ext uri="{91240B29-F687-4f45-9708-019B960494DF}">
-                <a14:hiddenLine xmlns:a14="http://schemas.microsoft.com/office/drawing/2010/main" xmlns="" w="9525">
+                <a14:hiddenLine xmlns="" xmlns:a14="http://schemas.microsoft.com/office/drawing/2010/main" w="9525">
                   <a:solidFill>
                     <a:srgbClr val="000000"/>
                   </a:solidFill>
@@ -4170,7 +4170,7 @@
             </a:ln>
             <a:extLst>
               <a:ext uri="{91240B29-F687-4f45-9708-019B960494DF}">
-                <a14:hiddenLine xmlns:a14="http://schemas.microsoft.com/office/drawing/2010/main" xmlns="" w="9525">
+                <a14:hiddenLine xmlns="" xmlns:a14="http://schemas.microsoft.com/office/drawing/2010/main" w="9525">
                   <a:solidFill>
                     <a:srgbClr val="000000"/>
                   </a:solidFill>
@@ -4260,7 +4260,7 @@
             </a:ln>
             <a:extLst>
               <a:ext uri="{91240B29-F687-4f45-9708-019B960494DF}">
-                <a14:hiddenLine xmlns:a14="http://schemas.microsoft.com/office/drawing/2010/main" xmlns="" w="9525">
+                <a14:hiddenLine xmlns="" xmlns:a14="http://schemas.microsoft.com/office/drawing/2010/main" w="9525">
                   <a:solidFill>
                     <a:srgbClr val="000000"/>
                   </a:solidFill>
@@ -9238,7 +9238,7 @@
           <a:noFill/>
           <a:extLst>
             <a:ext uri="{909E8E84-426E-40dd-AFC4-6F175D3DCCD1}">
-              <a14:hiddenFill xmlns:a14="http://schemas.microsoft.com/office/drawing/2010/main" xmlns="">
+              <a14:hiddenFill xmlns="" xmlns:a14="http://schemas.microsoft.com/office/drawing/2010/main">
                 <a:solidFill>
                   <a:srgbClr val="FFFFFF"/>
                 </a:solidFill>
@@ -9312,7 +9312,7 @@
               </a:ln>
               <a:extLst>
                 <a:ext uri="{91240B29-F687-4f45-9708-019B960494DF}">
-                  <a14:hiddenLine xmlns:a14="http://schemas.microsoft.com/office/drawing/2010/main" xmlns="" w="9525">
+                  <a14:hiddenLine xmlns="" xmlns:a14="http://schemas.microsoft.com/office/drawing/2010/main" w="9525">
                     <a:solidFill>
                       <a:srgbClr val="000000"/>
                     </a:solidFill>
@@ -9402,7 +9402,7 @@
               </a:ln>
               <a:extLst>
                 <a:ext uri="{91240B29-F687-4f45-9708-019B960494DF}">
-                  <a14:hiddenLine xmlns:a14="http://schemas.microsoft.com/office/drawing/2010/main" xmlns="" w="9525">
+                  <a14:hiddenLine xmlns="" xmlns:a14="http://schemas.microsoft.com/office/drawing/2010/main" w="9525">
                     <a:solidFill>
                       <a:srgbClr val="000000"/>
                     </a:solidFill>
@@ -9492,7 +9492,7 @@
               </a:ln>
               <a:extLst>
                 <a:ext uri="{91240B29-F687-4f45-9708-019B960494DF}">
-                  <a14:hiddenLine xmlns:a14="http://schemas.microsoft.com/office/drawing/2010/main" xmlns="" w="9525">
+                  <a14:hiddenLine xmlns="" xmlns:a14="http://schemas.microsoft.com/office/drawing/2010/main" w="9525">
                     <a:solidFill>
                       <a:srgbClr val="000000"/>
                     </a:solidFill>
@@ -9554,7 +9554,7 @@
               </a:ln>
               <a:extLst>
                 <a:ext uri="{91240B29-F687-4f45-9708-019B960494DF}">
-                  <a14:hiddenLine xmlns:a14="http://schemas.microsoft.com/office/drawing/2010/main" xmlns="" w="9525">
+                  <a14:hiddenLine xmlns="" xmlns:a14="http://schemas.microsoft.com/office/drawing/2010/main" w="9525">
                     <a:solidFill>
                       <a:srgbClr val="000000"/>
                     </a:solidFill>
@@ -9644,7 +9644,7 @@
               </a:ln>
               <a:extLst>
                 <a:ext uri="{91240B29-F687-4f45-9708-019B960494DF}">
-                  <a14:hiddenLine xmlns:a14="http://schemas.microsoft.com/office/drawing/2010/main" xmlns="" w="9525">
+                  <a14:hiddenLine xmlns="" xmlns:a14="http://schemas.microsoft.com/office/drawing/2010/main" w="9525">
                     <a:solidFill>
                       <a:srgbClr val="000000"/>
                     </a:solidFill>
@@ -9706,7 +9706,7 @@
               </a:ln>
               <a:extLst>
                 <a:ext uri="{91240B29-F687-4f45-9708-019B960494DF}">
-                  <a14:hiddenLine xmlns:a14="http://schemas.microsoft.com/office/drawing/2010/main" xmlns="" w="9525">
+                  <a14:hiddenLine xmlns="" xmlns:a14="http://schemas.microsoft.com/office/drawing/2010/main" w="9525">
                     <a:solidFill>
                       <a:srgbClr val="000000"/>
                     </a:solidFill>
@@ -9768,7 +9768,7 @@
               </a:ln>
               <a:extLst>
                 <a:ext uri="{91240B29-F687-4f45-9708-019B960494DF}">
-                  <a14:hiddenLine xmlns:a14="http://schemas.microsoft.com/office/drawing/2010/main" xmlns="" w="9525">
+                  <a14:hiddenLine xmlns="" xmlns:a14="http://schemas.microsoft.com/office/drawing/2010/main" w="9525">
                     <a:solidFill>
                       <a:srgbClr val="000000"/>
                     </a:solidFill>
@@ -9858,7 +9858,7 @@
               </a:ln>
               <a:extLst>
                 <a:ext uri="{91240B29-F687-4f45-9708-019B960494DF}">
-                  <a14:hiddenLine xmlns:a14="http://schemas.microsoft.com/office/drawing/2010/main" xmlns="" w="9525">
+                  <a14:hiddenLine xmlns="" xmlns:a14="http://schemas.microsoft.com/office/drawing/2010/main" w="9525">
                     <a:solidFill>
                       <a:srgbClr val="000000"/>
                     </a:solidFill>
@@ -9948,7 +9948,7 @@
               </a:ln>
               <a:extLst>
                 <a:ext uri="{91240B29-F687-4f45-9708-019B960494DF}">
-                  <a14:hiddenLine xmlns:a14="http://schemas.microsoft.com/office/drawing/2010/main" xmlns="" w="9525">
+                  <a14:hiddenLine xmlns="" xmlns:a14="http://schemas.microsoft.com/office/drawing/2010/main" w="9525">
                     <a:solidFill>
                       <a:srgbClr val="000000"/>
                     </a:solidFill>
@@ -10010,7 +10010,7 @@
               </a:ln>
               <a:extLst>
                 <a:ext uri="{91240B29-F687-4f45-9708-019B960494DF}">
-                  <a14:hiddenLine xmlns:a14="http://schemas.microsoft.com/office/drawing/2010/main" xmlns="" w="9525">
+                  <a14:hiddenLine xmlns="" xmlns:a14="http://schemas.microsoft.com/office/drawing/2010/main" w="9525">
                     <a:solidFill>
                       <a:srgbClr val="000000"/>
                     </a:solidFill>
@@ -10120,7 +10120,7 @@
               </a:ln>
               <a:extLst>
                 <a:ext uri="{91240B29-F687-4f45-9708-019B960494DF}">
-                  <a14:hiddenLine xmlns:a14="http://schemas.microsoft.com/office/drawing/2010/main" xmlns="" w="9525">
+                  <a14:hiddenLine xmlns="" xmlns:a14="http://schemas.microsoft.com/office/drawing/2010/main" w="9525">
                     <a:solidFill>
                       <a:srgbClr val="000000"/>
                     </a:solidFill>
@@ -10204,7 +10204,7 @@
               </a:ln>
               <a:extLst>
                 <a:ext uri="{91240B29-F687-4f45-9708-019B960494DF}">
-                  <a14:hiddenLine xmlns:a14="http://schemas.microsoft.com/office/drawing/2010/main" xmlns="" w="9525">
+                  <a14:hiddenLine xmlns="" xmlns:a14="http://schemas.microsoft.com/office/drawing/2010/main" w="9525">
                     <a:solidFill>
                       <a:srgbClr val="000000"/>
                     </a:solidFill>
@@ -10266,7 +10266,7 @@
               </a:ln>
               <a:extLst>
                 <a:ext uri="{91240B29-F687-4f45-9708-019B960494DF}">
-                  <a14:hiddenLine xmlns:a14="http://schemas.microsoft.com/office/drawing/2010/main" xmlns="" w="9525">
+                  <a14:hiddenLine xmlns="" xmlns:a14="http://schemas.microsoft.com/office/drawing/2010/main" w="9525">
                     <a:solidFill>
                       <a:srgbClr val="000000"/>
                     </a:solidFill>
@@ -10328,7 +10328,7 @@
               </a:ln>
               <a:extLst>
                 <a:ext uri="{91240B29-F687-4f45-9708-019B960494DF}">
-                  <a14:hiddenLine xmlns:a14="http://schemas.microsoft.com/office/drawing/2010/main" xmlns="" w="9525">
+                  <a14:hiddenLine xmlns="" xmlns:a14="http://schemas.microsoft.com/office/drawing/2010/main" w="9525">
                     <a:solidFill>
                       <a:srgbClr val="000000"/>
                     </a:solidFill>
@@ -10418,7 +10418,7 @@
               </a:ln>
               <a:extLst>
                 <a:ext uri="{91240B29-F687-4f45-9708-019B960494DF}">
-                  <a14:hiddenLine xmlns:a14="http://schemas.microsoft.com/office/drawing/2010/main" xmlns="" w="9525">
+                  <a14:hiddenLine xmlns="" xmlns:a14="http://schemas.microsoft.com/office/drawing/2010/main" w="9525">
                     <a:solidFill>
                       <a:srgbClr val="000000"/>
                     </a:solidFill>
@@ -10452,7 +10452,7 @@
               </a:ln>
               <a:extLst>
                 <a:ext uri="{91240B29-F687-4f45-9708-019B960494DF}">
-                  <a14:hiddenLine xmlns:a14="http://schemas.microsoft.com/office/drawing/2010/main" xmlns="" w="9525">
+                  <a14:hiddenLine xmlns="" xmlns:a14="http://schemas.microsoft.com/office/drawing/2010/main" w="9525">
                     <a:solidFill>
                       <a:srgbClr val="000000"/>
                     </a:solidFill>
@@ -10517,7 +10517,7 @@
               </a:ln>
               <a:extLst>
                 <a:ext uri="{91240B29-F687-4f45-9708-019B960494DF}">
-                  <a14:hiddenLine xmlns:a14="http://schemas.microsoft.com/office/drawing/2010/main" xmlns="" w="9525">
+                  <a14:hiddenLine xmlns="" xmlns:a14="http://schemas.microsoft.com/office/drawing/2010/main" w="9525">
                     <a:solidFill>
                       <a:srgbClr val="000000"/>
                     </a:solidFill>
@@ -10607,7 +10607,7 @@
               </a:ln>
               <a:extLst>
                 <a:ext uri="{91240B29-F687-4f45-9708-019B960494DF}">
-                  <a14:hiddenLine xmlns:a14="http://schemas.microsoft.com/office/drawing/2010/main" xmlns="" w="9525">
+                  <a14:hiddenLine xmlns="" xmlns:a14="http://schemas.microsoft.com/office/drawing/2010/main" w="9525">
                     <a:solidFill>
                       <a:srgbClr val="000000"/>
                     </a:solidFill>
@@ -10669,7 +10669,7 @@
               </a:ln>
               <a:extLst>
                 <a:ext uri="{91240B29-F687-4f45-9708-019B960494DF}">
-                  <a14:hiddenLine xmlns:a14="http://schemas.microsoft.com/office/drawing/2010/main" xmlns="" w="9525">
+                  <a14:hiddenLine xmlns="" xmlns:a14="http://schemas.microsoft.com/office/drawing/2010/main" w="9525">
                     <a:solidFill>
                       <a:srgbClr val="000000"/>
                     </a:solidFill>
@@ -10759,7 +10759,7 @@
               </a:ln>
               <a:extLst>
                 <a:ext uri="{91240B29-F687-4f45-9708-019B960494DF}">
-                  <a14:hiddenLine xmlns:a14="http://schemas.microsoft.com/office/drawing/2010/main" xmlns="" w="9525">
+                  <a14:hiddenLine xmlns="" xmlns:a14="http://schemas.microsoft.com/office/drawing/2010/main" w="9525">
                     <a:solidFill>
                       <a:srgbClr val="000000"/>
                     </a:solidFill>
@@ -10824,7 +10824,7 @@
               </a:ln>
               <a:extLst>
                 <a:ext uri="{91240B29-F687-4f45-9708-019B960494DF}">
-                  <a14:hiddenLine xmlns:a14="http://schemas.microsoft.com/office/drawing/2010/main" xmlns="" w="9525">
+                  <a14:hiddenLine xmlns="" xmlns:a14="http://schemas.microsoft.com/office/drawing/2010/main" w="9525">
                     <a:solidFill>
                       <a:srgbClr val="000000"/>
                     </a:solidFill>
@@ -10886,7 +10886,7 @@
               </a:ln>
               <a:extLst>
                 <a:ext uri="{91240B29-F687-4f45-9708-019B960494DF}">
-                  <a14:hiddenLine xmlns:a14="http://schemas.microsoft.com/office/drawing/2010/main" xmlns="" w="9525">
+                  <a14:hiddenLine xmlns="" xmlns:a14="http://schemas.microsoft.com/office/drawing/2010/main" w="9525">
                     <a:solidFill>
                       <a:srgbClr val="000000"/>
                     </a:solidFill>
@@ -10976,7 +10976,7 @@
               </a:ln>
               <a:extLst>
                 <a:ext uri="{91240B29-F687-4f45-9708-019B960494DF}">
-                  <a14:hiddenLine xmlns:a14="http://schemas.microsoft.com/office/drawing/2010/main" xmlns="" w="9525">
+                  <a14:hiddenLine xmlns="" xmlns:a14="http://schemas.microsoft.com/office/drawing/2010/main" w="9525">
                     <a:solidFill>
                       <a:srgbClr val="000000"/>
                     </a:solidFill>
@@ -11066,7 +11066,7 @@
               </a:ln>
               <a:extLst>
                 <a:ext uri="{91240B29-F687-4f45-9708-019B960494DF}">
-                  <a14:hiddenLine xmlns:a14="http://schemas.microsoft.com/office/drawing/2010/main" xmlns="" w="9525">
+                  <a14:hiddenLine xmlns="" xmlns:a14="http://schemas.microsoft.com/office/drawing/2010/main" w="9525">
                     <a:solidFill>
                       <a:srgbClr val="000000"/>
                     </a:solidFill>
@@ -11131,7 +11131,7 @@
               </a:ln>
               <a:extLst>
                 <a:ext uri="{91240B29-F687-4f45-9708-019B960494DF}">
-                  <a14:hiddenLine xmlns:a14="http://schemas.microsoft.com/office/drawing/2010/main" xmlns="" w="9525">
+                  <a14:hiddenLine xmlns="" xmlns:a14="http://schemas.microsoft.com/office/drawing/2010/main" w="9525">
                     <a:solidFill>
                       <a:srgbClr val="000000"/>
                     </a:solidFill>
@@ -11251,7 +11251,7 @@
               </a:ln>
               <a:extLst>
                 <a:ext uri="{91240B29-F687-4f45-9708-019B960494DF}">
-                  <a14:hiddenLine xmlns:a14="http://schemas.microsoft.com/office/drawing/2010/main" xmlns="" w="9525">
+                  <a14:hiddenLine xmlns="" xmlns:a14="http://schemas.microsoft.com/office/drawing/2010/main" w="9525">
                     <a:solidFill>
                       <a:srgbClr val="000000"/>
                     </a:solidFill>
@@ -11349,7 +11349,7 @@
               </a:ln>
               <a:extLst>
                 <a:ext uri="{91240B29-F687-4f45-9708-019B960494DF}">
-                  <a14:hiddenLine xmlns:a14="http://schemas.microsoft.com/office/drawing/2010/main" xmlns="" w="9525">
+                  <a14:hiddenLine xmlns="" xmlns:a14="http://schemas.microsoft.com/office/drawing/2010/main" w="9525">
                     <a:solidFill>
                       <a:srgbClr val="000000"/>
                     </a:solidFill>
@@ -11464,7 +11464,7 @@
               </a:ln>
               <a:extLst>
                 <a:ext uri="{91240B29-F687-4f45-9708-019B960494DF}">
-                  <a14:hiddenLine xmlns:a14="http://schemas.microsoft.com/office/drawing/2010/main" xmlns="" w="9525">
+                  <a14:hiddenLine xmlns="" xmlns:a14="http://schemas.microsoft.com/office/drawing/2010/main" w="9525">
                     <a:solidFill>
                       <a:srgbClr val="000000"/>
                     </a:solidFill>
@@ -11554,7 +11554,7 @@
               </a:ln>
               <a:extLst>
                 <a:ext uri="{91240B29-F687-4f45-9708-019B960494DF}">
-                  <a14:hiddenLine xmlns:a14="http://schemas.microsoft.com/office/drawing/2010/main" xmlns="" w="9525">
+                  <a14:hiddenLine xmlns="" xmlns:a14="http://schemas.microsoft.com/office/drawing/2010/main" w="9525">
                     <a:solidFill>
                       <a:srgbClr val="000000"/>
                     </a:solidFill>
@@ -11619,7 +11619,7 @@
               </a:ln>
               <a:extLst>
                 <a:ext uri="{91240B29-F687-4f45-9708-019B960494DF}">
-                  <a14:hiddenLine xmlns:a14="http://schemas.microsoft.com/office/drawing/2010/main" xmlns="" w="9525">
+                  <a14:hiddenLine xmlns="" xmlns:a14="http://schemas.microsoft.com/office/drawing/2010/main" w="9525">
                     <a:solidFill>
                       <a:srgbClr val="000000"/>
                     </a:solidFill>
@@ -11709,7 +11709,7 @@
               </a:ln>
               <a:extLst>
                 <a:ext uri="{91240B29-F687-4f45-9708-019B960494DF}">
-                  <a14:hiddenLine xmlns:a14="http://schemas.microsoft.com/office/drawing/2010/main" xmlns="" w="9525">
+                  <a14:hiddenLine xmlns="" xmlns:a14="http://schemas.microsoft.com/office/drawing/2010/main" w="9525">
                     <a:solidFill>
                       <a:srgbClr val="000000"/>
                     </a:solidFill>
@@ -11777,7 +11777,7 @@
               </a:ln>
               <a:extLst>
                 <a:ext uri="{91240B29-F687-4f45-9708-019B960494DF}">
-                  <a14:hiddenLine xmlns:a14="http://schemas.microsoft.com/office/drawing/2010/main" xmlns="" w="9525">
+                  <a14:hiddenLine xmlns="" xmlns:a14="http://schemas.microsoft.com/office/drawing/2010/main" w="9525">
                     <a:solidFill>
                       <a:srgbClr val="000000"/>
                     </a:solidFill>
@@ -11867,7 +11867,7 @@
               </a:ln>
               <a:extLst>
                 <a:ext uri="{91240B29-F687-4f45-9708-019B960494DF}">
-                  <a14:hiddenLine xmlns:a14="http://schemas.microsoft.com/office/drawing/2010/main" xmlns="" w="9525">
+                  <a14:hiddenLine xmlns="" xmlns:a14="http://schemas.microsoft.com/office/drawing/2010/main" w="9525">
                     <a:solidFill>
                       <a:srgbClr val="000000"/>
                     </a:solidFill>
@@ -11935,7 +11935,7 @@
               </a:ln>
               <a:extLst>
                 <a:ext uri="{91240B29-F687-4f45-9708-019B960494DF}">
-                  <a14:hiddenLine xmlns:a14="http://schemas.microsoft.com/office/drawing/2010/main" xmlns="" w="9525">
+                  <a14:hiddenLine xmlns="" xmlns:a14="http://schemas.microsoft.com/office/drawing/2010/main" w="9525">
                     <a:solidFill>
                       <a:srgbClr val="000000"/>
                     </a:solidFill>
@@ -12025,7 +12025,7 @@
               </a:ln>
               <a:extLst>
                 <a:ext uri="{91240B29-F687-4f45-9708-019B960494DF}">
-                  <a14:hiddenLine xmlns:a14="http://schemas.microsoft.com/office/drawing/2010/main" xmlns="" w="9525">
+                  <a14:hiddenLine xmlns="" xmlns:a14="http://schemas.microsoft.com/office/drawing/2010/main" w="9525">
                     <a:solidFill>
                       <a:srgbClr val="000000"/>
                     </a:solidFill>
@@ -12059,7 +12059,7 @@
               </a:ln>
               <a:extLst>
                 <a:ext uri="{91240B29-F687-4f45-9708-019B960494DF}">
-                  <a14:hiddenLine xmlns:a14="http://schemas.microsoft.com/office/drawing/2010/main" xmlns="" w="9525">
+                  <a14:hiddenLine xmlns="" xmlns:a14="http://schemas.microsoft.com/office/drawing/2010/main" w="9525">
                     <a:solidFill>
                       <a:srgbClr val="000000"/>
                     </a:solidFill>
@@ -16667,11 +16667,7 @@
             </a:r>
             <a:r>
               <a:rPr kumimoji="1" lang="ja-JP" altLang="en-US" sz="2400" dirty="0" smtClean="0"/>
-              <a:t>チームコミュニケーションツール</a:t>
-            </a:r>
-            <a:r>
-              <a:rPr kumimoji="1" lang="ja-JP" altLang="en-US" sz="2400" dirty="0" smtClean="0"/>
-              <a:t>を使用。</a:t>
+              <a:t>チームコミュニケーションツールを使用。</a:t>
             </a:r>
             <a:endParaRPr kumimoji="1" lang="en-US" altLang="ja-JP" sz="2400" dirty="0" smtClean="0"/>
           </a:p>
@@ -16717,6 +16713,106 @@
           <a:chExt cx="0" cy="0"/>
         </a:xfrm>
       </p:grpSpPr>
+      <p:pic>
+        <p:nvPicPr>
+          <p:cNvPr id="2" name="図 1"/>
+          <p:cNvPicPr>
+            <a:picLocks noChangeAspect="1"/>
+          </p:cNvPicPr>
+          <p:nvPr/>
+        </p:nvPicPr>
+        <p:blipFill>
+          <a:blip r:embed="rId2"/>
+          <a:stretch>
+            <a:fillRect/>
+          </a:stretch>
+        </p:blipFill>
+        <p:spPr>
+          <a:xfrm>
+            <a:off x="4345569" y="1695637"/>
+            <a:ext cx="3017782" cy="3328704"/>
+          </a:xfrm>
+          <a:prstGeom prst="rect">
+            <a:avLst/>
+          </a:prstGeom>
+        </p:spPr>
+      </p:pic>
+      <p:sp>
+        <p:nvSpPr>
+          <p:cNvPr id="3" name="テキスト ボックス 2"/>
+          <p:cNvSpPr txBox="1"/>
+          <p:nvPr/>
+        </p:nvSpPr>
+        <p:spPr>
+          <a:xfrm>
+            <a:off x="3296709" y="2575159"/>
+            <a:ext cx="5115503" cy="1569660"/>
+          </a:xfrm>
+          <a:prstGeom prst="rect">
+            <a:avLst/>
+          </a:prstGeom>
+          <a:noFill/>
+        </p:spPr>
+        <p:txBody>
+          <a:bodyPr wrap="none" rtlCol="0">
+            <a:spAutoFit/>
+          </a:bodyPr>
+          <a:lstStyle/>
+          <a:p>
+            <a:r>
+              <a:rPr kumimoji="1" lang="ja-JP" altLang="en-US" sz="9600" b="1" dirty="0" smtClean="0">
+                <a:blipFill>
+                  <a:blip r:embed="rId3"/>
+                  <a:tile tx="0" ty="0" sx="100000" sy="100000" flip="none" algn="tl"/>
+                </a:blipFill>
+                <a:effectLst>
+                  <a:outerShdw blurRad="38100" dist="38100" dir="2700000" algn="tl">
+                    <a:srgbClr val="000000">
+                      <a:alpha val="43137"/>
+                    </a:srgbClr>
+                  </a:outerShdw>
+                </a:effectLst>
+                <a:latin typeface="GungsuhChe" panose="02030609000101010101" pitchFamily="49" charset="-127"/>
+                <a:ea typeface="GungsuhChe" panose="02030609000101010101" pitchFamily="49" charset="-127"/>
+              </a:rPr>
+              <a:t>おしま</a:t>
+            </a:r>
+            <a:r>
+              <a:rPr kumimoji="1" lang="ja-JP" altLang="en-US" sz="9600" b="1" dirty="0">
+                <a:blipFill>
+                  <a:blip r:embed="rId3"/>
+                  <a:tile tx="0" ty="0" sx="100000" sy="100000" flip="none" algn="tl"/>
+                </a:blipFill>
+                <a:effectLst>
+                  <a:outerShdw blurRad="38100" dist="38100" dir="2700000" algn="tl">
+                    <a:srgbClr val="000000">
+                      <a:alpha val="43137"/>
+                    </a:srgbClr>
+                  </a:outerShdw>
+                </a:effectLst>
+                <a:latin typeface="GungsuhChe" panose="02030609000101010101" pitchFamily="49" charset="-127"/>
+                <a:ea typeface="GungsuhChe" panose="02030609000101010101" pitchFamily="49" charset="-127"/>
+              </a:rPr>
+              <a:t>い</a:t>
+            </a:r>
+            <a:endParaRPr kumimoji="1" lang="ja-JP" altLang="en-US" sz="9600" b="1" dirty="0">
+              <a:blipFill>
+                <a:blip r:embed="rId3"/>
+                <a:tile tx="0" ty="0" sx="100000" sy="100000" flip="none" algn="tl"/>
+              </a:blipFill>
+              <a:effectLst>
+                <a:outerShdw blurRad="38100" dist="38100" dir="2700000" algn="tl">
+                  <a:srgbClr val="000000">
+                    <a:alpha val="43137"/>
+                  </a:srgbClr>
+                </a:outerShdw>
+              </a:effectLst>
+              <a:latin typeface="GungsuhChe" panose="02030609000101010101" pitchFamily="49" charset="-127"/>
+              <a:ea typeface="GungsuhChe" panose="02030609000101010101" pitchFamily="49" charset="-127"/>
+            </a:endParaRPr>
+          </a:p>
+        </p:txBody>
+      </p:sp>
     </p:spTree>
     <p:extLst>
       <p:ext uri="{BB962C8B-B14F-4D97-AF65-F5344CB8AC3E}">
@@ -16727,6 +16823,135 @@
   <p:clrMapOvr>
     <a:masterClrMapping/>
   </p:clrMapOvr>
+  <p:timing>
+    <p:tnLst>
+      <p:par>
+        <p:cTn id="1" dur="indefinite" restart="never" nodeType="tmRoot">
+          <p:childTnLst>
+            <p:seq concurrent="1" nextAc="seek">
+              <p:cTn id="2" dur="indefinite" nodeType="mainSeq">
+                <p:childTnLst>
+                  <p:par>
+                    <p:cTn id="3" fill="hold">
+                      <p:stCondLst>
+                        <p:cond delay="indefinite"/>
+                      </p:stCondLst>
+                      <p:childTnLst>
+                        <p:par>
+                          <p:cTn id="4" fill="hold">
+                            <p:stCondLst>
+                              <p:cond delay="0"/>
+                            </p:stCondLst>
+                            <p:childTnLst>
+                              <p:par>
+                                <p:cTn id="5" presetID="47" presetClass="exit" presetSubtype="0" fill="hold" nodeType="clickEffect">
+                                  <p:stCondLst>
+                                    <p:cond delay="0"/>
+                                  </p:stCondLst>
+                                  <p:childTnLst>
+                                    <p:animEffect transition="out" filter="fade">
+                                      <p:cBhvr>
+                                        <p:cTn id="6" dur="1000"/>
+                                        <p:tgtEl>
+                                          <p:spTgt spid="2"/>
+                                        </p:tgtEl>
+                                      </p:cBhvr>
+                                    </p:animEffect>
+                                    <p:anim calcmode="lin" valueType="num">
+                                      <p:cBhvr>
+                                        <p:cTn id="7" dur="1000"/>
+                                        <p:tgtEl>
+                                          <p:spTgt spid="2"/>
+                                        </p:tgtEl>
+                                        <p:attrNameLst>
+                                          <p:attrName>ppt_x</p:attrName>
+                                        </p:attrNameLst>
+                                      </p:cBhvr>
+                                      <p:tavLst>
+                                        <p:tav tm="0">
+                                          <p:val>
+                                            <p:strVal val="ppt_x"/>
+                                          </p:val>
+                                        </p:tav>
+                                        <p:tav tm="100000">
+                                          <p:val>
+                                            <p:strVal val="ppt_x"/>
+                                          </p:val>
+                                        </p:tav>
+                                      </p:tavLst>
+                                    </p:anim>
+                                    <p:anim calcmode="lin" valueType="num">
+                                      <p:cBhvr>
+                                        <p:cTn id="8" dur="1000"/>
+                                        <p:tgtEl>
+                                          <p:spTgt spid="2"/>
+                                        </p:tgtEl>
+                                        <p:attrNameLst>
+                                          <p:attrName>ppt_y</p:attrName>
+                                        </p:attrNameLst>
+                                      </p:cBhvr>
+                                      <p:tavLst>
+                                        <p:tav tm="0">
+                                          <p:val>
+                                            <p:strVal val="ppt_y"/>
+                                          </p:val>
+                                        </p:tav>
+                                        <p:tav tm="100000">
+                                          <p:val>
+                                            <p:strVal val="ppt_y-.1"/>
+                                          </p:val>
+                                        </p:tav>
+                                      </p:tavLst>
+                                    </p:anim>
+                                    <p:set>
+                                      <p:cBhvr>
+                                        <p:cTn id="9" dur="1" fill="hold">
+                                          <p:stCondLst>
+                                            <p:cond delay="999"/>
+                                          </p:stCondLst>
+                                        </p:cTn>
+                                        <p:tgtEl>
+                                          <p:spTgt spid="2"/>
+                                        </p:tgtEl>
+                                        <p:attrNameLst>
+                                          <p:attrName>style.visibility</p:attrName>
+                                        </p:attrNameLst>
+                                      </p:cBhvr>
+                                      <p:to>
+                                        <p:strVal val="hidden"/>
+                                      </p:to>
+                                    </p:set>
+                                  </p:childTnLst>
+                                </p:cTn>
+                              </p:par>
+                            </p:childTnLst>
+                          </p:cTn>
+                        </p:par>
+                      </p:childTnLst>
+                    </p:cTn>
+                  </p:par>
+                </p:childTnLst>
+              </p:cTn>
+              <p:prevCondLst>
+                <p:cond evt="onPrev" delay="0">
+                  <p:tgtEl>
+                    <p:sldTgt/>
+                  </p:tgtEl>
+                </p:cond>
+              </p:prevCondLst>
+              <p:nextCondLst>
+                <p:cond evt="onNext" delay="0">
+                  <p:tgtEl>
+                    <p:sldTgt/>
+                  </p:tgtEl>
+                </p:cond>
+              </p:nextCondLst>
+            </p:seq>
+          </p:childTnLst>
+        </p:cTn>
+      </p:par>
+    </p:tnLst>
+  </p:timing>
 </p:sld>
 </file>
 
@@ -21566,33 +21791,15 @@
                                   </p:childTnLst>
                                 </p:cTn>
                               </p:par>
-                            </p:childTnLst>
-                          </p:cTn>
-                        </p:par>
-                      </p:childTnLst>
-                    </p:cTn>
-                  </p:par>
-                  <p:par>
-                    <p:cTn id="11" fill="hold">
-                      <p:stCondLst>
-                        <p:cond delay="indefinite"/>
-                      </p:stCondLst>
-                      <p:childTnLst>
-                        <p:par>
-                          <p:cTn id="12" fill="hold">
-                            <p:stCondLst>
-                              <p:cond delay="0"/>
-                            </p:stCondLst>
-                            <p:childTnLst>
                               <p:par>
-                                <p:cTn id="13" presetID="16" presetClass="entr" presetSubtype="21" fill="hold" grpId="0" nodeType="clickEffect">
+                                <p:cTn id="11" presetID="16" presetClass="entr" presetSubtype="21" fill="hold" grpId="0" nodeType="withEffect">
                                   <p:stCondLst>
                                     <p:cond delay="0"/>
                                   </p:stCondLst>
                                   <p:childTnLst>
                                     <p:set>
                                       <p:cBhvr>
-                                        <p:cTn id="14" dur="1" fill="hold">
+                                        <p:cTn id="12" dur="1" fill="hold">
                                           <p:stCondLst>
                                             <p:cond delay="0"/>
                                           </p:stCondLst>
@@ -21610,7 +21817,7 @@
                                     </p:set>
                                     <p:animEffect transition="in" filter="barn(inVertical)">
                                       <p:cBhvr>
-                                        <p:cTn id="15" dur="500"/>
+                                        <p:cTn id="13" dur="500"/>
                                         <p:tgtEl>
                                           <p:spTgt spid="32"/>
                                         </p:tgtEl>
@@ -21626,26 +21833,26 @@
                     </p:cTn>
                   </p:par>
                   <p:par>
-                    <p:cTn id="16" fill="hold">
+                    <p:cTn id="14" fill="hold">
                       <p:stCondLst>
                         <p:cond delay="indefinite"/>
                       </p:stCondLst>
                       <p:childTnLst>
                         <p:par>
-                          <p:cTn id="17" fill="hold">
+                          <p:cTn id="15" fill="hold">
                             <p:stCondLst>
                               <p:cond delay="0"/>
                             </p:stCondLst>
                             <p:childTnLst>
                               <p:par>
-                                <p:cTn id="18" presetID="53" presetClass="entr" presetSubtype="16" fill="hold" grpId="0" nodeType="clickEffect">
+                                <p:cTn id="16" presetID="53" presetClass="entr" presetSubtype="16" fill="hold" grpId="0" nodeType="clickEffect">
                                   <p:stCondLst>
                                     <p:cond delay="0"/>
                                   </p:stCondLst>
                                   <p:childTnLst>
                                     <p:set>
                                       <p:cBhvr>
-                                        <p:cTn id="19" dur="1" fill="hold">
+                                        <p:cTn id="17" dur="1" fill="hold">
                                           <p:stCondLst>
                                             <p:cond delay="0"/>
                                           </p:stCondLst>
@@ -21663,7 +21870,7 @@
                                     </p:set>
                                     <p:anim calcmode="lin" valueType="num">
                                       <p:cBhvr>
-                                        <p:cTn id="20" dur="500" fill="hold"/>
+                                        <p:cTn id="18" dur="500" fill="hold"/>
                                         <p:tgtEl>
                                           <p:spTgt spid="21"/>
                                         </p:tgtEl>
@@ -21686,7 +21893,7 @@
                                     </p:anim>
                                     <p:anim calcmode="lin" valueType="num">
                                       <p:cBhvr>
-                                        <p:cTn id="21" dur="500" fill="hold"/>
+                                        <p:cTn id="19" dur="500" fill="hold"/>
                                         <p:tgtEl>
                                           <p:spTgt spid="21"/>
                                         </p:tgtEl>
@@ -21709,7 +21916,7 @@
                                     </p:anim>
                                     <p:animEffect transition="in" filter="fade">
                                       <p:cBhvr>
-                                        <p:cTn id="22" dur="500"/>
+                                        <p:cTn id="20" dur="500"/>
                                         <p:tgtEl>
                                           <p:spTgt spid="21"/>
                                         </p:tgtEl>
@@ -23761,110 +23968,6 @@
           </a:p>
         </p:txBody>
       </p:sp>
-      <p:sp>
-        <p:nvSpPr>
-          <p:cNvPr id="3" name="テキスト ボックス 2"/>
-          <p:cNvSpPr txBox="1"/>
-          <p:nvPr/>
-        </p:nvSpPr>
-        <p:spPr>
-          <a:xfrm>
-            <a:off x="5563262" y="4247922"/>
-            <a:ext cx="6628738" cy="2308324"/>
-          </a:xfrm>
-          <a:prstGeom prst="rect">
-            <a:avLst/>
-          </a:prstGeom>
-          <a:noFill/>
-        </p:spPr>
-        <p:txBody>
-          <a:bodyPr wrap="none" rtlCol="0">
-            <a:spAutoFit/>
-          </a:bodyPr>
-          <a:lstStyle/>
-          <a:p>
-            <a:r>
-              <a:rPr kumimoji="1" lang="ja-JP" altLang="en-US" sz="2400" b="1" dirty="0" smtClean="0"/>
-              <a:t>ルール</a:t>
-            </a:r>
-            <a:endParaRPr kumimoji="1" lang="en-US" altLang="ja-JP" sz="2000" b="1" dirty="0" smtClean="0"/>
-          </a:p>
-          <a:p>
-            <a:r>
-              <a:rPr kumimoji="1" lang="ja-JP" altLang="en-US" sz="2000" b="1" dirty="0" smtClean="0"/>
-              <a:t>・ロボットを誘導して</a:t>
-            </a:r>
-            <a:r>
-              <a:rPr kumimoji="1" lang="en-US" altLang="ja-JP" sz="2000" b="1" dirty="0" smtClean="0"/>
-              <a:t>Riddle(</a:t>
-            </a:r>
-            <a:r>
-              <a:rPr kumimoji="1" lang="ja-JP" altLang="en-US" sz="2000" b="1" dirty="0" smtClean="0"/>
-              <a:t>謎</a:t>
-            </a:r>
-            <a:r>
-              <a:rPr kumimoji="1" lang="en-US" altLang="ja-JP" sz="2000" b="1" dirty="0" smtClean="0"/>
-              <a:t>)</a:t>
-            </a:r>
-            <a:r>
-              <a:rPr kumimoji="1" lang="ja-JP" altLang="en-US" sz="2000" b="1" dirty="0" smtClean="0"/>
-              <a:t>に必要なアイテムを集めよう。</a:t>
-            </a:r>
-            <a:endParaRPr kumimoji="1" lang="en-US" altLang="ja-JP" sz="2000" b="1" dirty="0" smtClean="0"/>
-          </a:p>
-          <a:p>
-            <a:r>
-              <a:rPr kumimoji="1" lang="ja-JP" altLang="en-US" sz="2000" b="1" dirty="0" smtClean="0"/>
-              <a:t>・ロボットは直接操作はできない。</a:t>
-            </a:r>
-            <a:endParaRPr kumimoji="1" lang="en-US" altLang="ja-JP" sz="2000" b="1" dirty="0" smtClean="0"/>
-          </a:p>
-          <a:p>
-            <a:r>
-              <a:rPr kumimoji="1" lang="ja-JP" altLang="en-US" sz="2000" b="1" dirty="0" smtClean="0"/>
-              <a:t>・ロボットは自分の行きたいほうに進んでしまう。</a:t>
-            </a:r>
-            <a:endParaRPr kumimoji="1" lang="en-US" altLang="ja-JP" sz="2000" b="1" dirty="0" smtClean="0"/>
-          </a:p>
-          <a:p>
-            <a:r>
-              <a:rPr kumimoji="1" lang="ja-JP" altLang="en-US" sz="2000" b="1" dirty="0" smtClean="0"/>
-              <a:t>・誘導する物を落としてロボットに気づいてもらおう。</a:t>
-            </a:r>
-            <a:endParaRPr kumimoji="1" lang="en-US" altLang="ja-JP" sz="2000" b="1" dirty="0" smtClean="0"/>
-          </a:p>
-          <a:p>
-            <a:r>
-              <a:rPr kumimoji="1" lang="ja-JP" altLang="en-US" sz="2000" b="1" dirty="0" smtClean="0"/>
-              <a:t>・すべてのアイテムを拾い、出口まで行くと</a:t>
-            </a:r>
-            <a:r>
-              <a:rPr kumimoji="1" lang="en-US" altLang="ja-JP" sz="2000" b="1" dirty="0" smtClean="0"/>
-              <a:t>Riddle</a:t>
-            </a:r>
-            <a:r>
-              <a:rPr kumimoji="1" lang="ja-JP" altLang="en-US" sz="2000" b="1" dirty="0" smtClean="0"/>
-              <a:t>に進める。</a:t>
-            </a:r>
-            <a:endParaRPr kumimoji="1" lang="en-US" altLang="ja-JP" sz="2000" b="1" dirty="0" smtClean="0"/>
-          </a:p>
-          <a:p>
-            <a:r>
-              <a:rPr kumimoji="1" lang="ja-JP" altLang="en-US" sz="2000" b="1" dirty="0" smtClean="0"/>
-              <a:t>・アイテムを使って</a:t>
-            </a:r>
-            <a:r>
-              <a:rPr kumimoji="1" lang="en-US" altLang="ja-JP" sz="2000" b="1" dirty="0" smtClean="0"/>
-              <a:t>Riddle</a:t>
-            </a:r>
-            <a:r>
-              <a:rPr kumimoji="1" lang="ja-JP" altLang="en-US" sz="2000" b="1" dirty="0" smtClean="0"/>
-              <a:t>を解こう。</a:t>
-            </a:r>
-            <a:endParaRPr kumimoji="1" lang="ja-JP" altLang="en-US" sz="2000" b="1" dirty="0"/>
-          </a:p>
-        </p:txBody>
-      </p:sp>
       <p:pic>
         <p:nvPicPr>
           <p:cNvPr id="5" name="図 4"/>
@@ -23887,7 +23990,7 @@
         </p:blipFill>
         <p:spPr>
           <a:xfrm>
-            <a:off x="5887662" y="789227"/>
+            <a:off x="8227212" y="656705"/>
             <a:ext cx="3192642" cy="3458695"/>
           </a:xfrm>
           <a:prstGeom prst="rect">
@@ -23897,7 +24000,7 @@
       </p:pic>
       <p:pic>
         <p:nvPicPr>
-          <p:cNvPr id="6" name="図 5"/>
+          <p:cNvPr id="4" name="図 3"/>
           <p:cNvPicPr>
             <a:picLocks noChangeAspect="1"/>
           </p:cNvPicPr>
@@ -23917,14 +24020,115 @@
         </p:blipFill>
         <p:spPr>
           <a:xfrm>
-            <a:off x="8945685" y="922032"/>
-            <a:ext cx="3013200" cy="3325890"/>
+            <a:off x="0" y="789227"/>
+            <a:ext cx="7455067" cy="4630912"/>
           </a:xfrm>
           <a:prstGeom prst="rect">
             <a:avLst/>
           </a:prstGeom>
         </p:spPr>
       </p:pic>
+      <p:sp>
+        <p:nvSpPr>
+          <p:cNvPr id="3" name="テキスト ボックス 2"/>
+          <p:cNvSpPr txBox="1"/>
+          <p:nvPr/>
+        </p:nvSpPr>
+        <p:spPr>
+          <a:xfrm>
+            <a:off x="5563262" y="4700175"/>
+            <a:ext cx="6628738" cy="2000548"/>
+          </a:xfrm>
+          <a:prstGeom prst="rect">
+            <a:avLst/>
+          </a:prstGeom>
+          <a:noFill/>
+        </p:spPr>
+        <p:txBody>
+          <a:bodyPr wrap="none" rtlCol="0">
+            <a:spAutoFit/>
+          </a:bodyPr>
+          <a:lstStyle/>
+          <a:p>
+            <a:r>
+              <a:rPr kumimoji="1" lang="ja-JP" altLang="en-US" sz="2400" b="1" dirty="0" smtClean="0"/>
+              <a:t>ルール</a:t>
+            </a:r>
+            <a:endParaRPr kumimoji="1" lang="en-US" altLang="ja-JP" sz="2000" b="1" dirty="0" smtClean="0"/>
+          </a:p>
+          <a:p>
+            <a:r>
+              <a:rPr kumimoji="1" lang="ja-JP" altLang="en-US" sz="2000" b="1" dirty="0" smtClean="0"/>
+              <a:t>・ロボットを誘導して</a:t>
+            </a:r>
+            <a:r>
+              <a:rPr kumimoji="1" lang="en-US" altLang="ja-JP" sz="2000" b="1" dirty="0" smtClean="0"/>
+              <a:t>Riddle(</a:t>
+            </a:r>
+            <a:r>
+              <a:rPr kumimoji="1" lang="ja-JP" altLang="en-US" sz="2000" b="1" dirty="0" smtClean="0"/>
+              <a:t>謎</a:t>
+            </a:r>
+            <a:r>
+              <a:rPr kumimoji="1" lang="en-US" altLang="ja-JP" sz="2000" b="1" dirty="0" smtClean="0"/>
+              <a:t>)</a:t>
+            </a:r>
+            <a:r>
+              <a:rPr kumimoji="1" lang="ja-JP" altLang="en-US" sz="2000" b="1" dirty="0" smtClean="0"/>
+              <a:t>に必要なアイテムを集めよう。</a:t>
+            </a:r>
+            <a:endParaRPr kumimoji="1" lang="en-US" altLang="ja-JP" sz="2000" b="1" dirty="0" smtClean="0"/>
+          </a:p>
+          <a:p>
+            <a:r>
+              <a:rPr kumimoji="1" lang="ja-JP" altLang="en-US" sz="2000" b="1" dirty="0" smtClean="0"/>
+              <a:t>・ロボットは直接操作はできない。</a:t>
+            </a:r>
+            <a:endParaRPr kumimoji="1" lang="en-US" altLang="ja-JP" sz="2000" b="1" dirty="0" smtClean="0"/>
+          </a:p>
+          <a:p>
+            <a:r>
+              <a:rPr kumimoji="1" lang="ja-JP" altLang="en-US" sz="2000" b="1" dirty="0" smtClean="0"/>
+              <a:t>・</a:t>
+            </a:r>
+            <a:r>
+              <a:rPr kumimoji="1" lang="ja-JP" altLang="en-US" sz="2000" b="1" dirty="0" smtClean="0"/>
+              <a:t>誘導する物を落としてロボットに気づいてもらおう。</a:t>
+            </a:r>
+            <a:endParaRPr kumimoji="1" lang="en-US" altLang="ja-JP" sz="2000" b="1" dirty="0" smtClean="0"/>
+          </a:p>
+          <a:p>
+            <a:r>
+              <a:rPr kumimoji="1" lang="ja-JP" altLang="en-US" sz="2000" b="1" dirty="0" smtClean="0"/>
+              <a:t>・すべてのアイテムを拾い、出口まで行くと</a:t>
+            </a:r>
+            <a:r>
+              <a:rPr kumimoji="1" lang="en-US" altLang="ja-JP" sz="2000" b="1" dirty="0" smtClean="0"/>
+              <a:t>Riddle</a:t>
+            </a:r>
+            <a:r>
+              <a:rPr kumimoji="1" lang="ja-JP" altLang="en-US" sz="2000" b="1" dirty="0" smtClean="0"/>
+              <a:t>に進める。</a:t>
+            </a:r>
+            <a:endParaRPr kumimoji="1" lang="en-US" altLang="ja-JP" sz="2000" b="1" dirty="0" smtClean="0"/>
+          </a:p>
+          <a:p>
+            <a:r>
+              <a:rPr kumimoji="1" lang="ja-JP" altLang="en-US" sz="2000" b="1" dirty="0" smtClean="0"/>
+              <a:t>・アイテムを使って</a:t>
+            </a:r>
+            <a:r>
+              <a:rPr kumimoji="1" lang="en-US" altLang="ja-JP" sz="2000" b="1" dirty="0" smtClean="0"/>
+              <a:t>Riddle</a:t>
+            </a:r>
+            <a:r>
+              <a:rPr kumimoji="1" lang="ja-JP" altLang="en-US" sz="2000" b="1" dirty="0" smtClean="0"/>
+              <a:t>を解こう。</a:t>
+            </a:r>
+            <a:endParaRPr kumimoji="1" lang="ja-JP" altLang="en-US" sz="2000" b="1" dirty="0"/>
+          </a:p>
+        </p:txBody>
+      </p:sp>
     </p:spTree>
     <p:extLst>
       <p:ext uri="{BB962C8B-B14F-4D97-AF65-F5344CB8AC3E}">

--- a/櫻畑/資料/03.プレゼン.pptx
+++ b/櫻畑/資料/03.プレゼン.pptx
@@ -14490,15 +14490,7 @@
               </a:r>
               <a:r>
                 <a:rPr kumimoji="1" lang="ja-JP" altLang="en-US" sz="2400" dirty="0" smtClean="0"/>
-                <a:t>　　　　　　　　　　</a:t>
-              </a:r>
-              <a:r>
-                <a:rPr kumimoji="1" lang="ja-JP" altLang="en-US" sz="2400" dirty="0" smtClean="0"/>
-                <a:t>チームコミュニケーションツール</a:t>
-              </a:r>
-              <a:r>
-                <a:rPr kumimoji="1" lang="ja-JP" altLang="en-US" sz="2400" dirty="0" smtClean="0"/>
-                <a:t>を使用。</a:t>
+                <a:t>　　　　　　　　　　チームコミュニケーションツールを使用。</a:t>
               </a:r>
               <a:endParaRPr kumimoji="1" lang="en-US" altLang="ja-JP" sz="2400" dirty="0" smtClean="0"/>
             </a:p>
@@ -14599,13 +14591,8 @@
           <a:p>
             <a:r>
               <a:rPr kumimoji="1" lang="ja-JP" altLang="en-US" sz="4800" dirty="0" smtClean="0"/>
-              <a:t>一人一人担当</a:t>
-            </a:r>
-            <a:r>
-              <a:rPr kumimoji="1" lang="ja-JP" altLang="en-US" sz="4800" dirty="0" smtClean="0"/>
-              <a:t>したところ・感想</a:t>
-            </a:r>
-            <a:endParaRPr kumimoji="1" lang="ja-JP" altLang="en-US" sz="4800" dirty="0" smtClean="0"/>
+              <a:t>一人一人担当したところ・感想</a:t>
+            </a:r>
           </a:p>
         </p:txBody>
       </p:sp>
@@ -15650,11 +15637,7 @@
           <a:p>
             <a:r>
               <a:rPr kumimoji="1" lang="ja-JP" altLang="en-US" sz="2000" b="1" dirty="0" smtClean="0"/>
-              <a:t>・オブジェクト</a:t>
-            </a:r>
-            <a:r>
-              <a:rPr kumimoji="1" lang="ja-JP" altLang="en-US" sz="2000" b="1" dirty="0" smtClean="0"/>
-              <a:t>作成</a:t>
+              <a:t>・オブジェクト作成</a:t>
             </a:r>
             <a:endParaRPr kumimoji="1" lang="ja-JP" altLang="en-US" sz="2000" b="1" dirty="0"/>
           </a:p>
@@ -15691,22 +15674,14 @@
           <a:p>
             <a:r>
               <a:rPr kumimoji="1" lang="ja-JP" altLang="en-US" sz="2000" b="1" dirty="0" smtClean="0"/>
-              <a:t>・ステージ</a:t>
-            </a:r>
-            <a:r>
-              <a:rPr kumimoji="1" lang="ja-JP" altLang="en-US" sz="2000" b="1" dirty="0" smtClean="0"/>
-              <a:t>作成</a:t>
+              <a:t>・ステージ作成</a:t>
             </a:r>
             <a:endParaRPr kumimoji="1" lang="en-US" altLang="ja-JP" sz="2000" b="1" dirty="0" smtClean="0"/>
           </a:p>
           <a:p>
             <a:r>
               <a:rPr kumimoji="1" lang="ja-JP" altLang="en-US" sz="2000" b="1" dirty="0" smtClean="0"/>
-              <a:t>・スクリプト</a:t>
-            </a:r>
-            <a:r>
-              <a:rPr kumimoji="1" lang="ja-JP" altLang="en-US" sz="2000" b="1" dirty="0" smtClean="0"/>
-              <a:t>調整</a:t>
+              <a:t>・スクリプト調整</a:t>
             </a:r>
             <a:endParaRPr kumimoji="1" lang="en-US" altLang="ja-JP" sz="2000" b="1" dirty="0" smtClean="0"/>
           </a:p>
@@ -16796,15 +16771,7 @@
           <a:p>
             <a:r>
               <a:rPr kumimoji="1" lang="ja-JP" altLang="en-US" sz="2000" b="1" dirty="0" smtClean="0"/>
-              <a:t>・エネミー</a:t>
-            </a:r>
-            <a:r>
-              <a:rPr kumimoji="1" lang="ja-JP" altLang="en-US" sz="2000" b="1" dirty="0" smtClean="0"/>
-              <a:t>動作</a:t>
-            </a:r>
-            <a:r>
-              <a:rPr kumimoji="1" lang="ja-JP" altLang="en-US" sz="2000" b="1" dirty="0" smtClean="0"/>
-              <a:t>作成　　等</a:t>
+              <a:t>・エネミー動作作成　　等</a:t>
             </a:r>
             <a:endParaRPr kumimoji="1" lang="ja-JP" altLang="en-US" sz="2000" b="1" dirty="0"/>
           </a:p>
@@ -16885,8 +16852,8 @@
         </p:blipFill>
         <p:spPr>
           <a:xfrm rot="19079445">
-            <a:off x="10847865" y="3422977"/>
-            <a:ext cx="2900306" cy="3528530"/>
+            <a:off x="10511291" y="2546386"/>
+            <a:ext cx="3528723" cy="4293066"/>
           </a:xfrm>
           <a:prstGeom prst="rect">
             <a:avLst/>
@@ -16906,7 +16873,132 @@
   <p:timing>
     <p:tnLst>
       <p:par>
-        <p:cTn id="1" dur="indefinite" restart="never" nodeType="tmRoot"/>
+        <p:cTn id="1" dur="indefinite" restart="never" nodeType="tmRoot">
+          <p:childTnLst>
+            <p:seq concurrent="1" nextAc="seek">
+              <p:cTn id="2" dur="indefinite" nodeType="mainSeq">
+                <p:childTnLst>
+                  <p:par>
+                    <p:cTn id="3" fill="hold">
+                      <p:stCondLst>
+                        <p:cond delay="indefinite"/>
+                      </p:stCondLst>
+                      <p:childTnLst>
+                        <p:par>
+                          <p:cTn id="4" fill="hold">
+                            <p:stCondLst>
+                              <p:cond delay="0"/>
+                            </p:stCondLst>
+                            <p:childTnLst>
+                              <p:par>
+                                <p:cTn id="5" presetID="32" presetClass="emph" presetSubtype="0" fill="hold" nodeType="clickEffect">
+                                  <p:stCondLst>
+                                    <p:cond delay="0"/>
+                                  </p:stCondLst>
+                                  <p:childTnLst>
+                                    <p:animRot by="120000">
+                                      <p:cBhvr>
+                                        <p:cTn id="6" dur="100" fill="hold">
+                                          <p:stCondLst>
+                                            <p:cond delay="0"/>
+                                          </p:stCondLst>
+                                        </p:cTn>
+                                        <p:tgtEl>
+                                          <p:spTgt spid="12"/>
+                                        </p:tgtEl>
+                                        <p:attrNameLst>
+                                          <p:attrName>r</p:attrName>
+                                        </p:attrNameLst>
+                                      </p:cBhvr>
+                                    </p:animRot>
+                                    <p:animRot by="-240000">
+                                      <p:cBhvr>
+                                        <p:cTn id="7" dur="200" fill="hold">
+                                          <p:stCondLst>
+                                            <p:cond delay="200"/>
+                                          </p:stCondLst>
+                                        </p:cTn>
+                                        <p:tgtEl>
+                                          <p:spTgt spid="12"/>
+                                        </p:tgtEl>
+                                        <p:attrNameLst>
+                                          <p:attrName>r</p:attrName>
+                                        </p:attrNameLst>
+                                      </p:cBhvr>
+                                    </p:animRot>
+                                    <p:animRot by="240000">
+                                      <p:cBhvr>
+                                        <p:cTn id="8" dur="200" fill="hold">
+                                          <p:stCondLst>
+                                            <p:cond delay="400"/>
+                                          </p:stCondLst>
+                                        </p:cTn>
+                                        <p:tgtEl>
+                                          <p:spTgt spid="12"/>
+                                        </p:tgtEl>
+                                        <p:attrNameLst>
+                                          <p:attrName>r</p:attrName>
+                                        </p:attrNameLst>
+                                      </p:cBhvr>
+                                    </p:animRot>
+                                    <p:animRot by="-240000">
+                                      <p:cBhvr>
+                                        <p:cTn id="9" dur="200" fill="hold">
+                                          <p:stCondLst>
+                                            <p:cond delay="600"/>
+                                          </p:stCondLst>
+                                        </p:cTn>
+                                        <p:tgtEl>
+                                          <p:spTgt spid="12"/>
+                                        </p:tgtEl>
+                                        <p:attrNameLst>
+                                          <p:attrName>r</p:attrName>
+                                        </p:attrNameLst>
+                                      </p:cBhvr>
+                                    </p:animRot>
+                                    <p:animRot by="120000">
+                                      <p:cBhvr>
+                                        <p:cTn id="10" dur="200" fill="hold">
+                                          <p:stCondLst>
+                                            <p:cond delay="800"/>
+                                          </p:stCondLst>
+                                        </p:cTn>
+                                        <p:tgtEl>
+                                          <p:spTgt spid="12"/>
+                                        </p:tgtEl>
+                                        <p:attrNameLst>
+                                          <p:attrName>r</p:attrName>
+                                        </p:attrNameLst>
+                                      </p:cBhvr>
+                                    </p:animRot>
+                                  </p:childTnLst>
+                                </p:cTn>
+                              </p:par>
+                            </p:childTnLst>
+                          </p:cTn>
+                        </p:par>
+                      </p:childTnLst>
+                    </p:cTn>
+                  </p:par>
+                </p:childTnLst>
+              </p:cTn>
+              <p:prevCondLst>
+                <p:cond evt="onPrev" delay="0">
+                  <p:tgtEl>
+                    <p:sldTgt/>
+                  </p:tgtEl>
+                </p:cond>
+              </p:prevCondLst>
+              <p:nextCondLst>
+                <p:cond evt="onNext" delay="0">
+                  <p:tgtEl>
+                    <p:sldTgt/>
+                  </p:tgtEl>
+                </p:cond>
+              </p:nextCondLst>
+            </p:seq>
+          </p:childTnLst>
+        </p:cTn>
       </p:par>
     </p:tnLst>
   </p:timing>
@@ -17953,7 +18045,7 @@
         </p:nvSpPr>
         <p:spPr>
           <a:xfrm>
-            <a:off x="7097236" y="4232956"/>
+            <a:off x="6924708" y="4232956"/>
             <a:ext cx="1851789" cy="1015663"/>
           </a:xfrm>
           <a:prstGeom prst="rect">
@@ -17969,11 +18061,7 @@
           <a:p>
             <a:r>
               <a:rPr kumimoji="1" lang="ja-JP" altLang="en-US" sz="2000" b="1" dirty="0" smtClean="0"/>
-              <a:t>・発表</a:t>
-            </a:r>
-            <a:r>
-              <a:rPr kumimoji="1" lang="ja-JP" altLang="en-US" sz="2000" b="1" dirty="0" smtClean="0"/>
-              <a:t>資料作成</a:t>
+              <a:t>・発表資料作成</a:t>
             </a:r>
             <a:endParaRPr kumimoji="1" lang="en-US" altLang="ja-JP" sz="2000" b="1" dirty="0" smtClean="0"/>
           </a:p>
@@ -18001,7 +18089,7 @@
         </p:nvSpPr>
         <p:spPr>
           <a:xfrm>
-            <a:off x="7097236" y="1902162"/>
+            <a:off x="6924708" y="1902162"/>
             <a:ext cx="2786340" cy="707886"/>
           </a:xfrm>
           <a:prstGeom prst="rect">
@@ -18017,26 +18105,14 @@
           <a:p>
             <a:r>
               <a:rPr kumimoji="1" lang="ja-JP" altLang="en-US" sz="2000" b="1" dirty="0" smtClean="0"/>
-              <a:t>・オブジェクト</a:t>
-            </a:r>
-            <a:r>
-              <a:rPr kumimoji="1" lang="ja-JP" altLang="en-US" sz="2000" b="1" dirty="0" smtClean="0"/>
-              <a:t>作成</a:t>
+              <a:t>・オブジェクト作成</a:t>
             </a:r>
             <a:endParaRPr kumimoji="1" lang="en-US" altLang="ja-JP" sz="2000" b="1" dirty="0" smtClean="0"/>
           </a:p>
           <a:p>
             <a:r>
               <a:rPr kumimoji="1" lang="ja-JP" altLang="en-US" sz="2000" b="1" dirty="0" smtClean="0"/>
-              <a:t>・スクリプト</a:t>
-            </a:r>
-            <a:r>
-              <a:rPr kumimoji="1" lang="ja-JP" altLang="en-US" sz="2000" b="1" dirty="0" smtClean="0"/>
-              <a:t>資料</a:t>
-            </a:r>
-            <a:r>
-              <a:rPr kumimoji="1" lang="ja-JP" altLang="en-US" sz="2000" b="1" dirty="0" smtClean="0"/>
-              <a:t>検索　等</a:t>
+              <a:t>・スクリプト資料検索　等</a:t>
             </a:r>
             <a:endParaRPr kumimoji="1" lang="en-US" altLang="ja-JP" sz="2000" b="1" dirty="0" smtClean="0"/>
           </a:p>
@@ -18141,25 +18217,51 @@
                 <a:latin typeface="GungsuhChe" panose="02030609000101010101" pitchFamily="49" charset="-127"/>
                 <a:ea typeface="GungsuhChe" panose="02030609000101010101" pitchFamily="49" charset="-127"/>
               </a:rPr>
-              <a:t>おしま</a:t>
-            </a:r>
-            <a:r>
-              <a:rPr kumimoji="1" lang="ja-JP" altLang="en-US" sz="9600" b="1" dirty="0">
-                <a:blipFill>
-                  <a:blip r:embed="rId3"/>
-                  <a:tile tx="0" ty="0" sx="100000" sy="100000" flip="none" algn="tl"/>
-                </a:blipFill>
-                <a:effectLst>
-                  <a:outerShdw blurRad="38100" dist="38100" dir="2700000" algn="tl">
-                    <a:srgbClr val="000000">
-                      <a:alpha val="43137"/>
-                    </a:srgbClr>
-                  </a:outerShdw>
-                </a:effectLst>
-                <a:latin typeface="GungsuhChe" panose="02030609000101010101" pitchFamily="49" charset="-127"/>
-                <a:ea typeface="GungsuhChe" panose="02030609000101010101" pitchFamily="49" charset="-127"/>
-              </a:rPr>
-              <a:t>い</a:t>
+              <a:t>おしまい</a:t>
+            </a:r>
+            <a:endParaRPr kumimoji="1" lang="ja-JP" altLang="en-US" sz="9600" b="1" dirty="0">
+              <a:blipFill>
+                <a:blip r:embed="rId3"/>
+                <a:tile tx="0" ty="0" sx="100000" sy="100000" flip="none" algn="tl"/>
+              </a:blipFill>
+              <a:effectLst>
+                <a:outerShdw blurRad="38100" dist="38100" dir="2700000" algn="tl">
+                  <a:srgbClr val="000000">
+                    <a:alpha val="43137"/>
+                  </a:srgbClr>
+                </a:outerShdw>
+              </a:effectLst>
+              <a:latin typeface="GungsuhChe" panose="02030609000101010101" pitchFamily="49" charset="-127"/>
+              <a:ea typeface="GungsuhChe" panose="02030609000101010101" pitchFamily="49" charset="-127"/>
+            </a:endParaRPr>
+          </a:p>
+        </p:txBody>
+      </p:sp>
+      <p:sp>
+        <p:nvSpPr>
+          <p:cNvPr id="4" name="テキスト ボックス 3"/>
+          <p:cNvSpPr txBox="1"/>
+          <p:nvPr/>
+        </p:nvSpPr>
+        <p:spPr>
+          <a:xfrm>
+            <a:off x="2996434" y="4260869"/>
+            <a:ext cx="6199133" cy="647421"/>
+          </a:xfrm>
+          <a:prstGeom prst="rect">
+            <a:avLst/>
+          </a:prstGeom>
+          <a:noFill/>
+        </p:spPr>
+        <p:txBody>
+          <a:bodyPr wrap="none" tIns="46800" rtlCol="0">
+            <a:spAutoFit/>
+          </a:bodyPr>
+          <a:lstStyle/>
+          <a:p>
+            <a:r>
+              <a:rPr kumimoji="1" lang="ja-JP" altLang="en-US" sz="3600" dirty="0" smtClean="0"/>
+              <a:t>ご視聴ありがとうございました。</a:t>
             </a:r>
           </a:p>
         </p:txBody>
@@ -18278,30 +18380,21 @@
                             </p:childTnLst>
                           </p:cTn>
                         </p:par>
-                      </p:childTnLst>
-                    </p:cTn>
-                  </p:par>
-                  <p:par>
-                    <p:cTn id="10" fill="hold">
-                      <p:stCondLst>
-                        <p:cond delay="indefinite"/>
-                      </p:stCondLst>
-                      <p:childTnLst>
                         <p:par>
-                          <p:cTn id="11" fill="hold">
+                          <p:cTn id="10" fill="hold">
                             <p:stCondLst>
-                              <p:cond delay="0"/>
+                              <p:cond delay="1000"/>
                             </p:stCondLst>
                             <p:childTnLst>
                               <p:par>
-                                <p:cTn id="12" presetID="10" presetClass="entr" presetSubtype="0" fill="hold" grpId="0" nodeType="clickEffect">
+                                <p:cTn id="11" presetID="10" presetClass="entr" presetSubtype="0" fill="hold" grpId="0" nodeType="afterEffect">
                                   <p:stCondLst>
                                     <p:cond delay="0"/>
                                   </p:stCondLst>
                                   <p:childTnLst>
                                     <p:set>
                                       <p:cBhvr>
-                                        <p:cTn id="13" dur="1" fill="hold">
+                                        <p:cTn id="12" dur="1" fill="hold">
                                           <p:stCondLst>
                                             <p:cond delay="0"/>
                                           </p:stCondLst>
@@ -18319,9 +18412,53 @@
                                     </p:set>
                                     <p:animEffect transition="in" filter="fade">
                                       <p:cBhvr>
-                                        <p:cTn id="14" dur="2000"/>
+                                        <p:cTn id="13" dur="2000"/>
                                         <p:tgtEl>
                                           <p:spTgt spid="3"/>
+                                        </p:tgtEl>
+                                      </p:cBhvr>
+                                    </p:animEffect>
+                                  </p:childTnLst>
+                                </p:cTn>
+                              </p:par>
+                            </p:childTnLst>
+                          </p:cTn>
+                        </p:par>
+                        <p:par>
+                          <p:cTn id="14" fill="hold">
+                            <p:stCondLst>
+                              <p:cond delay="3000"/>
+                            </p:stCondLst>
+                            <p:childTnLst>
+                              <p:par>
+                                <p:cTn id="15" presetID="10" presetClass="entr" presetSubtype="0" fill="hold" grpId="0" nodeType="afterEffect">
+                                  <p:stCondLst>
+                                    <p:cond delay="0"/>
+                                  </p:stCondLst>
+                                  <p:childTnLst>
+                                    <p:set>
+                                      <p:cBhvr>
+                                        <p:cTn id="16" dur="1" fill="hold">
+                                          <p:stCondLst>
+                                            <p:cond delay="0"/>
+                                          </p:stCondLst>
+                                        </p:cTn>
+                                        <p:tgtEl>
+                                          <p:spTgt spid="4"/>
+                                        </p:tgtEl>
+                                        <p:attrNameLst>
+                                          <p:attrName>style.visibility</p:attrName>
+                                        </p:attrNameLst>
+                                      </p:cBhvr>
+                                      <p:to>
+                                        <p:strVal val="visible"/>
+                                      </p:to>
+                                    </p:set>
+                                    <p:animEffect transition="in" filter="fade">
+                                      <p:cBhvr>
+                                        <p:cTn id="17" dur="500"/>
+                                        <p:tgtEl>
+                                          <p:spTgt spid="4"/>
                                         </p:tgtEl>
                                       </p:cBhvr>
                                     </p:animEffect>
@@ -18357,6 +18494,7 @@
     </p:tnLst>
     <p:bldLst>
       <p:bldP spid="3" grpId="0"/>
+      <p:bldP spid="4" grpId="0"/>
     </p:bldLst>
   </p:timing>
 </p:sld>
@@ -18757,7 +18895,6 @@
               <a:rPr kumimoji="1" lang="ja-JP" altLang="en-US" sz="4000" dirty="0"/>
               <a:t>て</a:t>
             </a:r>
-            <a:endParaRPr kumimoji="1" lang="ja-JP" altLang="en-US" sz="4000" dirty="0"/>
           </a:p>
         </p:txBody>
       </p:sp>
@@ -19184,11 +19321,7 @@
             </a:r>
             <a:r>
               <a:rPr kumimoji="1" lang="ja-JP" altLang="en-US" sz="2800" dirty="0" smtClean="0"/>
-              <a:t>飯田</a:t>
-            </a:r>
-            <a:r>
-              <a:rPr kumimoji="1" lang="ja-JP" altLang="en-US" sz="2800" dirty="0" smtClean="0"/>
-              <a:t>橋校の卒業制作で作成されたゲーム</a:t>
+              <a:t>飯田橋校の卒業制作で作成されたゲーム</a:t>
             </a:r>
             <a:endParaRPr kumimoji="1" lang="en-US" altLang="ja-JP" sz="2800" dirty="0" smtClean="0"/>
           </a:p>
@@ -19334,7 +19467,6 @@
               <a:rPr kumimoji="1" lang="ja-JP" altLang="en-US" sz="3600" dirty="0" smtClean="0"/>
               <a:t>掛け合わせよう！</a:t>
             </a:r>
-            <a:endParaRPr kumimoji="1" lang="ja-JP" altLang="en-US" sz="3600" dirty="0" smtClean="0"/>
           </a:p>
         </p:txBody>
       </p:sp>
@@ -19364,7 +19496,6 @@
               <a:rPr kumimoji="1" lang="ja-JP" altLang="en-US" sz="3600" dirty="0" smtClean="0"/>
               <a:t>やっぱロボットを脱出させよう！</a:t>
             </a:r>
-            <a:endParaRPr kumimoji="1" lang="ja-JP" altLang="en-US" sz="3600" dirty="0" smtClean="0"/>
           </a:p>
         </p:txBody>
       </p:sp>
@@ -19402,7 +19533,6 @@
               <a:rPr kumimoji="1" lang="ja-JP" altLang="en-US" sz="3200" dirty="0" smtClean="0"/>
               <a:t>代前半女性かな</a:t>
             </a:r>
-            <a:endParaRPr kumimoji="1" lang="ja-JP" altLang="en-US" sz="3200" dirty="0" smtClean="0"/>
           </a:p>
         </p:txBody>
       </p:sp>
@@ -19432,7 +19562,6 @@
               <a:rPr kumimoji="1" lang="ja-JP" altLang="en-US" sz="3600" dirty="0" smtClean="0"/>
               <a:t>裏に子供入れて泣かせよう！</a:t>
             </a:r>
-            <a:endParaRPr kumimoji="1" lang="ja-JP" altLang="en-US" sz="3600" dirty="0" smtClean="0"/>
           </a:p>
         </p:txBody>
       </p:sp>
@@ -21367,11 +21496,7 @@
               </a:r>
               <a:r>
                 <a:rPr kumimoji="1" lang="ja-JP" altLang="en-US" sz="2000" b="1" dirty="0" smtClean="0"/>
-                <a:t>就職</a:t>
-              </a:r>
-              <a:r>
-                <a:rPr kumimoji="1" lang="ja-JP" altLang="en-US" sz="2000" b="1" dirty="0" smtClean="0"/>
-                <a:t>成功</a:t>
+                <a:t>就職成功</a:t>
               </a:r>
               <a:r>
                 <a:rPr kumimoji="1" lang="en-US" altLang="ja-JP" sz="2000" b="1" dirty="0" smtClean="0"/>
@@ -21873,11 +21998,7 @@
               </a:r>
               <a:r>
                 <a:rPr kumimoji="1" lang="ja-JP" altLang="en-US" sz="2000" b="1" dirty="0" smtClean="0"/>
-                <a:t>就職</a:t>
-              </a:r>
-              <a:r>
-                <a:rPr kumimoji="1" lang="ja-JP" altLang="en-US" sz="2000" b="1" dirty="0" smtClean="0"/>
-                <a:t>成功</a:t>
+                <a:t>就職成功</a:t>
               </a:r>
               <a:r>
                 <a:rPr kumimoji="1" lang="en-US" altLang="ja-JP" sz="2000" b="1" dirty="0" smtClean="0"/>
@@ -25696,6 +25817,36 @@
           <a:chExt cx="0" cy="0"/>
         </a:xfrm>
       </p:grpSpPr>
+      <p:pic>
+        <p:nvPicPr>
+          <p:cNvPr id="6" name="図 5"/>
+          <p:cNvPicPr>
+            <a:picLocks noChangeAspect="1"/>
+          </p:cNvPicPr>
+          <p:nvPr/>
+        </p:nvPicPr>
+        <p:blipFill>
+          <a:blip r:embed="rId2">
+            <a:extLst>
+              <a:ext uri="{28A0092B-C50C-407E-A947-70E740481C1C}">
+                <a14:useLocalDpi xmlns:a14="http://schemas.microsoft.com/office/drawing/2010/main" val="0"/>
+              </a:ext>
+            </a:extLst>
+          </a:blip>
+          <a:stretch>
+            <a:fillRect/>
+          </a:stretch>
+        </p:blipFill>
+        <p:spPr>
+          <a:xfrm>
+            <a:off x="1" y="649034"/>
+            <a:ext cx="8501592" cy="4630332"/>
+          </a:xfrm>
+          <a:prstGeom prst="rect">
+            <a:avLst/>
+          </a:prstGeom>
+        </p:spPr>
+      </p:pic>
       <p:sp>
         <p:nvSpPr>
           <p:cNvPr id="2" name="テキスト ボックス 1"/>
@@ -25735,7 +25886,7 @@
           <p:nvPr/>
         </p:nvPicPr>
         <p:blipFill>
-          <a:blip r:embed="rId2">
+          <a:blip r:embed="rId3">
             <a:extLst>
               <a:ext uri="{28A0092B-C50C-407E-A947-70E740481C1C}">
                 <a14:useLocalDpi xmlns:a14="http://schemas.microsoft.com/office/drawing/2010/main" val="0"/>
@@ -25750,36 +25901,6 @@
           <a:xfrm>
             <a:off x="8227212" y="656705"/>
             <a:ext cx="3192642" cy="3458695"/>
-          </a:xfrm>
-          <a:prstGeom prst="rect">
-            <a:avLst/>
-          </a:prstGeom>
-        </p:spPr>
-      </p:pic>
-      <p:pic>
-        <p:nvPicPr>
-          <p:cNvPr id="4" name="図 3"/>
-          <p:cNvPicPr>
-            <a:picLocks noChangeAspect="1"/>
-          </p:cNvPicPr>
-          <p:nvPr/>
-        </p:nvPicPr>
-        <p:blipFill>
-          <a:blip r:embed="rId3">
-            <a:extLst>
-              <a:ext uri="{28A0092B-C50C-407E-A947-70E740481C1C}">
-                <a14:useLocalDpi xmlns:a14="http://schemas.microsoft.com/office/drawing/2010/main" val="0"/>
-              </a:ext>
-            </a:extLst>
-          </a:blip>
-          <a:stretch>
-            <a:fillRect/>
-          </a:stretch>
-        </p:blipFill>
-        <p:spPr>
-          <a:xfrm>
-            <a:off x="0" y="789227"/>
-            <a:ext cx="7455067" cy="4630912"/>
           </a:xfrm>
           <a:prstGeom prst="rect">
             <a:avLst/>

--- a/櫻畑/資料/03.プレゼン.pptx
+++ b/櫻畑/資料/03.プレゼン.pptx
@@ -176,7 +176,7 @@
           <a:noFill/>
           <a:extLst>
             <a:ext uri="{909E8E84-426E-40dd-AFC4-6F175D3DCCD1}">
-              <a14:hiddenFill xmlns="" xmlns:a14="http://schemas.microsoft.com/office/drawing/2010/main">
+              <a14:hiddenFill xmlns:a14="http://schemas.microsoft.com/office/drawing/2010/main" xmlns="">
                 <a:solidFill>
                   <a:srgbClr val="FFFFFF"/>
                 </a:solidFill>
@@ -236,7 +236,7 @@
             </a:ln>
             <a:extLst>
               <a:ext uri="{91240B29-F687-4f45-9708-019B960494DF}">
-                <a14:hiddenLine xmlns="" xmlns:a14="http://schemas.microsoft.com/office/drawing/2010/main" w="9525">
+                <a14:hiddenLine xmlns:a14="http://schemas.microsoft.com/office/drawing/2010/main" xmlns="" w="9525">
                   <a:solidFill>
                     <a:srgbClr val="000000"/>
                   </a:solidFill>
@@ -326,7 +326,7 @@
             </a:ln>
             <a:extLst>
               <a:ext uri="{91240B29-F687-4f45-9708-019B960494DF}">
-                <a14:hiddenLine xmlns="" xmlns:a14="http://schemas.microsoft.com/office/drawing/2010/main" w="9525">
+                <a14:hiddenLine xmlns:a14="http://schemas.microsoft.com/office/drawing/2010/main" xmlns="" w="9525">
                   <a:solidFill>
                     <a:srgbClr val="000000"/>
                   </a:solidFill>
@@ -416,7 +416,7 @@
             </a:ln>
             <a:extLst>
               <a:ext uri="{91240B29-F687-4f45-9708-019B960494DF}">
-                <a14:hiddenLine xmlns="" xmlns:a14="http://schemas.microsoft.com/office/drawing/2010/main" w="9525">
+                <a14:hiddenLine xmlns:a14="http://schemas.microsoft.com/office/drawing/2010/main" xmlns="" w="9525">
                   <a:solidFill>
                     <a:srgbClr val="000000"/>
                   </a:solidFill>
@@ -450,7 +450,7 @@
             </a:ln>
             <a:extLst>
               <a:ext uri="{91240B29-F687-4f45-9708-019B960494DF}">
-                <a14:hiddenLine xmlns="" xmlns:a14="http://schemas.microsoft.com/office/drawing/2010/main" w="9525">
+                <a14:hiddenLine xmlns:a14="http://schemas.microsoft.com/office/drawing/2010/main" xmlns="" w="9525">
                   <a:solidFill>
                     <a:srgbClr val="000000"/>
                   </a:solidFill>
@@ -540,7 +540,7 @@
             </a:ln>
             <a:extLst>
               <a:ext uri="{91240B29-F687-4f45-9708-019B960494DF}">
-                <a14:hiddenLine xmlns="" xmlns:a14="http://schemas.microsoft.com/office/drawing/2010/main" w="9525">
+                <a14:hiddenLine xmlns:a14="http://schemas.microsoft.com/office/drawing/2010/main" xmlns="" w="9525">
                   <a:solidFill>
                     <a:srgbClr val="000000"/>
                   </a:solidFill>
@@ -602,7 +602,7 @@
             </a:ln>
             <a:extLst>
               <a:ext uri="{91240B29-F687-4f45-9708-019B960494DF}">
-                <a14:hiddenLine xmlns="" xmlns:a14="http://schemas.microsoft.com/office/drawing/2010/main" w="9525">
+                <a14:hiddenLine xmlns:a14="http://schemas.microsoft.com/office/drawing/2010/main" xmlns="" w="9525">
                   <a:solidFill>
                     <a:srgbClr val="000000"/>
                   </a:solidFill>
@@ -664,7 +664,7 @@
             </a:ln>
             <a:extLst>
               <a:ext uri="{91240B29-F687-4f45-9708-019B960494DF}">
-                <a14:hiddenLine xmlns="" xmlns:a14="http://schemas.microsoft.com/office/drawing/2010/main" w="9525">
+                <a14:hiddenLine xmlns:a14="http://schemas.microsoft.com/office/drawing/2010/main" xmlns="" w="9525">
                   <a:solidFill>
                     <a:srgbClr val="000000"/>
                   </a:solidFill>
@@ -754,7 +754,7 @@
             </a:ln>
             <a:extLst>
               <a:ext uri="{91240B29-F687-4f45-9708-019B960494DF}">
-                <a14:hiddenLine xmlns="" xmlns:a14="http://schemas.microsoft.com/office/drawing/2010/main" w="9525">
+                <a14:hiddenLine xmlns:a14="http://schemas.microsoft.com/office/drawing/2010/main" xmlns="" w="9525">
                   <a:solidFill>
                     <a:srgbClr val="000000"/>
                   </a:solidFill>
@@ -816,7 +816,7 @@
             </a:ln>
             <a:extLst>
               <a:ext uri="{91240B29-F687-4f45-9708-019B960494DF}">
-                <a14:hiddenLine xmlns="" xmlns:a14="http://schemas.microsoft.com/office/drawing/2010/main" w="9525">
+                <a14:hiddenLine xmlns:a14="http://schemas.microsoft.com/office/drawing/2010/main" xmlns="" w="9525">
                   <a:solidFill>
                     <a:srgbClr val="000000"/>
                   </a:solidFill>
@@ -878,7 +878,7 @@
             </a:ln>
             <a:extLst>
               <a:ext uri="{91240B29-F687-4f45-9708-019B960494DF}">
-                <a14:hiddenLine xmlns="" xmlns:a14="http://schemas.microsoft.com/office/drawing/2010/main" w="9525">
+                <a14:hiddenLine xmlns:a14="http://schemas.microsoft.com/office/drawing/2010/main" xmlns="" w="9525">
                   <a:solidFill>
                     <a:srgbClr val="000000"/>
                   </a:solidFill>
@@ -968,7 +968,7 @@
             </a:ln>
             <a:extLst>
               <a:ext uri="{91240B29-F687-4f45-9708-019B960494DF}">
-                <a14:hiddenLine xmlns="" xmlns:a14="http://schemas.microsoft.com/office/drawing/2010/main" w="9525">
+                <a14:hiddenLine xmlns:a14="http://schemas.microsoft.com/office/drawing/2010/main" xmlns="" w="9525">
                   <a:solidFill>
                     <a:srgbClr val="000000"/>
                   </a:solidFill>
@@ -1058,7 +1058,7 @@
             </a:ln>
             <a:extLst>
               <a:ext uri="{91240B29-F687-4f45-9708-019B960494DF}">
-                <a14:hiddenLine xmlns="" xmlns:a14="http://schemas.microsoft.com/office/drawing/2010/main" w="9525">
+                <a14:hiddenLine xmlns:a14="http://schemas.microsoft.com/office/drawing/2010/main" xmlns="" w="9525">
                   <a:solidFill>
                     <a:srgbClr val="000000"/>
                   </a:solidFill>
@@ -1120,7 +1120,7 @@
             </a:ln>
             <a:extLst>
               <a:ext uri="{91240B29-F687-4f45-9708-019B960494DF}">
-                <a14:hiddenLine xmlns="" xmlns:a14="http://schemas.microsoft.com/office/drawing/2010/main" w="9525">
+                <a14:hiddenLine xmlns:a14="http://schemas.microsoft.com/office/drawing/2010/main" xmlns="" w="9525">
                   <a:solidFill>
                     <a:srgbClr val="000000"/>
                   </a:solidFill>
@@ -1230,7 +1230,7 @@
             </a:ln>
             <a:extLst>
               <a:ext uri="{91240B29-F687-4f45-9708-019B960494DF}">
-                <a14:hiddenLine xmlns="" xmlns:a14="http://schemas.microsoft.com/office/drawing/2010/main" w="9525">
+                <a14:hiddenLine xmlns:a14="http://schemas.microsoft.com/office/drawing/2010/main" xmlns="" w="9525">
                   <a:solidFill>
                     <a:srgbClr val="000000"/>
                   </a:solidFill>
@@ -1292,7 +1292,7 @@
             </a:ln>
             <a:extLst>
               <a:ext uri="{91240B29-F687-4f45-9708-019B960494DF}">
-                <a14:hiddenLine xmlns="" xmlns:a14="http://schemas.microsoft.com/office/drawing/2010/main" w="9525">
+                <a14:hiddenLine xmlns:a14="http://schemas.microsoft.com/office/drawing/2010/main" xmlns="" w="9525">
                   <a:solidFill>
                     <a:srgbClr val="000000"/>
                   </a:solidFill>
@@ -1382,7 +1382,7 @@
             </a:ln>
             <a:extLst>
               <a:ext uri="{91240B29-F687-4f45-9708-019B960494DF}">
-                <a14:hiddenLine xmlns="" xmlns:a14="http://schemas.microsoft.com/office/drawing/2010/main" w="9525">
+                <a14:hiddenLine xmlns:a14="http://schemas.microsoft.com/office/drawing/2010/main" xmlns="" w="9525">
                   <a:solidFill>
                     <a:srgbClr val="000000"/>
                   </a:solidFill>
@@ -1472,7 +1472,7 @@
             </a:ln>
             <a:extLst>
               <a:ext uri="{91240B29-F687-4f45-9708-019B960494DF}">
-                <a14:hiddenLine xmlns="" xmlns:a14="http://schemas.microsoft.com/office/drawing/2010/main" w="9525">
+                <a14:hiddenLine xmlns:a14="http://schemas.microsoft.com/office/drawing/2010/main" xmlns="" w="9525">
                   <a:solidFill>
                     <a:srgbClr val="000000"/>
                   </a:solidFill>
@@ -1534,7 +1534,7 @@
             </a:ln>
             <a:extLst>
               <a:ext uri="{91240B29-F687-4f45-9708-019B960494DF}">
-                <a14:hiddenLine xmlns="" xmlns:a14="http://schemas.microsoft.com/office/drawing/2010/main" w="9525">
+                <a14:hiddenLine xmlns:a14="http://schemas.microsoft.com/office/drawing/2010/main" xmlns="" w="9525">
                   <a:solidFill>
                     <a:srgbClr val="000000"/>
                   </a:solidFill>
@@ -1624,7 +1624,7 @@
             </a:ln>
             <a:extLst>
               <a:ext uri="{91240B29-F687-4f45-9708-019B960494DF}">
-                <a14:hiddenLine xmlns="" xmlns:a14="http://schemas.microsoft.com/office/drawing/2010/main" w="9525">
+                <a14:hiddenLine xmlns:a14="http://schemas.microsoft.com/office/drawing/2010/main" xmlns="" w="9525">
                   <a:solidFill>
                     <a:srgbClr val="000000"/>
                   </a:solidFill>
@@ -1714,7 +1714,7 @@
             </a:ln>
             <a:extLst>
               <a:ext uri="{91240B29-F687-4f45-9708-019B960494DF}">
-                <a14:hiddenLine xmlns="" xmlns:a14="http://schemas.microsoft.com/office/drawing/2010/main" w="9525">
+                <a14:hiddenLine xmlns:a14="http://schemas.microsoft.com/office/drawing/2010/main" xmlns="" w="9525">
                   <a:solidFill>
                     <a:srgbClr val="000000"/>
                   </a:solidFill>
@@ -1770,7 +1770,7 @@
             </a:ln>
             <a:extLst>
               <a:ext uri="{91240B29-F687-4f45-9708-019B960494DF}">
-                <a14:hiddenLine xmlns="" xmlns:a14="http://schemas.microsoft.com/office/drawing/2010/main" w="9525">
+                <a14:hiddenLine xmlns:a14="http://schemas.microsoft.com/office/drawing/2010/main" xmlns="" w="9525">
                   <a:solidFill>
                     <a:srgbClr val="000000"/>
                   </a:solidFill>
@@ -1860,7 +1860,7 @@
             </a:ln>
             <a:extLst>
               <a:ext uri="{91240B29-F687-4f45-9708-019B960494DF}">
-                <a14:hiddenLine xmlns="" xmlns:a14="http://schemas.microsoft.com/office/drawing/2010/main" w="9525">
+                <a14:hiddenLine xmlns:a14="http://schemas.microsoft.com/office/drawing/2010/main" xmlns="" w="9525">
                   <a:solidFill>
                     <a:srgbClr val="000000"/>
                   </a:solidFill>
@@ -1916,7 +1916,7 @@
             </a:ln>
             <a:extLst>
               <a:ext uri="{91240B29-F687-4f45-9708-019B960494DF}">
-                <a14:hiddenLine xmlns="" xmlns:a14="http://schemas.microsoft.com/office/drawing/2010/main" w="9525">
+                <a14:hiddenLine xmlns:a14="http://schemas.microsoft.com/office/drawing/2010/main" xmlns="" w="9525">
                   <a:solidFill>
                     <a:srgbClr val="000000"/>
                   </a:solidFill>
@@ -2006,7 +2006,7 @@
             </a:ln>
             <a:extLst>
               <a:ext uri="{91240B29-F687-4f45-9708-019B960494DF}">
-                <a14:hiddenLine xmlns="" xmlns:a14="http://schemas.microsoft.com/office/drawing/2010/main" w="9525">
+                <a14:hiddenLine xmlns:a14="http://schemas.microsoft.com/office/drawing/2010/main" xmlns="" w="9525">
                   <a:solidFill>
                     <a:srgbClr val="000000"/>
                   </a:solidFill>
@@ -2074,7 +2074,7 @@
             </a:ln>
             <a:extLst>
               <a:ext uri="{91240B29-F687-4f45-9708-019B960494DF}">
-                <a14:hiddenLine xmlns="" xmlns:a14="http://schemas.microsoft.com/office/drawing/2010/main" w="9525">
+                <a14:hiddenLine xmlns:a14="http://schemas.microsoft.com/office/drawing/2010/main" xmlns="" w="9525">
                   <a:solidFill>
                     <a:srgbClr val="000000"/>
                   </a:solidFill>
@@ -2164,7 +2164,7 @@
             </a:ln>
             <a:extLst>
               <a:ext uri="{91240B29-F687-4f45-9708-019B960494DF}">
-                <a14:hiddenLine xmlns="" xmlns:a14="http://schemas.microsoft.com/office/drawing/2010/main" w="9525">
+                <a14:hiddenLine xmlns:a14="http://schemas.microsoft.com/office/drawing/2010/main" xmlns="" w="9525">
                   <a:solidFill>
                     <a:srgbClr val="000000"/>
                   </a:solidFill>
@@ -2232,7 +2232,7 @@
             </a:ln>
             <a:extLst>
               <a:ext uri="{91240B29-F687-4f45-9708-019B960494DF}">
-                <a14:hiddenLine xmlns="" xmlns:a14="http://schemas.microsoft.com/office/drawing/2010/main" w="9525">
+                <a14:hiddenLine xmlns:a14="http://schemas.microsoft.com/office/drawing/2010/main" xmlns="" w="9525">
                   <a:solidFill>
                     <a:srgbClr val="000000"/>
                   </a:solidFill>
@@ -2322,7 +2322,7 @@
             </a:ln>
             <a:extLst>
               <a:ext uri="{91240B29-F687-4f45-9708-019B960494DF}">
-                <a14:hiddenLine xmlns="" xmlns:a14="http://schemas.microsoft.com/office/drawing/2010/main" w="9525">
+                <a14:hiddenLine xmlns:a14="http://schemas.microsoft.com/office/drawing/2010/main" xmlns="" w="9525">
                   <a:solidFill>
                     <a:srgbClr val="000000"/>
                   </a:solidFill>
@@ -2356,7 +2356,7 @@
             </a:ln>
             <a:extLst>
               <a:ext uri="{91240B29-F687-4f45-9708-019B960494DF}">
-                <a14:hiddenLine xmlns="" xmlns:a14="http://schemas.microsoft.com/office/drawing/2010/main" w="9525">
+                <a14:hiddenLine xmlns:a14="http://schemas.microsoft.com/office/drawing/2010/main" xmlns="" w="9525">
                   <a:solidFill>
                     <a:srgbClr val="000000"/>
                   </a:solidFill>
@@ -2446,7 +2446,7 @@
             </a:ln>
             <a:extLst>
               <a:ext uri="{91240B29-F687-4f45-9708-019B960494DF}">
-                <a14:hiddenLine xmlns="" xmlns:a14="http://schemas.microsoft.com/office/drawing/2010/main" w="9525">
+                <a14:hiddenLine xmlns:a14="http://schemas.microsoft.com/office/drawing/2010/main" xmlns="" w="9525">
                   <a:solidFill>
                     <a:srgbClr val="000000"/>
                   </a:solidFill>
@@ -2508,7 +2508,7 @@
             </a:ln>
             <a:extLst>
               <a:ext uri="{91240B29-F687-4f45-9708-019B960494DF}">
-                <a14:hiddenLine xmlns="" xmlns:a14="http://schemas.microsoft.com/office/drawing/2010/main" w="9525">
+                <a14:hiddenLine xmlns:a14="http://schemas.microsoft.com/office/drawing/2010/main" xmlns="" w="9525">
                   <a:solidFill>
                     <a:srgbClr val="000000"/>
                   </a:solidFill>
@@ -2570,7 +2570,7 @@
             </a:ln>
             <a:extLst>
               <a:ext uri="{91240B29-F687-4f45-9708-019B960494DF}">
-                <a14:hiddenLine xmlns="" xmlns:a14="http://schemas.microsoft.com/office/drawing/2010/main" w="9525">
+                <a14:hiddenLine xmlns:a14="http://schemas.microsoft.com/office/drawing/2010/main" xmlns="" w="9525">
                   <a:solidFill>
                     <a:srgbClr val="000000"/>
                   </a:solidFill>
@@ -2660,7 +2660,7 @@
             </a:ln>
             <a:extLst>
               <a:ext uri="{91240B29-F687-4f45-9708-019B960494DF}">
-                <a14:hiddenLine xmlns="" xmlns:a14="http://schemas.microsoft.com/office/drawing/2010/main" w="9525">
+                <a14:hiddenLine xmlns:a14="http://schemas.microsoft.com/office/drawing/2010/main" xmlns="" w="9525">
                   <a:solidFill>
                     <a:srgbClr val="000000"/>
                   </a:solidFill>
@@ -2728,7 +2728,7 @@
             </a:ln>
             <a:extLst>
               <a:ext uri="{91240B29-F687-4f45-9708-019B960494DF}">
-                <a14:hiddenLine xmlns="" xmlns:a14="http://schemas.microsoft.com/office/drawing/2010/main" w="9525">
+                <a14:hiddenLine xmlns:a14="http://schemas.microsoft.com/office/drawing/2010/main" xmlns="" w="9525">
                   <a:solidFill>
                     <a:srgbClr val="000000"/>
                   </a:solidFill>
@@ -2790,7 +2790,7 @@
             </a:ln>
             <a:extLst>
               <a:ext uri="{91240B29-F687-4f45-9708-019B960494DF}">
-                <a14:hiddenLine xmlns="" xmlns:a14="http://schemas.microsoft.com/office/drawing/2010/main" w="9525">
+                <a14:hiddenLine xmlns:a14="http://schemas.microsoft.com/office/drawing/2010/main" xmlns="" w="9525">
                   <a:solidFill>
                     <a:srgbClr val="000000"/>
                   </a:solidFill>
@@ -2880,7 +2880,7 @@
             </a:ln>
             <a:extLst>
               <a:ext uri="{91240B29-F687-4f45-9708-019B960494DF}">
-                <a14:hiddenLine xmlns="" xmlns:a14="http://schemas.microsoft.com/office/drawing/2010/main" w="9525">
+                <a14:hiddenLine xmlns:a14="http://schemas.microsoft.com/office/drawing/2010/main" xmlns="" w="9525">
                   <a:solidFill>
                     <a:srgbClr val="000000"/>
                   </a:solidFill>
@@ -2942,7 +2942,7 @@
             </a:ln>
             <a:extLst>
               <a:ext uri="{91240B29-F687-4f45-9708-019B960494DF}">
-                <a14:hiddenLine xmlns="" xmlns:a14="http://schemas.microsoft.com/office/drawing/2010/main" w="9525">
+                <a14:hiddenLine xmlns:a14="http://schemas.microsoft.com/office/drawing/2010/main" xmlns="" w="9525">
                   <a:solidFill>
                     <a:srgbClr val="000000"/>
                   </a:solidFill>
@@ -3032,7 +3032,7 @@
             </a:ln>
             <a:extLst>
               <a:ext uri="{91240B29-F687-4f45-9708-019B960494DF}">
-                <a14:hiddenLine xmlns="" xmlns:a14="http://schemas.microsoft.com/office/drawing/2010/main" w="9525">
+                <a14:hiddenLine xmlns:a14="http://schemas.microsoft.com/office/drawing/2010/main" xmlns="" w="9525">
                   <a:solidFill>
                     <a:srgbClr val="000000"/>
                   </a:solidFill>
@@ -3094,7 +3094,7 @@
             </a:ln>
             <a:extLst>
               <a:ext uri="{91240B29-F687-4f45-9708-019B960494DF}">
-                <a14:hiddenLine xmlns="" xmlns:a14="http://schemas.microsoft.com/office/drawing/2010/main" w="9525">
+                <a14:hiddenLine xmlns:a14="http://schemas.microsoft.com/office/drawing/2010/main" xmlns="" w="9525">
                   <a:solidFill>
                     <a:srgbClr val="000000"/>
                   </a:solidFill>
@@ -3184,7 +3184,7 @@
             </a:ln>
             <a:extLst>
               <a:ext uri="{91240B29-F687-4f45-9708-019B960494DF}">
-                <a14:hiddenLine xmlns="" xmlns:a14="http://schemas.microsoft.com/office/drawing/2010/main" w="9525">
+                <a14:hiddenLine xmlns:a14="http://schemas.microsoft.com/office/drawing/2010/main" xmlns="" w="9525">
                   <a:solidFill>
                     <a:srgbClr val="000000"/>
                   </a:solidFill>
@@ -3218,7 +3218,7 @@
             </a:ln>
             <a:extLst>
               <a:ext uri="{91240B29-F687-4f45-9708-019B960494DF}">
-                <a14:hiddenLine xmlns="" xmlns:a14="http://schemas.microsoft.com/office/drawing/2010/main" w="9525">
+                <a14:hiddenLine xmlns:a14="http://schemas.microsoft.com/office/drawing/2010/main" xmlns="" w="9525">
                   <a:solidFill>
                     <a:srgbClr val="000000"/>
                   </a:solidFill>
@@ -3283,7 +3283,7 @@
             </a:ln>
             <a:extLst>
               <a:ext uri="{91240B29-F687-4f45-9708-019B960494DF}">
-                <a14:hiddenLine xmlns="" xmlns:a14="http://schemas.microsoft.com/office/drawing/2010/main" w="9525">
+                <a14:hiddenLine xmlns:a14="http://schemas.microsoft.com/office/drawing/2010/main" xmlns="" w="9525">
                   <a:solidFill>
                     <a:srgbClr val="000000"/>
                   </a:solidFill>
@@ -3373,7 +3373,7 @@
             </a:ln>
             <a:extLst>
               <a:ext uri="{91240B29-F687-4f45-9708-019B960494DF}">
-                <a14:hiddenLine xmlns="" xmlns:a14="http://schemas.microsoft.com/office/drawing/2010/main" w="9525">
+                <a14:hiddenLine xmlns:a14="http://schemas.microsoft.com/office/drawing/2010/main" xmlns="" w="9525">
                   <a:solidFill>
                     <a:srgbClr val="000000"/>
                   </a:solidFill>
@@ -3435,7 +3435,7 @@
             </a:ln>
             <a:extLst>
               <a:ext uri="{91240B29-F687-4f45-9708-019B960494DF}">
-                <a14:hiddenLine xmlns="" xmlns:a14="http://schemas.microsoft.com/office/drawing/2010/main" w="9525">
+                <a14:hiddenLine xmlns:a14="http://schemas.microsoft.com/office/drawing/2010/main" xmlns="" w="9525">
                   <a:solidFill>
                     <a:srgbClr val="000000"/>
                   </a:solidFill>
@@ -3525,7 +3525,7 @@
             </a:ln>
             <a:extLst>
               <a:ext uri="{91240B29-F687-4f45-9708-019B960494DF}">
-                <a14:hiddenLine xmlns="" xmlns:a14="http://schemas.microsoft.com/office/drawing/2010/main" w="9525">
+                <a14:hiddenLine xmlns:a14="http://schemas.microsoft.com/office/drawing/2010/main" xmlns="" w="9525">
                   <a:solidFill>
                     <a:srgbClr val="000000"/>
                   </a:solidFill>
@@ -3615,7 +3615,7 @@
             </a:ln>
             <a:extLst>
               <a:ext uri="{91240B29-F687-4f45-9708-019B960494DF}">
-                <a14:hiddenLine xmlns="" xmlns:a14="http://schemas.microsoft.com/office/drawing/2010/main" w="9525">
+                <a14:hiddenLine xmlns:a14="http://schemas.microsoft.com/office/drawing/2010/main" xmlns="" w="9525">
                   <a:solidFill>
                     <a:srgbClr val="000000"/>
                   </a:solidFill>
@@ -3680,7 +3680,7 @@
             </a:ln>
             <a:extLst>
               <a:ext uri="{91240B29-F687-4f45-9708-019B960494DF}">
-                <a14:hiddenLine xmlns="" xmlns:a14="http://schemas.microsoft.com/office/drawing/2010/main" w="9525">
+                <a14:hiddenLine xmlns:a14="http://schemas.microsoft.com/office/drawing/2010/main" xmlns="" w="9525">
                   <a:solidFill>
                     <a:srgbClr val="000000"/>
                   </a:solidFill>
@@ -3742,7 +3742,7 @@
             </a:ln>
             <a:extLst>
               <a:ext uri="{91240B29-F687-4f45-9708-019B960494DF}">
-                <a14:hiddenLine xmlns="" xmlns:a14="http://schemas.microsoft.com/office/drawing/2010/main" w="9525">
+                <a14:hiddenLine xmlns:a14="http://schemas.microsoft.com/office/drawing/2010/main" xmlns="" w="9525">
                   <a:solidFill>
                     <a:srgbClr val="000000"/>
                   </a:solidFill>
@@ -3832,7 +3832,7 @@
             </a:ln>
             <a:extLst>
               <a:ext uri="{91240B29-F687-4f45-9708-019B960494DF}">
-                <a14:hiddenLine xmlns="" xmlns:a14="http://schemas.microsoft.com/office/drawing/2010/main" w="9525">
+                <a14:hiddenLine xmlns:a14="http://schemas.microsoft.com/office/drawing/2010/main" xmlns="" w="9525">
                   <a:solidFill>
                     <a:srgbClr val="000000"/>
                   </a:solidFill>
@@ -3922,7 +3922,7 @@
             </a:ln>
             <a:extLst>
               <a:ext uri="{91240B29-F687-4f45-9708-019B960494DF}">
-                <a14:hiddenLine xmlns="" xmlns:a14="http://schemas.microsoft.com/office/drawing/2010/main" w="9525">
+                <a14:hiddenLine xmlns:a14="http://schemas.microsoft.com/office/drawing/2010/main" xmlns="" w="9525">
                   <a:solidFill>
                     <a:srgbClr val="000000"/>
                   </a:solidFill>
@@ -3984,7 +3984,7 @@
             </a:ln>
             <a:extLst>
               <a:ext uri="{91240B29-F687-4f45-9708-019B960494DF}">
-                <a14:hiddenLine xmlns="" xmlns:a14="http://schemas.microsoft.com/office/drawing/2010/main" w="9525">
+                <a14:hiddenLine xmlns:a14="http://schemas.microsoft.com/office/drawing/2010/main" xmlns="" w="9525">
                   <a:solidFill>
                     <a:srgbClr val="000000"/>
                   </a:solidFill>
@@ -4104,7 +4104,7 @@
             </a:ln>
             <a:extLst>
               <a:ext uri="{91240B29-F687-4f45-9708-019B960494DF}">
-                <a14:hiddenLine xmlns="" xmlns:a14="http://schemas.microsoft.com/office/drawing/2010/main" w="9525">
+                <a14:hiddenLine xmlns:a14="http://schemas.microsoft.com/office/drawing/2010/main" xmlns="" w="9525">
                   <a:solidFill>
                     <a:srgbClr val="000000"/>
                   </a:solidFill>
@@ -4172,7 +4172,7 @@
             </a:ln>
             <a:extLst>
               <a:ext uri="{91240B29-F687-4f45-9708-019B960494DF}">
-                <a14:hiddenLine xmlns="" xmlns:a14="http://schemas.microsoft.com/office/drawing/2010/main" w="9525">
+                <a14:hiddenLine xmlns:a14="http://schemas.microsoft.com/office/drawing/2010/main" xmlns="" w="9525">
                   <a:solidFill>
                     <a:srgbClr val="000000"/>
                   </a:solidFill>
@@ -4262,7 +4262,7 @@
             </a:ln>
             <a:extLst>
               <a:ext uri="{91240B29-F687-4f45-9708-019B960494DF}">
-                <a14:hiddenLine xmlns="" xmlns:a14="http://schemas.microsoft.com/office/drawing/2010/main" w="9525">
+                <a14:hiddenLine xmlns:a14="http://schemas.microsoft.com/office/drawing/2010/main" xmlns="" w="9525">
                   <a:solidFill>
                     <a:srgbClr val="000000"/>
                   </a:solidFill>
@@ -9240,7 +9240,7 @@
           <a:noFill/>
           <a:extLst>
             <a:ext uri="{909E8E84-426E-40dd-AFC4-6F175D3DCCD1}">
-              <a14:hiddenFill xmlns="" xmlns:a14="http://schemas.microsoft.com/office/drawing/2010/main">
+              <a14:hiddenFill xmlns:a14="http://schemas.microsoft.com/office/drawing/2010/main" xmlns="">
                 <a:solidFill>
                   <a:srgbClr val="FFFFFF"/>
                 </a:solidFill>
@@ -9314,7 +9314,7 @@
               </a:ln>
               <a:extLst>
                 <a:ext uri="{91240B29-F687-4f45-9708-019B960494DF}">
-                  <a14:hiddenLine xmlns="" xmlns:a14="http://schemas.microsoft.com/office/drawing/2010/main" w="9525">
+                  <a14:hiddenLine xmlns:a14="http://schemas.microsoft.com/office/drawing/2010/main" xmlns="" w="9525">
                     <a:solidFill>
                       <a:srgbClr val="000000"/>
                     </a:solidFill>
@@ -9404,7 +9404,7 @@
               </a:ln>
               <a:extLst>
                 <a:ext uri="{91240B29-F687-4f45-9708-019B960494DF}">
-                  <a14:hiddenLine xmlns="" xmlns:a14="http://schemas.microsoft.com/office/drawing/2010/main" w="9525">
+                  <a14:hiddenLine xmlns:a14="http://schemas.microsoft.com/office/drawing/2010/main" xmlns="" w="9525">
                     <a:solidFill>
                       <a:srgbClr val="000000"/>
                     </a:solidFill>
@@ -9494,7 +9494,7 @@
               </a:ln>
               <a:extLst>
                 <a:ext uri="{91240B29-F687-4f45-9708-019B960494DF}">
-                  <a14:hiddenLine xmlns="" xmlns:a14="http://schemas.microsoft.com/office/drawing/2010/main" w="9525">
+                  <a14:hiddenLine xmlns:a14="http://schemas.microsoft.com/office/drawing/2010/main" xmlns="" w="9525">
                     <a:solidFill>
                       <a:srgbClr val="000000"/>
                     </a:solidFill>
@@ -9556,7 +9556,7 @@
               </a:ln>
               <a:extLst>
                 <a:ext uri="{91240B29-F687-4f45-9708-019B960494DF}">
-                  <a14:hiddenLine xmlns="" xmlns:a14="http://schemas.microsoft.com/office/drawing/2010/main" w="9525">
+                  <a14:hiddenLine xmlns:a14="http://schemas.microsoft.com/office/drawing/2010/main" xmlns="" w="9525">
                     <a:solidFill>
                       <a:srgbClr val="000000"/>
                     </a:solidFill>
@@ -9646,7 +9646,7 @@
               </a:ln>
               <a:extLst>
                 <a:ext uri="{91240B29-F687-4f45-9708-019B960494DF}">
-                  <a14:hiddenLine xmlns="" xmlns:a14="http://schemas.microsoft.com/office/drawing/2010/main" w="9525">
+                  <a14:hiddenLine xmlns:a14="http://schemas.microsoft.com/office/drawing/2010/main" xmlns="" w="9525">
                     <a:solidFill>
                       <a:srgbClr val="000000"/>
                     </a:solidFill>
@@ -9708,7 +9708,7 @@
               </a:ln>
               <a:extLst>
                 <a:ext uri="{91240B29-F687-4f45-9708-019B960494DF}">
-                  <a14:hiddenLine xmlns="" xmlns:a14="http://schemas.microsoft.com/office/drawing/2010/main" w="9525">
+                  <a14:hiddenLine xmlns:a14="http://schemas.microsoft.com/office/drawing/2010/main" xmlns="" w="9525">
                     <a:solidFill>
                       <a:srgbClr val="000000"/>
                     </a:solidFill>
@@ -9770,7 +9770,7 @@
               </a:ln>
               <a:extLst>
                 <a:ext uri="{91240B29-F687-4f45-9708-019B960494DF}">
-                  <a14:hiddenLine xmlns="" xmlns:a14="http://schemas.microsoft.com/office/drawing/2010/main" w="9525">
+                  <a14:hiddenLine xmlns:a14="http://schemas.microsoft.com/office/drawing/2010/main" xmlns="" w="9525">
                     <a:solidFill>
                       <a:srgbClr val="000000"/>
                     </a:solidFill>
@@ -9860,7 +9860,7 @@
               </a:ln>
               <a:extLst>
                 <a:ext uri="{91240B29-F687-4f45-9708-019B960494DF}">
-                  <a14:hiddenLine xmlns="" xmlns:a14="http://schemas.microsoft.com/office/drawing/2010/main" w="9525">
+                  <a14:hiddenLine xmlns:a14="http://schemas.microsoft.com/office/drawing/2010/main" xmlns="" w="9525">
                     <a:solidFill>
                       <a:srgbClr val="000000"/>
                     </a:solidFill>
@@ -9950,7 +9950,7 @@
               </a:ln>
               <a:extLst>
                 <a:ext uri="{91240B29-F687-4f45-9708-019B960494DF}">
-                  <a14:hiddenLine xmlns="" xmlns:a14="http://schemas.microsoft.com/office/drawing/2010/main" w="9525">
+                  <a14:hiddenLine xmlns:a14="http://schemas.microsoft.com/office/drawing/2010/main" xmlns="" w="9525">
                     <a:solidFill>
                       <a:srgbClr val="000000"/>
                     </a:solidFill>
@@ -10012,7 +10012,7 @@
               </a:ln>
               <a:extLst>
                 <a:ext uri="{91240B29-F687-4f45-9708-019B960494DF}">
-                  <a14:hiddenLine xmlns="" xmlns:a14="http://schemas.microsoft.com/office/drawing/2010/main" w="9525">
+                  <a14:hiddenLine xmlns:a14="http://schemas.microsoft.com/office/drawing/2010/main" xmlns="" w="9525">
                     <a:solidFill>
                       <a:srgbClr val="000000"/>
                     </a:solidFill>
@@ -10122,7 +10122,7 @@
               </a:ln>
               <a:extLst>
                 <a:ext uri="{91240B29-F687-4f45-9708-019B960494DF}">
-                  <a14:hiddenLine xmlns="" xmlns:a14="http://schemas.microsoft.com/office/drawing/2010/main" w="9525">
+                  <a14:hiddenLine xmlns:a14="http://schemas.microsoft.com/office/drawing/2010/main" xmlns="" w="9525">
                     <a:solidFill>
                       <a:srgbClr val="000000"/>
                     </a:solidFill>
@@ -10206,7 +10206,7 @@
               </a:ln>
               <a:extLst>
                 <a:ext uri="{91240B29-F687-4f45-9708-019B960494DF}">
-                  <a14:hiddenLine xmlns="" xmlns:a14="http://schemas.microsoft.com/office/drawing/2010/main" w="9525">
+                  <a14:hiddenLine xmlns:a14="http://schemas.microsoft.com/office/drawing/2010/main" xmlns="" w="9525">
                     <a:solidFill>
                       <a:srgbClr val="000000"/>
                     </a:solidFill>
@@ -10268,7 +10268,7 @@
               </a:ln>
               <a:extLst>
                 <a:ext uri="{91240B29-F687-4f45-9708-019B960494DF}">
-                  <a14:hiddenLine xmlns="" xmlns:a14="http://schemas.microsoft.com/office/drawing/2010/main" w="9525">
+                  <a14:hiddenLine xmlns:a14="http://schemas.microsoft.com/office/drawing/2010/main" xmlns="" w="9525">
                     <a:solidFill>
                       <a:srgbClr val="000000"/>
                     </a:solidFill>
@@ -10330,7 +10330,7 @@
               </a:ln>
               <a:extLst>
                 <a:ext uri="{91240B29-F687-4f45-9708-019B960494DF}">
-                  <a14:hiddenLine xmlns="" xmlns:a14="http://schemas.microsoft.com/office/drawing/2010/main" w="9525">
+                  <a14:hiddenLine xmlns:a14="http://schemas.microsoft.com/office/drawing/2010/main" xmlns="" w="9525">
                     <a:solidFill>
                       <a:srgbClr val="000000"/>
                     </a:solidFill>
@@ -10420,7 +10420,7 @@
               </a:ln>
               <a:extLst>
                 <a:ext uri="{91240B29-F687-4f45-9708-019B960494DF}">
-                  <a14:hiddenLine xmlns="" xmlns:a14="http://schemas.microsoft.com/office/drawing/2010/main" w="9525">
+                  <a14:hiddenLine xmlns:a14="http://schemas.microsoft.com/office/drawing/2010/main" xmlns="" w="9525">
                     <a:solidFill>
                       <a:srgbClr val="000000"/>
                     </a:solidFill>
@@ -10454,7 +10454,7 @@
               </a:ln>
               <a:extLst>
                 <a:ext uri="{91240B29-F687-4f45-9708-019B960494DF}">
-                  <a14:hiddenLine xmlns="" xmlns:a14="http://schemas.microsoft.com/office/drawing/2010/main" w="9525">
+                  <a14:hiddenLine xmlns:a14="http://schemas.microsoft.com/office/drawing/2010/main" xmlns="" w="9525">
                     <a:solidFill>
                       <a:srgbClr val="000000"/>
                     </a:solidFill>
@@ -10519,7 +10519,7 @@
               </a:ln>
               <a:extLst>
                 <a:ext uri="{91240B29-F687-4f45-9708-019B960494DF}">
-                  <a14:hiddenLine xmlns="" xmlns:a14="http://schemas.microsoft.com/office/drawing/2010/main" w="9525">
+                  <a14:hiddenLine xmlns:a14="http://schemas.microsoft.com/office/drawing/2010/main" xmlns="" w="9525">
                     <a:solidFill>
                       <a:srgbClr val="000000"/>
                     </a:solidFill>
@@ -10609,7 +10609,7 @@
               </a:ln>
               <a:extLst>
                 <a:ext uri="{91240B29-F687-4f45-9708-019B960494DF}">
-                  <a14:hiddenLine xmlns="" xmlns:a14="http://schemas.microsoft.com/office/drawing/2010/main" w="9525">
+                  <a14:hiddenLine xmlns:a14="http://schemas.microsoft.com/office/drawing/2010/main" xmlns="" w="9525">
                     <a:solidFill>
                       <a:srgbClr val="000000"/>
                     </a:solidFill>
@@ -10671,7 +10671,7 @@
               </a:ln>
               <a:extLst>
                 <a:ext uri="{91240B29-F687-4f45-9708-019B960494DF}">
-                  <a14:hiddenLine xmlns="" xmlns:a14="http://schemas.microsoft.com/office/drawing/2010/main" w="9525">
+                  <a14:hiddenLine xmlns:a14="http://schemas.microsoft.com/office/drawing/2010/main" xmlns="" w="9525">
                     <a:solidFill>
                       <a:srgbClr val="000000"/>
                     </a:solidFill>
@@ -10761,7 +10761,7 @@
               </a:ln>
               <a:extLst>
                 <a:ext uri="{91240B29-F687-4f45-9708-019B960494DF}">
-                  <a14:hiddenLine xmlns="" xmlns:a14="http://schemas.microsoft.com/office/drawing/2010/main" w="9525">
+                  <a14:hiddenLine xmlns:a14="http://schemas.microsoft.com/office/drawing/2010/main" xmlns="" w="9525">
                     <a:solidFill>
                       <a:srgbClr val="000000"/>
                     </a:solidFill>
@@ -10826,7 +10826,7 @@
               </a:ln>
               <a:extLst>
                 <a:ext uri="{91240B29-F687-4f45-9708-019B960494DF}">
-                  <a14:hiddenLine xmlns="" xmlns:a14="http://schemas.microsoft.com/office/drawing/2010/main" w="9525">
+                  <a14:hiddenLine xmlns:a14="http://schemas.microsoft.com/office/drawing/2010/main" xmlns="" w="9525">
                     <a:solidFill>
                       <a:srgbClr val="000000"/>
                     </a:solidFill>
@@ -10888,7 +10888,7 @@
               </a:ln>
               <a:extLst>
                 <a:ext uri="{91240B29-F687-4f45-9708-019B960494DF}">
-                  <a14:hiddenLine xmlns="" xmlns:a14="http://schemas.microsoft.com/office/drawing/2010/main" w="9525">
+                  <a14:hiddenLine xmlns:a14="http://schemas.microsoft.com/office/drawing/2010/main" xmlns="" w="9525">
                     <a:solidFill>
                       <a:srgbClr val="000000"/>
                     </a:solidFill>
@@ -10978,7 +10978,7 @@
               </a:ln>
               <a:extLst>
                 <a:ext uri="{91240B29-F687-4f45-9708-019B960494DF}">
-                  <a14:hiddenLine xmlns="" xmlns:a14="http://schemas.microsoft.com/office/drawing/2010/main" w="9525">
+                  <a14:hiddenLine xmlns:a14="http://schemas.microsoft.com/office/drawing/2010/main" xmlns="" w="9525">
                     <a:solidFill>
                       <a:srgbClr val="000000"/>
                     </a:solidFill>
@@ -11068,7 +11068,7 @@
               </a:ln>
               <a:extLst>
                 <a:ext uri="{91240B29-F687-4f45-9708-019B960494DF}">
-                  <a14:hiddenLine xmlns="" xmlns:a14="http://schemas.microsoft.com/office/drawing/2010/main" w="9525">
+                  <a14:hiddenLine xmlns:a14="http://schemas.microsoft.com/office/drawing/2010/main" xmlns="" w="9525">
                     <a:solidFill>
                       <a:srgbClr val="000000"/>
                     </a:solidFill>
@@ -11133,7 +11133,7 @@
               </a:ln>
               <a:extLst>
                 <a:ext uri="{91240B29-F687-4f45-9708-019B960494DF}">
-                  <a14:hiddenLine xmlns="" xmlns:a14="http://schemas.microsoft.com/office/drawing/2010/main" w="9525">
+                  <a14:hiddenLine xmlns:a14="http://schemas.microsoft.com/office/drawing/2010/main" xmlns="" w="9525">
                     <a:solidFill>
                       <a:srgbClr val="000000"/>
                     </a:solidFill>
@@ -11253,7 +11253,7 @@
               </a:ln>
               <a:extLst>
                 <a:ext uri="{91240B29-F687-4f45-9708-019B960494DF}">
-                  <a14:hiddenLine xmlns="" xmlns:a14="http://schemas.microsoft.com/office/drawing/2010/main" w="9525">
+                  <a14:hiddenLine xmlns:a14="http://schemas.microsoft.com/office/drawing/2010/main" xmlns="" w="9525">
                     <a:solidFill>
                       <a:srgbClr val="000000"/>
                     </a:solidFill>
@@ -11351,7 +11351,7 @@
               </a:ln>
               <a:extLst>
                 <a:ext uri="{91240B29-F687-4f45-9708-019B960494DF}">
-                  <a14:hiddenLine xmlns="" xmlns:a14="http://schemas.microsoft.com/office/drawing/2010/main" w="9525">
+                  <a14:hiddenLine xmlns:a14="http://schemas.microsoft.com/office/drawing/2010/main" xmlns="" w="9525">
                     <a:solidFill>
                       <a:srgbClr val="000000"/>
                     </a:solidFill>
@@ -11466,7 +11466,7 @@
               </a:ln>
               <a:extLst>
                 <a:ext uri="{91240B29-F687-4f45-9708-019B960494DF}">
-                  <a14:hiddenLine xmlns="" xmlns:a14="http://schemas.microsoft.com/office/drawing/2010/main" w="9525">
+                  <a14:hiddenLine xmlns:a14="http://schemas.microsoft.com/office/drawing/2010/main" xmlns="" w="9525">
                     <a:solidFill>
                       <a:srgbClr val="000000"/>
                     </a:solidFill>
@@ -11556,7 +11556,7 @@
               </a:ln>
               <a:extLst>
                 <a:ext uri="{91240B29-F687-4f45-9708-019B960494DF}">
-                  <a14:hiddenLine xmlns="" xmlns:a14="http://schemas.microsoft.com/office/drawing/2010/main" w="9525">
+                  <a14:hiddenLine xmlns:a14="http://schemas.microsoft.com/office/drawing/2010/main" xmlns="" w="9525">
                     <a:solidFill>
                       <a:srgbClr val="000000"/>
                     </a:solidFill>
@@ -11621,7 +11621,7 @@
               </a:ln>
               <a:extLst>
                 <a:ext uri="{91240B29-F687-4f45-9708-019B960494DF}">
-                  <a14:hiddenLine xmlns="" xmlns:a14="http://schemas.microsoft.com/office/drawing/2010/main" w="9525">
+                  <a14:hiddenLine xmlns:a14="http://schemas.microsoft.com/office/drawing/2010/main" xmlns="" w="9525">
                     <a:solidFill>
                       <a:srgbClr val="000000"/>
                     </a:solidFill>
@@ -11711,7 +11711,7 @@
               </a:ln>
               <a:extLst>
                 <a:ext uri="{91240B29-F687-4f45-9708-019B960494DF}">
-                  <a14:hiddenLine xmlns="" xmlns:a14="http://schemas.microsoft.com/office/drawing/2010/main" w="9525">
+                  <a14:hiddenLine xmlns:a14="http://schemas.microsoft.com/office/drawing/2010/main" xmlns="" w="9525">
                     <a:solidFill>
                       <a:srgbClr val="000000"/>
                     </a:solidFill>
@@ -11779,7 +11779,7 @@
               </a:ln>
               <a:extLst>
                 <a:ext uri="{91240B29-F687-4f45-9708-019B960494DF}">
-                  <a14:hiddenLine xmlns="" xmlns:a14="http://schemas.microsoft.com/office/drawing/2010/main" w="9525">
+                  <a14:hiddenLine xmlns:a14="http://schemas.microsoft.com/office/drawing/2010/main" xmlns="" w="9525">
                     <a:solidFill>
                       <a:srgbClr val="000000"/>
                     </a:solidFill>
@@ -11869,7 +11869,7 @@
               </a:ln>
               <a:extLst>
                 <a:ext uri="{91240B29-F687-4f45-9708-019B960494DF}">
-                  <a14:hiddenLine xmlns="" xmlns:a14="http://schemas.microsoft.com/office/drawing/2010/main" w="9525">
+                  <a14:hiddenLine xmlns:a14="http://schemas.microsoft.com/office/drawing/2010/main" xmlns="" w="9525">
                     <a:solidFill>
                       <a:srgbClr val="000000"/>
                     </a:solidFill>
@@ -11937,7 +11937,7 @@
               </a:ln>
               <a:extLst>
                 <a:ext uri="{91240B29-F687-4f45-9708-019B960494DF}">
-                  <a14:hiddenLine xmlns="" xmlns:a14="http://schemas.microsoft.com/office/drawing/2010/main" w="9525">
+                  <a14:hiddenLine xmlns:a14="http://schemas.microsoft.com/office/drawing/2010/main" xmlns="" w="9525">
                     <a:solidFill>
                       <a:srgbClr val="000000"/>
                     </a:solidFill>
@@ -12027,7 +12027,7 @@
               </a:ln>
               <a:extLst>
                 <a:ext uri="{91240B29-F687-4f45-9708-019B960494DF}">
-                  <a14:hiddenLine xmlns="" xmlns:a14="http://schemas.microsoft.com/office/drawing/2010/main" w="9525">
+                  <a14:hiddenLine xmlns:a14="http://schemas.microsoft.com/office/drawing/2010/main" xmlns="" w="9525">
                     <a:solidFill>
                       <a:srgbClr val="000000"/>
                     </a:solidFill>
@@ -12061,7 +12061,7 @@
               </a:ln>
               <a:extLst>
                 <a:ext uri="{91240B29-F687-4f45-9708-019B960494DF}">
-                  <a14:hiddenLine xmlns="" xmlns:a14="http://schemas.microsoft.com/office/drawing/2010/main" w="9525">
+                  <a14:hiddenLine xmlns:a14="http://schemas.microsoft.com/office/drawing/2010/main" xmlns="" w="9525">
                     <a:solidFill>
                       <a:srgbClr val="000000"/>
                     </a:solidFill>
@@ -14856,8 +14856,8 @@
         </p:nvGrpSpPr>
         <p:grpSpPr>
           <a:xfrm>
-            <a:off x="10276429" y="329886"/>
-            <a:ext cx="1078606" cy="774590"/>
+            <a:off x="9822426" y="329885"/>
+            <a:ext cx="1532609" cy="1218695"/>
             <a:chOff x="1341374" y="3839773"/>
             <a:chExt cx="1078606" cy="774590"/>
           </a:xfrm>
@@ -15719,7 +15719,157 @@
   <p:timing>
     <p:tnLst>
       <p:par>
-        <p:cTn id="1" dur="indefinite" restart="never" nodeType="tmRoot"/>
+        <p:cTn id="1" dur="indefinite" restart="never" nodeType="tmRoot">
+          <p:childTnLst>
+            <p:seq concurrent="1" nextAc="seek">
+              <p:cTn id="2" dur="indefinite" nodeType="mainSeq">
+                <p:childTnLst>
+                  <p:par>
+                    <p:cTn id="3" fill="hold">
+                      <p:stCondLst>
+                        <p:cond delay="indefinite"/>
+                        <p:cond evt="onBegin" delay="0">
+                          <p:tn val="2"/>
+                        </p:cond>
+                      </p:stCondLst>
+                      <p:childTnLst>
+                        <p:par>
+                          <p:cTn id="4" fill="hold">
+                            <p:stCondLst>
+                              <p:cond delay="0"/>
+                            </p:stCondLst>
+                            <p:childTnLst>
+                              <p:par>
+                                <p:cTn id="5" presetID="35" presetClass="path" presetSubtype="0" accel="50000" decel="50000" fill="hold" nodeType="afterEffect">
+                                  <p:stCondLst>
+                                    <p:cond delay="0"/>
+                                  </p:stCondLst>
+                                  <p:childTnLst>
+                                    <p:animMotion origin="layout" path="M 4.16667E-7 4.44444E-6 L -0.06289 0.00486 " pathEditMode="relative" rAng="0" ptsTypes="AA">
+                                      <p:cBhvr>
+                                        <p:cTn id="6" dur="5000" fill="hold"/>
+                                        <p:tgtEl>
+                                          <p:spTgt spid="19"/>
+                                        </p:tgtEl>
+                                        <p:attrNameLst>
+                                          <p:attrName>ppt_x</p:attrName>
+                                          <p:attrName>ppt_y</p:attrName>
+                                        </p:attrNameLst>
+                                      </p:cBhvr>
+                                      <p:rCtr x="-3151" y="231"/>
+                                    </p:animMotion>
+                                  </p:childTnLst>
+                                </p:cTn>
+                              </p:par>
+                              <p:par>
+                                <p:cTn id="7" presetID="32" presetClass="emph" presetSubtype="0" fill="hold" nodeType="withEffect">
+                                  <p:stCondLst>
+                                    <p:cond delay="0"/>
+                                  </p:stCondLst>
+                                  <p:childTnLst>
+                                    <p:animRot by="120000">
+                                      <p:cBhvr>
+                                        <p:cTn id="8" dur="500" fill="hold">
+                                          <p:stCondLst>
+                                            <p:cond delay="0"/>
+                                          </p:stCondLst>
+                                        </p:cTn>
+                                        <p:tgtEl>
+                                          <p:spTgt spid="19"/>
+                                        </p:tgtEl>
+                                        <p:attrNameLst>
+                                          <p:attrName>r</p:attrName>
+                                        </p:attrNameLst>
+                                      </p:cBhvr>
+                                    </p:animRot>
+                                    <p:animRot by="-240000">
+                                      <p:cBhvr>
+                                        <p:cTn id="9" dur="1000" fill="hold">
+                                          <p:stCondLst>
+                                            <p:cond delay="1000"/>
+                                          </p:stCondLst>
+                                        </p:cTn>
+                                        <p:tgtEl>
+                                          <p:spTgt spid="19"/>
+                                        </p:tgtEl>
+                                        <p:attrNameLst>
+                                          <p:attrName>r</p:attrName>
+                                        </p:attrNameLst>
+                                      </p:cBhvr>
+                                    </p:animRot>
+                                    <p:animRot by="240000">
+                                      <p:cBhvr>
+                                        <p:cTn id="10" dur="1000" fill="hold">
+                                          <p:stCondLst>
+                                            <p:cond delay="2000"/>
+                                          </p:stCondLst>
+                                        </p:cTn>
+                                        <p:tgtEl>
+                                          <p:spTgt spid="19"/>
+                                        </p:tgtEl>
+                                        <p:attrNameLst>
+                                          <p:attrName>r</p:attrName>
+                                        </p:attrNameLst>
+                                      </p:cBhvr>
+                                    </p:animRot>
+                                    <p:animRot by="-240000">
+                                      <p:cBhvr>
+                                        <p:cTn id="11" dur="1000" fill="hold">
+                                          <p:stCondLst>
+                                            <p:cond delay="3000"/>
+                                          </p:stCondLst>
+                                        </p:cTn>
+                                        <p:tgtEl>
+                                          <p:spTgt spid="19"/>
+                                        </p:tgtEl>
+                                        <p:attrNameLst>
+                                          <p:attrName>r</p:attrName>
+                                        </p:attrNameLst>
+                                      </p:cBhvr>
+                                    </p:animRot>
+                                    <p:animRot by="120000">
+                                      <p:cBhvr>
+                                        <p:cTn id="12" dur="1000" fill="hold">
+                                          <p:stCondLst>
+                                            <p:cond delay="4000"/>
+                                          </p:stCondLst>
+                                        </p:cTn>
+                                        <p:tgtEl>
+                                          <p:spTgt spid="19"/>
+                                        </p:tgtEl>
+                                        <p:attrNameLst>
+                                          <p:attrName>r</p:attrName>
+                                        </p:attrNameLst>
+                                      </p:cBhvr>
+                                    </p:animRot>
+                                  </p:childTnLst>
+                                </p:cTn>
+                              </p:par>
+                            </p:childTnLst>
+                          </p:cTn>
+                        </p:par>
+                      </p:childTnLst>
+                    </p:cTn>
+                  </p:par>
+                </p:childTnLst>
+              </p:cTn>
+              <p:prevCondLst>
+                <p:cond evt="onPrev" delay="0">
+                  <p:tgtEl>
+                    <p:sldTgt/>
+                  </p:tgtEl>
+                </p:cond>
+              </p:prevCondLst>
+              <p:nextCondLst>
+                <p:cond evt="onNext" delay="0">
+                  <p:tgtEl>
+                    <p:sldTgt/>
+                  </p:tgtEl>
+                </p:cond>
+              </p:nextCondLst>
+            </p:seq>
+          </p:childTnLst>
+        </p:cTn>
       </p:par>
     </p:tnLst>
   </p:timing>
@@ -21389,11 +21539,7 @@
           <a:p>
             <a:r>
               <a:rPr kumimoji="1" lang="ja-JP" altLang="en-US" sz="3600" dirty="0" smtClean="0"/>
-              <a:t>裏設定に</a:t>
-            </a:r>
-            <a:r>
-              <a:rPr kumimoji="1" lang="ja-JP" altLang="en-US" sz="3600" dirty="0" smtClean="0"/>
-              <a:t>子供入れて泣かせよう！</a:t>
+              <a:t>裏設定に子供入れて泣かせよう！</a:t>
             </a:r>
           </a:p>
         </p:txBody>
